--- a/DsDotNet/src/Engine/Engine.Core/Timer.pptx
+++ b/DsDotNet/src/Engine/Engine.Core/Timer.pptx
@@ -10,7 +10,8 @@
     <p:sldId id="261" r:id="rId4"/>
     <p:sldId id="257" r:id="rId5"/>
     <p:sldId id="258" r:id="rId6"/>
-    <p:sldId id="259" r:id="rId7"/>
+    <p:sldId id="262" r:id="rId7"/>
+    <p:sldId id="259" r:id="rId8"/>
   </p:sldIdLst>
   <p:sldSz cx="12192000" cy="6858000"/>
   <p:notesSz cx="6858000" cy="9144000"/>
@@ -3504,14 +3505,38 @@
           <a:p>
             <a:pPr lvl="1"/>
             <a:r>
-              <a:rPr lang="en-US" altLang="ko-KR" dirty="0">
+              <a:rPr lang="en-US" altLang="ko-KR" b="1" dirty="0">
                 <a:hlinkClick r:id="rId4"/>
               </a:rPr>
               <a:t>https://edisciplinas.usp.br/pluginfile.php/184942/mod_resource/content/1/Logix5000%20-%20Manual%20de%20Referencias.pdf</a:t>
             </a:r>
             <a:r>
+              <a:rPr lang="en-US" altLang="ko-KR" b="1" dirty="0"/>
+              <a:t>   </a:t>
+            </a:r>
+          </a:p>
+          <a:p>
+            <a:r>
               <a:rPr lang="en-US" altLang="ko-KR" dirty="0"/>
-              <a:t>   </a:t>
+              <a:t>LS </a:t>
+            </a:r>
+            <a:r>
+              <a:rPr lang="ko-KR" altLang="en-US" dirty="0"/>
+              <a:t>산전</a:t>
+            </a:r>
+            <a:endParaRPr lang="en-US" altLang="ko-KR" dirty="0"/>
+          </a:p>
+          <a:p>
+            <a:pPr lvl="1"/>
+            <a:r>
+              <a:rPr lang="en-US" altLang="ko-KR" dirty="0">
+                <a:hlinkClick r:id="rId5"/>
+              </a:rPr>
+              <a:t>http://www.famart.co.kr/resource/ls/%EC%82%AC%EC%9A%A9%EC%84%A4%EB%AA%85%EC%84%9C_XGK_XGB_%EB%AA%85%EB%A0%B9%EC%96%B4%EC%A7%91_%EA%B5%AD%EB%AC%B8_V2.3.pdf</a:t>
+            </a:r>
+            <a:r>
+              <a:rPr lang="en-US" altLang="ko-KR" dirty="0"/>
+              <a:t> </a:t>
             </a:r>
             <a:endParaRPr lang="ko-KR" altLang="en-US" dirty="0"/>
           </a:p>
@@ -3927,6 +3952,242 @@
           </a:prstGeom>
         </p:spPr>
       </p:pic>
+      <p:sp>
+        <p:nvSpPr>
+          <p:cNvPr id="5" name="TextBox 4">
+            <a:extLst>
+              <a:ext uri="{FF2B5EF4-FFF2-40B4-BE49-F238E27FC236}">
+                <a16:creationId xmlns:a16="http://schemas.microsoft.com/office/drawing/2014/main" id="{E6390EA6-4D77-AD12-FDF3-A7BA880D4898}"/>
+              </a:ext>
+            </a:extLst>
+          </p:cNvPr>
+          <p:cNvSpPr txBox="1"/>
+          <p:nvPr/>
+        </p:nvSpPr>
+        <p:spPr>
+          <a:xfrm>
+            <a:off x="738909" y="5698836"/>
+            <a:ext cx="7638245" cy="369332"/>
+          </a:xfrm>
+          <a:prstGeom prst="rect">
+            <a:avLst/>
+          </a:prstGeom>
+          <a:noFill/>
+        </p:spPr>
+        <p:txBody>
+          <a:bodyPr wrap="none" rtlCol="0">
+            <a:spAutoFit/>
+          </a:bodyPr>
+          <a:lstStyle/>
+          <a:p>
+            <a:r>
+              <a:rPr lang="ko-KR" altLang="en-US" dirty="0"/>
+              <a:t>동영상 </a:t>
+            </a:r>
+            <a:r>
+              <a:rPr lang="en-US" altLang="ko-KR" dirty="0">
+                <a:hlinkClick r:id="rId3"/>
+              </a:rPr>
+              <a:t>https://www.youtube.com/watch?v=KdRpvMTskUI&amp;t=351s</a:t>
+            </a:r>
+            <a:r>
+              <a:rPr lang="en-US" altLang="ko-KR" dirty="0"/>
+              <a:t>  5:25</a:t>
+            </a:r>
+            <a:endParaRPr lang="ko-KR" altLang="en-US" dirty="0"/>
+          </a:p>
+        </p:txBody>
+      </p:sp>
+      <p:sp>
+        <p:nvSpPr>
+          <p:cNvPr id="6" name="TextBox 5">
+            <a:extLst>
+              <a:ext uri="{FF2B5EF4-FFF2-40B4-BE49-F238E27FC236}">
+                <a16:creationId xmlns:a16="http://schemas.microsoft.com/office/drawing/2014/main" id="{2ECC0942-F069-3B68-EE20-A565266315D2}"/>
+              </a:ext>
+            </a:extLst>
+          </p:cNvPr>
+          <p:cNvSpPr txBox="1"/>
+          <p:nvPr/>
+        </p:nvSpPr>
+        <p:spPr>
+          <a:xfrm>
+            <a:off x="406400" y="2041236"/>
+            <a:ext cx="2231701" cy="246221"/>
+          </a:xfrm>
+          <a:prstGeom prst="rect">
+            <a:avLst/>
+          </a:prstGeom>
+          <a:noFill/>
+        </p:spPr>
+        <p:txBody>
+          <a:bodyPr wrap="none" rtlCol="0">
+            <a:spAutoFit/>
+          </a:bodyPr>
+          <a:lstStyle/>
+          <a:p>
+            <a:r>
+              <a:rPr lang="en-US" altLang="ko-KR" sz="1000" dirty="0"/>
+              <a:t>EN</a:t>
+            </a:r>
+            <a:r>
+              <a:rPr lang="ko-KR" altLang="en-US" sz="1000" dirty="0"/>
+              <a:t> 는 </a:t>
+            </a:r>
+            <a:r>
+              <a:rPr lang="en-US" altLang="ko-KR" sz="1000" dirty="0"/>
+              <a:t>Rung-condition-in </a:t>
+            </a:r>
+            <a:r>
+              <a:rPr lang="ko-KR" altLang="en-US" sz="1000" dirty="0"/>
+              <a:t>을 </a:t>
+            </a:r>
+            <a:r>
+              <a:rPr lang="ko-KR" altLang="en-US" sz="1000" dirty="0" err="1"/>
+              <a:t>따라감</a:t>
+            </a:r>
+            <a:endParaRPr lang="ko-KR" altLang="en-US" sz="1000" dirty="0"/>
+          </a:p>
+        </p:txBody>
+      </p:sp>
+      <p:sp>
+        <p:nvSpPr>
+          <p:cNvPr id="7" name="TextBox 6">
+            <a:extLst>
+              <a:ext uri="{FF2B5EF4-FFF2-40B4-BE49-F238E27FC236}">
+                <a16:creationId xmlns:a16="http://schemas.microsoft.com/office/drawing/2014/main" id="{E9EFA226-9482-2576-12DB-C1C827D4EB16}"/>
+              </a:ext>
+            </a:extLst>
+          </p:cNvPr>
+          <p:cNvSpPr txBox="1"/>
+          <p:nvPr/>
+        </p:nvSpPr>
+        <p:spPr>
+          <a:xfrm>
+            <a:off x="406399" y="2625147"/>
+            <a:ext cx="2294218" cy="400110"/>
+          </a:xfrm>
+          <a:prstGeom prst="rect">
+            <a:avLst/>
+          </a:prstGeom>
+          <a:noFill/>
+        </p:spPr>
+        <p:txBody>
+          <a:bodyPr wrap="none" rtlCol="0">
+            <a:spAutoFit/>
+          </a:bodyPr>
+          <a:lstStyle/>
+          <a:p>
+            <a:r>
+              <a:rPr lang="en-US" altLang="ko-KR" sz="1000" dirty="0"/>
+              <a:t>TT</a:t>
+            </a:r>
+            <a:r>
+              <a:rPr lang="ko-KR" altLang="en-US" sz="1000" dirty="0"/>
+              <a:t> 는 </a:t>
+            </a:r>
+            <a:r>
+              <a:rPr lang="en-US" altLang="ko-KR" sz="1000" dirty="0"/>
+              <a:t>timing measure </a:t>
+            </a:r>
+            <a:r>
+              <a:rPr lang="ko-KR" altLang="en-US" sz="1000" dirty="0"/>
+              <a:t>중에만 </a:t>
+            </a:r>
+            <a:r>
+              <a:rPr lang="en-US" altLang="ko-KR" sz="1000" dirty="0"/>
+              <a:t>ON </a:t>
+            </a:r>
+            <a:r>
+              <a:rPr lang="ko-KR" altLang="en-US" sz="1000" dirty="0"/>
+              <a:t>됨</a:t>
+            </a:r>
+            <a:endParaRPr lang="en-US" altLang="ko-KR" sz="1000" dirty="0"/>
+          </a:p>
+          <a:p>
+            <a:r>
+              <a:rPr lang="en-US" altLang="ko-KR" sz="1000" dirty="0"/>
+              <a:t>! EN &amp;&amp; DN</a:t>
+            </a:r>
+            <a:endParaRPr lang="ko-KR" altLang="en-US" sz="1000" dirty="0"/>
+          </a:p>
+        </p:txBody>
+      </p:sp>
+      <p:sp>
+        <p:nvSpPr>
+          <p:cNvPr id="8" name="TextBox 7">
+            <a:extLst>
+              <a:ext uri="{FF2B5EF4-FFF2-40B4-BE49-F238E27FC236}">
+                <a16:creationId xmlns:a16="http://schemas.microsoft.com/office/drawing/2014/main" id="{43CC1094-3CB9-1830-7711-54C1F2BE7FEB}"/>
+              </a:ext>
+            </a:extLst>
+          </p:cNvPr>
+          <p:cNvSpPr txBox="1"/>
+          <p:nvPr/>
+        </p:nvSpPr>
+        <p:spPr>
+          <a:xfrm>
+            <a:off x="406399" y="3123363"/>
+            <a:ext cx="2874505" cy="246221"/>
+          </a:xfrm>
+          <a:prstGeom prst="rect">
+            <a:avLst/>
+          </a:prstGeom>
+          <a:noFill/>
+        </p:spPr>
+        <p:txBody>
+          <a:bodyPr wrap="none" rtlCol="0">
+            <a:spAutoFit/>
+          </a:bodyPr>
+          <a:lstStyle/>
+          <a:p>
+            <a:r>
+              <a:rPr lang="en-US" altLang="ko-KR" sz="1000" dirty="0"/>
+              <a:t>DN</a:t>
+            </a:r>
+            <a:r>
+              <a:rPr lang="ko-KR" altLang="en-US" sz="1000" dirty="0"/>
+              <a:t> 는 </a:t>
+            </a:r>
+            <a:r>
+              <a:rPr lang="en-US" altLang="ko-KR" sz="1000" dirty="0"/>
+              <a:t>counting </a:t>
+            </a:r>
+            <a:r>
+              <a:rPr lang="ko-KR" altLang="en-US" sz="1000" dirty="0"/>
+              <a:t>완료 후에 </a:t>
+            </a:r>
+            <a:r>
+              <a:rPr lang="en-US" altLang="ko-KR" sz="1000" dirty="0"/>
+              <a:t>OFF,</a:t>
+            </a:r>
+            <a:r>
+              <a:rPr lang="ko-KR" altLang="en-US" sz="1000" dirty="0"/>
+              <a:t> </a:t>
+            </a:r>
+            <a:r>
+              <a:rPr lang="en-US" altLang="ko-KR" sz="1000" dirty="0"/>
+              <a:t>EN</a:t>
+            </a:r>
+            <a:r>
+              <a:rPr lang="ko-KR" altLang="en-US" sz="1000" dirty="0"/>
+              <a:t> </a:t>
+            </a:r>
+            <a:r>
+              <a:rPr lang="en-US" altLang="ko-KR" sz="1000" dirty="0"/>
+              <a:t>ON</a:t>
+            </a:r>
+            <a:r>
+              <a:rPr lang="ko-KR" altLang="en-US" sz="1000" dirty="0"/>
+              <a:t> 시 </a:t>
+            </a:r>
+            <a:r>
+              <a:rPr lang="en-US" altLang="ko-KR" sz="1000" dirty="0"/>
+              <a:t>ON</a:t>
+            </a:r>
+          </a:p>
+        </p:txBody>
+      </p:sp>
     </p:spTree>
     <p:extLst>
       <p:ext uri="{BB962C8B-B14F-4D97-AF65-F5344CB8AC3E}">
@@ -3941,6 +4202,66 @@
 </file>
 
 <file path=ppt/slides/slide6.xml><?xml version="1.0" encoding="utf-8"?>
+<p:sld xmlns:a="http://schemas.openxmlformats.org/drawingml/2006/main" xmlns:r="http://schemas.openxmlformats.org/officeDocument/2006/relationships" xmlns:p="http://schemas.openxmlformats.org/presentationml/2006/main">
+  <p:cSld>
+    <p:spTree>
+      <p:nvGrpSpPr>
+        <p:cNvPr id="1" name=""/>
+        <p:cNvGrpSpPr/>
+        <p:nvPr/>
+      </p:nvGrpSpPr>
+      <p:grpSpPr>
+        <a:xfrm>
+          <a:off x="0" y="0"/>
+          <a:ext cx="0" cy="0"/>
+          <a:chOff x="0" y="0"/>
+          <a:chExt cx="0" cy="0"/>
+        </a:xfrm>
+      </p:grpSpPr>
+      <p:pic>
+        <p:nvPicPr>
+          <p:cNvPr id="5" name="그림 4">
+            <a:extLst>
+              <a:ext uri="{FF2B5EF4-FFF2-40B4-BE49-F238E27FC236}">
+                <a16:creationId xmlns:a16="http://schemas.microsoft.com/office/drawing/2014/main" id="{5A5D607E-8C6D-F1DF-34B1-AB964DA7EB23}"/>
+              </a:ext>
+            </a:extLst>
+          </p:cNvPr>
+          <p:cNvPicPr>
+            <a:picLocks noChangeAspect="1"/>
+          </p:cNvPicPr>
+          <p:nvPr/>
+        </p:nvPicPr>
+        <p:blipFill>
+          <a:blip r:embed="rId2"/>
+          <a:stretch>
+            <a:fillRect/>
+          </a:stretch>
+        </p:blipFill>
+        <p:spPr>
+          <a:xfrm>
+            <a:off x="2828503" y="0"/>
+            <a:ext cx="6534993" cy="6858000"/>
+          </a:xfrm>
+          <a:prstGeom prst="rect">
+            <a:avLst/>
+          </a:prstGeom>
+        </p:spPr>
+      </p:pic>
+    </p:spTree>
+    <p:extLst>
+      <p:ext uri="{BB962C8B-B14F-4D97-AF65-F5344CB8AC3E}">
+        <p14:creationId xmlns:p14="http://schemas.microsoft.com/office/powerpoint/2010/main" val="5957759"/>
+      </p:ext>
+    </p:extLst>
+  </p:cSld>
+  <p:clrMapOvr>
+    <a:masterClrMapping/>
+  </p:clrMapOvr>
+</p:sld>
+</file>
+
+<file path=ppt/slides/slide7.xml><?xml version="1.0" encoding="utf-8"?>
 <p:sld xmlns:a="http://schemas.openxmlformats.org/drawingml/2006/main" xmlns:r="http://schemas.openxmlformats.org/officeDocument/2006/relationships" xmlns:p="http://schemas.openxmlformats.org/presentationml/2006/main">
   <p:cSld>
     <p:spTree>

--- a/DsDotNet/src/Engine/Engine.Core/Timer.pptx
+++ b/DsDotNet/src/Engine/Engine.Core/Timer.pptx
@@ -110,6 +110,11 @@
       </a:defRPr>
     </a:lvl9pPr>
   </p:defaultTextStyle>
+  <p:extLst>
+    <p:ext uri="{EFAFB233-063F-42B5-8137-9DF3F51BA10A}">
+      <p15:sldGuideLst xmlns:p15="http://schemas.microsoft.com/office/powerpoint/2012/main"/>
+    </p:ext>
+  </p:extLst>
 </p:presentation>
 </file>
 
@@ -4248,6 +4253,42 @@
           </a:prstGeom>
         </p:spPr>
       </p:pic>
+      <p:sp>
+        <p:nvSpPr>
+          <p:cNvPr id="2" name="제목 1">
+            <a:extLst>
+              <a:ext uri="{FF2B5EF4-FFF2-40B4-BE49-F238E27FC236}">
+                <a16:creationId xmlns:a16="http://schemas.microsoft.com/office/drawing/2014/main" id="{6D6B8BB5-AED8-D470-F312-7F19591DF635}"/>
+              </a:ext>
+            </a:extLst>
+          </p:cNvPr>
+          <p:cNvSpPr>
+            <a:spLocks noGrp="1"/>
+          </p:cNvSpPr>
+          <p:nvPr>
+            <p:ph type="title"/>
+          </p:nvPr>
+        </p:nvSpPr>
+        <p:spPr>
+          <a:xfrm>
+            <a:off x="117763" y="124979"/>
+            <a:ext cx="1526309" cy="604693"/>
+          </a:xfrm>
+        </p:spPr>
+        <p:txBody>
+          <a:bodyPr>
+            <a:normAutofit fontScale="90000"/>
+          </a:bodyPr>
+          <a:lstStyle/>
+          <a:p>
+            <a:r>
+              <a:rPr lang="en-US" altLang="ko-KR" dirty="0"/>
+              <a:t>TOF</a:t>
+            </a:r>
+            <a:endParaRPr lang="ko-KR" altLang="en-US" dirty="0"/>
+          </a:p>
+        </p:txBody>
+      </p:sp>
     </p:spTree>
     <p:extLst>
       <p:ext uri="{BB962C8B-B14F-4D97-AF65-F5344CB8AC3E}">
@@ -4336,7 +4377,7 @@
         </p:blipFill>
         <p:spPr>
           <a:xfrm>
-            <a:off x="1576387" y="976312"/>
+            <a:off x="1576387" y="1827646"/>
             <a:ext cx="9039225" cy="4905375"/>
           </a:xfrm>
           <a:prstGeom prst="rect">
@@ -4344,6 +4385,133 @@
           </a:prstGeom>
         </p:spPr>
       </p:pic>
+      <p:sp>
+        <p:nvSpPr>
+          <p:cNvPr id="5" name="TextBox 4">
+            <a:extLst>
+              <a:ext uri="{FF2B5EF4-FFF2-40B4-BE49-F238E27FC236}">
+                <a16:creationId xmlns:a16="http://schemas.microsoft.com/office/drawing/2014/main" id="{ED068C30-877C-DB08-06B0-870FEA547AFC}"/>
+              </a:ext>
+            </a:extLst>
+          </p:cNvPr>
+          <p:cNvSpPr txBox="1"/>
+          <p:nvPr/>
+        </p:nvSpPr>
+        <p:spPr>
+          <a:xfrm>
+            <a:off x="1715654" y="240574"/>
+            <a:ext cx="9469581" cy="1477328"/>
+          </a:xfrm>
+          <a:prstGeom prst="rect">
+            <a:avLst/>
+          </a:prstGeom>
+          <a:noFill/>
+        </p:spPr>
+        <p:txBody>
+          <a:bodyPr wrap="square">
+            <a:spAutoFit/>
+          </a:bodyPr>
+          <a:lstStyle/>
+          <a:p>
+            <a:r>
+              <a:rPr lang="en-US" altLang="ko-KR" dirty="0">
+                <a:effectLst/>
+                <a:latin typeface="Times New Roman" panose="02020603050405020304" pitchFamily="18" charset="0"/>
+              </a:rPr>
+              <a:t>The RTO instruction accumulates time until it is disabled. When the RTO</a:t>
+            </a:r>
+            <a:br>
+              <a:rPr lang="en-US" altLang="ko-KR" dirty="0"/>
+            </a:br>
+            <a:r>
+              <a:rPr lang="en-US" altLang="ko-KR" dirty="0">
+                <a:effectLst/>
+                <a:latin typeface="Times New Roman" panose="02020603050405020304" pitchFamily="18" charset="0"/>
+              </a:rPr>
+              <a:t>instruction is disabled, </a:t>
+            </a:r>
+            <a:r>
+              <a:rPr lang="en-US" altLang="ko-KR" dirty="0">
+                <a:solidFill>
+                  <a:srgbClr val="FF0000"/>
+                </a:solidFill>
+                <a:effectLst/>
+                <a:latin typeface="Times New Roman" panose="02020603050405020304" pitchFamily="18" charset="0"/>
+              </a:rPr>
+              <a:t>it retains its .ACC value</a:t>
+            </a:r>
+            <a:r>
+              <a:rPr lang="en-US" altLang="ko-KR" dirty="0">
+                <a:effectLst/>
+                <a:latin typeface="Times New Roman" panose="02020603050405020304" pitchFamily="18" charset="0"/>
+              </a:rPr>
+              <a:t>. You must clear the .ACC value,</a:t>
+            </a:r>
+            <a:br>
+              <a:rPr lang="en-US" altLang="ko-KR" dirty="0"/>
+            </a:br>
+            <a:r>
+              <a:rPr lang="en-US" altLang="ko-KR" dirty="0">
+                <a:effectLst/>
+                <a:latin typeface="Times New Roman" panose="02020603050405020304" pitchFamily="18" charset="0"/>
+              </a:rPr>
+              <a:t>typically with a </a:t>
+            </a:r>
+            <a:r>
+              <a:rPr lang="en-US" altLang="ko-KR" dirty="0">
+                <a:solidFill>
+                  <a:srgbClr val="FF0000"/>
+                </a:solidFill>
+                <a:effectLst/>
+                <a:latin typeface="Times New Roman" panose="02020603050405020304" pitchFamily="18" charset="0"/>
+              </a:rPr>
+              <a:t>RES instruction</a:t>
+            </a:r>
+            <a:r>
+              <a:rPr lang="en-US" altLang="ko-KR" dirty="0">
+                <a:effectLst/>
+                <a:latin typeface="Times New Roman" panose="02020603050405020304" pitchFamily="18" charset="0"/>
+              </a:rPr>
+              <a:t> referencing the same TIMER structure.</a:t>
+            </a:r>
+            <a:br>
+              <a:rPr lang="en-US" altLang="ko-KR" dirty="0"/>
+            </a:br>
+            <a:r>
+              <a:rPr lang="en-US" altLang="ko-KR" dirty="0">
+                <a:effectLst/>
+                <a:latin typeface="Times New Roman" panose="02020603050405020304" pitchFamily="18" charset="0"/>
+              </a:rPr>
+              <a:t>The time base is always 1 </a:t>
+            </a:r>
+            <a:r>
+              <a:rPr lang="en-US" altLang="ko-KR" dirty="0" err="1">
+                <a:effectLst/>
+                <a:latin typeface="Times New Roman" panose="02020603050405020304" pitchFamily="18" charset="0"/>
+              </a:rPr>
+              <a:t>ms.</a:t>
+            </a:r>
+            <a:r>
+              <a:rPr lang="en-US" altLang="ko-KR" dirty="0">
+                <a:effectLst/>
+                <a:latin typeface="Times New Roman" panose="02020603050405020304" pitchFamily="18" charset="0"/>
+              </a:rPr>
+              <a:t> For example, for a 2-second timer, enter 2000 for</a:t>
+            </a:r>
+            <a:br>
+              <a:rPr lang="en-US" altLang="ko-KR" dirty="0"/>
+            </a:br>
+            <a:r>
+              <a:rPr lang="en-US" altLang="ko-KR" dirty="0">
+                <a:effectLst/>
+                <a:latin typeface="Times New Roman" panose="02020603050405020304" pitchFamily="18" charset="0"/>
+              </a:rPr>
+              <a:t>the .PRE value</a:t>
+            </a:r>
+            <a:endParaRPr lang="ko-KR" altLang="en-US" dirty="0"/>
+          </a:p>
+        </p:txBody>
+      </p:sp>
     </p:spTree>
     <p:extLst>
       <p:ext uri="{BB962C8B-B14F-4D97-AF65-F5344CB8AC3E}">

--- a/DsDotNet/src/Engine/Engine.Core/Timer.pptx
+++ b/DsDotNet/src/Engine/Engine.Core/Timer.pptx
@@ -12,6 +12,8 @@
     <p:sldId id="258" r:id="rId6"/>
     <p:sldId id="262" r:id="rId7"/>
     <p:sldId id="259" r:id="rId8"/>
+    <p:sldId id="263" r:id="rId9"/>
+    <p:sldId id="264" r:id="rId10"/>
   </p:sldIdLst>
   <p:sldSz cx="12192000" cy="6858000"/>
   <p:notesSz cx="6858000" cy="9144000"/>
@@ -4525,6 +4527,241 @@
 </p:sld>
 </file>
 
+<file path=ppt/slides/slide8.xml><?xml version="1.0" encoding="utf-8"?>
+<p:sld xmlns:a="http://schemas.openxmlformats.org/drawingml/2006/main" xmlns:r="http://schemas.openxmlformats.org/officeDocument/2006/relationships" xmlns:p="http://schemas.openxmlformats.org/presentationml/2006/main">
+  <p:cSld>
+    <p:spTree>
+      <p:nvGrpSpPr>
+        <p:cNvPr id="1" name=""/>
+        <p:cNvGrpSpPr/>
+        <p:nvPr/>
+      </p:nvGrpSpPr>
+      <p:grpSpPr>
+        <a:xfrm>
+          <a:off x="0" y="0"/>
+          <a:ext cx="0" cy="0"/>
+          <a:chOff x="0" y="0"/>
+          <a:chExt cx="0" cy="0"/>
+        </a:xfrm>
+      </p:grpSpPr>
+      <p:sp>
+        <p:nvSpPr>
+          <p:cNvPr id="4" name="제목 3">
+            <a:extLst>
+              <a:ext uri="{FF2B5EF4-FFF2-40B4-BE49-F238E27FC236}">
+                <a16:creationId xmlns:a16="http://schemas.microsoft.com/office/drawing/2014/main" id="{41B1E1A9-6AFD-E27C-2258-6496ED70FE19}"/>
+              </a:ext>
+            </a:extLst>
+          </p:cNvPr>
+          <p:cNvSpPr>
+            <a:spLocks noGrp="1"/>
+          </p:cNvSpPr>
+          <p:nvPr>
+            <p:ph type="ctrTitle"/>
+          </p:nvPr>
+        </p:nvSpPr>
+        <p:spPr/>
+        <p:txBody>
+          <a:bodyPr/>
+          <a:lstStyle/>
+          <a:p>
+            <a:r>
+              <a:rPr lang="en-US" altLang="ko-KR" dirty="0"/>
+              <a:t>COUNTER</a:t>
+            </a:r>
+            <a:endParaRPr lang="ko-KR" altLang="en-US" dirty="0"/>
+          </a:p>
+        </p:txBody>
+      </p:sp>
+      <p:sp>
+        <p:nvSpPr>
+          <p:cNvPr id="5" name="부제목 4">
+            <a:extLst>
+              <a:ext uri="{FF2B5EF4-FFF2-40B4-BE49-F238E27FC236}">
+                <a16:creationId xmlns:a16="http://schemas.microsoft.com/office/drawing/2014/main" id="{E9D93AD1-9BE9-7782-790D-E3D2F2C1662F}"/>
+              </a:ext>
+            </a:extLst>
+          </p:cNvPr>
+          <p:cNvSpPr>
+            <a:spLocks noGrp="1"/>
+          </p:cNvSpPr>
+          <p:nvPr>
+            <p:ph type="subTitle" idx="1"/>
+          </p:nvPr>
+        </p:nvSpPr>
+        <p:spPr/>
+        <p:txBody>
+          <a:bodyPr/>
+          <a:lstStyle/>
+          <a:p>
+            <a:endParaRPr lang="ko-KR" altLang="en-US"/>
+          </a:p>
+        </p:txBody>
+      </p:sp>
+    </p:spTree>
+    <p:extLst>
+      <p:ext uri="{BB962C8B-B14F-4D97-AF65-F5344CB8AC3E}">
+        <p14:creationId xmlns:p14="http://schemas.microsoft.com/office/powerpoint/2010/main" val="2273421396"/>
+      </p:ext>
+    </p:extLst>
+  </p:cSld>
+  <p:clrMapOvr>
+    <a:masterClrMapping/>
+  </p:clrMapOvr>
+</p:sld>
+</file>
+
+<file path=ppt/slides/slide9.xml><?xml version="1.0" encoding="utf-8"?>
+<p:sld xmlns:a="http://schemas.openxmlformats.org/drawingml/2006/main" xmlns:r="http://schemas.openxmlformats.org/officeDocument/2006/relationships" xmlns:p="http://schemas.openxmlformats.org/presentationml/2006/main">
+  <p:cSld>
+    <p:spTree>
+      <p:nvGrpSpPr>
+        <p:cNvPr id="1" name=""/>
+        <p:cNvGrpSpPr/>
+        <p:nvPr/>
+      </p:nvGrpSpPr>
+      <p:grpSpPr>
+        <a:xfrm>
+          <a:off x="0" y="0"/>
+          <a:ext cx="0" cy="0"/>
+          <a:chOff x="0" y="0"/>
+          <a:chExt cx="0" cy="0"/>
+        </a:xfrm>
+      </p:grpSpPr>
+      <p:pic>
+        <p:nvPicPr>
+          <p:cNvPr id="5" name="그림 4">
+            <a:extLst>
+              <a:ext uri="{FF2B5EF4-FFF2-40B4-BE49-F238E27FC236}">
+                <a16:creationId xmlns:a16="http://schemas.microsoft.com/office/drawing/2014/main" id="{2D031465-16DB-9C7C-11E0-954AF46AC467}"/>
+              </a:ext>
+            </a:extLst>
+          </p:cNvPr>
+          <p:cNvPicPr>
+            <a:picLocks noChangeAspect="1"/>
+          </p:cNvPicPr>
+          <p:nvPr/>
+        </p:nvPicPr>
+        <p:blipFill>
+          <a:blip r:embed="rId2"/>
+          <a:stretch>
+            <a:fillRect/>
+          </a:stretch>
+        </p:blipFill>
+        <p:spPr>
+          <a:xfrm>
+            <a:off x="1362075" y="1828800"/>
+            <a:ext cx="9467850" cy="3200400"/>
+          </a:xfrm>
+          <a:prstGeom prst="rect">
+            <a:avLst/>
+          </a:prstGeom>
+        </p:spPr>
+      </p:pic>
+      <p:sp>
+        <p:nvSpPr>
+          <p:cNvPr id="6" name="제목 1">
+            <a:extLst>
+              <a:ext uri="{FF2B5EF4-FFF2-40B4-BE49-F238E27FC236}">
+                <a16:creationId xmlns:a16="http://schemas.microsoft.com/office/drawing/2014/main" id="{D0CC2357-92A8-8690-7C20-3467415A7415}"/>
+              </a:ext>
+            </a:extLst>
+          </p:cNvPr>
+          <p:cNvSpPr txBox="1">
+            <a:spLocks/>
+          </p:cNvSpPr>
+          <p:nvPr/>
+        </p:nvSpPr>
+        <p:spPr>
+          <a:xfrm>
+            <a:off x="117763" y="124979"/>
+            <a:ext cx="1526309" cy="604693"/>
+          </a:xfrm>
+          <a:prstGeom prst="rect">
+            <a:avLst/>
+          </a:prstGeom>
+        </p:spPr>
+        <p:txBody>
+          <a:bodyPr vert="horz" lIns="91440" tIns="45720" rIns="91440" bIns="45720" rtlCol="0" anchor="ctr">
+            <a:normAutofit fontScale="90000" lnSpcReduction="10000"/>
+          </a:bodyPr>
+          <a:lstStyle>
+            <a:lvl1pPr algn="l" defTabSz="914400" rtl="0" eaLnBrk="1" latinLnBrk="1" hangingPunct="1">
+              <a:lnSpc>
+                <a:spcPct val="90000"/>
+              </a:lnSpc>
+              <a:spcBef>
+                <a:spcPct val="0"/>
+              </a:spcBef>
+              <a:buNone/>
+              <a:defRPr sz="4400" kern="1200">
+                <a:solidFill>
+                  <a:schemeClr val="tx1"/>
+                </a:solidFill>
+                <a:latin typeface="+mj-lt"/>
+                <a:ea typeface="+mj-ea"/>
+                <a:cs typeface="+mj-cs"/>
+              </a:defRPr>
+            </a:lvl1pPr>
+          </a:lstStyle>
+          <a:p>
+            <a:r>
+              <a:rPr lang="en-US" altLang="ko-KR" dirty="0"/>
+              <a:t>CTU</a:t>
+            </a:r>
+            <a:endParaRPr lang="ko-KR" altLang="en-US" dirty="0"/>
+          </a:p>
+        </p:txBody>
+      </p:sp>
+      <p:sp>
+        <p:nvSpPr>
+          <p:cNvPr id="7" name="TextBox 6">
+            <a:extLst>
+              <a:ext uri="{FF2B5EF4-FFF2-40B4-BE49-F238E27FC236}">
+                <a16:creationId xmlns:a16="http://schemas.microsoft.com/office/drawing/2014/main" id="{0650043B-88A0-7279-B89D-5070D8811789}"/>
+              </a:ext>
+            </a:extLst>
+          </p:cNvPr>
+          <p:cNvSpPr txBox="1"/>
+          <p:nvPr/>
+        </p:nvSpPr>
+        <p:spPr>
+          <a:xfrm>
+            <a:off x="465909" y="2037805"/>
+            <a:ext cx="1039067" cy="369332"/>
+          </a:xfrm>
+          <a:prstGeom prst="rect">
+            <a:avLst/>
+          </a:prstGeom>
+          <a:noFill/>
+        </p:spPr>
+        <p:txBody>
+          <a:bodyPr wrap="none" rtlCol="0">
+            <a:spAutoFit/>
+          </a:bodyPr>
+          <a:lstStyle/>
+          <a:p>
+            <a:r>
+              <a:rPr lang="en-US" altLang="ko-KR" dirty="0"/>
+              <a:t>.CU, .CD</a:t>
+            </a:r>
+            <a:endParaRPr lang="ko-KR" altLang="en-US" dirty="0"/>
+          </a:p>
+        </p:txBody>
+      </p:sp>
+    </p:spTree>
+    <p:extLst>
+      <p:ext uri="{BB962C8B-B14F-4D97-AF65-F5344CB8AC3E}">
+        <p14:creationId xmlns:p14="http://schemas.microsoft.com/office/powerpoint/2010/main" val="1978222640"/>
+      </p:ext>
+    </p:extLst>
+  </p:cSld>
+  <p:clrMapOvr>
+    <a:masterClrMapping/>
+  </p:clrMapOvr>
+</p:sld>
+</file>
+
 <file path=ppt/theme/theme1.xml><?xml version="1.0" encoding="utf-8"?>
 <a:theme xmlns:a="http://schemas.openxmlformats.org/drawingml/2006/main" name="Office 테마">
   <a:themeElements>

--- a/DsDotNet/src/Engine/Engine.Core/Timer.pptx
+++ b/DsDotNet/src/Engine/Engine.Core/Timer.pptx
@@ -14,6 +14,7 @@
     <p:sldId id="259" r:id="rId8"/>
     <p:sldId id="263" r:id="rId9"/>
     <p:sldId id="264" r:id="rId10"/>
+    <p:sldId id="265" r:id="rId11"/>
   </p:sldIdLst>
   <p:sldSz cx="12192000" cy="6858000"/>
   <p:notesSz cx="6858000" cy="9144000"/>
@@ -267,9 +268,9 @@
           <a:p>
             <a:fld id="{F0D11F29-D168-44AB-8C51-C78796B9CFB4}" type="datetimeFigureOut">
               <a:rPr lang="ko-KR" altLang="en-US" smtClean="0"/>
-              <a:t>2022-12-15</a:t>
+              <a:t>2022-12-16</a:t>
             </a:fld>
-            <a:endParaRPr lang="ko-KR" altLang="en-US"/>
+            <a:endParaRPr lang="ko-KR" altLang="en-US" dirty="0"/>
           </a:p>
         </p:txBody>
       </p:sp>
@@ -294,7 +295,7 @@
           <a:bodyPr/>
           <a:lstStyle/>
           <a:p>
-            <a:endParaRPr lang="ko-KR" altLang="en-US"/>
+            <a:endParaRPr lang="ko-KR" altLang="en-US" dirty="0"/>
           </a:p>
         </p:txBody>
       </p:sp>
@@ -323,7 +324,7 @@
               <a:rPr lang="ko-KR" altLang="en-US" smtClean="0"/>
               <a:t>‹#›</a:t>
             </a:fld>
-            <a:endParaRPr lang="ko-KR" altLang="en-US"/>
+            <a:endParaRPr lang="ko-KR" altLang="en-US" dirty="0"/>
           </a:p>
         </p:txBody>
       </p:sp>
@@ -465,9 +466,9 @@
           <a:p>
             <a:fld id="{F0D11F29-D168-44AB-8C51-C78796B9CFB4}" type="datetimeFigureOut">
               <a:rPr lang="ko-KR" altLang="en-US" smtClean="0"/>
-              <a:t>2022-12-15</a:t>
+              <a:t>2022-12-16</a:t>
             </a:fld>
-            <a:endParaRPr lang="ko-KR" altLang="en-US"/>
+            <a:endParaRPr lang="ko-KR" altLang="en-US" dirty="0"/>
           </a:p>
         </p:txBody>
       </p:sp>
@@ -492,7 +493,7 @@
           <a:bodyPr/>
           <a:lstStyle/>
           <a:p>
-            <a:endParaRPr lang="ko-KR" altLang="en-US"/>
+            <a:endParaRPr lang="ko-KR" altLang="en-US" dirty="0"/>
           </a:p>
         </p:txBody>
       </p:sp>
@@ -521,7 +522,7 @@
               <a:rPr lang="ko-KR" altLang="en-US" smtClean="0"/>
               <a:t>‹#›</a:t>
             </a:fld>
-            <a:endParaRPr lang="ko-KR" altLang="en-US"/>
+            <a:endParaRPr lang="ko-KR" altLang="en-US" dirty="0"/>
           </a:p>
         </p:txBody>
       </p:sp>
@@ -673,9 +674,9 @@
           <a:p>
             <a:fld id="{F0D11F29-D168-44AB-8C51-C78796B9CFB4}" type="datetimeFigureOut">
               <a:rPr lang="ko-KR" altLang="en-US" smtClean="0"/>
-              <a:t>2022-12-15</a:t>
+              <a:t>2022-12-16</a:t>
             </a:fld>
-            <a:endParaRPr lang="ko-KR" altLang="en-US"/>
+            <a:endParaRPr lang="ko-KR" altLang="en-US" dirty="0"/>
           </a:p>
         </p:txBody>
       </p:sp>
@@ -700,7 +701,7 @@
           <a:bodyPr/>
           <a:lstStyle/>
           <a:p>
-            <a:endParaRPr lang="ko-KR" altLang="en-US"/>
+            <a:endParaRPr lang="ko-KR" altLang="en-US" dirty="0"/>
           </a:p>
         </p:txBody>
       </p:sp>
@@ -729,7 +730,7 @@
               <a:rPr lang="ko-KR" altLang="en-US" smtClean="0"/>
               <a:t>‹#›</a:t>
             </a:fld>
-            <a:endParaRPr lang="ko-KR" altLang="en-US"/>
+            <a:endParaRPr lang="ko-KR" altLang="en-US" dirty="0"/>
           </a:p>
         </p:txBody>
       </p:sp>
@@ -871,9 +872,9 @@
           <a:p>
             <a:fld id="{F0D11F29-D168-44AB-8C51-C78796B9CFB4}" type="datetimeFigureOut">
               <a:rPr lang="ko-KR" altLang="en-US" smtClean="0"/>
-              <a:t>2022-12-15</a:t>
+              <a:t>2022-12-16</a:t>
             </a:fld>
-            <a:endParaRPr lang="ko-KR" altLang="en-US"/>
+            <a:endParaRPr lang="ko-KR" altLang="en-US" dirty="0"/>
           </a:p>
         </p:txBody>
       </p:sp>
@@ -898,7 +899,7 @@
           <a:bodyPr/>
           <a:lstStyle/>
           <a:p>
-            <a:endParaRPr lang="ko-KR" altLang="en-US"/>
+            <a:endParaRPr lang="ko-KR" altLang="en-US" dirty="0"/>
           </a:p>
         </p:txBody>
       </p:sp>
@@ -927,7 +928,7 @@
               <a:rPr lang="ko-KR" altLang="en-US" smtClean="0"/>
               <a:t>‹#›</a:t>
             </a:fld>
-            <a:endParaRPr lang="ko-KR" altLang="en-US"/>
+            <a:endParaRPr lang="ko-KR" altLang="en-US" dirty="0"/>
           </a:p>
         </p:txBody>
       </p:sp>
@@ -1146,9 +1147,9 @@
           <a:p>
             <a:fld id="{F0D11F29-D168-44AB-8C51-C78796B9CFB4}" type="datetimeFigureOut">
               <a:rPr lang="ko-KR" altLang="en-US" smtClean="0"/>
-              <a:t>2022-12-15</a:t>
+              <a:t>2022-12-16</a:t>
             </a:fld>
-            <a:endParaRPr lang="ko-KR" altLang="en-US"/>
+            <a:endParaRPr lang="ko-KR" altLang="en-US" dirty="0"/>
           </a:p>
         </p:txBody>
       </p:sp>
@@ -1173,7 +1174,7 @@
           <a:bodyPr/>
           <a:lstStyle/>
           <a:p>
-            <a:endParaRPr lang="ko-KR" altLang="en-US"/>
+            <a:endParaRPr lang="ko-KR" altLang="en-US" dirty="0"/>
           </a:p>
         </p:txBody>
       </p:sp>
@@ -1202,7 +1203,7 @@
               <a:rPr lang="ko-KR" altLang="en-US" smtClean="0"/>
               <a:t>‹#›</a:t>
             </a:fld>
-            <a:endParaRPr lang="ko-KR" altLang="en-US"/>
+            <a:endParaRPr lang="ko-KR" altLang="en-US" dirty="0"/>
           </a:p>
         </p:txBody>
       </p:sp>
@@ -1411,9 +1412,9 @@
           <a:p>
             <a:fld id="{F0D11F29-D168-44AB-8C51-C78796B9CFB4}" type="datetimeFigureOut">
               <a:rPr lang="ko-KR" altLang="en-US" smtClean="0"/>
-              <a:t>2022-12-15</a:t>
+              <a:t>2022-12-16</a:t>
             </a:fld>
-            <a:endParaRPr lang="ko-KR" altLang="en-US"/>
+            <a:endParaRPr lang="ko-KR" altLang="en-US" dirty="0"/>
           </a:p>
         </p:txBody>
       </p:sp>
@@ -1438,7 +1439,7 @@
           <a:bodyPr/>
           <a:lstStyle/>
           <a:p>
-            <a:endParaRPr lang="ko-KR" altLang="en-US"/>
+            <a:endParaRPr lang="ko-KR" altLang="en-US" dirty="0"/>
           </a:p>
         </p:txBody>
       </p:sp>
@@ -1467,7 +1468,7 @@
               <a:rPr lang="ko-KR" altLang="en-US" smtClean="0"/>
               <a:t>‹#›</a:t>
             </a:fld>
-            <a:endParaRPr lang="ko-KR" altLang="en-US"/>
+            <a:endParaRPr lang="ko-KR" altLang="en-US" dirty="0"/>
           </a:p>
         </p:txBody>
       </p:sp>
@@ -1823,9 +1824,9 @@
           <a:p>
             <a:fld id="{F0D11F29-D168-44AB-8C51-C78796B9CFB4}" type="datetimeFigureOut">
               <a:rPr lang="ko-KR" altLang="en-US" smtClean="0"/>
-              <a:t>2022-12-15</a:t>
+              <a:t>2022-12-16</a:t>
             </a:fld>
-            <a:endParaRPr lang="ko-KR" altLang="en-US"/>
+            <a:endParaRPr lang="ko-KR" altLang="en-US" dirty="0"/>
           </a:p>
         </p:txBody>
       </p:sp>
@@ -1850,7 +1851,7 @@
           <a:bodyPr/>
           <a:lstStyle/>
           <a:p>
-            <a:endParaRPr lang="ko-KR" altLang="en-US"/>
+            <a:endParaRPr lang="ko-KR" altLang="en-US" dirty="0"/>
           </a:p>
         </p:txBody>
       </p:sp>
@@ -1879,7 +1880,7 @@
               <a:rPr lang="ko-KR" altLang="en-US" smtClean="0"/>
               <a:t>‹#›</a:t>
             </a:fld>
-            <a:endParaRPr lang="ko-KR" altLang="en-US"/>
+            <a:endParaRPr lang="ko-KR" altLang="en-US" dirty="0"/>
           </a:p>
         </p:txBody>
       </p:sp>
@@ -1964,9 +1965,9 @@
           <a:p>
             <a:fld id="{F0D11F29-D168-44AB-8C51-C78796B9CFB4}" type="datetimeFigureOut">
               <a:rPr lang="ko-KR" altLang="en-US" smtClean="0"/>
-              <a:t>2022-12-15</a:t>
+              <a:t>2022-12-16</a:t>
             </a:fld>
-            <a:endParaRPr lang="ko-KR" altLang="en-US"/>
+            <a:endParaRPr lang="ko-KR" altLang="en-US" dirty="0"/>
           </a:p>
         </p:txBody>
       </p:sp>
@@ -1991,7 +1992,7 @@
           <a:bodyPr/>
           <a:lstStyle/>
           <a:p>
-            <a:endParaRPr lang="ko-KR" altLang="en-US"/>
+            <a:endParaRPr lang="ko-KR" altLang="en-US" dirty="0"/>
           </a:p>
         </p:txBody>
       </p:sp>
@@ -2020,7 +2021,7 @@
               <a:rPr lang="ko-KR" altLang="en-US" smtClean="0"/>
               <a:t>‹#›</a:t>
             </a:fld>
-            <a:endParaRPr lang="ko-KR" altLang="en-US"/>
+            <a:endParaRPr lang="ko-KR" altLang="en-US" dirty="0"/>
           </a:p>
         </p:txBody>
       </p:sp>
@@ -2077,9 +2078,9 @@
           <a:p>
             <a:fld id="{F0D11F29-D168-44AB-8C51-C78796B9CFB4}" type="datetimeFigureOut">
               <a:rPr lang="ko-KR" altLang="en-US" smtClean="0"/>
-              <a:t>2022-12-15</a:t>
+              <a:t>2022-12-16</a:t>
             </a:fld>
-            <a:endParaRPr lang="ko-KR" altLang="en-US"/>
+            <a:endParaRPr lang="ko-KR" altLang="en-US" dirty="0"/>
           </a:p>
         </p:txBody>
       </p:sp>
@@ -2104,7 +2105,7 @@
           <a:bodyPr/>
           <a:lstStyle/>
           <a:p>
-            <a:endParaRPr lang="ko-KR" altLang="en-US"/>
+            <a:endParaRPr lang="ko-KR" altLang="en-US" dirty="0"/>
           </a:p>
         </p:txBody>
       </p:sp>
@@ -2133,7 +2134,7 @@
               <a:rPr lang="ko-KR" altLang="en-US" smtClean="0"/>
               <a:t>‹#›</a:t>
             </a:fld>
-            <a:endParaRPr lang="ko-KR" altLang="en-US"/>
+            <a:endParaRPr lang="ko-KR" altLang="en-US" dirty="0"/>
           </a:p>
         </p:txBody>
       </p:sp>
@@ -2388,9 +2389,9 @@
           <a:p>
             <a:fld id="{F0D11F29-D168-44AB-8C51-C78796B9CFB4}" type="datetimeFigureOut">
               <a:rPr lang="ko-KR" altLang="en-US" smtClean="0"/>
-              <a:t>2022-12-15</a:t>
+              <a:t>2022-12-16</a:t>
             </a:fld>
-            <a:endParaRPr lang="ko-KR" altLang="en-US"/>
+            <a:endParaRPr lang="ko-KR" altLang="en-US" dirty="0"/>
           </a:p>
         </p:txBody>
       </p:sp>
@@ -2415,7 +2416,7 @@
           <a:bodyPr/>
           <a:lstStyle/>
           <a:p>
-            <a:endParaRPr lang="ko-KR" altLang="en-US"/>
+            <a:endParaRPr lang="ko-KR" altLang="en-US" dirty="0"/>
           </a:p>
         </p:txBody>
       </p:sp>
@@ -2444,7 +2445,7 @@
               <a:rPr lang="ko-KR" altLang="en-US" smtClean="0"/>
               <a:t>‹#›</a:t>
             </a:fld>
-            <a:endParaRPr lang="ko-KR" altLang="en-US"/>
+            <a:endParaRPr lang="ko-KR" altLang="en-US" dirty="0"/>
           </a:p>
         </p:txBody>
       </p:sp>
@@ -2578,7 +2579,7 @@
             </a:lvl9pPr>
           </a:lstStyle>
           <a:p>
-            <a:endParaRPr lang="ko-KR" altLang="en-US"/>
+            <a:endParaRPr lang="ko-KR" altLang="en-US" dirty="0"/>
           </a:p>
         </p:txBody>
       </p:sp>
@@ -2676,9 +2677,9 @@
           <a:p>
             <a:fld id="{F0D11F29-D168-44AB-8C51-C78796B9CFB4}" type="datetimeFigureOut">
               <a:rPr lang="ko-KR" altLang="en-US" smtClean="0"/>
-              <a:t>2022-12-15</a:t>
+              <a:t>2022-12-16</a:t>
             </a:fld>
-            <a:endParaRPr lang="ko-KR" altLang="en-US"/>
+            <a:endParaRPr lang="ko-KR" altLang="en-US" dirty="0"/>
           </a:p>
         </p:txBody>
       </p:sp>
@@ -2703,7 +2704,7 @@
           <a:bodyPr/>
           <a:lstStyle/>
           <a:p>
-            <a:endParaRPr lang="ko-KR" altLang="en-US"/>
+            <a:endParaRPr lang="ko-KR" altLang="en-US" dirty="0"/>
           </a:p>
         </p:txBody>
       </p:sp>
@@ -2732,7 +2733,7 @@
               <a:rPr lang="ko-KR" altLang="en-US" smtClean="0"/>
               <a:t>‹#›</a:t>
             </a:fld>
-            <a:endParaRPr lang="ko-KR" altLang="en-US"/>
+            <a:endParaRPr lang="ko-KR" altLang="en-US" dirty="0"/>
           </a:p>
         </p:txBody>
       </p:sp>
@@ -2917,9 +2918,9 @@
           <a:p>
             <a:fld id="{F0D11F29-D168-44AB-8C51-C78796B9CFB4}" type="datetimeFigureOut">
               <a:rPr lang="ko-KR" altLang="en-US" smtClean="0"/>
-              <a:t>2022-12-15</a:t>
+              <a:t>2022-12-16</a:t>
             </a:fld>
-            <a:endParaRPr lang="ko-KR" altLang="en-US"/>
+            <a:endParaRPr lang="ko-KR" altLang="en-US" dirty="0"/>
           </a:p>
         </p:txBody>
       </p:sp>
@@ -2962,7 +2963,7 @@
             </a:lvl1pPr>
           </a:lstStyle>
           <a:p>
-            <a:endParaRPr lang="ko-KR" altLang="en-US"/>
+            <a:endParaRPr lang="ko-KR" altLang="en-US" dirty="0"/>
           </a:p>
         </p:txBody>
       </p:sp>
@@ -3009,7 +3010,7 @@
               <a:rPr lang="ko-KR" altLang="en-US" smtClean="0"/>
               <a:t>‹#›</a:t>
             </a:fld>
-            <a:endParaRPr lang="ko-KR" altLang="en-US"/>
+            <a:endParaRPr lang="ko-KR" altLang="en-US" dirty="0"/>
           </a:p>
         </p:txBody>
       </p:sp>
@@ -3384,7 +3385,7 @@
           <a:bodyPr/>
           <a:lstStyle/>
           <a:p>
-            <a:endParaRPr lang="ko-KR" altLang="en-US"/>
+            <a:endParaRPr lang="ko-KR" altLang="en-US" dirty="0"/>
           </a:p>
         </p:txBody>
       </p:sp>
@@ -3392,6 +3393,939 @@
     <p:extLst>
       <p:ext uri="{BB962C8B-B14F-4D97-AF65-F5344CB8AC3E}">
         <p14:creationId xmlns:p14="http://schemas.microsoft.com/office/powerpoint/2010/main" val="1791217387"/>
+      </p:ext>
+    </p:extLst>
+  </p:cSld>
+  <p:clrMapOvr>
+    <a:masterClrMapping/>
+  </p:clrMapOvr>
+</p:sld>
+</file>
+
+<file path=ppt/slides/slide10.xml><?xml version="1.0" encoding="utf-8"?>
+<p:sld xmlns:a="http://schemas.openxmlformats.org/drawingml/2006/main" xmlns:r="http://schemas.openxmlformats.org/officeDocument/2006/relationships" xmlns:p="http://schemas.openxmlformats.org/presentationml/2006/main">
+  <p:cSld>
+    <p:spTree>
+      <p:nvGrpSpPr>
+        <p:cNvPr id="1" name=""/>
+        <p:cNvGrpSpPr/>
+        <p:nvPr/>
+      </p:nvGrpSpPr>
+      <p:grpSpPr>
+        <a:xfrm>
+          <a:off x="0" y="0"/>
+          <a:ext cx="0" cy="0"/>
+          <a:chOff x="0" y="0"/>
+          <a:chExt cx="0" cy="0"/>
+        </a:xfrm>
+      </p:grpSpPr>
+      <p:sp>
+        <p:nvSpPr>
+          <p:cNvPr id="2" name="제목 1">
+            <a:extLst>
+              <a:ext uri="{FF2B5EF4-FFF2-40B4-BE49-F238E27FC236}">
+                <a16:creationId xmlns:a16="http://schemas.microsoft.com/office/drawing/2014/main" id="{DDC757F2-A588-55CE-AB29-82077923FFA8}"/>
+              </a:ext>
+            </a:extLst>
+          </p:cNvPr>
+          <p:cNvSpPr>
+            <a:spLocks noGrp="1"/>
+          </p:cNvSpPr>
+          <p:nvPr>
+            <p:ph type="title"/>
+          </p:nvPr>
+        </p:nvSpPr>
+        <p:spPr/>
+        <p:txBody>
+          <a:bodyPr/>
+          <a:lstStyle/>
+          <a:p>
+            <a:r>
+              <a:rPr lang="en-US" altLang="ko-KR"/>
+              <a:t>Classes</a:t>
+            </a:r>
+            <a:endParaRPr lang="ko-KR" altLang="en-US" dirty="0"/>
+          </a:p>
+        </p:txBody>
+      </p:sp>
+      <p:sp>
+        <p:nvSpPr>
+          <p:cNvPr id="7" name="TextBox 6">
+            <a:extLst>
+              <a:ext uri="{FF2B5EF4-FFF2-40B4-BE49-F238E27FC236}">
+                <a16:creationId xmlns:a16="http://schemas.microsoft.com/office/drawing/2014/main" id="{68EF86A6-FCC0-59AB-948C-3E9E8C77D4DC}"/>
+              </a:ext>
+            </a:extLst>
+          </p:cNvPr>
+          <p:cNvSpPr txBox="1"/>
+          <p:nvPr/>
+        </p:nvSpPr>
+        <p:spPr>
+          <a:xfrm>
+            <a:off x="5098473" y="3602182"/>
+            <a:ext cx="2096728" cy="369332"/>
+          </a:xfrm>
+          <a:prstGeom prst="rect">
+            <a:avLst/>
+          </a:prstGeom>
+        </p:spPr>
+        <p:style>
+          <a:lnRef idx="2">
+            <a:schemeClr val="dk1"/>
+          </a:lnRef>
+          <a:fillRef idx="1">
+            <a:schemeClr val="lt1"/>
+          </a:fillRef>
+          <a:effectRef idx="0">
+            <a:schemeClr val="dk1"/>
+          </a:effectRef>
+          <a:fontRef idx="minor">
+            <a:schemeClr val="dk1"/>
+          </a:fontRef>
+        </p:style>
+        <p:txBody>
+          <a:bodyPr wrap="none" rtlCol="0">
+            <a:spAutoFit/>
+          </a:bodyPr>
+          <a:lstStyle/>
+          <a:p>
+            <a:r>
+              <a:rPr lang="en-US" altLang="ko-KR" dirty="0"/>
+              <a:t>CounterBaseStruct</a:t>
+            </a:r>
+            <a:endParaRPr lang="ko-KR" altLang="en-US" dirty="0"/>
+          </a:p>
+        </p:txBody>
+      </p:sp>
+      <p:sp>
+        <p:nvSpPr>
+          <p:cNvPr id="10" name="TextBox 9">
+            <a:extLst>
+              <a:ext uri="{FF2B5EF4-FFF2-40B4-BE49-F238E27FC236}">
+                <a16:creationId xmlns:a16="http://schemas.microsoft.com/office/drawing/2014/main" id="{516575FE-4F39-AADC-55CE-ECFB6E3669A6}"/>
+              </a:ext>
+            </a:extLst>
+          </p:cNvPr>
+          <p:cNvSpPr txBox="1"/>
+          <p:nvPr/>
+        </p:nvSpPr>
+        <p:spPr>
+          <a:xfrm>
+            <a:off x="3274752" y="2466665"/>
+            <a:ext cx="2685030" cy="369332"/>
+          </a:xfrm>
+          <a:prstGeom prst="rect">
+            <a:avLst/>
+          </a:prstGeom>
+        </p:spPr>
+        <p:style>
+          <a:lnRef idx="2">
+            <a:schemeClr val="dk1"/>
+          </a:lnRef>
+          <a:fillRef idx="1">
+            <a:schemeClr val="lt1"/>
+          </a:fillRef>
+          <a:effectRef idx="0">
+            <a:schemeClr val="dk1"/>
+          </a:effectRef>
+          <a:fontRef idx="minor">
+            <a:schemeClr val="dk1"/>
+          </a:fontRef>
+        </p:style>
+        <p:txBody>
+          <a:bodyPr wrap="none" rtlCol="0">
+            <a:spAutoFit/>
+          </a:bodyPr>
+          <a:lstStyle/>
+          <a:p>
+            <a:r>
+              <a:rPr lang="en-US" altLang="ko-KR" dirty="0"/>
+              <a:t>TimerCounterBaseStruct</a:t>
+            </a:r>
+            <a:endParaRPr lang="ko-KR" altLang="en-US" dirty="0"/>
+          </a:p>
+        </p:txBody>
+      </p:sp>
+      <p:sp>
+        <p:nvSpPr>
+          <p:cNvPr id="11" name="TextBox 10">
+            <a:extLst>
+              <a:ext uri="{FF2B5EF4-FFF2-40B4-BE49-F238E27FC236}">
+                <a16:creationId xmlns:a16="http://schemas.microsoft.com/office/drawing/2014/main" id="{A2631649-4787-4F5C-7742-58BD041B7E84}"/>
+              </a:ext>
+            </a:extLst>
+          </p:cNvPr>
+          <p:cNvSpPr txBox="1"/>
+          <p:nvPr/>
+        </p:nvSpPr>
+        <p:spPr>
+          <a:xfrm>
+            <a:off x="2498436" y="3602182"/>
+            <a:ext cx="1374094" cy="369332"/>
+          </a:xfrm>
+          <a:prstGeom prst="rect">
+            <a:avLst/>
+          </a:prstGeom>
+        </p:spPr>
+        <p:style>
+          <a:lnRef idx="2">
+            <a:schemeClr val="dk1"/>
+          </a:lnRef>
+          <a:fillRef idx="1">
+            <a:schemeClr val="lt1"/>
+          </a:fillRef>
+          <a:effectRef idx="0">
+            <a:schemeClr val="dk1"/>
+          </a:effectRef>
+          <a:fontRef idx="minor">
+            <a:schemeClr val="dk1"/>
+          </a:fontRef>
+        </p:style>
+        <p:txBody>
+          <a:bodyPr wrap="none" rtlCol="0">
+            <a:spAutoFit/>
+          </a:bodyPr>
+          <a:lstStyle/>
+          <a:p>
+            <a:r>
+              <a:rPr lang="en-US" altLang="ko-KR" dirty="0"/>
+              <a:t>TimerStruct</a:t>
+            </a:r>
+            <a:endParaRPr lang="ko-KR" altLang="en-US" dirty="0"/>
+          </a:p>
+        </p:txBody>
+      </p:sp>
+      <p:sp>
+        <p:nvSpPr>
+          <p:cNvPr id="12" name="TextBox 11">
+            <a:extLst>
+              <a:ext uri="{FF2B5EF4-FFF2-40B4-BE49-F238E27FC236}">
+                <a16:creationId xmlns:a16="http://schemas.microsoft.com/office/drawing/2014/main" id="{A36FD63E-A720-BFC2-5DFE-027619930568}"/>
+              </a:ext>
+            </a:extLst>
+          </p:cNvPr>
+          <p:cNvSpPr txBox="1"/>
+          <p:nvPr/>
+        </p:nvSpPr>
+        <p:spPr>
+          <a:xfrm>
+            <a:off x="5098473" y="4557929"/>
+            <a:ext cx="1217000" cy="369332"/>
+          </a:xfrm>
+          <a:prstGeom prst="rect">
+            <a:avLst/>
+          </a:prstGeom>
+        </p:spPr>
+        <p:style>
+          <a:lnRef idx="2">
+            <a:schemeClr val="dk1"/>
+          </a:lnRef>
+          <a:fillRef idx="1">
+            <a:schemeClr val="lt1"/>
+          </a:fillRef>
+          <a:effectRef idx="0">
+            <a:schemeClr val="dk1"/>
+          </a:effectRef>
+          <a:fontRef idx="minor">
+            <a:schemeClr val="dk1"/>
+          </a:fontRef>
+        </p:style>
+        <p:txBody>
+          <a:bodyPr wrap="none" rtlCol="0">
+            <a:spAutoFit/>
+          </a:bodyPr>
+          <a:lstStyle/>
+          <a:p>
+            <a:r>
+              <a:rPr lang="en-US" altLang="ko-KR" dirty="0"/>
+              <a:t>CTUStruct</a:t>
+            </a:r>
+            <a:endParaRPr lang="ko-KR" altLang="en-US" dirty="0"/>
+          </a:p>
+        </p:txBody>
+      </p:sp>
+      <p:sp>
+        <p:nvSpPr>
+          <p:cNvPr id="13" name="TextBox 12">
+            <a:extLst>
+              <a:ext uri="{FF2B5EF4-FFF2-40B4-BE49-F238E27FC236}">
+                <a16:creationId xmlns:a16="http://schemas.microsoft.com/office/drawing/2014/main" id="{9519F6F0-08D6-0BD0-969D-7D49C2483EDF}"/>
+              </a:ext>
+            </a:extLst>
+          </p:cNvPr>
+          <p:cNvSpPr txBox="1"/>
+          <p:nvPr/>
+        </p:nvSpPr>
+        <p:spPr>
+          <a:xfrm>
+            <a:off x="6586701" y="4557929"/>
+            <a:ext cx="1220206" cy="369332"/>
+          </a:xfrm>
+          <a:prstGeom prst="rect">
+            <a:avLst/>
+          </a:prstGeom>
+        </p:spPr>
+        <p:style>
+          <a:lnRef idx="2">
+            <a:schemeClr val="dk1"/>
+          </a:lnRef>
+          <a:fillRef idx="1">
+            <a:schemeClr val="lt1"/>
+          </a:fillRef>
+          <a:effectRef idx="0">
+            <a:schemeClr val="dk1"/>
+          </a:effectRef>
+          <a:fontRef idx="minor">
+            <a:schemeClr val="dk1"/>
+          </a:fontRef>
+        </p:style>
+        <p:txBody>
+          <a:bodyPr wrap="none" rtlCol="0">
+            <a:spAutoFit/>
+          </a:bodyPr>
+          <a:lstStyle/>
+          <a:p>
+            <a:r>
+              <a:rPr lang="en-US" altLang="ko-KR" dirty="0"/>
+              <a:t>CTDStruct</a:t>
+            </a:r>
+            <a:endParaRPr lang="ko-KR" altLang="en-US" dirty="0"/>
+          </a:p>
+        </p:txBody>
+      </p:sp>
+      <p:sp>
+        <p:nvSpPr>
+          <p:cNvPr id="14" name="TextBox 13">
+            <a:extLst>
+              <a:ext uri="{FF2B5EF4-FFF2-40B4-BE49-F238E27FC236}">
+                <a16:creationId xmlns:a16="http://schemas.microsoft.com/office/drawing/2014/main" id="{C816F670-76EB-0741-7414-D1D1B2F05819}"/>
+              </a:ext>
+            </a:extLst>
+          </p:cNvPr>
+          <p:cNvSpPr txBox="1"/>
+          <p:nvPr/>
+        </p:nvSpPr>
+        <p:spPr>
+          <a:xfrm>
+            <a:off x="8074929" y="4557929"/>
+            <a:ext cx="1382110" cy="369332"/>
+          </a:xfrm>
+          <a:prstGeom prst="rect">
+            <a:avLst/>
+          </a:prstGeom>
+        </p:spPr>
+        <p:style>
+          <a:lnRef idx="2">
+            <a:schemeClr val="dk1"/>
+          </a:lnRef>
+          <a:fillRef idx="1">
+            <a:schemeClr val="lt1"/>
+          </a:fillRef>
+          <a:effectRef idx="0">
+            <a:schemeClr val="dk1"/>
+          </a:effectRef>
+          <a:fontRef idx="minor">
+            <a:schemeClr val="dk1"/>
+          </a:fontRef>
+        </p:style>
+        <p:txBody>
+          <a:bodyPr wrap="none" rtlCol="0">
+            <a:spAutoFit/>
+          </a:bodyPr>
+          <a:lstStyle/>
+          <a:p>
+            <a:r>
+              <a:rPr lang="en-US" altLang="ko-KR" dirty="0"/>
+              <a:t>CTUDStruct</a:t>
+            </a:r>
+            <a:endParaRPr lang="ko-KR" altLang="en-US" dirty="0"/>
+          </a:p>
+        </p:txBody>
+      </p:sp>
+      <p:cxnSp>
+        <p:nvCxnSpPr>
+          <p:cNvPr id="16" name="직선 화살표 연결선 15">
+            <a:extLst>
+              <a:ext uri="{FF2B5EF4-FFF2-40B4-BE49-F238E27FC236}">
+                <a16:creationId xmlns:a16="http://schemas.microsoft.com/office/drawing/2014/main" id="{5006D473-E614-C1C4-2397-068CBB7C3B00}"/>
+              </a:ext>
+            </a:extLst>
+          </p:cNvPr>
+          <p:cNvCxnSpPr>
+            <a:stCxn id="10" idx="2"/>
+            <a:endCxn id="11" idx="0"/>
+          </p:cNvCxnSpPr>
+          <p:nvPr/>
+        </p:nvCxnSpPr>
+        <p:spPr>
+          <a:xfrm flipH="1">
+            <a:off x="3185483" y="2835997"/>
+            <a:ext cx="1431784" cy="766185"/>
+          </a:xfrm>
+          <a:prstGeom prst="straightConnector1">
+            <a:avLst/>
+          </a:prstGeom>
+          <a:ln>
+            <a:tailEnd type="triangle"/>
+          </a:ln>
+        </p:spPr>
+        <p:style>
+          <a:lnRef idx="1">
+            <a:schemeClr val="accent1"/>
+          </a:lnRef>
+          <a:fillRef idx="0">
+            <a:schemeClr val="accent1"/>
+          </a:fillRef>
+          <a:effectRef idx="0">
+            <a:schemeClr val="accent1"/>
+          </a:effectRef>
+          <a:fontRef idx="minor">
+            <a:schemeClr val="tx1"/>
+          </a:fontRef>
+        </p:style>
+      </p:cxnSp>
+      <p:cxnSp>
+        <p:nvCxnSpPr>
+          <p:cNvPr id="18" name="직선 화살표 연결선 17">
+            <a:extLst>
+              <a:ext uri="{FF2B5EF4-FFF2-40B4-BE49-F238E27FC236}">
+                <a16:creationId xmlns:a16="http://schemas.microsoft.com/office/drawing/2014/main" id="{5E4E339D-CF9E-5BBD-F5FB-FBF11365FE81}"/>
+              </a:ext>
+            </a:extLst>
+          </p:cNvPr>
+          <p:cNvCxnSpPr>
+            <a:cxnSpLocks/>
+            <a:stCxn id="10" idx="2"/>
+            <a:endCxn id="7" idx="0"/>
+          </p:cNvCxnSpPr>
+          <p:nvPr/>
+        </p:nvCxnSpPr>
+        <p:spPr>
+          <a:xfrm>
+            <a:off x="4617267" y="2835997"/>
+            <a:ext cx="1529570" cy="766185"/>
+          </a:xfrm>
+          <a:prstGeom prst="straightConnector1">
+            <a:avLst/>
+          </a:prstGeom>
+          <a:ln>
+            <a:tailEnd type="triangle"/>
+          </a:ln>
+        </p:spPr>
+        <p:style>
+          <a:lnRef idx="1">
+            <a:schemeClr val="accent1"/>
+          </a:lnRef>
+          <a:fillRef idx="0">
+            <a:schemeClr val="accent1"/>
+          </a:fillRef>
+          <a:effectRef idx="0">
+            <a:schemeClr val="accent1"/>
+          </a:effectRef>
+          <a:fontRef idx="minor">
+            <a:schemeClr val="tx1"/>
+          </a:fontRef>
+        </p:style>
+      </p:cxnSp>
+      <p:cxnSp>
+        <p:nvCxnSpPr>
+          <p:cNvPr id="21" name="직선 화살표 연결선 20">
+            <a:extLst>
+              <a:ext uri="{FF2B5EF4-FFF2-40B4-BE49-F238E27FC236}">
+                <a16:creationId xmlns:a16="http://schemas.microsoft.com/office/drawing/2014/main" id="{732BE204-B11A-BFE2-0C09-AF429C9403A1}"/>
+              </a:ext>
+            </a:extLst>
+          </p:cNvPr>
+          <p:cNvCxnSpPr>
+            <a:cxnSpLocks/>
+            <a:stCxn id="7" idx="2"/>
+          </p:cNvCxnSpPr>
+          <p:nvPr/>
+        </p:nvCxnSpPr>
+        <p:spPr>
+          <a:xfrm flipH="1">
+            <a:off x="5772727" y="3971514"/>
+            <a:ext cx="374110" cy="637648"/>
+          </a:xfrm>
+          <a:prstGeom prst="straightConnector1">
+            <a:avLst/>
+          </a:prstGeom>
+          <a:ln>
+            <a:tailEnd type="triangle"/>
+          </a:ln>
+        </p:spPr>
+        <p:style>
+          <a:lnRef idx="1">
+            <a:schemeClr val="accent1"/>
+          </a:lnRef>
+          <a:fillRef idx="0">
+            <a:schemeClr val="accent1"/>
+          </a:fillRef>
+          <a:effectRef idx="0">
+            <a:schemeClr val="accent1"/>
+          </a:effectRef>
+          <a:fontRef idx="minor">
+            <a:schemeClr val="tx1"/>
+          </a:fontRef>
+        </p:style>
+      </p:cxnSp>
+      <p:cxnSp>
+        <p:nvCxnSpPr>
+          <p:cNvPr id="24" name="직선 화살표 연결선 23">
+            <a:extLst>
+              <a:ext uri="{FF2B5EF4-FFF2-40B4-BE49-F238E27FC236}">
+                <a16:creationId xmlns:a16="http://schemas.microsoft.com/office/drawing/2014/main" id="{17ADB01A-9592-CADA-7E6C-8F77DCC9599F}"/>
+              </a:ext>
+            </a:extLst>
+          </p:cNvPr>
+          <p:cNvCxnSpPr>
+            <a:cxnSpLocks/>
+            <a:stCxn id="7" idx="2"/>
+            <a:endCxn id="13" idx="0"/>
+          </p:cNvCxnSpPr>
+          <p:nvPr/>
+        </p:nvCxnSpPr>
+        <p:spPr>
+          <a:xfrm>
+            <a:off x="6146837" y="3971514"/>
+            <a:ext cx="1049967" cy="586415"/>
+          </a:xfrm>
+          <a:prstGeom prst="straightConnector1">
+            <a:avLst/>
+          </a:prstGeom>
+          <a:ln>
+            <a:tailEnd type="triangle"/>
+          </a:ln>
+        </p:spPr>
+        <p:style>
+          <a:lnRef idx="1">
+            <a:schemeClr val="accent1"/>
+          </a:lnRef>
+          <a:fillRef idx="0">
+            <a:schemeClr val="accent1"/>
+          </a:fillRef>
+          <a:effectRef idx="0">
+            <a:schemeClr val="accent1"/>
+          </a:effectRef>
+          <a:fontRef idx="minor">
+            <a:schemeClr val="tx1"/>
+          </a:fontRef>
+        </p:style>
+      </p:cxnSp>
+      <p:cxnSp>
+        <p:nvCxnSpPr>
+          <p:cNvPr id="27" name="직선 화살표 연결선 26">
+            <a:extLst>
+              <a:ext uri="{FF2B5EF4-FFF2-40B4-BE49-F238E27FC236}">
+                <a16:creationId xmlns:a16="http://schemas.microsoft.com/office/drawing/2014/main" id="{5AAE9D1B-158A-4269-DCF2-876A47856367}"/>
+              </a:ext>
+            </a:extLst>
+          </p:cNvPr>
+          <p:cNvCxnSpPr>
+            <a:cxnSpLocks/>
+            <a:stCxn id="7" idx="2"/>
+            <a:endCxn id="14" idx="0"/>
+          </p:cNvCxnSpPr>
+          <p:nvPr/>
+        </p:nvCxnSpPr>
+        <p:spPr>
+          <a:xfrm>
+            <a:off x="6146837" y="3971514"/>
+            <a:ext cx="2619147" cy="586415"/>
+          </a:xfrm>
+          <a:prstGeom prst="straightConnector1">
+            <a:avLst/>
+          </a:prstGeom>
+          <a:ln>
+            <a:tailEnd type="triangle"/>
+          </a:ln>
+        </p:spPr>
+        <p:style>
+          <a:lnRef idx="1">
+            <a:schemeClr val="accent1"/>
+          </a:lnRef>
+          <a:fillRef idx="0">
+            <a:schemeClr val="accent1"/>
+          </a:fillRef>
+          <a:effectRef idx="0">
+            <a:schemeClr val="accent1"/>
+          </a:effectRef>
+          <a:fontRef idx="minor">
+            <a:schemeClr val="tx1"/>
+          </a:fontRef>
+        </p:style>
+      </p:cxnSp>
+      <p:sp>
+        <p:nvSpPr>
+          <p:cNvPr id="33" name="TextBox 32">
+            <a:extLst>
+              <a:ext uri="{FF2B5EF4-FFF2-40B4-BE49-F238E27FC236}">
+                <a16:creationId xmlns:a16="http://schemas.microsoft.com/office/drawing/2014/main" id="{87E85D91-38CD-74E9-3187-CECA8D597DE2}"/>
+              </a:ext>
+            </a:extLst>
+          </p:cNvPr>
+          <p:cNvSpPr txBox="1"/>
+          <p:nvPr/>
+        </p:nvSpPr>
+        <p:spPr>
+          <a:xfrm>
+            <a:off x="369648" y="2350593"/>
+            <a:ext cx="775661" cy="369332"/>
+          </a:xfrm>
+          <a:prstGeom prst="rect">
+            <a:avLst/>
+          </a:prstGeom>
+        </p:spPr>
+        <p:style>
+          <a:lnRef idx="2">
+            <a:schemeClr val="dk1"/>
+          </a:lnRef>
+          <a:fillRef idx="1">
+            <a:schemeClr val="lt1"/>
+          </a:fillRef>
+          <a:effectRef idx="0">
+            <a:schemeClr val="dk1"/>
+          </a:effectRef>
+          <a:fontRef idx="minor">
+            <a:schemeClr val="dk1"/>
+          </a:fontRef>
+        </p:style>
+        <p:txBody>
+          <a:bodyPr wrap="square" rtlCol="0">
+            <a:spAutoFit/>
+          </a:bodyPr>
+          <a:lstStyle/>
+          <a:p>
+            <a:r>
+              <a:rPr lang="en-US" altLang="ko-KR" dirty="0"/>
+              <a:t>Timer</a:t>
+            </a:r>
+            <a:endParaRPr lang="ko-KR" altLang="en-US" dirty="0"/>
+          </a:p>
+        </p:txBody>
+      </p:sp>
+      <p:sp>
+        <p:nvSpPr>
+          <p:cNvPr id="34" name="TextBox 33">
+            <a:extLst>
+              <a:ext uri="{FF2B5EF4-FFF2-40B4-BE49-F238E27FC236}">
+                <a16:creationId xmlns:a16="http://schemas.microsoft.com/office/drawing/2014/main" id="{AB922546-A3A9-25CA-9C46-87BB35F650C9}"/>
+              </a:ext>
+            </a:extLst>
+          </p:cNvPr>
+          <p:cNvSpPr txBox="1"/>
+          <p:nvPr/>
+        </p:nvSpPr>
+        <p:spPr>
+          <a:xfrm>
+            <a:off x="8624265" y="2350593"/>
+            <a:ext cx="1017907" cy="369332"/>
+          </a:xfrm>
+          <a:prstGeom prst="rect">
+            <a:avLst/>
+          </a:prstGeom>
+        </p:spPr>
+        <p:style>
+          <a:lnRef idx="2">
+            <a:schemeClr val="dk1"/>
+          </a:lnRef>
+          <a:fillRef idx="1">
+            <a:schemeClr val="lt1"/>
+          </a:fillRef>
+          <a:effectRef idx="0">
+            <a:schemeClr val="dk1"/>
+          </a:effectRef>
+          <a:fontRef idx="minor">
+            <a:schemeClr val="dk1"/>
+          </a:fontRef>
+        </p:style>
+        <p:txBody>
+          <a:bodyPr wrap="none" rtlCol="0">
+            <a:spAutoFit/>
+          </a:bodyPr>
+          <a:lstStyle/>
+          <a:p>
+            <a:r>
+              <a:rPr lang="en-US" altLang="ko-KR" dirty="0"/>
+              <a:t>Counter</a:t>
+            </a:r>
+            <a:endParaRPr lang="ko-KR" altLang="en-US" dirty="0"/>
+          </a:p>
+        </p:txBody>
+      </p:sp>
+      <p:cxnSp>
+        <p:nvCxnSpPr>
+          <p:cNvPr id="36" name="직선 화살표 연결선 35">
+            <a:extLst>
+              <a:ext uri="{FF2B5EF4-FFF2-40B4-BE49-F238E27FC236}">
+                <a16:creationId xmlns:a16="http://schemas.microsoft.com/office/drawing/2014/main" id="{81FCD281-A155-EE85-D480-EF1B37E4F727}"/>
+              </a:ext>
+            </a:extLst>
+          </p:cNvPr>
+          <p:cNvCxnSpPr>
+            <a:cxnSpLocks/>
+            <a:stCxn id="33" idx="2"/>
+            <a:endCxn id="11" idx="1"/>
+          </p:cNvCxnSpPr>
+          <p:nvPr/>
+        </p:nvCxnSpPr>
+        <p:spPr>
+          <a:xfrm>
+            <a:off x="757479" y="2719925"/>
+            <a:ext cx="1740957" cy="1066923"/>
+          </a:xfrm>
+          <a:prstGeom prst="straightConnector1">
+            <a:avLst/>
+          </a:prstGeom>
+          <a:ln>
+            <a:prstDash val="dash"/>
+            <a:tailEnd type="triangle"/>
+          </a:ln>
+        </p:spPr>
+        <p:style>
+          <a:lnRef idx="1">
+            <a:schemeClr val="accent1"/>
+          </a:lnRef>
+          <a:fillRef idx="0">
+            <a:schemeClr val="accent1"/>
+          </a:fillRef>
+          <a:effectRef idx="0">
+            <a:schemeClr val="accent1"/>
+          </a:effectRef>
+          <a:fontRef idx="minor">
+            <a:schemeClr val="tx1"/>
+          </a:fontRef>
+        </p:style>
+      </p:cxnSp>
+      <p:cxnSp>
+        <p:nvCxnSpPr>
+          <p:cNvPr id="37" name="직선 화살표 연결선 36">
+            <a:extLst>
+              <a:ext uri="{FF2B5EF4-FFF2-40B4-BE49-F238E27FC236}">
+                <a16:creationId xmlns:a16="http://schemas.microsoft.com/office/drawing/2014/main" id="{052AF10B-0D37-93A2-D08D-AAC7805D635E}"/>
+              </a:ext>
+            </a:extLst>
+          </p:cNvPr>
+          <p:cNvCxnSpPr>
+            <a:cxnSpLocks/>
+            <a:stCxn id="34" idx="2"/>
+            <a:endCxn id="7" idx="0"/>
+          </p:cNvCxnSpPr>
+          <p:nvPr/>
+        </p:nvCxnSpPr>
+        <p:spPr>
+          <a:xfrm flipH="1">
+            <a:off x="6146837" y="2719925"/>
+            <a:ext cx="2986382" cy="882257"/>
+          </a:xfrm>
+          <a:prstGeom prst="straightConnector1">
+            <a:avLst/>
+          </a:prstGeom>
+          <a:ln>
+            <a:prstDash val="dash"/>
+            <a:tailEnd type="triangle"/>
+          </a:ln>
+        </p:spPr>
+        <p:style>
+          <a:lnRef idx="1">
+            <a:schemeClr val="accent1"/>
+          </a:lnRef>
+          <a:fillRef idx="0">
+            <a:schemeClr val="accent1"/>
+          </a:fillRef>
+          <a:effectRef idx="0">
+            <a:schemeClr val="accent1"/>
+          </a:effectRef>
+          <a:fontRef idx="minor">
+            <a:schemeClr val="tx1"/>
+          </a:fontRef>
+        </p:style>
+      </p:cxnSp>
+      <p:sp>
+        <p:nvSpPr>
+          <p:cNvPr id="40" name="TextBox 39">
+            <a:extLst>
+              <a:ext uri="{FF2B5EF4-FFF2-40B4-BE49-F238E27FC236}">
+                <a16:creationId xmlns:a16="http://schemas.microsoft.com/office/drawing/2014/main" id="{94DE2894-0481-ACA2-4EC4-6E868F8FAEE3}"/>
+              </a:ext>
+            </a:extLst>
+          </p:cNvPr>
+          <p:cNvSpPr txBox="1"/>
+          <p:nvPr/>
+        </p:nvSpPr>
+        <p:spPr>
+          <a:xfrm>
+            <a:off x="1145309" y="2335860"/>
+            <a:ext cx="1241045" cy="261610"/>
+          </a:xfrm>
+          <a:prstGeom prst="rect">
+            <a:avLst/>
+          </a:prstGeom>
+          <a:ln>
+            <a:noFill/>
+          </a:ln>
+        </p:spPr>
+        <p:style>
+          <a:lnRef idx="2">
+            <a:schemeClr val="dk1"/>
+          </a:lnRef>
+          <a:fillRef idx="1">
+            <a:schemeClr val="lt1"/>
+          </a:fillRef>
+          <a:effectRef idx="0">
+            <a:schemeClr val="dk1"/>
+          </a:effectRef>
+          <a:fontRef idx="minor">
+            <a:schemeClr val="dk1"/>
+          </a:fontRef>
+        </p:style>
+        <p:txBody>
+          <a:bodyPr wrap="none" rtlCol="0">
+            <a:spAutoFit/>
+          </a:bodyPr>
+          <a:lstStyle/>
+          <a:p>
+            <a:r>
+              <a:rPr lang="en-US" altLang="ko-KR" sz="1100" dirty="0">
+                <a:solidFill>
+                  <a:schemeClr val="accent1">
+                    <a:lumMod val="60000"/>
+                    <a:lumOff val="40000"/>
+                  </a:schemeClr>
+                </a:solidFill>
+              </a:rPr>
+              <a:t>TickAccumulator</a:t>
+            </a:r>
+            <a:endParaRPr lang="ko-KR" altLang="en-US" sz="1100" dirty="0">
+              <a:solidFill>
+                <a:schemeClr val="accent1">
+                  <a:lumMod val="60000"/>
+                  <a:lumOff val="40000"/>
+                </a:schemeClr>
+              </a:solidFill>
+            </a:endParaRPr>
+          </a:p>
+        </p:txBody>
+      </p:sp>
+      <p:sp>
+        <p:nvSpPr>
+          <p:cNvPr id="45" name="TextBox 44">
+            <a:extLst>
+              <a:ext uri="{FF2B5EF4-FFF2-40B4-BE49-F238E27FC236}">
+                <a16:creationId xmlns:a16="http://schemas.microsoft.com/office/drawing/2014/main" id="{2B090284-D322-22FC-B77F-9810D939FBC6}"/>
+              </a:ext>
+            </a:extLst>
+          </p:cNvPr>
+          <p:cNvSpPr txBox="1"/>
+          <p:nvPr/>
+        </p:nvSpPr>
+        <p:spPr>
+          <a:xfrm>
+            <a:off x="9642172" y="2335860"/>
+            <a:ext cx="1377300" cy="261610"/>
+          </a:xfrm>
+          <a:prstGeom prst="rect">
+            <a:avLst/>
+          </a:prstGeom>
+          <a:ln>
+            <a:noFill/>
+          </a:ln>
+        </p:spPr>
+        <p:style>
+          <a:lnRef idx="2">
+            <a:schemeClr val="dk1"/>
+          </a:lnRef>
+          <a:fillRef idx="1">
+            <a:schemeClr val="lt1"/>
+          </a:fillRef>
+          <a:effectRef idx="0">
+            <a:schemeClr val="dk1"/>
+          </a:effectRef>
+          <a:fontRef idx="minor">
+            <a:schemeClr val="dk1"/>
+          </a:fontRef>
+        </p:style>
+        <p:txBody>
+          <a:bodyPr wrap="none" rtlCol="0">
+            <a:spAutoFit/>
+          </a:bodyPr>
+          <a:lstStyle/>
+          <a:p>
+            <a:r>
+              <a:rPr lang="en-US" altLang="ko-KR" sz="1100" dirty="0">
+                <a:solidFill>
+                  <a:schemeClr val="accent1">
+                    <a:lumMod val="60000"/>
+                    <a:lumOff val="40000"/>
+                  </a:schemeClr>
+                </a:solidFill>
+              </a:rPr>
+              <a:t>CountAccumulator</a:t>
+            </a:r>
+            <a:endParaRPr lang="ko-KR" altLang="en-US" sz="1100" dirty="0">
+              <a:solidFill>
+                <a:schemeClr val="accent1">
+                  <a:lumMod val="60000"/>
+                  <a:lumOff val="40000"/>
+                </a:schemeClr>
+              </a:solidFill>
+            </a:endParaRPr>
+          </a:p>
+        </p:txBody>
+      </p:sp>
+      <p:sp>
+        <p:nvSpPr>
+          <p:cNvPr id="46" name="TextBox 45">
+            <a:extLst>
+              <a:ext uri="{FF2B5EF4-FFF2-40B4-BE49-F238E27FC236}">
+                <a16:creationId xmlns:a16="http://schemas.microsoft.com/office/drawing/2014/main" id="{78A6D049-38A2-57A3-3EF3-5E28D18088EE}"/>
+              </a:ext>
+            </a:extLst>
+          </p:cNvPr>
+          <p:cNvSpPr txBox="1"/>
+          <p:nvPr/>
+        </p:nvSpPr>
+        <p:spPr>
+          <a:xfrm>
+            <a:off x="8819858" y="5698342"/>
+            <a:ext cx="2077172" cy="369332"/>
+          </a:xfrm>
+          <a:prstGeom prst="rect">
+            <a:avLst/>
+          </a:prstGeom>
+        </p:spPr>
+        <p:style>
+          <a:lnRef idx="2">
+            <a:schemeClr val="dk1"/>
+          </a:lnRef>
+          <a:fillRef idx="1">
+            <a:schemeClr val="lt1"/>
+          </a:fillRef>
+          <a:effectRef idx="0">
+            <a:schemeClr val="dk1"/>
+          </a:effectRef>
+          <a:fontRef idx="minor">
+            <a:schemeClr val="dk1"/>
+          </a:fontRef>
+        </p:style>
+        <p:txBody>
+          <a:bodyPr wrap="none" rtlCol="0">
+            <a:spAutoFit/>
+          </a:bodyPr>
+          <a:lstStyle/>
+          <a:p>
+            <a:r>
+              <a:rPr lang="en-US" altLang="ko-KR" dirty="0" err="1"/>
+              <a:t>CounterStatement</a:t>
+            </a:r>
+            <a:endParaRPr lang="ko-KR" altLang="en-US" dirty="0"/>
+          </a:p>
+        </p:txBody>
+      </p:sp>
+    </p:spTree>
+    <p:extLst>
+      <p:ext uri="{BB962C8B-B14F-4D97-AF65-F5344CB8AC3E}">
+        <p14:creationId xmlns:p14="http://schemas.microsoft.com/office/powerpoint/2010/main" val="3377512998"/>
       </p:ext>
     </p:extLst>
   </p:cSld>
@@ -3667,7 +4601,7 @@
           <a:lstStyle/>
           <a:p>
             <a:r>
-              <a:rPr lang="en-US" altLang="ko-KR"/>
+              <a:rPr lang="en-US" altLang="ko-KR" dirty="0"/>
               <a:t>TON </a:t>
             </a:r>
             <a:r>
@@ -4047,13 +4981,8 @@
             </a:r>
             <a:r>
               <a:rPr lang="ko-KR" altLang="en-US" sz="1000" dirty="0"/>
-              <a:t>을 </a:t>
-            </a:r>
-            <a:r>
-              <a:rPr lang="ko-KR" altLang="en-US" sz="1000" dirty="0" err="1"/>
-              <a:t>따라감</a:t>
-            </a:r>
-            <a:endParaRPr lang="ko-KR" altLang="en-US" sz="1000" dirty="0"/>
+              <a:t>을 따라감</a:t>
+            </a:r>
           </a:p>
         </p:txBody>
       </p:sp>
@@ -4484,21 +5413,7 @@
                 <a:effectLst/>
                 <a:latin typeface="Times New Roman" panose="02020603050405020304" pitchFamily="18" charset="0"/>
               </a:rPr>
-              <a:t>The time base is always 1 </a:t>
-            </a:r>
-            <a:r>
-              <a:rPr lang="en-US" altLang="ko-KR" dirty="0" err="1">
-                <a:effectLst/>
-                <a:latin typeface="Times New Roman" panose="02020603050405020304" pitchFamily="18" charset="0"/>
-              </a:rPr>
-              <a:t>ms.</a:t>
-            </a:r>
-            <a:r>
-              <a:rPr lang="en-US" altLang="ko-KR" dirty="0">
-                <a:effectLst/>
-                <a:latin typeface="Times New Roman" panose="02020603050405020304" pitchFamily="18" charset="0"/>
-              </a:rPr>
-              <a:t> For example, for a 2-second timer, enter 2000 for</a:t>
+              <a:t>The time base is always 1 ms. For example, for a 2-second timer, enter 2000 for</a:t>
             </a:r>
             <a:br>
               <a:rPr lang="en-US" altLang="ko-KR" dirty="0"/>
@@ -4594,7 +5509,7 @@
           <a:bodyPr/>
           <a:lstStyle/>
           <a:p>
-            <a:endParaRPr lang="ko-KR" altLang="en-US"/>
+            <a:endParaRPr lang="ko-KR" altLang="en-US" dirty="0"/>
           </a:p>
         </p:txBody>
       </p:sp>

--- a/DsDotNet/src/Engine/Engine.Core/Timer.pptx
+++ b/DsDotNet/src/Engine/Engine.Core/Timer.pptx
@@ -15,6 +15,10 @@
     <p:sldId id="263" r:id="rId9"/>
     <p:sldId id="264" r:id="rId10"/>
     <p:sldId id="265" r:id="rId11"/>
+    <p:sldId id="266" r:id="rId12"/>
+    <p:sldId id="267" r:id="rId13"/>
+    <p:sldId id="268" r:id="rId14"/>
+    <p:sldId id="269" r:id="rId15"/>
   </p:sldIdLst>
   <p:sldSz cx="12192000" cy="6858000"/>
   <p:notesSz cx="6858000" cy="9144000"/>
@@ -268,7 +272,7 @@
           <a:p>
             <a:fld id="{F0D11F29-D168-44AB-8C51-C78796B9CFB4}" type="datetimeFigureOut">
               <a:rPr lang="ko-KR" altLang="en-US" smtClean="0"/>
-              <a:t>2022-12-16</a:t>
+              <a:t>2022-12-19</a:t>
             </a:fld>
             <a:endParaRPr lang="ko-KR" altLang="en-US" dirty="0"/>
           </a:p>
@@ -466,7 +470,7 @@
           <a:p>
             <a:fld id="{F0D11F29-D168-44AB-8C51-C78796B9CFB4}" type="datetimeFigureOut">
               <a:rPr lang="ko-KR" altLang="en-US" smtClean="0"/>
-              <a:t>2022-12-16</a:t>
+              <a:t>2022-12-19</a:t>
             </a:fld>
             <a:endParaRPr lang="ko-KR" altLang="en-US" dirty="0"/>
           </a:p>
@@ -674,7 +678,7 @@
           <a:p>
             <a:fld id="{F0D11F29-D168-44AB-8C51-C78796B9CFB4}" type="datetimeFigureOut">
               <a:rPr lang="ko-KR" altLang="en-US" smtClean="0"/>
-              <a:t>2022-12-16</a:t>
+              <a:t>2022-12-19</a:t>
             </a:fld>
             <a:endParaRPr lang="ko-KR" altLang="en-US" dirty="0"/>
           </a:p>
@@ -872,7 +876,7 @@
           <a:p>
             <a:fld id="{F0D11F29-D168-44AB-8C51-C78796B9CFB4}" type="datetimeFigureOut">
               <a:rPr lang="ko-KR" altLang="en-US" smtClean="0"/>
-              <a:t>2022-12-16</a:t>
+              <a:t>2022-12-19</a:t>
             </a:fld>
             <a:endParaRPr lang="ko-KR" altLang="en-US" dirty="0"/>
           </a:p>
@@ -1147,7 +1151,7 @@
           <a:p>
             <a:fld id="{F0D11F29-D168-44AB-8C51-C78796B9CFB4}" type="datetimeFigureOut">
               <a:rPr lang="ko-KR" altLang="en-US" smtClean="0"/>
-              <a:t>2022-12-16</a:t>
+              <a:t>2022-12-19</a:t>
             </a:fld>
             <a:endParaRPr lang="ko-KR" altLang="en-US" dirty="0"/>
           </a:p>
@@ -1412,7 +1416,7 @@
           <a:p>
             <a:fld id="{F0D11F29-D168-44AB-8C51-C78796B9CFB4}" type="datetimeFigureOut">
               <a:rPr lang="ko-KR" altLang="en-US" smtClean="0"/>
-              <a:t>2022-12-16</a:t>
+              <a:t>2022-12-19</a:t>
             </a:fld>
             <a:endParaRPr lang="ko-KR" altLang="en-US" dirty="0"/>
           </a:p>
@@ -1824,7 +1828,7 @@
           <a:p>
             <a:fld id="{F0D11F29-D168-44AB-8C51-C78796B9CFB4}" type="datetimeFigureOut">
               <a:rPr lang="ko-KR" altLang="en-US" smtClean="0"/>
-              <a:t>2022-12-16</a:t>
+              <a:t>2022-12-19</a:t>
             </a:fld>
             <a:endParaRPr lang="ko-KR" altLang="en-US" dirty="0"/>
           </a:p>
@@ -1965,7 +1969,7 @@
           <a:p>
             <a:fld id="{F0D11F29-D168-44AB-8C51-C78796B9CFB4}" type="datetimeFigureOut">
               <a:rPr lang="ko-KR" altLang="en-US" smtClean="0"/>
-              <a:t>2022-12-16</a:t>
+              <a:t>2022-12-19</a:t>
             </a:fld>
             <a:endParaRPr lang="ko-KR" altLang="en-US" dirty="0"/>
           </a:p>
@@ -2078,7 +2082,7 @@
           <a:p>
             <a:fld id="{F0D11F29-D168-44AB-8C51-C78796B9CFB4}" type="datetimeFigureOut">
               <a:rPr lang="ko-KR" altLang="en-US" smtClean="0"/>
-              <a:t>2022-12-16</a:t>
+              <a:t>2022-12-19</a:t>
             </a:fld>
             <a:endParaRPr lang="ko-KR" altLang="en-US" dirty="0"/>
           </a:p>
@@ -2389,7 +2393,7 @@
           <a:p>
             <a:fld id="{F0D11F29-D168-44AB-8C51-C78796B9CFB4}" type="datetimeFigureOut">
               <a:rPr lang="ko-KR" altLang="en-US" smtClean="0"/>
-              <a:t>2022-12-16</a:t>
+              <a:t>2022-12-19</a:t>
             </a:fld>
             <a:endParaRPr lang="ko-KR" altLang="en-US" dirty="0"/>
           </a:p>
@@ -2677,7 +2681,7 @@
           <a:p>
             <a:fld id="{F0D11F29-D168-44AB-8C51-C78796B9CFB4}" type="datetimeFigureOut">
               <a:rPr lang="ko-KR" altLang="en-US" smtClean="0"/>
-              <a:t>2022-12-16</a:t>
+              <a:t>2022-12-19</a:t>
             </a:fld>
             <a:endParaRPr lang="ko-KR" altLang="en-US" dirty="0"/>
           </a:p>
@@ -2918,7 +2922,7 @@
           <a:p>
             <a:fld id="{F0D11F29-D168-44AB-8C51-C78796B9CFB4}" type="datetimeFigureOut">
               <a:rPr lang="ko-KR" altLang="en-US" smtClean="0"/>
-              <a:t>2022-12-16</a:t>
+              <a:t>2022-12-19</a:t>
             </a:fld>
             <a:endParaRPr lang="ko-KR" altLang="en-US" dirty="0"/>
           </a:p>
@@ -3441,7 +3445,7 @@
           <a:lstStyle/>
           <a:p>
             <a:r>
-              <a:rPr lang="en-US" altLang="ko-KR"/>
+              <a:rPr lang="en-US" altLang="ko-KR" dirty="0"/>
               <a:t>Classes</a:t>
             </a:r>
             <a:endParaRPr lang="ko-KR" altLang="en-US" dirty="0"/>
@@ -4315,8 +4319,57 @@
           <a:lstStyle/>
           <a:p>
             <a:r>
-              <a:rPr lang="en-US" altLang="ko-KR" dirty="0" err="1"/>
+              <a:rPr lang="en-US" altLang="ko-KR" dirty="0"/>
               <a:t>CounterStatement</a:t>
+            </a:r>
+            <a:endParaRPr lang="ko-KR" altLang="en-US" dirty="0"/>
+          </a:p>
+        </p:txBody>
+      </p:sp>
+      <p:sp>
+        <p:nvSpPr>
+          <p:cNvPr id="3" name="TextBox 2">
+            <a:extLst>
+              <a:ext uri="{FF2B5EF4-FFF2-40B4-BE49-F238E27FC236}">
+                <a16:creationId xmlns:a16="http://schemas.microsoft.com/office/drawing/2014/main" id="{A01FA822-B995-09A6-6574-7F9B76403C80}"/>
+              </a:ext>
+            </a:extLst>
+          </p:cNvPr>
+          <p:cNvSpPr txBox="1"/>
+          <p:nvPr/>
+        </p:nvSpPr>
+        <p:spPr>
+          <a:xfrm>
+            <a:off x="1108311" y="5698342"/>
+            <a:ext cx="1832233" cy="369332"/>
+          </a:xfrm>
+          <a:prstGeom prst="rect">
+            <a:avLst/>
+          </a:prstGeom>
+        </p:spPr>
+        <p:style>
+          <a:lnRef idx="2">
+            <a:schemeClr val="dk1"/>
+          </a:lnRef>
+          <a:fillRef idx="1">
+            <a:schemeClr val="lt1"/>
+          </a:fillRef>
+          <a:effectRef idx="0">
+            <a:schemeClr val="dk1"/>
+          </a:effectRef>
+          <a:fontRef idx="minor">
+            <a:schemeClr val="dk1"/>
+          </a:fontRef>
+        </p:style>
+        <p:txBody>
+          <a:bodyPr wrap="none" rtlCol="0">
+            <a:spAutoFit/>
+          </a:bodyPr>
+          <a:lstStyle/>
+          <a:p>
+            <a:r>
+              <a:rPr lang="en-US" altLang="ko-KR" dirty="0"/>
+              <a:t>TimerStatement</a:t>
             </a:r>
             <a:endParaRPr lang="ko-KR" altLang="en-US" dirty="0"/>
           </a:p>
@@ -4326,6 +4379,1633 @@
     <p:extLst>
       <p:ext uri="{BB962C8B-B14F-4D97-AF65-F5344CB8AC3E}">
         <p14:creationId xmlns:p14="http://schemas.microsoft.com/office/powerpoint/2010/main" val="3377512998"/>
+      </p:ext>
+    </p:extLst>
+  </p:cSld>
+  <p:clrMapOvr>
+    <a:masterClrMapping/>
+  </p:clrMapOvr>
+</p:sld>
+</file>
+
+<file path=ppt/slides/slide11.xml><?xml version="1.0" encoding="utf-8"?>
+<p:sld xmlns:a="http://schemas.openxmlformats.org/drawingml/2006/main" xmlns:r="http://schemas.openxmlformats.org/officeDocument/2006/relationships" xmlns:p="http://schemas.openxmlformats.org/presentationml/2006/main">
+  <p:cSld>
+    <p:spTree>
+      <p:nvGrpSpPr>
+        <p:cNvPr id="1" name=""/>
+        <p:cNvGrpSpPr/>
+        <p:nvPr/>
+      </p:nvGrpSpPr>
+      <p:grpSpPr>
+        <a:xfrm>
+          <a:off x="0" y="0"/>
+          <a:ext cx="0" cy="0"/>
+          <a:chOff x="0" y="0"/>
+          <a:chExt cx="0" cy="0"/>
+        </a:xfrm>
+      </p:grpSpPr>
+      <p:sp>
+        <p:nvSpPr>
+          <p:cNvPr id="2" name="제목 1">
+            <a:extLst>
+              <a:ext uri="{FF2B5EF4-FFF2-40B4-BE49-F238E27FC236}">
+                <a16:creationId xmlns:a16="http://schemas.microsoft.com/office/drawing/2014/main" id="{1B5AB5BE-0CEB-62D1-287B-7A8FB8BC868A}"/>
+              </a:ext>
+            </a:extLst>
+          </p:cNvPr>
+          <p:cNvSpPr>
+            <a:spLocks noGrp="1"/>
+          </p:cNvSpPr>
+          <p:nvPr>
+            <p:ph type="title"/>
+          </p:nvPr>
+        </p:nvSpPr>
+        <p:spPr/>
+        <p:txBody>
+          <a:bodyPr/>
+          <a:lstStyle/>
+          <a:p>
+            <a:r>
+              <a:rPr lang="en-US" altLang="ko-KR" dirty="0"/>
+              <a:t>Classes : Timer/Counter top level</a:t>
+            </a:r>
+            <a:endParaRPr lang="ko-KR" altLang="en-US" dirty="0"/>
+          </a:p>
+        </p:txBody>
+      </p:sp>
+      <p:sp>
+        <p:nvSpPr>
+          <p:cNvPr id="5" name="TextBox 4">
+            <a:extLst>
+              <a:ext uri="{FF2B5EF4-FFF2-40B4-BE49-F238E27FC236}">
+                <a16:creationId xmlns:a16="http://schemas.microsoft.com/office/drawing/2014/main" id="{97A82AB5-B6A3-7DF3-7F5D-F0EAA673A0E9}"/>
+              </a:ext>
+            </a:extLst>
+          </p:cNvPr>
+          <p:cNvSpPr txBox="1"/>
+          <p:nvPr/>
+        </p:nvSpPr>
+        <p:spPr>
+          <a:xfrm>
+            <a:off x="951344" y="1889174"/>
+            <a:ext cx="9938329" cy="3970318"/>
+          </a:xfrm>
+          <a:prstGeom prst="rect">
+            <a:avLst/>
+          </a:prstGeom>
+          <a:noFill/>
+        </p:spPr>
+        <p:txBody>
+          <a:bodyPr wrap="square">
+            <a:spAutoFit/>
+          </a:bodyPr>
+          <a:lstStyle/>
+          <a:p>
+            <a:r>
+              <a:rPr lang="en-US" altLang="ko-KR" sz="1400" dirty="0">
+                <a:solidFill>
+                  <a:srgbClr val="0000FF"/>
+                </a:solidFill>
+                <a:latin typeface="Cascadia Mono" panose="020B0609020000020004" pitchFamily="49" charset="0"/>
+              </a:rPr>
+              <a:t>type</a:t>
+            </a:r>
+            <a:r>
+              <a:rPr lang="en-US" altLang="ko-KR" sz="1400" dirty="0">
+                <a:solidFill>
+                  <a:srgbClr val="000000"/>
+                </a:solidFill>
+                <a:latin typeface="Cascadia Mono" panose="020B0609020000020004" pitchFamily="49" charset="0"/>
+              </a:rPr>
+              <a:t> Statement =</a:t>
+            </a:r>
+          </a:p>
+          <a:p>
+            <a:r>
+              <a:rPr lang="en-US" altLang="ko-KR" sz="1400" dirty="0">
+                <a:solidFill>
+                  <a:srgbClr val="000000"/>
+                </a:solidFill>
+                <a:latin typeface="Cascadia Mono" panose="020B0609020000020004" pitchFamily="49" charset="0"/>
+              </a:rPr>
+              <a:t>        | DuAssign </a:t>
+            </a:r>
+            <a:r>
+              <a:rPr lang="en-US" altLang="ko-KR" sz="1400" dirty="0">
+                <a:solidFill>
+                  <a:srgbClr val="0000FF"/>
+                </a:solidFill>
+                <a:latin typeface="Cascadia Mono" panose="020B0609020000020004" pitchFamily="49" charset="0"/>
+              </a:rPr>
+              <a:t>of</a:t>
+            </a:r>
+            <a:r>
+              <a:rPr lang="en-US" altLang="ko-KR" sz="1400" dirty="0">
+                <a:solidFill>
+                  <a:srgbClr val="000000"/>
+                </a:solidFill>
+                <a:latin typeface="Cascadia Mono" panose="020B0609020000020004" pitchFamily="49" charset="0"/>
+              </a:rPr>
+              <a:t> expression:IExpression * target:IStorage</a:t>
+            </a:r>
+          </a:p>
+          <a:p>
+            <a:r>
+              <a:rPr lang="en-US" altLang="ko-KR" sz="1400" dirty="0">
+                <a:solidFill>
+                  <a:srgbClr val="000000"/>
+                </a:solidFill>
+                <a:latin typeface="Cascadia Mono" panose="020B0609020000020004" pitchFamily="49" charset="0"/>
+              </a:rPr>
+              <a:t>        | DuVarDecl </a:t>
+            </a:r>
+            <a:r>
+              <a:rPr lang="en-US" altLang="ko-KR" sz="1400" dirty="0">
+                <a:solidFill>
+                  <a:srgbClr val="0000FF"/>
+                </a:solidFill>
+                <a:latin typeface="Cascadia Mono" panose="020B0609020000020004" pitchFamily="49" charset="0"/>
+              </a:rPr>
+              <a:t>of</a:t>
+            </a:r>
+            <a:r>
+              <a:rPr lang="en-US" altLang="ko-KR" sz="1400" dirty="0">
+                <a:solidFill>
+                  <a:srgbClr val="000000"/>
+                </a:solidFill>
+                <a:latin typeface="Cascadia Mono" panose="020B0609020000020004" pitchFamily="49" charset="0"/>
+              </a:rPr>
+              <a:t> expression:IExpression * variable:IStorage</a:t>
+            </a:r>
+          </a:p>
+          <a:p>
+            <a:r>
+              <a:rPr lang="en-US" altLang="ko-KR" sz="1400" dirty="0">
+                <a:solidFill>
+                  <a:srgbClr val="000000"/>
+                </a:solidFill>
+                <a:latin typeface="Cascadia Mono" panose="020B0609020000020004" pitchFamily="49" charset="0"/>
+              </a:rPr>
+              <a:t>        | DuTimer </a:t>
+            </a:r>
+            <a:r>
+              <a:rPr lang="en-US" altLang="ko-KR" sz="1400" dirty="0">
+                <a:solidFill>
+                  <a:srgbClr val="0000FF"/>
+                </a:solidFill>
+                <a:latin typeface="Cascadia Mono" panose="020B0609020000020004" pitchFamily="49" charset="0"/>
+              </a:rPr>
+              <a:t>of</a:t>
+            </a:r>
+            <a:r>
+              <a:rPr lang="en-US" altLang="ko-KR" sz="1400" dirty="0">
+                <a:solidFill>
+                  <a:srgbClr val="000000"/>
+                </a:solidFill>
+                <a:latin typeface="Cascadia Mono" panose="020B0609020000020004" pitchFamily="49" charset="0"/>
+              </a:rPr>
+              <a:t> TimerStatement</a:t>
+            </a:r>
+          </a:p>
+          <a:p>
+            <a:r>
+              <a:rPr lang="en-US" altLang="ko-KR" sz="1400" dirty="0">
+                <a:solidFill>
+                  <a:srgbClr val="000000"/>
+                </a:solidFill>
+                <a:latin typeface="Cascadia Mono" panose="020B0609020000020004" pitchFamily="49" charset="0"/>
+              </a:rPr>
+              <a:t>        | DuCounter </a:t>
+            </a:r>
+            <a:r>
+              <a:rPr lang="en-US" altLang="ko-KR" sz="1400" dirty="0">
+                <a:solidFill>
+                  <a:srgbClr val="0000FF"/>
+                </a:solidFill>
+                <a:latin typeface="Cascadia Mono" panose="020B0609020000020004" pitchFamily="49" charset="0"/>
+              </a:rPr>
+              <a:t>of</a:t>
+            </a:r>
+            <a:r>
+              <a:rPr lang="en-US" altLang="ko-KR" sz="1400" dirty="0">
+                <a:solidFill>
+                  <a:srgbClr val="000000"/>
+                </a:solidFill>
+                <a:latin typeface="Cascadia Mono" panose="020B0609020000020004" pitchFamily="49" charset="0"/>
+              </a:rPr>
+              <a:t> CounterStatement</a:t>
+            </a:r>
+          </a:p>
+          <a:p>
+            <a:endParaRPr lang="en-US" altLang="ko-KR" sz="1400" dirty="0">
+              <a:solidFill>
+                <a:srgbClr val="000000"/>
+              </a:solidFill>
+              <a:latin typeface="Cascadia Mono" panose="020B0609020000020004" pitchFamily="49" charset="0"/>
+            </a:endParaRPr>
+          </a:p>
+          <a:p>
+            <a:r>
+              <a:rPr lang="en-US" altLang="ko-KR" sz="1400" dirty="0">
+                <a:solidFill>
+                  <a:srgbClr val="0000FF"/>
+                </a:solidFill>
+                <a:latin typeface="Cascadia Mono" panose="020B0609020000020004" pitchFamily="49" charset="0"/>
+              </a:rPr>
+              <a:t>type</a:t>
+            </a:r>
+            <a:r>
+              <a:rPr lang="en-US" altLang="ko-KR" sz="1400" dirty="0">
+                <a:solidFill>
+                  <a:srgbClr val="000000"/>
+                </a:solidFill>
+                <a:latin typeface="Cascadia Mono" panose="020B0609020000020004" pitchFamily="49" charset="0"/>
+              </a:rPr>
+              <a:t> TimerStatement = {</a:t>
+            </a:r>
+          </a:p>
+          <a:p>
+            <a:r>
+              <a:rPr lang="en-US" altLang="ko-KR" sz="1400" dirty="0">
+                <a:solidFill>
+                  <a:srgbClr val="000000"/>
+                </a:solidFill>
+                <a:latin typeface="Cascadia Mono" panose="020B0609020000020004" pitchFamily="49" charset="0"/>
+              </a:rPr>
+              <a:t>    Timer:</a:t>
+            </a:r>
+            <a:r>
+              <a:rPr lang="en-US" altLang="ko-KR" sz="1400" dirty="0">
+                <a:solidFill>
+                  <a:srgbClr val="FF0000"/>
+                </a:solidFill>
+                <a:latin typeface="Cascadia Mono" panose="020B0609020000020004" pitchFamily="49" charset="0"/>
+              </a:rPr>
+              <a:t>Timer</a:t>
+            </a:r>
+          </a:p>
+          <a:p>
+            <a:r>
+              <a:rPr lang="en-US" altLang="ko-KR" sz="1400" dirty="0">
+                <a:solidFill>
+                  <a:srgbClr val="000000"/>
+                </a:solidFill>
+                <a:latin typeface="Cascadia Mono" panose="020B0609020000020004" pitchFamily="49" charset="0"/>
+              </a:rPr>
+              <a:t>    RungInCondition: IExpression&lt;bool&gt; option</a:t>
+            </a:r>
+          </a:p>
+          <a:p>
+            <a:r>
+              <a:rPr lang="en-US" altLang="ko-KR" sz="1400" dirty="0">
+                <a:solidFill>
+                  <a:srgbClr val="000000"/>
+                </a:solidFill>
+                <a:latin typeface="Cascadia Mono" panose="020B0609020000020004" pitchFamily="49" charset="0"/>
+              </a:rPr>
+              <a:t>    ResetCondition:  IExpression&lt;bool&gt; option</a:t>
+            </a:r>
+          </a:p>
+          <a:p>
+            <a:r>
+              <a:rPr lang="en-US" altLang="ko-KR" sz="1400" dirty="0">
+                <a:solidFill>
+                  <a:srgbClr val="000000"/>
+                </a:solidFill>
+                <a:latin typeface="Cascadia Mono" panose="020B0609020000020004" pitchFamily="49" charset="0"/>
+              </a:rPr>
+              <a:t>}</a:t>
+            </a:r>
+          </a:p>
+          <a:p>
+            <a:endParaRPr lang="ko-KR" altLang="en-US" sz="1400" dirty="0">
+              <a:solidFill>
+                <a:srgbClr val="000000"/>
+              </a:solidFill>
+              <a:latin typeface="Cascadia Mono" panose="020B0609020000020004" pitchFamily="49" charset="0"/>
+            </a:endParaRPr>
+          </a:p>
+          <a:p>
+            <a:r>
+              <a:rPr lang="en-US" altLang="ko-KR" sz="1400" dirty="0">
+                <a:solidFill>
+                  <a:srgbClr val="0000FF"/>
+                </a:solidFill>
+                <a:latin typeface="Cascadia Mono" panose="020B0609020000020004" pitchFamily="49" charset="0"/>
+              </a:rPr>
+              <a:t>type</a:t>
+            </a:r>
+            <a:r>
+              <a:rPr lang="en-US" altLang="ko-KR" sz="1400" dirty="0">
+                <a:solidFill>
+                  <a:srgbClr val="000000"/>
+                </a:solidFill>
+                <a:latin typeface="Cascadia Mono" panose="020B0609020000020004" pitchFamily="49" charset="0"/>
+              </a:rPr>
+              <a:t> CounterStatement = {</a:t>
+            </a:r>
+          </a:p>
+          <a:p>
+            <a:r>
+              <a:rPr lang="en-US" altLang="ko-KR" sz="1400" dirty="0">
+                <a:solidFill>
+                  <a:srgbClr val="000000"/>
+                </a:solidFill>
+                <a:latin typeface="Cascadia Mono" panose="020B0609020000020004" pitchFamily="49" charset="0"/>
+              </a:rPr>
+              <a:t>    Counter:Counter</a:t>
+            </a:r>
+          </a:p>
+          <a:p>
+            <a:r>
+              <a:rPr lang="en-US" altLang="ko-KR" sz="1400" dirty="0">
+                <a:solidFill>
+                  <a:srgbClr val="000000"/>
+                </a:solidFill>
+                <a:latin typeface="Cascadia Mono" panose="020B0609020000020004" pitchFamily="49" charset="0"/>
+              </a:rPr>
+              <a:t>    UpCondition: IExpression&lt;bool&gt; option</a:t>
+            </a:r>
+          </a:p>
+          <a:p>
+            <a:r>
+              <a:rPr lang="en-US" altLang="ko-KR" sz="1400" dirty="0">
+                <a:solidFill>
+                  <a:srgbClr val="000000"/>
+                </a:solidFill>
+                <a:latin typeface="Cascadia Mono" panose="020B0609020000020004" pitchFamily="49" charset="0"/>
+              </a:rPr>
+              <a:t>    DownCondition: IExpression&lt;bool&gt; option</a:t>
+            </a:r>
+          </a:p>
+          <a:p>
+            <a:r>
+              <a:rPr lang="en-US" altLang="ko-KR" sz="1400" dirty="0">
+                <a:solidFill>
+                  <a:srgbClr val="000000"/>
+                </a:solidFill>
+                <a:latin typeface="Cascadia Mono" panose="020B0609020000020004" pitchFamily="49" charset="0"/>
+              </a:rPr>
+              <a:t>    ResetCondition:  IExpression&lt;bool&gt; option</a:t>
+            </a:r>
+          </a:p>
+          <a:p>
+            <a:r>
+              <a:rPr lang="en-US" altLang="ko-KR" sz="1400" dirty="0">
+                <a:solidFill>
+                  <a:srgbClr val="000000"/>
+                </a:solidFill>
+                <a:latin typeface="Cascadia Mono" panose="020B0609020000020004" pitchFamily="49" charset="0"/>
+              </a:rPr>
+              <a:t>}</a:t>
+            </a:r>
+          </a:p>
+        </p:txBody>
+      </p:sp>
+    </p:spTree>
+    <p:extLst>
+      <p:ext uri="{BB962C8B-B14F-4D97-AF65-F5344CB8AC3E}">
+        <p14:creationId xmlns:p14="http://schemas.microsoft.com/office/powerpoint/2010/main" val="3044527727"/>
+      </p:ext>
+    </p:extLst>
+  </p:cSld>
+  <p:clrMapOvr>
+    <a:masterClrMapping/>
+  </p:clrMapOvr>
+</p:sld>
+</file>
+
+<file path=ppt/slides/slide12.xml><?xml version="1.0" encoding="utf-8"?>
+<p:sld xmlns:a="http://schemas.openxmlformats.org/drawingml/2006/main" xmlns:r="http://schemas.openxmlformats.org/officeDocument/2006/relationships" xmlns:p="http://schemas.openxmlformats.org/presentationml/2006/main">
+  <p:cSld>
+    <p:spTree>
+      <p:nvGrpSpPr>
+        <p:cNvPr id="1" name=""/>
+        <p:cNvGrpSpPr/>
+        <p:nvPr/>
+      </p:nvGrpSpPr>
+      <p:grpSpPr>
+        <a:xfrm>
+          <a:off x="0" y="0"/>
+          <a:ext cx="0" cy="0"/>
+          <a:chOff x="0" y="0"/>
+          <a:chExt cx="0" cy="0"/>
+        </a:xfrm>
+      </p:grpSpPr>
+      <p:sp>
+        <p:nvSpPr>
+          <p:cNvPr id="2" name="제목 1">
+            <a:extLst>
+              <a:ext uri="{FF2B5EF4-FFF2-40B4-BE49-F238E27FC236}">
+                <a16:creationId xmlns:a16="http://schemas.microsoft.com/office/drawing/2014/main" id="{5EB18DC9-FC2F-0591-7F29-6E1E653363F3}"/>
+              </a:ext>
+            </a:extLst>
+          </p:cNvPr>
+          <p:cNvSpPr>
+            <a:spLocks noGrp="1"/>
+          </p:cNvSpPr>
+          <p:nvPr>
+            <p:ph type="title"/>
+          </p:nvPr>
+        </p:nvSpPr>
+        <p:spPr/>
+        <p:txBody>
+          <a:bodyPr/>
+          <a:lstStyle/>
+          <a:p>
+            <a:r>
+              <a:rPr lang="en-US" altLang="ko-KR" dirty="0"/>
+              <a:t>Classes : Timer statements</a:t>
+            </a:r>
+            <a:endParaRPr lang="ko-KR" altLang="en-US" dirty="0"/>
+          </a:p>
+        </p:txBody>
+      </p:sp>
+      <p:sp>
+        <p:nvSpPr>
+          <p:cNvPr id="5" name="TextBox 4">
+            <a:extLst>
+              <a:ext uri="{FF2B5EF4-FFF2-40B4-BE49-F238E27FC236}">
+                <a16:creationId xmlns:a16="http://schemas.microsoft.com/office/drawing/2014/main" id="{8E9067D1-0ED2-925C-8C37-9111D6743EA1}"/>
+              </a:ext>
+            </a:extLst>
+          </p:cNvPr>
+          <p:cNvSpPr txBox="1"/>
+          <p:nvPr/>
+        </p:nvSpPr>
+        <p:spPr>
+          <a:xfrm>
+            <a:off x="838200" y="1880581"/>
+            <a:ext cx="10594109" cy="4524315"/>
+          </a:xfrm>
+          <a:prstGeom prst="rect">
+            <a:avLst/>
+          </a:prstGeom>
+          <a:noFill/>
+        </p:spPr>
+        <p:txBody>
+          <a:bodyPr wrap="square">
+            <a:spAutoFit/>
+          </a:bodyPr>
+          <a:lstStyle/>
+          <a:p>
+            <a:r>
+              <a:rPr lang="en-US" altLang="ko-KR" sz="1800" dirty="0">
+                <a:solidFill>
+                  <a:srgbClr val="0000FF"/>
+                </a:solidFill>
+                <a:latin typeface="Cascadia Mono" panose="020B0609020000020004" pitchFamily="49" charset="0"/>
+              </a:rPr>
+              <a:t>type</a:t>
+            </a:r>
+            <a:r>
+              <a:rPr lang="en-US" altLang="ko-KR" sz="1800" dirty="0">
+                <a:solidFill>
+                  <a:srgbClr val="000000"/>
+                </a:solidFill>
+                <a:latin typeface="Cascadia Mono" panose="020B0609020000020004" pitchFamily="49" charset="0"/>
+              </a:rPr>
+              <a:t> Timer </a:t>
+            </a:r>
+            <a:r>
+              <a:rPr lang="en-US" altLang="ko-KR" sz="1800" dirty="0">
+                <a:solidFill>
+                  <a:srgbClr val="0000FF"/>
+                </a:solidFill>
+                <a:latin typeface="Cascadia Mono" panose="020B0609020000020004" pitchFamily="49" charset="0"/>
+              </a:rPr>
+              <a:t>internal</a:t>
+            </a:r>
+            <a:r>
+              <a:rPr lang="en-US" altLang="ko-KR" sz="1800" dirty="0">
+                <a:solidFill>
+                  <a:srgbClr val="000000"/>
+                </a:solidFill>
+                <a:latin typeface="Cascadia Mono" panose="020B0609020000020004" pitchFamily="49" charset="0"/>
+              </a:rPr>
+              <a:t>(typ:TimerType, timerStruct:TimerStruct) =</a:t>
+            </a:r>
+          </a:p>
+          <a:p>
+            <a:endParaRPr lang="ko-KR" altLang="en-US" sz="1800" dirty="0">
+              <a:solidFill>
+                <a:srgbClr val="000000"/>
+              </a:solidFill>
+              <a:latin typeface="Cascadia Mono" panose="020B0609020000020004" pitchFamily="49" charset="0"/>
+            </a:endParaRPr>
+          </a:p>
+          <a:p>
+            <a:r>
+              <a:rPr lang="en-US" altLang="ko-KR" sz="1800" dirty="0">
+                <a:solidFill>
+                  <a:srgbClr val="000000"/>
+                </a:solidFill>
+                <a:latin typeface="Cascadia Mono" panose="020B0609020000020004" pitchFamily="49" charset="0"/>
+              </a:rPr>
+              <a:t>    </a:t>
+            </a:r>
+            <a:r>
+              <a:rPr lang="en-US" altLang="ko-KR" sz="1800" dirty="0">
+                <a:solidFill>
+                  <a:srgbClr val="0000FF"/>
+                </a:solidFill>
+                <a:latin typeface="Cascadia Mono" panose="020B0609020000020004" pitchFamily="49" charset="0"/>
+              </a:rPr>
+              <a:t>let</a:t>
+            </a:r>
+            <a:r>
+              <a:rPr lang="en-US" altLang="ko-KR" sz="1800" dirty="0">
+                <a:solidFill>
+                  <a:srgbClr val="000000"/>
+                </a:solidFill>
+                <a:latin typeface="Cascadia Mono" panose="020B0609020000020004" pitchFamily="49" charset="0"/>
+              </a:rPr>
+              <a:t> accumulator = </a:t>
+            </a:r>
+            <a:r>
+              <a:rPr lang="en-US" altLang="ko-KR" sz="1800" dirty="0">
+                <a:solidFill>
+                  <a:srgbClr val="0000FF"/>
+                </a:solidFill>
+                <a:latin typeface="Cascadia Mono" panose="020B0609020000020004" pitchFamily="49" charset="0"/>
+              </a:rPr>
+              <a:t>new</a:t>
+            </a:r>
+            <a:r>
+              <a:rPr lang="en-US" altLang="ko-KR" sz="1800" dirty="0">
+                <a:solidFill>
+                  <a:srgbClr val="000000"/>
+                </a:solidFill>
+                <a:latin typeface="Cascadia Mono" panose="020B0609020000020004" pitchFamily="49" charset="0"/>
+              </a:rPr>
+              <a:t> TickAccumulator(typ, timerStruct)</a:t>
+            </a:r>
+          </a:p>
+          <a:p>
+            <a:endParaRPr lang="ko-KR" altLang="en-US" sz="1800" dirty="0">
+              <a:solidFill>
+                <a:srgbClr val="000000"/>
+              </a:solidFill>
+              <a:latin typeface="Cascadia Mono" panose="020B0609020000020004" pitchFamily="49" charset="0"/>
+            </a:endParaRPr>
+          </a:p>
+          <a:p>
+            <a:r>
+              <a:rPr lang="en-US" altLang="ko-KR" sz="1800" dirty="0">
+                <a:solidFill>
+                  <a:srgbClr val="000000"/>
+                </a:solidFill>
+                <a:latin typeface="Cascadia Mono" panose="020B0609020000020004" pitchFamily="49" charset="0"/>
+              </a:rPr>
+              <a:t>    </a:t>
+            </a:r>
+            <a:r>
+              <a:rPr lang="en-US" altLang="ko-KR" sz="1800" dirty="0">
+                <a:solidFill>
+                  <a:srgbClr val="0000FF"/>
+                </a:solidFill>
+                <a:latin typeface="Cascadia Mono" panose="020B0609020000020004" pitchFamily="49" charset="0"/>
+              </a:rPr>
+              <a:t>member</a:t>
+            </a:r>
+            <a:r>
+              <a:rPr lang="en-US" altLang="ko-KR" sz="1800" dirty="0">
+                <a:solidFill>
+                  <a:srgbClr val="000000"/>
+                </a:solidFill>
+                <a:latin typeface="Cascadia Mono" panose="020B0609020000020004" pitchFamily="49" charset="0"/>
+              </a:rPr>
+              <a:t> _.Type = typ</a:t>
+            </a:r>
+          </a:p>
+          <a:p>
+            <a:r>
+              <a:rPr lang="en-US" altLang="ko-KR" sz="1800" dirty="0">
+                <a:solidFill>
+                  <a:srgbClr val="000000"/>
+                </a:solidFill>
+                <a:latin typeface="Cascadia Mono" panose="020B0609020000020004" pitchFamily="49" charset="0"/>
+              </a:rPr>
+              <a:t>    </a:t>
+            </a:r>
+            <a:r>
+              <a:rPr lang="en-US" altLang="ko-KR" sz="1800" dirty="0">
+                <a:solidFill>
+                  <a:srgbClr val="0000FF"/>
+                </a:solidFill>
+                <a:latin typeface="Cascadia Mono" panose="020B0609020000020004" pitchFamily="49" charset="0"/>
+              </a:rPr>
+              <a:t>member</a:t>
+            </a:r>
+            <a:r>
+              <a:rPr lang="en-US" altLang="ko-KR" sz="1800" dirty="0">
+                <a:solidFill>
+                  <a:srgbClr val="000000"/>
+                </a:solidFill>
+                <a:latin typeface="Cascadia Mono" panose="020B0609020000020004" pitchFamily="49" charset="0"/>
+              </a:rPr>
+              <a:t> _.Name = timerStruct.Name</a:t>
+            </a:r>
+          </a:p>
+          <a:p>
+            <a:r>
+              <a:rPr lang="en-US" altLang="ko-KR" sz="1800" dirty="0">
+                <a:solidFill>
+                  <a:srgbClr val="000000"/>
+                </a:solidFill>
+                <a:latin typeface="Cascadia Mono" panose="020B0609020000020004" pitchFamily="49" charset="0"/>
+              </a:rPr>
+              <a:t>    </a:t>
+            </a:r>
+            <a:r>
+              <a:rPr lang="en-US" altLang="ko-KR" sz="1800" dirty="0">
+                <a:solidFill>
+                  <a:srgbClr val="0000FF"/>
+                </a:solidFill>
+                <a:latin typeface="Cascadia Mono" panose="020B0609020000020004" pitchFamily="49" charset="0"/>
+              </a:rPr>
+              <a:t>member</a:t>
+            </a:r>
+            <a:r>
+              <a:rPr lang="en-US" altLang="ko-KR" sz="1800" dirty="0">
+                <a:solidFill>
+                  <a:srgbClr val="000000"/>
+                </a:solidFill>
+                <a:latin typeface="Cascadia Mono" panose="020B0609020000020004" pitchFamily="49" charset="0"/>
+              </a:rPr>
+              <a:t> _.EN = timerStruct.EN</a:t>
+            </a:r>
+          </a:p>
+          <a:p>
+            <a:r>
+              <a:rPr lang="en-US" altLang="ko-KR" sz="1800" dirty="0">
+                <a:solidFill>
+                  <a:srgbClr val="000000"/>
+                </a:solidFill>
+                <a:latin typeface="Cascadia Mono" panose="020B0609020000020004" pitchFamily="49" charset="0"/>
+              </a:rPr>
+              <a:t>    </a:t>
+            </a:r>
+            <a:r>
+              <a:rPr lang="en-US" altLang="ko-KR" sz="1800" dirty="0">
+                <a:solidFill>
+                  <a:srgbClr val="0000FF"/>
+                </a:solidFill>
+                <a:latin typeface="Cascadia Mono" panose="020B0609020000020004" pitchFamily="49" charset="0"/>
+              </a:rPr>
+              <a:t>member</a:t>
+            </a:r>
+            <a:r>
+              <a:rPr lang="en-US" altLang="ko-KR" sz="1800" dirty="0">
+                <a:solidFill>
+                  <a:srgbClr val="000000"/>
+                </a:solidFill>
+                <a:latin typeface="Cascadia Mono" panose="020B0609020000020004" pitchFamily="49" charset="0"/>
+              </a:rPr>
+              <a:t> _.TT = timerStruct.TT</a:t>
+            </a:r>
+          </a:p>
+          <a:p>
+            <a:r>
+              <a:rPr lang="en-US" altLang="ko-KR" sz="1800" dirty="0">
+                <a:solidFill>
+                  <a:srgbClr val="000000"/>
+                </a:solidFill>
+                <a:latin typeface="Cascadia Mono" panose="020B0609020000020004" pitchFamily="49" charset="0"/>
+              </a:rPr>
+              <a:t>    </a:t>
+            </a:r>
+            <a:r>
+              <a:rPr lang="en-US" altLang="ko-KR" sz="1800" dirty="0">
+                <a:solidFill>
+                  <a:srgbClr val="0000FF"/>
+                </a:solidFill>
+                <a:latin typeface="Cascadia Mono" panose="020B0609020000020004" pitchFamily="49" charset="0"/>
+              </a:rPr>
+              <a:t>member</a:t>
+            </a:r>
+            <a:r>
+              <a:rPr lang="en-US" altLang="ko-KR" sz="1800" dirty="0">
+                <a:solidFill>
+                  <a:srgbClr val="000000"/>
+                </a:solidFill>
+                <a:latin typeface="Cascadia Mono" panose="020B0609020000020004" pitchFamily="49" charset="0"/>
+              </a:rPr>
+              <a:t> _.DN = timerStruct.DN</a:t>
+            </a:r>
+          </a:p>
+          <a:p>
+            <a:r>
+              <a:rPr lang="en-US" altLang="ko-KR" sz="1800" dirty="0">
+                <a:solidFill>
+                  <a:srgbClr val="000000"/>
+                </a:solidFill>
+                <a:latin typeface="Cascadia Mono" panose="020B0609020000020004" pitchFamily="49" charset="0"/>
+              </a:rPr>
+              <a:t>    </a:t>
+            </a:r>
+            <a:r>
+              <a:rPr lang="en-US" altLang="ko-KR" sz="1800" dirty="0">
+                <a:solidFill>
+                  <a:srgbClr val="0000FF"/>
+                </a:solidFill>
+                <a:latin typeface="Cascadia Mono" panose="020B0609020000020004" pitchFamily="49" charset="0"/>
+              </a:rPr>
+              <a:t>member</a:t>
+            </a:r>
+            <a:r>
+              <a:rPr lang="en-US" altLang="ko-KR" sz="1800" dirty="0">
+                <a:solidFill>
+                  <a:srgbClr val="000000"/>
+                </a:solidFill>
+                <a:latin typeface="Cascadia Mono" panose="020B0609020000020004" pitchFamily="49" charset="0"/>
+              </a:rPr>
+              <a:t> _.PRE = timerStruct.PRE</a:t>
+            </a:r>
+          </a:p>
+          <a:p>
+            <a:r>
+              <a:rPr lang="en-US" altLang="ko-KR" sz="1800" dirty="0">
+                <a:solidFill>
+                  <a:srgbClr val="000000"/>
+                </a:solidFill>
+                <a:latin typeface="Cascadia Mono" panose="020B0609020000020004" pitchFamily="49" charset="0"/>
+              </a:rPr>
+              <a:t>    </a:t>
+            </a:r>
+            <a:r>
+              <a:rPr lang="en-US" altLang="ko-KR" sz="1800" dirty="0">
+                <a:solidFill>
+                  <a:srgbClr val="0000FF"/>
+                </a:solidFill>
+                <a:latin typeface="Cascadia Mono" panose="020B0609020000020004" pitchFamily="49" charset="0"/>
+              </a:rPr>
+              <a:t>member</a:t>
+            </a:r>
+            <a:r>
+              <a:rPr lang="en-US" altLang="ko-KR" sz="1800" dirty="0">
+                <a:solidFill>
+                  <a:srgbClr val="000000"/>
+                </a:solidFill>
+                <a:latin typeface="Cascadia Mono" panose="020B0609020000020004" pitchFamily="49" charset="0"/>
+              </a:rPr>
+              <a:t> _.ACC = timerStruct.ACC</a:t>
+            </a:r>
+          </a:p>
+          <a:p>
+            <a:r>
+              <a:rPr lang="en-US" altLang="ko-KR" sz="1800" dirty="0">
+                <a:solidFill>
+                  <a:srgbClr val="000000"/>
+                </a:solidFill>
+                <a:latin typeface="Cascadia Mono" panose="020B0609020000020004" pitchFamily="49" charset="0"/>
+              </a:rPr>
+              <a:t>    </a:t>
+            </a:r>
+            <a:r>
+              <a:rPr lang="en-US" altLang="ko-KR" sz="1800" dirty="0">
+                <a:solidFill>
+                  <a:srgbClr val="0000FF"/>
+                </a:solidFill>
+                <a:latin typeface="Cascadia Mono" panose="020B0609020000020004" pitchFamily="49" charset="0"/>
+              </a:rPr>
+              <a:t>member</a:t>
+            </a:r>
+            <a:r>
+              <a:rPr lang="en-US" altLang="ko-KR" sz="1800" dirty="0">
+                <a:solidFill>
+                  <a:srgbClr val="000000"/>
+                </a:solidFill>
+                <a:latin typeface="Cascadia Mono" panose="020B0609020000020004" pitchFamily="49" charset="0"/>
+              </a:rPr>
+              <a:t> _.RES = timerStruct.RES</a:t>
+            </a:r>
+          </a:p>
+          <a:p>
+            <a:endParaRPr lang="ko-KR" altLang="en-US" sz="1800" dirty="0">
+              <a:solidFill>
+                <a:srgbClr val="000000"/>
+              </a:solidFill>
+              <a:latin typeface="Cascadia Mono" panose="020B0609020000020004" pitchFamily="49" charset="0"/>
+            </a:endParaRPr>
+          </a:p>
+          <a:p>
+            <a:r>
+              <a:rPr lang="en-US" altLang="ko-KR" sz="1800" dirty="0">
+                <a:solidFill>
+                  <a:srgbClr val="000000"/>
+                </a:solidFill>
+                <a:latin typeface="Cascadia Mono" panose="020B0609020000020004" pitchFamily="49" charset="0"/>
+              </a:rPr>
+              <a:t>    </a:t>
+            </a:r>
+            <a:r>
+              <a:rPr lang="en-US" altLang="ko-KR" sz="1800" dirty="0">
+                <a:solidFill>
+                  <a:srgbClr val="0000FF"/>
+                </a:solidFill>
+                <a:latin typeface="Cascadia Mono" panose="020B0609020000020004" pitchFamily="49" charset="0"/>
+              </a:rPr>
+              <a:t>member</a:t>
+            </a:r>
+            <a:r>
+              <a:rPr lang="en-US" altLang="ko-KR" sz="1800" dirty="0">
+                <a:solidFill>
+                  <a:srgbClr val="000000"/>
+                </a:solidFill>
+                <a:latin typeface="Cascadia Mono" panose="020B0609020000020004" pitchFamily="49" charset="0"/>
+              </a:rPr>
+              <a:t> </a:t>
+            </a:r>
+            <a:r>
+              <a:rPr lang="en-US" altLang="ko-KR" sz="1800" dirty="0">
+                <a:solidFill>
+                  <a:srgbClr val="0000FF"/>
+                </a:solidFill>
+                <a:latin typeface="Cascadia Mono" panose="020B0609020000020004" pitchFamily="49" charset="0"/>
+              </a:rPr>
+              <a:t>val</a:t>
+            </a:r>
+            <a:r>
+              <a:rPr lang="en-US" altLang="ko-KR" sz="1800" dirty="0">
+                <a:solidFill>
+                  <a:srgbClr val="000000"/>
+                </a:solidFill>
+                <a:latin typeface="Cascadia Mono" panose="020B0609020000020004" pitchFamily="49" charset="0"/>
+              </a:rPr>
+              <a:t> </a:t>
+            </a:r>
+            <a:r>
+              <a:rPr lang="en-US" altLang="ko-KR" sz="1800" dirty="0">
+                <a:solidFill>
+                  <a:srgbClr val="0070C0"/>
+                </a:solidFill>
+                <a:latin typeface="Cascadia Mono" panose="020B0609020000020004" pitchFamily="49" charset="0"/>
+              </a:rPr>
+              <a:t>InputEvaluateStatements</a:t>
+            </a:r>
+            <a:r>
+              <a:rPr lang="en-US" altLang="ko-KR" sz="1800" dirty="0">
+                <a:solidFill>
+                  <a:srgbClr val="000000"/>
+                </a:solidFill>
+                <a:latin typeface="Cascadia Mono" panose="020B0609020000020004" pitchFamily="49" charset="0"/>
+              </a:rPr>
+              <a:t>:</a:t>
+            </a:r>
+            <a:r>
+              <a:rPr lang="en-US" altLang="ko-KR" sz="1800" dirty="0">
+                <a:solidFill>
+                  <a:srgbClr val="FF0000"/>
+                </a:solidFill>
+                <a:latin typeface="Cascadia Mono" panose="020B0609020000020004" pitchFamily="49" charset="0"/>
+              </a:rPr>
+              <a:t>Statement list </a:t>
+            </a:r>
+            <a:r>
+              <a:rPr lang="en-US" altLang="ko-KR" sz="1800" dirty="0">
+                <a:solidFill>
+                  <a:srgbClr val="000000"/>
+                </a:solidFill>
+                <a:latin typeface="Cascadia Mono" panose="020B0609020000020004" pitchFamily="49" charset="0"/>
+              </a:rPr>
+              <a:t>= [] </a:t>
+            </a:r>
+            <a:r>
+              <a:rPr lang="en-US" altLang="ko-KR" sz="1800" dirty="0">
+                <a:solidFill>
+                  <a:srgbClr val="0000FF"/>
+                </a:solidFill>
+                <a:latin typeface="Cascadia Mono" panose="020B0609020000020004" pitchFamily="49" charset="0"/>
+              </a:rPr>
+              <a:t>with</a:t>
+            </a:r>
+            <a:r>
+              <a:rPr lang="en-US" altLang="ko-KR" sz="1800" dirty="0">
+                <a:solidFill>
+                  <a:srgbClr val="000000"/>
+                </a:solidFill>
+                <a:latin typeface="Cascadia Mono" panose="020B0609020000020004" pitchFamily="49" charset="0"/>
+              </a:rPr>
+              <a:t> get, set</a:t>
+            </a:r>
+          </a:p>
+          <a:p>
+            <a:r>
+              <a:rPr lang="en-US" altLang="ko-KR" sz="1800" dirty="0">
+                <a:solidFill>
+                  <a:srgbClr val="000000"/>
+                </a:solidFill>
+                <a:latin typeface="Cascadia Mono" panose="020B0609020000020004" pitchFamily="49" charset="0"/>
+              </a:rPr>
+              <a:t>    </a:t>
+            </a:r>
+            <a:r>
+              <a:rPr lang="en-US" altLang="ko-KR" sz="1800" dirty="0">
+                <a:solidFill>
+                  <a:srgbClr val="0000FF"/>
+                </a:solidFill>
+                <a:latin typeface="Cascadia Mono" panose="020B0609020000020004" pitchFamily="49" charset="0"/>
+              </a:rPr>
+              <a:t>interface</a:t>
+            </a:r>
+            <a:r>
+              <a:rPr lang="en-US" altLang="ko-KR" sz="1800" dirty="0">
+                <a:solidFill>
+                  <a:srgbClr val="000000"/>
+                </a:solidFill>
+                <a:latin typeface="Cascadia Mono" panose="020B0609020000020004" pitchFamily="49" charset="0"/>
+              </a:rPr>
+              <a:t> IDisposable </a:t>
+            </a:r>
+            <a:r>
+              <a:rPr lang="en-US" altLang="ko-KR" sz="1800" dirty="0">
+                <a:solidFill>
+                  <a:srgbClr val="0000FF"/>
+                </a:solidFill>
+                <a:latin typeface="Cascadia Mono" panose="020B0609020000020004" pitchFamily="49" charset="0"/>
+              </a:rPr>
+              <a:t>with</a:t>
+            </a:r>
+            <a:endParaRPr lang="en-US" altLang="ko-KR" sz="1800" dirty="0">
+              <a:solidFill>
+                <a:srgbClr val="000000"/>
+              </a:solidFill>
+              <a:latin typeface="Cascadia Mono" panose="020B0609020000020004" pitchFamily="49" charset="0"/>
+            </a:endParaRPr>
+          </a:p>
+          <a:p>
+            <a:r>
+              <a:rPr lang="en-US" altLang="ko-KR" sz="1800" dirty="0">
+                <a:solidFill>
+                  <a:srgbClr val="000000"/>
+                </a:solidFill>
+                <a:latin typeface="Cascadia Mono" panose="020B0609020000020004" pitchFamily="49" charset="0"/>
+              </a:rPr>
+              <a:t>        </a:t>
+            </a:r>
+            <a:r>
+              <a:rPr lang="en-US" altLang="ko-KR" sz="1800" dirty="0">
+                <a:solidFill>
+                  <a:srgbClr val="0000FF"/>
+                </a:solidFill>
+                <a:latin typeface="Cascadia Mono" panose="020B0609020000020004" pitchFamily="49" charset="0"/>
+              </a:rPr>
+              <a:t>member</a:t>
+            </a:r>
+            <a:r>
+              <a:rPr lang="en-US" altLang="ko-KR" sz="1800" dirty="0">
+                <a:solidFill>
+                  <a:srgbClr val="000000"/>
+                </a:solidFill>
+                <a:latin typeface="Cascadia Mono" panose="020B0609020000020004" pitchFamily="49" charset="0"/>
+              </a:rPr>
+              <a:t> _.Dispose() = (accumulator :&gt; IDisposable).Dispose()</a:t>
+            </a:r>
+          </a:p>
+        </p:txBody>
+      </p:sp>
+    </p:spTree>
+    <p:extLst>
+      <p:ext uri="{BB962C8B-B14F-4D97-AF65-F5344CB8AC3E}">
+        <p14:creationId xmlns:p14="http://schemas.microsoft.com/office/powerpoint/2010/main" val="3718364714"/>
+      </p:ext>
+    </p:extLst>
+  </p:cSld>
+  <p:clrMapOvr>
+    <a:masterClrMapping/>
+  </p:clrMapOvr>
+</p:sld>
+</file>
+
+<file path=ppt/slides/slide13.xml><?xml version="1.0" encoding="utf-8"?>
+<p:sld xmlns:a="http://schemas.openxmlformats.org/drawingml/2006/main" xmlns:r="http://schemas.openxmlformats.org/officeDocument/2006/relationships" xmlns:p="http://schemas.openxmlformats.org/presentationml/2006/main">
+  <p:cSld>
+    <p:spTree>
+      <p:nvGrpSpPr>
+        <p:cNvPr id="1" name=""/>
+        <p:cNvGrpSpPr/>
+        <p:nvPr/>
+      </p:nvGrpSpPr>
+      <p:grpSpPr>
+        <a:xfrm>
+          <a:off x="0" y="0"/>
+          <a:ext cx="0" cy="0"/>
+          <a:chOff x="0" y="0"/>
+          <a:chExt cx="0" cy="0"/>
+        </a:xfrm>
+      </p:grpSpPr>
+      <p:sp>
+        <p:nvSpPr>
+          <p:cNvPr id="2" name="제목 1">
+            <a:extLst>
+              <a:ext uri="{FF2B5EF4-FFF2-40B4-BE49-F238E27FC236}">
+                <a16:creationId xmlns:a16="http://schemas.microsoft.com/office/drawing/2014/main" id="{25874C6A-7830-36B5-7B9C-4C212CF8C2B2}"/>
+              </a:ext>
+            </a:extLst>
+          </p:cNvPr>
+          <p:cNvSpPr>
+            <a:spLocks noGrp="1"/>
+          </p:cNvSpPr>
+          <p:nvPr>
+            <p:ph type="title"/>
+          </p:nvPr>
+        </p:nvSpPr>
+        <p:spPr/>
+        <p:txBody>
+          <a:bodyPr/>
+          <a:lstStyle/>
+          <a:p>
+            <a:r>
+              <a:rPr lang="ko-KR" altLang="en-US" dirty="0"/>
+              <a:t>생성 </a:t>
+            </a:r>
+            <a:r>
+              <a:rPr lang="en-US" altLang="ko-KR" dirty="0"/>
+              <a:t>: from code</a:t>
+            </a:r>
+            <a:r>
+              <a:rPr lang="ko-KR" altLang="en-US" dirty="0"/>
+              <a:t> </a:t>
+            </a:r>
+          </a:p>
+        </p:txBody>
+      </p:sp>
+      <p:sp>
+        <p:nvSpPr>
+          <p:cNvPr id="5" name="TextBox 4">
+            <a:extLst>
+              <a:ext uri="{FF2B5EF4-FFF2-40B4-BE49-F238E27FC236}">
+                <a16:creationId xmlns:a16="http://schemas.microsoft.com/office/drawing/2014/main" id="{DE91D43D-7725-F7F0-91A3-DED1DCBD6F35}"/>
+              </a:ext>
+            </a:extLst>
+          </p:cNvPr>
+          <p:cNvSpPr txBox="1"/>
+          <p:nvPr/>
+        </p:nvSpPr>
+        <p:spPr>
+          <a:xfrm>
+            <a:off x="646545" y="1584650"/>
+            <a:ext cx="10707255" cy="2246769"/>
+          </a:xfrm>
+          <a:prstGeom prst="rect">
+            <a:avLst/>
+          </a:prstGeom>
+          <a:noFill/>
+        </p:spPr>
+        <p:txBody>
+          <a:bodyPr wrap="square">
+            <a:spAutoFit/>
+          </a:bodyPr>
+          <a:lstStyle/>
+          <a:p>
+            <a:r>
+              <a:rPr lang="en-US" altLang="ko-KR" sz="1400" dirty="0">
+                <a:solidFill>
+                  <a:srgbClr val="0000FF"/>
+                </a:solidFill>
+                <a:latin typeface="Cascadia Mono" panose="020B0609020000020004" pitchFamily="49" charset="0"/>
+              </a:rPr>
+              <a:t>let</a:t>
+            </a:r>
+            <a:r>
+              <a:rPr lang="en-US" altLang="ko-KR" sz="1400" dirty="0">
+                <a:solidFill>
+                  <a:srgbClr val="000000"/>
+                </a:solidFill>
+                <a:latin typeface="Cascadia Mono" panose="020B0609020000020004" pitchFamily="49" charset="0"/>
+              </a:rPr>
+              <a:t> storages = Storages()</a:t>
+            </a:r>
+          </a:p>
+          <a:p>
+            <a:r>
+              <a:rPr lang="en-US" altLang="ko-KR" sz="1400" dirty="0">
+                <a:solidFill>
+                  <a:srgbClr val="0000FF"/>
+                </a:solidFill>
+                <a:latin typeface="Cascadia Mono" panose="020B0609020000020004" pitchFamily="49" charset="0"/>
+              </a:rPr>
+              <a:t>let</a:t>
+            </a:r>
+            <a:r>
+              <a:rPr lang="en-US" altLang="ko-KR" sz="1400" dirty="0">
+                <a:solidFill>
+                  <a:srgbClr val="000000"/>
+                </a:solidFill>
+                <a:latin typeface="Cascadia Mono" panose="020B0609020000020004" pitchFamily="49" charset="0"/>
+              </a:rPr>
+              <a:t> t1 = </a:t>
+            </a:r>
+            <a:r>
+              <a:rPr lang="en-US" altLang="ko-KR" sz="1400" dirty="0" err="1">
+                <a:solidFill>
+                  <a:srgbClr val="000000"/>
+                </a:solidFill>
+                <a:latin typeface="Cascadia Mono" panose="020B0609020000020004" pitchFamily="49" charset="0"/>
+              </a:rPr>
+              <a:t>PlcTag</a:t>
+            </a:r>
+            <a:r>
+              <a:rPr lang="en-US" altLang="ko-KR" sz="1400" dirty="0">
+                <a:solidFill>
+                  <a:srgbClr val="000000"/>
+                </a:solidFill>
+                <a:latin typeface="Cascadia Mono" panose="020B0609020000020004" pitchFamily="49" charset="0"/>
+              </a:rPr>
+              <a:t>(</a:t>
+            </a:r>
+            <a:r>
+              <a:rPr lang="en-US" altLang="ko-KR" sz="1400" dirty="0">
+                <a:solidFill>
+                  <a:srgbClr val="A31515"/>
+                </a:solidFill>
+                <a:latin typeface="Cascadia Mono" panose="020B0609020000020004" pitchFamily="49" charset="0"/>
+              </a:rPr>
+              <a:t>"</a:t>
+            </a:r>
+            <a:r>
+              <a:rPr lang="en-US" altLang="ko-KR" sz="1400" dirty="0" err="1">
+                <a:solidFill>
+                  <a:srgbClr val="A31515"/>
+                </a:solidFill>
+                <a:latin typeface="Cascadia Mono" panose="020B0609020000020004" pitchFamily="49" charset="0"/>
+              </a:rPr>
+              <a:t>my_timer_control_tag</a:t>
+            </a:r>
+            <a:r>
+              <a:rPr lang="en-US" altLang="ko-KR" sz="1400" dirty="0">
+                <a:solidFill>
+                  <a:srgbClr val="A31515"/>
+                </a:solidFill>
+                <a:latin typeface="Cascadia Mono" panose="020B0609020000020004" pitchFamily="49" charset="0"/>
+              </a:rPr>
+              <a:t>"</a:t>
+            </a:r>
+            <a:r>
+              <a:rPr lang="en-US" altLang="ko-KR" sz="1400" dirty="0">
+                <a:solidFill>
+                  <a:srgbClr val="000000"/>
+                </a:solidFill>
+                <a:latin typeface="Cascadia Mono" panose="020B0609020000020004" pitchFamily="49" charset="0"/>
+              </a:rPr>
+              <a:t>, </a:t>
+            </a:r>
+            <a:r>
+              <a:rPr lang="en-US" altLang="ko-KR" sz="1400" dirty="0">
+                <a:solidFill>
+                  <a:srgbClr val="A31515"/>
+                </a:solidFill>
+                <a:latin typeface="Cascadia Mono" panose="020B0609020000020004" pitchFamily="49" charset="0"/>
+              </a:rPr>
+              <a:t>"%M1.1"</a:t>
+            </a:r>
+            <a:r>
+              <a:rPr lang="en-US" altLang="ko-KR" sz="1400" dirty="0">
+                <a:solidFill>
+                  <a:srgbClr val="000000"/>
+                </a:solidFill>
+                <a:latin typeface="Cascadia Mono" panose="020B0609020000020004" pitchFamily="49" charset="0"/>
+              </a:rPr>
+              <a:t>, </a:t>
+            </a:r>
+            <a:r>
+              <a:rPr lang="en-US" altLang="ko-KR" sz="1400" dirty="0">
+                <a:solidFill>
+                  <a:srgbClr val="0000FF"/>
+                </a:solidFill>
+                <a:latin typeface="Cascadia Mono" panose="020B0609020000020004" pitchFamily="49" charset="0"/>
+              </a:rPr>
+              <a:t>false</a:t>
+            </a:r>
+            <a:r>
+              <a:rPr lang="en-US" altLang="ko-KR" sz="1400" dirty="0">
+                <a:solidFill>
+                  <a:srgbClr val="000000"/>
+                </a:solidFill>
+                <a:latin typeface="Cascadia Mono" panose="020B0609020000020004" pitchFamily="49" charset="0"/>
+              </a:rPr>
+              <a:t>)</a:t>
+            </a:r>
+          </a:p>
+          <a:p>
+            <a:r>
+              <a:rPr lang="en-US" altLang="ko-KR" sz="1400" dirty="0">
+                <a:solidFill>
+                  <a:srgbClr val="0000FF"/>
+                </a:solidFill>
+                <a:latin typeface="Cascadia Mono" panose="020B0609020000020004" pitchFamily="49" charset="0"/>
+              </a:rPr>
+              <a:t>let</a:t>
+            </a:r>
+            <a:r>
+              <a:rPr lang="en-US" altLang="ko-KR" sz="1400" dirty="0">
+                <a:solidFill>
+                  <a:srgbClr val="000000"/>
+                </a:solidFill>
+                <a:latin typeface="Cascadia Mono" panose="020B0609020000020004" pitchFamily="49" charset="0"/>
+              </a:rPr>
+              <a:t> condition = tag2expr t1</a:t>
+            </a:r>
+          </a:p>
+          <a:p>
+            <a:r>
+              <a:rPr lang="en-US" altLang="ko-KR" sz="1400" dirty="0">
+                <a:solidFill>
+                  <a:srgbClr val="0000FF"/>
+                </a:solidFill>
+                <a:latin typeface="Cascadia Mono" panose="020B0609020000020004" pitchFamily="49" charset="0"/>
+              </a:rPr>
+              <a:t>let</a:t>
+            </a:r>
+            <a:r>
+              <a:rPr lang="en-US" altLang="ko-KR" sz="1400" dirty="0">
+                <a:solidFill>
+                  <a:srgbClr val="000000"/>
+                </a:solidFill>
+                <a:latin typeface="Cascadia Mono" panose="020B0609020000020004" pitchFamily="49" charset="0"/>
+              </a:rPr>
+              <a:t> statement = </a:t>
+            </a:r>
+            <a:r>
+              <a:rPr lang="en-US" altLang="ko-KR" sz="1400" dirty="0" err="1">
+                <a:solidFill>
+                  <a:srgbClr val="000000"/>
+                </a:solidFill>
+                <a:latin typeface="Cascadia Mono" panose="020B0609020000020004" pitchFamily="49" charset="0"/>
+              </a:rPr>
+              <a:t>TimerStatement.CreateTON</a:t>
+            </a:r>
+            <a:r>
+              <a:rPr lang="en-US" altLang="ko-KR" sz="1400" dirty="0">
+                <a:solidFill>
+                  <a:srgbClr val="000000"/>
+                </a:solidFill>
+                <a:latin typeface="Cascadia Mono" panose="020B0609020000020004" pitchFamily="49" charset="0"/>
+              </a:rPr>
+              <a:t>(storages, </a:t>
+            </a:r>
+            <a:r>
+              <a:rPr lang="en-US" altLang="ko-KR" sz="1400" dirty="0">
+                <a:solidFill>
+                  <a:srgbClr val="A31515"/>
+                </a:solidFill>
+                <a:latin typeface="Cascadia Mono" panose="020B0609020000020004" pitchFamily="49" charset="0"/>
+              </a:rPr>
+              <a:t>"</a:t>
+            </a:r>
+            <a:r>
+              <a:rPr lang="en-US" altLang="ko-KR" sz="1400" dirty="0" err="1">
+                <a:solidFill>
+                  <a:srgbClr val="A31515"/>
+                </a:solidFill>
+                <a:latin typeface="Cascadia Mono" panose="020B0609020000020004" pitchFamily="49" charset="0"/>
+              </a:rPr>
+              <a:t>myTon</a:t>
+            </a:r>
+            <a:r>
+              <a:rPr lang="en-US" altLang="ko-KR" sz="1400" dirty="0">
+                <a:solidFill>
+                  <a:srgbClr val="A31515"/>
+                </a:solidFill>
+                <a:latin typeface="Cascadia Mono" panose="020B0609020000020004" pitchFamily="49" charset="0"/>
+              </a:rPr>
+              <a:t>"</a:t>
+            </a:r>
+            <a:r>
+              <a:rPr lang="en-US" altLang="ko-KR" sz="1400" dirty="0">
+                <a:solidFill>
+                  <a:srgbClr val="000000"/>
+                </a:solidFill>
+                <a:latin typeface="Cascadia Mono" panose="020B0609020000020004" pitchFamily="49" charset="0"/>
+              </a:rPr>
+              <a:t>, 2000us, condition)	</a:t>
+            </a:r>
+            <a:r>
+              <a:rPr lang="en-US" altLang="ko-KR" sz="1400" dirty="0">
+                <a:solidFill>
+                  <a:srgbClr val="008000"/>
+                </a:solidFill>
+                <a:latin typeface="Cascadia Mono" panose="020B0609020000020004" pitchFamily="49" charset="0"/>
+              </a:rPr>
+              <a:t> // 2000ms = 2sec</a:t>
+            </a:r>
+            <a:endParaRPr lang="en-US" altLang="ko-KR" sz="1400" dirty="0">
+              <a:solidFill>
+                <a:srgbClr val="000000"/>
+              </a:solidFill>
+              <a:latin typeface="Cascadia Mono" panose="020B0609020000020004" pitchFamily="49" charset="0"/>
+            </a:endParaRPr>
+          </a:p>
+          <a:p>
+            <a:r>
+              <a:rPr lang="en-US" altLang="ko-KR" sz="1400" dirty="0">
+                <a:solidFill>
+                  <a:srgbClr val="0000FF"/>
+                </a:solidFill>
+                <a:latin typeface="Cascadia Mono" panose="020B0609020000020004" pitchFamily="49" charset="0"/>
+              </a:rPr>
+              <a:t>let</a:t>
+            </a:r>
+            <a:r>
+              <a:rPr lang="en-US" altLang="ko-KR" sz="1400" dirty="0">
+                <a:solidFill>
+                  <a:srgbClr val="000000"/>
+                </a:solidFill>
+                <a:latin typeface="Cascadia Mono" panose="020B0609020000020004" pitchFamily="49" charset="0"/>
+              </a:rPr>
+              <a:t> timer = statement |&gt; </a:t>
+            </a:r>
+            <a:r>
+              <a:rPr lang="en-US" altLang="ko-KR" sz="1400" dirty="0" err="1">
+                <a:solidFill>
+                  <a:srgbClr val="000000"/>
+                </a:solidFill>
+                <a:latin typeface="Cascadia Mono" panose="020B0609020000020004" pitchFamily="49" charset="0"/>
+              </a:rPr>
+              <a:t>toTimer</a:t>
+            </a:r>
+            <a:endParaRPr lang="en-US" altLang="ko-KR" sz="1400" dirty="0">
+              <a:solidFill>
+                <a:srgbClr val="000000"/>
+              </a:solidFill>
+              <a:latin typeface="Cascadia Mono" panose="020B0609020000020004" pitchFamily="49" charset="0"/>
+            </a:endParaRPr>
+          </a:p>
+          <a:p>
+            <a:r>
+              <a:rPr lang="en-US" altLang="ko-KR" sz="1400" dirty="0" err="1">
+                <a:solidFill>
+                  <a:srgbClr val="000000"/>
+                </a:solidFill>
+                <a:latin typeface="Cascadia Mono" panose="020B0609020000020004" pitchFamily="49" charset="0"/>
+              </a:rPr>
+              <a:t>timer.TT.Value</a:t>
+            </a:r>
+            <a:r>
+              <a:rPr lang="en-US" altLang="ko-KR" sz="1400" dirty="0">
+                <a:solidFill>
+                  <a:srgbClr val="000000"/>
+                </a:solidFill>
+                <a:latin typeface="Cascadia Mono" panose="020B0609020000020004" pitchFamily="49" charset="0"/>
+              </a:rPr>
+              <a:t> === </a:t>
+            </a:r>
+            <a:r>
+              <a:rPr lang="en-US" altLang="ko-KR" sz="1400" dirty="0">
+                <a:solidFill>
+                  <a:srgbClr val="0000FF"/>
+                </a:solidFill>
+                <a:latin typeface="Cascadia Mono" panose="020B0609020000020004" pitchFamily="49" charset="0"/>
+              </a:rPr>
+              <a:t>false</a:t>
+            </a:r>
+            <a:endParaRPr lang="en-US" altLang="ko-KR" sz="1400" dirty="0">
+              <a:solidFill>
+                <a:srgbClr val="000000"/>
+              </a:solidFill>
+              <a:latin typeface="Cascadia Mono" panose="020B0609020000020004" pitchFamily="49" charset="0"/>
+            </a:endParaRPr>
+          </a:p>
+          <a:p>
+            <a:r>
+              <a:rPr lang="en-US" altLang="ko-KR" sz="1400" dirty="0" err="1">
+                <a:solidFill>
+                  <a:srgbClr val="000000"/>
+                </a:solidFill>
+                <a:latin typeface="Cascadia Mono" panose="020B0609020000020004" pitchFamily="49" charset="0"/>
+              </a:rPr>
+              <a:t>timer.EN.Value</a:t>
+            </a:r>
+            <a:r>
+              <a:rPr lang="en-US" altLang="ko-KR" sz="1400" dirty="0">
+                <a:solidFill>
+                  <a:srgbClr val="000000"/>
+                </a:solidFill>
+                <a:latin typeface="Cascadia Mono" panose="020B0609020000020004" pitchFamily="49" charset="0"/>
+              </a:rPr>
+              <a:t> === </a:t>
+            </a:r>
+            <a:r>
+              <a:rPr lang="en-US" altLang="ko-KR" sz="1400" dirty="0">
+                <a:solidFill>
+                  <a:srgbClr val="0000FF"/>
+                </a:solidFill>
+                <a:latin typeface="Cascadia Mono" panose="020B0609020000020004" pitchFamily="49" charset="0"/>
+              </a:rPr>
+              <a:t>false</a:t>
+            </a:r>
+            <a:endParaRPr lang="en-US" altLang="ko-KR" sz="1400" dirty="0">
+              <a:solidFill>
+                <a:srgbClr val="000000"/>
+              </a:solidFill>
+              <a:latin typeface="Cascadia Mono" panose="020B0609020000020004" pitchFamily="49" charset="0"/>
+            </a:endParaRPr>
+          </a:p>
+          <a:p>
+            <a:r>
+              <a:rPr lang="en-US" altLang="ko-KR" sz="1400" dirty="0" err="1">
+                <a:solidFill>
+                  <a:srgbClr val="000000"/>
+                </a:solidFill>
+                <a:latin typeface="Cascadia Mono" panose="020B0609020000020004" pitchFamily="49" charset="0"/>
+              </a:rPr>
+              <a:t>timer.DN.Value</a:t>
+            </a:r>
+            <a:r>
+              <a:rPr lang="en-US" altLang="ko-KR" sz="1400" dirty="0">
+                <a:solidFill>
+                  <a:srgbClr val="000000"/>
+                </a:solidFill>
+                <a:latin typeface="Cascadia Mono" panose="020B0609020000020004" pitchFamily="49" charset="0"/>
+              </a:rPr>
+              <a:t> === </a:t>
+            </a:r>
+            <a:r>
+              <a:rPr lang="en-US" altLang="ko-KR" sz="1400" dirty="0">
+                <a:solidFill>
+                  <a:srgbClr val="0000FF"/>
+                </a:solidFill>
+                <a:latin typeface="Cascadia Mono" panose="020B0609020000020004" pitchFamily="49" charset="0"/>
+              </a:rPr>
+              <a:t>false</a:t>
+            </a:r>
+            <a:endParaRPr lang="en-US" altLang="ko-KR" sz="1400" dirty="0">
+              <a:solidFill>
+                <a:srgbClr val="000000"/>
+              </a:solidFill>
+              <a:latin typeface="Cascadia Mono" panose="020B0609020000020004" pitchFamily="49" charset="0"/>
+            </a:endParaRPr>
+          </a:p>
+          <a:p>
+            <a:r>
+              <a:rPr lang="en-US" altLang="ko-KR" sz="1400" dirty="0" err="1">
+                <a:solidFill>
+                  <a:srgbClr val="000000"/>
+                </a:solidFill>
+                <a:latin typeface="Cascadia Mono" panose="020B0609020000020004" pitchFamily="49" charset="0"/>
+              </a:rPr>
+              <a:t>timer.PRE.Value</a:t>
+            </a:r>
+            <a:r>
+              <a:rPr lang="en-US" altLang="ko-KR" sz="1400" dirty="0">
+                <a:solidFill>
+                  <a:srgbClr val="000000"/>
+                </a:solidFill>
+                <a:latin typeface="Cascadia Mono" panose="020B0609020000020004" pitchFamily="49" charset="0"/>
+              </a:rPr>
+              <a:t> === 2000us</a:t>
+            </a:r>
+          </a:p>
+          <a:p>
+            <a:r>
+              <a:rPr lang="en-US" altLang="ko-KR" sz="1400" dirty="0" err="1">
+                <a:solidFill>
+                  <a:srgbClr val="000000"/>
+                </a:solidFill>
+                <a:latin typeface="Cascadia Mono" panose="020B0609020000020004" pitchFamily="49" charset="0"/>
+              </a:rPr>
+              <a:t>timer.ACC.Value</a:t>
+            </a:r>
+            <a:r>
+              <a:rPr lang="en-US" altLang="ko-KR" sz="1400" dirty="0">
+                <a:solidFill>
+                  <a:srgbClr val="000000"/>
+                </a:solidFill>
+                <a:latin typeface="Cascadia Mono" panose="020B0609020000020004" pitchFamily="49" charset="0"/>
+              </a:rPr>
+              <a:t> === 0us</a:t>
+            </a:r>
+          </a:p>
+        </p:txBody>
+      </p:sp>
+    </p:spTree>
+    <p:extLst>
+      <p:ext uri="{BB962C8B-B14F-4D97-AF65-F5344CB8AC3E}">
+        <p14:creationId xmlns:p14="http://schemas.microsoft.com/office/powerpoint/2010/main" val="2558578475"/>
+      </p:ext>
+    </p:extLst>
+  </p:cSld>
+  <p:clrMapOvr>
+    <a:masterClrMapping/>
+  </p:clrMapOvr>
+</p:sld>
+</file>
+
+<file path=ppt/slides/slide14.xml><?xml version="1.0" encoding="utf-8"?>
+<p:sld xmlns:a="http://schemas.openxmlformats.org/drawingml/2006/main" xmlns:r="http://schemas.openxmlformats.org/officeDocument/2006/relationships" xmlns:p="http://schemas.openxmlformats.org/presentationml/2006/main">
+  <p:cSld>
+    <p:spTree>
+      <p:nvGrpSpPr>
+        <p:cNvPr id="1" name=""/>
+        <p:cNvGrpSpPr/>
+        <p:nvPr/>
+      </p:nvGrpSpPr>
+      <p:grpSpPr>
+        <a:xfrm>
+          <a:off x="0" y="0"/>
+          <a:ext cx="0" cy="0"/>
+          <a:chOff x="0" y="0"/>
+          <a:chExt cx="0" cy="0"/>
+        </a:xfrm>
+      </p:grpSpPr>
+      <p:sp>
+        <p:nvSpPr>
+          <p:cNvPr id="2" name="제목 1">
+            <a:extLst>
+              <a:ext uri="{FF2B5EF4-FFF2-40B4-BE49-F238E27FC236}">
+                <a16:creationId xmlns:a16="http://schemas.microsoft.com/office/drawing/2014/main" id="{A223329B-5B15-4FC0-DA80-1830A31EAB6E}"/>
+              </a:ext>
+            </a:extLst>
+          </p:cNvPr>
+          <p:cNvSpPr>
+            <a:spLocks noGrp="1"/>
+          </p:cNvSpPr>
+          <p:nvPr>
+            <p:ph type="title"/>
+          </p:nvPr>
+        </p:nvSpPr>
+        <p:spPr/>
+        <p:txBody>
+          <a:bodyPr/>
+          <a:lstStyle/>
+          <a:p>
+            <a:r>
+              <a:rPr lang="ko-KR" altLang="en-US" dirty="0"/>
+              <a:t>생성</a:t>
+            </a:r>
+            <a:r>
+              <a:rPr lang="en-US" altLang="ko-KR" dirty="0"/>
+              <a:t>: from ds text</a:t>
+            </a:r>
+            <a:endParaRPr lang="ko-KR" altLang="en-US" dirty="0"/>
+          </a:p>
+        </p:txBody>
+      </p:sp>
+      <p:sp>
+        <p:nvSpPr>
+          <p:cNvPr id="5" name="TextBox 4">
+            <a:extLst>
+              <a:ext uri="{FF2B5EF4-FFF2-40B4-BE49-F238E27FC236}">
+                <a16:creationId xmlns:a16="http://schemas.microsoft.com/office/drawing/2014/main" id="{BD323B7A-5896-44A5-6672-0F3B63F611EB}"/>
+              </a:ext>
+            </a:extLst>
+          </p:cNvPr>
+          <p:cNvSpPr txBox="1"/>
+          <p:nvPr/>
+        </p:nvSpPr>
+        <p:spPr>
+          <a:xfrm>
+            <a:off x="718127" y="2036726"/>
+            <a:ext cx="8305800" cy="369332"/>
+          </a:xfrm>
+          <a:prstGeom prst="rect">
+            <a:avLst/>
+          </a:prstGeom>
+          <a:noFill/>
+        </p:spPr>
+        <p:txBody>
+          <a:bodyPr wrap="square">
+            <a:spAutoFit/>
+          </a:bodyPr>
+          <a:lstStyle/>
+          <a:p>
+            <a:r>
+              <a:rPr lang="en-US" altLang="ko-KR" sz="1800" dirty="0">
+                <a:solidFill>
+                  <a:srgbClr val="A31515"/>
+                </a:solidFill>
+                <a:latin typeface="Cascadia Mono" panose="020B0609020000020004" pitchFamily="49" charset="0"/>
+              </a:rPr>
+              <a:t>"ton mytimer3 = </a:t>
+            </a:r>
+            <a:r>
+              <a:rPr lang="en-US" altLang="ko-KR" sz="1800" dirty="0" err="1">
+                <a:solidFill>
+                  <a:srgbClr val="A31515"/>
+                </a:solidFill>
+                <a:latin typeface="Cascadia Mono" panose="020B0609020000020004" pitchFamily="49" charset="0"/>
+              </a:rPr>
+              <a:t>createTON</a:t>
+            </a:r>
+            <a:r>
+              <a:rPr lang="en-US" altLang="ko-KR" sz="1800" dirty="0">
+                <a:solidFill>
+                  <a:srgbClr val="A31515"/>
+                </a:solidFill>
+                <a:latin typeface="Cascadia Mono" panose="020B0609020000020004" pitchFamily="49" charset="0"/>
+              </a:rPr>
+              <a:t>(1000us, $tag1 || $tag2)"</a:t>
+            </a:r>
+            <a:endParaRPr lang="ko-KR" altLang="en-US" dirty="0"/>
+          </a:p>
+        </p:txBody>
+      </p:sp>
+    </p:spTree>
+    <p:extLst>
+      <p:ext uri="{BB962C8B-B14F-4D97-AF65-F5344CB8AC3E}">
+        <p14:creationId xmlns:p14="http://schemas.microsoft.com/office/powerpoint/2010/main" val="1975990934"/>
       </p:ext>
     </p:extLst>
   </p:cSld>

--- a/DsDotNet/src/Engine/Engine.Core/Timer.pptx
+++ b/DsDotNet/src/Engine/Engine.Core/Timer.pptx
@@ -14,11 +14,13 @@
     <p:sldId id="259" r:id="rId8"/>
     <p:sldId id="263" r:id="rId9"/>
     <p:sldId id="264" r:id="rId10"/>
-    <p:sldId id="265" r:id="rId11"/>
-    <p:sldId id="266" r:id="rId12"/>
-    <p:sldId id="267" r:id="rId13"/>
-    <p:sldId id="268" r:id="rId14"/>
-    <p:sldId id="269" r:id="rId15"/>
+    <p:sldId id="271" r:id="rId11"/>
+    <p:sldId id="270" r:id="rId12"/>
+    <p:sldId id="265" r:id="rId13"/>
+    <p:sldId id="266" r:id="rId14"/>
+    <p:sldId id="267" r:id="rId15"/>
+    <p:sldId id="268" r:id="rId16"/>
+    <p:sldId id="269" r:id="rId17"/>
   </p:sldIdLst>
   <p:sldSz cx="12192000" cy="6858000"/>
   <p:notesSz cx="6858000" cy="9144000"/>
@@ -3428,6 +3430,202 @@
           <p:cNvPr id="2" name="제목 1">
             <a:extLst>
               <a:ext uri="{FF2B5EF4-FFF2-40B4-BE49-F238E27FC236}">
+                <a16:creationId xmlns:a16="http://schemas.microsoft.com/office/drawing/2014/main" id="{0D8B5E7A-DC4F-3BDC-EAF1-5843624CF4F2}"/>
+              </a:ext>
+            </a:extLst>
+          </p:cNvPr>
+          <p:cNvSpPr>
+            <a:spLocks noGrp="1"/>
+          </p:cNvSpPr>
+          <p:nvPr>
+            <p:ph type="title"/>
+          </p:nvPr>
+        </p:nvSpPr>
+        <p:spPr>
+          <a:xfrm>
+            <a:off x="313888" y="268652"/>
+            <a:ext cx="2261532" cy="561858"/>
+          </a:xfrm>
+        </p:spPr>
+        <p:txBody>
+          <a:bodyPr>
+            <a:normAutofit fontScale="90000"/>
+          </a:bodyPr>
+          <a:lstStyle/>
+          <a:p>
+            <a:r>
+              <a:rPr lang="en-US" altLang="ko-KR"/>
+              <a:t>CTU (AB)</a:t>
+            </a:r>
+            <a:endParaRPr lang="ko-KR" altLang="en-US" dirty="0"/>
+          </a:p>
+        </p:txBody>
+      </p:sp>
+      <p:pic>
+        <p:nvPicPr>
+          <p:cNvPr id="5" name="그림 4">
+            <a:extLst>
+              <a:ext uri="{FF2B5EF4-FFF2-40B4-BE49-F238E27FC236}">
+                <a16:creationId xmlns:a16="http://schemas.microsoft.com/office/drawing/2014/main" id="{29426A75-0A20-CF9C-2FF2-9513282CDA24}"/>
+              </a:ext>
+            </a:extLst>
+          </p:cNvPr>
+          <p:cNvPicPr>
+            <a:picLocks noChangeAspect="1"/>
+          </p:cNvPicPr>
+          <p:nvPr/>
+        </p:nvPicPr>
+        <p:blipFill>
+          <a:blip r:embed="rId2"/>
+          <a:stretch>
+            <a:fillRect/>
+          </a:stretch>
+        </p:blipFill>
+        <p:spPr>
+          <a:xfrm>
+            <a:off x="1862137" y="1023937"/>
+            <a:ext cx="8467725" cy="4810125"/>
+          </a:xfrm>
+          <a:prstGeom prst="rect">
+            <a:avLst/>
+          </a:prstGeom>
+        </p:spPr>
+      </p:pic>
+    </p:spTree>
+    <p:extLst>
+      <p:ext uri="{BB962C8B-B14F-4D97-AF65-F5344CB8AC3E}">
+        <p14:creationId xmlns:p14="http://schemas.microsoft.com/office/powerpoint/2010/main" val="448238874"/>
+      </p:ext>
+    </p:extLst>
+  </p:cSld>
+  <p:clrMapOvr>
+    <a:masterClrMapping/>
+  </p:clrMapOvr>
+</p:sld>
+</file>
+
+<file path=ppt/slides/slide11.xml><?xml version="1.0" encoding="utf-8"?>
+<p:sld xmlns:a="http://schemas.openxmlformats.org/drawingml/2006/main" xmlns:r="http://schemas.openxmlformats.org/officeDocument/2006/relationships" xmlns:p="http://schemas.openxmlformats.org/presentationml/2006/main">
+  <p:cSld>
+    <p:spTree>
+      <p:nvGrpSpPr>
+        <p:cNvPr id="1" name=""/>
+        <p:cNvGrpSpPr/>
+        <p:nvPr/>
+      </p:nvGrpSpPr>
+      <p:grpSpPr>
+        <a:xfrm>
+          <a:off x="0" y="0"/>
+          <a:ext cx="0" cy="0"/>
+          <a:chOff x="0" y="0"/>
+          <a:chExt cx="0" cy="0"/>
+        </a:xfrm>
+      </p:grpSpPr>
+      <p:sp>
+        <p:nvSpPr>
+          <p:cNvPr id="2" name="제목 1">
+            <a:extLst>
+              <a:ext uri="{FF2B5EF4-FFF2-40B4-BE49-F238E27FC236}">
+                <a16:creationId xmlns:a16="http://schemas.microsoft.com/office/drawing/2014/main" id="{2245338D-1F5A-51DF-0067-3163797DCB94}"/>
+              </a:ext>
+            </a:extLst>
+          </p:cNvPr>
+          <p:cNvSpPr>
+            <a:spLocks noGrp="1"/>
+          </p:cNvSpPr>
+          <p:nvPr>
+            <p:ph type="title"/>
+          </p:nvPr>
+        </p:nvSpPr>
+        <p:spPr>
+          <a:xfrm>
+            <a:off x="74802" y="58927"/>
+            <a:ext cx="2448902" cy="649944"/>
+          </a:xfrm>
+        </p:spPr>
+        <p:txBody>
+          <a:bodyPr>
+            <a:normAutofit/>
+          </a:bodyPr>
+          <a:lstStyle/>
+          <a:p>
+            <a:r>
+              <a:rPr lang="ko-KR" altLang="en-US" sz="2800" dirty="0"/>
+              <a:t>산전 </a:t>
+            </a:r>
+            <a:r>
+              <a:rPr lang="en-US" altLang="ko-KR" sz="2800" dirty="0"/>
+              <a:t>counter</a:t>
+            </a:r>
+            <a:endParaRPr lang="ko-KR" altLang="en-US" sz="2800" dirty="0"/>
+          </a:p>
+        </p:txBody>
+      </p:sp>
+      <p:pic>
+        <p:nvPicPr>
+          <p:cNvPr id="5" name="그림 4">
+            <a:extLst>
+              <a:ext uri="{FF2B5EF4-FFF2-40B4-BE49-F238E27FC236}">
+                <a16:creationId xmlns:a16="http://schemas.microsoft.com/office/drawing/2014/main" id="{984CE43A-F2FA-7796-24F8-312CE2FD5863}"/>
+              </a:ext>
+            </a:extLst>
+          </p:cNvPr>
+          <p:cNvPicPr>
+            <a:picLocks noChangeAspect="1"/>
+          </p:cNvPicPr>
+          <p:nvPr/>
+        </p:nvPicPr>
+        <p:blipFill>
+          <a:blip r:embed="rId2"/>
+          <a:stretch>
+            <a:fillRect/>
+          </a:stretch>
+        </p:blipFill>
+        <p:spPr>
+          <a:xfrm>
+            <a:off x="2523704" y="0"/>
+            <a:ext cx="7144591" cy="6858000"/>
+          </a:xfrm>
+          <a:prstGeom prst="rect">
+            <a:avLst/>
+          </a:prstGeom>
+        </p:spPr>
+      </p:pic>
+    </p:spTree>
+    <p:extLst>
+      <p:ext uri="{BB962C8B-B14F-4D97-AF65-F5344CB8AC3E}">
+        <p14:creationId xmlns:p14="http://schemas.microsoft.com/office/powerpoint/2010/main" val="1003128740"/>
+      </p:ext>
+    </p:extLst>
+  </p:cSld>
+  <p:clrMapOvr>
+    <a:masterClrMapping/>
+  </p:clrMapOvr>
+</p:sld>
+</file>
+
+<file path=ppt/slides/slide12.xml><?xml version="1.0" encoding="utf-8"?>
+<p:sld xmlns:a="http://schemas.openxmlformats.org/drawingml/2006/main" xmlns:r="http://schemas.openxmlformats.org/officeDocument/2006/relationships" xmlns:p="http://schemas.openxmlformats.org/presentationml/2006/main">
+  <p:cSld>
+    <p:spTree>
+      <p:nvGrpSpPr>
+        <p:cNvPr id="1" name=""/>
+        <p:cNvGrpSpPr/>
+        <p:nvPr/>
+      </p:nvGrpSpPr>
+      <p:grpSpPr>
+        <a:xfrm>
+          <a:off x="0" y="0"/>
+          <a:ext cx="0" cy="0"/>
+          <a:chOff x="0" y="0"/>
+          <a:chExt cx="0" cy="0"/>
+        </a:xfrm>
+      </p:grpSpPr>
+      <p:sp>
+        <p:nvSpPr>
+          <p:cNvPr id="2" name="제목 1">
+            <a:extLst>
+              <a:ext uri="{FF2B5EF4-FFF2-40B4-BE49-F238E27FC236}">
                 <a16:creationId xmlns:a16="http://schemas.microsoft.com/office/drawing/2014/main" id="{DDC757F2-A588-55CE-AB29-82077923FFA8}"/>
               </a:ext>
             </a:extLst>
@@ -4388,997 +4586,6 @@
 </p:sld>
 </file>
 
-<file path=ppt/slides/slide11.xml><?xml version="1.0" encoding="utf-8"?>
-<p:sld xmlns:a="http://schemas.openxmlformats.org/drawingml/2006/main" xmlns:r="http://schemas.openxmlformats.org/officeDocument/2006/relationships" xmlns:p="http://schemas.openxmlformats.org/presentationml/2006/main">
-  <p:cSld>
-    <p:spTree>
-      <p:nvGrpSpPr>
-        <p:cNvPr id="1" name=""/>
-        <p:cNvGrpSpPr/>
-        <p:nvPr/>
-      </p:nvGrpSpPr>
-      <p:grpSpPr>
-        <a:xfrm>
-          <a:off x="0" y="0"/>
-          <a:ext cx="0" cy="0"/>
-          <a:chOff x="0" y="0"/>
-          <a:chExt cx="0" cy="0"/>
-        </a:xfrm>
-      </p:grpSpPr>
-      <p:sp>
-        <p:nvSpPr>
-          <p:cNvPr id="2" name="제목 1">
-            <a:extLst>
-              <a:ext uri="{FF2B5EF4-FFF2-40B4-BE49-F238E27FC236}">
-                <a16:creationId xmlns:a16="http://schemas.microsoft.com/office/drawing/2014/main" id="{1B5AB5BE-0CEB-62D1-287B-7A8FB8BC868A}"/>
-              </a:ext>
-            </a:extLst>
-          </p:cNvPr>
-          <p:cNvSpPr>
-            <a:spLocks noGrp="1"/>
-          </p:cNvSpPr>
-          <p:nvPr>
-            <p:ph type="title"/>
-          </p:nvPr>
-        </p:nvSpPr>
-        <p:spPr/>
-        <p:txBody>
-          <a:bodyPr/>
-          <a:lstStyle/>
-          <a:p>
-            <a:r>
-              <a:rPr lang="en-US" altLang="ko-KR" dirty="0"/>
-              <a:t>Classes : Timer/Counter top level</a:t>
-            </a:r>
-            <a:endParaRPr lang="ko-KR" altLang="en-US" dirty="0"/>
-          </a:p>
-        </p:txBody>
-      </p:sp>
-      <p:sp>
-        <p:nvSpPr>
-          <p:cNvPr id="5" name="TextBox 4">
-            <a:extLst>
-              <a:ext uri="{FF2B5EF4-FFF2-40B4-BE49-F238E27FC236}">
-                <a16:creationId xmlns:a16="http://schemas.microsoft.com/office/drawing/2014/main" id="{97A82AB5-B6A3-7DF3-7F5D-F0EAA673A0E9}"/>
-              </a:ext>
-            </a:extLst>
-          </p:cNvPr>
-          <p:cNvSpPr txBox="1"/>
-          <p:nvPr/>
-        </p:nvSpPr>
-        <p:spPr>
-          <a:xfrm>
-            <a:off x="951344" y="1889174"/>
-            <a:ext cx="9938329" cy="3970318"/>
-          </a:xfrm>
-          <a:prstGeom prst="rect">
-            <a:avLst/>
-          </a:prstGeom>
-          <a:noFill/>
-        </p:spPr>
-        <p:txBody>
-          <a:bodyPr wrap="square">
-            <a:spAutoFit/>
-          </a:bodyPr>
-          <a:lstStyle/>
-          <a:p>
-            <a:r>
-              <a:rPr lang="en-US" altLang="ko-KR" sz="1400" dirty="0">
-                <a:solidFill>
-                  <a:srgbClr val="0000FF"/>
-                </a:solidFill>
-                <a:latin typeface="Cascadia Mono" panose="020B0609020000020004" pitchFamily="49" charset="0"/>
-              </a:rPr>
-              <a:t>type</a:t>
-            </a:r>
-            <a:r>
-              <a:rPr lang="en-US" altLang="ko-KR" sz="1400" dirty="0">
-                <a:solidFill>
-                  <a:srgbClr val="000000"/>
-                </a:solidFill>
-                <a:latin typeface="Cascadia Mono" panose="020B0609020000020004" pitchFamily="49" charset="0"/>
-              </a:rPr>
-              <a:t> Statement =</a:t>
-            </a:r>
-          </a:p>
-          <a:p>
-            <a:r>
-              <a:rPr lang="en-US" altLang="ko-KR" sz="1400" dirty="0">
-                <a:solidFill>
-                  <a:srgbClr val="000000"/>
-                </a:solidFill>
-                <a:latin typeface="Cascadia Mono" panose="020B0609020000020004" pitchFamily="49" charset="0"/>
-              </a:rPr>
-              <a:t>        | DuAssign </a:t>
-            </a:r>
-            <a:r>
-              <a:rPr lang="en-US" altLang="ko-KR" sz="1400" dirty="0">
-                <a:solidFill>
-                  <a:srgbClr val="0000FF"/>
-                </a:solidFill>
-                <a:latin typeface="Cascadia Mono" panose="020B0609020000020004" pitchFamily="49" charset="0"/>
-              </a:rPr>
-              <a:t>of</a:t>
-            </a:r>
-            <a:r>
-              <a:rPr lang="en-US" altLang="ko-KR" sz="1400" dirty="0">
-                <a:solidFill>
-                  <a:srgbClr val="000000"/>
-                </a:solidFill>
-                <a:latin typeface="Cascadia Mono" panose="020B0609020000020004" pitchFamily="49" charset="0"/>
-              </a:rPr>
-              <a:t> expression:IExpression * target:IStorage</a:t>
-            </a:r>
-          </a:p>
-          <a:p>
-            <a:r>
-              <a:rPr lang="en-US" altLang="ko-KR" sz="1400" dirty="0">
-                <a:solidFill>
-                  <a:srgbClr val="000000"/>
-                </a:solidFill>
-                <a:latin typeface="Cascadia Mono" panose="020B0609020000020004" pitchFamily="49" charset="0"/>
-              </a:rPr>
-              <a:t>        | DuVarDecl </a:t>
-            </a:r>
-            <a:r>
-              <a:rPr lang="en-US" altLang="ko-KR" sz="1400" dirty="0">
-                <a:solidFill>
-                  <a:srgbClr val="0000FF"/>
-                </a:solidFill>
-                <a:latin typeface="Cascadia Mono" panose="020B0609020000020004" pitchFamily="49" charset="0"/>
-              </a:rPr>
-              <a:t>of</a:t>
-            </a:r>
-            <a:r>
-              <a:rPr lang="en-US" altLang="ko-KR" sz="1400" dirty="0">
-                <a:solidFill>
-                  <a:srgbClr val="000000"/>
-                </a:solidFill>
-                <a:latin typeface="Cascadia Mono" panose="020B0609020000020004" pitchFamily="49" charset="0"/>
-              </a:rPr>
-              <a:t> expression:IExpression * variable:IStorage</a:t>
-            </a:r>
-          </a:p>
-          <a:p>
-            <a:r>
-              <a:rPr lang="en-US" altLang="ko-KR" sz="1400" dirty="0">
-                <a:solidFill>
-                  <a:srgbClr val="000000"/>
-                </a:solidFill>
-                <a:latin typeface="Cascadia Mono" panose="020B0609020000020004" pitchFamily="49" charset="0"/>
-              </a:rPr>
-              <a:t>        | DuTimer </a:t>
-            </a:r>
-            <a:r>
-              <a:rPr lang="en-US" altLang="ko-KR" sz="1400" dirty="0">
-                <a:solidFill>
-                  <a:srgbClr val="0000FF"/>
-                </a:solidFill>
-                <a:latin typeface="Cascadia Mono" panose="020B0609020000020004" pitchFamily="49" charset="0"/>
-              </a:rPr>
-              <a:t>of</a:t>
-            </a:r>
-            <a:r>
-              <a:rPr lang="en-US" altLang="ko-KR" sz="1400" dirty="0">
-                <a:solidFill>
-                  <a:srgbClr val="000000"/>
-                </a:solidFill>
-                <a:latin typeface="Cascadia Mono" panose="020B0609020000020004" pitchFamily="49" charset="0"/>
-              </a:rPr>
-              <a:t> TimerStatement</a:t>
-            </a:r>
-          </a:p>
-          <a:p>
-            <a:r>
-              <a:rPr lang="en-US" altLang="ko-KR" sz="1400" dirty="0">
-                <a:solidFill>
-                  <a:srgbClr val="000000"/>
-                </a:solidFill>
-                <a:latin typeface="Cascadia Mono" panose="020B0609020000020004" pitchFamily="49" charset="0"/>
-              </a:rPr>
-              <a:t>        | DuCounter </a:t>
-            </a:r>
-            <a:r>
-              <a:rPr lang="en-US" altLang="ko-KR" sz="1400" dirty="0">
-                <a:solidFill>
-                  <a:srgbClr val="0000FF"/>
-                </a:solidFill>
-                <a:latin typeface="Cascadia Mono" panose="020B0609020000020004" pitchFamily="49" charset="0"/>
-              </a:rPr>
-              <a:t>of</a:t>
-            </a:r>
-            <a:r>
-              <a:rPr lang="en-US" altLang="ko-KR" sz="1400" dirty="0">
-                <a:solidFill>
-                  <a:srgbClr val="000000"/>
-                </a:solidFill>
-                <a:latin typeface="Cascadia Mono" panose="020B0609020000020004" pitchFamily="49" charset="0"/>
-              </a:rPr>
-              <a:t> CounterStatement</a:t>
-            </a:r>
-          </a:p>
-          <a:p>
-            <a:endParaRPr lang="en-US" altLang="ko-KR" sz="1400" dirty="0">
-              <a:solidFill>
-                <a:srgbClr val="000000"/>
-              </a:solidFill>
-              <a:latin typeface="Cascadia Mono" panose="020B0609020000020004" pitchFamily="49" charset="0"/>
-            </a:endParaRPr>
-          </a:p>
-          <a:p>
-            <a:r>
-              <a:rPr lang="en-US" altLang="ko-KR" sz="1400" dirty="0">
-                <a:solidFill>
-                  <a:srgbClr val="0000FF"/>
-                </a:solidFill>
-                <a:latin typeface="Cascadia Mono" panose="020B0609020000020004" pitchFamily="49" charset="0"/>
-              </a:rPr>
-              <a:t>type</a:t>
-            </a:r>
-            <a:r>
-              <a:rPr lang="en-US" altLang="ko-KR" sz="1400" dirty="0">
-                <a:solidFill>
-                  <a:srgbClr val="000000"/>
-                </a:solidFill>
-                <a:latin typeface="Cascadia Mono" panose="020B0609020000020004" pitchFamily="49" charset="0"/>
-              </a:rPr>
-              <a:t> TimerStatement = {</a:t>
-            </a:r>
-          </a:p>
-          <a:p>
-            <a:r>
-              <a:rPr lang="en-US" altLang="ko-KR" sz="1400" dirty="0">
-                <a:solidFill>
-                  <a:srgbClr val="000000"/>
-                </a:solidFill>
-                <a:latin typeface="Cascadia Mono" panose="020B0609020000020004" pitchFamily="49" charset="0"/>
-              </a:rPr>
-              <a:t>    Timer:</a:t>
-            </a:r>
-            <a:r>
-              <a:rPr lang="en-US" altLang="ko-KR" sz="1400" dirty="0">
-                <a:solidFill>
-                  <a:srgbClr val="FF0000"/>
-                </a:solidFill>
-                <a:latin typeface="Cascadia Mono" panose="020B0609020000020004" pitchFamily="49" charset="0"/>
-              </a:rPr>
-              <a:t>Timer</a:t>
-            </a:r>
-          </a:p>
-          <a:p>
-            <a:r>
-              <a:rPr lang="en-US" altLang="ko-KR" sz="1400" dirty="0">
-                <a:solidFill>
-                  <a:srgbClr val="000000"/>
-                </a:solidFill>
-                <a:latin typeface="Cascadia Mono" panose="020B0609020000020004" pitchFamily="49" charset="0"/>
-              </a:rPr>
-              <a:t>    RungInCondition: IExpression&lt;bool&gt; option</a:t>
-            </a:r>
-          </a:p>
-          <a:p>
-            <a:r>
-              <a:rPr lang="en-US" altLang="ko-KR" sz="1400" dirty="0">
-                <a:solidFill>
-                  <a:srgbClr val="000000"/>
-                </a:solidFill>
-                <a:latin typeface="Cascadia Mono" panose="020B0609020000020004" pitchFamily="49" charset="0"/>
-              </a:rPr>
-              <a:t>    ResetCondition:  IExpression&lt;bool&gt; option</a:t>
-            </a:r>
-          </a:p>
-          <a:p>
-            <a:r>
-              <a:rPr lang="en-US" altLang="ko-KR" sz="1400" dirty="0">
-                <a:solidFill>
-                  <a:srgbClr val="000000"/>
-                </a:solidFill>
-                <a:latin typeface="Cascadia Mono" panose="020B0609020000020004" pitchFamily="49" charset="0"/>
-              </a:rPr>
-              <a:t>}</a:t>
-            </a:r>
-          </a:p>
-          <a:p>
-            <a:endParaRPr lang="ko-KR" altLang="en-US" sz="1400" dirty="0">
-              <a:solidFill>
-                <a:srgbClr val="000000"/>
-              </a:solidFill>
-              <a:latin typeface="Cascadia Mono" panose="020B0609020000020004" pitchFamily="49" charset="0"/>
-            </a:endParaRPr>
-          </a:p>
-          <a:p>
-            <a:r>
-              <a:rPr lang="en-US" altLang="ko-KR" sz="1400" dirty="0">
-                <a:solidFill>
-                  <a:srgbClr val="0000FF"/>
-                </a:solidFill>
-                <a:latin typeface="Cascadia Mono" panose="020B0609020000020004" pitchFamily="49" charset="0"/>
-              </a:rPr>
-              <a:t>type</a:t>
-            </a:r>
-            <a:r>
-              <a:rPr lang="en-US" altLang="ko-KR" sz="1400" dirty="0">
-                <a:solidFill>
-                  <a:srgbClr val="000000"/>
-                </a:solidFill>
-                <a:latin typeface="Cascadia Mono" panose="020B0609020000020004" pitchFamily="49" charset="0"/>
-              </a:rPr>
-              <a:t> CounterStatement = {</a:t>
-            </a:r>
-          </a:p>
-          <a:p>
-            <a:r>
-              <a:rPr lang="en-US" altLang="ko-KR" sz="1400" dirty="0">
-                <a:solidFill>
-                  <a:srgbClr val="000000"/>
-                </a:solidFill>
-                <a:latin typeface="Cascadia Mono" panose="020B0609020000020004" pitchFamily="49" charset="0"/>
-              </a:rPr>
-              <a:t>    Counter:Counter</a:t>
-            </a:r>
-          </a:p>
-          <a:p>
-            <a:r>
-              <a:rPr lang="en-US" altLang="ko-KR" sz="1400" dirty="0">
-                <a:solidFill>
-                  <a:srgbClr val="000000"/>
-                </a:solidFill>
-                <a:latin typeface="Cascadia Mono" panose="020B0609020000020004" pitchFamily="49" charset="0"/>
-              </a:rPr>
-              <a:t>    UpCondition: IExpression&lt;bool&gt; option</a:t>
-            </a:r>
-          </a:p>
-          <a:p>
-            <a:r>
-              <a:rPr lang="en-US" altLang="ko-KR" sz="1400" dirty="0">
-                <a:solidFill>
-                  <a:srgbClr val="000000"/>
-                </a:solidFill>
-                <a:latin typeface="Cascadia Mono" panose="020B0609020000020004" pitchFamily="49" charset="0"/>
-              </a:rPr>
-              <a:t>    DownCondition: IExpression&lt;bool&gt; option</a:t>
-            </a:r>
-          </a:p>
-          <a:p>
-            <a:r>
-              <a:rPr lang="en-US" altLang="ko-KR" sz="1400" dirty="0">
-                <a:solidFill>
-                  <a:srgbClr val="000000"/>
-                </a:solidFill>
-                <a:latin typeface="Cascadia Mono" panose="020B0609020000020004" pitchFamily="49" charset="0"/>
-              </a:rPr>
-              <a:t>    ResetCondition:  IExpression&lt;bool&gt; option</a:t>
-            </a:r>
-          </a:p>
-          <a:p>
-            <a:r>
-              <a:rPr lang="en-US" altLang="ko-KR" sz="1400" dirty="0">
-                <a:solidFill>
-                  <a:srgbClr val="000000"/>
-                </a:solidFill>
-                <a:latin typeface="Cascadia Mono" panose="020B0609020000020004" pitchFamily="49" charset="0"/>
-              </a:rPr>
-              <a:t>}</a:t>
-            </a:r>
-          </a:p>
-        </p:txBody>
-      </p:sp>
-    </p:spTree>
-    <p:extLst>
-      <p:ext uri="{BB962C8B-B14F-4D97-AF65-F5344CB8AC3E}">
-        <p14:creationId xmlns:p14="http://schemas.microsoft.com/office/powerpoint/2010/main" val="3044527727"/>
-      </p:ext>
-    </p:extLst>
-  </p:cSld>
-  <p:clrMapOvr>
-    <a:masterClrMapping/>
-  </p:clrMapOvr>
-</p:sld>
-</file>
-
-<file path=ppt/slides/slide12.xml><?xml version="1.0" encoding="utf-8"?>
-<p:sld xmlns:a="http://schemas.openxmlformats.org/drawingml/2006/main" xmlns:r="http://schemas.openxmlformats.org/officeDocument/2006/relationships" xmlns:p="http://schemas.openxmlformats.org/presentationml/2006/main">
-  <p:cSld>
-    <p:spTree>
-      <p:nvGrpSpPr>
-        <p:cNvPr id="1" name=""/>
-        <p:cNvGrpSpPr/>
-        <p:nvPr/>
-      </p:nvGrpSpPr>
-      <p:grpSpPr>
-        <a:xfrm>
-          <a:off x="0" y="0"/>
-          <a:ext cx="0" cy="0"/>
-          <a:chOff x="0" y="0"/>
-          <a:chExt cx="0" cy="0"/>
-        </a:xfrm>
-      </p:grpSpPr>
-      <p:sp>
-        <p:nvSpPr>
-          <p:cNvPr id="2" name="제목 1">
-            <a:extLst>
-              <a:ext uri="{FF2B5EF4-FFF2-40B4-BE49-F238E27FC236}">
-                <a16:creationId xmlns:a16="http://schemas.microsoft.com/office/drawing/2014/main" id="{5EB18DC9-FC2F-0591-7F29-6E1E653363F3}"/>
-              </a:ext>
-            </a:extLst>
-          </p:cNvPr>
-          <p:cNvSpPr>
-            <a:spLocks noGrp="1"/>
-          </p:cNvSpPr>
-          <p:nvPr>
-            <p:ph type="title"/>
-          </p:nvPr>
-        </p:nvSpPr>
-        <p:spPr/>
-        <p:txBody>
-          <a:bodyPr/>
-          <a:lstStyle/>
-          <a:p>
-            <a:r>
-              <a:rPr lang="en-US" altLang="ko-KR" dirty="0"/>
-              <a:t>Classes : Timer statements</a:t>
-            </a:r>
-            <a:endParaRPr lang="ko-KR" altLang="en-US" dirty="0"/>
-          </a:p>
-        </p:txBody>
-      </p:sp>
-      <p:sp>
-        <p:nvSpPr>
-          <p:cNvPr id="5" name="TextBox 4">
-            <a:extLst>
-              <a:ext uri="{FF2B5EF4-FFF2-40B4-BE49-F238E27FC236}">
-                <a16:creationId xmlns:a16="http://schemas.microsoft.com/office/drawing/2014/main" id="{8E9067D1-0ED2-925C-8C37-9111D6743EA1}"/>
-              </a:ext>
-            </a:extLst>
-          </p:cNvPr>
-          <p:cNvSpPr txBox="1"/>
-          <p:nvPr/>
-        </p:nvSpPr>
-        <p:spPr>
-          <a:xfrm>
-            <a:off x="838200" y="1880581"/>
-            <a:ext cx="10594109" cy="4524315"/>
-          </a:xfrm>
-          <a:prstGeom prst="rect">
-            <a:avLst/>
-          </a:prstGeom>
-          <a:noFill/>
-        </p:spPr>
-        <p:txBody>
-          <a:bodyPr wrap="square">
-            <a:spAutoFit/>
-          </a:bodyPr>
-          <a:lstStyle/>
-          <a:p>
-            <a:r>
-              <a:rPr lang="en-US" altLang="ko-KR" sz="1800" dirty="0">
-                <a:solidFill>
-                  <a:srgbClr val="0000FF"/>
-                </a:solidFill>
-                <a:latin typeface="Cascadia Mono" panose="020B0609020000020004" pitchFamily="49" charset="0"/>
-              </a:rPr>
-              <a:t>type</a:t>
-            </a:r>
-            <a:r>
-              <a:rPr lang="en-US" altLang="ko-KR" sz="1800" dirty="0">
-                <a:solidFill>
-                  <a:srgbClr val="000000"/>
-                </a:solidFill>
-                <a:latin typeface="Cascadia Mono" panose="020B0609020000020004" pitchFamily="49" charset="0"/>
-              </a:rPr>
-              <a:t> Timer </a:t>
-            </a:r>
-            <a:r>
-              <a:rPr lang="en-US" altLang="ko-KR" sz="1800" dirty="0">
-                <a:solidFill>
-                  <a:srgbClr val="0000FF"/>
-                </a:solidFill>
-                <a:latin typeface="Cascadia Mono" panose="020B0609020000020004" pitchFamily="49" charset="0"/>
-              </a:rPr>
-              <a:t>internal</a:t>
-            </a:r>
-            <a:r>
-              <a:rPr lang="en-US" altLang="ko-KR" sz="1800" dirty="0">
-                <a:solidFill>
-                  <a:srgbClr val="000000"/>
-                </a:solidFill>
-                <a:latin typeface="Cascadia Mono" panose="020B0609020000020004" pitchFamily="49" charset="0"/>
-              </a:rPr>
-              <a:t>(typ:TimerType, timerStruct:TimerStruct) =</a:t>
-            </a:r>
-          </a:p>
-          <a:p>
-            <a:endParaRPr lang="ko-KR" altLang="en-US" sz="1800" dirty="0">
-              <a:solidFill>
-                <a:srgbClr val="000000"/>
-              </a:solidFill>
-              <a:latin typeface="Cascadia Mono" panose="020B0609020000020004" pitchFamily="49" charset="0"/>
-            </a:endParaRPr>
-          </a:p>
-          <a:p>
-            <a:r>
-              <a:rPr lang="en-US" altLang="ko-KR" sz="1800" dirty="0">
-                <a:solidFill>
-                  <a:srgbClr val="000000"/>
-                </a:solidFill>
-                <a:latin typeface="Cascadia Mono" panose="020B0609020000020004" pitchFamily="49" charset="0"/>
-              </a:rPr>
-              <a:t>    </a:t>
-            </a:r>
-            <a:r>
-              <a:rPr lang="en-US" altLang="ko-KR" sz="1800" dirty="0">
-                <a:solidFill>
-                  <a:srgbClr val="0000FF"/>
-                </a:solidFill>
-                <a:latin typeface="Cascadia Mono" panose="020B0609020000020004" pitchFamily="49" charset="0"/>
-              </a:rPr>
-              <a:t>let</a:t>
-            </a:r>
-            <a:r>
-              <a:rPr lang="en-US" altLang="ko-KR" sz="1800" dirty="0">
-                <a:solidFill>
-                  <a:srgbClr val="000000"/>
-                </a:solidFill>
-                <a:latin typeface="Cascadia Mono" panose="020B0609020000020004" pitchFamily="49" charset="0"/>
-              </a:rPr>
-              <a:t> accumulator = </a:t>
-            </a:r>
-            <a:r>
-              <a:rPr lang="en-US" altLang="ko-KR" sz="1800" dirty="0">
-                <a:solidFill>
-                  <a:srgbClr val="0000FF"/>
-                </a:solidFill>
-                <a:latin typeface="Cascadia Mono" panose="020B0609020000020004" pitchFamily="49" charset="0"/>
-              </a:rPr>
-              <a:t>new</a:t>
-            </a:r>
-            <a:r>
-              <a:rPr lang="en-US" altLang="ko-KR" sz="1800" dirty="0">
-                <a:solidFill>
-                  <a:srgbClr val="000000"/>
-                </a:solidFill>
-                <a:latin typeface="Cascadia Mono" panose="020B0609020000020004" pitchFamily="49" charset="0"/>
-              </a:rPr>
-              <a:t> TickAccumulator(typ, timerStruct)</a:t>
-            </a:r>
-          </a:p>
-          <a:p>
-            <a:endParaRPr lang="ko-KR" altLang="en-US" sz="1800" dirty="0">
-              <a:solidFill>
-                <a:srgbClr val="000000"/>
-              </a:solidFill>
-              <a:latin typeface="Cascadia Mono" panose="020B0609020000020004" pitchFamily="49" charset="0"/>
-            </a:endParaRPr>
-          </a:p>
-          <a:p>
-            <a:r>
-              <a:rPr lang="en-US" altLang="ko-KR" sz="1800" dirty="0">
-                <a:solidFill>
-                  <a:srgbClr val="000000"/>
-                </a:solidFill>
-                <a:latin typeface="Cascadia Mono" panose="020B0609020000020004" pitchFamily="49" charset="0"/>
-              </a:rPr>
-              <a:t>    </a:t>
-            </a:r>
-            <a:r>
-              <a:rPr lang="en-US" altLang="ko-KR" sz="1800" dirty="0">
-                <a:solidFill>
-                  <a:srgbClr val="0000FF"/>
-                </a:solidFill>
-                <a:latin typeface="Cascadia Mono" panose="020B0609020000020004" pitchFamily="49" charset="0"/>
-              </a:rPr>
-              <a:t>member</a:t>
-            </a:r>
-            <a:r>
-              <a:rPr lang="en-US" altLang="ko-KR" sz="1800" dirty="0">
-                <a:solidFill>
-                  <a:srgbClr val="000000"/>
-                </a:solidFill>
-                <a:latin typeface="Cascadia Mono" panose="020B0609020000020004" pitchFamily="49" charset="0"/>
-              </a:rPr>
-              <a:t> _.Type = typ</a:t>
-            </a:r>
-          </a:p>
-          <a:p>
-            <a:r>
-              <a:rPr lang="en-US" altLang="ko-KR" sz="1800" dirty="0">
-                <a:solidFill>
-                  <a:srgbClr val="000000"/>
-                </a:solidFill>
-                <a:latin typeface="Cascadia Mono" panose="020B0609020000020004" pitchFamily="49" charset="0"/>
-              </a:rPr>
-              <a:t>    </a:t>
-            </a:r>
-            <a:r>
-              <a:rPr lang="en-US" altLang="ko-KR" sz="1800" dirty="0">
-                <a:solidFill>
-                  <a:srgbClr val="0000FF"/>
-                </a:solidFill>
-                <a:latin typeface="Cascadia Mono" panose="020B0609020000020004" pitchFamily="49" charset="0"/>
-              </a:rPr>
-              <a:t>member</a:t>
-            </a:r>
-            <a:r>
-              <a:rPr lang="en-US" altLang="ko-KR" sz="1800" dirty="0">
-                <a:solidFill>
-                  <a:srgbClr val="000000"/>
-                </a:solidFill>
-                <a:latin typeface="Cascadia Mono" panose="020B0609020000020004" pitchFamily="49" charset="0"/>
-              </a:rPr>
-              <a:t> _.Name = timerStruct.Name</a:t>
-            </a:r>
-          </a:p>
-          <a:p>
-            <a:r>
-              <a:rPr lang="en-US" altLang="ko-KR" sz="1800" dirty="0">
-                <a:solidFill>
-                  <a:srgbClr val="000000"/>
-                </a:solidFill>
-                <a:latin typeface="Cascadia Mono" panose="020B0609020000020004" pitchFamily="49" charset="0"/>
-              </a:rPr>
-              <a:t>    </a:t>
-            </a:r>
-            <a:r>
-              <a:rPr lang="en-US" altLang="ko-KR" sz="1800" dirty="0">
-                <a:solidFill>
-                  <a:srgbClr val="0000FF"/>
-                </a:solidFill>
-                <a:latin typeface="Cascadia Mono" panose="020B0609020000020004" pitchFamily="49" charset="0"/>
-              </a:rPr>
-              <a:t>member</a:t>
-            </a:r>
-            <a:r>
-              <a:rPr lang="en-US" altLang="ko-KR" sz="1800" dirty="0">
-                <a:solidFill>
-                  <a:srgbClr val="000000"/>
-                </a:solidFill>
-                <a:latin typeface="Cascadia Mono" panose="020B0609020000020004" pitchFamily="49" charset="0"/>
-              </a:rPr>
-              <a:t> _.EN = timerStruct.EN</a:t>
-            </a:r>
-          </a:p>
-          <a:p>
-            <a:r>
-              <a:rPr lang="en-US" altLang="ko-KR" sz="1800" dirty="0">
-                <a:solidFill>
-                  <a:srgbClr val="000000"/>
-                </a:solidFill>
-                <a:latin typeface="Cascadia Mono" panose="020B0609020000020004" pitchFamily="49" charset="0"/>
-              </a:rPr>
-              <a:t>    </a:t>
-            </a:r>
-            <a:r>
-              <a:rPr lang="en-US" altLang="ko-KR" sz="1800" dirty="0">
-                <a:solidFill>
-                  <a:srgbClr val="0000FF"/>
-                </a:solidFill>
-                <a:latin typeface="Cascadia Mono" panose="020B0609020000020004" pitchFamily="49" charset="0"/>
-              </a:rPr>
-              <a:t>member</a:t>
-            </a:r>
-            <a:r>
-              <a:rPr lang="en-US" altLang="ko-KR" sz="1800" dirty="0">
-                <a:solidFill>
-                  <a:srgbClr val="000000"/>
-                </a:solidFill>
-                <a:latin typeface="Cascadia Mono" panose="020B0609020000020004" pitchFamily="49" charset="0"/>
-              </a:rPr>
-              <a:t> _.TT = timerStruct.TT</a:t>
-            </a:r>
-          </a:p>
-          <a:p>
-            <a:r>
-              <a:rPr lang="en-US" altLang="ko-KR" sz="1800" dirty="0">
-                <a:solidFill>
-                  <a:srgbClr val="000000"/>
-                </a:solidFill>
-                <a:latin typeface="Cascadia Mono" panose="020B0609020000020004" pitchFamily="49" charset="0"/>
-              </a:rPr>
-              <a:t>    </a:t>
-            </a:r>
-            <a:r>
-              <a:rPr lang="en-US" altLang="ko-KR" sz="1800" dirty="0">
-                <a:solidFill>
-                  <a:srgbClr val="0000FF"/>
-                </a:solidFill>
-                <a:latin typeface="Cascadia Mono" panose="020B0609020000020004" pitchFamily="49" charset="0"/>
-              </a:rPr>
-              <a:t>member</a:t>
-            </a:r>
-            <a:r>
-              <a:rPr lang="en-US" altLang="ko-KR" sz="1800" dirty="0">
-                <a:solidFill>
-                  <a:srgbClr val="000000"/>
-                </a:solidFill>
-                <a:latin typeface="Cascadia Mono" panose="020B0609020000020004" pitchFamily="49" charset="0"/>
-              </a:rPr>
-              <a:t> _.DN = timerStruct.DN</a:t>
-            </a:r>
-          </a:p>
-          <a:p>
-            <a:r>
-              <a:rPr lang="en-US" altLang="ko-KR" sz="1800" dirty="0">
-                <a:solidFill>
-                  <a:srgbClr val="000000"/>
-                </a:solidFill>
-                <a:latin typeface="Cascadia Mono" panose="020B0609020000020004" pitchFamily="49" charset="0"/>
-              </a:rPr>
-              <a:t>    </a:t>
-            </a:r>
-            <a:r>
-              <a:rPr lang="en-US" altLang="ko-KR" sz="1800" dirty="0">
-                <a:solidFill>
-                  <a:srgbClr val="0000FF"/>
-                </a:solidFill>
-                <a:latin typeface="Cascadia Mono" panose="020B0609020000020004" pitchFamily="49" charset="0"/>
-              </a:rPr>
-              <a:t>member</a:t>
-            </a:r>
-            <a:r>
-              <a:rPr lang="en-US" altLang="ko-KR" sz="1800" dirty="0">
-                <a:solidFill>
-                  <a:srgbClr val="000000"/>
-                </a:solidFill>
-                <a:latin typeface="Cascadia Mono" panose="020B0609020000020004" pitchFamily="49" charset="0"/>
-              </a:rPr>
-              <a:t> _.PRE = timerStruct.PRE</a:t>
-            </a:r>
-          </a:p>
-          <a:p>
-            <a:r>
-              <a:rPr lang="en-US" altLang="ko-KR" sz="1800" dirty="0">
-                <a:solidFill>
-                  <a:srgbClr val="000000"/>
-                </a:solidFill>
-                <a:latin typeface="Cascadia Mono" panose="020B0609020000020004" pitchFamily="49" charset="0"/>
-              </a:rPr>
-              <a:t>    </a:t>
-            </a:r>
-            <a:r>
-              <a:rPr lang="en-US" altLang="ko-KR" sz="1800" dirty="0">
-                <a:solidFill>
-                  <a:srgbClr val="0000FF"/>
-                </a:solidFill>
-                <a:latin typeface="Cascadia Mono" panose="020B0609020000020004" pitchFamily="49" charset="0"/>
-              </a:rPr>
-              <a:t>member</a:t>
-            </a:r>
-            <a:r>
-              <a:rPr lang="en-US" altLang="ko-KR" sz="1800" dirty="0">
-                <a:solidFill>
-                  <a:srgbClr val="000000"/>
-                </a:solidFill>
-                <a:latin typeface="Cascadia Mono" panose="020B0609020000020004" pitchFamily="49" charset="0"/>
-              </a:rPr>
-              <a:t> _.ACC = timerStruct.ACC</a:t>
-            </a:r>
-          </a:p>
-          <a:p>
-            <a:r>
-              <a:rPr lang="en-US" altLang="ko-KR" sz="1800" dirty="0">
-                <a:solidFill>
-                  <a:srgbClr val="000000"/>
-                </a:solidFill>
-                <a:latin typeface="Cascadia Mono" panose="020B0609020000020004" pitchFamily="49" charset="0"/>
-              </a:rPr>
-              <a:t>    </a:t>
-            </a:r>
-            <a:r>
-              <a:rPr lang="en-US" altLang="ko-KR" sz="1800" dirty="0">
-                <a:solidFill>
-                  <a:srgbClr val="0000FF"/>
-                </a:solidFill>
-                <a:latin typeface="Cascadia Mono" panose="020B0609020000020004" pitchFamily="49" charset="0"/>
-              </a:rPr>
-              <a:t>member</a:t>
-            </a:r>
-            <a:r>
-              <a:rPr lang="en-US" altLang="ko-KR" sz="1800" dirty="0">
-                <a:solidFill>
-                  <a:srgbClr val="000000"/>
-                </a:solidFill>
-                <a:latin typeface="Cascadia Mono" panose="020B0609020000020004" pitchFamily="49" charset="0"/>
-              </a:rPr>
-              <a:t> _.RES = timerStruct.RES</a:t>
-            </a:r>
-          </a:p>
-          <a:p>
-            <a:endParaRPr lang="ko-KR" altLang="en-US" sz="1800" dirty="0">
-              <a:solidFill>
-                <a:srgbClr val="000000"/>
-              </a:solidFill>
-              <a:latin typeface="Cascadia Mono" panose="020B0609020000020004" pitchFamily="49" charset="0"/>
-            </a:endParaRPr>
-          </a:p>
-          <a:p>
-            <a:r>
-              <a:rPr lang="en-US" altLang="ko-KR" sz="1800" dirty="0">
-                <a:solidFill>
-                  <a:srgbClr val="000000"/>
-                </a:solidFill>
-                <a:latin typeface="Cascadia Mono" panose="020B0609020000020004" pitchFamily="49" charset="0"/>
-              </a:rPr>
-              <a:t>    </a:t>
-            </a:r>
-            <a:r>
-              <a:rPr lang="en-US" altLang="ko-KR" sz="1800" dirty="0">
-                <a:solidFill>
-                  <a:srgbClr val="0000FF"/>
-                </a:solidFill>
-                <a:latin typeface="Cascadia Mono" panose="020B0609020000020004" pitchFamily="49" charset="0"/>
-              </a:rPr>
-              <a:t>member</a:t>
-            </a:r>
-            <a:r>
-              <a:rPr lang="en-US" altLang="ko-KR" sz="1800" dirty="0">
-                <a:solidFill>
-                  <a:srgbClr val="000000"/>
-                </a:solidFill>
-                <a:latin typeface="Cascadia Mono" panose="020B0609020000020004" pitchFamily="49" charset="0"/>
-              </a:rPr>
-              <a:t> </a:t>
-            </a:r>
-            <a:r>
-              <a:rPr lang="en-US" altLang="ko-KR" sz="1800" dirty="0">
-                <a:solidFill>
-                  <a:srgbClr val="0000FF"/>
-                </a:solidFill>
-                <a:latin typeface="Cascadia Mono" panose="020B0609020000020004" pitchFamily="49" charset="0"/>
-              </a:rPr>
-              <a:t>val</a:t>
-            </a:r>
-            <a:r>
-              <a:rPr lang="en-US" altLang="ko-KR" sz="1800" dirty="0">
-                <a:solidFill>
-                  <a:srgbClr val="000000"/>
-                </a:solidFill>
-                <a:latin typeface="Cascadia Mono" panose="020B0609020000020004" pitchFamily="49" charset="0"/>
-              </a:rPr>
-              <a:t> </a:t>
-            </a:r>
-            <a:r>
-              <a:rPr lang="en-US" altLang="ko-KR" sz="1800" dirty="0">
-                <a:solidFill>
-                  <a:srgbClr val="0070C0"/>
-                </a:solidFill>
-                <a:latin typeface="Cascadia Mono" panose="020B0609020000020004" pitchFamily="49" charset="0"/>
-              </a:rPr>
-              <a:t>InputEvaluateStatements</a:t>
-            </a:r>
-            <a:r>
-              <a:rPr lang="en-US" altLang="ko-KR" sz="1800" dirty="0">
-                <a:solidFill>
-                  <a:srgbClr val="000000"/>
-                </a:solidFill>
-                <a:latin typeface="Cascadia Mono" panose="020B0609020000020004" pitchFamily="49" charset="0"/>
-              </a:rPr>
-              <a:t>:</a:t>
-            </a:r>
-            <a:r>
-              <a:rPr lang="en-US" altLang="ko-KR" sz="1800" dirty="0">
-                <a:solidFill>
-                  <a:srgbClr val="FF0000"/>
-                </a:solidFill>
-                <a:latin typeface="Cascadia Mono" panose="020B0609020000020004" pitchFamily="49" charset="0"/>
-              </a:rPr>
-              <a:t>Statement list </a:t>
-            </a:r>
-            <a:r>
-              <a:rPr lang="en-US" altLang="ko-KR" sz="1800" dirty="0">
-                <a:solidFill>
-                  <a:srgbClr val="000000"/>
-                </a:solidFill>
-                <a:latin typeface="Cascadia Mono" panose="020B0609020000020004" pitchFamily="49" charset="0"/>
-              </a:rPr>
-              <a:t>= [] </a:t>
-            </a:r>
-            <a:r>
-              <a:rPr lang="en-US" altLang="ko-KR" sz="1800" dirty="0">
-                <a:solidFill>
-                  <a:srgbClr val="0000FF"/>
-                </a:solidFill>
-                <a:latin typeface="Cascadia Mono" panose="020B0609020000020004" pitchFamily="49" charset="0"/>
-              </a:rPr>
-              <a:t>with</a:t>
-            </a:r>
-            <a:r>
-              <a:rPr lang="en-US" altLang="ko-KR" sz="1800" dirty="0">
-                <a:solidFill>
-                  <a:srgbClr val="000000"/>
-                </a:solidFill>
-                <a:latin typeface="Cascadia Mono" panose="020B0609020000020004" pitchFamily="49" charset="0"/>
-              </a:rPr>
-              <a:t> get, set</a:t>
-            </a:r>
-          </a:p>
-          <a:p>
-            <a:r>
-              <a:rPr lang="en-US" altLang="ko-KR" sz="1800" dirty="0">
-                <a:solidFill>
-                  <a:srgbClr val="000000"/>
-                </a:solidFill>
-                <a:latin typeface="Cascadia Mono" panose="020B0609020000020004" pitchFamily="49" charset="0"/>
-              </a:rPr>
-              <a:t>    </a:t>
-            </a:r>
-            <a:r>
-              <a:rPr lang="en-US" altLang="ko-KR" sz="1800" dirty="0">
-                <a:solidFill>
-                  <a:srgbClr val="0000FF"/>
-                </a:solidFill>
-                <a:latin typeface="Cascadia Mono" panose="020B0609020000020004" pitchFamily="49" charset="0"/>
-              </a:rPr>
-              <a:t>interface</a:t>
-            </a:r>
-            <a:r>
-              <a:rPr lang="en-US" altLang="ko-KR" sz="1800" dirty="0">
-                <a:solidFill>
-                  <a:srgbClr val="000000"/>
-                </a:solidFill>
-                <a:latin typeface="Cascadia Mono" panose="020B0609020000020004" pitchFamily="49" charset="0"/>
-              </a:rPr>
-              <a:t> IDisposable </a:t>
-            </a:r>
-            <a:r>
-              <a:rPr lang="en-US" altLang="ko-KR" sz="1800" dirty="0">
-                <a:solidFill>
-                  <a:srgbClr val="0000FF"/>
-                </a:solidFill>
-                <a:latin typeface="Cascadia Mono" panose="020B0609020000020004" pitchFamily="49" charset="0"/>
-              </a:rPr>
-              <a:t>with</a:t>
-            </a:r>
-            <a:endParaRPr lang="en-US" altLang="ko-KR" sz="1800" dirty="0">
-              <a:solidFill>
-                <a:srgbClr val="000000"/>
-              </a:solidFill>
-              <a:latin typeface="Cascadia Mono" panose="020B0609020000020004" pitchFamily="49" charset="0"/>
-            </a:endParaRPr>
-          </a:p>
-          <a:p>
-            <a:r>
-              <a:rPr lang="en-US" altLang="ko-KR" sz="1800" dirty="0">
-                <a:solidFill>
-                  <a:srgbClr val="000000"/>
-                </a:solidFill>
-                <a:latin typeface="Cascadia Mono" panose="020B0609020000020004" pitchFamily="49" charset="0"/>
-              </a:rPr>
-              <a:t>        </a:t>
-            </a:r>
-            <a:r>
-              <a:rPr lang="en-US" altLang="ko-KR" sz="1800" dirty="0">
-                <a:solidFill>
-                  <a:srgbClr val="0000FF"/>
-                </a:solidFill>
-                <a:latin typeface="Cascadia Mono" panose="020B0609020000020004" pitchFamily="49" charset="0"/>
-              </a:rPr>
-              <a:t>member</a:t>
-            </a:r>
-            <a:r>
-              <a:rPr lang="en-US" altLang="ko-KR" sz="1800" dirty="0">
-                <a:solidFill>
-                  <a:srgbClr val="000000"/>
-                </a:solidFill>
-                <a:latin typeface="Cascadia Mono" panose="020B0609020000020004" pitchFamily="49" charset="0"/>
-              </a:rPr>
-              <a:t> _.Dispose() = (accumulator :&gt; IDisposable).Dispose()</a:t>
-            </a:r>
-          </a:p>
-        </p:txBody>
-      </p:sp>
-    </p:spTree>
-    <p:extLst>
-      <p:ext uri="{BB962C8B-B14F-4D97-AF65-F5344CB8AC3E}">
-        <p14:creationId xmlns:p14="http://schemas.microsoft.com/office/powerpoint/2010/main" val="3718364714"/>
-      </p:ext>
-    </p:extLst>
-  </p:cSld>
-  <p:clrMapOvr>
-    <a:masterClrMapping/>
-  </p:clrMapOvr>
-</p:sld>
-</file>
-
 <file path=ppt/slides/slide13.xml><?xml version="1.0" encoding="utf-8"?>
 <p:sld xmlns:a="http://schemas.openxmlformats.org/drawingml/2006/main" xmlns:r="http://schemas.openxmlformats.org/officeDocument/2006/relationships" xmlns:p="http://schemas.openxmlformats.org/presentationml/2006/main">
   <p:cSld>
@@ -5401,6 +4608,997 @@
           <p:cNvPr id="2" name="제목 1">
             <a:extLst>
               <a:ext uri="{FF2B5EF4-FFF2-40B4-BE49-F238E27FC236}">
+                <a16:creationId xmlns:a16="http://schemas.microsoft.com/office/drawing/2014/main" id="{1B5AB5BE-0CEB-62D1-287B-7A8FB8BC868A}"/>
+              </a:ext>
+            </a:extLst>
+          </p:cNvPr>
+          <p:cNvSpPr>
+            <a:spLocks noGrp="1"/>
+          </p:cNvSpPr>
+          <p:nvPr>
+            <p:ph type="title"/>
+          </p:nvPr>
+        </p:nvSpPr>
+        <p:spPr/>
+        <p:txBody>
+          <a:bodyPr/>
+          <a:lstStyle/>
+          <a:p>
+            <a:r>
+              <a:rPr lang="en-US" altLang="ko-KR" dirty="0"/>
+              <a:t>Classes : Timer/Counter top level</a:t>
+            </a:r>
+            <a:endParaRPr lang="ko-KR" altLang="en-US" dirty="0"/>
+          </a:p>
+        </p:txBody>
+      </p:sp>
+      <p:sp>
+        <p:nvSpPr>
+          <p:cNvPr id="5" name="TextBox 4">
+            <a:extLst>
+              <a:ext uri="{FF2B5EF4-FFF2-40B4-BE49-F238E27FC236}">
+                <a16:creationId xmlns:a16="http://schemas.microsoft.com/office/drawing/2014/main" id="{97A82AB5-B6A3-7DF3-7F5D-F0EAA673A0E9}"/>
+              </a:ext>
+            </a:extLst>
+          </p:cNvPr>
+          <p:cNvSpPr txBox="1"/>
+          <p:nvPr/>
+        </p:nvSpPr>
+        <p:spPr>
+          <a:xfrm>
+            <a:off x="951344" y="1889174"/>
+            <a:ext cx="9938329" cy="3970318"/>
+          </a:xfrm>
+          <a:prstGeom prst="rect">
+            <a:avLst/>
+          </a:prstGeom>
+          <a:noFill/>
+        </p:spPr>
+        <p:txBody>
+          <a:bodyPr wrap="square">
+            <a:spAutoFit/>
+          </a:bodyPr>
+          <a:lstStyle/>
+          <a:p>
+            <a:r>
+              <a:rPr lang="en-US" altLang="ko-KR" sz="1400" dirty="0">
+                <a:solidFill>
+                  <a:srgbClr val="0000FF"/>
+                </a:solidFill>
+                <a:latin typeface="Cascadia Mono" panose="020B0609020000020004" pitchFamily="49" charset="0"/>
+              </a:rPr>
+              <a:t>type</a:t>
+            </a:r>
+            <a:r>
+              <a:rPr lang="en-US" altLang="ko-KR" sz="1400" dirty="0">
+                <a:solidFill>
+                  <a:srgbClr val="000000"/>
+                </a:solidFill>
+                <a:latin typeface="Cascadia Mono" panose="020B0609020000020004" pitchFamily="49" charset="0"/>
+              </a:rPr>
+              <a:t> Statement =</a:t>
+            </a:r>
+          </a:p>
+          <a:p>
+            <a:r>
+              <a:rPr lang="en-US" altLang="ko-KR" sz="1400" dirty="0">
+                <a:solidFill>
+                  <a:srgbClr val="000000"/>
+                </a:solidFill>
+                <a:latin typeface="Cascadia Mono" panose="020B0609020000020004" pitchFamily="49" charset="0"/>
+              </a:rPr>
+              <a:t>        | DuAssign </a:t>
+            </a:r>
+            <a:r>
+              <a:rPr lang="en-US" altLang="ko-KR" sz="1400" dirty="0">
+                <a:solidFill>
+                  <a:srgbClr val="0000FF"/>
+                </a:solidFill>
+                <a:latin typeface="Cascadia Mono" panose="020B0609020000020004" pitchFamily="49" charset="0"/>
+              </a:rPr>
+              <a:t>of</a:t>
+            </a:r>
+            <a:r>
+              <a:rPr lang="en-US" altLang="ko-KR" sz="1400" dirty="0">
+                <a:solidFill>
+                  <a:srgbClr val="000000"/>
+                </a:solidFill>
+                <a:latin typeface="Cascadia Mono" panose="020B0609020000020004" pitchFamily="49" charset="0"/>
+              </a:rPr>
+              <a:t> expression:IExpression * target:IStorage</a:t>
+            </a:r>
+          </a:p>
+          <a:p>
+            <a:r>
+              <a:rPr lang="en-US" altLang="ko-KR" sz="1400" dirty="0">
+                <a:solidFill>
+                  <a:srgbClr val="000000"/>
+                </a:solidFill>
+                <a:latin typeface="Cascadia Mono" panose="020B0609020000020004" pitchFamily="49" charset="0"/>
+              </a:rPr>
+              <a:t>        | DuVarDecl </a:t>
+            </a:r>
+            <a:r>
+              <a:rPr lang="en-US" altLang="ko-KR" sz="1400" dirty="0">
+                <a:solidFill>
+                  <a:srgbClr val="0000FF"/>
+                </a:solidFill>
+                <a:latin typeface="Cascadia Mono" panose="020B0609020000020004" pitchFamily="49" charset="0"/>
+              </a:rPr>
+              <a:t>of</a:t>
+            </a:r>
+            <a:r>
+              <a:rPr lang="en-US" altLang="ko-KR" sz="1400" dirty="0">
+                <a:solidFill>
+                  <a:srgbClr val="000000"/>
+                </a:solidFill>
+                <a:latin typeface="Cascadia Mono" panose="020B0609020000020004" pitchFamily="49" charset="0"/>
+              </a:rPr>
+              <a:t> expression:IExpression * variable:IStorage</a:t>
+            </a:r>
+          </a:p>
+          <a:p>
+            <a:r>
+              <a:rPr lang="en-US" altLang="ko-KR" sz="1400" dirty="0">
+                <a:solidFill>
+                  <a:srgbClr val="000000"/>
+                </a:solidFill>
+                <a:latin typeface="Cascadia Mono" panose="020B0609020000020004" pitchFamily="49" charset="0"/>
+              </a:rPr>
+              <a:t>        | DuTimer </a:t>
+            </a:r>
+            <a:r>
+              <a:rPr lang="en-US" altLang="ko-KR" sz="1400" dirty="0">
+                <a:solidFill>
+                  <a:srgbClr val="0000FF"/>
+                </a:solidFill>
+                <a:latin typeface="Cascadia Mono" panose="020B0609020000020004" pitchFamily="49" charset="0"/>
+              </a:rPr>
+              <a:t>of</a:t>
+            </a:r>
+            <a:r>
+              <a:rPr lang="en-US" altLang="ko-KR" sz="1400" dirty="0">
+                <a:solidFill>
+                  <a:srgbClr val="000000"/>
+                </a:solidFill>
+                <a:latin typeface="Cascadia Mono" panose="020B0609020000020004" pitchFamily="49" charset="0"/>
+              </a:rPr>
+              <a:t> TimerStatement</a:t>
+            </a:r>
+          </a:p>
+          <a:p>
+            <a:r>
+              <a:rPr lang="en-US" altLang="ko-KR" sz="1400" dirty="0">
+                <a:solidFill>
+                  <a:srgbClr val="000000"/>
+                </a:solidFill>
+                <a:latin typeface="Cascadia Mono" panose="020B0609020000020004" pitchFamily="49" charset="0"/>
+              </a:rPr>
+              <a:t>        | DuCounter </a:t>
+            </a:r>
+            <a:r>
+              <a:rPr lang="en-US" altLang="ko-KR" sz="1400" dirty="0">
+                <a:solidFill>
+                  <a:srgbClr val="0000FF"/>
+                </a:solidFill>
+                <a:latin typeface="Cascadia Mono" panose="020B0609020000020004" pitchFamily="49" charset="0"/>
+              </a:rPr>
+              <a:t>of</a:t>
+            </a:r>
+            <a:r>
+              <a:rPr lang="en-US" altLang="ko-KR" sz="1400" dirty="0">
+                <a:solidFill>
+                  <a:srgbClr val="000000"/>
+                </a:solidFill>
+                <a:latin typeface="Cascadia Mono" panose="020B0609020000020004" pitchFamily="49" charset="0"/>
+              </a:rPr>
+              <a:t> CounterStatement</a:t>
+            </a:r>
+          </a:p>
+          <a:p>
+            <a:endParaRPr lang="en-US" altLang="ko-KR" sz="1400" dirty="0">
+              <a:solidFill>
+                <a:srgbClr val="000000"/>
+              </a:solidFill>
+              <a:latin typeface="Cascadia Mono" panose="020B0609020000020004" pitchFamily="49" charset="0"/>
+            </a:endParaRPr>
+          </a:p>
+          <a:p>
+            <a:r>
+              <a:rPr lang="en-US" altLang="ko-KR" sz="1400" dirty="0">
+                <a:solidFill>
+                  <a:srgbClr val="0000FF"/>
+                </a:solidFill>
+                <a:latin typeface="Cascadia Mono" panose="020B0609020000020004" pitchFamily="49" charset="0"/>
+              </a:rPr>
+              <a:t>type</a:t>
+            </a:r>
+            <a:r>
+              <a:rPr lang="en-US" altLang="ko-KR" sz="1400" dirty="0">
+                <a:solidFill>
+                  <a:srgbClr val="000000"/>
+                </a:solidFill>
+                <a:latin typeface="Cascadia Mono" panose="020B0609020000020004" pitchFamily="49" charset="0"/>
+              </a:rPr>
+              <a:t> TimerStatement = {</a:t>
+            </a:r>
+          </a:p>
+          <a:p>
+            <a:r>
+              <a:rPr lang="en-US" altLang="ko-KR" sz="1400" dirty="0">
+                <a:solidFill>
+                  <a:srgbClr val="000000"/>
+                </a:solidFill>
+                <a:latin typeface="Cascadia Mono" panose="020B0609020000020004" pitchFamily="49" charset="0"/>
+              </a:rPr>
+              <a:t>    Timer:</a:t>
+            </a:r>
+            <a:r>
+              <a:rPr lang="en-US" altLang="ko-KR" sz="1400" dirty="0">
+                <a:solidFill>
+                  <a:srgbClr val="FF0000"/>
+                </a:solidFill>
+                <a:latin typeface="Cascadia Mono" panose="020B0609020000020004" pitchFamily="49" charset="0"/>
+              </a:rPr>
+              <a:t>Timer</a:t>
+            </a:r>
+          </a:p>
+          <a:p>
+            <a:r>
+              <a:rPr lang="en-US" altLang="ko-KR" sz="1400" dirty="0">
+                <a:solidFill>
+                  <a:srgbClr val="000000"/>
+                </a:solidFill>
+                <a:latin typeface="Cascadia Mono" panose="020B0609020000020004" pitchFamily="49" charset="0"/>
+              </a:rPr>
+              <a:t>    RungInCondition: IExpression&lt;bool&gt; option</a:t>
+            </a:r>
+          </a:p>
+          <a:p>
+            <a:r>
+              <a:rPr lang="en-US" altLang="ko-KR" sz="1400" dirty="0">
+                <a:solidFill>
+                  <a:srgbClr val="000000"/>
+                </a:solidFill>
+                <a:latin typeface="Cascadia Mono" panose="020B0609020000020004" pitchFamily="49" charset="0"/>
+              </a:rPr>
+              <a:t>    ResetCondition:  IExpression&lt;bool&gt; option</a:t>
+            </a:r>
+          </a:p>
+          <a:p>
+            <a:r>
+              <a:rPr lang="en-US" altLang="ko-KR" sz="1400" dirty="0">
+                <a:solidFill>
+                  <a:srgbClr val="000000"/>
+                </a:solidFill>
+                <a:latin typeface="Cascadia Mono" panose="020B0609020000020004" pitchFamily="49" charset="0"/>
+              </a:rPr>
+              <a:t>}</a:t>
+            </a:r>
+          </a:p>
+          <a:p>
+            <a:endParaRPr lang="ko-KR" altLang="en-US" sz="1400" dirty="0">
+              <a:solidFill>
+                <a:srgbClr val="000000"/>
+              </a:solidFill>
+              <a:latin typeface="Cascadia Mono" panose="020B0609020000020004" pitchFamily="49" charset="0"/>
+            </a:endParaRPr>
+          </a:p>
+          <a:p>
+            <a:r>
+              <a:rPr lang="en-US" altLang="ko-KR" sz="1400" dirty="0">
+                <a:solidFill>
+                  <a:srgbClr val="0000FF"/>
+                </a:solidFill>
+                <a:latin typeface="Cascadia Mono" panose="020B0609020000020004" pitchFamily="49" charset="0"/>
+              </a:rPr>
+              <a:t>type</a:t>
+            </a:r>
+            <a:r>
+              <a:rPr lang="en-US" altLang="ko-KR" sz="1400" dirty="0">
+                <a:solidFill>
+                  <a:srgbClr val="000000"/>
+                </a:solidFill>
+                <a:latin typeface="Cascadia Mono" panose="020B0609020000020004" pitchFamily="49" charset="0"/>
+              </a:rPr>
+              <a:t> CounterStatement = {</a:t>
+            </a:r>
+          </a:p>
+          <a:p>
+            <a:r>
+              <a:rPr lang="en-US" altLang="ko-KR" sz="1400" dirty="0">
+                <a:solidFill>
+                  <a:srgbClr val="000000"/>
+                </a:solidFill>
+                <a:latin typeface="Cascadia Mono" panose="020B0609020000020004" pitchFamily="49" charset="0"/>
+              </a:rPr>
+              <a:t>    Counter:Counter</a:t>
+            </a:r>
+          </a:p>
+          <a:p>
+            <a:r>
+              <a:rPr lang="en-US" altLang="ko-KR" sz="1400" dirty="0">
+                <a:solidFill>
+                  <a:srgbClr val="000000"/>
+                </a:solidFill>
+                <a:latin typeface="Cascadia Mono" panose="020B0609020000020004" pitchFamily="49" charset="0"/>
+              </a:rPr>
+              <a:t>    UpCondition: IExpression&lt;bool&gt; option</a:t>
+            </a:r>
+          </a:p>
+          <a:p>
+            <a:r>
+              <a:rPr lang="en-US" altLang="ko-KR" sz="1400" dirty="0">
+                <a:solidFill>
+                  <a:srgbClr val="000000"/>
+                </a:solidFill>
+                <a:latin typeface="Cascadia Mono" panose="020B0609020000020004" pitchFamily="49" charset="0"/>
+              </a:rPr>
+              <a:t>    DownCondition: IExpression&lt;bool&gt; option</a:t>
+            </a:r>
+          </a:p>
+          <a:p>
+            <a:r>
+              <a:rPr lang="en-US" altLang="ko-KR" sz="1400" dirty="0">
+                <a:solidFill>
+                  <a:srgbClr val="000000"/>
+                </a:solidFill>
+                <a:latin typeface="Cascadia Mono" panose="020B0609020000020004" pitchFamily="49" charset="0"/>
+              </a:rPr>
+              <a:t>    ResetCondition:  IExpression&lt;bool&gt; option</a:t>
+            </a:r>
+          </a:p>
+          <a:p>
+            <a:r>
+              <a:rPr lang="en-US" altLang="ko-KR" sz="1400" dirty="0">
+                <a:solidFill>
+                  <a:srgbClr val="000000"/>
+                </a:solidFill>
+                <a:latin typeface="Cascadia Mono" panose="020B0609020000020004" pitchFamily="49" charset="0"/>
+              </a:rPr>
+              <a:t>}</a:t>
+            </a:r>
+          </a:p>
+        </p:txBody>
+      </p:sp>
+    </p:spTree>
+    <p:extLst>
+      <p:ext uri="{BB962C8B-B14F-4D97-AF65-F5344CB8AC3E}">
+        <p14:creationId xmlns:p14="http://schemas.microsoft.com/office/powerpoint/2010/main" val="3044527727"/>
+      </p:ext>
+    </p:extLst>
+  </p:cSld>
+  <p:clrMapOvr>
+    <a:masterClrMapping/>
+  </p:clrMapOvr>
+</p:sld>
+</file>
+
+<file path=ppt/slides/slide14.xml><?xml version="1.0" encoding="utf-8"?>
+<p:sld xmlns:a="http://schemas.openxmlformats.org/drawingml/2006/main" xmlns:r="http://schemas.openxmlformats.org/officeDocument/2006/relationships" xmlns:p="http://schemas.openxmlformats.org/presentationml/2006/main">
+  <p:cSld>
+    <p:spTree>
+      <p:nvGrpSpPr>
+        <p:cNvPr id="1" name=""/>
+        <p:cNvGrpSpPr/>
+        <p:nvPr/>
+      </p:nvGrpSpPr>
+      <p:grpSpPr>
+        <a:xfrm>
+          <a:off x="0" y="0"/>
+          <a:ext cx="0" cy="0"/>
+          <a:chOff x="0" y="0"/>
+          <a:chExt cx="0" cy="0"/>
+        </a:xfrm>
+      </p:grpSpPr>
+      <p:sp>
+        <p:nvSpPr>
+          <p:cNvPr id="2" name="제목 1">
+            <a:extLst>
+              <a:ext uri="{FF2B5EF4-FFF2-40B4-BE49-F238E27FC236}">
+                <a16:creationId xmlns:a16="http://schemas.microsoft.com/office/drawing/2014/main" id="{5EB18DC9-FC2F-0591-7F29-6E1E653363F3}"/>
+              </a:ext>
+            </a:extLst>
+          </p:cNvPr>
+          <p:cNvSpPr>
+            <a:spLocks noGrp="1"/>
+          </p:cNvSpPr>
+          <p:nvPr>
+            <p:ph type="title"/>
+          </p:nvPr>
+        </p:nvSpPr>
+        <p:spPr/>
+        <p:txBody>
+          <a:bodyPr/>
+          <a:lstStyle/>
+          <a:p>
+            <a:r>
+              <a:rPr lang="en-US" altLang="ko-KR" dirty="0"/>
+              <a:t>Classes : Timer statements</a:t>
+            </a:r>
+            <a:endParaRPr lang="ko-KR" altLang="en-US" dirty="0"/>
+          </a:p>
+        </p:txBody>
+      </p:sp>
+      <p:sp>
+        <p:nvSpPr>
+          <p:cNvPr id="5" name="TextBox 4">
+            <a:extLst>
+              <a:ext uri="{FF2B5EF4-FFF2-40B4-BE49-F238E27FC236}">
+                <a16:creationId xmlns:a16="http://schemas.microsoft.com/office/drawing/2014/main" id="{8E9067D1-0ED2-925C-8C37-9111D6743EA1}"/>
+              </a:ext>
+            </a:extLst>
+          </p:cNvPr>
+          <p:cNvSpPr txBox="1"/>
+          <p:nvPr/>
+        </p:nvSpPr>
+        <p:spPr>
+          <a:xfrm>
+            <a:off x="838200" y="1880581"/>
+            <a:ext cx="10594109" cy="4524315"/>
+          </a:xfrm>
+          <a:prstGeom prst="rect">
+            <a:avLst/>
+          </a:prstGeom>
+          <a:noFill/>
+        </p:spPr>
+        <p:txBody>
+          <a:bodyPr wrap="square">
+            <a:spAutoFit/>
+          </a:bodyPr>
+          <a:lstStyle/>
+          <a:p>
+            <a:r>
+              <a:rPr lang="en-US" altLang="ko-KR" sz="1800" dirty="0">
+                <a:solidFill>
+                  <a:srgbClr val="0000FF"/>
+                </a:solidFill>
+                <a:latin typeface="Cascadia Mono" panose="020B0609020000020004" pitchFamily="49" charset="0"/>
+              </a:rPr>
+              <a:t>type</a:t>
+            </a:r>
+            <a:r>
+              <a:rPr lang="en-US" altLang="ko-KR" sz="1800" dirty="0">
+                <a:solidFill>
+                  <a:srgbClr val="000000"/>
+                </a:solidFill>
+                <a:latin typeface="Cascadia Mono" panose="020B0609020000020004" pitchFamily="49" charset="0"/>
+              </a:rPr>
+              <a:t> Timer </a:t>
+            </a:r>
+            <a:r>
+              <a:rPr lang="en-US" altLang="ko-KR" sz="1800" dirty="0">
+                <a:solidFill>
+                  <a:srgbClr val="0000FF"/>
+                </a:solidFill>
+                <a:latin typeface="Cascadia Mono" panose="020B0609020000020004" pitchFamily="49" charset="0"/>
+              </a:rPr>
+              <a:t>internal</a:t>
+            </a:r>
+            <a:r>
+              <a:rPr lang="en-US" altLang="ko-KR" sz="1800" dirty="0">
+                <a:solidFill>
+                  <a:srgbClr val="000000"/>
+                </a:solidFill>
+                <a:latin typeface="Cascadia Mono" panose="020B0609020000020004" pitchFamily="49" charset="0"/>
+              </a:rPr>
+              <a:t>(typ:TimerType, timerStruct:TimerStruct) =</a:t>
+            </a:r>
+          </a:p>
+          <a:p>
+            <a:endParaRPr lang="ko-KR" altLang="en-US" sz="1800" dirty="0">
+              <a:solidFill>
+                <a:srgbClr val="000000"/>
+              </a:solidFill>
+              <a:latin typeface="Cascadia Mono" panose="020B0609020000020004" pitchFamily="49" charset="0"/>
+            </a:endParaRPr>
+          </a:p>
+          <a:p>
+            <a:r>
+              <a:rPr lang="en-US" altLang="ko-KR" sz="1800" dirty="0">
+                <a:solidFill>
+                  <a:srgbClr val="000000"/>
+                </a:solidFill>
+                <a:latin typeface="Cascadia Mono" panose="020B0609020000020004" pitchFamily="49" charset="0"/>
+              </a:rPr>
+              <a:t>    </a:t>
+            </a:r>
+            <a:r>
+              <a:rPr lang="en-US" altLang="ko-KR" sz="1800" dirty="0">
+                <a:solidFill>
+                  <a:srgbClr val="0000FF"/>
+                </a:solidFill>
+                <a:latin typeface="Cascadia Mono" panose="020B0609020000020004" pitchFamily="49" charset="0"/>
+              </a:rPr>
+              <a:t>let</a:t>
+            </a:r>
+            <a:r>
+              <a:rPr lang="en-US" altLang="ko-KR" sz="1800" dirty="0">
+                <a:solidFill>
+                  <a:srgbClr val="000000"/>
+                </a:solidFill>
+                <a:latin typeface="Cascadia Mono" panose="020B0609020000020004" pitchFamily="49" charset="0"/>
+              </a:rPr>
+              <a:t> accumulator = </a:t>
+            </a:r>
+            <a:r>
+              <a:rPr lang="en-US" altLang="ko-KR" sz="1800" dirty="0">
+                <a:solidFill>
+                  <a:srgbClr val="0000FF"/>
+                </a:solidFill>
+                <a:latin typeface="Cascadia Mono" panose="020B0609020000020004" pitchFamily="49" charset="0"/>
+              </a:rPr>
+              <a:t>new</a:t>
+            </a:r>
+            <a:r>
+              <a:rPr lang="en-US" altLang="ko-KR" sz="1800" dirty="0">
+                <a:solidFill>
+                  <a:srgbClr val="000000"/>
+                </a:solidFill>
+                <a:latin typeface="Cascadia Mono" panose="020B0609020000020004" pitchFamily="49" charset="0"/>
+              </a:rPr>
+              <a:t> TickAccumulator(typ, timerStruct)</a:t>
+            </a:r>
+          </a:p>
+          <a:p>
+            <a:endParaRPr lang="ko-KR" altLang="en-US" sz="1800" dirty="0">
+              <a:solidFill>
+                <a:srgbClr val="000000"/>
+              </a:solidFill>
+              <a:latin typeface="Cascadia Mono" panose="020B0609020000020004" pitchFamily="49" charset="0"/>
+            </a:endParaRPr>
+          </a:p>
+          <a:p>
+            <a:r>
+              <a:rPr lang="en-US" altLang="ko-KR" sz="1800" dirty="0">
+                <a:solidFill>
+                  <a:srgbClr val="000000"/>
+                </a:solidFill>
+                <a:latin typeface="Cascadia Mono" panose="020B0609020000020004" pitchFamily="49" charset="0"/>
+              </a:rPr>
+              <a:t>    </a:t>
+            </a:r>
+            <a:r>
+              <a:rPr lang="en-US" altLang="ko-KR" sz="1800" dirty="0">
+                <a:solidFill>
+                  <a:srgbClr val="0000FF"/>
+                </a:solidFill>
+                <a:latin typeface="Cascadia Mono" panose="020B0609020000020004" pitchFamily="49" charset="0"/>
+              </a:rPr>
+              <a:t>member</a:t>
+            </a:r>
+            <a:r>
+              <a:rPr lang="en-US" altLang="ko-KR" sz="1800" dirty="0">
+                <a:solidFill>
+                  <a:srgbClr val="000000"/>
+                </a:solidFill>
+                <a:latin typeface="Cascadia Mono" panose="020B0609020000020004" pitchFamily="49" charset="0"/>
+              </a:rPr>
+              <a:t> _.Type = typ</a:t>
+            </a:r>
+          </a:p>
+          <a:p>
+            <a:r>
+              <a:rPr lang="en-US" altLang="ko-KR" sz="1800" dirty="0">
+                <a:solidFill>
+                  <a:srgbClr val="000000"/>
+                </a:solidFill>
+                <a:latin typeface="Cascadia Mono" panose="020B0609020000020004" pitchFamily="49" charset="0"/>
+              </a:rPr>
+              <a:t>    </a:t>
+            </a:r>
+            <a:r>
+              <a:rPr lang="en-US" altLang="ko-KR" sz="1800" dirty="0">
+                <a:solidFill>
+                  <a:srgbClr val="0000FF"/>
+                </a:solidFill>
+                <a:latin typeface="Cascadia Mono" panose="020B0609020000020004" pitchFamily="49" charset="0"/>
+              </a:rPr>
+              <a:t>member</a:t>
+            </a:r>
+            <a:r>
+              <a:rPr lang="en-US" altLang="ko-KR" sz="1800" dirty="0">
+                <a:solidFill>
+                  <a:srgbClr val="000000"/>
+                </a:solidFill>
+                <a:latin typeface="Cascadia Mono" panose="020B0609020000020004" pitchFamily="49" charset="0"/>
+              </a:rPr>
+              <a:t> _.Name = timerStruct.Name</a:t>
+            </a:r>
+          </a:p>
+          <a:p>
+            <a:r>
+              <a:rPr lang="en-US" altLang="ko-KR" sz="1800" dirty="0">
+                <a:solidFill>
+                  <a:srgbClr val="000000"/>
+                </a:solidFill>
+                <a:latin typeface="Cascadia Mono" panose="020B0609020000020004" pitchFamily="49" charset="0"/>
+              </a:rPr>
+              <a:t>    </a:t>
+            </a:r>
+            <a:r>
+              <a:rPr lang="en-US" altLang="ko-KR" sz="1800" dirty="0">
+                <a:solidFill>
+                  <a:srgbClr val="0000FF"/>
+                </a:solidFill>
+                <a:latin typeface="Cascadia Mono" panose="020B0609020000020004" pitchFamily="49" charset="0"/>
+              </a:rPr>
+              <a:t>member</a:t>
+            </a:r>
+            <a:r>
+              <a:rPr lang="en-US" altLang="ko-KR" sz="1800" dirty="0">
+                <a:solidFill>
+                  <a:srgbClr val="000000"/>
+                </a:solidFill>
+                <a:latin typeface="Cascadia Mono" panose="020B0609020000020004" pitchFamily="49" charset="0"/>
+              </a:rPr>
+              <a:t> _.EN = timerStruct.EN</a:t>
+            </a:r>
+          </a:p>
+          <a:p>
+            <a:r>
+              <a:rPr lang="en-US" altLang="ko-KR" sz="1800" dirty="0">
+                <a:solidFill>
+                  <a:srgbClr val="000000"/>
+                </a:solidFill>
+                <a:latin typeface="Cascadia Mono" panose="020B0609020000020004" pitchFamily="49" charset="0"/>
+              </a:rPr>
+              <a:t>    </a:t>
+            </a:r>
+            <a:r>
+              <a:rPr lang="en-US" altLang="ko-KR" sz="1800" dirty="0">
+                <a:solidFill>
+                  <a:srgbClr val="0000FF"/>
+                </a:solidFill>
+                <a:latin typeface="Cascadia Mono" panose="020B0609020000020004" pitchFamily="49" charset="0"/>
+              </a:rPr>
+              <a:t>member</a:t>
+            </a:r>
+            <a:r>
+              <a:rPr lang="en-US" altLang="ko-KR" sz="1800" dirty="0">
+                <a:solidFill>
+                  <a:srgbClr val="000000"/>
+                </a:solidFill>
+                <a:latin typeface="Cascadia Mono" panose="020B0609020000020004" pitchFamily="49" charset="0"/>
+              </a:rPr>
+              <a:t> _.TT = timerStruct.TT</a:t>
+            </a:r>
+          </a:p>
+          <a:p>
+            <a:r>
+              <a:rPr lang="en-US" altLang="ko-KR" sz="1800" dirty="0">
+                <a:solidFill>
+                  <a:srgbClr val="000000"/>
+                </a:solidFill>
+                <a:latin typeface="Cascadia Mono" panose="020B0609020000020004" pitchFamily="49" charset="0"/>
+              </a:rPr>
+              <a:t>    </a:t>
+            </a:r>
+            <a:r>
+              <a:rPr lang="en-US" altLang="ko-KR" sz="1800" dirty="0">
+                <a:solidFill>
+                  <a:srgbClr val="0000FF"/>
+                </a:solidFill>
+                <a:latin typeface="Cascadia Mono" panose="020B0609020000020004" pitchFamily="49" charset="0"/>
+              </a:rPr>
+              <a:t>member</a:t>
+            </a:r>
+            <a:r>
+              <a:rPr lang="en-US" altLang="ko-KR" sz="1800" dirty="0">
+                <a:solidFill>
+                  <a:srgbClr val="000000"/>
+                </a:solidFill>
+                <a:latin typeface="Cascadia Mono" panose="020B0609020000020004" pitchFamily="49" charset="0"/>
+              </a:rPr>
+              <a:t> _.DN = timerStruct.DN</a:t>
+            </a:r>
+          </a:p>
+          <a:p>
+            <a:r>
+              <a:rPr lang="en-US" altLang="ko-KR" sz="1800" dirty="0">
+                <a:solidFill>
+                  <a:srgbClr val="000000"/>
+                </a:solidFill>
+                <a:latin typeface="Cascadia Mono" panose="020B0609020000020004" pitchFamily="49" charset="0"/>
+              </a:rPr>
+              <a:t>    </a:t>
+            </a:r>
+            <a:r>
+              <a:rPr lang="en-US" altLang="ko-KR" sz="1800" dirty="0">
+                <a:solidFill>
+                  <a:srgbClr val="0000FF"/>
+                </a:solidFill>
+                <a:latin typeface="Cascadia Mono" panose="020B0609020000020004" pitchFamily="49" charset="0"/>
+              </a:rPr>
+              <a:t>member</a:t>
+            </a:r>
+            <a:r>
+              <a:rPr lang="en-US" altLang="ko-KR" sz="1800" dirty="0">
+                <a:solidFill>
+                  <a:srgbClr val="000000"/>
+                </a:solidFill>
+                <a:latin typeface="Cascadia Mono" panose="020B0609020000020004" pitchFamily="49" charset="0"/>
+              </a:rPr>
+              <a:t> _.PRE = timerStruct.PRE</a:t>
+            </a:r>
+          </a:p>
+          <a:p>
+            <a:r>
+              <a:rPr lang="en-US" altLang="ko-KR" sz="1800" dirty="0">
+                <a:solidFill>
+                  <a:srgbClr val="000000"/>
+                </a:solidFill>
+                <a:latin typeface="Cascadia Mono" panose="020B0609020000020004" pitchFamily="49" charset="0"/>
+              </a:rPr>
+              <a:t>    </a:t>
+            </a:r>
+            <a:r>
+              <a:rPr lang="en-US" altLang="ko-KR" sz="1800" dirty="0">
+                <a:solidFill>
+                  <a:srgbClr val="0000FF"/>
+                </a:solidFill>
+                <a:latin typeface="Cascadia Mono" panose="020B0609020000020004" pitchFamily="49" charset="0"/>
+              </a:rPr>
+              <a:t>member</a:t>
+            </a:r>
+            <a:r>
+              <a:rPr lang="en-US" altLang="ko-KR" sz="1800" dirty="0">
+                <a:solidFill>
+                  <a:srgbClr val="000000"/>
+                </a:solidFill>
+                <a:latin typeface="Cascadia Mono" panose="020B0609020000020004" pitchFamily="49" charset="0"/>
+              </a:rPr>
+              <a:t> _.ACC = timerStruct.ACC</a:t>
+            </a:r>
+          </a:p>
+          <a:p>
+            <a:r>
+              <a:rPr lang="en-US" altLang="ko-KR" sz="1800" dirty="0">
+                <a:solidFill>
+                  <a:srgbClr val="000000"/>
+                </a:solidFill>
+                <a:latin typeface="Cascadia Mono" panose="020B0609020000020004" pitchFamily="49" charset="0"/>
+              </a:rPr>
+              <a:t>    </a:t>
+            </a:r>
+            <a:r>
+              <a:rPr lang="en-US" altLang="ko-KR" sz="1800" dirty="0">
+                <a:solidFill>
+                  <a:srgbClr val="0000FF"/>
+                </a:solidFill>
+                <a:latin typeface="Cascadia Mono" panose="020B0609020000020004" pitchFamily="49" charset="0"/>
+              </a:rPr>
+              <a:t>member</a:t>
+            </a:r>
+            <a:r>
+              <a:rPr lang="en-US" altLang="ko-KR" sz="1800" dirty="0">
+                <a:solidFill>
+                  <a:srgbClr val="000000"/>
+                </a:solidFill>
+                <a:latin typeface="Cascadia Mono" panose="020B0609020000020004" pitchFamily="49" charset="0"/>
+              </a:rPr>
+              <a:t> _.RES = timerStruct.RES</a:t>
+            </a:r>
+          </a:p>
+          <a:p>
+            <a:endParaRPr lang="ko-KR" altLang="en-US" sz="1800" dirty="0">
+              <a:solidFill>
+                <a:srgbClr val="000000"/>
+              </a:solidFill>
+              <a:latin typeface="Cascadia Mono" panose="020B0609020000020004" pitchFamily="49" charset="0"/>
+            </a:endParaRPr>
+          </a:p>
+          <a:p>
+            <a:r>
+              <a:rPr lang="en-US" altLang="ko-KR" sz="1800" dirty="0">
+                <a:solidFill>
+                  <a:srgbClr val="000000"/>
+                </a:solidFill>
+                <a:latin typeface="Cascadia Mono" panose="020B0609020000020004" pitchFamily="49" charset="0"/>
+              </a:rPr>
+              <a:t>    </a:t>
+            </a:r>
+            <a:r>
+              <a:rPr lang="en-US" altLang="ko-KR" sz="1800" dirty="0">
+                <a:solidFill>
+                  <a:srgbClr val="0000FF"/>
+                </a:solidFill>
+                <a:latin typeface="Cascadia Mono" panose="020B0609020000020004" pitchFamily="49" charset="0"/>
+              </a:rPr>
+              <a:t>member</a:t>
+            </a:r>
+            <a:r>
+              <a:rPr lang="en-US" altLang="ko-KR" sz="1800" dirty="0">
+                <a:solidFill>
+                  <a:srgbClr val="000000"/>
+                </a:solidFill>
+                <a:latin typeface="Cascadia Mono" panose="020B0609020000020004" pitchFamily="49" charset="0"/>
+              </a:rPr>
+              <a:t> </a:t>
+            </a:r>
+            <a:r>
+              <a:rPr lang="en-US" altLang="ko-KR" sz="1800" dirty="0">
+                <a:solidFill>
+                  <a:srgbClr val="0000FF"/>
+                </a:solidFill>
+                <a:latin typeface="Cascadia Mono" panose="020B0609020000020004" pitchFamily="49" charset="0"/>
+              </a:rPr>
+              <a:t>val</a:t>
+            </a:r>
+            <a:r>
+              <a:rPr lang="en-US" altLang="ko-KR" sz="1800" dirty="0">
+                <a:solidFill>
+                  <a:srgbClr val="000000"/>
+                </a:solidFill>
+                <a:latin typeface="Cascadia Mono" panose="020B0609020000020004" pitchFamily="49" charset="0"/>
+              </a:rPr>
+              <a:t> </a:t>
+            </a:r>
+            <a:r>
+              <a:rPr lang="en-US" altLang="ko-KR" sz="1800" dirty="0">
+                <a:solidFill>
+                  <a:srgbClr val="0070C0"/>
+                </a:solidFill>
+                <a:latin typeface="Cascadia Mono" panose="020B0609020000020004" pitchFamily="49" charset="0"/>
+              </a:rPr>
+              <a:t>InputEvaluateStatements</a:t>
+            </a:r>
+            <a:r>
+              <a:rPr lang="en-US" altLang="ko-KR" sz="1800" dirty="0">
+                <a:solidFill>
+                  <a:srgbClr val="000000"/>
+                </a:solidFill>
+                <a:latin typeface="Cascadia Mono" panose="020B0609020000020004" pitchFamily="49" charset="0"/>
+              </a:rPr>
+              <a:t>:</a:t>
+            </a:r>
+            <a:r>
+              <a:rPr lang="en-US" altLang="ko-KR" sz="1800" dirty="0">
+                <a:solidFill>
+                  <a:srgbClr val="FF0000"/>
+                </a:solidFill>
+                <a:latin typeface="Cascadia Mono" panose="020B0609020000020004" pitchFamily="49" charset="0"/>
+              </a:rPr>
+              <a:t>Statement list </a:t>
+            </a:r>
+            <a:r>
+              <a:rPr lang="en-US" altLang="ko-KR" sz="1800" dirty="0">
+                <a:solidFill>
+                  <a:srgbClr val="000000"/>
+                </a:solidFill>
+                <a:latin typeface="Cascadia Mono" panose="020B0609020000020004" pitchFamily="49" charset="0"/>
+              </a:rPr>
+              <a:t>= [] </a:t>
+            </a:r>
+            <a:r>
+              <a:rPr lang="en-US" altLang="ko-KR" sz="1800" dirty="0">
+                <a:solidFill>
+                  <a:srgbClr val="0000FF"/>
+                </a:solidFill>
+                <a:latin typeface="Cascadia Mono" panose="020B0609020000020004" pitchFamily="49" charset="0"/>
+              </a:rPr>
+              <a:t>with</a:t>
+            </a:r>
+            <a:r>
+              <a:rPr lang="en-US" altLang="ko-KR" sz="1800" dirty="0">
+                <a:solidFill>
+                  <a:srgbClr val="000000"/>
+                </a:solidFill>
+                <a:latin typeface="Cascadia Mono" panose="020B0609020000020004" pitchFamily="49" charset="0"/>
+              </a:rPr>
+              <a:t> get, set</a:t>
+            </a:r>
+          </a:p>
+          <a:p>
+            <a:r>
+              <a:rPr lang="en-US" altLang="ko-KR" sz="1800" dirty="0">
+                <a:solidFill>
+                  <a:srgbClr val="000000"/>
+                </a:solidFill>
+                <a:latin typeface="Cascadia Mono" panose="020B0609020000020004" pitchFamily="49" charset="0"/>
+              </a:rPr>
+              <a:t>    </a:t>
+            </a:r>
+            <a:r>
+              <a:rPr lang="en-US" altLang="ko-KR" sz="1800" dirty="0">
+                <a:solidFill>
+                  <a:srgbClr val="0000FF"/>
+                </a:solidFill>
+                <a:latin typeface="Cascadia Mono" panose="020B0609020000020004" pitchFamily="49" charset="0"/>
+              </a:rPr>
+              <a:t>interface</a:t>
+            </a:r>
+            <a:r>
+              <a:rPr lang="en-US" altLang="ko-KR" sz="1800" dirty="0">
+                <a:solidFill>
+                  <a:srgbClr val="000000"/>
+                </a:solidFill>
+                <a:latin typeface="Cascadia Mono" panose="020B0609020000020004" pitchFamily="49" charset="0"/>
+              </a:rPr>
+              <a:t> IDisposable </a:t>
+            </a:r>
+            <a:r>
+              <a:rPr lang="en-US" altLang="ko-KR" sz="1800" dirty="0">
+                <a:solidFill>
+                  <a:srgbClr val="0000FF"/>
+                </a:solidFill>
+                <a:latin typeface="Cascadia Mono" panose="020B0609020000020004" pitchFamily="49" charset="0"/>
+              </a:rPr>
+              <a:t>with</a:t>
+            </a:r>
+            <a:endParaRPr lang="en-US" altLang="ko-KR" sz="1800" dirty="0">
+              <a:solidFill>
+                <a:srgbClr val="000000"/>
+              </a:solidFill>
+              <a:latin typeface="Cascadia Mono" panose="020B0609020000020004" pitchFamily="49" charset="0"/>
+            </a:endParaRPr>
+          </a:p>
+          <a:p>
+            <a:r>
+              <a:rPr lang="en-US" altLang="ko-KR" sz="1800" dirty="0">
+                <a:solidFill>
+                  <a:srgbClr val="000000"/>
+                </a:solidFill>
+                <a:latin typeface="Cascadia Mono" panose="020B0609020000020004" pitchFamily="49" charset="0"/>
+              </a:rPr>
+              <a:t>        </a:t>
+            </a:r>
+            <a:r>
+              <a:rPr lang="en-US" altLang="ko-KR" sz="1800" dirty="0">
+                <a:solidFill>
+                  <a:srgbClr val="0000FF"/>
+                </a:solidFill>
+                <a:latin typeface="Cascadia Mono" panose="020B0609020000020004" pitchFamily="49" charset="0"/>
+              </a:rPr>
+              <a:t>member</a:t>
+            </a:r>
+            <a:r>
+              <a:rPr lang="en-US" altLang="ko-KR" sz="1800" dirty="0">
+                <a:solidFill>
+                  <a:srgbClr val="000000"/>
+                </a:solidFill>
+                <a:latin typeface="Cascadia Mono" panose="020B0609020000020004" pitchFamily="49" charset="0"/>
+              </a:rPr>
+              <a:t> _.Dispose() = (accumulator :&gt; IDisposable).Dispose()</a:t>
+            </a:r>
+          </a:p>
+        </p:txBody>
+      </p:sp>
+    </p:spTree>
+    <p:extLst>
+      <p:ext uri="{BB962C8B-B14F-4D97-AF65-F5344CB8AC3E}">
+        <p14:creationId xmlns:p14="http://schemas.microsoft.com/office/powerpoint/2010/main" val="3718364714"/>
+      </p:ext>
+    </p:extLst>
+  </p:cSld>
+  <p:clrMapOvr>
+    <a:masterClrMapping/>
+  </p:clrMapOvr>
+</p:sld>
+</file>
+
+<file path=ppt/slides/slide15.xml><?xml version="1.0" encoding="utf-8"?>
+<p:sld xmlns:a="http://schemas.openxmlformats.org/drawingml/2006/main" xmlns:r="http://schemas.openxmlformats.org/officeDocument/2006/relationships" xmlns:p="http://schemas.openxmlformats.org/presentationml/2006/main">
+  <p:cSld>
+    <p:spTree>
+      <p:nvGrpSpPr>
+        <p:cNvPr id="1" name=""/>
+        <p:cNvGrpSpPr/>
+        <p:nvPr/>
+      </p:nvGrpSpPr>
+      <p:grpSpPr>
+        <a:xfrm>
+          <a:off x="0" y="0"/>
+          <a:ext cx="0" cy="0"/>
+          <a:chOff x="0" y="0"/>
+          <a:chExt cx="0" cy="0"/>
+        </a:xfrm>
+      </p:grpSpPr>
+      <p:sp>
+        <p:nvSpPr>
+          <p:cNvPr id="2" name="제목 1">
+            <a:extLst>
+              <a:ext uri="{FF2B5EF4-FFF2-40B4-BE49-F238E27FC236}">
                 <a16:creationId xmlns:a16="http://schemas.microsoft.com/office/drawing/2014/main" id="{25874C6A-7830-36B5-7B9C-4C212CF8C2B2}"/>
               </a:ext>
             </a:extLst>
@@ -5893,7 +6091,7 @@
 </p:sld>
 </file>
 
-<file path=ppt/slides/slide14.xml><?xml version="1.0" encoding="utf-8"?>
+<file path=ppt/slides/slide16.xml><?xml version="1.0" encoding="utf-8"?>
 <p:sld xmlns:a="http://schemas.openxmlformats.org/drawingml/2006/main" xmlns:r="http://schemas.openxmlformats.org/officeDocument/2006/relationships" xmlns:p="http://schemas.openxmlformats.org/presentationml/2006/main">
   <p:cSld>
     <p:spTree>

--- a/DsDotNet/src/Engine/Engine.Core/Timer.pptx
+++ b/DsDotNet/src/Engine/Engine.Core/Timer.pptx
@@ -16,11 +16,16 @@
     <p:sldId id="264" r:id="rId10"/>
     <p:sldId id="271" r:id="rId11"/>
     <p:sldId id="270" r:id="rId12"/>
-    <p:sldId id="265" r:id="rId13"/>
-    <p:sldId id="266" r:id="rId14"/>
-    <p:sldId id="267" r:id="rId15"/>
-    <p:sldId id="268" r:id="rId16"/>
-    <p:sldId id="269" r:id="rId17"/>
+    <p:sldId id="274" r:id="rId13"/>
+    <p:sldId id="275" r:id="rId14"/>
+    <p:sldId id="276" r:id="rId15"/>
+    <p:sldId id="265" r:id="rId16"/>
+    <p:sldId id="266" r:id="rId17"/>
+    <p:sldId id="267" r:id="rId18"/>
+    <p:sldId id="268" r:id="rId19"/>
+    <p:sldId id="269" r:id="rId20"/>
+    <p:sldId id="272" r:id="rId21"/>
+    <p:sldId id="273" r:id="rId22"/>
   </p:sldIdLst>
   <p:sldSz cx="12192000" cy="6858000"/>
   <p:notesSz cx="6858000" cy="9144000"/>
@@ -274,7 +279,7 @@
           <a:p>
             <a:fld id="{F0D11F29-D168-44AB-8C51-C78796B9CFB4}" type="datetimeFigureOut">
               <a:rPr lang="ko-KR" altLang="en-US" smtClean="0"/>
-              <a:t>2022-12-19</a:t>
+              <a:t>2023-01-02</a:t>
             </a:fld>
             <a:endParaRPr lang="ko-KR" altLang="en-US" dirty="0"/>
           </a:p>
@@ -472,7 +477,7 @@
           <a:p>
             <a:fld id="{F0D11F29-D168-44AB-8C51-C78796B9CFB4}" type="datetimeFigureOut">
               <a:rPr lang="ko-KR" altLang="en-US" smtClean="0"/>
-              <a:t>2022-12-19</a:t>
+              <a:t>2023-01-02</a:t>
             </a:fld>
             <a:endParaRPr lang="ko-KR" altLang="en-US" dirty="0"/>
           </a:p>
@@ -680,7 +685,7 @@
           <a:p>
             <a:fld id="{F0D11F29-D168-44AB-8C51-C78796B9CFB4}" type="datetimeFigureOut">
               <a:rPr lang="ko-KR" altLang="en-US" smtClean="0"/>
-              <a:t>2022-12-19</a:t>
+              <a:t>2023-01-02</a:t>
             </a:fld>
             <a:endParaRPr lang="ko-KR" altLang="en-US" dirty="0"/>
           </a:p>
@@ -878,7 +883,7 @@
           <a:p>
             <a:fld id="{F0D11F29-D168-44AB-8C51-C78796B9CFB4}" type="datetimeFigureOut">
               <a:rPr lang="ko-KR" altLang="en-US" smtClean="0"/>
-              <a:t>2022-12-19</a:t>
+              <a:t>2023-01-02</a:t>
             </a:fld>
             <a:endParaRPr lang="ko-KR" altLang="en-US" dirty="0"/>
           </a:p>
@@ -1153,7 +1158,7 @@
           <a:p>
             <a:fld id="{F0D11F29-D168-44AB-8C51-C78796B9CFB4}" type="datetimeFigureOut">
               <a:rPr lang="ko-KR" altLang="en-US" smtClean="0"/>
-              <a:t>2022-12-19</a:t>
+              <a:t>2023-01-02</a:t>
             </a:fld>
             <a:endParaRPr lang="ko-KR" altLang="en-US" dirty="0"/>
           </a:p>
@@ -1418,7 +1423,7 @@
           <a:p>
             <a:fld id="{F0D11F29-D168-44AB-8C51-C78796B9CFB4}" type="datetimeFigureOut">
               <a:rPr lang="ko-KR" altLang="en-US" smtClean="0"/>
-              <a:t>2022-12-19</a:t>
+              <a:t>2023-01-02</a:t>
             </a:fld>
             <a:endParaRPr lang="ko-KR" altLang="en-US" dirty="0"/>
           </a:p>
@@ -1830,7 +1835,7 @@
           <a:p>
             <a:fld id="{F0D11F29-D168-44AB-8C51-C78796B9CFB4}" type="datetimeFigureOut">
               <a:rPr lang="ko-KR" altLang="en-US" smtClean="0"/>
-              <a:t>2022-12-19</a:t>
+              <a:t>2023-01-02</a:t>
             </a:fld>
             <a:endParaRPr lang="ko-KR" altLang="en-US" dirty="0"/>
           </a:p>
@@ -1971,7 +1976,7 @@
           <a:p>
             <a:fld id="{F0D11F29-D168-44AB-8C51-C78796B9CFB4}" type="datetimeFigureOut">
               <a:rPr lang="ko-KR" altLang="en-US" smtClean="0"/>
-              <a:t>2022-12-19</a:t>
+              <a:t>2023-01-02</a:t>
             </a:fld>
             <a:endParaRPr lang="ko-KR" altLang="en-US" dirty="0"/>
           </a:p>
@@ -2084,7 +2089,7 @@
           <a:p>
             <a:fld id="{F0D11F29-D168-44AB-8C51-C78796B9CFB4}" type="datetimeFigureOut">
               <a:rPr lang="ko-KR" altLang="en-US" smtClean="0"/>
-              <a:t>2022-12-19</a:t>
+              <a:t>2023-01-02</a:t>
             </a:fld>
             <a:endParaRPr lang="ko-KR" altLang="en-US" dirty="0"/>
           </a:p>
@@ -2395,7 +2400,7 @@
           <a:p>
             <a:fld id="{F0D11F29-D168-44AB-8C51-C78796B9CFB4}" type="datetimeFigureOut">
               <a:rPr lang="ko-KR" altLang="en-US" smtClean="0"/>
-              <a:t>2022-12-19</a:t>
+              <a:t>2023-01-02</a:t>
             </a:fld>
             <a:endParaRPr lang="ko-KR" altLang="en-US" dirty="0"/>
           </a:p>
@@ -2683,7 +2688,7 @@
           <a:p>
             <a:fld id="{F0D11F29-D168-44AB-8C51-C78796B9CFB4}" type="datetimeFigureOut">
               <a:rPr lang="ko-KR" altLang="en-US" smtClean="0"/>
-              <a:t>2022-12-19</a:t>
+              <a:t>2023-01-02</a:t>
             </a:fld>
             <a:endParaRPr lang="ko-KR" altLang="en-US" dirty="0"/>
           </a:p>
@@ -2924,7 +2929,7 @@
           <a:p>
             <a:fld id="{F0D11F29-D168-44AB-8C51-C78796B9CFB4}" type="datetimeFigureOut">
               <a:rPr lang="ko-KR" altLang="en-US" smtClean="0"/>
-              <a:t>2022-12-19</a:t>
+              <a:t>2023-01-02</a:t>
             </a:fld>
             <a:endParaRPr lang="ko-KR" altLang="en-US" dirty="0"/>
           </a:p>
@@ -3626,6 +3631,304 @@
           <p:cNvPr id="2" name="제목 1">
             <a:extLst>
               <a:ext uri="{FF2B5EF4-FFF2-40B4-BE49-F238E27FC236}">
+                <a16:creationId xmlns:a16="http://schemas.microsoft.com/office/drawing/2014/main" id="{970ED5B0-B1A6-1FC1-C865-BC2D394F99CC}"/>
+              </a:ext>
+            </a:extLst>
+          </p:cNvPr>
+          <p:cNvSpPr>
+            <a:spLocks noGrp="1"/>
+          </p:cNvSpPr>
+          <p:nvPr>
+            <p:ph type="title"/>
+          </p:nvPr>
+        </p:nvSpPr>
+        <p:spPr>
+          <a:xfrm>
+            <a:off x="838200" y="365126"/>
+            <a:ext cx="2627811" cy="867138"/>
+          </a:xfrm>
+        </p:spPr>
+        <p:txBody>
+          <a:bodyPr>
+            <a:normAutofit/>
+          </a:bodyPr>
+          <a:lstStyle/>
+          <a:p>
+            <a:r>
+              <a:rPr lang="ko-KR" altLang="en-US" dirty="0"/>
+              <a:t>산전 </a:t>
+            </a:r>
+            <a:r>
+              <a:rPr lang="en-US" altLang="ko-KR" dirty="0"/>
+              <a:t>CTU</a:t>
+            </a:r>
+            <a:endParaRPr lang="ko-KR" altLang="en-US" dirty="0"/>
+          </a:p>
+        </p:txBody>
+      </p:sp>
+      <p:pic>
+        <p:nvPicPr>
+          <p:cNvPr id="7" name="그림 6">
+            <a:extLst>
+              <a:ext uri="{FF2B5EF4-FFF2-40B4-BE49-F238E27FC236}">
+                <a16:creationId xmlns:a16="http://schemas.microsoft.com/office/drawing/2014/main" id="{DA56FB1C-5DF3-F5A0-7DE6-409B7628D1D9}"/>
+              </a:ext>
+            </a:extLst>
+          </p:cNvPr>
+          <p:cNvPicPr>
+            <a:picLocks noChangeAspect="1"/>
+          </p:cNvPicPr>
+          <p:nvPr/>
+        </p:nvPicPr>
+        <p:blipFill>
+          <a:blip r:embed="rId2"/>
+          <a:stretch>
+            <a:fillRect/>
+          </a:stretch>
+        </p:blipFill>
+        <p:spPr>
+          <a:xfrm>
+            <a:off x="3322320" y="1108958"/>
+            <a:ext cx="6850380" cy="5729991"/>
+          </a:xfrm>
+          <a:prstGeom prst="rect">
+            <a:avLst/>
+          </a:prstGeom>
+        </p:spPr>
+      </p:pic>
+    </p:spTree>
+    <p:extLst>
+      <p:ext uri="{BB962C8B-B14F-4D97-AF65-F5344CB8AC3E}">
+        <p14:creationId xmlns:p14="http://schemas.microsoft.com/office/powerpoint/2010/main" val="1645704653"/>
+      </p:ext>
+    </p:extLst>
+  </p:cSld>
+  <p:clrMapOvr>
+    <a:masterClrMapping/>
+  </p:clrMapOvr>
+</p:sld>
+</file>
+
+<file path=ppt/slides/slide13.xml><?xml version="1.0" encoding="utf-8"?>
+<p:sld xmlns:a="http://schemas.openxmlformats.org/drawingml/2006/main" xmlns:r="http://schemas.openxmlformats.org/officeDocument/2006/relationships" xmlns:p="http://schemas.openxmlformats.org/presentationml/2006/main">
+  <p:cSld>
+    <p:spTree>
+      <p:nvGrpSpPr>
+        <p:cNvPr id="1" name=""/>
+        <p:cNvGrpSpPr/>
+        <p:nvPr/>
+      </p:nvGrpSpPr>
+      <p:grpSpPr>
+        <a:xfrm>
+          <a:off x="0" y="0"/>
+          <a:ext cx="0" cy="0"/>
+          <a:chOff x="0" y="0"/>
+          <a:chExt cx="0" cy="0"/>
+        </a:xfrm>
+      </p:grpSpPr>
+      <p:sp>
+        <p:nvSpPr>
+          <p:cNvPr id="2" name="제목 1">
+            <a:extLst>
+              <a:ext uri="{FF2B5EF4-FFF2-40B4-BE49-F238E27FC236}">
+                <a16:creationId xmlns:a16="http://schemas.microsoft.com/office/drawing/2014/main" id="{970ED5B0-B1A6-1FC1-C865-BC2D394F99CC}"/>
+              </a:ext>
+            </a:extLst>
+          </p:cNvPr>
+          <p:cNvSpPr>
+            <a:spLocks noGrp="1"/>
+          </p:cNvSpPr>
+          <p:nvPr>
+            <p:ph type="title"/>
+          </p:nvPr>
+        </p:nvSpPr>
+        <p:spPr>
+          <a:xfrm>
+            <a:off x="838200" y="365126"/>
+            <a:ext cx="2627811" cy="867138"/>
+          </a:xfrm>
+        </p:spPr>
+        <p:txBody>
+          <a:bodyPr/>
+          <a:lstStyle/>
+          <a:p>
+            <a:r>
+              <a:rPr lang="ko-KR" altLang="en-US" dirty="0"/>
+              <a:t>산전 </a:t>
+            </a:r>
+            <a:r>
+              <a:rPr lang="en-US" altLang="ko-KR" dirty="0"/>
+              <a:t>CTD</a:t>
+            </a:r>
+            <a:endParaRPr lang="ko-KR" altLang="en-US" dirty="0"/>
+          </a:p>
+        </p:txBody>
+      </p:sp>
+      <p:pic>
+        <p:nvPicPr>
+          <p:cNvPr id="5" name="그림 4">
+            <a:extLst>
+              <a:ext uri="{FF2B5EF4-FFF2-40B4-BE49-F238E27FC236}">
+                <a16:creationId xmlns:a16="http://schemas.microsoft.com/office/drawing/2014/main" id="{2B963DB8-0214-D641-7447-AB6F23E2B751}"/>
+              </a:ext>
+            </a:extLst>
+          </p:cNvPr>
+          <p:cNvPicPr>
+            <a:picLocks noChangeAspect="1"/>
+          </p:cNvPicPr>
+          <p:nvPr/>
+        </p:nvPicPr>
+        <p:blipFill>
+          <a:blip r:embed="rId2"/>
+          <a:stretch>
+            <a:fillRect/>
+          </a:stretch>
+        </p:blipFill>
+        <p:spPr>
+          <a:xfrm>
+            <a:off x="3661954" y="1436985"/>
+            <a:ext cx="6472646" cy="5297189"/>
+          </a:xfrm>
+          <a:prstGeom prst="rect">
+            <a:avLst/>
+          </a:prstGeom>
+        </p:spPr>
+      </p:pic>
+    </p:spTree>
+    <p:extLst>
+      <p:ext uri="{BB962C8B-B14F-4D97-AF65-F5344CB8AC3E}">
+        <p14:creationId xmlns:p14="http://schemas.microsoft.com/office/powerpoint/2010/main" val="656807519"/>
+      </p:ext>
+    </p:extLst>
+  </p:cSld>
+  <p:clrMapOvr>
+    <a:masterClrMapping/>
+  </p:clrMapOvr>
+</p:sld>
+</file>
+
+<file path=ppt/slides/slide14.xml><?xml version="1.0" encoding="utf-8"?>
+<p:sld xmlns:a="http://schemas.openxmlformats.org/drawingml/2006/main" xmlns:r="http://schemas.openxmlformats.org/officeDocument/2006/relationships" xmlns:p="http://schemas.openxmlformats.org/presentationml/2006/main">
+  <p:cSld>
+    <p:spTree>
+      <p:nvGrpSpPr>
+        <p:cNvPr id="1" name=""/>
+        <p:cNvGrpSpPr/>
+        <p:nvPr/>
+      </p:nvGrpSpPr>
+      <p:grpSpPr>
+        <a:xfrm>
+          <a:off x="0" y="0"/>
+          <a:ext cx="0" cy="0"/>
+          <a:chOff x="0" y="0"/>
+          <a:chExt cx="0" cy="0"/>
+        </a:xfrm>
+      </p:grpSpPr>
+      <p:sp>
+        <p:nvSpPr>
+          <p:cNvPr id="2" name="제목 1">
+            <a:extLst>
+              <a:ext uri="{FF2B5EF4-FFF2-40B4-BE49-F238E27FC236}">
+                <a16:creationId xmlns:a16="http://schemas.microsoft.com/office/drawing/2014/main" id="{970ED5B0-B1A6-1FC1-C865-BC2D394F99CC}"/>
+              </a:ext>
+            </a:extLst>
+          </p:cNvPr>
+          <p:cNvSpPr>
+            <a:spLocks noGrp="1"/>
+          </p:cNvSpPr>
+          <p:nvPr>
+            <p:ph type="title"/>
+          </p:nvPr>
+        </p:nvSpPr>
+        <p:spPr>
+          <a:xfrm>
+            <a:off x="838200" y="365126"/>
+            <a:ext cx="2999763" cy="867138"/>
+          </a:xfrm>
+        </p:spPr>
+        <p:txBody>
+          <a:bodyPr>
+            <a:normAutofit/>
+          </a:bodyPr>
+          <a:lstStyle/>
+          <a:p>
+            <a:r>
+              <a:rPr lang="ko-KR" altLang="en-US" dirty="0"/>
+              <a:t>산전 </a:t>
+            </a:r>
+            <a:r>
+              <a:rPr lang="en-US" altLang="ko-KR" dirty="0"/>
+              <a:t>CTUD</a:t>
+            </a:r>
+            <a:endParaRPr lang="ko-KR" altLang="en-US" dirty="0"/>
+          </a:p>
+        </p:txBody>
+      </p:sp>
+      <p:pic>
+        <p:nvPicPr>
+          <p:cNvPr id="4" name="그림 3">
+            <a:extLst>
+              <a:ext uri="{FF2B5EF4-FFF2-40B4-BE49-F238E27FC236}">
+                <a16:creationId xmlns:a16="http://schemas.microsoft.com/office/drawing/2014/main" id="{3F67B7D4-BE02-61AF-CA0E-DCB052C9CBE2}"/>
+              </a:ext>
+            </a:extLst>
+          </p:cNvPr>
+          <p:cNvPicPr>
+            <a:picLocks noChangeAspect="1"/>
+          </p:cNvPicPr>
+          <p:nvPr/>
+        </p:nvPicPr>
+        <p:blipFill>
+          <a:blip r:embed="rId2"/>
+          <a:stretch>
+            <a:fillRect/>
+          </a:stretch>
+        </p:blipFill>
+        <p:spPr>
+          <a:xfrm>
+            <a:off x="3776804" y="1166070"/>
+            <a:ext cx="5833454" cy="5691930"/>
+          </a:xfrm>
+          <a:prstGeom prst="rect">
+            <a:avLst/>
+          </a:prstGeom>
+        </p:spPr>
+      </p:pic>
+    </p:spTree>
+    <p:extLst>
+      <p:ext uri="{BB962C8B-B14F-4D97-AF65-F5344CB8AC3E}">
+        <p14:creationId xmlns:p14="http://schemas.microsoft.com/office/powerpoint/2010/main" val="1308047478"/>
+      </p:ext>
+    </p:extLst>
+  </p:cSld>
+  <p:clrMapOvr>
+    <a:masterClrMapping/>
+  </p:clrMapOvr>
+</p:sld>
+</file>
+
+<file path=ppt/slides/slide15.xml><?xml version="1.0" encoding="utf-8"?>
+<p:sld xmlns:a="http://schemas.openxmlformats.org/drawingml/2006/main" xmlns:r="http://schemas.openxmlformats.org/officeDocument/2006/relationships" xmlns:p="http://schemas.openxmlformats.org/presentationml/2006/main">
+  <p:cSld>
+    <p:spTree>
+      <p:nvGrpSpPr>
+        <p:cNvPr id="1" name=""/>
+        <p:cNvGrpSpPr/>
+        <p:nvPr/>
+      </p:nvGrpSpPr>
+      <p:grpSpPr>
+        <a:xfrm>
+          <a:off x="0" y="0"/>
+          <a:ext cx="0" cy="0"/>
+          <a:chOff x="0" y="0"/>
+          <a:chExt cx="0" cy="0"/>
+        </a:xfrm>
+      </p:grpSpPr>
+      <p:sp>
+        <p:nvSpPr>
+          <p:cNvPr id="2" name="제목 1">
+            <a:extLst>
+              <a:ext uri="{FF2B5EF4-FFF2-40B4-BE49-F238E27FC236}">
                 <a16:creationId xmlns:a16="http://schemas.microsoft.com/office/drawing/2014/main" id="{DDC757F2-A588-55CE-AB29-82077923FFA8}"/>
               </a:ext>
             </a:extLst>
@@ -4586,7 +4889,7 @@
 </p:sld>
 </file>
 
-<file path=ppt/slides/slide13.xml><?xml version="1.0" encoding="utf-8"?>
+<file path=ppt/slides/slide16.xml><?xml version="1.0" encoding="utf-8"?>
 <p:sld xmlns:a="http://schemas.openxmlformats.org/drawingml/2006/main" xmlns:r="http://schemas.openxmlformats.org/officeDocument/2006/relationships" xmlns:p="http://schemas.openxmlformats.org/presentationml/2006/main">
   <p:cSld>
     <p:spTree>
@@ -4974,7 +5277,7 @@
 </p:sld>
 </file>
 
-<file path=ppt/slides/slide14.xml><?xml version="1.0" encoding="utf-8"?>
+<file path=ppt/slides/slide17.xml><?xml version="1.0" encoding="utf-8"?>
 <p:sld xmlns:a="http://schemas.openxmlformats.org/drawingml/2006/main" xmlns:r="http://schemas.openxmlformats.org/officeDocument/2006/relationships" xmlns:p="http://schemas.openxmlformats.org/presentationml/2006/main">
   <p:cSld>
     <p:spTree>
@@ -5577,7 +5880,7 @@
 </p:sld>
 </file>
 
-<file path=ppt/slides/slide15.xml><?xml version="1.0" encoding="utf-8"?>
+<file path=ppt/slides/slide18.xml><?xml version="1.0" encoding="utf-8"?>
 <p:sld xmlns:a="http://schemas.openxmlformats.org/drawingml/2006/main" xmlns:r="http://schemas.openxmlformats.org/officeDocument/2006/relationships" xmlns:p="http://schemas.openxmlformats.org/presentationml/2006/main">
   <p:cSld>
     <p:spTree>
@@ -6091,7 +6394,7 @@
 </p:sld>
 </file>
 
-<file path=ppt/slides/slide16.xml><?xml version="1.0" encoding="utf-8"?>
+<file path=ppt/slides/slide19.xml><?xml version="1.0" encoding="utf-8"?>
 <p:sld xmlns:a="http://schemas.openxmlformats.org/drawingml/2006/main" xmlns:r="http://schemas.openxmlformats.org/officeDocument/2006/relationships" xmlns:p="http://schemas.openxmlformats.org/presentationml/2006/main">
   <p:cSld>
     <p:spTree>
@@ -6348,14 +6651,8 @@
           <a:p>
             <a:pPr lvl="1"/>
             <a:r>
-              <a:rPr lang="en-US" altLang="ko-KR" dirty="0">
-                <a:hlinkClick r:id="rId5"/>
-              </a:rPr>
-              <a:t>http://www.famart.co.kr/resource/ls/%EC%82%AC%EC%9A%A9%EC%84%A4%EB%AA%85%EC%84%9C_XGK_XGB_%EB%AA%85%EB%A0%B9%EC%96%B4%EC%A7%91_%EA%B5%AD%EB%AC%B8_V2.3.pdf</a:t>
-            </a:r>
-            <a:r>
               <a:rPr lang="en-US" altLang="ko-KR" dirty="0"/>
-              <a:t> </a:t>
+              <a:t>http://www.famart.co.kr/resource/ls/%EC%82%AC%EC%9A%A9%EC%84%A4%EB%AA%85%EC%84%9C_XGI_XGR_XEC_%EB%AA%85%EB%A0%B9%EC%96%B4%EC%A7%91_V2.7.pdf</a:t>
             </a:r>
             <a:endParaRPr lang="ko-KR" altLang="en-US" dirty="0"/>
           </a:p>
@@ -6365,6 +6662,224 @@
     <p:extLst>
       <p:ext uri="{BB962C8B-B14F-4D97-AF65-F5344CB8AC3E}">
         <p14:creationId xmlns:p14="http://schemas.microsoft.com/office/powerpoint/2010/main" val="2720908776"/>
+      </p:ext>
+    </p:extLst>
+  </p:cSld>
+  <p:clrMapOvr>
+    <a:masterClrMapping/>
+  </p:clrMapOvr>
+</p:sld>
+</file>
+
+<file path=ppt/slides/slide20.xml><?xml version="1.0" encoding="utf-8"?>
+<p:sld xmlns:a="http://schemas.openxmlformats.org/drawingml/2006/main" xmlns:r="http://schemas.openxmlformats.org/officeDocument/2006/relationships" xmlns:p="http://schemas.openxmlformats.org/presentationml/2006/main">
+  <p:cSld>
+    <p:spTree>
+      <p:nvGrpSpPr>
+        <p:cNvPr id="1" name=""/>
+        <p:cNvGrpSpPr/>
+        <p:nvPr/>
+      </p:nvGrpSpPr>
+      <p:grpSpPr>
+        <a:xfrm>
+          <a:off x="0" y="0"/>
+          <a:ext cx="0" cy="0"/>
+          <a:chOff x="0" y="0"/>
+          <a:chExt cx="0" cy="0"/>
+        </a:xfrm>
+      </p:grpSpPr>
+      <p:sp>
+        <p:nvSpPr>
+          <p:cNvPr id="4" name="제목 3">
+            <a:extLst>
+              <a:ext uri="{FF2B5EF4-FFF2-40B4-BE49-F238E27FC236}">
+                <a16:creationId xmlns:a16="http://schemas.microsoft.com/office/drawing/2014/main" id="{16EFA867-55B0-DBFC-98DB-B382AF802622}"/>
+              </a:ext>
+            </a:extLst>
+          </p:cNvPr>
+          <p:cNvSpPr>
+            <a:spLocks noGrp="1"/>
+          </p:cNvSpPr>
+          <p:nvPr>
+            <p:ph type="ctrTitle"/>
+          </p:nvPr>
+        </p:nvSpPr>
+        <p:spPr/>
+        <p:txBody>
+          <a:bodyPr/>
+          <a:lstStyle/>
+          <a:p>
+            <a:r>
+              <a:rPr lang="ko-KR" altLang="en-US" dirty="0"/>
+              <a:t>작화 특성</a:t>
+            </a:r>
+          </a:p>
+        </p:txBody>
+      </p:sp>
+      <p:sp>
+        <p:nvSpPr>
+          <p:cNvPr id="5" name="부제목 4">
+            <a:extLst>
+              <a:ext uri="{FF2B5EF4-FFF2-40B4-BE49-F238E27FC236}">
+                <a16:creationId xmlns:a16="http://schemas.microsoft.com/office/drawing/2014/main" id="{FA8BBCDC-8D02-F4D6-0F56-EEE3E53015C6}"/>
+              </a:ext>
+            </a:extLst>
+          </p:cNvPr>
+          <p:cNvSpPr>
+            <a:spLocks noGrp="1"/>
+          </p:cNvSpPr>
+          <p:nvPr>
+            <p:ph type="subTitle" idx="1"/>
+          </p:nvPr>
+        </p:nvSpPr>
+        <p:spPr/>
+        <p:txBody>
+          <a:bodyPr/>
+          <a:lstStyle/>
+          <a:p>
+            <a:endParaRPr lang="ko-KR" altLang="en-US"/>
+          </a:p>
+        </p:txBody>
+      </p:sp>
+    </p:spTree>
+    <p:extLst>
+      <p:ext uri="{BB962C8B-B14F-4D97-AF65-F5344CB8AC3E}">
+        <p14:creationId xmlns:p14="http://schemas.microsoft.com/office/powerpoint/2010/main" val="720653391"/>
+      </p:ext>
+    </p:extLst>
+  </p:cSld>
+  <p:clrMapOvr>
+    <a:masterClrMapping/>
+  </p:clrMapOvr>
+</p:sld>
+</file>
+
+<file path=ppt/slides/slide21.xml><?xml version="1.0" encoding="utf-8"?>
+<p:sld xmlns:a="http://schemas.openxmlformats.org/drawingml/2006/main" xmlns:r="http://schemas.openxmlformats.org/officeDocument/2006/relationships" xmlns:p="http://schemas.openxmlformats.org/presentationml/2006/main">
+  <p:cSld>
+    <p:spTree>
+      <p:nvGrpSpPr>
+        <p:cNvPr id="1" name=""/>
+        <p:cNvGrpSpPr/>
+        <p:nvPr/>
+      </p:nvGrpSpPr>
+      <p:grpSpPr>
+        <a:xfrm>
+          <a:off x="0" y="0"/>
+          <a:ext cx="0" cy="0"/>
+          <a:chOff x="0" y="0"/>
+          <a:chExt cx="0" cy="0"/>
+        </a:xfrm>
+      </p:grpSpPr>
+      <p:sp>
+        <p:nvSpPr>
+          <p:cNvPr id="2" name="제목 1">
+            <a:extLst>
+              <a:ext uri="{FF2B5EF4-FFF2-40B4-BE49-F238E27FC236}">
+                <a16:creationId xmlns:a16="http://schemas.microsoft.com/office/drawing/2014/main" id="{E51AE384-C5FA-1804-37B2-A4BB49FE9C63}"/>
+              </a:ext>
+            </a:extLst>
+          </p:cNvPr>
+          <p:cNvSpPr>
+            <a:spLocks noGrp="1"/>
+          </p:cNvSpPr>
+          <p:nvPr>
+            <p:ph type="title"/>
+          </p:nvPr>
+        </p:nvSpPr>
+        <p:spPr/>
+        <p:txBody>
+          <a:bodyPr/>
+          <a:lstStyle/>
+          <a:p>
+            <a:r>
+              <a:rPr lang="en-US" altLang="ko-KR" dirty="0"/>
+              <a:t>Input</a:t>
+            </a:r>
+            <a:r>
+              <a:rPr lang="ko-KR" altLang="en-US" dirty="0"/>
+              <a:t> </a:t>
+            </a:r>
+            <a:r>
+              <a:rPr lang="en-US" altLang="ko-KR" dirty="0"/>
+              <a:t>side</a:t>
+            </a:r>
+            <a:r>
+              <a:rPr lang="ko-KR" altLang="en-US" dirty="0"/>
+              <a:t> </a:t>
+            </a:r>
+            <a:r>
+              <a:rPr lang="ko-KR" altLang="en-US" dirty="0" err="1"/>
+              <a:t>다릿발</a:t>
+            </a:r>
+            <a:endParaRPr lang="ko-KR" altLang="en-US" dirty="0"/>
+          </a:p>
+        </p:txBody>
+      </p:sp>
+      <p:pic>
+        <p:nvPicPr>
+          <p:cNvPr id="5" name="그림 4">
+            <a:extLst>
+              <a:ext uri="{FF2B5EF4-FFF2-40B4-BE49-F238E27FC236}">
+                <a16:creationId xmlns:a16="http://schemas.microsoft.com/office/drawing/2014/main" id="{B4B38613-F556-BB1D-0024-D0915F8F29D2}"/>
+              </a:ext>
+            </a:extLst>
+          </p:cNvPr>
+          <p:cNvPicPr>
+            <a:picLocks noChangeAspect="1"/>
+          </p:cNvPicPr>
+          <p:nvPr/>
+        </p:nvPicPr>
+        <p:blipFill>
+          <a:blip r:embed="rId2"/>
+          <a:stretch>
+            <a:fillRect/>
+          </a:stretch>
+        </p:blipFill>
+        <p:spPr>
+          <a:xfrm>
+            <a:off x="421129" y="1485415"/>
+            <a:ext cx="4685425" cy="4099014"/>
+          </a:xfrm>
+          <a:prstGeom prst="rect">
+            <a:avLst/>
+          </a:prstGeom>
+        </p:spPr>
+      </p:pic>
+      <p:pic>
+        <p:nvPicPr>
+          <p:cNvPr id="9" name="그림 8">
+            <a:extLst>
+              <a:ext uri="{FF2B5EF4-FFF2-40B4-BE49-F238E27FC236}">
+                <a16:creationId xmlns:a16="http://schemas.microsoft.com/office/drawing/2014/main" id="{231C9CA6-EAAC-459A-2A13-691FEC12F1CC}"/>
+              </a:ext>
+            </a:extLst>
+          </p:cNvPr>
+          <p:cNvPicPr>
+            <a:picLocks noChangeAspect="1"/>
+          </p:cNvPicPr>
+          <p:nvPr/>
+        </p:nvPicPr>
+        <p:blipFill>
+          <a:blip r:embed="rId3"/>
+          <a:stretch>
+            <a:fillRect/>
+          </a:stretch>
+        </p:blipFill>
+        <p:spPr>
+          <a:xfrm>
+            <a:off x="4618653" y="3483495"/>
+            <a:ext cx="7395591" cy="2858800"/>
+          </a:xfrm>
+          <a:prstGeom prst="rect">
+            <a:avLst/>
+          </a:prstGeom>
+        </p:spPr>
+      </p:pic>
+    </p:spTree>
+    <p:extLst>
+      <p:ext uri="{BB962C8B-B14F-4D97-AF65-F5344CB8AC3E}">
+        <p14:creationId xmlns:p14="http://schemas.microsoft.com/office/powerpoint/2010/main" val="2898261055"/>
       </p:ext>
     </p:extLst>
   </p:cSld>

--- a/DsDotNet/src/Engine/Engine.Core/Timer.pptx
+++ b/DsDotNet/src/Engine/Engine.Core/Timer.pptx
@@ -16,11 +16,16 @@
     <p:sldId id="264" r:id="rId10"/>
     <p:sldId id="271" r:id="rId11"/>
     <p:sldId id="270" r:id="rId12"/>
-    <p:sldId id="265" r:id="rId13"/>
-    <p:sldId id="266" r:id="rId14"/>
-    <p:sldId id="267" r:id="rId15"/>
-    <p:sldId id="268" r:id="rId16"/>
-    <p:sldId id="269" r:id="rId17"/>
+    <p:sldId id="274" r:id="rId13"/>
+    <p:sldId id="275" r:id="rId14"/>
+    <p:sldId id="276" r:id="rId15"/>
+    <p:sldId id="265" r:id="rId16"/>
+    <p:sldId id="266" r:id="rId17"/>
+    <p:sldId id="267" r:id="rId18"/>
+    <p:sldId id="268" r:id="rId19"/>
+    <p:sldId id="269" r:id="rId20"/>
+    <p:sldId id="272" r:id="rId21"/>
+    <p:sldId id="273" r:id="rId22"/>
   </p:sldIdLst>
   <p:sldSz cx="12192000" cy="6858000"/>
   <p:notesSz cx="6858000" cy="9144000"/>
@@ -274,7 +279,7 @@
           <a:p>
             <a:fld id="{F0D11F29-D168-44AB-8C51-C78796B9CFB4}" type="datetimeFigureOut">
               <a:rPr lang="ko-KR" altLang="en-US" smtClean="0"/>
-              <a:t>2022-12-19</a:t>
+              <a:t>2023-01-02</a:t>
             </a:fld>
             <a:endParaRPr lang="ko-KR" altLang="en-US" dirty="0"/>
           </a:p>
@@ -472,7 +477,7 @@
           <a:p>
             <a:fld id="{F0D11F29-D168-44AB-8C51-C78796B9CFB4}" type="datetimeFigureOut">
               <a:rPr lang="ko-KR" altLang="en-US" smtClean="0"/>
-              <a:t>2022-12-19</a:t>
+              <a:t>2023-01-02</a:t>
             </a:fld>
             <a:endParaRPr lang="ko-KR" altLang="en-US" dirty="0"/>
           </a:p>
@@ -680,7 +685,7 @@
           <a:p>
             <a:fld id="{F0D11F29-D168-44AB-8C51-C78796B9CFB4}" type="datetimeFigureOut">
               <a:rPr lang="ko-KR" altLang="en-US" smtClean="0"/>
-              <a:t>2022-12-19</a:t>
+              <a:t>2023-01-02</a:t>
             </a:fld>
             <a:endParaRPr lang="ko-KR" altLang="en-US" dirty="0"/>
           </a:p>
@@ -878,7 +883,7 @@
           <a:p>
             <a:fld id="{F0D11F29-D168-44AB-8C51-C78796B9CFB4}" type="datetimeFigureOut">
               <a:rPr lang="ko-KR" altLang="en-US" smtClean="0"/>
-              <a:t>2022-12-19</a:t>
+              <a:t>2023-01-02</a:t>
             </a:fld>
             <a:endParaRPr lang="ko-KR" altLang="en-US" dirty="0"/>
           </a:p>
@@ -1153,7 +1158,7 @@
           <a:p>
             <a:fld id="{F0D11F29-D168-44AB-8C51-C78796B9CFB4}" type="datetimeFigureOut">
               <a:rPr lang="ko-KR" altLang="en-US" smtClean="0"/>
-              <a:t>2022-12-19</a:t>
+              <a:t>2023-01-02</a:t>
             </a:fld>
             <a:endParaRPr lang="ko-KR" altLang="en-US" dirty="0"/>
           </a:p>
@@ -1418,7 +1423,7 @@
           <a:p>
             <a:fld id="{F0D11F29-D168-44AB-8C51-C78796B9CFB4}" type="datetimeFigureOut">
               <a:rPr lang="ko-KR" altLang="en-US" smtClean="0"/>
-              <a:t>2022-12-19</a:t>
+              <a:t>2023-01-02</a:t>
             </a:fld>
             <a:endParaRPr lang="ko-KR" altLang="en-US" dirty="0"/>
           </a:p>
@@ -1830,7 +1835,7 @@
           <a:p>
             <a:fld id="{F0D11F29-D168-44AB-8C51-C78796B9CFB4}" type="datetimeFigureOut">
               <a:rPr lang="ko-KR" altLang="en-US" smtClean="0"/>
-              <a:t>2022-12-19</a:t>
+              <a:t>2023-01-02</a:t>
             </a:fld>
             <a:endParaRPr lang="ko-KR" altLang="en-US" dirty="0"/>
           </a:p>
@@ -1971,7 +1976,7 @@
           <a:p>
             <a:fld id="{F0D11F29-D168-44AB-8C51-C78796B9CFB4}" type="datetimeFigureOut">
               <a:rPr lang="ko-KR" altLang="en-US" smtClean="0"/>
-              <a:t>2022-12-19</a:t>
+              <a:t>2023-01-02</a:t>
             </a:fld>
             <a:endParaRPr lang="ko-KR" altLang="en-US" dirty="0"/>
           </a:p>
@@ -2084,7 +2089,7 @@
           <a:p>
             <a:fld id="{F0D11F29-D168-44AB-8C51-C78796B9CFB4}" type="datetimeFigureOut">
               <a:rPr lang="ko-KR" altLang="en-US" smtClean="0"/>
-              <a:t>2022-12-19</a:t>
+              <a:t>2023-01-02</a:t>
             </a:fld>
             <a:endParaRPr lang="ko-KR" altLang="en-US" dirty="0"/>
           </a:p>
@@ -2395,7 +2400,7 @@
           <a:p>
             <a:fld id="{F0D11F29-D168-44AB-8C51-C78796B9CFB4}" type="datetimeFigureOut">
               <a:rPr lang="ko-KR" altLang="en-US" smtClean="0"/>
-              <a:t>2022-12-19</a:t>
+              <a:t>2023-01-02</a:t>
             </a:fld>
             <a:endParaRPr lang="ko-KR" altLang="en-US" dirty="0"/>
           </a:p>
@@ -2683,7 +2688,7 @@
           <a:p>
             <a:fld id="{F0D11F29-D168-44AB-8C51-C78796B9CFB4}" type="datetimeFigureOut">
               <a:rPr lang="ko-KR" altLang="en-US" smtClean="0"/>
-              <a:t>2022-12-19</a:t>
+              <a:t>2023-01-02</a:t>
             </a:fld>
             <a:endParaRPr lang="ko-KR" altLang="en-US" dirty="0"/>
           </a:p>
@@ -2924,7 +2929,7 @@
           <a:p>
             <a:fld id="{F0D11F29-D168-44AB-8C51-C78796B9CFB4}" type="datetimeFigureOut">
               <a:rPr lang="ko-KR" altLang="en-US" smtClean="0"/>
-              <a:t>2022-12-19</a:t>
+              <a:t>2023-01-02</a:t>
             </a:fld>
             <a:endParaRPr lang="ko-KR" altLang="en-US" dirty="0"/>
           </a:p>
@@ -3626,6 +3631,304 @@
           <p:cNvPr id="2" name="제목 1">
             <a:extLst>
               <a:ext uri="{FF2B5EF4-FFF2-40B4-BE49-F238E27FC236}">
+                <a16:creationId xmlns:a16="http://schemas.microsoft.com/office/drawing/2014/main" id="{970ED5B0-B1A6-1FC1-C865-BC2D394F99CC}"/>
+              </a:ext>
+            </a:extLst>
+          </p:cNvPr>
+          <p:cNvSpPr>
+            <a:spLocks noGrp="1"/>
+          </p:cNvSpPr>
+          <p:nvPr>
+            <p:ph type="title"/>
+          </p:nvPr>
+        </p:nvSpPr>
+        <p:spPr>
+          <a:xfrm>
+            <a:off x="838200" y="365126"/>
+            <a:ext cx="2627811" cy="867138"/>
+          </a:xfrm>
+        </p:spPr>
+        <p:txBody>
+          <a:bodyPr>
+            <a:normAutofit/>
+          </a:bodyPr>
+          <a:lstStyle/>
+          <a:p>
+            <a:r>
+              <a:rPr lang="ko-KR" altLang="en-US" dirty="0"/>
+              <a:t>산전 </a:t>
+            </a:r>
+            <a:r>
+              <a:rPr lang="en-US" altLang="ko-KR" dirty="0"/>
+              <a:t>CTU</a:t>
+            </a:r>
+            <a:endParaRPr lang="ko-KR" altLang="en-US" dirty="0"/>
+          </a:p>
+        </p:txBody>
+      </p:sp>
+      <p:pic>
+        <p:nvPicPr>
+          <p:cNvPr id="7" name="그림 6">
+            <a:extLst>
+              <a:ext uri="{FF2B5EF4-FFF2-40B4-BE49-F238E27FC236}">
+                <a16:creationId xmlns:a16="http://schemas.microsoft.com/office/drawing/2014/main" id="{DA56FB1C-5DF3-F5A0-7DE6-409B7628D1D9}"/>
+              </a:ext>
+            </a:extLst>
+          </p:cNvPr>
+          <p:cNvPicPr>
+            <a:picLocks noChangeAspect="1"/>
+          </p:cNvPicPr>
+          <p:nvPr/>
+        </p:nvPicPr>
+        <p:blipFill>
+          <a:blip r:embed="rId2"/>
+          <a:stretch>
+            <a:fillRect/>
+          </a:stretch>
+        </p:blipFill>
+        <p:spPr>
+          <a:xfrm>
+            <a:off x="3322320" y="1108958"/>
+            <a:ext cx="6850380" cy="5729991"/>
+          </a:xfrm>
+          <a:prstGeom prst="rect">
+            <a:avLst/>
+          </a:prstGeom>
+        </p:spPr>
+      </p:pic>
+    </p:spTree>
+    <p:extLst>
+      <p:ext uri="{BB962C8B-B14F-4D97-AF65-F5344CB8AC3E}">
+        <p14:creationId xmlns:p14="http://schemas.microsoft.com/office/powerpoint/2010/main" val="1645704653"/>
+      </p:ext>
+    </p:extLst>
+  </p:cSld>
+  <p:clrMapOvr>
+    <a:masterClrMapping/>
+  </p:clrMapOvr>
+</p:sld>
+</file>
+
+<file path=ppt/slides/slide13.xml><?xml version="1.0" encoding="utf-8"?>
+<p:sld xmlns:a="http://schemas.openxmlformats.org/drawingml/2006/main" xmlns:r="http://schemas.openxmlformats.org/officeDocument/2006/relationships" xmlns:p="http://schemas.openxmlformats.org/presentationml/2006/main">
+  <p:cSld>
+    <p:spTree>
+      <p:nvGrpSpPr>
+        <p:cNvPr id="1" name=""/>
+        <p:cNvGrpSpPr/>
+        <p:nvPr/>
+      </p:nvGrpSpPr>
+      <p:grpSpPr>
+        <a:xfrm>
+          <a:off x="0" y="0"/>
+          <a:ext cx="0" cy="0"/>
+          <a:chOff x="0" y="0"/>
+          <a:chExt cx="0" cy="0"/>
+        </a:xfrm>
+      </p:grpSpPr>
+      <p:sp>
+        <p:nvSpPr>
+          <p:cNvPr id="2" name="제목 1">
+            <a:extLst>
+              <a:ext uri="{FF2B5EF4-FFF2-40B4-BE49-F238E27FC236}">
+                <a16:creationId xmlns:a16="http://schemas.microsoft.com/office/drawing/2014/main" id="{970ED5B0-B1A6-1FC1-C865-BC2D394F99CC}"/>
+              </a:ext>
+            </a:extLst>
+          </p:cNvPr>
+          <p:cNvSpPr>
+            <a:spLocks noGrp="1"/>
+          </p:cNvSpPr>
+          <p:nvPr>
+            <p:ph type="title"/>
+          </p:nvPr>
+        </p:nvSpPr>
+        <p:spPr>
+          <a:xfrm>
+            <a:off x="838200" y="365126"/>
+            <a:ext cx="2627811" cy="867138"/>
+          </a:xfrm>
+        </p:spPr>
+        <p:txBody>
+          <a:bodyPr/>
+          <a:lstStyle/>
+          <a:p>
+            <a:r>
+              <a:rPr lang="ko-KR" altLang="en-US" dirty="0"/>
+              <a:t>산전 </a:t>
+            </a:r>
+            <a:r>
+              <a:rPr lang="en-US" altLang="ko-KR" dirty="0"/>
+              <a:t>CTD</a:t>
+            </a:r>
+            <a:endParaRPr lang="ko-KR" altLang="en-US" dirty="0"/>
+          </a:p>
+        </p:txBody>
+      </p:sp>
+      <p:pic>
+        <p:nvPicPr>
+          <p:cNvPr id="5" name="그림 4">
+            <a:extLst>
+              <a:ext uri="{FF2B5EF4-FFF2-40B4-BE49-F238E27FC236}">
+                <a16:creationId xmlns:a16="http://schemas.microsoft.com/office/drawing/2014/main" id="{2B963DB8-0214-D641-7447-AB6F23E2B751}"/>
+              </a:ext>
+            </a:extLst>
+          </p:cNvPr>
+          <p:cNvPicPr>
+            <a:picLocks noChangeAspect="1"/>
+          </p:cNvPicPr>
+          <p:nvPr/>
+        </p:nvPicPr>
+        <p:blipFill>
+          <a:blip r:embed="rId2"/>
+          <a:stretch>
+            <a:fillRect/>
+          </a:stretch>
+        </p:blipFill>
+        <p:spPr>
+          <a:xfrm>
+            <a:off x="3661954" y="1436985"/>
+            <a:ext cx="6472646" cy="5297189"/>
+          </a:xfrm>
+          <a:prstGeom prst="rect">
+            <a:avLst/>
+          </a:prstGeom>
+        </p:spPr>
+      </p:pic>
+    </p:spTree>
+    <p:extLst>
+      <p:ext uri="{BB962C8B-B14F-4D97-AF65-F5344CB8AC3E}">
+        <p14:creationId xmlns:p14="http://schemas.microsoft.com/office/powerpoint/2010/main" val="656807519"/>
+      </p:ext>
+    </p:extLst>
+  </p:cSld>
+  <p:clrMapOvr>
+    <a:masterClrMapping/>
+  </p:clrMapOvr>
+</p:sld>
+</file>
+
+<file path=ppt/slides/slide14.xml><?xml version="1.0" encoding="utf-8"?>
+<p:sld xmlns:a="http://schemas.openxmlformats.org/drawingml/2006/main" xmlns:r="http://schemas.openxmlformats.org/officeDocument/2006/relationships" xmlns:p="http://schemas.openxmlformats.org/presentationml/2006/main">
+  <p:cSld>
+    <p:spTree>
+      <p:nvGrpSpPr>
+        <p:cNvPr id="1" name=""/>
+        <p:cNvGrpSpPr/>
+        <p:nvPr/>
+      </p:nvGrpSpPr>
+      <p:grpSpPr>
+        <a:xfrm>
+          <a:off x="0" y="0"/>
+          <a:ext cx="0" cy="0"/>
+          <a:chOff x="0" y="0"/>
+          <a:chExt cx="0" cy="0"/>
+        </a:xfrm>
+      </p:grpSpPr>
+      <p:sp>
+        <p:nvSpPr>
+          <p:cNvPr id="2" name="제목 1">
+            <a:extLst>
+              <a:ext uri="{FF2B5EF4-FFF2-40B4-BE49-F238E27FC236}">
+                <a16:creationId xmlns:a16="http://schemas.microsoft.com/office/drawing/2014/main" id="{970ED5B0-B1A6-1FC1-C865-BC2D394F99CC}"/>
+              </a:ext>
+            </a:extLst>
+          </p:cNvPr>
+          <p:cNvSpPr>
+            <a:spLocks noGrp="1"/>
+          </p:cNvSpPr>
+          <p:nvPr>
+            <p:ph type="title"/>
+          </p:nvPr>
+        </p:nvSpPr>
+        <p:spPr>
+          <a:xfrm>
+            <a:off x="838200" y="365126"/>
+            <a:ext cx="2999763" cy="867138"/>
+          </a:xfrm>
+        </p:spPr>
+        <p:txBody>
+          <a:bodyPr>
+            <a:normAutofit/>
+          </a:bodyPr>
+          <a:lstStyle/>
+          <a:p>
+            <a:r>
+              <a:rPr lang="ko-KR" altLang="en-US" dirty="0"/>
+              <a:t>산전 </a:t>
+            </a:r>
+            <a:r>
+              <a:rPr lang="en-US" altLang="ko-KR" dirty="0"/>
+              <a:t>CTUD</a:t>
+            </a:r>
+            <a:endParaRPr lang="ko-KR" altLang="en-US" dirty="0"/>
+          </a:p>
+        </p:txBody>
+      </p:sp>
+      <p:pic>
+        <p:nvPicPr>
+          <p:cNvPr id="4" name="그림 3">
+            <a:extLst>
+              <a:ext uri="{FF2B5EF4-FFF2-40B4-BE49-F238E27FC236}">
+                <a16:creationId xmlns:a16="http://schemas.microsoft.com/office/drawing/2014/main" id="{3F67B7D4-BE02-61AF-CA0E-DCB052C9CBE2}"/>
+              </a:ext>
+            </a:extLst>
+          </p:cNvPr>
+          <p:cNvPicPr>
+            <a:picLocks noChangeAspect="1"/>
+          </p:cNvPicPr>
+          <p:nvPr/>
+        </p:nvPicPr>
+        <p:blipFill>
+          <a:blip r:embed="rId2"/>
+          <a:stretch>
+            <a:fillRect/>
+          </a:stretch>
+        </p:blipFill>
+        <p:spPr>
+          <a:xfrm>
+            <a:off x="3625802" y="1040235"/>
+            <a:ext cx="5833454" cy="5691930"/>
+          </a:xfrm>
+          <a:prstGeom prst="rect">
+            <a:avLst/>
+          </a:prstGeom>
+        </p:spPr>
+      </p:pic>
+    </p:spTree>
+    <p:extLst>
+      <p:ext uri="{BB962C8B-B14F-4D97-AF65-F5344CB8AC3E}">
+        <p14:creationId xmlns:p14="http://schemas.microsoft.com/office/powerpoint/2010/main" val="1308047478"/>
+      </p:ext>
+    </p:extLst>
+  </p:cSld>
+  <p:clrMapOvr>
+    <a:masterClrMapping/>
+  </p:clrMapOvr>
+</p:sld>
+</file>
+
+<file path=ppt/slides/slide15.xml><?xml version="1.0" encoding="utf-8"?>
+<p:sld xmlns:a="http://schemas.openxmlformats.org/drawingml/2006/main" xmlns:r="http://schemas.openxmlformats.org/officeDocument/2006/relationships" xmlns:p="http://schemas.openxmlformats.org/presentationml/2006/main">
+  <p:cSld>
+    <p:spTree>
+      <p:nvGrpSpPr>
+        <p:cNvPr id="1" name=""/>
+        <p:cNvGrpSpPr/>
+        <p:nvPr/>
+      </p:nvGrpSpPr>
+      <p:grpSpPr>
+        <a:xfrm>
+          <a:off x="0" y="0"/>
+          <a:ext cx="0" cy="0"/>
+          <a:chOff x="0" y="0"/>
+          <a:chExt cx="0" cy="0"/>
+        </a:xfrm>
+      </p:grpSpPr>
+      <p:sp>
+        <p:nvSpPr>
+          <p:cNvPr id="2" name="제목 1">
+            <a:extLst>
+              <a:ext uri="{FF2B5EF4-FFF2-40B4-BE49-F238E27FC236}">
                 <a16:creationId xmlns:a16="http://schemas.microsoft.com/office/drawing/2014/main" id="{DDC757F2-A588-55CE-AB29-82077923FFA8}"/>
               </a:ext>
             </a:extLst>
@@ -4586,7 +4889,7 @@
 </p:sld>
 </file>
 
-<file path=ppt/slides/slide13.xml><?xml version="1.0" encoding="utf-8"?>
+<file path=ppt/slides/slide16.xml><?xml version="1.0" encoding="utf-8"?>
 <p:sld xmlns:a="http://schemas.openxmlformats.org/drawingml/2006/main" xmlns:r="http://schemas.openxmlformats.org/officeDocument/2006/relationships" xmlns:p="http://schemas.openxmlformats.org/presentationml/2006/main">
   <p:cSld>
     <p:spTree>
@@ -4974,7 +5277,7 @@
 </p:sld>
 </file>
 
-<file path=ppt/slides/slide14.xml><?xml version="1.0" encoding="utf-8"?>
+<file path=ppt/slides/slide17.xml><?xml version="1.0" encoding="utf-8"?>
 <p:sld xmlns:a="http://schemas.openxmlformats.org/drawingml/2006/main" xmlns:r="http://schemas.openxmlformats.org/officeDocument/2006/relationships" xmlns:p="http://schemas.openxmlformats.org/presentationml/2006/main">
   <p:cSld>
     <p:spTree>
@@ -5577,7 +5880,7 @@
 </p:sld>
 </file>
 
-<file path=ppt/slides/slide15.xml><?xml version="1.0" encoding="utf-8"?>
+<file path=ppt/slides/slide18.xml><?xml version="1.0" encoding="utf-8"?>
 <p:sld xmlns:a="http://schemas.openxmlformats.org/drawingml/2006/main" xmlns:r="http://schemas.openxmlformats.org/officeDocument/2006/relationships" xmlns:p="http://schemas.openxmlformats.org/presentationml/2006/main">
   <p:cSld>
     <p:spTree>
@@ -6091,7 +6394,7 @@
 </p:sld>
 </file>
 
-<file path=ppt/slides/slide16.xml><?xml version="1.0" encoding="utf-8"?>
+<file path=ppt/slides/slide19.xml><?xml version="1.0" encoding="utf-8"?>
 <p:sld xmlns:a="http://schemas.openxmlformats.org/drawingml/2006/main" xmlns:r="http://schemas.openxmlformats.org/officeDocument/2006/relationships" xmlns:p="http://schemas.openxmlformats.org/presentationml/2006/main">
   <p:cSld>
     <p:spTree>
@@ -6348,14 +6651,8 @@
           <a:p>
             <a:pPr lvl="1"/>
             <a:r>
-              <a:rPr lang="en-US" altLang="ko-KR" dirty="0">
-                <a:hlinkClick r:id="rId5"/>
-              </a:rPr>
-              <a:t>http://www.famart.co.kr/resource/ls/%EC%82%AC%EC%9A%A9%EC%84%A4%EB%AA%85%EC%84%9C_XGK_XGB_%EB%AA%85%EB%A0%B9%EC%96%B4%EC%A7%91_%EA%B5%AD%EB%AC%B8_V2.3.pdf</a:t>
-            </a:r>
-            <a:r>
               <a:rPr lang="en-US" altLang="ko-KR" dirty="0"/>
-              <a:t> </a:t>
+              <a:t>http://www.famart.co.kr/resource/ls/%EC%82%AC%EC%9A%A9%EC%84%A4%EB%AA%85%EC%84%9C_XGI_XGR_XEC_%EB%AA%85%EB%A0%B9%EC%96%B4%EC%A7%91_V2.7.pdf</a:t>
             </a:r>
             <a:endParaRPr lang="ko-KR" altLang="en-US" dirty="0"/>
           </a:p>
@@ -6365,6 +6662,224 @@
     <p:extLst>
       <p:ext uri="{BB962C8B-B14F-4D97-AF65-F5344CB8AC3E}">
         <p14:creationId xmlns:p14="http://schemas.microsoft.com/office/powerpoint/2010/main" val="2720908776"/>
+      </p:ext>
+    </p:extLst>
+  </p:cSld>
+  <p:clrMapOvr>
+    <a:masterClrMapping/>
+  </p:clrMapOvr>
+</p:sld>
+</file>
+
+<file path=ppt/slides/slide20.xml><?xml version="1.0" encoding="utf-8"?>
+<p:sld xmlns:a="http://schemas.openxmlformats.org/drawingml/2006/main" xmlns:r="http://schemas.openxmlformats.org/officeDocument/2006/relationships" xmlns:p="http://schemas.openxmlformats.org/presentationml/2006/main">
+  <p:cSld>
+    <p:spTree>
+      <p:nvGrpSpPr>
+        <p:cNvPr id="1" name=""/>
+        <p:cNvGrpSpPr/>
+        <p:nvPr/>
+      </p:nvGrpSpPr>
+      <p:grpSpPr>
+        <a:xfrm>
+          <a:off x="0" y="0"/>
+          <a:ext cx="0" cy="0"/>
+          <a:chOff x="0" y="0"/>
+          <a:chExt cx="0" cy="0"/>
+        </a:xfrm>
+      </p:grpSpPr>
+      <p:sp>
+        <p:nvSpPr>
+          <p:cNvPr id="4" name="제목 3">
+            <a:extLst>
+              <a:ext uri="{FF2B5EF4-FFF2-40B4-BE49-F238E27FC236}">
+                <a16:creationId xmlns:a16="http://schemas.microsoft.com/office/drawing/2014/main" id="{16EFA867-55B0-DBFC-98DB-B382AF802622}"/>
+              </a:ext>
+            </a:extLst>
+          </p:cNvPr>
+          <p:cNvSpPr>
+            <a:spLocks noGrp="1"/>
+          </p:cNvSpPr>
+          <p:nvPr>
+            <p:ph type="ctrTitle"/>
+          </p:nvPr>
+        </p:nvSpPr>
+        <p:spPr/>
+        <p:txBody>
+          <a:bodyPr/>
+          <a:lstStyle/>
+          <a:p>
+            <a:r>
+              <a:rPr lang="ko-KR" altLang="en-US" dirty="0"/>
+              <a:t>작화 특성</a:t>
+            </a:r>
+          </a:p>
+        </p:txBody>
+      </p:sp>
+      <p:sp>
+        <p:nvSpPr>
+          <p:cNvPr id="5" name="부제목 4">
+            <a:extLst>
+              <a:ext uri="{FF2B5EF4-FFF2-40B4-BE49-F238E27FC236}">
+                <a16:creationId xmlns:a16="http://schemas.microsoft.com/office/drawing/2014/main" id="{FA8BBCDC-8D02-F4D6-0F56-EEE3E53015C6}"/>
+              </a:ext>
+            </a:extLst>
+          </p:cNvPr>
+          <p:cNvSpPr>
+            <a:spLocks noGrp="1"/>
+          </p:cNvSpPr>
+          <p:nvPr>
+            <p:ph type="subTitle" idx="1"/>
+          </p:nvPr>
+        </p:nvSpPr>
+        <p:spPr/>
+        <p:txBody>
+          <a:bodyPr/>
+          <a:lstStyle/>
+          <a:p>
+            <a:endParaRPr lang="ko-KR" altLang="en-US"/>
+          </a:p>
+        </p:txBody>
+      </p:sp>
+    </p:spTree>
+    <p:extLst>
+      <p:ext uri="{BB962C8B-B14F-4D97-AF65-F5344CB8AC3E}">
+        <p14:creationId xmlns:p14="http://schemas.microsoft.com/office/powerpoint/2010/main" val="720653391"/>
+      </p:ext>
+    </p:extLst>
+  </p:cSld>
+  <p:clrMapOvr>
+    <a:masterClrMapping/>
+  </p:clrMapOvr>
+</p:sld>
+</file>
+
+<file path=ppt/slides/slide21.xml><?xml version="1.0" encoding="utf-8"?>
+<p:sld xmlns:a="http://schemas.openxmlformats.org/drawingml/2006/main" xmlns:r="http://schemas.openxmlformats.org/officeDocument/2006/relationships" xmlns:p="http://schemas.openxmlformats.org/presentationml/2006/main">
+  <p:cSld>
+    <p:spTree>
+      <p:nvGrpSpPr>
+        <p:cNvPr id="1" name=""/>
+        <p:cNvGrpSpPr/>
+        <p:nvPr/>
+      </p:nvGrpSpPr>
+      <p:grpSpPr>
+        <a:xfrm>
+          <a:off x="0" y="0"/>
+          <a:ext cx="0" cy="0"/>
+          <a:chOff x="0" y="0"/>
+          <a:chExt cx="0" cy="0"/>
+        </a:xfrm>
+      </p:grpSpPr>
+      <p:sp>
+        <p:nvSpPr>
+          <p:cNvPr id="2" name="제목 1">
+            <a:extLst>
+              <a:ext uri="{FF2B5EF4-FFF2-40B4-BE49-F238E27FC236}">
+                <a16:creationId xmlns:a16="http://schemas.microsoft.com/office/drawing/2014/main" id="{E51AE384-C5FA-1804-37B2-A4BB49FE9C63}"/>
+              </a:ext>
+            </a:extLst>
+          </p:cNvPr>
+          <p:cNvSpPr>
+            <a:spLocks noGrp="1"/>
+          </p:cNvSpPr>
+          <p:nvPr>
+            <p:ph type="title"/>
+          </p:nvPr>
+        </p:nvSpPr>
+        <p:spPr/>
+        <p:txBody>
+          <a:bodyPr/>
+          <a:lstStyle/>
+          <a:p>
+            <a:r>
+              <a:rPr lang="en-US" altLang="ko-KR" dirty="0"/>
+              <a:t>Input</a:t>
+            </a:r>
+            <a:r>
+              <a:rPr lang="ko-KR" altLang="en-US" dirty="0"/>
+              <a:t> </a:t>
+            </a:r>
+            <a:r>
+              <a:rPr lang="en-US" altLang="ko-KR" dirty="0"/>
+              <a:t>side</a:t>
+            </a:r>
+            <a:r>
+              <a:rPr lang="ko-KR" altLang="en-US" dirty="0"/>
+              <a:t> </a:t>
+            </a:r>
+            <a:r>
+              <a:rPr lang="ko-KR" altLang="en-US" dirty="0" err="1"/>
+              <a:t>다릿발</a:t>
+            </a:r>
+            <a:endParaRPr lang="ko-KR" altLang="en-US" dirty="0"/>
+          </a:p>
+        </p:txBody>
+      </p:sp>
+      <p:pic>
+        <p:nvPicPr>
+          <p:cNvPr id="5" name="그림 4">
+            <a:extLst>
+              <a:ext uri="{FF2B5EF4-FFF2-40B4-BE49-F238E27FC236}">
+                <a16:creationId xmlns:a16="http://schemas.microsoft.com/office/drawing/2014/main" id="{B4B38613-F556-BB1D-0024-D0915F8F29D2}"/>
+              </a:ext>
+            </a:extLst>
+          </p:cNvPr>
+          <p:cNvPicPr>
+            <a:picLocks noChangeAspect="1"/>
+          </p:cNvPicPr>
+          <p:nvPr/>
+        </p:nvPicPr>
+        <p:blipFill>
+          <a:blip r:embed="rId2"/>
+          <a:stretch>
+            <a:fillRect/>
+          </a:stretch>
+        </p:blipFill>
+        <p:spPr>
+          <a:xfrm>
+            <a:off x="421129" y="1485415"/>
+            <a:ext cx="4685425" cy="4099014"/>
+          </a:xfrm>
+          <a:prstGeom prst="rect">
+            <a:avLst/>
+          </a:prstGeom>
+        </p:spPr>
+      </p:pic>
+      <p:pic>
+        <p:nvPicPr>
+          <p:cNvPr id="9" name="그림 8">
+            <a:extLst>
+              <a:ext uri="{FF2B5EF4-FFF2-40B4-BE49-F238E27FC236}">
+                <a16:creationId xmlns:a16="http://schemas.microsoft.com/office/drawing/2014/main" id="{231C9CA6-EAAC-459A-2A13-691FEC12F1CC}"/>
+              </a:ext>
+            </a:extLst>
+          </p:cNvPr>
+          <p:cNvPicPr>
+            <a:picLocks noChangeAspect="1"/>
+          </p:cNvPicPr>
+          <p:nvPr/>
+        </p:nvPicPr>
+        <p:blipFill>
+          <a:blip r:embed="rId3"/>
+          <a:stretch>
+            <a:fillRect/>
+          </a:stretch>
+        </p:blipFill>
+        <p:spPr>
+          <a:xfrm>
+            <a:off x="4618653" y="3483495"/>
+            <a:ext cx="7395591" cy="2858800"/>
+          </a:xfrm>
+          <a:prstGeom prst="rect">
+            <a:avLst/>
+          </a:prstGeom>
+        </p:spPr>
+      </p:pic>
+    </p:spTree>
+    <p:extLst>
+      <p:ext uri="{BB962C8B-B14F-4D97-AF65-F5344CB8AC3E}">
+        <p14:creationId xmlns:p14="http://schemas.microsoft.com/office/powerpoint/2010/main" val="2898261055"/>
       </p:ext>
     </p:extLst>
   </p:cSld>

--- a/DsDotNet/src/Engine/Engine.Core/Timer.pptx
+++ b/DsDotNet/src/Engine/Engine.Core/Timer.pptx
@@ -279,7 +279,7 @@
           <a:p>
             <a:fld id="{F0D11F29-D168-44AB-8C51-C78796B9CFB4}" type="datetimeFigureOut">
               <a:rPr lang="ko-KR" altLang="en-US" smtClean="0"/>
-              <a:t>2023-01-02</a:t>
+              <a:t>2023-01-03</a:t>
             </a:fld>
             <a:endParaRPr lang="ko-KR" altLang="en-US" dirty="0"/>
           </a:p>
@@ -477,7 +477,7 @@
           <a:p>
             <a:fld id="{F0D11F29-D168-44AB-8C51-C78796B9CFB4}" type="datetimeFigureOut">
               <a:rPr lang="ko-KR" altLang="en-US" smtClean="0"/>
-              <a:t>2023-01-02</a:t>
+              <a:t>2023-01-03</a:t>
             </a:fld>
             <a:endParaRPr lang="ko-KR" altLang="en-US" dirty="0"/>
           </a:p>
@@ -685,7 +685,7 @@
           <a:p>
             <a:fld id="{F0D11F29-D168-44AB-8C51-C78796B9CFB4}" type="datetimeFigureOut">
               <a:rPr lang="ko-KR" altLang="en-US" smtClean="0"/>
-              <a:t>2023-01-02</a:t>
+              <a:t>2023-01-03</a:t>
             </a:fld>
             <a:endParaRPr lang="ko-KR" altLang="en-US" dirty="0"/>
           </a:p>
@@ -883,7 +883,7 @@
           <a:p>
             <a:fld id="{F0D11F29-D168-44AB-8C51-C78796B9CFB4}" type="datetimeFigureOut">
               <a:rPr lang="ko-KR" altLang="en-US" smtClean="0"/>
-              <a:t>2023-01-02</a:t>
+              <a:t>2023-01-03</a:t>
             </a:fld>
             <a:endParaRPr lang="ko-KR" altLang="en-US" dirty="0"/>
           </a:p>
@@ -1158,7 +1158,7 @@
           <a:p>
             <a:fld id="{F0D11F29-D168-44AB-8C51-C78796B9CFB4}" type="datetimeFigureOut">
               <a:rPr lang="ko-KR" altLang="en-US" smtClean="0"/>
-              <a:t>2023-01-02</a:t>
+              <a:t>2023-01-03</a:t>
             </a:fld>
             <a:endParaRPr lang="ko-KR" altLang="en-US" dirty="0"/>
           </a:p>
@@ -1423,7 +1423,7 @@
           <a:p>
             <a:fld id="{F0D11F29-D168-44AB-8C51-C78796B9CFB4}" type="datetimeFigureOut">
               <a:rPr lang="ko-KR" altLang="en-US" smtClean="0"/>
-              <a:t>2023-01-02</a:t>
+              <a:t>2023-01-03</a:t>
             </a:fld>
             <a:endParaRPr lang="ko-KR" altLang="en-US" dirty="0"/>
           </a:p>
@@ -1835,7 +1835,7 @@
           <a:p>
             <a:fld id="{F0D11F29-D168-44AB-8C51-C78796B9CFB4}" type="datetimeFigureOut">
               <a:rPr lang="ko-KR" altLang="en-US" smtClean="0"/>
-              <a:t>2023-01-02</a:t>
+              <a:t>2023-01-03</a:t>
             </a:fld>
             <a:endParaRPr lang="ko-KR" altLang="en-US" dirty="0"/>
           </a:p>
@@ -1976,7 +1976,7 @@
           <a:p>
             <a:fld id="{F0D11F29-D168-44AB-8C51-C78796B9CFB4}" type="datetimeFigureOut">
               <a:rPr lang="ko-KR" altLang="en-US" smtClean="0"/>
-              <a:t>2023-01-02</a:t>
+              <a:t>2023-01-03</a:t>
             </a:fld>
             <a:endParaRPr lang="ko-KR" altLang="en-US" dirty="0"/>
           </a:p>
@@ -2089,7 +2089,7 @@
           <a:p>
             <a:fld id="{F0D11F29-D168-44AB-8C51-C78796B9CFB4}" type="datetimeFigureOut">
               <a:rPr lang="ko-KR" altLang="en-US" smtClean="0"/>
-              <a:t>2023-01-02</a:t>
+              <a:t>2023-01-03</a:t>
             </a:fld>
             <a:endParaRPr lang="ko-KR" altLang="en-US" dirty="0"/>
           </a:p>
@@ -2400,7 +2400,7 @@
           <a:p>
             <a:fld id="{F0D11F29-D168-44AB-8C51-C78796B9CFB4}" type="datetimeFigureOut">
               <a:rPr lang="ko-KR" altLang="en-US" smtClean="0"/>
-              <a:t>2023-01-02</a:t>
+              <a:t>2023-01-03</a:t>
             </a:fld>
             <a:endParaRPr lang="ko-KR" altLang="en-US" dirty="0"/>
           </a:p>
@@ -2688,7 +2688,7 @@
           <a:p>
             <a:fld id="{F0D11F29-D168-44AB-8C51-C78796B9CFB4}" type="datetimeFigureOut">
               <a:rPr lang="ko-KR" altLang="en-US" smtClean="0"/>
-              <a:t>2023-01-02</a:t>
+              <a:t>2023-01-03</a:t>
             </a:fld>
             <a:endParaRPr lang="ko-KR" altLang="en-US" dirty="0"/>
           </a:p>
@@ -2929,7 +2929,7 @@
           <a:p>
             <a:fld id="{F0D11F29-D168-44AB-8C51-C78796B9CFB4}" type="datetimeFigureOut">
               <a:rPr lang="ko-KR" altLang="en-US" smtClean="0"/>
-              <a:t>2023-01-02</a:t>
+              <a:t>2023-01-03</a:t>
             </a:fld>
             <a:endParaRPr lang="ko-KR" altLang="en-US" dirty="0"/>
           </a:p>
@@ -6876,6 +6876,82 @@
           </a:prstGeom>
         </p:spPr>
       </p:pic>
+      <p:pic>
+        <p:nvPicPr>
+          <p:cNvPr id="4" name="그림 3">
+            <a:extLst>
+              <a:ext uri="{FF2B5EF4-FFF2-40B4-BE49-F238E27FC236}">
+                <a16:creationId xmlns:a16="http://schemas.microsoft.com/office/drawing/2014/main" id="{E6207DF8-5E4E-6D87-725D-2C8A94E9CFE4}"/>
+              </a:ext>
+            </a:extLst>
+          </p:cNvPr>
+          <p:cNvPicPr>
+            <a:picLocks noChangeAspect="1"/>
+          </p:cNvPicPr>
+          <p:nvPr/>
+        </p:nvPicPr>
+        <p:blipFill>
+          <a:blip r:embed="rId4"/>
+          <a:stretch>
+            <a:fillRect/>
+          </a:stretch>
+        </p:blipFill>
+        <p:spPr>
+          <a:xfrm>
+            <a:off x="7053943" y="148045"/>
+            <a:ext cx="4163066" cy="3142999"/>
+          </a:xfrm>
+          <a:prstGeom prst="rect">
+            <a:avLst/>
+          </a:prstGeom>
+        </p:spPr>
+      </p:pic>
+      <p:sp>
+        <p:nvSpPr>
+          <p:cNvPr id="7" name="TextBox 6">
+            <a:extLst>
+              <a:ext uri="{FF2B5EF4-FFF2-40B4-BE49-F238E27FC236}">
+                <a16:creationId xmlns:a16="http://schemas.microsoft.com/office/drawing/2014/main" id="{B19BB55D-7667-9B5A-B563-A8A5E73C7148}"/>
+              </a:ext>
+            </a:extLst>
+          </p:cNvPr>
+          <p:cNvSpPr txBox="1"/>
+          <p:nvPr/>
+        </p:nvSpPr>
+        <p:spPr>
+          <a:xfrm>
+            <a:off x="6873379" y="0"/>
+            <a:ext cx="6096000" cy="215444"/>
+          </a:xfrm>
+          <a:prstGeom prst="rect">
+            <a:avLst/>
+          </a:prstGeom>
+          <a:noFill/>
+        </p:spPr>
+        <p:txBody>
+          <a:bodyPr wrap="square">
+            <a:spAutoFit/>
+          </a:bodyPr>
+          <a:lstStyle/>
+          <a:p>
+            <a:r>
+              <a:rPr lang="ko-KR" altLang="en-US" sz="800" dirty="0">
+                <a:hlinkClick r:id="rId5"/>
+              </a:rPr>
+              <a:t>http://duduji.iptime.org/gnuboard/data/file/du_board_study/XGI_%EC%B4%88%EA%B8%89(V18).pdf</a:t>
+            </a:r>
+            <a:r>
+              <a:rPr lang="ko-KR" altLang="en-US" sz="800" dirty="0"/>
+              <a:t>    </a:t>
+            </a:r>
+            <a:r>
+              <a:rPr lang="en-US" altLang="ko-KR" sz="800" dirty="0"/>
+              <a:t>pp.43</a:t>
+            </a:r>
+            <a:endParaRPr lang="ko-KR" altLang="en-US" sz="800" dirty="0"/>
+          </a:p>
+        </p:txBody>
+      </p:sp>
     </p:spTree>
     <p:extLst>
       <p:ext uri="{BB962C8B-B14F-4D97-AF65-F5344CB8AC3E}">

--- a/DsDotNet/src/Engine/Engine.Core/Timer.pptx
+++ b/DsDotNet/src/Engine/Engine.Core/Timer.pptx
@@ -19,13 +19,17 @@
     <p:sldId id="274" r:id="rId13"/>
     <p:sldId id="275" r:id="rId14"/>
     <p:sldId id="276" r:id="rId15"/>
-    <p:sldId id="265" r:id="rId16"/>
-    <p:sldId id="266" r:id="rId17"/>
-    <p:sldId id="267" r:id="rId18"/>
-    <p:sldId id="268" r:id="rId19"/>
-    <p:sldId id="269" r:id="rId20"/>
-    <p:sldId id="272" r:id="rId21"/>
-    <p:sldId id="273" r:id="rId22"/>
+    <p:sldId id="278" r:id="rId16"/>
+    <p:sldId id="279" r:id="rId17"/>
+    <p:sldId id="280" r:id="rId18"/>
+    <p:sldId id="281" r:id="rId19"/>
+    <p:sldId id="265" r:id="rId20"/>
+    <p:sldId id="266" r:id="rId21"/>
+    <p:sldId id="267" r:id="rId22"/>
+    <p:sldId id="268" r:id="rId23"/>
+    <p:sldId id="269" r:id="rId24"/>
+    <p:sldId id="272" r:id="rId25"/>
+    <p:sldId id="273" r:id="rId26"/>
   </p:sldIdLst>
   <p:sldSz cx="12192000" cy="6858000"/>
   <p:notesSz cx="6858000" cy="9144000"/>
@@ -3929,7 +3933,7 @@
           <p:cNvPr id="2" name="제목 1">
             <a:extLst>
               <a:ext uri="{FF2B5EF4-FFF2-40B4-BE49-F238E27FC236}">
-                <a16:creationId xmlns:a16="http://schemas.microsoft.com/office/drawing/2014/main" id="{DDC757F2-A588-55CE-AB29-82077923FFA8}"/>
+                <a16:creationId xmlns:a16="http://schemas.microsoft.com/office/drawing/2014/main" id="{970ED5B0-B1A6-1FC1-C865-BC2D394F99CC}"/>
               </a:ext>
             </a:extLst>
           </p:cNvPr>
@@ -3940,946 +3944,64 @@
             <p:ph type="title"/>
           </p:nvPr>
         </p:nvSpPr>
-        <p:spPr/>
-        <p:txBody>
-          <a:bodyPr/>
-          <a:lstStyle/>
-          <a:p>
+        <p:spPr>
+          <a:xfrm>
+            <a:off x="838200" y="365126"/>
+            <a:ext cx="2999763" cy="867138"/>
+          </a:xfrm>
+        </p:spPr>
+        <p:txBody>
+          <a:bodyPr>
+            <a:normAutofit/>
+          </a:bodyPr>
+          <a:lstStyle/>
+          <a:p>
+            <a:r>
+              <a:rPr lang="ko-KR" altLang="en-US" dirty="0"/>
+              <a:t>산전 </a:t>
+            </a:r>
             <a:r>
               <a:rPr lang="en-US" altLang="ko-KR" dirty="0"/>
-              <a:t>Classes</a:t>
+              <a:t>CTR</a:t>
             </a:r>
             <a:endParaRPr lang="ko-KR" altLang="en-US" dirty="0"/>
           </a:p>
         </p:txBody>
       </p:sp>
-      <p:sp>
-        <p:nvSpPr>
-          <p:cNvPr id="7" name="TextBox 6">
-            <a:extLst>
-              <a:ext uri="{FF2B5EF4-FFF2-40B4-BE49-F238E27FC236}">
-                <a16:creationId xmlns:a16="http://schemas.microsoft.com/office/drawing/2014/main" id="{68EF86A6-FCC0-59AB-948C-3E9E8C77D4DC}"/>
-              </a:ext>
-            </a:extLst>
-          </p:cNvPr>
-          <p:cNvSpPr txBox="1"/>
+      <p:pic>
+        <p:nvPicPr>
+          <p:cNvPr id="5" name="그림 4">
+            <a:extLst>
+              <a:ext uri="{FF2B5EF4-FFF2-40B4-BE49-F238E27FC236}">
+                <a16:creationId xmlns:a16="http://schemas.microsoft.com/office/drawing/2014/main" id="{0CB5F6A9-1C23-3C00-2050-75B59FEA52BA}"/>
+              </a:ext>
+            </a:extLst>
+          </p:cNvPr>
+          <p:cNvPicPr>
+            <a:picLocks noChangeAspect="1"/>
+          </p:cNvPicPr>
           <p:nvPr/>
-        </p:nvSpPr>
+        </p:nvPicPr>
+        <p:blipFill>
+          <a:blip r:embed="rId2"/>
+          <a:stretch>
+            <a:fillRect/>
+          </a:stretch>
+        </p:blipFill>
         <p:spPr>
           <a:xfrm>
-            <a:off x="5098473" y="3602182"/>
-            <a:ext cx="2096728" cy="369332"/>
+            <a:off x="2281646" y="997402"/>
+            <a:ext cx="8057741" cy="5136697"/>
           </a:xfrm>
           <a:prstGeom prst="rect">
             <a:avLst/>
           </a:prstGeom>
         </p:spPr>
-        <p:style>
-          <a:lnRef idx="2">
-            <a:schemeClr val="dk1"/>
-          </a:lnRef>
-          <a:fillRef idx="1">
-            <a:schemeClr val="lt1"/>
-          </a:fillRef>
-          <a:effectRef idx="0">
-            <a:schemeClr val="dk1"/>
-          </a:effectRef>
-          <a:fontRef idx="minor">
-            <a:schemeClr val="dk1"/>
-          </a:fontRef>
-        </p:style>
-        <p:txBody>
-          <a:bodyPr wrap="none" rtlCol="0">
-            <a:spAutoFit/>
-          </a:bodyPr>
-          <a:lstStyle/>
-          <a:p>
-            <a:r>
-              <a:rPr lang="en-US" altLang="ko-KR" dirty="0"/>
-              <a:t>CounterBaseStruct</a:t>
-            </a:r>
-            <a:endParaRPr lang="ko-KR" altLang="en-US" dirty="0"/>
-          </a:p>
-        </p:txBody>
-      </p:sp>
-      <p:sp>
-        <p:nvSpPr>
-          <p:cNvPr id="10" name="TextBox 9">
-            <a:extLst>
-              <a:ext uri="{FF2B5EF4-FFF2-40B4-BE49-F238E27FC236}">
-                <a16:creationId xmlns:a16="http://schemas.microsoft.com/office/drawing/2014/main" id="{516575FE-4F39-AADC-55CE-ECFB6E3669A6}"/>
-              </a:ext>
-            </a:extLst>
-          </p:cNvPr>
-          <p:cNvSpPr txBox="1"/>
-          <p:nvPr/>
-        </p:nvSpPr>
-        <p:spPr>
-          <a:xfrm>
-            <a:off x="3274752" y="2466665"/>
-            <a:ext cx="2685030" cy="369332"/>
-          </a:xfrm>
-          <a:prstGeom prst="rect">
-            <a:avLst/>
-          </a:prstGeom>
-        </p:spPr>
-        <p:style>
-          <a:lnRef idx="2">
-            <a:schemeClr val="dk1"/>
-          </a:lnRef>
-          <a:fillRef idx="1">
-            <a:schemeClr val="lt1"/>
-          </a:fillRef>
-          <a:effectRef idx="0">
-            <a:schemeClr val="dk1"/>
-          </a:effectRef>
-          <a:fontRef idx="minor">
-            <a:schemeClr val="dk1"/>
-          </a:fontRef>
-        </p:style>
-        <p:txBody>
-          <a:bodyPr wrap="none" rtlCol="0">
-            <a:spAutoFit/>
-          </a:bodyPr>
-          <a:lstStyle/>
-          <a:p>
-            <a:r>
-              <a:rPr lang="en-US" altLang="ko-KR" dirty="0"/>
-              <a:t>TimerCounterBaseStruct</a:t>
-            </a:r>
-            <a:endParaRPr lang="ko-KR" altLang="en-US" dirty="0"/>
-          </a:p>
-        </p:txBody>
-      </p:sp>
-      <p:sp>
-        <p:nvSpPr>
-          <p:cNvPr id="11" name="TextBox 10">
-            <a:extLst>
-              <a:ext uri="{FF2B5EF4-FFF2-40B4-BE49-F238E27FC236}">
-                <a16:creationId xmlns:a16="http://schemas.microsoft.com/office/drawing/2014/main" id="{A2631649-4787-4F5C-7742-58BD041B7E84}"/>
-              </a:ext>
-            </a:extLst>
-          </p:cNvPr>
-          <p:cNvSpPr txBox="1"/>
-          <p:nvPr/>
-        </p:nvSpPr>
-        <p:spPr>
-          <a:xfrm>
-            <a:off x="2498436" y="3602182"/>
-            <a:ext cx="1374094" cy="369332"/>
-          </a:xfrm>
-          <a:prstGeom prst="rect">
-            <a:avLst/>
-          </a:prstGeom>
-        </p:spPr>
-        <p:style>
-          <a:lnRef idx="2">
-            <a:schemeClr val="dk1"/>
-          </a:lnRef>
-          <a:fillRef idx="1">
-            <a:schemeClr val="lt1"/>
-          </a:fillRef>
-          <a:effectRef idx="0">
-            <a:schemeClr val="dk1"/>
-          </a:effectRef>
-          <a:fontRef idx="minor">
-            <a:schemeClr val="dk1"/>
-          </a:fontRef>
-        </p:style>
-        <p:txBody>
-          <a:bodyPr wrap="none" rtlCol="0">
-            <a:spAutoFit/>
-          </a:bodyPr>
-          <a:lstStyle/>
-          <a:p>
-            <a:r>
-              <a:rPr lang="en-US" altLang="ko-KR" dirty="0"/>
-              <a:t>TimerStruct</a:t>
-            </a:r>
-            <a:endParaRPr lang="ko-KR" altLang="en-US" dirty="0"/>
-          </a:p>
-        </p:txBody>
-      </p:sp>
-      <p:sp>
-        <p:nvSpPr>
-          <p:cNvPr id="12" name="TextBox 11">
-            <a:extLst>
-              <a:ext uri="{FF2B5EF4-FFF2-40B4-BE49-F238E27FC236}">
-                <a16:creationId xmlns:a16="http://schemas.microsoft.com/office/drawing/2014/main" id="{A36FD63E-A720-BFC2-5DFE-027619930568}"/>
-              </a:ext>
-            </a:extLst>
-          </p:cNvPr>
-          <p:cNvSpPr txBox="1"/>
-          <p:nvPr/>
-        </p:nvSpPr>
-        <p:spPr>
-          <a:xfrm>
-            <a:off x="5098473" y="4557929"/>
-            <a:ext cx="1217000" cy="369332"/>
-          </a:xfrm>
-          <a:prstGeom prst="rect">
-            <a:avLst/>
-          </a:prstGeom>
-        </p:spPr>
-        <p:style>
-          <a:lnRef idx="2">
-            <a:schemeClr val="dk1"/>
-          </a:lnRef>
-          <a:fillRef idx="1">
-            <a:schemeClr val="lt1"/>
-          </a:fillRef>
-          <a:effectRef idx="0">
-            <a:schemeClr val="dk1"/>
-          </a:effectRef>
-          <a:fontRef idx="minor">
-            <a:schemeClr val="dk1"/>
-          </a:fontRef>
-        </p:style>
-        <p:txBody>
-          <a:bodyPr wrap="none" rtlCol="0">
-            <a:spAutoFit/>
-          </a:bodyPr>
-          <a:lstStyle/>
-          <a:p>
-            <a:r>
-              <a:rPr lang="en-US" altLang="ko-KR" dirty="0"/>
-              <a:t>CTUStruct</a:t>
-            </a:r>
-            <a:endParaRPr lang="ko-KR" altLang="en-US" dirty="0"/>
-          </a:p>
-        </p:txBody>
-      </p:sp>
-      <p:sp>
-        <p:nvSpPr>
-          <p:cNvPr id="13" name="TextBox 12">
-            <a:extLst>
-              <a:ext uri="{FF2B5EF4-FFF2-40B4-BE49-F238E27FC236}">
-                <a16:creationId xmlns:a16="http://schemas.microsoft.com/office/drawing/2014/main" id="{9519F6F0-08D6-0BD0-969D-7D49C2483EDF}"/>
-              </a:ext>
-            </a:extLst>
-          </p:cNvPr>
-          <p:cNvSpPr txBox="1"/>
-          <p:nvPr/>
-        </p:nvSpPr>
-        <p:spPr>
-          <a:xfrm>
-            <a:off x="6586701" y="4557929"/>
-            <a:ext cx="1220206" cy="369332"/>
-          </a:xfrm>
-          <a:prstGeom prst="rect">
-            <a:avLst/>
-          </a:prstGeom>
-        </p:spPr>
-        <p:style>
-          <a:lnRef idx="2">
-            <a:schemeClr val="dk1"/>
-          </a:lnRef>
-          <a:fillRef idx="1">
-            <a:schemeClr val="lt1"/>
-          </a:fillRef>
-          <a:effectRef idx="0">
-            <a:schemeClr val="dk1"/>
-          </a:effectRef>
-          <a:fontRef idx="minor">
-            <a:schemeClr val="dk1"/>
-          </a:fontRef>
-        </p:style>
-        <p:txBody>
-          <a:bodyPr wrap="none" rtlCol="0">
-            <a:spAutoFit/>
-          </a:bodyPr>
-          <a:lstStyle/>
-          <a:p>
-            <a:r>
-              <a:rPr lang="en-US" altLang="ko-KR" dirty="0"/>
-              <a:t>CTDStruct</a:t>
-            </a:r>
-            <a:endParaRPr lang="ko-KR" altLang="en-US" dirty="0"/>
-          </a:p>
-        </p:txBody>
-      </p:sp>
-      <p:sp>
-        <p:nvSpPr>
-          <p:cNvPr id="14" name="TextBox 13">
-            <a:extLst>
-              <a:ext uri="{FF2B5EF4-FFF2-40B4-BE49-F238E27FC236}">
-                <a16:creationId xmlns:a16="http://schemas.microsoft.com/office/drawing/2014/main" id="{C816F670-76EB-0741-7414-D1D1B2F05819}"/>
-              </a:ext>
-            </a:extLst>
-          </p:cNvPr>
-          <p:cNvSpPr txBox="1"/>
-          <p:nvPr/>
-        </p:nvSpPr>
-        <p:spPr>
-          <a:xfrm>
-            <a:off x="8074929" y="4557929"/>
-            <a:ext cx="1382110" cy="369332"/>
-          </a:xfrm>
-          <a:prstGeom prst="rect">
-            <a:avLst/>
-          </a:prstGeom>
-        </p:spPr>
-        <p:style>
-          <a:lnRef idx="2">
-            <a:schemeClr val="dk1"/>
-          </a:lnRef>
-          <a:fillRef idx="1">
-            <a:schemeClr val="lt1"/>
-          </a:fillRef>
-          <a:effectRef idx="0">
-            <a:schemeClr val="dk1"/>
-          </a:effectRef>
-          <a:fontRef idx="minor">
-            <a:schemeClr val="dk1"/>
-          </a:fontRef>
-        </p:style>
-        <p:txBody>
-          <a:bodyPr wrap="none" rtlCol="0">
-            <a:spAutoFit/>
-          </a:bodyPr>
-          <a:lstStyle/>
-          <a:p>
-            <a:r>
-              <a:rPr lang="en-US" altLang="ko-KR" dirty="0"/>
-              <a:t>CTUDStruct</a:t>
-            </a:r>
-            <a:endParaRPr lang="ko-KR" altLang="en-US" dirty="0"/>
-          </a:p>
-        </p:txBody>
-      </p:sp>
-      <p:cxnSp>
-        <p:nvCxnSpPr>
-          <p:cNvPr id="16" name="직선 화살표 연결선 15">
-            <a:extLst>
-              <a:ext uri="{FF2B5EF4-FFF2-40B4-BE49-F238E27FC236}">
-                <a16:creationId xmlns:a16="http://schemas.microsoft.com/office/drawing/2014/main" id="{5006D473-E614-C1C4-2397-068CBB7C3B00}"/>
-              </a:ext>
-            </a:extLst>
-          </p:cNvPr>
-          <p:cNvCxnSpPr>
-            <a:stCxn id="10" idx="2"/>
-            <a:endCxn id="11" idx="0"/>
-          </p:cNvCxnSpPr>
-          <p:nvPr/>
-        </p:nvCxnSpPr>
-        <p:spPr>
-          <a:xfrm flipH="1">
-            <a:off x="3185483" y="2835997"/>
-            <a:ext cx="1431784" cy="766185"/>
-          </a:xfrm>
-          <a:prstGeom prst="straightConnector1">
-            <a:avLst/>
-          </a:prstGeom>
-          <a:ln>
-            <a:tailEnd type="triangle"/>
-          </a:ln>
-        </p:spPr>
-        <p:style>
-          <a:lnRef idx="1">
-            <a:schemeClr val="accent1"/>
-          </a:lnRef>
-          <a:fillRef idx="0">
-            <a:schemeClr val="accent1"/>
-          </a:fillRef>
-          <a:effectRef idx="0">
-            <a:schemeClr val="accent1"/>
-          </a:effectRef>
-          <a:fontRef idx="minor">
-            <a:schemeClr val="tx1"/>
-          </a:fontRef>
-        </p:style>
-      </p:cxnSp>
-      <p:cxnSp>
-        <p:nvCxnSpPr>
-          <p:cNvPr id="18" name="직선 화살표 연결선 17">
-            <a:extLst>
-              <a:ext uri="{FF2B5EF4-FFF2-40B4-BE49-F238E27FC236}">
-                <a16:creationId xmlns:a16="http://schemas.microsoft.com/office/drawing/2014/main" id="{5E4E339D-CF9E-5BBD-F5FB-FBF11365FE81}"/>
-              </a:ext>
-            </a:extLst>
-          </p:cNvPr>
-          <p:cNvCxnSpPr>
-            <a:cxnSpLocks/>
-            <a:stCxn id="10" idx="2"/>
-            <a:endCxn id="7" idx="0"/>
-          </p:cNvCxnSpPr>
-          <p:nvPr/>
-        </p:nvCxnSpPr>
-        <p:spPr>
-          <a:xfrm>
-            <a:off x="4617267" y="2835997"/>
-            <a:ext cx="1529570" cy="766185"/>
-          </a:xfrm>
-          <a:prstGeom prst="straightConnector1">
-            <a:avLst/>
-          </a:prstGeom>
-          <a:ln>
-            <a:tailEnd type="triangle"/>
-          </a:ln>
-        </p:spPr>
-        <p:style>
-          <a:lnRef idx="1">
-            <a:schemeClr val="accent1"/>
-          </a:lnRef>
-          <a:fillRef idx="0">
-            <a:schemeClr val="accent1"/>
-          </a:fillRef>
-          <a:effectRef idx="0">
-            <a:schemeClr val="accent1"/>
-          </a:effectRef>
-          <a:fontRef idx="minor">
-            <a:schemeClr val="tx1"/>
-          </a:fontRef>
-        </p:style>
-      </p:cxnSp>
-      <p:cxnSp>
-        <p:nvCxnSpPr>
-          <p:cNvPr id="21" name="직선 화살표 연결선 20">
-            <a:extLst>
-              <a:ext uri="{FF2B5EF4-FFF2-40B4-BE49-F238E27FC236}">
-                <a16:creationId xmlns:a16="http://schemas.microsoft.com/office/drawing/2014/main" id="{732BE204-B11A-BFE2-0C09-AF429C9403A1}"/>
-              </a:ext>
-            </a:extLst>
-          </p:cNvPr>
-          <p:cNvCxnSpPr>
-            <a:cxnSpLocks/>
-            <a:stCxn id="7" idx="2"/>
-          </p:cNvCxnSpPr>
-          <p:nvPr/>
-        </p:nvCxnSpPr>
-        <p:spPr>
-          <a:xfrm flipH="1">
-            <a:off x="5772727" y="3971514"/>
-            <a:ext cx="374110" cy="637648"/>
-          </a:xfrm>
-          <a:prstGeom prst="straightConnector1">
-            <a:avLst/>
-          </a:prstGeom>
-          <a:ln>
-            <a:tailEnd type="triangle"/>
-          </a:ln>
-        </p:spPr>
-        <p:style>
-          <a:lnRef idx="1">
-            <a:schemeClr val="accent1"/>
-          </a:lnRef>
-          <a:fillRef idx="0">
-            <a:schemeClr val="accent1"/>
-          </a:fillRef>
-          <a:effectRef idx="0">
-            <a:schemeClr val="accent1"/>
-          </a:effectRef>
-          <a:fontRef idx="minor">
-            <a:schemeClr val="tx1"/>
-          </a:fontRef>
-        </p:style>
-      </p:cxnSp>
-      <p:cxnSp>
-        <p:nvCxnSpPr>
-          <p:cNvPr id="24" name="직선 화살표 연결선 23">
-            <a:extLst>
-              <a:ext uri="{FF2B5EF4-FFF2-40B4-BE49-F238E27FC236}">
-                <a16:creationId xmlns:a16="http://schemas.microsoft.com/office/drawing/2014/main" id="{17ADB01A-9592-CADA-7E6C-8F77DCC9599F}"/>
-              </a:ext>
-            </a:extLst>
-          </p:cNvPr>
-          <p:cNvCxnSpPr>
-            <a:cxnSpLocks/>
-            <a:stCxn id="7" idx="2"/>
-            <a:endCxn id="13" idx="0"/>
-          </p:cNvCxnSpPr>
-          <p:nvPr/>
-        </p:nvCxnSpPr>
-        <p:spPr>
-          <a:xfrm>
-            <a:off x="6146837" y="3971514"/>
-            <a:ext cx="1049967" cy="586415"/>
-          </a:xfrm>
-          <a:prstGeom prst="straightConnector1">
-            <a:avLst/>
-          </a:prstGeom>
-          <a:ln>
-            <a:tailEnd type="triangle"/>
-          </a:ln>
-        </p:spPr>
-        <p:style>
-          <a:lnRef idx="1">
-            <a:schemeClr val="accent1"/>
-          </a:lnRef>
-          <a:fillRef idx="0">
-            <a:schemeClr val="accent1"/>
-          </a:fillRef>
-          <a:effectRef idx="0">
-            <a:schemeClr val="accent1"/>
-          </a:effectRef>
-          <a:fontRef idx="minor">
-            <a:schemeClr val="tx1"/>
-          </a:fontRef>
-        </p:style>
-      </p:cxnSp>
-      <p:cxnSp>
-        <p:nvCxnSpPr>
-          <p:cNvPr id="27" name="직선 화살표 연결선 26">
-            <a:extLst>
-              <a:ext uri="{FF2B5EF4-FFF2-40B4-BE49-F238E27FC236}">
-                <a16:creationId xmlns:a16="http://schemas.microsoft.com/office/drawing/2014/main" id="{5AAE9D1B-158A-4269-DCF2-876A47856367}"/>
-              </a:ext>
-            </a:extLst>
-          </p:cNvPr>
-          <p:cNvCxnSpPr>
-            <a:cxnSpLocks/>
-            <a:stCxn id="7" idx="2"/>
-            <a:endCxn id="14" idx="0"/>
-          </p:cNvCxnSpPr>
-          <p:nvPr/>
-        </p:nvCxnSpPr>
-        <p:spPr>
-          <a:xfrm>
-            <a:off x="6146837" y="3971514"/>
-            <a:ext cx="2619147" cy="586415"/>
-          </a:xfrm>
-          <a:prstGeom prst="straightConnector1">
-            <a:avLst/>
-          </a:prstGeom>
-          <a:ln>
-            <a:tailEnd type="triangle"/>
-          </a:ln>
-        </p:spPr>
-        <p:style>
-          <a:lnRef idx="1">
-            <a:schemeClr val="accent1"/>
-          </a:lnRef>
-          <a:fillRef idx="0">
-            <a:schemeClr val="accent1"/>
-          </a:fillRef>
-          <a:effectRef idx="0">
-            <a:schemeClr val="accent1"/>
-          </a:effectRef>
-          <a:fontRef idx="minor">
-            <a:schemeClr val="tx1"/>
-          </a:fontRef>
-        </p:style>
-      </p:cxnSp>
-      <p:sp>
-        <p:nvSpPr>
-          <p:cNvPr id="33" name="TextBox 32">
-            <a:extLst>
-              <a:ext uri="{FF2B5EF4-FFF2-40B4-BE49-F238E27FC236}">
-                <a16:creationId xmlns:a16="http://schemas.microsoft.com/office/drawing/2014/main" id="{87E85D91-38CD-74E9-3187-CECA8D597DE2}"/>
-              </a:ext>
-            </a:extLst>
-          </p:cNvPr>
-          <p:cNvSpPr txBox="1"/>
-          <p:nvPr/>
-        </p:nvSpPr>
-        <p:spPr>
-          <a:xfrm>
-            <a:off x="369648" y="2350593"/>
-            <a:ext cx="775661" cy="369332"/>
-          </a:xfrm>
-          <a:prstGeom prst="rect">
-            <a:avLst/>
-          </a:prstGeom>
-        </p:spPr>
-        <p:style>
-          <a:lnRef idx="2">
-            <a:schemeClr val="dk1"/>
-          </a:lnRef>
-          <a:fillRef idx="1">
-            <a:schemeClr val="lt1"/>
-          </a:fillRef>
-          <a:effectRef idx="0">
-            <a:schemeClr val="dk1"/>
-          </a:effectRef>
-          <a:fontRef idx="minor">
-            <a:schemeClr val="dk1"/>
-          </a:fontRef>
-        </p:style>
-        <p:txBody>
-          <a:bodyPr wrap="square" rtlCol="0">
-            <a:spAutoFit/>
-          </a:bodyPr>
-          <a:lstStyle/>
-          <a:p>
-            <a:r>
-              <a:rPr lang="en-US" altLang="ko-KR" dirty="0"/>
-              <a:t>Timer</a:t>
-            </a:r>
-            <a:endParaRPr lang="ko-KR" altLang="en-US" dirty="0"/>
-          </a:p>
-        </p:txBody>
-      </p:sp>
-      <p:sp>
-        <p:nvSpPr>
-          <p:cNvPr id="34" name="TextBox 33">
-            <a:extLst>
-              <a:ext uri="{FF2B5EF4-FFF2-40B4-BE49-F238E27FC236}">
-                <a16:creationId xmlns:a16="http://schemas.microsoft.com/office/drawing/2014/main" id="{AB922546-A3A9-25CA-9C46-87BB35F650C9}"/>
-              </a:ext>
-            </a:extLst>
-          </p:cNvPr>
-          <p:cNvSpPr txBox="1"/>
-          <p:nvPr/>
-        </p:nvSpPr>
-        <p:spPr>
-          <a:xfrm>
-            <a:off x="8624265" y="2350593"/>
-            <a:ext cx="1017907" cy="369332"/>
-          </a:xfrm>
-          <a:prstGeom prst="rect">
-            <a:avLst/>
-          </a:prstGeom>
-        </p:spPr>
-        <p:style>
-          <a:lnRef idx="2">
-            <a:schemeClr val="dk1"/>
-          </a:lnRef>
-          <a:fillRef idx="1">
-            <a:schemeClr val="lt1"/>
-          </a:fillRef>
-          <a:effectRef idx="0">
-            <a:schemeClr val="dk1"/>
-          </a:effectRef>
-          <a:fontRef idx="minor">
-            <a:schemeClr val="dk1"/>
-          </a:fontRef>
-        </p:style>
-        <p:txBody>
-          <a:bodyPr wrap="none" rtlCol="0">
-            <a:spAutoFit/>
-          </a:bodyPr>
-          <a:lstStyle/>
-          <a:p>
-            <a:r>
-              <a:rPr lang="en-US" altLang="ko-KR" dirty="0"/>
-              <a:t>Counter</a:t>
-            </a:r>
-            <a:endParaRPr lang="ko-KR" altLang="en-US" dirty="0"/>
-          </a:p>
-        </p:txBody>
-      </p:sp>
-      <p:cxnSp>
-        <p:nvCxnSpPr>
-          <p:cNvPr id="36" name="직선 화살표 연결선 35">
-            <a:extLst>
-              <a:ext uri="{FF2B5EF4-FFF2-40B4-BE49-F238E27FC236}">
-                <a16:creationId xmlns:a16="http://schemas.microsoft.com/office/drawing/2014/main" id="{81FCD281-A155-EE85-D480-EF1B37E4F727}"/>
-              </a:ext>
-            </a:extLst>
-          </p:cNvPr>
-          <p:cNvCxnSpPr>
-            <a:cxnSpLocks/>
-            <a:stCxn id="33" idx="2"/>
-            <a:endCxn id="11" idx="1"/>
-          </p:cNvCxnSpPr>
-          <p:nvPr/>
-        </p:nvCxnSpPr>
-        <p:spPr>
-          <a:xfrm>
-            <a:off x="757479" y="2719925"/>
-            <a:ext cx="1740957" cy="1066923"/>
-          </a:xfrm>
-          <a:prstGeom prst="straightConnector1">
-            <a:avLst/>
-          </a:prstGeom>
-          <a:ln>
-            <a:prstDash val="dash"/>
-            <a:tailEnd type="triangle"/>
-          </a:ln>
-        </p:spPr>
-        <p:style>
-          <a:lnRef idx="1">
-            <a:schemeClr val="accent1"/>
-          </a:lnRef>
-          <a:fillRef idx="0">
-            <a:schemeClr val="accent1"/>
-          </a:fillRef>
-          <a:effectRef idx="0">
-            <a:schemeClr val="accent1"/>
-          </a:effectRef>
-          <a:fontRef idx="minor">
-            <a:schemeClr val="tx1"/>
-          </a:fontRef>
-        </p:style>
-      </p:cxnSp>
-      <p:cxnSp>
-        <p:nvCxnSpPr>
-          <p:cNvPr id="37" name="직선 화살표 연결선 36">
-            <a:extLst>
-              <a:ext uri="{FF2B5EF4-FFF2-40B4-BE49-F238E27FC236}">
-                <a16:creationId xmlns:a16="http://schemas.microsoft.com/office/drawing/2014/main" id="{052AF10B-0D37-93A2-D08D-AAC7805D635E}"/>
-              </a:ext>
-            </a:extLst>
-          </p:cNvPr>
-          <p:cNvCxnSpPr>
-            <a:cxnSpLocks/>
-            <a:stCxn id="34" idx="2"/>
-            <a:endCxn id="7" idx="0"/>
-          </p:cNvCxnSpPr>
-          <p:nvPr/>
-        </p:nvCxnSpPr>
-        <p:spPr>
-          <a:xfrm flipH="1">
-            <a:off x="6146837" y="2719925"/>
-            <a:ext cx="2986382" cy="882257"/>
-          </a:xfrm>
-          <a:prstGeom prst="straightConnector1">
-            <a:avLst/>
-          </a:prstGeom>
-          <a:ln>
-            <a:prstDash val="dash"/>
-            <a:tailEnd type="triangle"/>
-          </a:ln>
-        </p:spPr>
-        <p:style>
-          <a:lnRef idx="1">
-            <a:schemeClr val="accent1"/>
-          </a:lnRef>
-          <a:fillRef idx="0">
-            <a:schemeClr val="accent1"/>
-          </a:fillRef>
-          <a:effectRef idx="0">
-            <a:schemeClr val="accent1"/>
-          </a:effectRef>
-          <a:fontRef idx="minor">
-            <a:schemeClr val="tx1"/>
-          </a:fontRef>
-        </p:style>
-      </p:cxnSp>
-      <p:sp>
-        <p:nvSpPr>
-          <p:cNvPr id="40" name="TextBox 39">
-            <a:extLst>
-              <a:ext uri="{FF2B5EF4-FFF2-40B4-BE49-F238E27FC236}">
-                <a16:creationId xmlns:a16="http://schemas.microsoft.com/office/drawing/2014/main" id="{94DE2894-0481-ACA2-4EC4-6E868F8FAEE3}"/>
-              </a:ext>
-            </a:extLst>
-          </p:cNvPr>
-          <p:cNvSpPr txBox="1"/>
-          <p:nvPr/>
-        </p:nvSpPr>
-        <p:spPr>
-          <a:xfrm>
-            <a:off x="1145309" y="2335860"/>
-            <a:ext cx="1241045" cy="261610"/>
-          </a:xfrm>
-          <a:prstGeom prst="rect">
-            <a:avLst/>
-          </a:prstGeom>
-          <a:ln>
-            <a:noFill/>
-          </a:ln>
-        </p:spPr>
-        <p:style>
-          <a:lnRef idx="2">
-            <a:schemeClr val="dk1"/>
-          </a:lnRef>
-          <a:fillRef idx="1">
-            <a:schemeClr val="lt1"/>
-          </a:fillRef>
-          <a:effectRef idx="0">
-            <a:schemeClr val="dk1"/>
-          </a:effectRef>
-          <a:fontRef idx="minor">
-            <a:schemeClr val="dk1"/>
-          </a:fontRef>
-        </p:style>
-        <p:txBody>
-          <a:bodyPr wrap="none" rtlCol="0">
-            <a:spAutoFit/>
-          </a:bodyPr>
-          <a:lstStyle/>
-          <a:p>
-            <a:r>
-              <a:rPr lang="en-US" altLang="ko-KR" sz="1100" dirty="0">
-                <a:solidFill>
-                  <a:schemeClr val="accent1">
-                    <a:lumMod val="60000"/>
-                    <a:lumOff val="40000"/>
-                  </a:schemeClr>
-                </a:solidFill>
-              </a:rPr>
-              <a:t>TickAccumulator</a:t>
-            </a:r>
-            <a:endParaRPr lang="ko-KR" altLang="en-US" sz="1100" dirty="0">
-              <a:solidFill>
-                <a:schemeClr val="accent1">
-                  <a:lumMod val="60000"/>
-                  <a:lumOff val="40000"/>
-                </a:schemeClr>
-              </a:solidFill>
-            </a:endParaRPr>
-          </a:p>
-        </p:txBody>
-      </p:sp>
-      <p:sp>
-        <p:nvSpPr>
-          <p:cNvPr id="45" name="TextBox 44">
-            <a:extLst>
-              <a:ext uri="{FF2B5EF4-FFF2-40B4-BE49-F238E27FC236}">
-                <a16:creationId xmlns:a16="http://schemas.microsoft.com/office/drawing/2014/main" id="{2B090284-D322-22FC-B77F-9810D939FBC6}"/>
-              </a:ext>
-            </a:extLst>
-          </p:cNvPr>
-          <p:cNvSpPr txBox="1"/>
-          <p:nvPr/>
-        </p:nvSpPr>
-        <p:spPr>
-          <a:xfrm>
-            <a:off x="9642172" y="2335860"/>
-            <a:ext cx="1377300" cy="261610"/>
-          </a:xfrm>
-          <a:prstGeom prst="rect">
-            <a:avLst/>
-          </a:prstGeom>
-          <a:ln>
-            <a:noFill/>
-          </a:ln>
-        </p:spPr>
-        <p:style>
-          <a:lnRef idx="2">
-            <a:schemeClr val="dk1"/>
-          </a:lnRef>
-          <a:fillRef idx="1">
-            <a:schemeClr val="lt1"/>
-          </a:fillRef>
-          <a:effectRef idx="0">
-            <a:schemeClr val="dk1"/>
-          </a:effectRef>
-          <a:fontRef idx="minor">
-            <a:schemeClr val="dk1"/>
-          </a:fontRef>
-        </p:style>
-        <p:txBody>
-          <a:bodyPr wrap="none" rtlCol="0">
-            <a:spAutoFit/>
-          </a:bodyPr>
-          <a:lstStyle/>
-          <a:p>
-            <a:r>
-              <a:rPr lang="en-US" altLang="ko-KR" sz="1100" dirty="0">
-                <a:solidFill>
-                  <a:schemeClr val="accent1">
-                    <a:lumMod val="60000"/>
-                    <a:lumOff val="40000"/>
-                  </a:schemeClr>
-                </a:solidFill>
-              </a:rPr>
-              <a:t>CountAccumulator</a:t>
-            </a:r>
-            <a:endParaRPr lang="ko-KR" altLang="en-US" sz="1100" dirty="0">
-              <a:solidFill>
-                <a:schemeClr val="accent1">
-                  <a:lumMod val="60000"/>
-                  <a:lumOff val="40000"/>
-                </a:schemeClr>
-              </a:solidFill>
-            </a:endParaRPr>
-          </a:p>
-        </p:txBody>
-      </p:sp>
-      <p:sp>
-        <p:nvSpPr>
-          <p:cNvPr id="46" name="TextBox 45">
-            <a:extLst>
-              <a:ext uri="{FF2B5EF4-FFF2-40B4-BE49-F238E27FC236}">
-                <a16:creationId xmlns:a16="http://schemas.microsoft.com/office/drawing/2014/main" id="{78A6D049-38A2-57A3-3EF3-5E28D18088EE}"/>
-              </a:ext>
-            </a:extLst>
-          </p:cNvPr>
-          <p:cNvSpPr txBox="1"/>
-          <p:nvPr/>
-        </p:nvSpPr>
-        <p:spPr>
-          <a:xfrm>
-            <a:off x="8819858" y="5698342"/>
-            <a:ext cx="2077172" cy="369332"/>
-          </a:xfrm>
-          <a:prstGeom prst="rect">
-            <a:avLst/>
-          </a:prstGeom>
-        </p:spPr>
-        <p:style>
-          <a:lnRef idx="2">
-            <a:schemeClr val="dk1"/>
-          </a:lnRef>
-          <a:fillRef idx="1">
-            <a:schemeClr val="lt1"/>
-          </a:fillRef>
-          <a:effectRef idx="0">
-            <a:schemeClr val="dk1"/>
-          </a:effectRef>
-          <a:fontRef idx="minor">
-            <a:schemeClr val="dk1"/>
-          </a:fontRef>
-        </p:style>
-        <p:txBody>
-          <a:bodyPr wrap="none" rtlCol="0">
-            <a:spAutoFit/>
-          </a:bodyPr>
-          <a:lstStyle/>
-          <a:p>
-            <a:r>
-              <a:rPr lang="en-US" altLang="ko-KR" dirty="0"/>
-              <a:t>CounterStatement</a:t>
-            </a:r>
-            <a:endParaRPr lang="ko-KR" altLang="en-US" dirty="0"/>
-          </a:p>
-        </p:txBody>
-      </p:sp>
-      <p:sp>
-        <p:nvSpPr>
-          <p:cNvPr id="3" name="TextBox 2">
-            <a:extLst>
-              <a:ext uri="{FF2B5EF4-FFF2-40B4-BE49-F238E27FC236}">
-                <a16:creationId xmlns:a16="http://schemas.microsoft.com/office/drawing/2014/main" id="{A01FA822-B995-09A6-6574-7F9B76403C80}"/>
-              </a:ext>
-            </a:extLst>
-          </p:cNvPr>
-          <p:cNvSpPr txBox="1"/>
-          <p:nvPr/>
-        </p:nvSpPr>
-        <p:spPr>
-          <a:xfrm>
-            <a:off x="1108311" y="5698342"/>
-            <a:ext cx="1832233" cy="369332"/>
-          </a:xfrm>
-          <a:prstGeom prst="rect">
-            <a:avLst/>
-          </a:prstGeom>
-        </p:spPr>
-        <p:style>
-          <a:lnRef idx="2">
-            <a:schemeClr val="dk1"/>
-          </a:lnRef>
-          <a:fillRef idx="1">
-            <a:schemeClr val="lt1"/>
-          </a:fillRef>
-          <a:effectRef idx="0">
-            <a:schemeClr val="dk1"/>
-          </a:effectRef>
-          <a:fontRef idx="minor">
-            <a:schemeClr val="dk1"/>
-          </a:fontRef>
-        </p:style>
-        <p:txBody>
-          <a:bodyPr wrap="none" rtlCol="0">
-            <a:spAutoFit/>
-          </a:bodyPr>
-          <a:lstStyle/>
-          <a:p>
-            <a:r>
-              <a:rPr lang="en-US" altLang="ko-KR" dirty="0"/>
-              <a:t>TimerStatement</a:t>
-            </a:r>
-            <a:endParaRPr lang="ko-KR" altLang="en-US" dirty="0"/>
-          </a:p>
-        </p:txBody>
-      </p:sp>
+      </p:pic>
     </p:spTree>
     <p:extLst>
       <p:ext uri="{BB962C8B-B14F-4D97-AF65-F5344CB8AC3E}">
-        <p14:creationId xmlns:p14="http://schemas.microsoft.com/office/powerpoint/2010/main" val="3377512998"/>
+        <p14:creationId xmlns:p14="http://schemas.microsoft.com/office/powerpoint/2010/main" val="1553439810"/>
       </p:ext>
     </p:extLst>
   </p:cSld>
@@ -4911,7 +4033,7 @@
           <p:cNvPr id="2" name="제목 1">
             <a:extLst>
               <a:ext uri="{FF2B5EF4-FFF2-40B4-BE49-F238E27FC236}">
-                <a16:creationId xmlns:a16="http://schemas.microsoft.com/office/drawing/2014/main" id="{1B5AB5BE-0CEB-62D1-287B-7A8FB8BC868A}"/>
+                <a16:creationId xmlns:a16="http://schemas.microsoft.com/office/drawing/2014/main" id="{970ED5B0-B1A6-1FC1-C865-BC2D394F99CC}"/>
               </a:ext>
             </a:extLst>
           </p:cNvPr>
@@ -4922,352 +4044,64 @@
             <p:ph type="title"/>
           </p:nvPr>
         </p:nvSpPr>
-        <p:spPr/>
-        <p:txBody>
-          <a:bodyPr/>
-          <a:lstStyle/>
-          <a:p>
+        <p:spPr>
+          <a:xfrm>
+            <a:off x="838200" y="365126"/>
+            <a:ext cx="2627811" cy="867138"/>
+          </a:xfrm>
+        </p:spPr>
+        <p:txBody>
+          <a:bodyPr>
+            <a:normAutofit/>
+          </a:bodyPr>
+          <a:lstStyle/>
+          <a:p>
+            <a:r>
+              <a:rPr lang="ko-KR" altLang="en-US" dirty="0"/>
+              <a:t>산전 </a:t>
+            </a:r>
             <a:r>
               <a:rPr lang="en-US" altLang="ko-KR" dirty="0"/>
-              <a:t>Classes : Timer/Counter top level</a:t>
+              <a:t>TON</a:t>
             </a:r>
             <a:endParaRPr lang="ko-KR" altLang="en-US" dirty="0"/>
           </a:p>
         </p:txBody>
       </p:sp>
-      <p:sp>
-        <p:nvSpPr>
-          <p:cNvPr id="5" name="TextBox 4">
-            <a:extLst>
-              <a:ext uri="{FF2B5EF4-FFF2-40B4-BE49-F238E27FC236}">
-                <a16:creationId xmlns:a16="http://schemas.microsoft.com/office/drawing/2014/main" id="{97A82AB5-B6A3-7DF3-7F5D-F0EAA673A0E9}"/>
-              </a:ext>
-            </a:extLst>
-          </p:cNvPr>
-          <p:cNvSpPr txBox="1"/>
+      <p:pic>
+        <p:nvPicPr>
+          <p:cNvPr id="4" name="그림 3">
+            <a:extLst>
+              <a:ext uri="{FF2B5EF4-FFF2-40B4-BE49-F238E27FC236}">
+                <a16:creationId xmlns:a16="http://schemas.microsoft.com/office/drawing/2014/main" id="{4273623C-B4A6-D008-C8B1-010065B355F5}"/>
+              </a:ext>
+            </a:extLst>
+          </p:cNvPr>
+          <p:cNvPicPr>
+            <a:picLocks noChangeAspect="1"/>
+          </p:cNvPicPr>
           <p:nvPr/>
-        </p:nvSpPr>
+        </p:nvPicPr>
+        <p:blipFill>
+          <a:blip r:embed="rId2"/>
+          <a:stretch>
+            <a:fillRect/>
+          </a:stretch>
+        </p:blipFill>
         <p:spPr>
           <a:xfrm>
-            <a:off x="951344" y="1889174"/>
-            <a:ext cx="9938329" cy="3970318"/>
+            <a:off x="2128837" y="995362"/>
+            <a:ext cx="7934325" cy="4867275"/>
           </a:xfrm>
           <a:prstGeom prst="rect">
             <a:avLst/>
           </a:prstGeom>
-          <a:noFill/>
-        </p:spPr>
-        <p:txBody>
-          <a:bodyPr wrap="square">
-            <a:spAutoFit/>
-          </a:bodyPr>
-          <a:lstStyle/>
-          <a:p>
-            <a:r>
-              <a:rPr lang="en-US" altLang="ko-KR" sz="1400" dirty="0">
-                <a:solidFill>
-                  <a:srgbClr val="0000FF"/>
-                </a:solidFill>
-                <a:latin typeface="Cascadia Mono" panose="020B0609020000020004" pitchFamily="49" charset="0"/>
-              </a:rPr>
-              <a:t>type</a:t>
-            </a:r>
-            <a:r>
-              <a:rPr lang="en-US" altLang="ko-KR" sz="1400" dirty="0">
-                <a:solidFill>
-                  <a:srgbClr val="000000"/>
-                </a:solidFill>
-                <a:latin typeface="Cascadia Mono" panose="020B0609020000020004" pitchFamily="49" charset="0"/>
-              </a:rPr>
-              <a:t> Statement =</a:t>
-            </a:r>
-          </a:p>
-          <a:p>
-            <a:r>
-              <a:rPr lang="en-US" altLang="ko-KR" sz="1400" dirty="0">
-                <a:solidFill>
-                  <a:srgbClr val="000000"/>
-                </a:solidFill>
-                <a:latin typeface="Cascadia Mono" panose="020B0609020000020004" pitchFamily="49" charset="0"/>
-              </a:rPr>
-              <a:t>        | DuAssign </a:t>
-            </a:r>
-            <a:r>
-              <a:rPr lang="en-US" altLang="ko-KR" sz="1400" dirty="0">
-                <a:solidFill>
-                  <a:srgbClr val="0000FF"/>
-                </a:solidFill>
-                <a:latin typeface="Cascadia Mono" panose="020B0609020000020004" pitchFamily="49" charset="0"/>
-              </a:rPr>
-              <a:t>of</a:t>
-            </a:r>
-            <a:r>
-              <a:rPr lang="en-US" altLang="ko-KR" sz="1400" dirty="0">
-                <a:solidFill>
-                  <a:srgbClr val="000000"/>
-                </a:solidFill>
-                <a:latin typeface="Cascadia Mono" panose="020B0609020000020004" pitchFamily="49" charset="0"/>
-              </a:rPr>
-              <a:t> expression:IExpression * target:IStorage</a:t>
-            </a:r>
-          </a:p>
-          <a:p>
-            <a:r>
-              <a:rPr lang="en-US" altLang="ko-KR" sz="1400" dirty="0">
-                <a:solidFill>
-                  <a:srgbClr val="000000"/>
-                </a:solidFill>
-                <a:latin typeface="Cascadia Mono" panose="020B0609020000020004" pitchFamily="49" charset="0"/>
-              </a:rPr>
-              <a:t>        | DuVarDecl </a:t>
-            </a:r>
-            <a:r>
-              <a:rPr lang="en-US" altLang="ko-KR" sz="1400" dirty="0">
-                <a:solidFill>
-                  <a:srgbClr val="0000FF"/>
-                </a:solidFill>
-                <a:latin typeface="Cascadia Mono" panose="020B0609020000020004" pitchFamily="49" charset="0"/>
-              </a:rPr>
-              <a:t>of</a:t>
-            </a:r>
-            <a:r>
-              <a:rPr lang="en-US" altLang="ko-KR" sz="1400" dirty="0">
-                <a:solidFill>
-                  <a:srgbClr val="000000"/>
-                </a:solidFill>
-                <a:latin typeface="Cascadia Mono" panose="020B0609020000020004" pitchFamily="49" charset="0"/>
-              </a:rPr>
-              <a:t> expression:IExpression * variable:IStorage</a:t>
-            </a:r>
-          </a:p>
-          <a:p>
-            <a:r>
-              <a:rPr lang="en-US" altLang="ko-KR" sz="1400" dirty="0">
-                <a:solidFill>
-                  <a:srgbClr val="000000"/>
-                </a:solidFill>
-                <a:latin typeface="Cascadia Mono" panose="020B0609020000020004" pitchFamily="49" charset="0"/>
-              </a:rPr>
-              <a:t>        | DuTimer </a:t>
-            </a:r>
-            <a:r>
-              <a:rPr lang="en-US" altLang="ko-KR" sz="1400" dirty="0">
-                <a:solidFill>
-                  <a:srgbClr val="0000FF"/>
-                </a:solidFill>
-                <a:latin typeface="Cascadia Mono" panose="020B0609020000020004" pitchFamily="49" charset="0"/>
-              </a:rPr>
-              <a:t>of</a:t>
-            </a:r>
-            <a:r>
-              <a:rPr lang="en-US" altLang="ko-KR" sz="1400" dirty="0">
-                <a:solidFill>
-                  <a:srgbClr val="000000"/>
-                </a:solidFill>
-                <a:latin typeface="Cascadia Mono" panose="020B0609020000020004" pitchFamily="49" charset="0"/>
-              </a:rPr>
-              <a:t> TimerStatement</a:t>
-            </a:r>
-          </a:p>
-          <a:p>
-            <a:r>
-              <a:rPr lang="en-US" altLang="ko-KR" sz="1400" dirty="0">
-                <a:solidFill>
-                  <a:srgbClr val="000000"/>
-                </a:solidFill>
-                <a:latin typeface="Cascadia Mono" panose="020B0609020000020004" pitchFamily="49" charset="0"/>
-              </a:rPr>
-              <a:t>        | DuCounter </a:t>
-            </a:r>
-            <a:r>
-              <a:rPr lang="en-US" altLang="ko-KR" sz="1400" dirty="0">
-                <a:solidFill>
-                  <a:srgbClr val="0000FF"/>
-                </a:solidFill>
-                <a:latin typeface="Cascadia Mono" panose="020B0609020000020004" pitchFamily="49" charset="0"/>
-              </a:rPr>
-              <a:t>of</a:t>
-            </a:r>
-            <a:r>
-              <a:rPr lang="en-US" altLang="ko-KR" sz="1400" dirty="0">
-                <a:solidFill>
-                  <a:srgbClr val="000000"/>
-                </a:solidFill>
-                <a:latin typeface="Cascadia Mono" panose="020B0609020000020004" pitchFamily="49" charset="0"/>
-              </a:rPr>
-              <a:t> CounterStatement</a:t>
-            </a:r>
-          </a:p>
-          <a:p>
-            <a:endParaRPr lang="en-US" altLang="ko-KR" sz="1400" dirty="0">
-              <a:solidFill>
-                <a:srgbClr val="000000"/>
-              </a:solidFill>
-              <a:latin typeface="Cascadia Mono" panose="020B0609020000020004" pitchFamily="49" charset="0"/>
-            </a:endParaRPr>
-          </a:p>
-          <a:p>
-            <a:r>
-              <a:rPr lang="en-US" altLang="ko-KR" sz="1400" dirty="0">
-                <a:solidFill>
-                  <a:srgbClr val="0000FF"/>
-                </a:solidFill>
-                <a:latin typeface="Cascadia Mono" panose="020B0609020000020004" pitchFamily="49" charset="0"/>
-              </a:rPr>
-              <a:t>type</a:t>
-            </a:r>
-            <a:r>
-              <a:rPr lang="en-US" altLang="ko-KR" sz="1400" dirty="0">
-                <a:solidFill>
-                  <a:srgbClr val="000000"/>
-                </a:solidFill>
-                <a:latin typeface="Cascadia Mono" panose="020B0609020000020004" pitchFamily="49" charset="0"/>
-              </a:rPr>
-              <a:t> TimerStatement = {</a:t>
-            </a:r>
-          </a:p>
-          <a:p>
-            <a:r>
-              <a:rPr lang="en-US" altLang="ko-KR" sz="1400" dirty="0">
-                <a:solidFill>
-                  <a:srgbClr val="000000"/>
-                </a:solidFill>
-                <a:latin typeface="Cascadia Mono" panose="020B0609020000020004" pitchFamily="49" charset="0"/>
-              </a:rPr>
-              <a:t>    Timer:</a:t>
-            </a:r>
-            <a:r>
-              <a:rPr lang="en-US" altLang="ko-KR" sz="1400" dirty="0">
-                <a:solidFill>
-                  <a:srgbClr val="FF0000"/>
-                </a:solidFill>
-                <a:latin typeface="Cascadia Mono" panose="020B0609020000020004" pitchFamily="49" charset="0"/>
-              </a:rPr>
-              <a:t>Timer</a:t>
-            </a:r>
-          </a:p>
-          <a:p>
-            <a:r>
-              <a:rPr lang="en-US" altLang="ko-KR" sz="1400" dirty="0">
-                <a:solidFill>
-                  <a:srgbClr val="000000"/>
-                </a:solidFill>
-                <a:latin typeface="Cascadia Mono" panose="020B0609020000020004" pitchFamily="49" charset="0"/>
-              </a:rPr>
-              <a:t>    RungInCondition: IExpression&lt;bool&gt; option</a:t>
-            </a:r>
-          </a:p>
-          <a:p>
-            <a:r>
-              <a:rPr lang="en-US" altLang="ko-KR" sz="1400" dirty="0">
-                <a:solidFill>
-                  <a:srgbClr val="000000"/>
-                </a:solidFill>
-                <a:latin typeface="Cascadia Mono" panose="020B0609020000020004" pitchFamily="49" charset="0"/>
-              </a:rPr>
-              <a:t>    ResetCondition:  IExpression&lt;bool&gt; option</a:t>
-            </a:r>
-          </a:p>
-          <a:p>
-            <a:r>
-              <a:rPr lang="en-US" altLang="ko-KR" sz="1400" dirty="0">
-                <a:solidFill>
-                  <a:srgbClr val="000000"/>
-                </a:solidFill>
-                <a:latin typeface="Cascadia Mono" panose="020B0609020000020004" pitchFamily="49" charset="0"/>
-              </a:rPr>
-              <a:t>}</a:t>
-            </a:r>
-          </a:p>
-          <a:p>
-            <a:endParaRPr lang="ko-KR" altLang="en-US" sz="1400" dirty="0">
-              <a:solidFill>
-                <a:srgbClr val="000000"/>
-              </a:solidFill>
-              <a:latin typeface="Cascadia Mono" panose="020B0609020000020004" pitchFamily="49" charset="0"/>
-            </a:endParaRPr>
-          </a:p>
-          <a:p>
-            <a:r>
-              <a:rPr lang="en-US" altLang="ko-KR" sz="1400" dirty="0">
-                <a:solidFill>
-                  <a:srgbClr val="0000FF"/>
-                </a:solidFill>
-                <a:latin typeface="Cascadia Mono" panose="020B0609020000020004" pitchFamily="49" charset="0"/>
-              </a:rPr>
-              <a:t>type</a:t>
-            </a:r>
-            <a:r>
-              <a:rPr lang="en-US" altLang="ko-KR" sz="1400" dirty="0">
-                <a:solidFill>
-                  <a:srgbClr val="000000"/>
-                </a:solidFill>
-                <a:latin typeface="Cascadia Mono" panose="020B0609020000020004" pitchFamily="49" charset="0"/>
-              </a:rPr>
-              <a:t> CounterStatement = {</a:t>
-            </a:r>
-          </a:p>
-          <a:p>
-            <a:r>
-              <a:rPr lang="en-US" altLang="ko-KR" sz="1400" dirty="0">
-                <a:solidFill>
-                  <a:srgbClr val="000000"/>
-                </a:solidFill>
-                <a:latin typeface="Cascadia Mono" panose="020B0609020000020004" pitchFamily="49" charset="0"/>
-              </a:rPr>
-              <a:t>    Counter:Counter</a:t>
-            </a:r>
-          </a:p>
-          <a:p>
-            <a:r>
-              <a:rPr lang="en-US" altLang="ko-KR" sz="1400" dirty="0">
-                <a:solidFill>
-                  <a:srgbClr val="000000"/>
-                </a:solidFill>
-                <a:latin typeface="Cascadia Mono" panose="020B0609020000020004" pitchFamily="49" charset="0"/>
-              </a:rPr>
-              <a:t>    UpCondition: IExpression&lt;bool&gt; option</a:t>
-            </a:r>
-          </a:p>
-          <a:p>
-            <a:r>
-              <a:rPr lang="en-US" altLang="ko-KR" sz="1400" dirty="0">
-                <a:solidFill>
-                  <a:srgbClr val="000000"/>
-                </a:solidFill>
-                <a:latin typeface="Cascadia Mono" panose="020B0609020000020004" pitchFamily="49" charset="0"/>
-              </a:rPr>
-              <a:t>    DownCondition: IExpression&lt;bool&gt; option</a:t>
-            </a:r>
-          </a:p>
-          <a:p>
-            <a:r>
-              <a:rPr lang="en-US" altLang="ko-KR" sz="1400" dirty="0">
-                <a:solidFill>
-                  <a:srgbClr val="000000"/>
-                </a:solidFill>
-                <a:latin typeface="Cascadia Mono" panose="020B0609020000020004" pitchFamily="49" charset="0"/>
-              </a:rPr>
-              <a:t>    ResetCondition:  IExpression&lt;bool&gt; option</a:t>
-            </a:r>
-          </a:p>
-          <a:p>
-            <a:r>
-              <a:rPr lang="en-US" altLang="ko-KR" sz="1400" dirty="0">
-                <a:solidFill>
-                  <a:srgbClr val="000000"/>
-                </a:solidFill>
-                <a:latin typeface="Cascadia Mono" panose="020B0609020000020004" pitchFamily="49" charset="0"/>
-              </a:rPr>
-              <a:t>}</a:t>
-            </a:r>
-          </a:p>
-        </p:txBody>
-      </p:sp>
+        </p:spPr>
+      </p:pic>
     </p:spTree>
     <p:extLst>
       <p:ext uri="{BB962C8B-B14F-4D97-AF65-F5344CB8AC3E}">
-        <p14:creationId xmlns:p14="http://schemas.microsoft.com/office/powerpoint/2010/main" val="3044527727"/>
+        <p14:creationId xmlns:p14="http://schemas.microsoft.com/office/powerpoint/2010/main" val="207682465"/>
       </p:ext>
     </p:extLst>
   </p:cSld>
@@ -5299,7 +4133,7 @@
           <p:cNvPr id="2" name="제목 1">
             <a:extLst>
               <a:ext uri="{FF2B5EF4-FFF2-40B4-BE49-F238E27FC236}">
-                <a16:creationId xmlns:a16="http://schemas.microsoft.com/office/drawing/2014/main" id="{5EB18DC9-FC2F-0591-7F29-6E1E653363F3}"/>
+                <a16:creationId xmlns:a16="http://schemas.microsoft.com/office/drawing/2014/main" id="{970ED5B0-B1A6-1FC1-C865-BC2D394F99CC}"/>
               </a:ext>
             </a:extLst>
           </p:cNvPr>
@@ -5310,567 +4144,64 @@
             <p:ph type="title"/>
           </p:nvPr>
         </p:nvSpPr>
-        <p:spPr/>
-        <p:txBody>
-          <a:bodyPr/>
-          <a:lstStyle/>
-          <a:p>
+        <p:spPr>
+          <a:xfrm>
+            <a:off x="838200" y="365126"/>
+            <a:ext cx="2627811" cy="867138"/>
+          </a:xfrm>
+        </p:spPr>
+        <p:txBody>
+          <a:bodyPr>
+            <a:normAutofit/>
+          </a:bodyPr>
+          <a:lstStyle/>
+          <a:p>
+            <a:r>
+              <a:rPr lang="ko-KR" altLang="en-US" dirty="0"/>
+              <a:t>산전 </a:t>
+            </a:r>
             <a:r>
               <a:rPr lang="en-US" altLang="ko-KR" dirty="0"/>
-              <a:t>Classes : Timer statements</a:t>
+              <a:t>TOF</a:t>
             </a:r>
             <a:endParaRPr lang="ko-KR" altLang="en-US" dirty="0"/>
           </a:p>
         </p:txBody>
       </p:sp>
-      <p:sp>
-        <p:nvSpPr>
-          <p:cNvPr id="5" name="TextBox 4">
-            <a:extLst>
-              <a:ext uri="{FF2B5EF4-FFF2-40B4-BE49-F238E27FC236}">
-                <a16:creationId xmlns:a16="http://schemas.microsoft.com/office/drawing/2014/main" id="{8E9067D1-0ED2-925C-8C37-9111D6743EA1}"/>
-              </a:ext>
-            </a:extLst>
-          </p:cNvPr>
-          <p:cNvSpPr txBox="1"/>
+      <p:pic>
+        <p:nvPicPr>
+          <p:cNvPr id="5" name="그림 4">
+            <a:extLst>
+              <a:ext uri="{FF2B5EF4-FFF2-40B4-BE49-F238E27FC236}">
+                <a16:creationId xmlns:a16="http://schemas.microsoft.com/office/drawing/2014/main" id="{3DC12354-AF74-307C-BB1F-D62E9B84EB86}"/>
+              </a:ext>
+            </a:extLst>
+          </p:cNvPr>
+          <p:cNvPicPr>
+            <a:picLocks noChangeAspect="1"/>
+          </p:cNvPicPr>
           <p:nvPr/>
-        </p:nvSpPr>
+        </p:nvPicPr>
+        <p:blipFill>
+          <a:blip r:embed="rId2"/>
+          <a:stretch>
+            <a:fillRect/>
+          </a:stretch>
+        </p:blipFill>
         <p:spPr>
           <a:xfrm>
-            <a:off x="838200" y="1880581"/>
-            <a:ext cx="10594109" cy="4524315"/>
+            <a:off x="2024062" y="1090612"/>
+            <a:ext cx="8143875" cy="4676775"/>
           </a:xfrm>
           <a:prstGeom prst="rect">
             <a:avLst/>
           </a:prstGeom>
-          <a:noFill/>
-        </p:spPr>
-        <p:txBody>
-          <a:bodyPr wrap="square">
-            <a:spAutoFit/>
-          </a:bodyPr>
-          <a:lstStyle/>
-          <a:p>
-            <a:r>
-              <a:rPr lang="en-US" altLang="ko-KR" sz="1800" dirty="0">
-                <a:solidFill>
-                  <a:srgbClr val="0000FF"/>
-                </a:solidFill>
-                <a:latin typeface="Cascadia Mono" panose="020B0609020000020004" pitchFamily="49" charset="0"/>
-              </a:rPr>
-              <a:t>type</a:t>
-            </a:r>
-            <a:r>
-              <a:rPr lang="en-US" altLang="ko-KR" sz="1800" dirty="0">
-                <a:solidFill>
-                  <a:srgbClr val="000000"/>
-                </a:solidFill>
-                <a:latin typeface="Cascadia Mono" panose="020B0609020000020004" pitchFamily="49" charset="0"/>
-              </a:rPr>
-              <a:t> Timer </a:t>
-            </a:r>
-            <a:r>
-              <a:rPr lang="en-US" altLang="ko-KR" sz="1800" dirty="0">
-                <a:solidFill>
-                  <a:srgbClr val="0000FF"/>
-                </a:solidFill>
-                <a:latin typeface="Cascadia Mono" panose="020B0609020000020004" pitchFamily="49" charset="0"/>
-              </a:rPr>
-              <a:t>internal</a:t>
-            </a:r>
-            <a:r>
-              <a:rPr lang="en-US" altLang="ko-KR" sz="1800" dirty="0">
-                <a:solidFill>
-                  <a:srgbClr val="000000"/>
-                </a:solidFill>
-                <a:latin typeface="Cascadia Mono" panose="020B0609020000020004" pitchFamily="49" charset="0"/>
-              </a:rPr>
-              <a:t>(typ:TimerType, timerStruct:TimerStruct) =</a:t>
-            </a:r>
-          </a:p>
-          <a:p>
-            <a:endParaRPr lang="ko-KR" altLang="en-US" sz="1800" dirty="0">
-              <a:solidFill>
-                <a:srgbClr val="000000"/>
-              </a:solidFill>
-              <a:latin typeface="Cascadia Mono" panose="020B0609020000020004" pitchFamily="49" charset="0"/>
-            </a:endParaRPr>
-          </a:p>
-          <a:p>
-            <a:r>
-              <a:rPr lang="en-US" altLang="ko-KR" sz="1800" dirty="0">
-                <a:solidFill>
-                  <a:srgbClr val="000000"/>
-                </a:solidFill>
-                <a:latin typeface="Cascadia Mono" panose="020B0609020000020004" pitchFamily="49" charset="0"/>
-              </a:rPr>
-              <a:t>    </a:t>
-            </a:r>
-            <a:r>
-              <a:rPr lang="en-US" altLang="ko-KR" sz="1800" dirty="0">
-                <a:solidFill>
-                  <a:srgbClr val="0000FF"/>
-                </a:solidFill>
-                <a:latin typeface="Cascadia Mono" panose="020B0609020000020004" pitchFamily="49" charset="0"/>
-              </a:rPr>
-              <a:t>let</a:t>
-            </a:r>
-            <a:r>
-              <a:rPr lang="en-US" altLang="ko-KR" sz="1800" dirty="0">
-                <a:solidFill>
-                  <a:srgbClr val="000000"/>
-                </a:solidFill>
-                <a:latin typeface="Cascadia Mono" panose="020B0609020000020004" pitchFamily="49" charset="0"/>
-              </a:rPr>
-              <a:t> accumulator = </a:t>
-            </a:r>
-            <a:r>
-              <a:rPr lang="en-US" altLang="ko-KR" sz="1800" dirty="0">
-                <a:solidFill>
-                  <a:srgbClr val="0000FF"/>
-                </a:solidFill>
-                <a:latin typeface="Cascadia Mono" panose="020B0609020000020004" pitchFamily="49" charset="0"/>
-              </a:rPr>
-              <a:t>new</a:t>
-            </a:r>
-            <a:r>
-              <a:rPr lang="en-US" altLang="ko-KR" sz="1800" dirty="0">
-                <a:solidFill>
-                  <a:srgbClr val="000000"/>
-                </a:solidFill>
-                <a:latin typeface="Cascadia Mono" panose="020B0609020000020004" pitchFamily="49" charset="0"/>
-              </a:rPr>
-              <a:t> TickAccumulator(typ, timerStruct)</a:t>
-            </a:r>
-          </a:p>
-          <a:p>
-            <a:endParaRPr lang="ko-KR" altLang="en-US" sz="1800" dirty="0">
-              <a:solidFill>
-                <a:srgbClr val="000000"/>
-              </a:solidFill>
-              <a:latin typeface="Cascadia Mono" panose="020B0609020000020004" pitchFamily="49" charset="0"/>
-            </a:endParaRPr>
-          </a:p>
-          <a:p>
-            <a:r>
-              <a:rPr lang="en-US" altLang="ko-KR" sz="1800" dirty="0">
-                <a:solidFill>
-                  <a:srgbClr val="000000"/>
-                </a:solidFill>
-                <a:latin typeface="Cascadia Mono" panose="020B0609020000020004" pitchFamily="49" charset="0"/>
-              </a:rPr>
-              <a:t>    </a:t>
-            </a:r>
-            <a:r>
-              <a:rPr lang="en-US" altLang="ko-KR" sz="1800" dirty="0">
-                <a:solidFill>
-                  <a:srgbClr val="0000FF"/>
-                </a:solidFill>
-                <a:latin typeface="Cascadia Mono" panose="020B0609020000020004" pitchFamily="49" charset="0"/>
-              </a:rPr>
-              <a:t>member</a:t>
-            </a:r>
-            <a:r>
-              <a:rPr lang="en-US" altLang="ko-KR" sz="1800" dirty="0">
-                <a:solidFill>
-                  <a:srgbClr val="000000"/>
-                </a:solidFill>
-                <a:latin typeface="Cascadia Mono" panose="020B0609020000020004" pitchFamily="49" charset="0"/>
-              </a:rPr>
-              <a:t> _.Type = typ</a:t>
-            </a:r>
-          </a:p>
-          <a:p>
-            <a:r>
-              <a:rPr lang="en-US" altLang="ko-KR" sz="1800" dirty="0">
-                <a:solidFill>
-                  <a:srgbClr val="000000"/>
-                </a:solidFill>
-                <a:latin typeface="Cascadia Mono" panose="020B0609020000020004" pitchFamily="49" charset="0"/>
-              </a:rPr>
-              <a:t>    </a:t>
-            </a:r>
-            <a:r>
-              <a:rPr lang="en-US" altLang="ko-KR" sz="1800" dirty="0">
-                <a:solidFill>
-                  <a:srgbClr val="0000FF"/>
-                </a:solidFill>
-                <a:latin typeface="Cascadia Mono" panose="020B0609020000020004" pitchFamily="49" charset="0"/>
-              </a:rPr>
-              <a:t>member</a:t>
-            </a:r>
-            <a:r>
-              <a:rPr lang="en-US" altLang="ko-KR" sz="1800" dirty="0">
-                <a:solidFill>
-                  <a:srgbClr val="000000"/>
-                </a:solidFill>
-                <a:latin typeface="Cascadia Mono" panose="020B0609020000020004" pitchFamily="49" charset="0"/>
-              </a:rPr>
-              <a:t> _.Name = timerStruct.Name</a:t>
-            </a:r>
-          </a:p>
-          <a:p>
-            <a:r>
-              <a:rPr lang="en-US" altLang="ko-KR" sz="1800" dirty="0">
-                <a:solidFill>
-                  <a:srgbClr val="000000"/>
-                </a:solidFill>
-                <a:latin typeface="Cascadia Mono" panose="020B0609020000020004" pitchFamily="49" charset="0"/>
-              </a:rPr>
-              <a:t>    </a:t>
-            </a:r>
-            <a:r>
-              <a:rPr lang="en-US" altLang="ko-KR" sz="1800" dirty="0">
-                <a:solidFill>
-                  <a:srgbClr val="0000FF"/>
-                </a:solidFill>
-                <a:latin typeface="Cascadia Mono" panose="020B0609020000020004" pitchFamily="49" charset="0"/>
-              </a:rPr>
-              <a:t>member</a:t>
-            </a:r>
-            <a:r>
-              <a:rPr lang="en-US" altLang="ko-KR" sz="1800" dirty="0">
-                <a:solidFill>
-                  <a:srgbClr val="000000"/>
-                </a:solidFill>
-                <a:latin typeface="Cascadia Mono" panose="020B0609020000020004" pitchFamily="49" charset="0"/>
-              </a:rPr>
-              <a:t> _.EN = timerStruct.EN</a:t>
-            </a:r>
-          </a:p>
-          <a:p>
-            <a:r>
-              <a:rPr lang="en-US" altLang="ko-KR" sz="1800" dirty="0">
-                <a:solidFill>
-                  <a:srgbClr val="000000"/>
-                </a:solidFill>
-                <a:latin typeface="Cascadia Mono" panose="020B0609020000020004" pitchFamily="49" charset="0"/>
-              </a:rPr>
-              <a:t>    </a:t>
-            </a:r>
-            <a:r>
-              <a:rPr lang="en-US" altLang="ko-KR" sz="1800" dirty="0">
-                <a:solidFill>
-                  <a:srgbClr val="0000FF"/>
-                </a:solidFill>
-                <a:latin typeface="Cascadia Mono" panose="020B0609020000020004" pitchFamily="49" charset="0"/>
-              </a:rPr>
-              <a:t>member</a:t>
-            </a:r>
-            <a:r>
-              <a:rPr lang="en-US" altLang="ko-KR" sz="1800" dirty="0">
-                <a:solidFill>
-                  <a:srgbClr val="000000"/>
-                </a:solidFill>
-                <a:latin typeface="Cascadia Mono" panose="020B0609020000020004" pitchFamily="49" charset="0"/>
-              </a:rPr>
-              <a:t> _.TT = timerStruct.TT</a:t>
-            </a:r>
-          </a:p>
-          <a:p>
-            <a:r>
-              <a:rPr lang="en-US" altLang="ko-KR" sz="1800" dirty="0">
-                <a:solidFill>
-                  <a:srgbClr val="000000"/>
-                </a:solidFill>
-                <a:latin typeface="Cascadia Mono" panose="020B0609020000020004" pitchFamily="49" charset="0"/>
-              </a:rPr>
-              <a:t>    </a:t>
-            </a:r>
-            <a:r>
-              <a:rPr lang="en-US" altLang="ko-KR" sz="1800" dirty="0">
-                <a:solidFill>
-                  <a:srgbClr val="0000FF"/>
-                </a:solidFill>
-                <a:latin typeface="Cascadia Mono" panose="020B0609020000020004" pitchFamily="49" charset="0"/>
-              </a:rPr>
-              <a:t>member</a:t>
-            </a:r>
-            <a:r>
-              <a:rPr lang="en-US" altLang="ko-KR" sz="1800" dirty="0">
-                <a:solidFill>
-                  <a:srgbClr val="000000"/>
-                </a:solidFill>
-                <a:latin typeface="Cascadia Mono" panose="020B0609020000020004" pitchFamily="49" charset="0"/>
-              </a:rPr>
-              <a:t> _.DN = timerStruct.DN</a:t>
-            </a:r>
-          </a:p>
-          <a:p>
-            <a:r>
-              <a:rPr lang="en-US" altLang="ko-KR" sz="1800" dirty="0">
-                <a:solidFill>
-                  <a:srgbClr val="000000"/>
-                </a:solidFill>
-                <a:latin typeface="Cascadia Mono" panose="020B0609020000020004" pitchFamily="49" charset="0"/>
-              </a:rPr>
-              <a:t>    </a:t>
-            </a:r>
-            <a:r>
-              <a:rPr lang="en-US" altLang="ko-KR" sz="1800" dirty="0">
-                <a:solidFill>
-                  <a:srgbClr val="0000FF"/>
-                </a:solidFill>
-                <a:latin typeface="Cascadia Mono" panose="020B0609020000020004" pitchFamily="49" charset="0"/>
-              </a:rPr>
-              <a:t>member</a:t>
-            </a:r>
-            <a:r>
-              <a:rPr lang="en-US" altLang="ko-KR" sz="1800" dirty="0">
-                <a:solidFill>
-                  <a:srgbClr val="000000"/>
-                </a:solidFill>
-                <a:latin typeface="Cascadia Mono" panose="020B0609020000020004" pitchFamily="49" charset="0"/>
-              </a:rPr>
-              <a:t> _.PRE = timerStruct.PRE</a:t>
-            </a:r>
-          </a:p>
-          <a:p>
-            <a:r>
-              <a:rPr lang="en-US" altLang="ko-KR" sz="1800" dirty="0">
-                <a:solidFill>
-                  <a:srgbClr val="000000"/>
-                </a:solidFill>
-                <a:latin typeface="Cascadia Mono" panose="020B0609020000020004" pitchFamily="49" charset="0"/>
-              </a:rPr>
-              <a:t>    </a:t>
-            </a:r>
-            <a:r>
-              <a:rPr lang="en-US" altLang="ko-KR" sz="1800" dirty="0">
-                <a:solidFill>
-                  <a:srgbClr val="0000FF"/>
-                </a:solidFill>
-                <a:latin typeface="Cascadia Mono" panose="020B0609020000020004" pitchFamily="49" charset="0"/>
-              </a:rPr>
-              <a:t>member</a:t>
-            </a:r>
-            <a:r>
-              <a:rPr lang="en-US" altLang="ko-KR" sz="1800" dirty="0">
-                <a:solidFill>
-                  <a:srgbClr val="000000"/>
-                </a:solidFill>
-                <a:latin typeface="Cascadia Mono" panose="020B0609020000020004" pitchFamily="49" charset="0"/>
-              </a:rPr>
-              <a:t> _.ACC = timerStruct.ACC</a:t>
-            </a:r>
-          </a:p>
-          <a:p>
-            <a:r>
-              <a:rPr lang="en-US" altLang="ko-KR" sz="1800" dirty="0">
-                <a:solidFill>
-                  <a:srgbClr val="000000"/>
-                </a:solidFill>
-                <a:latin typeface="Cascadia Mono" panose="020B0609020000020004" pitchFamily="49" charset="0"/>
-              </a:rPr>
-              <a:t>    </a:t>
-            </a:r>
-            <a:r>
-              <a:rPr lang="en-US" altLang="ko-KR" sz="1800" dirty="0">
-                <a:solidFill>
-                  <a:srgbClr val="0000FF"/>
-                </a:solidFill>
-                <a:latin typeface="Cascadia Mono" panose="020B0609020000020004" pitchFamily="49" charset="0"/>
-              </a:rPr>
-              <a:t>member</a:t>
-            </a:r>
-            <a:r>
-              <a:rPr lang="en-US" altLang="ko-KR" sz="1800" dirty="0">
-                <a:solidFill>
-                  <a:srgbClr val="000000"/>
-                </a:solidFill>
-                <a:latin typeface="Cascadia Mono" panose="020B0609020000020004" pitchFamily="49" charset="0"/>
-              </a:rPr>
-              <a:t> _.RES = timerStruct.RES</a:t>
-            </a:r>
-          </a:p>
-          <a:p>
-            <a:endParaRPr lang="ko-KR" altLang="en-US" sz="1800" dirty="0">
-              <a:solidFill>
-                <a:srgbClr val="000000"/>
-              </a:solidFill>
-              <a:latin typeface="Cascadia Mono" panose="020B0609020000020004" pitchFamily="49" charset="0"/>
-            </a:endParaRPr>
-          </a:p>
-          <a:p>
-            <a:r>
-              <a:rPr lang="en-US" altLang="ko-KR" sz="1800" dirty="0">
-                <a:solidFill>
-                  <a:srgbClr val="000000"/>
-                </a:solidFill>
-                <a:latin typeface="Cascadia Mono" panose="020B0609020000020004" pitchFamily="49" charset="0"/>
-              </a:rPr>
-              <a:t>    </a:t>
-            </a:r>
-            <a:r>
-              <a:rPr lang="en-US" altLang="ko-KR" sz="1800" dirty="0">
-                <a:solidFill>
-                  <a:srgbClr val="0000FF"/>
-                </a:solidFill>
-                <a:latin typeface="Cascadia Mono" panose="020B0609020000020004" pitchFamily="49" charset="0"/>
-              </a:rPr>
-              <a:t>member</a:t>
-            </a:r>
-            <a:r>
-              <a:rPr lang="en-US" altLang="ko-KR" sz="1800" dirty="0">
-                <a:solidFill>
-                  <a:srgbClr val="000000"/>
-                </a:solidFill>
-                <a:latin typeface="Cascadia Mono" panose="020B0609020000020004" pitchFamily="49" charset="0"/>
-              </a:rPr>
-              <a:t> </a:t>
-            </a:r>
-            <a:r>
-              <a:rPr lang="en-US" altLang="ko-KR" sz="1800" dirty="0">
-                <a:solidFill>
-                  <a:srgbClr val="0000FF"/>
-                </a:solidFill>
-                <a:latin typeface="Cascadia Mono" panose="020B0609020000020004" pitchFamily="49" charset="0"/>
-              </a:rPr>
-              <a:t>val</a:t>
-            </a:r>
-            <a:r>
-              <a:rPr lang="en-US" altLang="ko-KR" sz="1800" dirty="0">
-                <a:solidFill>
-                  <a:srgbClr val="000000"/>
-                </a:solidFill>
-                <a:latin typeface="Cascadia Mono" panose="020B0609020000020004" pitchFamily="49" charset="0"/>
-              </a:rPr>
-              <a:t> </a:t>
-            </a:r>
-            <a:r>
-              <a:rPr lang="en-US" altLang="ko-KR" sz="1800" dirty="0">
-                <a:solidFill>
-                  <a:srgbClr val="0070C0"/>
-                </a:solidFill>
-                <a:latin typeface="Cascadia Mono" panose="020B0609020000020004" pitchFamily="49" charset="0"/>
-              </a:rPr>
-              <a:t>InputEvaluateStatements</a:t>
-            </a:r>
-            <a:r>
-              <a:rPr lang="en-US" altLang="ko-KR" sz="1800" dirty="0">
-                <a:solidFill>
-                  <a:srgbClr val="000000"/>
-                </a:solidFill>
-                <a:latin typeface="Cascadia Mono" panose="020B0609020000020004" pitchFamily="49" charset="0"/>
-              </a:rPr>
-              <a:t>:</a:t>
-            </a:r>
-            <a:r>
-              <a:rPr lang="en-US" altLang="ko-KR" sz="1800" dirty="0">
-                <a:solidFill>
-                  <a:srgbClr val="FF0000"/>
-                </a:solidFill>
-                <a:latin typeface="Cascadia Mono" panose="020B0609020000020004" pitchFamily="49" charset="0"/>
-              </a:rPr>
-              <a:t>Statement list </a:t>
-            </a:r>
-            <a:r>
-              <a:rPr lang="en-US" altLang="ko-KR" sz="1800" dirty="0">
-                <a:solidFill>
-                  <a:srgbClr val="000000"/>
-                </a:solidFill>
-                <a:latin typeface="Cascadia Mono" panose="020B0609020000020004" pitchFamily="49" charset="0"/>
-              </a:rPr>
-              <a:t>= [] </a:t>
-            </a:r>
-            <a:r>
-              <a:rPr lang="en-US" altLang="ko-KR" sz="1800" dirty="0">
-                <a:solidFill>
-                  <a:srgbClr val="0000FF"/>
-                </a:solidFill>
-                <a:latin typeface="Cascadia Mono" panose="020B0609020000020004" pitchFamily="49" charset="0"/>
-              </a:rPr>
-              <a:t>with</a:t>
-            </a:r>
-            <a:r>
-              <a:rPr lang="en-US" altLang="ko-KR" sz="1800" dirty="0">
-                <a:solidFill>
-                  <a:srgbClr val="000000"/>
-                </a:solidFill>
-                <a:latin typeface="Cascadia Mono" panose="020B0609020000020004" pitchFamily="49" charset="0"/>
-              </a:rPr>
-              <a:t> get, set</a:t>
-            </a:r>
-          </a:p>
-          <a:p>
-            <a:r>
-              <a:rPr lang="en-US" altLang="ko-KR" sz="1800" dirty="0">
-                <a:solidFill>
-                  <a:srgbClr val="000000"/>
-                </a:solidFill>
-                <a:latin typeface="Cascadia Mono" panose="020B0609020000020004" pitchFamily="49" charset="0"/>
-              </a:rPr>
-              <a:t>    </a:t>
-            </a:r>
-            <a:r>
-              <a:rPr lang="en-US" altLang="ko-KR" sz="1800" dirty="0">
-                <a:solidFill>
-                  <a:srgbClr val="0000FF"/>
-                </a:solidFill>
-                <a:latin typeface="Cascadia Mono" panose="020B0609020000020004" pitchFamily="49" charset="0"/>
-              </a:rPr>
-              <a:t>interface</a:t>
-            </a:r>
-            <a:r>
-              <a:rPr lang="en-US" altLang="ko-KR" sz="1800" dirty="0">
-                <a:solidFill>
-                  <a:srgbClr val="000000"/>
-                </a:solidFill>
-                <a:latin typeface="Cascadia Mono" panose="020B0609020000020004" pitchFamily="49" charset="0"/>
-              </a:rPr>
-              <a:t> IDisposable </a:t>
-            </a:r>
-            <a:r>
-              <a:rPr lang="en-US" altLang="ko-KR" sz="1800" dirty="0">
-                <a:solidFill>
-                  <a:srgbClr val="0000FF"/>
-                </a:solidFill>
-                <a:latin typeface="Cascadia Mono" panose="020B0609020000020004" pitchFamily="49" charset="0"/>
-              </a:rPr>
-              <a:t>with</a:t>
-            </a:r>
-            <a:endParaRPr lang="en-US" altLang="ko-KR" sz="1800" dirty="0">
-              <a:solidFill>
-                <a:srgbClr val="000000"/>
-              </a:solidFill>
-              <a:latin typeface="Cascadia Mono" panose="020B0609020000020004" pitchFamily="49" charset="0"/>
-            </a:endParaRPr>
-          </a:p>
-          <a:p>
-            <a:r>
-              <a:rPr lang="en-US" altLang="ko-KR" sz="1800" dirty="0">
-                <a:solidFill>
-                  <a:srgbClr val="000000"/>
-                </a:solidFill>
-                <a:latin typeface="Cascadia Mono" panose="020B0609020000020004" pitchFamily="49" charset="0"/>
-              </a:rPr>
-              <a:t>        </a:t>
-            </a:r>
-            <a:r>
-              <a:rPr lang="en-US" altLang="ko-KR" sz="1800" dirty="0">
-                <a:solidFill>
-                  <a:srgbClr val="0000FF"/>
-                </a:solidFill>
-                <a:latin typeface="Cascadia Mono" panose="020B0609020000020004" pitchFamily="49" charset="0"/>
-              </a:rPr>
-              <a:t>member</a:t>
-            </a:r>
-            <a:r>
-              <a:rPr lang="en-US" altLang="ko-KR" sz="1800" dirty="0">
-                <a:solidFill>
-                  <a:srgbClr val="000000"/>
-                </a:solidFill>
-                <a:latin typeface="Cascadia Mono" panose="020B0609020000020004" pitchFamily="49" charset="0"/>
-              </a:rPr>
-              <a:t> _.Dispose() = (accumulator :&gt; IDisposable).Dispose()</a:t>
-            </a:r>
-          </a:p>
-        </p:txBody>
-      </p:sp>
+        </p:spPr>
+      </p:pic>
     </p:spTree>
     <p:extLst>
       <p:ext uri="{BB962C8B-B14F-4D97-AF65-F5344CB8AC3E}">
-        <p14:creationId xmlns:p14="http://schemas.microsoft.com/office/powerpoint/2010/main" val="3718364714"/>
+        <p14:creationId xmlns:p14="http://schemas.microsoft.com/office/powerpoint/2010/main" val="2615508994"/>
       </p:ext>
     </p:extLst>
   </p:cSld>
@@ -5902,7 +4233,7 @@
           <p:cNvPr id="2" name="제목 1">
             <a:extLst>
               <a:ext uri="{FF2B5EF4-FFF2-40B4-BE49-F238E27FC236}">
-                <a16:creationId xmlns:a16="http://schemas.microsoft.com/office/drawing/2014/main" id="{25874C6A-7830-36B5-7B9C-4C212CF8C2B2}"/>
+                <a16:creationId xmlns:a16="http://schemas.microsoft.com/office/drawing/2014/main" id="{970ED5B0-B1A6-1FC1-C865-BC2D394F99CC}"/>
               </a:ext>
             </a:extLst>
           </p:cNvPr>
@@ -5913,478 +4244,64 @@
             <p:ph type="title"/>
           </p:nvPr>
         </p:nvSpPr>
-        <p:spPr/>
-        <p:txBody>
-          <a:bodyPr/>
+        <p:spPr>
+          <a:xfrm>
+            <a:off x="838200" y="365126"/>
+            <a:ext cx="2627811" cy="867138"/>
+          </a:xfrm>
+        </p:spPr>
+        <p:txBody>
+          <a:bodyPr>
+            <a:normAutofit fontScale="90000"/>
+          </a:bodyPr>
           <a:lstStyle/>
           <a:p>
             <a:r>
               <a:rPr lang="ko-KR" altLang="en-US" dirty="0"/>
-              <a:t>생성 </a:t>
+              <a:t>산전 </a:t>
             </a:r>
             <a:r>
               <a:rPr lang="en-US" altLang="ko-KR" dirty="0"/>
-              <a:t>: from code</a:t>
-            </a:r>
-            <a:r>
-              <a:rPr lang="ko-KR" altLang="en-US" dirty="0"/>
-              <a:t> </a:t>
-            </a:r>
-          </a:p>
-        </p:txBody>
-      </p:sp>
-      <p:sp>
-        <p:nvSpPr>
-          <p:cNvPr id="5" name="TextBox 4">
-            <a:extLst>
-              <a:ext uri="{FF2B5EF4-FFF2-40B4-BE49-F238E27FC236}">
-                <a16:creationId xmlns:a16="http://schemas.microsoft.com/office/drawing/2014/main" id="{DE91D43D-7725-F7F0-91A3-DED1DCBD6F35}"/>
-              </a:ext>
-            </a:extLst>
-          </p:cNvPr>
-          <p:cNvSpPr txBox="1"/>
+              <a:t>TMR</a:t>
+            </a:r>
+            <a:endParaRPr lang="ko-KR" altLang="en-US" dirty="0"/>
+          </a:p>
+        </p:txBody>
+      </p:sp>
+      <p:pic>
+        <p:nvPicPr>
+          <p:cNvPr id="4" name="그림 3">
+            <a:extLst>
+              <a:ext uri="{FF2B5EF4-FFF2-40B4-BE49-F238E27FC236}">
+                <a16:creationId xmlns:a16="http://schemas.microsoft.com/office/drawing/2014/main" id="{D21C27B0-61A9-23D6-43C0-BD6E05748AD2}"/>
+              </a:ext>
+            </a:extLst>
+          </p:cNvPr>
+          <p:cNvPicPr>
+            <a:picLocks noChangeAspect="1"/>
+          </p:cNvPicPr>
           <p:nvPr/>
-        </p:nvSpPr>
+        </p:nvPicPr>
+        <p:blipFill>
+          <a:blip r:embed="rId2"/>
+          <a:stretch>
+            <a:fillRect/>
+          </a:stretch>
+        </p:blipFill>
         <p:spPr>
           <a:xfrm>
-            <a:off x="646545" y="1584650"/>
-            <a:ext cx="10707255" cy="2246769"/>
+            <a:off x="2057617" y="1054099"/>
+            <a:ext cx="8143875" cy="5438775"/>
           </a:xfrm>
           <a:prstGeom prst="rect">
             <a:avLst/>
           </a:prstGeom>
-          <a:noFill/>
-        </p:spPr>
-        <p:txBody>
-          <a:bodyPr wrap="square">
-            <a:spAutoFit/>
-          </a:bodyPr>
-          <a:lstStyle/>
-          <a:p>
-            <a:r>
-              <a:rPr lang="en-US" altLang="ko-KR" sz="1400" dirty="0">
-                <a:solidFill>
-                  <a:srgbClr val="0000FF"/>
-                </a:solidFill>
-                <a:latin typeface="Cascadia Mono" panose="020B0609020000020004" pitchFamily="49" charset="0"/>
-              </a:rPr>
-              <a:t>let</a:t>
-            </a:r>
-            <a:r>
-              <a:rPr lang="en-US" altLang="ko-KR" sz="1400" dirty="0">
-                <a:solidFill>
-                  <a:srgbClr val="000000"/>
-                </a:solidFill>
-                <a:latin typeface="Cascadia Mono" panose="020B0609020000020004" pitchFamily="49" charset="0"/>
-              </a:rPr>
-              <a:t> storages = Storages()</a:t>
-            </a:r>
-          </a:p>
-          <a:p>
-            <a:r>
-              <a:rPr lang="en-US" altLang="ko-KR" sz="1400" dirty="0">
-                <a:solidFill>
-                  <a:srgbClr val="0000FF"/>
-                </a:solidFill>
-                <a:latin typeface="Cascadia Mono" panose="020B0609020000020004" pitchFamily="49" charset="0"/>
-              </a:rPr>
-              <a:t>let</a:t>
-            </a:r>
-            <a:r>
-              <a:rPr lang="en-US" altLang="ko-KR" sz="1400" dirty="0">
-                <a:solidFill>
-                  <a:srgbClr val="000000"/>
-                </a:solidFill>
-                <a:latin typeface="Cascadia Mono" panose="020B0609020000020004" pitchFamily="49" charset="0"/>
-              </a:rPr>
-              <a:t> t1 = </a:t>
-            </a:r>
-            <a:r>
-              <a:rPr lang="en-US" altLang="ko-KR" sz="1400" dirty="0" err="1">
-                <a:solidFill>
-                  <a:srgbClr val="000000"/>
-                </a:solidFill>
-                <a:latin typeface="Cascadia Mono" panose="020B0609020000020004" pitchFamily="49" charset="0"/>
-              </a:rPr>
-              <a:t>PlcTag</a:t>
-            </a:r>
-            <a:r>
-              <a:rPr lang="en-US" altLang="ko-KR" sz="1400" dirty="0">
-                <a:solidFill>
-                  <a:srgbClr val="000000"/>
-                </a:solidFill>
-                <a:latin typeface="Cascadia Mono" panose="020B0609020000020004" pitchFamily="49" charset="0"/>
-              </a:rPr>
-              <a:t>(</a:t>
-            </a:r>
-            <a:r>
-              <a:rPr lang="en-US" altLang="ko-KR" sz="1400" dirty="0">
-                <a:solidFill>
-                  <a:srgbClr val="A31515"/>
-                </a:solidFill>
-                <a:latin typeface="Cascadia Mono" panose="020B0609020000020004" pitchFamily="49" charset="0"/>
-              </a:rPr>
-              <a:t>"</a:t>
-            </a:r>
-            <a:r>
-              <a:rPr lang="en-US" altLang="ko-KR" sz="1400" dirty="0" err="1">
-                <a:solidFill>
-                  <a:srgbClr val="A31515"/>
-                </a:solidFill>
-                <a:latin typeface="Cascadia Mono" panose="020B0609020000020004" pitchFamily="49" charset="0"/>
-              </a:rPr>
-              <a:t>my_timer_control_tag</a:t>
-            </a:r>
-            <a:r>
-              <a:rPr lang="en-US" altLang="ko-KR" sz="1400" dirty="0">
-                <a:solidFill>
-                  <a:srgbClr val="A31515"/>
-                </a:solidFill>
-                <a:latin typeface="Cascadia Mono" panose="020B0609020000020004" pitchFamily="49" charset="0"/>
-              </a:rPr>
-              <a:t>"</a:t>
-            </a:r>
-            <a:r>
-              <a:rPr lang="en-US" altLang="ko-KR" sz="1400" dirty="0">
-                <a:solidFill>
-                  <a:srgbClr val="000000"/>
-                </a:solidFill>
-                <a:latin typeface="Cascadia Mono" panose="020B0609020000020004" pitchFamily="49" charset="0"/>
-              </a:rPr>
-              <a:t>, </a:t>
-            </a:r>
-            <a:r>
-              <a:rPr lang="en-US" altLang="ko-KR" sz="1400" dirty="0">
-                <a:solidFill>
-                  <a:srgbClr val="A31515"/>
-                </a:solidFill>
-                <a:latin typeface="Cascadia Mono" panose="020B0609020000020004" pitchFamily="49" charset="0"/>
-              </a:rPr>
-              <a:t>"%M1.1"</a:t>
-            </a:r>
-            <a:r>
-              <a:rPr lang="en-US" altLang="ko-KR" sz="1400" dirty="0">
-                <a:solidFill>
-                  <a:srgbClr val="000000"/>
-                </a:solidFill>
-                <a:latin typeface="Cascadia Mono" panose="020B0609020000020004" pitchFamily="49" charset="0"/>
-              </a:rPr>
-              <a:t>, </a:t>
-            </a:r>
-            <a:r>
-              <a:rPr lang="en-US" altLang="ko-KR" sz="1400" dirty="0">
-                <a:solidFill>
-                  <a:srgbClr val="0000FF"/>
-                </a:solidFill>
-                <a:latin typeface="Cascadia Mono" panose="020B0609020000020004" pitchFamily="49" charset="0"/>
-              </a:rPr>
-              <a:t>false</a:t>
-            </a:r>
-            <a:r>
-              <a:rPr lang="en-US" altLang="ko-KR" sz="1400" dirty="0">
-                <a:solidFill>
-                  <a:srgbClr val="000000"/>
-                </a:solidFill>
-                <a:latin typeface="Cascadia Mono" panose="020B0609020000020004" pitchFamily="49" charset="0"/>
-              </a:rPr>
-              <a:t>)</a:t>
-            </a:r>
-          </a:p>
-          <a:p>
-            <a:r>
-              <a:rPr lang="en-US" altLang="ko-KR" sz="1400" dirty="0">
-                <a:solidFill>
-                  <a:srgbClr val="0000FF"/>
-                </a:solidFill>
-                <a:latin typeface="Cascadia Mono" panose="020B0609020000020004" pitchFamily="49" charset="0"/>
-              </a:rPr>
-              <a:t>let</a:t>
-            </a:r>
-            <a:r>
-              <a:rPr lang="en-US" altLang="ko-KR" sz="1400" dirty="0">
-                <a:solidFill>
-                  <a:srgbClr val="000000"/>
-                </a:solidFill>
-                <a:latin typeface="Cascadia Mono" panose="020B0609020000020004" pitchFamily="49" charset="0"/>
-              </a:rPr>
-              <a:t> condition = tag2expr t1</a:t>
-            </a:r>
-          </a:p>
-          <a:p>
-            <a:r>
-              <a:rPr lang="en-US" altLang="ko-KR" sz="1400" dirty="0">
-                <a:solidFill>
-                  <a:srgbClr val="0000FF"/>
-                </a:solidFill>
-                <a:latin typeface="Cascadia Mono" panose="020B0609020000020004" pitchFamily="49" charset="0"/>
-              </a:rPr>
-              <a:t>let</a:t>
-            </a:r>
-            <a:r>
-              <a:rPr lang="en-US" altLang="ko-KR" sz="1400" dirty="0">
-                <a:solidFill>
-                  <a:srgbClr val="000000"/>
-                </a:solidFill>
-                <a:latin typeface="Cascadia Mono" panose="020B0609020000020004" pitchFamily="49" charset="0"/>
-              </a:rPr>
-              <a:t> statement = </a:t>
-            </a:r>
-            <a:r>
-              <a:rPr lang="en-US" altLang="ko-KR" sz="1400" dirty="0" err="1">
-                <a:solidFill>
-                  <a:srgbClr val="000000"/>
-                </a:solidFill>
-                <a:latin typeface="Cascadia Mono" panose="020B0609020000020004" pitchFamily="49" charset="0"/>
-              </a:rPr>
-              <a:t>TimerStatement.CreateTON</a:t>
-            </a:r>
-            <a:r>
-              <a:rPr lang="en-US" altLang="ko-KR" sz="1400" dirty="0">
-                <a:solidFill>
-                  <a:srgbClr val="000000"/>
-                </a:solidFill>
-                <a:latin typeface="Cascadia Mono" panose="020B0609020000020004" pitchFamily="49" charset="0"/>
-              </a:rPr>
-              <a:t>(storages, </a:t>
-            </a:r>
-            <a:r>
-              <a:rPr lang="en-US" altLang="ko-KR" sz="1400" dirty="0">
-                <a:solidFill>
-                  <a:srgbClr val="A31515"/>
-                </a:solidFill>
-                <a:latin typeface="Cascadia Mono" panose="020B0609020000020004" pitchFamily="49" charset="0"/>
-              </a:rPr>
-              <a:t>"</a:t>
-            </a:r>
-            <a:r>
-              <a:rPr lang="en-US" altLang="ko-KR" sz="1400" dirty="0" err="1">
-                <a:solidFill>
-                  <a:srgbClr val="A31515"/>
-                </a:solidFill>
-                <a:latin typeface="Cascadia Mono" panose="020B0609020000020004" pitchFamily="49" charset="0"/>
-              </a:rPr>
-              <a:t>myTon</a:t>
-            </a:r>
-            <a:r>
-              <a:rPr lang="en-US" altLang="ko-KR" sz="1400" dirty="0">
-                <a:solidFill>
-                  <a:srgbClr val="A31515"/>
-                </a:solidFill>
-                <a:latin typeface="Cascadia Mono" panose="020B0609020000020004" pitchFamily="49" charset="0"/>
-              </a:rPr>
-              <a:t>"</a:t>
-            </a:r>
-            <a:r>
-              <a:rPr lang="en-US" altLang="ko-KR" sz="1400" dirty="0">
-                <a:solidFill>
-                  <a:srgbClr val="000000"/>
-                </a:solidFill>
-                <a:latin typeface="Cascadia Mono" panose="020B0609020000020004" pitchFamily="49" charset="0"/>
-              </a:rPr>
-              <a:t>, 2000us, condition)	</a:t>
-            </a:r>
-            <a:r>
-              <a:rPr lang="en-US" altLang="ko-KR" sz="1400" dirty="0">
-                <a:solidFill>
-                  <a:srgbClr val="008000"/>
-                </a:solidFill>
-                <a:latin typeface="Cascadia Mono" panose="020B0609020000020004" pitchFamily="49" charset="0"/>
-              </a:rPr>
-              <a:t> // 2000ms = 2sec</a:t>
-            </a:r>
-            <a:endParaRPr lang="en-US" altLang="ko-KR" sz="1400" dirty="0">
-              <a:solidFill>
-                <a:srgbClr val="000000"/>
-              </a:solidFill>
-              <a:latin typeface="Cascadia Mono" panose="020B0609020000020004" pitchFamily="49" charset="0"/>
-            </a:endParaRPr>
-          </a:p>
-          <a:p>
-            <a:r>
-              <a:rPr lang="en-US" altLang="ko-KR" sz="1400" dirty="0">
-                <a:solidFill>
-                  <a:srgbClr val="0000FF"/>
-                </a:solidFill>
-                <a:latin typeface="Cascadia Mono" panose="020B0609020000020004" pitchFamily="49" charset="0"/>
-              </a:rPr>
-              <a:t>let</a:t>
-            </a:r>
-            <a:r>
-              <a:rPr lang="en-US" altLang="ko-KR" sz="1400" dirty="0">
-                <a:solidFill>
-                  <a:srgbClr val="000000"/>
-                </a:solidFill>
-                <a:latin typeface="Cascadia Mono" panose="020B0609020000020004" pitchFamily="49" charset="0"/>
-              </a:rPr>
-              <a:t> timer = statement |&gt; </a:t>
-            </a:r>
-            <a:r>
-              <a:rPr lang="en-US" altLang="ko-KR" sz="1400" dirty="0" err="1">
-                <a:solidFill>
-                  <a:srgbClr val="000000"/>
-                </a:solidFill>
-                <a:latin typeface="Cascadia Mono" panose="020B0609020000020004" pitchFamily="49" charset="0"/>
-              </a:rPr>
-              <a:t>toTimer</a:t>
-            </a:r>
-            <a:endParaRPr lang="en-US" altLang="ko-KR" sz="1400" dirty="0">
-              <a:solidFill>
-                <a:srgbClr val="000000"/>
-              </a:solidFill>
-              <a:latin typeface="Cascadia Mono" panose="020B0609020000020004" pitchFamily="49" charset="0"/>
-            </a:endParaRPr>
-          </a:p>
-          <a:p>
-            <a:r>
-              <a:rPr lang="en-US" altLang="ko-KR" sz="1400" dirty="0" err="1">
-                <a:solidFill>
-                  <a:srgbClr val="000000"/>
-                </a:solidFill>
-                <a:latin typeface="Cascadia Mono" panose="020B0609020000020004" pitchFamily="49" charset="0"/>
-              </a:rPr>
-              <a:t>timer.TT.Value</a:t>
-            </a:r>
-            <a:r>
-              <a:rPr lang="en-US" altLang="ko-KR" sz="1400" dirty="0">
-                <a:solidFill>
-                  <a:srgbClr val="000000"/>
-                </a:solidFill>
-                <a:latin typeface="Cascadia Mono" panose="020B0609020000020004" pitchFamily="49" charset="0"/>
-              </a:rPr>
-              <a:t> === </a:t>
-            </a:r>
-            <a:r>
-              <a:rPr lang="en-US" altLang="ko-KR" sz="1400" dirty="0">
-                <a:solidFill>
-                  <a:srgbClr val="0000FF"/>
-                </a:solidFill>
-                <a:latin typeface="Cascadia Mono" panose="020B0609020000020004" pitchFamily="49" charset="0"/>
-              </a:rPr>
-              <a:t>false</a:t>
-            </a:r>
-            <a:endParaRPr lang="en-US" altLang="ko-KR" sz="1400" dirty="0">
-              <a:solidFill>
-                <a:srgbClr val="000000"/>
-              </a:solidFill>
-              <a:latin typeface="Cascadia Mono" panose="020B0609020000020004" pitchFamily="49" charset="0"/>
-            </a:endParaRPr>
-          </a:p>
-          <a:p>
-            <a:r>
-              <a:rPr lang="en-US" altLang="ko-KR" sz="1400" dirty="0" err="1">
-                <a:solidFill>
-                  <a:srgbClr val="000000"/>
-                </a:solidFill>
-                <a:latin typeface="Cascadia Mono" panose="020B0609020000020004" pitchFamily="49" charset="0"/>
-              </a:rPr>
-              <a:t>timer.EN.Value</a:t>
-            </a:r>
-            <a:r>
-              <a:rPr lang="en-US" altLang="ko-KR" sz="1400" dirty="0">
-                <a:solidFill>
-                  <a:srgbClr val="000000"/>
-                </a:solidFill>
-                <a:latin typeface="Cascadia Mono" panose="020B0609020000020004" pitchFamily="49" charset="0"/>
-              </a:rPr>
-              <a:t> === </a:t>
-            </a:r>
-            <a:r>
-              <a:rPr lang="en-US" altLang="ko-KR" sz="1400" dirty="0">
-                <a:solidFill>
-                  <a:srgbClr val="0000FF"/>
-                </a:solidFill>
-                <a:latin typeface="Cascadia Mono" panose="020B0609020000020004" pitchFamily="49" charset="0"/>
-              </a:rPr>
-              <a:t>false</a:t>
-            </a:r>
-            <a:endParaRPr lang="en-US" altLang="ko-KR" sz="1400" dirty="0">
-              <a:solidFill>
-                <a:srgbClr val="000000"/>
-              </a:solidFill>
-              <a:latin typeface="Cascadia Mono" panose="020B0609020000020004" pitchFamily="49" charset="0"/>
-            </a:endParaRPr>
-          </a:p>
-          <a:p>
-            <a:r>
-              <a:rPr lang="en-US" altLang="ko-KR" sz="1400" dirty="0" err="1">
-                <a:solidFill>
-                  <a:srgbClr val="000000"/>
-                </a:solidFill>
-                <a:latin typeface="Cascadia Mono" panose="020B0609020000020004" pitchFamily="49" charset="0"/>
-              </a:rPr>
-              <a:t>timer.DN.Value</a:t>
-            </a:r>
-            <a:r>
-              <a:rPr lang="en-US" altLang="ko-KR" sz="1400" dirty="0">
-                <a:solidFill>
-                  <a:srgbClr val="000000"/>
-                </a:solidFill>
-                <a:latin typeface="Cascadia Mono" panose="020B0609020000020004" pitchFamily="49" charset="0"/>
-              </a:rPr>
-              <a:t> === </a:t>
-            </a:r>
-            <a:r>
-              <a:rPr lang="en-US" altLang="ko-KR" sz="1400" dirty="0">
-                <a:solidFill>
-                  <a:srgbClr val="0000FF"/>
-                </a:solidFill>
-                <a:latin typeface="Cascadia Mono" panose="020B0609020000020004" pitchFamily="49" charset="0"/>
-              </a:rPr>
-              <a:t>false</a:t>
-            </a:r>
-            <a:endParaRPr lang="en-US" altLang="ko-KR" sz="1400" dirty="0">
-              <a:solidFill>
-                <a:srgbClr val="000000"/>
-              </a:solidFill>
-              <a:latin typeface="Cascadia Mono" panose="020B0609020000020004" pitchFamily="49" charset="0"/>
-            </a:endParaRPr>
-          </a:p>
-          <a:p>
-            <a:r>
-              <a:rPr lang="en-US" altLang="ko-KR" sz="1400" dirty="0" err="1">
-                <a:solidFill>
-                  <a:srgbClr val="000000"/>
-                </a:solidFill>
-                <a:latin typeface="Cascadia Mono" panose="020B0609020000020004" pitchFamily="49" charset="0"/>
-              </a:rPr>
-              <a:t>timer.PRE.Value</a:t>
-            </a:r>
-            <a:r>
-              <a:rPr lang="en-US" altLang="ko-KR" sz="1400" dirty="0">
-                <a:solidFill>
-                  <a:srgbClr val="000000"/>
-                </a:solidFill>
-                <a:latin typeface="Cascadia Mono" panose="020B0609020000020004" pitchFamily="49" charset="0"/>
-              </a:rPr>
-              <a:t> === 2000us</a:t>
-            </a:r>
-          </a:p>
-          <a:p>
-            <a:r>
-              <a:rPr lang="en-US" altLang="ko-KR" sz="1400" dirty="0" err="1">
-                <a:solidFill>
-                  <a:srgbClr val="000000"/>
-                </a:solidFill>
-                <a:latin typeface="Cascadia Mono" panose="020B0609020000020004" pitchFamily="49" charset="0"/>
-              </a:rPr>
-              <a:t>timer.ACC.Value</a:t>
-            </a:r>
-            <a:r>
-              <a:rPr lang="en-US" altLang="ko-KR" sz="1400" dirty="0">
-                <a:solidFill>
-                  <a:srgbClr val="000000"/>
-                </a:solidFill>
-                <a:latin typeface="Cascadia Mono" panose="020B0609020000020004" pitchFamily="49" charset="0"/>
-              </a:rPr>
-              <a:t> === 0us</a:t>
-            </a:r>
-          </a:p>
-        </p:txBody>
-      </p:sp>
+        </p:spPr>
+      </p:pic>
     </p:spTree>
     <p:extLst>
       <p:ext uri="{BB962C8B-B14F-4D97-AF65-F5344CB8AC3E}">
-        <p14:creationId xmlns:p14="http://schemas.microsoft.com/office/powerpoint/2010/main" val="2558578475"/>
+        <p14:creationId xmlns:p14="http://schemas.microsoft.com/office/powerpoint/2010/main" val="1261932035"/>
       </p:ext>
     </p:extLst>
   </p:cSld>
@@ -6416,7 +4333,7 @@
           <p:cNvPr id="2" name="제목 1">
             <a:extLst>
               <a:ext uri="{FF2B5EF4-FFF2-40B4-BE49-F238E27FC236}">
-                <a16:creationId xmlns:a16="http://schemas.microsoft.com/office/drawing/2014/main" id="{A223329B-5B15-4FC0-DA80-1830A31EAB6E}"/>
+                <a16:creationId xmlns:a16="http://schemas.microsoft.com/office/drawing/2014/main" id="{DDC757F2-A588-55CE-AB29-82077923FFA8}"/>
               </a:ext>
             </a:extLst>
           </p:cNvPr>
@@ -6433,12 +4350,8 @@
           <a:lstStyle/>
           <a:p>
             <a:r>
-              <a:rPr lang="ko-KR" altLang="en-US" dirty="0"/>
-              <a:t>생성</a:t>
-            </a:r>
-            <a:r>
               <a:rPr lang="en-US" altLang="ko-KR" dirty="0"/>
-              <a:t>: from ds text</a:t>
+              <a:t>Classes</a:t>
             </a:r>
             <a:endParaRPr lang="ko-KR" altLang="en-US" dirty="0"/>
           </a:p>
@@ -6446,10 +4359,10 @@
       </p:sp>
       <p:sp>
         <p:nvSpPr>
-          <p:cNvPr id="5" name="TextBox 4">
-            <a:extLst>
-              <a:ext uri="{FF2B5EF4-FFF2-40B4-BE49-F238E27FC236}">
-                <a16:creationId xmlns:a16="http://schemas.microsoft.com/office/drawing/2014/main" id="{BD323B7A-5896-44A5-6672-0F3B63F611EB}"/>
+          <p:cNvPr id="7" name="TextBox 6">
+            <a:extLst>
+              <a:ext uri="{FF2B5EF4-FFF2-40B4-BE49-F238E27FC236}">
+                <a16:creationId xmlns:a16="http://schemas.microsoft.com/office/drawing/2014/main" id="{68EF86A6-FCC0-59AB-948C-3E9E8C77D4DC}"/>
               </a:ext>
             </a:extLst>
           </p:cNvPr>
@@ -6458,46 +4371,910 @@
         </p:nvSpPr>
         <p:spPr>
           <a:xfrm>
-            <a:off x="718127" y="2036726"/>
-            <a:ext cx="8305800" cy="369332"/>
+            <a:off x="5098473" y="3602182"/>
+            <a:ext cx="2096728" cy="369332"/>
           </a:xfrm>
           <a:prstGeom prst="rect">
             <a:avLst/>
           </a:prstGeom>
-          <a:noFill/>
-        </p:spPr>
-        <p:txBody>
-          <a:bodyPr wrap="square">
+        </p:spPr>
+        <p:style>
+          <a:lnRef idx="2">
+            <a:schemeClr val="dk1"/>
+          </a:lnRef>
+          <a:fillRef idx="1">
+            <a:schemeClr val="lt1"/>
+          </a:fillRef>
+          <a:effectRef idx="0">
+            <a:schemeClr val="dk1"/>
+          </a:effectRef>
+          <a:fontRef idx="minor">
+            <a:schemeClr val="dk1"/>
+          </a:fontRef>
+        </p:style>
+        <p:txBody>
+          <a:bodyPr wrap="none" rtlCol="0">
             <a:spAutoFit/>
           </a:bodyPr>
           <a:lstStyle/>
           <a:p>
             <a:r>
-              <a:rPr lang="en-US" altLang="ko-KR" sz="1800" dirty="0">
-                <a:solidFill>
-                  <a:srgbClr val="A31515"/>
-                </a:solidFill>
-                <a:latin typeface="Cascadia Mono" panose="020B0609020000020004" pitchFamily="49" charset="0"/>
-              </a:rPr>
-              <a:t>"ton mytimer3 = </a:t>
-            </a:r>
-            <a:r>
-              <a:rPr lang="en-US" altLang="ko-KR" sz="1800" dirty="0" err="1">
-                <a:solidFill>
-                  <a:srgbClr val="A31515"/>
-                </a:solidFill>
-                <a:latin typeface="Cascadia Mono" panose="020B0609020000020004" pitchFamily="49" charset="0"/>
-              </a:rPr>
-              <a:t>createTON</a:t>
-            </a:r>
-            <a:r>
-              <a:rPr lang="en-US" altLang="ko-KR" sz="1800" dirty="0">
-                <a:solidFill>
-                  <a:srgbClr val="A31515"/>
-                </a:solidFill>
-                <a:latin typeface="Cascadia Mono" panose="020B0609020000020004" pitchFamily="49" charset="0"/>
-              </a:rPr>
-              <a:t>(1000us, $tag1 || $tag2)"</a:t>
+              <a:rPr lang="en-US" altLang="ko-KR" dirty="0"/>
+              <a:t>CounterBaseStruct</a:t>
+            </a:r>
+            <a:endParaRPr lang="ko-KR" altLang="en-US" dirty="0"/>
+          </a:p>
+        </p:txBody>
+      </p:sp>
+      <p:sp>
+        <p:nvSpPr>
+          <p:cNvPr id="10" name="TextBox 9">
+            <a:extLst>
+              <a:ext uri="{FF2B5EF4-FFF2-40B4-BE49-F238E27FC236}">
+                <a16:creationId xmlns:a16="http://schemas.microsoft.com/office/drawing/2014/main" id="{516575FE-4F39-AADC-55CE-ECFB6E3669A6}"/>
+              </a:ext>
+            </a:extLst>
+          </p:cNvPr>
+          <p:cNvSpPr txBox="1"/>
+          <p:nvPr/>
+        </p:nvSpPr>
+        <p:spPr>
+          <a:xfrm>
+            <a:off x="3274752" y="2466665"/>
+            <a:ext cx="2685030" cy="369332"/>
+          </a:xfrm>
+          <a:prstGeom prst="rect">
+            <a:avLst/>
+          </a:prstGeom>
+        </p:spPr>
+        <p:style>
+          <a:lnRef idx="2">
+            <a:schemeClr val="dk1"/>
+          </a:lnRef>
+          <a:fillRef idx="1">
+            <a:schemeClr val="lt1"/>
+          </a:fillRef>
+          <a:effectRef idx="0">
+            <a:schemeClr val="dk1"/>
+          </a:effectRef>
+          <a:fontRef idx="minor">
+            <a:schemeClr val="dk1"/>
+          </a:fontRef>
+        </p:style>
+        <p:txBody>
+          <a:bodyPr wrap="none" rtlCol="0">
+            <a:spAutoFit/>
+          </a:bodyPr>
+          <a:lstStyle/>
+          <a:p>
+            <a:r>
+              <a:rPr lang="en-US" altLang="ko-KR" dirty="0"/>
+              <a:t>TimerCounterBaseStruct</a:t>
+            </a:r>
+            <a:endParaRPr lang="ko-KR" altLang="en-US" dirty="0"/>
+          </a:p>
+        </p:txBody>
+      </p:sp>
+      <p:sp>
+        <p:nvSpPr>
+          <p:cNvPr id="11" name="TextBox 10">
+            <a:extLst>
+              <a:ext uri="{FF2B5EF4-FFF2-40B4-BE49-F238E27FC236}">
+                <a16:creationId xmlns:a16="http://schemas.microsoft.com/office/drawing/2014/main" id="{A2631649-4787-4F5C-7742-58BD041B7E84}"/>
+              </a:ext>
+            </a:extLst>
+          </p:cNvPr>
+          <p:cNvSpPr txBox="1"/>
+          <p:nvPr/>
+        </p:nvSpPr>
+        <p:spPr>
+          <a:xfrm>
+            <a:off x="2498436" y="3602182"/>
+            <a:ext cx="1374094" cy="369332"/>
+          </a:xfrm>
+          <a:prstGeom prst="rect">
+            <a:avLst/>
+          </a:prstGeom>
+        </p:spPr>
+        <p:style>
+          <a:lnRef idx="2">
+            <a:schemeClr val="dk1"/>
+          </a:lnRef>
+          <a:fillRef idx="1">
+            <a:schemeClr val="lt1"/>
+          </a:fillRef>
+          <a:effectRef idx="0">
+            <a:schemeClr val="dk1"/>
+          </a:effectRef>
+          <a:fontRef idx="minor">
+            <a:schemeClr val="dk1"/>
+          </a:fontRef>
+        </p:style>
+        <p:txBody>
+          <a:bodyPr wrap="none" rtlCol="0">
+            <a:spAutoFit/>
+          </a:bodyPr>
+          <a:lstStyle/>
+          <a:p>
+            <a:r>
+              <a:rPr lang="en-US" altLang="ko-KR" dirty="0"/>
+              <a:t>TimerStruct</a:t>
+            </a:r>
+            <a:endParaRPr lang="ko-KR" altLang="en-US" dirty="0"/>
+          </a:p>
+        </p:txBody>
+      </p:sp>
+      <p:sp>
+        <p:nvSpPr>
+          <p:cNvPr id="12" name="TextBox 11">
+            <a:extLst>
+              <a:ext uri="{FF2B5EF4-FFF2-40B4-BE49-F238E27FC236}">
+                <a16:creationId xmlns:a16="http://schemas.microsoft.com/office/drawing/2014/main" id="{A36FD63E-A720-BFC2-5DFE-027619930568}"/>
+              </a:ext>
+            </a:extLst>
+          </p:cNvPr>
+          <p:cNvSpPr txBox="1"/>
+          <p:nvPr/>
+        </p:nvSpPr>
+        <p:spPr>
+          <a:xfrm>
+            <a:off x="5098473" y="4557929"/>
+            <a:ext cx="1217000" cy="369332"/>
+          </a:xfrm>
+          <a:prstGeom prst="rect">
+            <a:avLst/>
+          </a:prstGeom>
+        </p:spPr>
+        <p:style>
+          <a:lnRef idx="2">
+            <a:schemeClr val="dk1"/>
+          </a:lnRef>
+          <a:fillRef idx="1">
+            <a:schemeClr val="lt1"/>
+          </a:fillRef>
+          <a:effectRef idx="0">
+            <a:schemeClr val="dk1"/>
+          </a:effectRef>
+          <a:fontRef idx="minor">
+            <a:schemeClr val="dk1"/>
+          </a:fontRef>
+        </p:style>
+        <p:txBody>
+          <a:bodyPr wrap="none" rtlCol="0">
+            <a:spAutoFit/>
+          </a:bodyPr>
+          <a:lstStyle/>
+          <a:p>
+            <a:r>
+              <a:rPr lang="en-US" altLang="ko-KR" dirty="0"/>
+              <a:t>CTUStruct</a:t>
+            </a:r>
+            <a:endParaRPr lang="ko-KR" altLang="en-US" dirty="0"/>
+          </a:p>
+        </p:txBody>
+      </p:sp>
+      <p:sp>
+        <p:nvSpPr>
+          <p:cNvPr id="13" name="TextBox 12">
+            <a:extLst>
+              <a:ext uri="{FF2B5EF4-FFF2-40B4-BE49-F238E27FC236}">
+                <a16:creationId xmlns:a16="http://schemas.microsoft.com/office/drawing/2014/main" id="{9519F6F0-08D6-0BD0-969D-7D49C2483EDF}"/>
+              </a:ext>
+            </a:extLst>
+          </p:cNvPr>
+          <p:cNvSpPr txBox="1"/>
+          <p:nvPr/>
+        </p:nvSpPr>
+        <p:spPr>
+          <a:xfrm>
+            <a:off x="6586701" y="4557929"/>
+            <a:ext cx="1220206" cy="369332"/>
+          </a:xfrm>
+          <a:prstGeom prst="rect">
+            <a:avLst/>
+          </a:prstGeom>
+        </p:spPr>
+        <p:style>
+          <a:lnRef idx="2">
+            <a:schemeClr val="dk1"/>
+          </a:lnRef>
+          <a:fillRef idx="1">
+            <a:schemeClr val="lt1"/>
+          </a:fillRef>
+          <a:effectRef idx="0">
+            <a:schemeClr val="dk1"/>
+          </a:effectRef>
+          <a:fontRef idx="minor">
+            <a:schemeClr val="dk1"/>
+          </a:fontRef>
+        </p:style>
+        <p:txBody>
+          <a:bodyPr wrap="none" rtlCol="0">
+            <a:spAutoFit/>
+          </a:bodyPr>
+          <a:lstStyle/>
+          <a:p>
+            <a:r>
+              <a:rPr lang="en-US" altLang="ko-KR" dirty="0"/>
+              <a:t>CTDStruct</a:t>
+            </a:r>
+            <a:endParaRPr lang="ko-KR" altLang="en-US" dirty="0"/>
+          </a:p>
+        </p:txBody>
+      </p:sp>
+      <p:sp>
+        <p:nvSpPr>
+          <p:cNvPr id="14" name="TextBox 13">
+            <a:extLst>
+              <a:ext uri="{FF2B5EF4-FFF2-40B4-BE49-F238E27FC236}">
+                <a16:creationId xmlns:a16="http://schemas.microsoft.com/office/drawing/2014/main" id="{C816F670-76EB-0741-7414-D1D1B2F05819}"/>
+              </a:ext>
+            </a:extLst>
+          </p:cNvPr>
+          <p:cNvSpPr txBox="1"/>
+          <p:nvPr/>
+        </p:nvSpPr>
+        <p:spPr>
+          <a:xfrm>
+            <a:off x="8074929" y="4557929"/>
+            <a:ext cx="1382110" cy="369332"/>
+          </a:xfrm>
+          <a:prstGeom prst="rect">
+            <a:avLst/>
+          </a:prstGeom>
+        </p:spPr>
+        <p:style>
+          <a:lnRef idx="2">
+            <a:schemeClr val="dk1"/>
+          </a:lnRef>
+          <a:fillRef idx="1">
+            <a:schemeClr val="lt1"/>
+          </a:fillRef>
+          <a:effectRef idx="0">
+            <a:schemeClr val="dk1"/>
+          </a:effectRef>
+          <a:fontRef idx="minor">
+            <a:schemeClr val="dk1"/>
+          </a:fontRef>
+        </p:style>
+        <p:txBody>
+          <a:bodyPr wrap="none" rtlCol="0">
+            <a:spAutoFit/>
+          </a:bodyPr>
+          <a:lstStyle/>
+          <a:p>
+            <a:r>
+              <a:rPr lang="en-US" altLang="ko-KR" dirty="0"/>
+              <a:t>CTUDStruct</a:t>
+            </a:r>
+            <a:endParaRPr lang="ko-KR" altLang="en-US" dirty="0"/>
+          </a:p>
+        </p:txBody>
+      </p:sp>
+      <p:cxnSp>
+        <p:nvCxnSpPr>
+          <p:cNvPr id="16" name="직선 화살표 연결선 15">
+            <a:extLst>
+              <a:ext uri="{FF2B5EF4-FFF2-40B4-BE49-F238E27FC236}">
+                <a16:creationId xmlns:a16="http://schemas.microsoft.com/office/drawing/2014/main" id="{5006D473-E614-C1C4-2397-068CBB7C3B00}"/>
+              </a:ext>
+            </a:extLst>
+          </p:cNvPr>
+          <p:cNvCxnSpPr>
+            <a:stCxn id="10" idx="2"/>
+            <a:endCxn id="11" idx="0"/>
+          </p:cNvCxnSpPr>
+          <p:nvPr/>
+        </p:nvCxnSpPr>
+        <p:spPr>
+          <a:xfrm flipH="1">
+            <a:off x="3185483" y="2835997"/>
+            <a:ext cx="1431784" cy="766185"/>
+          </a:xfrm>
+          <a:prstGeom prst="straightConnector1">
+            <a:avLst/>
+          </a:prstGeom>
+          <a:ln>
+            <a:tailEnd type="triangle"/>
+          </a:ln>
+        </p:spPr>
+        <p:style>
+          <a:lnRef idx="1">
+            <a:schemeClr val="accent1"/>
+          </a:lnRef>
+          <a:fillRef idx="0">
+            <a:schemeClr val="accent1"/>
+          </a:fillRef>
+          <a:effectRef idx="0">
+            <a:schemeClr val="accent1"/>
+          </a:effectRef>
+          <a:fontRef idx="minor">
+            <a:schemeClr val="tx1"/>
+          </a:fontRef>
+        </p:style>
+      </p:cxnSp>
+      <p:cxnSp>
+        <p:nvCxnSpPr>
+          <p:cNvPr id="18" name="직선 화살표 연결선 17">
+            <a:extLst>
+              <a:ext uri="{FF2B5EF4-FFF2-40B4-BE49-F238E27FC236}">
+                <a16:creationId xmlns:a16="http://schemas.microsoft.com/office/drawing/2014/main" id="{5E4E339D-CF9E-5BBD-F5FB-FBF11365FE81}"/>
+              </a:ext>
+            </a:extLst>
+          </p:cNvPr>
+          <p:cNvCxnSpPr>
+            <a:cxnSpLocks/>
+            <a:stCxn id="10" idx="2"/>
+            <a:endCxn id="7" idx="0"/>
+          </p:cNvCxnSpPr>
+          <p:nvPr/>
+        </p:nvCxnSpPr>
+        <p:spPr>
+          <a:xfrm>
+            <a:off x="4617267" y="2835997"/>
+            <a:ext cx="1529570" cy="766185"/>
+          </a:xfrm>
+          <a:prstGeom prst="straightConnector1">
+            <a:avLst/>
+          </a:prstGeom>
+          <a:ln>
+            <a:tailEnd type="triangle"/>
+          </a:ln>
+        </p:spPr>
+        <p:style>
+          <a:lnRef idx="1">
+            <a:schemeClr val="accent1"/>
+          </a:lnRef>
+          <a:fillRef idx="0">
+            <a:schemeClr val="accent1"/>
+          </a:fillRef>
+          <a:effectRef idx="0">
+            <a:schemeClr val="accent1"/>
+          </a:effectRef>
+          <a:fontRef idx="minor">
+            <a:schemeClr val="tx1"/>
+          </a:fontRef>
+        </p:style>
+      </p:cxnSp>
+      <p:cxnSp>
+        <p:nvCxnSpPr>
+          <p:cNvPr id="21" name="직선 화살표 연결선 20">
+            <a:extLst>
+              <a:ext uri="{FF2B5EF4-FFF2-40B4-BE49-F238E27FC236}">
+                <a16:creationId xmlns:a16="http://schemas.microsoft.com/office/drawing/2014/main" id="{732BE204-B11A-BFE2-0C09-AF429C9403A1}"/>
+              </a:ext>
+            </a:extLst>
+          </p:cNvPr>
+          <p:cNvCxnSpPr>
+            <a:cxnSpLocks/>
+            <a:stCxn id="7" idx="2"/>
+          </p:cNvCxnSpPr>
+          <p:nvPr/>
+        </p:nvCxnSpPr>
+        <p:spPr>
+          <a:xfrm flipH="1">
+            <a:off x="5772727" y="3971514"/>
+            <a:ext cx="374110" cy="637648"/>
+          </a:xfrm>
+          <a:prstGeom prst="straightConnector1">
+            <a:avLst/>
+          </a:prstGeom>
+          <a:ln>
+            <a:tailEnd type="triangle"/>
+          </a:ln>
+        </p:spPr>
+        <p:style>
+          <a:lnRef idx="1">
+            <a:schemeClr val="accent1"/>
+          </a:lnRef>
+          <a:fillRef idx="0">
+            <a:schemeClr val="accent1"/>
+          </a:fillRef>
+          <a:effectRef idx="0">
+            <a:schemeClr val="accent1"/>
+          </a:effectRef>
+          <a:fontRef idx="minor">
+            <a:schemeClr val="tx1"/>
+          </a:fontRef>
+        </p:style>
+      </p:cxnSp>
+      <p:cxnSp>
+        <p:nvCxnSpPr>
+          <p:cNvPr id="24" name="직선 화살표 연결선 23">
+            <a:extLst>
+              <a:ext uri="{FF2B5EF4-FFF2-40B4-BE49-F238E27FC236}">
+                <a16:creationId xmlns:a16="http://schemas.microsoft.com/office/drawing/2014/main" id="{17ADB01A-9592-CADA-7E6C-8F77DCC9599F}"/>
+              </a:ext>
+            </a:extLst>
+          </p:cNvPr>
+          <p:cNvCxnSpPr>
+            <a:cxnSpLocks/>
+            <a:stCxn id="7" idx="2"/>
+            <a:endCxn id="13" idx="0"/>
+          </p:cNvCxnSpPr>
+          <p:nvPr/>
+        </p:nvCxnSpPr>
+        <p:spPr>
+          <a:xfrm>
+            <a:off x="6146837" y="3971514"/>
+            <a:ext cx="1049967" cy="586415"/>
+          </a:xfrm>
+          <a:prstGeom prst="straightConnector1">
+            <a:avLst/>
+          </a:prstGeom>
+          <a:ln>
+            <a:tailEnd type="triangle"/>
+          </a:ln>
+        </p:spPr>
+        <p:style>
+          <a:lnRef idx="1">
+            <a:schemeClr val="accent1"/>
+          </a:lnRef>
+          <a:fillRef idx="0">
+            <a:schemeClr val="accent1"/>
+          </a:fillRef>
+          <a:effectRef idx="0">
+            <a:schemeClr val="accent1"/>
+          </a:effectRef>
+          <a:fontRef idx="minor">
+            <a:schemeClr val="tx1"/>
+          </a:fontRef>
+        </p:style>
+      </p:cxnSp>
+      <p:cxnSp>
+        <p:nvCxnSpPr>
+          <p:cNvPr id="27" name="직선 화살표 연결선 26">
+            <a:extLst>
+              <a:ext uri="{FF2B5EF4-FFF2-40B4-BE49-F238E27FC236}">
+                <a16:creationId xmlns:a16="http://schemas.microsoft.com/office/drawing/2014/main" id="{5AAE9D1B-158A-4269-DCF2-876A47856367}"/>
+              </a:ext>
+            </a:extLst>
+          </p:cNvPr>
+          <p:cNvCxnSpPr>
+            <a:cxnSpLocks/>
+            <a:stCxn id="7" idx="2"/>
+            <a:endCxn id="14" idx="0"/>
+          </p:cNvCxnSpPr>
+          <p:nvPr/>
+        </p:nvCxnSpPr>
+        <p:spPr>
+          <a:xfrm>
+            <a:off x="6146837" y="3971514"/>
+            <a:ext cx="2619147" cy="586415"/>
+          </a:xfrm>
+          <a:prstGeom prst="straightConnector1">
+            <a:avLst/>
+          </a:prstGeom>
+          <a:ln>
+            <a:tailEnd type="triangle"/>
+          </a:ln>
+        </p:spPr>
+        <p:style>
+          <a:lnRef idx="1">
+            <a:schemeClr val="accent1"/>
+          </a:lnRef>
+          <a:fillRef idx="0">
+            <a:schemeClr val="accent1"/>
+          </a:fillRef>
+          <a:effectRef idx="0">
+            <a:schemeClr val="accent1"/>
+          </a:effectRef>
+          <a:fontRef idx="minor">
+            <a:schemeClr val="tx1"/>
+          </a:fontRef>
+        </p:style>
+      </p:cxnSp>
+      <p:sp>
+        <p:nvSpPr>
+          <p:cNvPr id="33" name="TextBox 32">
+            <a:extLst>
+              <a:ext uri="{FF2B5EF4-FFF2-40B4-BE49-F238E27FC236}">
+                <a16:creationId xmlns:a16="http://schemas.microsoft.com/office/drawing/2014/main" id="{87E85D91-38CD-74E9-3187-CECA8D597DE2}"/>
+              </a:ext>
+            </a:extLst>
+          </p:cNvPr>
+          <p:cNvSpPr txBox="1"/>
+          <p:nvPr/>
+        </p:nvSpPr>
+        <p:spPr>
+          <a:xfrm>
+            <a:off x="369648" y="2350593"/>
+            <a:ext cx="775661" cy="369332"/>
+          </a:xfrm>
+          <a:prstGeom prst="rect">
+            <a:avLst/>
+          </a:prstGeom>
+        </p:spPr>
+        <p:style>
+          <a:lnRef idx="2">
+            <a:schemeClr val="dk1"/>
+          </a:lnRef>
+          <a:fillRef idx="1">
+            <a:schemeClr val="lt1"/>
+          </a:fillRef>
+          <a:effectRef idx="0">
+            <a:schemeClr val="dk1"/>
+          </a:effectRef>
+          <a:fontRef idx="minor">
+            <a:schemeClr val="dk1"/>
+          </a:fontRef>
+        </p:style>
+        <p:txBody>
+          <a:bodyPr wrap="square" rtlCol="0">
+            <a:spAutoFit/>
+          </a:bodyPr>
+          <a:lstStyle/>
+          <a:p>
+            <a:r>
+              <a:rPr lang="en-US" altLang="ko-KR" dirty="0"/>
+              <a:t>Timer</a:t>
+            </a:r>
+            <a:endParaRPr lang="ko-KR" altLang="en-US" dirty="0"/>
+          </a:p>
+        </p:txBody>
+      </p:sp>
+      <p:sp>
+        <p:nvSpPr>
+          <p:cNvPr id="34" name="TextBox 33">
+            <a:extLst>
+              <a:ext uri="{FF2B5EF4-FFF2-40B4-BE49-F238E27FC236}">
+                <a16:creationId xmlns:a16="http://schemas.microsoft.com/office/drawing/2014/main" id="{AB922546-A3A9-25CA-9C46-87BB35F650C9}"/>
+              </a:ext>
+            </a:extLst>
+          </p:cNvPr>
+          <p:cNvSpPr txBox="1"/>
+          <p:nvPr/>
+        </p:nvSpPr>
+        <p:spPr>
+          <a:xfrm>
+            <a:off x="8624265" y="2350593"/>
+            <a:ext cx="1017907" cy="369332"/>
+          </a:xfrm>
+          <a:prstGeom prst="rect">
+            <a:avLst/>
+          </a:prstGeom>
+        </p:spPr>
+        <p:style>
+          <a:lnRef idx="2">
+            <a:schemeClr val="dk1"/>
+          </a:lnRef>
+          <a:fillRef idx="1">
+            <a:schemeClr val="lt1"/>
+          </a:fillRef>
+          <a:effectRef idx="0">
+            <a:schemeClr val="dk1"/>
+          </a:effectRef>
+          <a:fontRef idx="minor">
+            <a:schemeClr val="dk1"/>
+          </a:fontRef>
+        </p:style>
+        <p:txBody>
+          <a:bodyPr wrap="none" rtlCol="0">
+            <a:spAutoFit/>
+          </a:bodyPr>
+          <a:lstStyle/>
+          <a:p>
+            <a:r>
+              <a:rPr lang="en-US" altLang="ko-KR" dirty="0"/>
+              <a:t>Counter</a:t>
+            </a:r>
+            <a:endParaRPr lang="ko-KR" altLang="en-US" dirty="0"/>
+          </a:p>
+        </p:txBody>
+      </p:sp>
+      <p:cxnSp>
+        <p:nvCxnSpPr>
+          <p:cNvPr id="36" name="직선 화살표 연결선 35">
+            <a:extLst>
+              <a:ext uri="{FF2B5EF4-FFF2-40B4-BE49-F238E27FC236}">
+                <a16:creationId xmlns:a16="http://schemas.microsoft.com/office/drawing/2014/main" id="{81FCD281-A155-EE85-D480-EF1B37E4F727}"/>
+              </a:ext>
+            </a:extLst>
+          </p:cNvPr>
+          <p:cNvCxnSpPr>
+            <a:cxnSpLocks/>
+            <a:stCxn id="33" idx="2"/>
+            <a:endCxn id="11" idx="1"/>
+          </p:cNvCxnSpPr>
+          <p:nvPr/>
+        </p:nvCxnSpPr>
+        <p:spPr>
+          <a:xfrm>
+            <a:off x="757479" y="2719925"/>
+            <a:ext cx="1740957" cy="1066923"/>
+          </a:xfrm>
+          <a:prstGeom prst="straightConnector1">
+            <a:avLst/>
+          </a:prstGeom>
+          <a:ln>
+            <a:prstDash val="dash"/>
+            <a:tailEnd type="triangle"/>
+          </a:ln>
+        </p:spPr>
+        <p:style>
+          <a:lnRef idx="1">
+            <a:schemeClr val="accent1"/>
+          </a:lnRef>
+          <a:fillRef idx="0">
+            <a:schemeClr val="accent1"/>
+          </a:fillRef>
+          <a:effectRef idx="0">
+            <a:schemeClr val="accent1"/>
+          </a:effectRef>
+          <a:fontRef idx="minor">
+            <a:schemeClr val="tx1"/>
+          </a:fontRef>
+        </p:style>
+      </p:cxnSp>
+      <p:cxnSp>
+        <p:nvCxnSpPr>
+          <p:cNvPr id="37" name="직선 화살표 연결선 36">
+            <a:extLst>
+              <a:ext uri="{FF2B5EF4-FFF2-40B4-BE49-F238E27FC236}">
+                <a16:creationId xmlns:a16="http://schemas.microsoft.com/office/drawing/2014/main" id="{052AF10B-0D37-93A2-D08D-AAC7805D635E}"/>
+              </a:ext>
+            </a:extLst>
+          </p:cNvPr>
+          <p:cNvCxnSpPr>
+            <a:cxnSpLocks/>
+            <a:stCxn id="34" idx="2"/>
+            <a:endCxn id="7" idx="0"/>
+          </p:cNvCxnSpPr>
+          <p:nvPr/>
+        </p:nvCxnSpPr>
+        <p:spPr>
+          <a:xfrm flipH="1">
+            <a:off x="6146837" y="2719925"/>
+            <a:ext cx="2986382" cy="882257"/>
+          </a:xfrm>
+          <a:prstGeom prst="straightConnector1">
+            <a:avLst/>
+          </a:prstGeom>
+          <a:ln>
+            <a:prstDash val="dash"/>
+            <a:tailEnd type="triangle"/>
+          </a:ln>
+        </p:spPr>
+        <p:style>
+          <a:lnRef idx="1">
+            <a:schemeClr val="accent1"/>
+          </a:lnRef>
+          <a:fillRef idx="0">
+            <a:schemeClr val="accent1"/>
+          </a:fillRef>
+          <a:effectRef idx="0">
+            <a:schemeClr val="accent1"/>
+          </a:effectRef>
+          <a:fontRef idx="minor">
+            <a:schemeClr val="tx1"/>
+          </a:fontRef>
+        </p:style>
+      </p:cxnSp>
+      <p:sp>
+        <p:nvSpPr>
+          <p:cNvPr id="40" name="TextBox 39">
+            <a:extLst>
+              <a:ext uri="{FF2B5EF4-FFF2-40B4-BE49-F238E27FC236}">
+                <a16:creationId xmlns:a16="http://schemas.microsoft.com/office/drawing/2014/main" id="{94DE2894-0481-ACA2-4EC4-6E868F8FAEE3}"/>
+              </a:ext>
+            </a:extLst>
+          </p:cNvPr>
+          <p:cNvSpPr txBox="1"/>
+          <p:nvPr/>
+        </p:nvSpPr>
+        <p:spPr>
+          <a:xfrm>
+            <a:off x="1145309" y="2335860"/>
+            <a:ext cx="1241045" cy="261610"/>
+          </a:xfrm>
+          <a:prstGeom prst="rect">
+            <a:avLst/>
+          </a:prstGeom>
+          <a:ln>
+            <a:noFill/>
+          </a:ln>
+        </p:spPr>
+        <p:style>
+          <a:lnRef idx="2">
+            <a:schemeClr val="dk1"/>
+          </a:lnRef>
+          <a:fillRef idx="1">
+            <a:schemeClr val="lt1"/>
+          </a:fillRef>
+          <a:effectRef idx="0">
+            <a:schemeClr val="dk1"/>
+          </a:effectRef>
+          <a:fontRef idx="minor">
+            <a:schemeClr val="dk1"/>
+          </a:fontRef>
+        </p:style>
+        <p:txBody>
+          <a:bodyPr wrap="none" rtlCol="0">
+            <a:spAutoFit/>
+          </a:bodyPr>
+          <a:lstStyle/>
+          <a:p>
+            <a:r>
+              <a:rPr lang="en-US" altLang="ko-KR" sz="1100" dirty="0">
+                <a:solidFill>
+                  <a:schemeClr val="accent1">
+                    <a:lumMod val="60000"/>
+                    <a:lumOff val="40000"/>
+                  </a:schemeClr>
+                </a:solidFill>
+              </a:rPr>
+              <a:t>TickAccumulator</a:t>
+            </a:r>
+            <a:endParaRPr lang="ko-KR" altLang="en-US" sz="1100" dirty="0">
+              <a:solidFill>
+                <a:schemeClr val="accent1">
+                  <a:lumMod val="60000"/>
+                  <a:lumOff val="40000"/>
+                </a:schemeClr>
+              </a:solidFill>
+            </a:endParaRPr>
+          </a:p>
+        </p:txBody>
+      </p:sp>
+      <p:sp>
+        <p:nvSpPr>
+          <p:cNvPr id="45" name="TextBox 44">
+            <a:extLst>
+              <a:ext uri="{FF2B5EF4-FFF2-40B4-BE49-F238E27FC236}">
+                <a16:creationId xmlns:a16="http://schemas.microsoft.com/office/drawing/2014/main" id="{2B090284-D322-22FC-B77F-9810D939FBC6}"/>
+              </a:ext>
+            </a:extLst>
+          </p:cNvPr>
+          <p:cNvSpPr txBox="1"/>
+          <p:nvPr/>
+        </p:nvSpPr>
+        <p:spPr>
+          <a:xfrm>
+            <a:off x="9642172" y="2335860"/>
+            <a:ext cx="1377300" cy="261610"/>
+          </a:xfrm>
+          <a:prstGeom prst="rect">
+            <a:avLst/>
+          </a:prstGeom>
+          <a:ln>
+            <a:noFill/>
+          </a:ln>
+        </p:spPr>
+        <p:style>
+          <a:lnRef idx="2">
+            <a:schemeClr val="dk1"/>
+          </a:lnRef>
+          <a:fillRef idx="1">
+            <a:schemeClr val="lt1"/>
+          </a:fillRef>
+          <a:effectRef idx="0">
+            <a:schemeClr val="dk1"/>
+          </a:effectRef>
+          <a:fontRef idx="minor">
+            <a:schemeClr val="dk1"/>
+          </a:fontRef>
+        </p:style>
+        <p:txBody>
+          <a:bodyPr wrap="none" rtlCol="0">
+            <a:spAutoFit/>
+          </a:bodyPr>
+          <a:lstStyle/>
+          <a:p>
+            <a:r>
+              <a:rPr lang="en-US" altLang="ko-KR" sz="1100" dirty="0">
+                <a:solidFill>
+                  <a:schemeClr val="accent1">
+                    <a:lumMod val="60000"/>
+                    <a:lumOff val="40000"/>
+                  </a:schemeClr>
+                </a:solidFill>
+              </a:rPr>
+              <a:t>CountAccumulator</a:t>
+            </a:r>
+            <a:endParaRPr lang="ko-KR" altLang="en-US" sz="1100" dirty="0">
+              <a:solidFill>
+                <a:schemeClr val="accent1">
+                  <a:lumMod val="60000"/>
+                  <a:lumOff val="40000"/>
+                </a:schemeClr>
+              </a:solidFill>
+            </a:endParaRPr>
+          </a:p>
+        </p:txBody>
+      </p:sp>
+      <p:sp>
+        <p:nvSpPr>
+          <p:cNvPr id="46" name="TextBox 45">
+            <a:extLst>
+              <a:ext uri="{FF2B5EF4-FFF2-40B4-BE49-F238E27FC236}">
+                <a16:creationId xmlns:a16="http://schemas.microsoft.com/office/drawing/2014/main" id="{78A6D049-38A2-57A3-3EF3-5E28D18088EE}"/>
+              </a:ext>
+            </a:extLst>
+          </p:cNvPr>
+          <p:cNvSpPr txBox="1"/>
+          <p:nvPr/>
+        </p:nvSpPr>
+        <p:spPr>
+          <a:xfrm>
+            <a:off x="8819858" y="5698342"/>
+            <a:ext cx="2077172" cy="369332"/>
+          </a:xfrm>
+          <a:prstGeom prst="rect">
+            <a:avLst/>
+          </a:prstGeom>
+        </p:spPr>
+        <p:style>
+          <a:lnRef idx="2">
+            <a:schemeClr val="dk1"/>
+          </a:lnRef>
+          <a:fillRef idx="1">
+            <a:schemeClr val="lt1"/>
+          </a:fillRef>
+          <a:effectRef idx="0">
+            <a:schemeClr val="dk1"/>
+          </a:effectRef>
+          <a:fontRef idx="minor">
+            <a:schemeClr val="dk1"/>
+          </a:fontRef>
+        </p:style>
+        <p:txBody>
+          <a:bodyPr wrap="none" rtlCol="0">
+            <a:spAutoFit/>
+          </a:bodyPr>
+          <a:lstStyle/>
+          <a:p>
+            <a:r>
+              <a:rPr lang="en-US" altLang="ko-KR" dirty="0"/>
+              <a:t>CounterStatement</a:t>
+            </a:r>
+            <a:endParaRPr lang="ko-KR" altLang="en-US" dirty="0"/>
+          </a:p>
+        </p:txBody>
+      </p:sp>
+      <p:sp>
+        <p:nvSpPr>
+          <p:cNvPr id="3" name="TextBox 2">
+            <a:extLst>
+              <a:ext uri="{FF2B5EF4-FFF2-40B4-BE49-F238E27FC236}">
+                <a16:creationId xmlns:a16="http://schemas.microsoft.com/office/drawing/2014/main" id="{A01FA822-B995-09A6-6574-7F9B76403C80}"/>
+              </a:ext>
+            </a:extLst>
+          </p:cNvPr>
+          <p:cNvSpPr txBox="1"/>
+          <p:nvPr/>
+        </p:nvSpPr>
+        <p:spPr>
+          <a:xfrm>
+            <a:off x="1108311" y="5698342"/>
+            <a:ext cx="1832233" cy="369332"/>
+          </a:xfrm>
+          <a:prstGeom prst="rect">
+            <a:avLst/>
+          </a:prstGeom>
+        </p:spPr>
+        <p:style>
+          <a:lnRef idx="2">
+            <a:schemeClr val="dk1"/>
+          </a:lnRef>
+          <a:fillRef idx="1">
+            <a:schemeClr val="lt1"/>
+          </a:fillRef>
+          <a:effectRef idx="0">
+            <a:schemeClr val="dk1"/>
+          </a:effectRef>
+          <a:fontRef idx="minor">
+            <a:schemeClr val="dk1"/>
+          </a:fontRef>
+        </p:style>
+        <p:txBody>
+          <a:bodyPr wrap="none" rtlCol="0">
+            <a:spAutoFit/>
+          </a:bodyPr>
+          <a:lstStyle/>
+          <a:p>
+            <a:r>
+              <a:rPr lang="en-US" altLang="ko-KR" dirty="0"/>
+              <a:t>TimerStatement</a:t>
             </a:r>
             <a:endParaRPr lang="ko-KR" altLang="en-US" dirty="0"/>
           </a:p>
@@ -6506,7 +5283,7 @@
     </p:spTree>
     <p:extLst>
       <p:ext uri="{BB962C8B-B14F-4D97-AF65-F5344CB8AC3E}">
-        <p14:creationId xmlns:p14="http://schemas.microsoft.com/office/powerpoint/2010/main" val="1975990934"/>
+        <p14:creationId xmlns:p14="http://schemas.microsoft.com/office/powerpoint/2010/main" val="3377512998"/>
       </p:ext>
     </p:extLst>
   </p:cSld>
@@ -6651,8 +5428,14 @@
           <a:p>
             <a:pPr lvl="1"/>
             <a:r>
+              <a:rPr lang="en-US" altLang="ko-KR" dirty="0">
+                <a:hlinkClick r:id="rId5"/>
+              </a:rPr>
+              <a:t>http://www.famart.co.kr/resource/ls/%EC%82%AC%EC%9A%A9%EC%84%A4%EB%AA%85%EC%84%9C_XGI_XGR_XEC_%EB%AA%85%EB%A0%B9%EC%96%B4%EC%A7%91_V2.7.pdf</a:t>
+            </a:r>
+            <a:r>
               <a:rPr lang="en-US" altLang="ko-KR" dirty="0"/>
-              <a:t>http://www.famart.co.kr/resource/ls/%EC%82%AC%EC%9A%A9%EC%84%A4%EB%AA%85%EC%84%9C_XGI_XGR_XEC_%EB%AA%85%EB%A0%B9%EC%96%B4%EC%A7%91_V2.7.pdf</a:t>
+              <a:t> </a:t>
             </a:r>
             <a:endParaRPr lang="ko-KR" altLang="en-US" dirty="0"/>
           </a:p>
@@ -6690,10 +5473,10 @@
       </p:grpSpPr>
       <p:sp>
         <p:nvSpPr>
-          <p:cNvPr id="4" name="제목 3">
-            <a:extLst>
-              <a:ext uri="{FF2B5EF4-FFF2-40B4-BE49-F238E27FC236}">
-                <a16:creationId xmlns:a16="http://schemas.microsoft.com/office/drawing/2014/main" id="{16EFA867-55B0-DBFC-98DB-B382AF802622}"/>
+          <p:cNvPr id="2" name="제목 1">
+            <a:extLst>
+              <a:ext uri="{FF2B5EF4-FFF2-40B4-BE49-F238E27FC236}">
+                <a16:creationId xmlns:a16="http://schemas.microsoft.com/office/drawing/2014/main" id="{1B5AB5BE-0CEB-62D1-287B-7A8FB8BC868A}"/>
               </a:ext>
             </a:extLst>
           </p:cNvPr>
@@ -6701,7 +5484,7 @@
             <a:spLocks noGrp="1"/>
           </p:cNvSpPr>
           <p:nvPr>
-            <p:ph type="ctrTitle"/>
+            <p:ph type="title"/>
           </p:nvPr>
         </p:nvSpPr>
         <p:spPr/>
@@ -6710,41 +5493,346 @@
           <a:lstStyle/>
           <a:p>
             <a:r>
-              <a:rPr lang="ko-KR" altLang="en-US" dirty="0"/>
-              <a:t>작화 특성</a:t>
-            </a:r>
-          </a:p>
-        </p:txBody>
-      </p:sp>
-      <p:sp>
-        <p:nvSpPr>
-          <p:cNvPr id="5" name="부제목 4">
-            <a:extLst>
-              <a:ext uri="{FF2B5EF4-FFF2-40B4-BE49-F238E27FC236}">
-                <a16:creationId xmlns:a16="http://schemas.microsoft.com/office/drawing/2014/main" id="{FA8BBCDC-8D02-F4D6-0F56-EEE3E53015C6}"/>
-              </a:ext>
-            </a:extLst>
-          </p:cNvPr>
-          <p:cNvSpPr>
-            <a:spLocks noGrp="1"/>
-          </p:cNvSpPr>
-          <p:nvPr>
-            <p:ph type="subTitle" idx="1"/>
-          </p:nvPr>
-        </p:nvSpPr>
-        <p:spPr/>
-        <p:txBody>
-          <a:bodyPr/>
-          <a:lstStyle/>
-          <a:p>
-            <a:endParaRPr lang="ko-KR" altLang="en-US"/>
+              <a:rPr lang="en-US" altLang="ko-KR" dirty="0"/>
+              <a:t>Classes : Timer/Counter top level</a:t>
+            </a:r>
+            <a:endParaRPr lang="ko-KR" altLang="en-US" dirty="0"/>
+          </a:p>
+        </p:txBody>
+      </p:sp>
+      <p:sp>
+        <p:nvSpPr>
+          <p:cNvPr id="5" name="TextBox 4">
+            <a:extLst>
+              <a:ext uri="{FF2B5EF4-FFF2-40B4-BE49-F238E27FC236}">
+                <a16:creationId xmlns:a16="http://schemas.microsoft.com/office/drawing/2014/main" id="{97A82AB5-B6A3-7DF3-7F5D-F0EAA673A0E9}"/>
+              </a:ext>
+            </a:extLst>
+          </p:cNvPr>
+          <p:cNvSpPr txBox="1"/>
+          <p:nvPr/>
+        </p:nvSpPr>
+        <p:spPr>
+          <a:xfrm>
+            <a:off x="951344" y="1889174"/>
+            <a:ext cx="9938329" cy="3970318"/>
+          </a:xfrm>
+          <a:prstGeom prst="rect">
+            <a:avLst/>
+          </a:prstGeom>
+          <a:noFill/>
+        </p:spPr>
+        <p:txBody>
+          <a:bodyPr wrap="square">
+            <a:spAutoFit/>
+          </a:bodyPr>
+          <a:lstStyle/>
+          <a:p>
+            <a:r>
+              <a:rPr lang="en-US" altLang="ko-KR" sz="1400" dirty="0">
+                <a:solidFill>
+                  <a:srgbClr val="0000FF"/>
+                </a:solidFill>
+                <a:latin typeface="Cascadia Mono" panose="020B0609020000020004" pitchFamily="49" charset="0"/>
+              </a:rPr>
+              <a:t>type</a:t>
+            </a:r>
+            <a:r>
+              <a:rPr lang="en-US" altLang="ko-KR" sz="1400" dirty="0">
+                <a:solidFill>
+                  <a:srgbClr val="000000"/>
+                </a:solidFill>
+                <a:latin typeface="Cascadia Mono" panose="020B0609020000020004" pitchFamily="49" charset="0"/>
+              </a:rPr>
+              <a:t> Statement =</a:t>
+            </a:r>
+          </a:p>
+          <a:p>
+            <a:r>
+              <a:rPr lang="en-US" altLang="ko-KR" sz="1400" dirty="0">
+                <a:solidFill>
+                  <a:srgbClr val="000000"/>
+                </a:solidFill>
+                <a:latin typeface="Cascadia Mono" panose="020B0609020000020004" pitchFamily="49" charset="0"/>
+              </a:rPr>
+              <a:t>        | DuAssign </a:t>
+            </a:r>
+            <a:r>
+              <a:rPr lang="en-US" altLang="ko-KR" sz="1400" dirty="0">
+                <a:solidFill>
+                  <a:srgbClr val="0000FF"/>
+                </a:solidFill>
+                <a:latin typeface="Cascadia Mono" panose="020B0609020000020004" pitchFamily="49" charset="0"/>
+              </a:rPr>
+              <a:t>of</a:t>
+            </a:r>
+            <a:r>
+              <a:rPr lang="en-US" altLang="ko-KR" sz="1400" dirty="0">
+                <a:solidFill>
+                  <a:srgbClr val="000000"/>
+                </a:solidFill>
+                <a:latin typeface="Cascadia Mono" panose="020B0609020000020004" pitchFamily="49" charset="0"/>
+              </a:rPr>
+              <a:t> expression:IExpression * target:IStorage</a:t>
+            </a:r>
+          </a:p>
+          <a:p>
+            <a:r>
+              <a:rPr lang="en-US" altLang="ko-KR" sz="1400" dirty="0">
+                <a:solidFill>
+                  <a:srgbClr val="000000"/>
+                </a:solidFill>
+                <a:latin typeface="Cascadia Mono" panose="020B0609020000020004" pitchFamily="49" charset="0"/>
+              </a:rPr>
+              <a:t>        | DuVarDecl </a:t>
+            </a:r>
+            <a:r>
+              <a:rPr lang="en-US" altLang="ko-KR" sz="1400" dirty="0">
+                <a:solidFill>
+                  <a:srgbClr val="0000FF"/>
+                </a:solidFill>
+                <a:latin typeface="Cascadia Mono" panose="020B0609020000020004" pitchFamily="49" charset="0"/>
+              </a:rPr>
+              <a:t>of</a:t>
+            </a:r>
+            <a:r>
+              <a:rPr lang="en-US" altLang="ko-KR" sz="1400" dirty="0">
+                <a:solidFill>
+                  <a:srgbClr val="000000"/>
+                </a:solidFill>
+                <a:latin typeface="Cascadia Mono" panose="020B0609020000020004" pitchFamily="49" charset="0"/>
+              </a:rPr>
+              <a:t> expression:IExpression * variable:IStorage</a:t>
+            </a:r>
+          </a:p>
+          <a:p>
+            <a:r>
+              <a:rPr lang="en-US" altLang="ko-KR" sz="1400" dirty="0">
+                <a:solidFill>
+                  <a:srgbClr val="000000"/>
+                </a:solidFill>
+                <a:latin typeface="Cascadia Mono" panose="020B0609020000020004" pitchFamily="49" charset="0"/>
+              </a:rPr>
+              <a:t>        | DuTimer </a:t>
+            </a:r>
+            <a:r>
+              <a:rPr lang="en-US" altLang="ko-KR" sz="1400" dirty="0">
+                <a:solidFill>
+                  <a:srgbClr val="0000FF"/>
+                </a:solidFill>
+                <a:latin typeface="Cascadia Mono" panose="020B0609020000020004" pitchFamily="49" charset="0"/>
+              </a:rPr>
+              <a:t>of</a:t>
+            </a:r>
+            <a:r>
+              <a:rPr lang="en-US" altLang="ko-KR" sz="1400" dirty="0">
+                <a:solidFill>
+                  <a:srgbClr val="000000"/>
+                </a:solidFill>
+                <a:latin typeface="Cascadia Mono" panose="020B0609020000020004" pitchFamily="49" charset="0"/>
+              </a:rPr>
+              <a:t> TimerStatement</a:t>
+            </a:r>
+          </a:p>
+          <a:p>
+            <a:r>
+              <a:rPr lang="en-US" altLang="ko-KR" sz="1400" dirty="0">
+                <a:solidFill>
+                  <a:srgbClr val="000000"/>
+                </a:solidFill>
+                <a:latin typeface="Cascadia Mono" panose="020B0609020000020004" pitchFamily="49" charset="0"/>
+              </a:rPr>
+              <a:t>        | DuCounter </a:t>
+            </a:r>
+            <a:r>
+              <a:rPr lang="en-US" altLang="ko-KR" sz="1400" dirty="0">
+                <a:solidFill>
+                  <a:srgbClr val="0000FF"/>
+                </a:solidFill>
+                <a:latin typeface="Cascadia Mono" panose="020B0609020000020004" pitchFamily="49" charset="0"/>
+              </a:rPr>
+              <a:t>of</a:t>
+            </a:r>
+            <a:r>
+              <a:rPr lang="en-US" altLang="ko-KR" sz="1400" dirty="0">
+                <a:solidFill>
+                  <a:srgbClr val="000000"/>
+                </a:solidFill>
+                <a:latin typeface="Cascadia Mono" panose="020B0609020000020004" pitchFamily="49" charset="0"/>
+              </a:rPr>
+              <a:t> CounterStatement</a:t>
+            </a:r>
+          </a:p>
+          <a:p>
+            <a:endParaRPr lang="en-US" altLang="ko-KR" sz="1400" dirty="0">
+              <a:solidFill>
+                <a:srgbClr val="000000"/>
+              </a:solidFill>
+              <a:latin typeface="Cascadia Mono" panose="020B0609020000020004" pitchFamily="49" charset="0"/>
+            </a:endParaRPr>
+          </a:p>
+          <a:p>
+            <a:r>
+              <a:rPr lang="en-US" altLang="ko-KR" sz="1400" dirty="0">
+                <a:solidFill>
+                  <a:srgbClr val="0000FF"/>
+                </a:solidFill>
+                <a:latin typeface="Cascadia Mono" panose="020B0609020000020004" pitchFamily="49" charset="0"/>
+              </a:rPr>
+              <a:t>type</a:t>
+            </a:r>
+            <a:r>
+              <a:rPr lang="en-US" altLang="ko-KR" sz="1400" dirty="0">
+                <a:solidFill>
+                  <a:srgbClr val="000000"/>
+                </a:solidFill>
+                <a:latin typeface="Cascadia Mono" panose="020B0609020000020004" pitchFamily="49" charset="0"/>
+              </a:rPr>
+              <a:t> TimerStatement = {</a:t>
+            </a:r>
+          </a:p>
+          <a:p>
+            <a:r>
+              <a:rPr lang="en-US" altLang="ko-KR" sz="1400" dirty="0">
+                <a:solidFill>
+                  <a:srgbClr val="000000"/>
+                </a:solidFill>
+                <a:latin typeface="Cascadia Mono" panose="020B0609020000020004" pitchFamily="49" charset="0"/>
+              </a:rPr>
+              <a:t>    Timer:</a:t>
+            </a:r>
+            <a:r>
+              <a:rPr lang="en-US" altLang="ko-KR" sz="1400" dirty="0">
+                <a:solidFill>
+                  <a:srgbClr val="FF0000"/>
+                </a:solidFill>
+                <a:latin typeface="Cascadia Mono" panose="020B0609020000020004" pitchFamily="49" charset="0"/>
+              </a:rPr>
+              <a:t>Timer</a:t>
+            </a:r>
+          </a:p>
+          <a:p>
+            <a:r>
+              <a:rPr lang="en-US" altLang="ko-KR" sz="1400" dirty="0">
+                <a:solidFill>
+                  <a:srgbClr val="000000"/>
+                </a:solidFill>
+                <a:latin typeface="Cascadia Mono" panose="020B0609020000020004" pitchFamily="49" charset="0"/>
+              </a:rPr>
+              <a:t>    RungInCondition: IExpression&lt;bool&gt; option</a:t>
+            </a:r>
+          </a:p>
+          <a:p>
+            <a:r>
+              <a:rPr lang="en-US" altLang="ko-KR" sz="1400" dirty="0">
+                <a:solidFill>
+                  <a:srgbClr val="000000"/>
+                </a:solidFill>
+                <a:latin typeface="Cascadia Mono" panose="020B0609020000020004" pitchFamily="49" charset="0"/>
+              </a:rPr>
+              <a:t>    ResetCondition:  IExpression&lt;bool&gt; option</a:t>
+            </a:r>
+          </a:p>
+          <a:p>
+            <a:r>
+              <a:rPr lang="en-US" altLang="ko-KR" sz="1400" dirty="0">
+                <a:solidFill>
+                  <a:srgbClr val="000000"/>
+                </a:solidFill>
+                <a:latin typeface="Cascadia Mono" panose="020B0609020000020004" pitchFamily="49" charset="0"/>
+              </a:rPr>
+              <a:t>}</a:t>
+            </a:r>
+          </a:p>
+          <a:p>
+            <a:endParaRPr lang="ko-KR" altLang="en-US" sz="1400" dirty="0">
+              <a:solidFill>
+                <a:srgbClr val="000000"/>
+              </a:solidFill>
+              <a:latin typeface="Cascadia Mono" panose="020B0609020000020004" pitchFamily="49" charset="0"/>
+            </a:endParaRPr>
+          </a:p>
+          <a:p>
+            <a:r>
+              <a:rPr lang="en-US" altLang="ko-KR" sz="1400" dirty="0">
+                <a:solidFill>
+                  <a:srgbClr val="0000FF"/>
+                </a:solidFill>
+                <a:latin typeface="Cascadia Mono" panose="020B0609020000020004" pitchFamily="49" charset="0"/>
+              </a:rPr>
+              <a:t>type</a:t>
+            </a:r>
+            <a:r>
+              <a:rPr lang="en-US" altLang="ko-KR" sz="1400" dirty="0">
+                <a:solidFill>
+                  <a:srgbClr val="000000"/>
+                </a:solidFill>
+                <a:latin typeface="Cascadia Mono" panose="020B0609020000020004" pitchFamily="49" charset="0"/>
+              </a:rPr>
+              <a:t> CounterStatement = {</a:t>
+            </a:r>
+          </a:p>
+          <a:p>
+            <a:r>
+              <a:rPr lang="en-US" altLang="ko-KR" sz="1400" dirty="0">
+                <a:solidFill>
+                  <a:srgbClr val="000000"/>
+                </a:solidFill>
+                <a:latin typeface="Cascadia Mono" panose="020B0609020000020004" pitchFamily="49" charset="0"/>
+              </a:rPr>
+              <a:t>    Counter:Counter</a:t>
+            </a:r>
+          </a:p>
+          <a:p>
+            <a:r>
+              <a:rPr lang="en-US" altLang="ko-KR" sz="1400" dirty="0">
+                <a:solidFill>
+                  <a:srgbClr val="000000"/>
+                </a:solidFill>
+                <a:latin typeface="Cascadia Mono" panose="020B0609020000020004" pitchFamily="49" charset="0"/>
+              </a:rPr>
+              <a:t>    UpCondition: IExpression&lt;bool&gt; option</a:t>
+            </a:r>
+          </a:p>
+          <a:p>
+            <a:r>
+              <a:rPr lang="en-US" altLang="ko-KR" sz="1400" dirty="0">
+                <a:solidFill>
+                  <a:srgbClr val="000000"/>
+                </a:solidFill>
+                <a:latin typeface="Cascadia Mono" panose="020B0609020000020004" pitchFamily="49" charset="0"/>
+              </a:rPr>
+              <a:t>    DownCondition: IExpression&lt;bool&gt; option</a:t>
+            </a:r>
+          </a:p>
+          <a:p>
+            <a:r>
+              <a:rPr lang="en-US" altLang="ko-KR" sz="1400" dirty="0">
+                <a:solidFill>
+                  <a:srgbClr val="000000"/>
+                </a:solidFill>
+                <a:latin typeface="Cascadia Mono" panose="020B0609020000020004" pitchFamily="49" charset="0"/>
+              </a:rPr>
+              <a:t>    ResetCondition:  IExpression&lt;bool&gt; option</a:t>
+            </a:r>
+          </a:p>
+          <a:p>
+            <a:r>
+              <a:rPr lang="en-US" altLang="ko-KR" sz="1400" dirty="0">
+                <a:solidFill>
+                  <a:srgbClr val="000000"/>
+                </a:solidFill>
+                <a:latin typeface="Cascadia Mono" panose="020B0609020000020004" pitchFamily="49" charset="0"/>
+              </a:rPr>
+              <a:t>}</a:t>
+            </a:r>
           </a:p>
         </p:txBody>
       </p:sp>
     </p:spTree>
     <p:extLst>
       <p:ext uri="{BB962C8B-B14F-4D97-AF65-F5344CB8AC3E}">
-        <p14:creationId xmlns:p14="http://schemas.microsoft.com/office/powerpoint/2010/main" val="720653391"/>
+        <p14:creationId xmlns:p14="http://schemas.microsoft.com/office/powerpoint/2010/main" val="3044527727"/>
       </p:ext>
     </p:extLst>
   </p:cSld>
@@ -6776,6 +5864,1328 @@
           <p:cNvPr id="2" name="제목 1">
             <a:extLst>
               <a:ext uri="{FF2B5EF4-FFF2-40B4-BE49-F238E27FC236}">
+                <a16:creationId xmlns:a16="http://schemas.microsoft.com/office/drawing/2014/main" id="{5EB18DC9-FC2F-0591-7F29-6E1E653363F3}"/>
+              </a:ext>
+            </a:extLst>
+          </p:cNvPr>
+          <p:cNvSpPr>
+            <a:spLocks noGrp="1"/>
+          </p:cNvSpPr>
+          <p:nvPr>
+            <p:ph type="title"/>
+          </p:nvPr>
+        </p:nvSpPr>
+        <p:spPr/>
+        <p:txBody>
+          <a:bodyPr/>
+          <a:lstStyle/>
+          <a:p>
+            <a:r>
+              <a:rPr lang="en-US" altLang="ko-KR" dirty="0"/>
+              <a:t>Classes : Timer statements</a:t>
+            </a:r>
+            <a:endParaRPr lang="ko-KR" altLang="en-US" dirty="0"/>
+          </a:p>
+        </p:txBody>
+      </p:sp>
+      <p:sp>
+        <p:nvSpPr>
+          <p:cNvPr id="5" name="TextBox 4">
+            <a:extLst>
+              <a:ext uri="{FF2B5EF4-FFF2-40B4-BE49-F238E27FC236}">
+                <a16:creationId xmlns:a16="http://schemas.microsoft.com/office/drawing/2014/main" id="{8E9067D1-0ED2-925C-8C37-9111D6743EA1}"/>
+              </a:ext>
+            </a:extLst>
+          </p:cNvPr>
+          <p:cNvSpPr txBox="1"/>
+          <p:nvPr/>
+        </p:nvSpPr>
+        <p:spPr>
+          <a:xfrm>
+            <a:off x="838200" y="1880581"/>
+            <a:ext cx="10594109" cy="4524315"/>
+          </a:xfrm>
+          <a:prstGeom prst="rect">
+            <a:avLst/>
+          </a:prstGeom>
+          <a:noFill/>
+        </p:spPr>
+        <p:txBody>
+          <a:bodyPr wrap="square">
+            <a:spAutoFit/>
+          </a:bodyPr>
+          <a:lstStyle/>
+          <a:p>
+            <a:r>
+              <a:rPr lang="en-US" altLang="ko-KR" sz="1800" dirty="0">
+                <a:solidFill>
+                  <a:srgbClr val="0000FF"/>
+                </a:solidFill>
+                <a:latin typeface="Cascadia Mono" panose="020B0609020000020004" pitchFamily="49" charset="0"/>
+              </a:rPr>
+              <a:t>type</a:t>
+            </a:r>
+            <a:r>
+              <a:rPr lang="en-US" altLang="ko-KR" sz="1800" dirty="0">
+                <a:solidFill>
+                  <a:srgbClr val="000000"/>
+                </a:solidFill>
+                <a:latin typeface="Cascadia Mono" panose="020B0609020000020004" pitchFamily="49" charset="0"/>
+              </a:rPr>
+              <a:t> Timer </a:t>
+            </a:r>
+            <a:r>
+              <a:rPr lang="en-US" altLang="ko-KR" sz="1800" dirty="0">
+                <a:solidFill>
+                  <a:srgbClr val="0000FF"/>
+                </a:solidFill>
+                <a:latin typeface="Cascadia Mono" panose="020B0609020000020004" pitchFamily="49" charset="0"/>
+              </a:rPr>
+              <a:t>internal</a:t>
+            </a:r>
+            <a:r>
+              <a:rPr lang="en-US" altLang="ko-KR" sz="1800" dirty="0">
+                <a:solidFill>
+                  <a:srgbClr val="000000"/>
+                </a:solidFill>
+                <a:latin typeface="Cascadia Mono" panose="020B0609020000020004" pitchFamily="49" charset="0"/>
+              </a:rPr>
+              <a:t>(typ:TimerType, timerStruct:TimerStruct) =</a:t>
+            </a:r>
+          </a:p>
+          <a:p>
+            <a:endParaRPr lang="ko-KR" altLang="en-US" sz="1800" dirty="0">
+              <a:solidFill>
+                <a:srgbClr val="000000"/>
+              </a:solidFill>
+              <a:latin typeface="Cascadia Mono" panose="020B0609020000020004" pitchFamily="49" charset="0"/>
+            </a:endParaRPr>
+          </a:p>
+          <a:p>
+            <a:r>
+              <a:rPr lang="en-US" altLang="ko-KR" sz="1800" dirty="0">
+                <a:solidFill>
+                  <a:srgbClr val="000000"/>
+                </a:solidFill>
+                <a:latin typeface="Cascadia Mono" panose="020B0609020000020004" pitchFamily="49" charset="0"/>
+              </a:rPr>
+              <a:t>    </a:t>
+            </a:r>
+            <a:r>
+              <a:rPr lang="en-US" altLang="ko-KR" sz="1800" dirty="0">
+                <a:solidFill>
+                  <a:srgbClr val="0000FF"/>
+                </a:solidFill>
+                <a:latin typeface="Cascadia Mono" panose="020B0609020000020004" pitchFamily="49" charset="0"/>
+              </a:rPr>
+              <a:t>let</a:t>
+            </a:r>
+            <a:r>
+              <a:rPr lang="en-US" altLang="ko-KR" sz="1800" dirty="0">
+                <a:solidFill>
+                  <a:srgbClr val="000000"/>
+                </a:solidFill>
+                <a:latin typeface="Cascadia Mono" panose="020B0609020000020004" pitchFamily="49" charset="0"/>
+              </a:rPr>
+              <a:t> accumulator = </a:t>
+            </a:r>
+            <a:r>
+              <a:rPr lang="en-US" altLang="ko-KR" sz="1800" dirty="0">
+                <a:solidFill>
+                  <a:srgbClr val="0000FF"/>
+                </a:solidFill>
+                <a:latin typeface="Cascadia Mono" panose="020B0609020000020004" pitchFamily="49" charset="0"/>
+              </a:rPr>
+              <a:t>new</a:t>
+            </a:r>
+            <a:r>
+              <a:rPr lang="en-US" altLang="ko-KR" sz="1800" dirty="0">
+                <a:solidFill>
+                  <a:srgbClr val="000000"/>
+                </a:solidFill>
+                <a:latin typeface="Cascadia Mono" panose="020B0609020000020004" pitchFamily="49" charset="0"/>
+              </a:rPr>
+              <a:t> TickAccumulator(typ, timerStruct)</a:t>
+            </a:r>
+          </a:p>
+          <a:p>
+            <a:endParaRPr lang="ko-KR" altLang="en-US" sz="1800" dirty="0">
+              <a:solidFill>
+                <a:srgbClr val="000000"/>
+              </a:solidFill>
+              <a:latin typeface="Cascadia Mono" panose="020B0609020000020004" pitchFamily="49" charset="0"/>
+            </a:endParaRPr>
+          </a:p>
+          <a:p>
+            <a:r>
+              <a:rPr lang="en-US" altLang="ko-KR" sz="1800" dirty="0">
+                <a:solidFill>
+                  <a:srgbClr val="000000"/>
+                </a:solidFill>
+                <a:latin typeface="Cascadia Mono" panose="020B0609020000020004" pitchFamily="49" charset="0"/>
+              </a:rPr>
+              <a:t>    </a:t>
+            </a:r>
+            <a:r>
+              <a:rPr lang="en-US" altLang="ko-KR" sz="1800" dirty="0">
+                <a:solidFill>
+                  <a:srgbClr val="0000FF"/>
+                </a:solidFill>
+                <a:latin typeface="Cascadia Mono" panose="020B0609020000020004" pitchFamily="49" charset="0"/>
+              </a:rPr>
+              <a:t>member</a:t>
+            </a:r>
+            <a:r>
+              <a:rPr lang="en-US" altLang="ko-KR" sz="1800" dirty="0">
+                <a:solidFill>
+                  <a:srgbClr val="000000"/>
+                </a:solidFill>
+                <a:latin typeface="Cascadia Mono" panose="020B0609020000020004" pitchFamily="49" charset="0"/>
+              </a:rPr>
+              <a:t> _.Type = typ</a:t>
+            </a:r>
+          </a:p>
+          <a:p>
+            <a:r>
+              <a:rPr lang="en-US" altLang="ko-KR" sz="1800" dirty="0">
+                <a:solidFill>
+                  <a:srgbClr val="000000"/>
+                </a:solidFill>
+                <a:latin typeface="Cascadia Mono" panose="020B0609020000020004" pitchFamily="49" charset="0"/>
+              </a:rPr>
+              <a:t>    </a:t>
+            </a:r>
+            <a:r>
+              <a:rPr lang="en-US" altLang="ko-KR" sz="1800" dirty="0">
+                <a:solidFill>
+                  <a:srgbClr val="0000FF"/>
+                </a:solidFill>
+                <a:latin typeface="Cascadia Mono" panose="020B0609020000020004" pitchFamily="49" charset="0"/>
+              </a:rPr>
+              <a:t>member</a:t>
+            </a:r>
+            <a:r>
+              <a:rPr lang="en-US" altLang="ko-KR" sz="1800" dirty="0">
+                <a:solidFill>
+                  <a:srgbClr val="000000"/>
+                </a:solidFill>
+                <a:latin typeface="Cascadia Mono" panose="020B0609020000020004" pitchFamily="49" charset="0"/>
+              </a:rPr>
+              <a:t> _.Name = timerStruct.Name</a:t>
+            </a:r>
+          </a:p>
+          <a:p>
+            <a:r>
+              <a:rPr lang="en-US" altLang="ko-KR" sz="1800" dirty="0">
+                <a:solidFill>
+                  <a:srgbClr val="000000"/>
+                </a:solidFill>
+                <a:latin typeface="Cascadia Mono" panose="020B0609020000020004" pitchFamily="49" charset="0"/>
+              </a:rPr>
+              <a:t>    </a:t>
+            </a:r>
+            <a:r>
+              <a:rPr lang="en-US" altLang="ko-KR" sz="1800" dirty="0">
+                <a:solidFill>
+                  <a:srgbClr val="0000FF"/>
+                </a:solidFill>
+                <a:latin typeface="Cascadia Mono" panose="020B0609020000020004" pitchFamily="49" charset="0"/>
+              </a:rPr>
+              <a:t>member</a:t>
+            </a:r>
+            <a:r>
+              <a:rPr lang="en-US" altLang="ko-KR" sz="1800" dirty="0">
+                <a:solidFill>
+                  <a:srgbClr val="000000"/>
+                </a:solidFill>
+                <a:latin typeface="Cascadia Mono" panose="020B0609020000020004" pitchFamily="49" charset="0"/>
+              </a:rPr>
+              <a:t> _.EN = timerStruct.EN</a:t>
+            </a:r>
+          </a:p>
+          <a:p>
+            <a:r>
+              <a:rPr lang="en-US" altLang="ko-KR" sz="1800" dirty="0">
+                <a:solidFill>
+                  <a:srgbClr val="000000"/>
+                </a:solidFill>
+                <a:latin typeface="Cascadia Mono" panose="020B0609020000020004" pitchFamily="49" charset="0"/>
+              </a:rPr>
+              <a:t>    </a:t>
+            </a:r>
+            <a:r>
+              <a:rPr lang="en-US" altLang="ko-KR" sz="1800" dirty="0">
+                <a:solidFill>
+                  <a:srgbClr val="0000FF"/>
+                </a:solidFill>
+                <a:latin typeface="Cascadia Mono" panose="020B0609020000020004" pitchFamily="49" charset="0"/>
+              </a:rPr>
+              <a:t>member</a:t>
+            </a:r>
+            <a:r>
+              <a:rPr lang="en-US" altLang="ko-KR" sz="1800" dirty="0">
+                <a:solidFill>
+                  <a:srgbClr val="000000"/>
+                </a:solidFill>
+                <a:latin typeface="Cascadia Mono" panose="020B0609020000020004" pitchFamily="49" charset="0"/>
+              </a:rPr>
+              <a:t> _.TT = timerStruct.TT</a:t>
+            </a:r>
+          </a:p>
+          <a:p>
+            <a:r>
+              <a:rPr lang="en-US" altLang="ko-KR" sz="1800" dirty="0">
+                <a:solidFill>
+                  <a:srgbClr val="000000"/>
+                </a:solidFill>
+                <a:latin typeface="Cascadia Mono" panose="020B0609020000020004" pitchFamily="49" charset="0"/>
+              </a:rPr>
+              <a:t>    </a:t>
+            </a:r>
+            <a:r>
+              <a:rPr lang="en-US" altLang="ko-KR" sz="1800" dirty="0">
+                <a:solidFill>
+                  <a:srgbClr val="0000FF"/>
+                </a:solidFill>
+                <a:latin typeface="Cascadia Mono" panose="020B0609020000020004" pitchFamily="49" charset="0"/>
+              </a:rPr>
+              <a:t>member</a:t>
+            </a:r>
+            <a:r>
+              <a:rPr lang="en-US" altLang="ko-KR" sz="1800" dirty="0">
+                <a:solidFill>
+                  <a:srgbClr val="000000"/>
+                </a:solidFill>
+                <a:latin typeface="Cascadia Mono" panose="020B0609020000020004" pitchFamily="49" charset="0"/>
+              </a:rPr>
+              <a:t> _.DN = timerStruct.DN</a:t>
+            </a:r>
+          </a:p>
+          <a:p>
+            <a:r>
+              <a:rPr lang="en-US" altLang="ko-KR" sz="1800" dirty="0">
+                <a:solidFill>
+                  <a:srgbClr val="000000"/>
+                </a:solidFill>
+                <a:latin typeface="Cascadia Mono" panose="020B0609020000020004" pitchFamily="49" charset="0"/>
+              </a:rPr>
+              <a:t>    </a:t>
+            </a:r>
+            <a:r>
+              <a:rPr lang="en-US" altLang="ko-KR" sz="1800" dirty="0">
+                <a:solidFill>
+                  <a:srgbClr val="0000FF"/>
+                </a:solidFill>
+                <a:latin typeface="Cascadia Mono" panose="020B0609020000020004" pitchFamily="49" charset="0"/>
+              </a:rPr>
+              <a:t>member</a:t>
+            </a:r>
+            <a:r>
+              <a:rPr lang="en-US" altLang="ko-KR" sz="1800" dirty="0">
+                <a:solidFill>
+                  <a:srgbClr val="000000"/>
+                </a:solidFill>
+                <a:latin typeface="Cascadia Mono" panose="020B0609020000020004" pitchFamily="49" charset="0"/>
+              </a:rPr>
+              <a:t> _.PRE = timerStruct.PRE</a:t>
+            </a:r>
+          </a:p>
+          <a:p>
+            <a:r>
+              <a:rPr lang="en-US" altLang="ko-KR" sz="1800" dirty="0">
+                <a:solidFill>
+                  <a:srgbClr val="000000"/>
+                </a:solidFill>
+                <a:latin typeface="Cascadia Mono" panose="020B0609020000020004" pitchFamily="49" charset="0"/>
+              </a:rPr>
+              <a:t>    </a:t>
+            </a:r>
+            <a:r>
+              <a:rPr lang="en-US" altLang="ko-KR" sz="1800" dirty="0">
+                <a:solidFill>
+                  <a:srgbClr val="0000FF"/>
+                </a:solidFill>
+                <a:latin typeface="Cascadia Mono" panose="020B0609020000020004" pitchFamily="49" charset="0"/>
+              </a:rPr>
+              <a:t>member</a:t>
+            </a:r>
+            <a:r>
+              <a:rPr lang="en-US" altLang="ko-KR" sz="1800" dirty="0">
+                <a:solidFill>
+                  <a:srgbClr val="000000"/>
+                </a:solidFill>
+                <a:latin typeface="Cascadia Mono" panose="020B0609020000020004" pitchFamily="49" charset="0"/>
+              </a:rPr>
+              <a:t> _.ACC = timerStruct.ACC</a:t>
+            </a:r>
+          </a:p>
+          <a:p>
+            <a:r>
+              <a:rPr lang="en-US" altLang="ko-KR" sz="1800" dirty="0">
+                <a:solidFill>
+                  <a:srgbClr val="000000"/>
+                </a:solidFill>
+                <a:latin typeface="Cascadia Mono" panose="020B0609020000020004" pitchFamily="49" charset="0"/>
+              </a:rPr>
+              <a:t>    </a:t>
+            </a:r>
+            <a:r>
+              <a:rPr lang="en-US" altLang="ko-KR" sz="1800" dirty="0">
+                <a:solidFill>
+                  <a:srgbClr val="0000FF"/>
+                </a:solidFill>
+                <a:latin typeface="Cascadia Mono" panose="020B0609020000020004" pitchFamily="49" charset="0"/>
+              </a:rPr>
+              <a:t>member</a:t>
+            </a:r>
+            <a:r>
+              <a:rPr lang="en-US" altLang="ko-KR" sz="1800" dirty="0">
+                <a:solidFill>
+                  <a:srgbClr val="000000"/>
+                </a:solidFill>
+                <a:latin typeface="Cascadia Mono" panose="020B0609020000020004" pitchFamily="49" charset="0"/>
+              </a:rPr>
+              <a:t> _.RES = timerStruct.RES</a:t>
+            </a:r>
+          </a:p>
+          <a:p>
+            <a:endParaRPr lang="ko-KR" altLang="en-US" sz="1800" dirty="0">
+              <a:solidFill>
+                <a:srgbClr val="000000"/>
+              </a:solidFill>
+              <a:latin typeface="Cascadia Mono" panose="020B0609020000020004" pitchFamily="49" charset="0"/>
+            </a:endParaRPr>
+          </a:p>
+          <a:p>
+            <a:r>
+              <a:rPr lang="en-US" altLang="ko-KR" sz="1800" dirty="0">
+                <a:solidFill>
+                  <a:srgbClr val="000000"/>
+                </a:solidFill>
+                <a:latin typeface="Cascadia Mono" panose="020B0609020000020004" pitchFamily="49" charset="0"/>
+              </a:rPr>
+              <a:t>    </a:t>
+            </a:r>
+            <a:r>
+              <a:rPr lang="en-US" altLang="ko-KR" sz="1800" dirty="0">
+                <a:solidFill>
+                  <a:srgbClr val="0000FF"/>
+                </a:solidFill>
+                <a:latin typeface="Cascadia Mono" panose="020B0609020000020004" pitchFamily="49" charset="0"/>
+              </a:rPr>
+              <a:t>member</a:t>
+            </a:r>
+            <a:r>
+              <a:rPr lang="en-US" altLang="ko-KR" sz="1800" dirty="0">
+                <a:solidFill>
+                  <a:srgbClr val="000000"/>
+                </a:solidFill>
+                <a:latin typeface="Cascadia Mono" panose="020B0609020000020004" pitchFamily="49" charset="0"/>
+              </a:rPr>
+              <a:t> </a:t>
+            </a:r>
+            <a:r>
+              <a:rPr lang="en-US" altLang="ko-KR" sz="1800" dirty="0">
+                <a:solidFill>
+                  <a:srgbClr val="0000FF"/>
+                </a:solidFill>
+                <a:latin typeface="Cascadia Mono" panose="020B0609020000020004" pitchFamily="49" charset="0"/>
+              </a:rPr>
+              <a:t>val</a:t>
+            </a:r>
+            <a:r>
+              <a:rPr lang="en-US" altLang="ko-KR" sz="1800" dirty="0">
+                <a:solidFill>
+                  <a:srgbClr val="000000"/>
+                </a:solidFill>
+                <a:latin typeface="Cascadia Mono" panose="020B0609020000020004" pitchFamily="49" charset="0"/>
+              </a:rPr>
+              <a:t> </a:t>
+            </a:r>
+            <a:r>
+              <a:rPr lang="en-US" altLang="ko-KR" sz="1800" dirty="0">
+                <a:solidFill>
+                  <a:srgbClr val="0070C0"/>
+                </a:solidFill>
+                <a:latin typeface="Cascadia Mono" panose="020B0609020000020004" pitchFamily="49" charset="0"/>
+              </a:rPr>
+              <a:t>InputEvaluateStatements</a:t>
+            </a:r>
+            <a:r>
+              <a:rPr lang="en-US" altLang="ko-KR" sz="1800" dirty="0">
+                <a:solidFill>
+                  <a:srgbClr val="000000"/>
+                </a:solidFill>
+                <a:latin typeface="Cascadia Mono" panose="020B0609020000020004" pitchFamily="49" charset="0"/>
+              </a:rPr>
+              <a:t>:</a:t>
+            </a:r>
+            <a:r>
+              <a:rPr lang="en-US" altLang="ko-KR" sz="1800" dirty="0">
+                <a:solidFill>
+                  <a:srgbClr val="FF0000"/>
+                </a:solidFill>
+                <a:latin typeface="Cascadia Mono" panose="020B0609020000020004" pitchFamily="49" charset="0"/>
+              </a:rPr>
+              <a:t>Statement list </a:t>
+            </a:r>
+            <a:r>
+              <a:rPr lang="en-US" altLang="ko-KR" sz="1800" dirty="0">
+                <a:solidFill>
+                  <a:srgbClr val="000000"/>
+                </a:solidFill>
+                <a:latin typeface="Cascadia Mono" panose="020B0609020000020004" pitchFamily="49" charset="0"/>
+              </a:rPr>
+              <a:t>= [] </a:t>
+            </a:r>
+            <a:r>
+              <a:rPr lang="en-US" altLang="ko-KR" sz="1800" dirty="0">
+                <a:solidFill>
+                  <a:srgbClr val="0000FF"/>
+                </a:solidFill>
+                <a:latin typeface="Cascadia Mono" panose="020B0609020000020004" pitchFamily="49" charset="0"/>
+              </a:rPr>
+              <a:t>with</a:t>
+            </a:r>
+            <a:r>
+              <a:rPr lang="en-US" altLang="ko-KR" sz="1800" dirty="0">
+                <a:solidFill>
+                  <a:srgbClr val="000000"/>
+                </a:solidFill>
+                <a:latin typeface="Cascadia Mono" panose="020B0609020000020004" pitchFamily="49" charset="0"/>
+              </a:rPr>
+              <a:t> get, set</a:t>
+            </a:r>
+          </a:p>
+          <a:p>
+            <a:r>
+              <a:rPr lang="en-US" altLang="ko-KR" sz="1800" dirty="0">
+                <a:solidFill>
+                  <a:srgbClr val="000000"/>
+                </a:solidFill>
+                <a:latin typeface="Cascadia Mono" panose="020B0609020000020004" pitchFamily="49" charset="0"/>
+              </a:rPr>
+              <a:t>    </a:t>
+            </a:r>
+            <a:r>
+              <a:rPr lang="en-US" altLang="ko-KR" sz="1800" dirty="0">
+                <a:solidFill>
+                  <a:srgbClr val="0000FF"/>
+                </a:solidFill>
+                <a:latin typeface="Cascadia Mono" panose="020B0609020000020004" pitchFamily="49" charset="0"/>
+              </a:rPr>
+              <a:t>interface</a:t>
+            </a:r>
+            <a:r>
+              <a:rPr lang="en-US" altLang="ko-KR" sz="1800" dirty="0">
+                <a:solidFill>
+                  <a:srgbClr val="000000"/>
+                </a:solidFill>
+                <a:latin typeface="Cascadia Mono" panose="020B0609020000020004" pitchFamily="49" charset="0"/>
+              </a:rPr>
+              <a:t> IDisposable </a:t>
+            </a:r>
+            <a:r>
+              <a:rPr lang="en-US" altLang="ko-KR" sz="1800" dirty="0">
+                <a:solidFill>
+                  <a:srgbClr val="0000FF"/>
+                </a:solidFill>
+                <a:latin typeface="Cascadia Mono" panose="020B0609020000020004" pitchFamily="49" charset="0"/>
+              </a:rPr>
+              <a:t>with</a:t>
+            </a:r>
+            <a:endParaRPr lang="en-US" altLang="ko-KR" sz="1800" dirty="0">
+              <a:solidFill>
+                <a:srgbClr val="000000"/>
+              </a:solidFill>
+              <a:latin typeface="Cascadia Mono" panose="020B0609020000020004" pitchFamily="49" charset="0"/>
+            </a:endParaRPr>
+          </a:p>
+          <a:p>
+            <a:r>
+              <a:rPr lang="en-US" altLang="ko-KR" sz="1800" dirty="0">
+                <a:solidFill>
+                  <a:srgbClr val="000000"/>
+                </a:solidFill>
+                <a:latin typeface="Cascadia Mono" panose="020B0609020000020004" pitchFamily="49" charset="0"/>
+              </a:rPr>
+              <a:t>        </a:t>
+            </a:r>
+            <a:r>
+              <a:rPr lang="en-US" altLang="ko-KR" sz="1800" dirty="0">
+                <a:solidFill>
+                  <a:srgbClr val="0000FF"/>
+                </a:solidFill>
+                <a:latin typeface="Cascadia Mono" panose="020B0609020000020004" pitchFamily="49" charset="0"/>
+              </a:rPr>
+              <a:t>member</a:t>
+            </a:r>
+            <a:r>
+              <a:rPr lang="en-US" altLang="ko-KR" sz="1800" dirty="0">
+                <a:solidFill>
+                  <a:srgbClr val="000000"/>
+                </a:solidFill>
+                <a:latin typeface="Cascadia Mono" panose="020B0609020000020004" pitchFamily="49" charset="0"/>
+              </a:rPr>
+              <a:t> _.Dispose() = (accumulator :&gt; IDisposable).Dispose()</a:t>
+            </a:r>
+          </a:p>
+        </p:txBody>
+      </p:sp>
+    </p:spTree>
+    <p:extLst>
+      <p:ext uri="{BB962C8B-B14F-4D97-AF65-F5344CB8AC3E}">
+        <p14:creationId xmlns:p14="http://schemas.microsoft.com/office/powerpoint/2010/main" val="3718364714"/>
+      </p:ext>
+    </p:extLst>
+  </p:cSld>
+  <p:clrMapOvr>
+    <a:masterClrMapping/>
+  </p:clrMapOvr>
+</p:sld>
+</file>
+
+<file path=ppt/slides/slide22.xml><?xml version="1.0" encoding="utf-8"?>
+<p:sld xmlns:a="http://schemas.openxmlformats.org/drawingml/2006/main" xmlns:r="http://schemas.openxmlformats.org/officeDocument/2006/relationships" xmlns:p="http://schemas.openxmlformats.org/presentationml/2006/main">
+  <p:cSld>
+    <p:spTree>
+      <p:nvGrpSpPr>
+        <p:cNvPr id="1" name=""/>
+        <p:cNvGrpSpPr/>
+        <p:nvPr/>
+      </p:nvGrpSpPr>
+      <p:grpSpPr>
+        <a:xfrm>
+          <a:off x="0" y="0"/>
+          <a:ext cx="0" cy="0"/>
+          <a:chOff x="0" y="0"/>
+          <a:chExt cx="0" cy="0"/>
+        </a:xfrm>
+      </p:grpSpPr>
+      <p:sp>
+        <p:nvSpPr>
+          <p:cNvPr id="2" name="제목 1">
+            <a:extLst>
+              <a:ext uri="{FF2B5EF4-FFF2-40B4-BE49-F238E27FC236}">
+                <a16:creationId xmlns:a16="http://schemas.microsoft.com/office/drawing/2014/main" id="{25874C6A-7830-36B5-7B9C-4C212CF8C2B2}"/>
+              </a:ext>
+            </a:extLst>
+          </p:cNvPr>
+          <p:cNvSpPr>
+            <a:spLocks noGrp="1"/>
+          </p:cNvSpPr>
+          <p:nvPr>
+            <p:ph type="title"/>
+          </p:nvPr>
+        </p:nvSpPr>
+        <p:spPr/>
+        <p:txBody>
+          <a:bodyPr/>
+          <a:lstStyle/>
+          <a:p>
+            <a:r>
+              <a:rPr lang="ko-KR" altLang="en-US" dirty="0"/>
+              <a:t>생성 </a:t>
+            </a:r>
+            <a:r>
+              <a:rPr lang="en-US" altLang="ko-KR" dirty="0"/>
+              <a:t>: from code</a:t>
+            </a:r>
+            <a:r>
+              <a:rPr lang="ko-KR" altLang="en-US" dirty="0"/>
+              <a:t> </a:t>
+            </a:r>
+          </a:p>
+        </p:txBody>
+      </p:sp>
+      <p:sp>
+        <p:nvSpPr>
+          <p:cNvPr id="5" name="TextBox 4">
+            <a:extLst>
+              <a:ext uri="{FF2B5EF4-FFF2-40B4-BE49-F238E27FC236}">
+                <a16:creationId xmlns:a16="http://schemas.microsoft.com/office/drawing/2014/main" id="{DE91D43D-7725-F7F0-91A3-DED1DCBD6F35}"/>
+              </a:ext>
+            </a:extLst>
+          </p:cNvPr>
+          <p:cNvSpPr txBox="1"/>
+          <p:nvPr/>
+        </p:nvSpPr>
+        <p:spPr>
+          <a:xfrm>
+            <a:off x="646545" y="1584650"/>
+            <a:ext cx="10707255" cy="2246769"/>
+          </a:xfrm>
+          <a:prstGeom prst="rect">
+            <a:avLst/>
+          </a:prstGeom>
+          <a:noFill/>
+        </p:spPr>
+        <p:txBody>
+          <a:bodyPr wrap="square">
+            <a:spAutoFit/>
+          </a:bodyPr>
+          <a:lstStyle/>
+          <a:p>
+            <a:r>
+              <a:rPr lang="en-US" altLang="ko-KR" sz="1400" dirty="0">
+                <a:solidFill>
+                  <a:srgbClr val="0000FF"/>
+                </a:solidFill>
+                <a:latin typeface="Cascadia Mono" panose="020B0609020000020004" pitchFamily="49" charset="0"/>
+              </a:rPr>
+              <a:t>let</a:t>
+            </a:r>
+            <a:r>
+              <a:rPr lang="en-US" altLang="ko-KR" sz="1400" dirty="0">
+                <a:solidFill>
+                  <a:srgbClr val="000000"/>
+                </a:solidFill>
+                <a:latin typeface="Cascadia Mono" panose="020B0609020000020004" pitchFamily="49" charset="0"/>
+              </a:rPr>
+              <a:t> storages = Storages()</a:t>
+            </a:r>
+          </a:p>
+          <a:p>
+            <a:r>
+              <a:rPr lang="en-US" altLang="ko-KR" sz="1400" dirty="0">
+                <a:solidFill>
+                  <a:srgbClr val="0000FF"/>
+                </a:solidFill>
+                <a:latin typeface="Cascadia Mono" panose="020B0609020000020004" pitchFamily="49" charset="0"/>
+              </a:rPr>
+              <a:t>let</a:t>
+            </a:r>
+            <a:r>
+              <a:rPr lang="en-US" altLang="ko-KR" sz="1400" dirty="0">
+                <a:solidFill>
+                  <a:srgbClr val="000000"/>
+                </a:solidFill>
+                <a:latin typeface="Cascadia Mono" panose="020B0609020000020004" pitchFamily="49" charset="0"/>
+              </a:rPr>
+              <a:t> t1 = </a:t>
+            </a:r>
+            <a:r>
+              <a:rPr lang="en-US" altLang="ko-KR" sz="1400" dirty="0" err="1">
+                <a:solidFill>
+                  <a:srgbClr val="000000"/>
+                </a:solidFill>
+                <a:latin typeface="Cascadia Mono" panose="020B0609020000020004" pitchFamily="49" charset="0"/>
+              </a:rPr>
+              <a:t>PlcTag</a:t>
+            </a:r>
+            <a:r>
+              <a:rPr lang="en-US" altLang="ko-KR" sz="1400" dirty="0">
+                <a:solidFill>
+                  <a:srgbClr val="000000"/>
+                </a:solidFill>
+                <a:latin typeface="Cascadia Mono" panose="020B0609020000020004" pitchFamily="49" charset="0"/>
+              </a:rPr>
+              <a:t>(</a:t>
+            </a:r>
+            <a:r>
+              <a:rPr lang="en-US" altLang="ko-KR" sz="1400" dirty="0">
+                <a:solidFill>
+                  <a:srgbClr val="A31515"/>
+                </a:solidFill>
+                <a:latin typeface="Cascadia Mono" panose="020B0609020000020004" pitchFamily="49" charset="0"/>
+              </a:rPr>
+              <a:t>"</a:t>
+            </a:r>
+            <a:r>
+              <a:rPr lang="en-US" altLang="ko-KR" sz="1400" dirty="0" err="1">
+                <a:solidFill>
+                  <a:srgbClr val="A31515"/>
+                </a:solidFill>
+                <a:latin typeface="Cascadia Mono" panose="020B0609020000020004" pitchFamily="49" charset="0"/>
+              </a:rPr>
+              <a:t>my_timer_control_tag</a:t>
+            </a:r>
+            <a:r>
+              <a:rPr lang="en-US" altLang="ko-KR" sz="1400" dirty="0">
+                <a:solidFill>
+                  <a:srgbClr val="A31515"/>
+                </a:solidFill>
+                <a:latin typeface="Cascadia Mono" panose="020B0609020000020004" pitchFamily="49" charset="0"/>
+              </a:rPr>
+              <a:t>"</a:t>
+            </a:r>
+            <a:r>
+              <a:rPr lang="en-US" altLang="ko-KR" sz="1400" dirty="0">
+                <a:solidFill>
+                  <a:srgbClr val="000000"/>
+                </a:solidFill>
+                <a:latin typeface="Cascadia Mono" panose="020B0609020000020004" pitchFamily="49" charset="0"/>
+              </a:rPr>
+              <a:t>, </a:t>
+            </a:r>
+            <a:r>
+              <a:rPr lang="en-US" altLang="ko-KR" sz="1400" dirty="0">
+                <a:solidFill>
+                  <a:srgbClr val="A31515"/>
+                </a:solidFill>
+                <a:latin typeface="Cascadia Mono" panose="020B0609020000020004" pitchFamily="49" charset="0"/>
+              </a:rPr>
+              <a:t>"%M1.1"</a:t>
+            </a:r>
+            <a:r>
+              <a:rPr lang="en-US" altLang="ko-KR" sz="1400" dirty="0">
+                <a:solidFill>
+                  <a:srgbClr val="000000"/>
+                </a:solidFill>
+                <a:latin typeface="Cascadia Mono" panose="020B0609020000020004" pitchFamily="49" charset="0"/>
+              </a:rPr>
+              <a:t>, </a:t>
+            </a:r>
+            <a:r>
+              <a:rPr lang="en-US" altLang="ko-KR" sz="1400" dirty="0">
+                <a:solidFill>
+                  <a:srgbClr val="0000FF"/>
+                </a:solidFill>
+                <a:latin typeface="Cascadia Mono" panose="020B0609020000020004" pitchFamily="49" charset="0"/>
+              </a:rPr>
+              <a:t>false</a:t>
+            </a:r>
+            <a:r>
+              <a:rPr lang="en-US" altLang="ko-KR" sz="1400" dirty="0">
+                <a:solidFill>
+                  <a:srgbClr val="000000"/>
+                </a:solidFill>
+                <a:latin typeface="Cascadia Mono" panose="020B0609020000020004" pitchFamily="49" charset="0"/>
+              </a:rPr>
+              <a:t>)</a:t>
+            </a:r>
+          </a:p>
+          <a:p>
+            <a:r>
+              <a:rPr lang="en-US" altLang="ko-KR" sz="1400" dirty="0">
+                <a:solidFill>
+                  <a:srgbClr val="0000FF"/>
+                </a:solidFill>
+                <a:latin typeface="Cascadia Mono" panose="020B0609020000020004" pitchFamily="49" charset="0"/>
+              </a:rPr>
+              <a:t>let</a:t>
+            </a:r>
+            <a:r>
+              <a:rPr lang="en-US" altLang="ko-KR" sz="1400" dirty="0">
+                <a:solidFill>
+                  <a:srgbClr val="000000"/>
+                </a:solidFill>
+                <a:latin typeface="Cascadia Mono" panose="020B0609020000020004" pitchFamily="49" charset="0"/>
+              </a:rPr>
+              <a:t> condition = tag2expr t1</a:t>
+            </a:r>
+          </a:p>
+          <a:p>
+            <a:r>
+              <a:rPr lang="en-US" altLang="ko-KR" sz="1400" dirty="0">
+                <a:solidFill>
+                  <a:srgbClr val="0000FF"/>
+                </a:solidFill>
+                <a:latin typeface="Cascadia Mono" panose="020B0609020000020004" pitchFamily="49" charset="0"/>
+              </a:rPr>
+              <a:t>let</a:t>
+            </a:r>
+            <a:r>
+              <a:rPr lang="en-US" altLang="ko-KR" sz="1400" dirty="0">
+                <a:solidFill>
+                  <a:srgbClr val="000000"/>
+                </a:solidFill>
+                <a:latin typeface="Cascadia Mono" panose="020B0609020000020004" pitchFamily="49" charset="0"/>
+              </a:rPr>
+              <a:t> statement = </a:t>
+            </a:r>
+            <a:r>
+              <a:rPr lang="en-US" altLang="ko-KR" sz="1400" dirty="0" err="1">
+                <a:solidFill>
+                  <a:srgbClr val="000000"/>
+                </a:solidFill>
+                <a:latin typeface="Cascadia Mono" panose="020B0609020000020004" pitchFamily="49" charset="0"/>
+              </a:rPr>
+              <a:t>TimerStatement.CreateTON</a:t>
+            </a:r>
+            <a:r>
+              <a:rPr lang="en-US" altLang="ko-KR" sz="1400" dirty="0">
+                <a:solidFill>
+                  <a:srgbClr val="000000"/>
+                </a:solidFill>
+                <a:latin typeface="Cascadia Mono" panose="020B0609020000020004" pitchFamily="49" charset="0"/>
+              </a:rPr>
+              <a:t>(storages, </a:t>
+            </a:r>
+            <a:r>
+              <a:rPr lang="en-US" altLang="ko-KR" sz="1400" dirty="0">
+                <a:solidFill>
+                  <a:srgbClr val="A31515"/>
+                </a:solidFill>
+                <a:latin typeface="Cascadia Mono" panose="020B0609020000020004" pitchFamily="49" charset="0"/>
+              </a:rPr>
+              <a:t>"</a:t>
+            </a:r>
+            <a:r>
+              <a:rPr lang="en-US" altLang="ko-KR" sz="1400" dirty="0" err="1">
+                <a:solidFill>
+                  <a:srgbClr val="A31515"/>
+                </a:solidFill>
+                <a:latin typeface="Cascadia Mono" panose="020B0609020000020004" pitchFamily="49" charset="0"/>
+              </a:rPr>
+              <a:t>myTon</a:t>
+            </a:r>
+            <a:r>
+              <a:rPr lang="en-US" altLang="ko-KR" sz="1400" dirty="0">
+                <a:solidFill>
+                  <a:srgbClr val="A31515"/>
+                </a:solidFill>
+                <a:latin typeface="Cascadia Mono" panose="020B0609020000020004" pitchFamily="49" charset="0"/>
+              </a:rPr>
+              <a:t>"</a:t>
+            </a:r>
+            <a:r>
+              <a:rPr lang="en-US" altLang="ko-KR" sz="1400" dirty="0">
+                <a:solidFill>
+                  <a:srgbClr val="000000"/>
+                </a:solidFill>
+                <a:latin typeface="Cascadia Mono" panose="020B0609020000020004" pitchFamily="49" charset="0"/>
+              </a:rPr>
+              <a:t>, 2000us, condition)	</a:t>
+            </a:r>
+            <a:r>
+              <a:rPr lang="en-US" altLang="ko-KR" sz="1400" dirty="0">
+                <a:solidFill>
+                  <a:srgbClr val="008000"/>
+                </a:solidFill>
+                <a:latin typeface="Cascadia Mono" panose="020B0609020000020004" pitchFamily="49" charset="0"/>
+              </a:rPr>
+              <a:t> // 2000ms = 2sec</a:t>
+            </a:r>
+            <a:endParaRPr lang="en-US" altLang="ko-KR" sz="1400" dirty="0">
+              <a:solidFill>
+                <a:srgbClr val="000000"/>
+              </a:solidFill>
+              <a:latin typeface="Cascadia Mono" panose="020B0609020000020004" pitchFamily="49" charset="0"/>
+            </a:endParaRPr>
+          </a:p>
+          <a:p>
+            <a:r>
+              <a:rPr lang="en-US" altLang="ko-KR" sz="1400" dirty="0">
+                <a:solidFill>
+                  <a:srgbClr val="0000FF"/>
+                </a:solidFill>
+                <a:latin typeface="Cascadia Mono" panose="020B0609020000020004" pitchFamily="49" charset="0"/>
+              </a:rPr>
+              <a:t>let</a:t>
+            </a:r>
+            <a:r>
+              <a:rPr lang="en-US" altLang="ko-KR" sz="1400" dirty="0">
+                <a:solidFill>
+                  <a:srgbClr val="000000"/>
+                </a:solidFill>
+                <a:latin typeface="Cascadia Mono" panose="020B0609020000020004" pitchFamily="49" charset="0"/>
+              </a:rPr>
+              <a:t> timer = statement |&gt; </a:t>
+            </a:r>
+            <a:r>
+              <a:rPr lang="en-US" altLang="ko-KR" sz="1400" dirty="0" err="1">
+                <a:solidFill>
+                  <a:srgbClr val="000000"/>
+                </a:solidFill>
+                <a:latin typeface="Cascadia Mono" panose="020B0609020000020004" pitchFamily="49" charset="0"/>
+              </a:rPr>
+              <a:t>toTimer</a:t>
+            </a:r>
+            <a:endParaRPr lang="en-US" altLang="ko-KR" sz="1400" dirty="0">
+              <a:solidFill>
+                <a:srgbClr val="000000"/>
+              </a:solidFill>
+              <a:latin typeface="Cascadia Mono" panose="020B0609020000020004" pitchFamily="49" charset="0"/>
+            </a:endParaRPr>
+          </a:p>
+          <a:p>
+            <a:r>
+              <a:rPr lang="en-US" altLang="ko-KR" sz="1400" dirty="0" err="1">
+                <a:solidFill>
+                  <a:srgbClr val="000000"/>
+                </a:solidFill>
+                <a:latin typeface="Cascadia Mono" panose="020B0609020000020004" pitchFamily="49" charset="0"/>
+              </a:rPr>
+              <a:t>timer.TT.Value</a:t>
+            </a:r>
+            <a:r>
+              <a:rPr lang="en-US" altLang="ko-KR" sz="1400" dirty="0">
+                <a:solidFill>
+                  <a:srgbClr val="000000"/>
+                </a:solidFill>
+                <a:latin typeface="Cascadia Mono" panose="020B0609020000020004" pitchFamily="49" charset="0"/>
+              </a:rPr>
+              <a:t> === </a:t>
+            </a:r>
+            <a:r>
+              <a:rPr lang="en-US" altLang="ko-KR" sz="1400" dirty="0">
+                <a:solidFill>
+                  <a:srgbClr val="0000FF"/>
+                </a:solidFill>
+                <a:latin typeface="Cascadia Mono" panose="020B0609020000020004" pitchFamily="49" charset="0"/>
+              </a:rPr>
+              <a:t>false</a:t>
+            </a:r>
+            <a:endParaRPr lang="en-US" altLang="ko-KR" sz="1400" dirty="0">
+              <a:solidFill>
+                <a:srgbClr val="000000"/>
+              </a:solidFill>
+              <a:latin typeface="Cascadia Mono" panose="020B0609020000020004" pitchFamily="49" charset="0"/>
+            </a:endParaRPr>
+          </a:p>
+          <a:p>
+            <a:r>
+              <a:rPr lang="en-US" altLang="ko-KR" sz="1400" dirty="0" err="1">
+                <a:solidFill>
+                  <a:srgbClr val="000000"/>
+                </a:solidFill>
+                <a:latin typeface="Cascadia Mono" panose="020B0609020000020004" pitchFamily="49" charset="0"/>
+              </a:rPr>
+              <a:t>timer.EN.Value</a:t>
+            </a:r>
+            <a:r>
+              <a:rPr lang="en-US" altLang="ko-KR" sz="1400" dirty="0">
+                <a:solidFill>
+                  <a:srgbClr val="000000"/>
+                </a:solidFill>
+                <a:latin typeface="Cascadia Mono" panose="020B0609020000020004" pitchFamily="49" charset="0"/>
+              </a:rPr>
+              <a:t> === </a:t>
+            </a:r>
+            <a:r>
+              <a:rPr lang="en-US" altLang="ko-KR" sz="1400" dirty="0">
+                <a:solidFill>
+                  <a:srgbClr val="0000FF"/>
+                </a:solidFill>
+                <a:latin typeface="Cascadia Mono" panose="020B0609020000020004" pitchFamily="49" charset="0"/>
+              </a:rPr>
+              <a:t>false</a:t>
+            </a:r>
+            <a:endParaRPr lang="en-US" altLang="ko-KR" sz="1400" dirty="0">
+              <a:solidFill>
+                <a:srgbClr val="000000"/>
+              </a:solidFill>
+              <a:latin typeface="Cascadia Mono" panose="020B0609020000020004" pitchFamily="49" charset="0"/>
+            </a:endParaRPr>
+          </a:p>
+          <a:p>
+            <a:r>
+              <a:rPr lang="en-US" altLang="ko-KR" sz="1400" dirty="0" err="1">
+                <a:solidFill>
+                  <a:srgbClr val="000000"/>
+                </a:solidFill>
+                <a:latin typeface="Cascadia Mono" panose="020B0609020000020004" pitchFamily="49" charset="0"/>
+              </a:rPr>
+              <a:t>timer.DN.Value</a:t>
+            </a:r>
+            <a:r>
+              <a:rPr lang="en-US" altLang="ko-KR" sz="1400" dirty="0">
+                <a:solidFill>
+                  <a:srgbClr val="000000"/>
+                </a:solidFill>
+                <a:latin typeface="Cascadia Mono" panose="020B0609020000020004" pitchFamily="49" charset="0"/>
+              </a:rPr>
+              <a:t> === </a:t>
+            </a:r>
+            <a:r>
+              <a:rPr lang="en-US" altLang="ko-KR" sz="1400" dirty="0">
+                <a:solidFill>
+                  <a:srgbClr val="0000FF"/>
+                </a:solidFill>
+                <a:latin typeface="Cascadia Mono" panose="020B0609020000020004" pitchFamily="49" charset="0"/>
+              </a:rPr>
+              <a:t>false</a:t>
+            </a:r>
+            <a:endParaRPr lang="en-US" altLang="ko-KR" sz="1400" dirty="0">
+              <a:solidFill>
+                <a:srgbClr val="000000"/>
+              </a:solidFill>
+              <a:latin typeface="Cascadia Mono" panose="020B0609020000020004" pitchFamily="49" charset="0"/>
+            </a:endParaRPr>
+          </a:p>
+          <a:p>
+            <a:r>
+              <a:rPr lang="en-US" altLang="ko-KR" sz="1400" dirty="0" err="1">
+                <a:solidFill>
+                  <a:srgbClr val="000000"/>
+                </a:solidFill>
+                <a:latin typeface="Cascadia Mono" panose="020B0609020000020004" pitchFamily="49" charset="0"/>
+              </a:rPr>
+              <a:t>timer.PRE.Value</a:t>
+            </a:r>
+            <a:r>
+              <a:rPr lang="en-US" altLang="ko-KR" sz="1400" dirty="0">
+                <a:solidFill>
+                  <a:srgbClr val="000000"/>
+                </a:solidFill>
+                <a:latin typeface="Cascadia Mono" panose="020B0609020000020004" pitchFamily="49" charset="0"/>
+              </a:rPr>
+              <a:t> === 2000us</a:t>
+            </a:r>
+          </a:p>
+          <a:p>
+            <a:r>
+              <a:rPr lang="en-US" altLang="ko-KR" sz="1400" dirty="0" err="1">
+                <a:solidFill>
+                  <a:srgbClr val="000000"/>
+                </a:solidFill>
+                <a:latin typeface="Cascadia Mono" panose="020B0609020000020004" pitchFamily="49" charset="0"/>
+              </a:rPr>
+              <a:t>timer.ACC.Value</a:t>
+            </a:r>
+            <a:r>
+              <a:rPr lang="en-US" altLang="ko-KR" sz="1400" dirty="0">
+                <a:solidFill>
+                  <a:srgbClr val="000000"/>
+                </a:solidFill>
+                <a:latin typeface="Cascadia Mono" panose="020B0609020000020004" pitchFamily="49" charset="0"/>
+              </a:rPr>
+              <a:t> === 0us</a:t>
+            </a:r>
+          </a:p>
+        </p:txBody>
+      </p:sp>
+    </p:spTree>
+    <p:extLst>
+      <p:ext uri="{BB962C8B-B14F-4D97-AF65-F5344CB8AC3E}">
+        <p14:creationId xmlns:p14="http://schemas.microsoft.com/office/powerpoint/2010/main" val="2558578475"/>
+      </p:ext>
+    </p:extLst>
+  </p:cSld>
+  <p:clrMapOvr>
+    <a:masterClrMapping/>
+  </p:clrMapOvr>
+</p:sld>
+</file>
+
+<file path=ppt/slides/slide23.xml><?xml version="1.0" encoding="utf-8"?>
+<p:sld xmlns:a="http://schemas.openxmlformats.org/drawingml/2006/main" xmlns:r="http://schemas.openxmlformats.org/officeDocument/2006/relationships" xmlns:p="http://schemas.openxmlformats.org/presentationml/2006/main">
+  <p:cSld>
+    <p:spTree>
+      <p:nvGrpSpPr>
+        <p:cNvPr id="1" name=""/>
+        <p:cNvGrpSpPr/>
+        <p:nvPr/>
+      </p:nvGrpSpPr>
+      <p:grpSpPr>
+        <a:xfrm>
+          <a:off x="0" y="0"/>
+          <a:ext cx="0" cy="0"/>
+          <a:chOff x="0" y="0"/>
+          <a:chExt cx="0" cy="0"/>
+        </a:xfrm>
+      </p:grpSpPr>
+      <p:sp>
+        <p:nvSpPr>
+          <p:cNvPr id="2" name="제목 1">
+            <a:extLst>
+              <a:ext uri="{FF2B5EF4-FFF2-40B4-BE49-F238E27FC236}">
+                <a16:creationId xmlns:a16="http://schemas.microsoft.com/office/drawing/2014/main" id="{A223329B-5B15-4FC0-DA80-1830A31EAB6E}"/>
+              </a:ext>
+            </a:extLst>
+          </p:cNvPr>
+          <p:cNvSpPr>
+            <a:spLocks noGrp="1"/>
+          </p:cNvSpPr>
+          <p:nvPr>
+            <p:ph type="title"/>
+          </p:nvPr>
+        </p:nvSpPr>
+        <p:spPr/>
+        <p:txBody>
+          <a:bodyPr/>
+          <a:lstStyle/>
+          <a:p>
+            <a:r>
+              <a:rPr lang="ko-KR" altLang="en-US" dirty="0"/>
+              <a:t>생성</a:t>
+            </a:r>
+            <a:r>
+              <a:rPr lang="en-US" altLang="ko-KR" dirty="0"/>
+              <a:t>: from ds text</a:t>
+            </a:r>
+            <a:endParaRPr lang="ko-KR" altLang="en-US" dirty="0"/>
+          </a:p>
+        </p:txBody>
+      </p:sp>
+      <p:sp>
+        <p:nvSpPr>
+          <p:cNvPr id="5" name="TextBox 4">
+            <a:extLst>
+              <a:ext uri="{FF2B5EF4-FFF2-40B4-BE49-F238E27FC236}">
+                <a16:creationId xmlns:a16="http://schemas.microsoft.com/office/drawing/2014/main" id="{BD323B7A-5896-44A5-6672-0F3B63F611EB}"/>
+              </a:ext>
+            </a:extLst>
+          </p:cNvPr>
+          <p:cNvSpPr txBox="1"/>
+          <p:nvPr/>
+        </p:nvSpPr>
+        <p:spPr>
+          <a:xfrm>
+            <a:off x="718127" y="2036726"/>
+            <a:ext cx="8305800" cy="369332"/>
+          </a:xfrm>
+          <a:prstGeom prst="rect">
+            <a:avLst/>
+          </a:prstGeom>
+          <a:noFill/>
+        </p:spPr>
+        <p:txBody>
+          <a:bodyPr wrap="square">
+            <a:spAutoFit/>
+          </a:bodyPr>
+          <a:lstStyle/>
+          <a:p>
+            <a:r>
+              <a:rPr lang="en-US" altLang="ko-KR" sz="1800" dirty="0">
+                <a:solidFill>
+                  <a:srgbClr val="A31515"/>
+                </a:solidFill>
+                <a:latin typeface="Cascadia Mono" panose="020B0609020000020004" pitchFamily="49" charset="0"/>
+              </a:rPr>
+              <a:t>"ton mytimer3 = </a:t>
+            </a:r>
+            <a:r>
+              <a:rPr lang="en-US" altLang="ko-KR" sz="1800" dirty="0" err="1">
+                <a:solidFill>
+                  <a:srgbClr val="A31515"/>
+                </a:solidFill>
+                <a:latin typeface="Cascadia Mono" panose="020B0609020000020004" pitchFamily="49" charset="0"/>
+              </a:rPr>
+              <a:t>createTON</a:t>
+            </a:r>
+            <a:r>
+              <a:rPr lang="en-US" altLang="ko-KR" sz="1800" dirty="0">
+                <a:solidFill>
+                  <a:srgbClr val="A31515"/>
+                </a:solidFill>
+                <a:latin typeface="Cascadia Mono" panose="020B0609020000020004" pitchFamily="49" charset="0"/>
+              </a:rPr>
+              <a:t>(1000us, $tag1 || $tag2)"</a:t>
+            </a:r>
+            <a:endParaRPr lang="ko-KR" altLang="en-US" dirty="0"/>
+          </a:p>
+        </p:txBody>
+      </p:sp>
+    </p:spTree>
+    <p:extLst>
+      <p:ext uri="{BB962C8B-B14F-4D97-AF65-F5344CB8AC3E}">
+        <p14:creationId xmlns:p14="http://schemas.microsoft.com/office/powerpoint/2010/main" val="1975990934"/>
+      </p:ext>
+    </p:extLst>
+  </p:cSld>
+  <p:clrMapOvr>
+    <a:masterClrMapping/>
+  </p:clrMapOvr>
+</p:sld>
+</file>
+
+<file path=ppt/slides/slide24.xml><?xml version="1.0" encoding="utf-8"?>
+<p:sld xmlns:a="http://schemas.openxmlformats.org/drawingml/2006/main" xmlns:r="http://schemas.openxmlformats.org/officeDocument/2006/relationships" xmlns:p="http://schemas.openxmlformats.org/presentationml/2006/main">
+  <p:cSld>
+    <p:spTree>
+      <p:nvGrpSpPr>
+        <p:cNvPr id="1" name=""/>
+        <p:cNvGrpSpPr/>
+        <p:nvPr/>
+      </p:nvGrpSpPr>
+      <p:grpSpPr>
+        <a:xfrm>
+          <a:off x="0" y="0"/>
+          <a:ext cx="0" cy="0"/>
+          <a:chOff x="0" y="0"/>
+          <a:chExt cx="0" cy="0"/>
+        </a:xfrm>
+      </p:grpSpPr>
+      <p:sp>
+        <p:nvSpPr>
+          <p:cNvPr id="4" name="제목 3">
+            <a:extLst>
+              <a:ext uri="{FF2B5EF4-FFF2-40B4-BE49-F238E27FC236}">
+                <a16:creationId xmlns:a16="http://schemas.microsoft.com/office/drawing/2014/main" id="{16EFA867-55B0-DBFC-98DB-B382AF802622}"/>
+              </a:ext>
+            </a:extLst>
+          </p:cNvPr>
+          <p:cNvSpPr>
+            <a:spLocks noGrp="1"/>
+          </p:cNvSpPr>
+          <p:nvPr>
+            <p:ph type="ctrTitle"/>
+          </p:nvPr>
+        </p:nvSpPr>
+        <p:spPr/>
+        <p:txBody>
+          <a:bodyPr/>
+          <a:lstStyle/>
+          <a:p>
+            <a:r>
+              <a:rPr lang="ko-KR" altLang="en-US" dirty="0"/>
+              <a:t>작화 특성</a:t>
+            </a:r>
+          </a:p>
+        </p:txBody>
+      </p:sp>
+      <p:sp>
+        <p:nvSpPr>
+          <p:cNvPr id="5" name="부제목 4">
+            <a:extLst>
+              <a:ext uri="{FF2B5EF4-FFF2-40B4-BE49-F238E27FC236}">
+                <a16:creationId xmlns:a16="http://schemas.microsoft.com/office/drawing/2014/main" id="{FA8BBCDC-8D02-F4D6-0F56-EEE3E53015C6}"/>
+              </a:ext>
+            </a:extLst>
+          </p:cNvPr>
+          <p:cNvSpPr>
+            <a:spLocks noGrp="1"/>
+          </p:cNvSpPr>
+          <p:nvPr>
+            <p:ph type="subTitle" idx="1"/>
+          </p:nvPr>
+        </p:nvSpPr>
+        <p:spPr/>
+        <p:txBody>
+          <a:bodyPr/>
+          <a:lstStyle/>
+          <a:p>
+            <a:endParaRPr lang="ko-KR" altLang="en-US"/>
+          </a:p>
+        </p:txBody>
+      </p:sp>
+    </p:spTree>
+    <p:extLst>
+      <p:ext uri="{BB962C8B-B14F-4D97-AF65-F5344CB8AC3E}">
+        <p14:creationId xmlns:p14="http://schemas.microsoft.com/office/powerpoint/2010/main" val="720653391"/>
+      </p:ext>
+    </p:extLst>
+  </p:cSld>
+  <p:clrMapOvr>
+    <a:masterClrMapping/>
+  </p:clrMapOvr>
+</p:sld>
+</file>
+
+<file path=ppt/slides/slide25.xml><?xml version="1.0" encoding="utf-8"?>
+<p:sld xmlns:a="http://schemas.openxmlformats.org/drawingml/2006/main" xmlns:r="http://schemas.openxmlformats.org/officeDocument/2006/relationships" xmlns:p="http://schemas.openxmlformats.org/presentationml/2006/main">
+  <p:cSld>
+    <p:spTree>
+      <p:nvGrpSpPr>
+        <p:cNvPr id="1" name=""/>
+        <p:cNvGrpSpPr/>
+        <p:nvPr/>
+      </p:nvGrpSpPr>
+      <p:grpSpPr>
+        <a:xfrm>
+          <a:off x="0" y="0"/>
+          <a:ext cx="0" cy="0"/>
+          <a:chOff x="0" y="0"/>
+          <a:chExt cx="0" cy="0"/>
+        </a:xfrm>
+      </p:grpSpPr>
+      <p:sp>
+        <p:nvSpPr>
+          <p:cNvPr id="2" name="제목 1">
+            <a:extLst>
+              <a:ext uri="{FF2B5EF4-FFF2-40B4-BE49-F238E27FC236}">
                 <a16:creationId xmlns:a16="http://schemas.microsoft.com/office/drawing/2014/main" id="{E51AE384-C5FA-1804-37B2-A4BB49FE9C63}"/>
               </a:ext>
             </a:extLst>
@@ -6838,8 +7248,8 @@
         </p:blipFill>
         <p:spPr>
           <a:xfrm>
-            <a:off x="421129" y="1485415"/>
-            <a:ext cx="4685425" cy="4099014"/>
+            <a:off x="421130" y="1485415"/>
+            <a:ext cx="3632678" cy="3178025"/>
           </a:xfrm>
           <a:prstGeom prst="rect">
             <a:avLst/>
@@ -6868,8 +7278,8 @@
         </p:blipFill>
         <p:spPr>
           <a:xfrm>
-            <a:off x="4618653" y="3483495"/>
-            <a:ext cx="7395591" cy="2858800"/>
+            <a:off x="6066842" y="3483495"/>
+            <a:ext cx="5947402" cy="2298996"/>
           </a:xfrm>
           <a:prstGeom prst="rect">
             <a:avLst/>
@@ -6898,7 +7308,7 @@
         </p:blipFill>
         <p:spPr>
           <a:xfrm>
-            <a:off x="7053943" y="148045"/>
+            <a:off x="7053943" y="119188"/>
             <a:ext cx="4163066" cy="3142999"/>
           </a:xfrm>
           <a:prstGeom prst="rect">
@@ -6949,6 +7359,182 @@
               <a:t>pp.43</a:t>
             </a:r>
             <a:endParaRPr lang="ko-KR" altLang="en-US" sz="800" dirty="0"/>
+          </a:p>
+        </p:txBody>
+      </p:sp>
+      <p:sp>
+        <p:nvSpPr>
+          <p:cNvPr id="3" name="TextBox 2">
+            <a:extLst>
+              <a:ext uri="{FF2B5EF4-FFF2-40B4-BE49-F238E27FC236}">
+                <a16:creationId xmlns:a16="http://schemas.microsoft.com/office/drawing/2014/main" id="{93878D70-AF78-59EE-8C80-8D25AAD6A29B}"/>
+              </a:ext>
+            </a:extLst>
+          </p:cNvPr>
+          <p:cNvSpPr txBox="1"/>
+          <p:nvPr/>
+        </p:nvSpPr>
+        <p:spPr>
+          <a:xfrm>
+            <a:off x="727166" y="5068389"/>
+            <a:ext cx="4855816" cy="369332"/>
+          </a:xfrm>
+          <a:prstGeom prst="rect">
+            <a:avLst/>
+          </a:prstGeom>
+          <a:noFill/>
+        </p:spPr>
+        <p:txBody>
+          <a:bodyPr wrap="none" rtlCol="0">
+            <a:spAutoFit/>
+          </a:bodyPr>
+          <a:lstStyle/>
+          <a:p>
+            <a:r>
+              <a:rPr lang="en-US" altLang="ko-KR" dirty="0"/>
+              <a:t>Input </a:t>
+            </a:r>
+            <a:r>
+              <a:rPr lang="ko-KR" altLang="en-US" dirty="0"/>
+              <a:t>쪽 </a:t>
+            </a:r>
+            <a:r>
+              <a:rPr lang="en-US" altLang="ko-KR" dirty="0"/>
+              <a:t>bool </a:t>
+            </a:r>
+            <a:r>
+              <a:rPr lang="ko-KR" altLang="en-US" dirty="0"/>
+              <a:t>값은 복수개로 전원 연결 가능</a:t>
+            </a:r>
+          </a:p>
+        </p:txBody>
+      </p:sp>
+      <p:sp>
+        <p:nvSpPr>
+          <p:cNvPr id="6" name="타원 5">
+            <a:extLst>
+              <a:ext uri="{FF2B5EF4-FFF2-40B4-BE49-F238E27FC236}">
+                <a16:creationId xmlns:a16="http://schemas.microsoft.com/office/drawing/2014/main" id="{60BC367E-0CA0-76DF-AE1B-A07EF437C993}"/>
+              </a:ext>
+            </a:extLst>
+          </p:cNvPr>
+          <p:cNvSpPr/>
+          <p:nvPr/>
+        </p:nvSpPr>
+        <p:spPr>
+          <a:xfrm>
+            <a:off x="9653451" y="1920240"/>
+            <a:ext cx="431075" cy="701040"/>
+          </a:xfrm>
+          <a:prstGeom prst="ellipse">
+            <a:avLst/>
+          </a:prstGeom>
+          <a:noFill/>
+          <a:ln>
+            <a:solidFill>
+              <a:srgbClr val="FF0000"/>
+            </a:solidFill>
+          </a:ln>
+        </p:spPr>
+        <p:style>
+          <a:lnRef idx="2">
+            <a:schemeClr val="accent1"/>
+          </a:lnRef>
+          <a:fillRef idx="1">
+            <a:schemeClr val="lt1"/>
+          </a:fillRef>
+          <a:effectRef idx="0">
+            <a:schemeClr val="accent1"/>
+          </a:effectRef>
+          <a:fontRef idx="minor">
+            <a:schemeClr val="dk1"/>
+          </a:fontRef>
+        </p:style>
+        <p:txBody>
+          <a:bodyPr rtlCol="0" anchor="ctr"/>
+          <a:lstStyle/>
+          <a:p>
+            <a:pPr algn="ctr"/>
+            <a:endParaRPr lang="ko-KR" altLang="en-US"/>
+          </a:p>
+        </p:txBody>
+      </p:sp>
+      <p:cxnSp>
+        <p:nvCxnSpPr>
+          <p:cNvPr id="10" name="직선 화살표 연결선 9">
+            <a:extLst>
+              <a:ext uri="{FF2B5EF4-FFF2-40B4-BE49-F238E27FC236}">
+                <a16:creationId xmlns:a16="http://schemas.microsoft.com/office/drawing/2014/main" id="{3B57078A-D59E-810D-B7D5-7A93FBA9AA1A}"/>
+              </a:ext>
+            </a:extLst>
+          </p:cNvPr>
+          <p:cNvCxnSpPr>
+            <a:cxnSpLocks/>
+            <a:stCxn id="11" idx="0"/>
+            <a:endCxn id="6" idx="2"/>
+          </p:cNvCxnSpPr>
+          <p:nvPr/>
+        </p:nvCxnSpPr>
+        <p:spPr>
+          <a:xfrm flipV="1">
+            <a:off x="9196287" y="2270760"/>
+            <a:ext cx="457164" cy="656998"/>
+          </a:xfrm>
+          <a:prstGeom prst="straightConnector1">
+            <a:avLst/>
+          </a:prstGeom>
+          <a:ln>
+            <a:tailEnd type="triangle"/>
+          </a:ln>
+        </p:spPr>
+        <p:style>
+          <a:lnRef idx="1">
+            <a:schemeClr val="accent1"/>
+          </a:lnRef>
+          <a:fillRef idx="0">
+            <a:schemeClr val="accent1"/>
+          </a:fillRef>
+          <a:effectRef idx="0">
+            <a:schemeClr val="accent1"/>
+          </a:effectRef>
+          <a:fontRef idx="minor">
+            <a:schemeClr val="tx1"/>
+          </a:fontRef>
+        </p:style>
+      </p:cxnSp>
+      <p:sp>
+        <p:nvSpPr>
+          <p:cNvPr id="11" name="TextBox 10">
+            <a:extLst>
+              <a:ext uri="{FF2B5EF4-FFF2-40B4-BE49-F238E27FC236}">
+                <a16:creationId xmlns:a16="http://schemas.microsoft.com/office/drawing/2014/main" id="{E6D47E95-CD7B-9120-822E-312599035B65}"/>
+              </a:ext>
+            </a:extLst>
+          </p:cNvPr>
+          <p:cNvSpPr txBox="1"/>
+          <p:nvPr/>
+        </p:nvSpPr>
+        <p:spPr>
+          <a:xfrm>
+            <a:off x="8946859" y="2927758"/>
+            <a:ext cx="498855" cy="369332"/>
+          </a:xfrm>
+          <a:prstGeom prst="rect">
+            <a:avLst/>
+          </a:prstGeom>
+          <a:noFill/>
+        </p:spPr>
+        <p:txBody>
+          <a:bodyPr wrap="none" rtlCol="0">
+            <a:spAutoFit/>
+          </a:bodyPr>
+          <a:lstStyle/>
+          <a:p>
+            <a:r>
+              <a:rPr lang="en-US" altLang="ko-KR" dirty="0"/>
+              <a:t>OK</a:t>
+            </a:r>
+            <a:endParaRPr lang="ko-KR" altLang="en-US" dirty="0"/>
           </a:p>
         </p:txBody>
       </p:sp>

--- a/DsDotNet/src/Engine/Engine.Core/Timer.pptx
+++ b/DsDotNet/src/Engine/Engine.Core/Timer.pptx
@@ -12,24 +12,30 @@
     <p:sldId id="258" r:id="rId6"/>
     <p:sldId id="262" r:id="rId7"/>
     <p:sldId id="259" r:id="rId8"/>
-    <p:sldId id="263" r:id="rId9"/>
-    <p:sldId id="264" r:id="rId10"/>
-    <p:sldId id="271" r:id="rId11"/>
-    <p:sldId id="270" r:id="rId12"/>
-    <p:sldId id="274" r:id="rId13"/>
-    <p:sldId id="275" r:id="rId14"/>
-    <p:sldId id="276" r:id="rId15"/>
-    <p:sldId id="278" r:id="rId16"/>
-    <p:sldId id="279" r:id="rId17"/>
-    <p:sldId id="280" r:id="rId18"/>
-    <p:sldId id="281" r:id="rId19"/>
-    <p:sldId id="265" r:id="rId20"/>
-    <p:sldId id="266" r:id="rId21"/>
-    <p:sldId id="267" r:id="rId22"/>
-    <p:sldId id="268" r:id="rId23"/>
-    <p:sldId id="269" r:id="rId24"/>
-    <p:sldId id="272" r:id="rId25"/>
-    <p:sldId id="273" r:id="rId26"/>
+    <p:sldId id="285" r:id="rId9"/>
+    <p:sldId id="279" r:id="rId10"/>
+    <p:sldId id="286" r:id="rId11"/>
+    <p:sldId id="280" r:id="rId12"/>
+    <p:sldId id="287" r:id="rId13"/>
+    <p:sldId id="281" r:id="rId14"/>
+    <p:sldId id="263" r:id="rId15"/>
+    <p:sldId id="264" r:id="rId16"/>
+    <p:sldId id="271" r:id="rId17"/>
+    <p:sldId id="282" r:id="rId18"/>
+    <p:sldId id="274" r:id="rId19"/>
+    <p:sldId id="283" r:id="rId20"/>
+    <p:sldId id="275" r:id="rId21"/>
+    <p:sldId id="284" r:id="rId22"/>
+    <p:sldId id="276" r:id="rId23"/>
+    <p:sldId id="278" r:id="rId24"/>
+    <p:sldId id="270" r:id="rId25"/>
+    <p:sldId id="265" r:id="rId26"/>
+    <p:sldId id="266" r:id="rId27"/>
+    <p:sldId id="267" r:id="rId28"/>
+    <p:sldId id="268" r:id="rId29"/>
+    <p:sldId id="269" r:id="rId30"/>
+    <p:sldId id="272" r:id="rId31"/>
+    <p:sldId id="273" r:id="rId32"/>
   </p:sldIdLst>
   <p:sldSz cx="12192000" cy="6858000"/>
   <p:notesSz cx="6858000" cy="9144000"/>
@@ -283,7 +289,7 @@
           <a:p>
             <a:fld id="{F0D11F29-D168-44AB-8C51-C78796B9CFB4}" type="datetimeFigureOut">
               <a:rPr lang="ko-KR" altLang="en-US" smtClean="0"/>
-              <a:t>2023-01-03</a:t>
+              <a:t>2023-01-04</a:t>
             </a:fld>
             <a:endParaRPr lang="ko-KR" altLang="en-US" dirty="0"/>
           </a:p>
@@ -481,7 +487,7 @@
           <a:p>
             <a:fld id="{F0D11F29-D168-44AB-8C51-C78796B9CFB4}" type="datetimeFigureOut">
               <a:rPr lang="ko-KR" altLang="en-US" smtClean="0"/>
-              <a:t>2023-01-03</a:t>
+              <a:t>2023-01-04</a:t>
             </a:fld>
             <a:endParaRPr lang="ko-KR" altLang="en-US" dirty="0"/>
           </a:p>
@@ -689,7 +695,7 @@
           <a:p>
             <a:fld id="{F0D11F29-D168-44AB-8C51-C78796B9CFB4}" type="datetimeFigureOut">
               <a:rPr lang="ko-KR" altLang="en-US" smtClean="0"/>
-              <a:t>2023-01-03</a:t>
+              <a:t>2023-01-04</a:t>
             </a:fld>
             <a:endParaRPr lang="ko-KR" altLang="en-US" dirty="0"/>
           </a:p>
@@ -887,7 +893,7 @@
           <a:p>
             <a:fld id="{F0D11F29-D168-44AB-8C51-C78796B9CFB4}" type="datetimeFigureOut">
               <a:rPr lang="ko-KR" altLang="en-US" smtClean="0"/>
-              <a:t>2023-01-03</a:t>
+              <a:t>2023-01-04</a:t>
             </a:fld>
             <a:endParaRPr lang="ko-KR" altLang="en-US" dirty="0"/>
           </a:p>
@@ -1162,7 +1168,7 @@
           <a:p>
             <a:fld id="{F0D11F29-D168-44AB-8C51-C78796B9CFB4}" type="datetimeFigureOut">
               <a:rPr lang="ko-KR" altLang="en-US" smtClean="0"/>
-              <a:t>2023-01-03</a:t>
+              <a:t>2023-01-04</a:t>
             </a:fld>
             <a:endParaRPr lang="ko-KR" altLang="en-US" dirty="0"/>
           </a:p>
@@ -1427,7 +1433,7 @@
           <a:p>
             <a:fld id="{F0D11F29-D168-44AB-8C51-C78796B9CFB4}" type="datetimeFigureOut">
               <a:rPr lang="ko-KR" altLang="en-US" smtClean="0"/>
-              <a:t>2023-01-03</a:t>
+              <a:t>2023-01-04</a:t>
             </a:fld>
             <a:endParaRPr lang="ko-KR" altLang="en-US" dirty="0"/>
           </a:p>
@@ -1839,7 +1845,7 @@
           <a:p>
             <a:fld id="{F0D11F29-D168-44AB-8C51-C78796B9CFB4}" type="datetimeFigureOut">
               <a:rPr lang="ko-KR" altLang="en-US" smtClean="0"/>
-              <a:t>2023-01-03</a:t>
+              <a:t>2023-01-04</a:t>
             </a:fld>
             <a:endParaRPr lang="ko-KR" altLang="en-US" dirty="0"/>
           </a:p>
@@ -1980,7 +1986,7 @@
           <a:p>
             <a:fld id="{F0D11F29-D168-44AB-8C51-C78796B9CFB4}" type="datetimeFigureOut">
               <a:rPr lang="ko-KR" altLang="en-US" smtClean="0"/>
-              <a:t>2023-01-03</a:t>
+              <a:t>2023-01-04</a:t>
             </a:fld>
             <a:endParaRPr lang="ko-KR" altLang="en-US" dirty="0"/>
           </a:p>
@@ -2093,7 +2099,7 @@
           <a:p>
             <a:fld id="{F0D11F29-D168-44AB-8C51-C78796B9CFB4}" type="datetimeFigureOut">
               <a:rPr lang="ko-KR" altLang="en-US" smtClean="0"/>
-              <a:t>2023-01-03</a:t>
+              <a:t>2023-01-04</a:t>
             </a:fld>
             <a:endParaRPr lang="ko-KR" altLang="en-US" dirty="0"/>
           </a:p>
@@ -2404,7 +2410,7 @@
           <a:p>
             <a:fld id="{F0D11F29-D168-44AB-8C51-C78796B9CFB4}" type="datetimeFigureOut">
               <a:rPr lang="ko-KR" altLang="en-US" smtClean="0"/>
-              <a:t>2023-01-03</a:t>
+              <a:t>2023-01-04</a:t>
             </a:fld>
             <a:endParaRPr lang="ko-KR" altLang="en-US" dirty="0"/>
           </a:p>
@@ -2692,7 +2698,7 @@
           <a:p>
             <a:fld id="{F0D11F29-D168-44AB-8C51-C78796B9CFB4}" type="datetimeFigureOut">
               <a:rPr lang="ko-KR" altLang="en-US" smtClean="0"/>
-              <a:t>2023-01-03</a:t>
+              <a:t>2023-01-04</a:t>
             </a:fld>
             <a:endParaRPr lang="ko-KR" altLang="en-US" dirty="0"/>
           </a:p>
@@ -2933,7 +2939,7 @@
           <a:p>
             <a:fld id="{F0D11F29-D168-44AB-8C51-C78796B9CFB4}" type="datetimeFigureOut">
               <a:rPr lang="ko-KR" altLang="en-US" smtClean="0"/>
-              <a:t>2023-01-03</a:t>
+              <a:t>2023-01-04</a:t>
             </a:fld>
             <a:endParaRPr lang="ko-KR" altLang="en-US" dirty="0"/>
           </a:p>
@@ -3463,8 +3469,8 @@
           <a:lstStyle/>
           <a:p>
             <a:r>
-              <a:rPr lang="en-US" altLang="ko-KR"/>
-              <a:t>CTU (AB)</a:t>
+              <a:rPr lang="en-US" altLang="ko-KR" dirty="0"/>
+              <a:t>TOF (AB)</a:t>
             </a:r>
             <a:endParaRPr lang="ko-KR" altLang="en-US" dirty="0"/>
           </a:p>
@@ -3472,10 +3478,10 @@
       </p:sp>
       <p:pic>
         <p:nvPicPr>
-          <p:cNvPr id="5" name="그림 4">
-            <a:extLst>
-              <a:ext uri="{FF2B5EF4-FFF2-40B4-BE49-F238E27FC236}">
-                <a16:creationId xmlns:a16="http://schemas.microsoft.com/office/drawing/2014/main" id="{29426A75-0A20-CF9C-2FF2-9513282CDA24}"/>
+          <p:cNvPr id="4" name="그림 3">
+            <a:extLst>
+              <a:ext uri="{FF2B5EF4-FFF2-40B4-BE49-F238E27FC236}">
+                <a16:creationId xmlns:a16="http://schemas.microsoft.com/office/drawing/2014/main" id="{A2BBFE22-6872-2CF0-0EB8-5E2994FF10CD}"/>
               </a:ext>
             </a:extLst>
           </p:cNvPr>
@@ -3492,8 +3498,8 @@
         </p:blipFill>
         <p:spPr>
           <a:xfrm>
-            <a:off x="1862137" y="1023937"/>
-            <a:ext cx="8467725" cy="4810125"/>
+            <a:off x="2556830" y="152400"/>
+            <a:ext cx="9321282" cy="6858000"/>
           </a:xfrm>
           <a:prstGeom prst="rect">
             <a:avLst/>
@@ -3503,7 +3509,7 @@
     </p:spTree>
     <p:extLst>
       <p:ext uri="{BB962C8B-B14F-4D97-AF65-F5344CB8AC3E}">
-        <p14:creationId xmlns:p14="http://schemas.microsoft.com/office/powerpoint/2010/main" val="448238874"/>
+        <p14:creationId xmlns:p14="http://schemas.microsoft.com/office/powerpoint/2010/main" val="433408922"/>
       </p:ext>
     </p:extLst>
   </p:cSld>
@@ -3535,7 +3541,7 @@
           <p:cNvPr id="2" name="제목 1">
             <a:extLst>
               <a:ext uri="{FF2B5EF4-FFF2-40B4-BE49-F238E27FC236}">
-                <a16:creationId xmlns:a16="http://schemas.microsoft.com/office/drawing/2014/main" id="{2245338D-1F5A-51DF-0067-3163797DCB94}"/>
+                <a16:creationId xmlns:a16="http://schemas.microsoft.com/office/drawing/2014/main" id="{970ED5B0-B1A6-1FC1-C865-BC2D394F99CC}"/>
               </a:ext>
             </a:extLst>
           </p:cNvPr>
@@ -3548,8 +3554,8 @@
         </p:nvSpPr>
         <p:spPr>
           <a:xfrm>
-            <a:off x="74802" y="58927"/>
-            <a:ext cx="2448902" cy="649944"/>
+            <a:off x="838200" y="365126"/>
+            <a:ext cx="2627811" cy="867138"/>
           </a:xfrm>
         </p:spPr>
         <p:txBody>
@@ -3559,14 +3565,14 @@
           <a:lstStyle/>
           <a:p>
             <a:r>
-              <a:rPr lang="ko-KR" altLang="en-US" sz="2800" dirty="0"/>
+              <a:rPr lang="ko-KR" altLang="en-US" dirty="0"/>
               <a:t>산전 </a:t>
             </a:r>
             <a:r>
-              <a:rPr lang="en-US" altLang="ko-KR" sz="2800" dirty="0"/>
-              <a:t>counter</a:t>
-            </a:r>
-            <a:endParaRPr lang="ko-KR" altLang="en-US" sz="2800" dirty="0"/>
+              <a:rPr lang="en-US" altLang="ko-KR" dirty="0"/>
+              <a:t>TOF</a:t>
+            </a:r>
+            <a:endParaRPr lang="ko-KR" altLang="en-US" dirty="0"/>
           </a:p>
         </p:txBody>
       </p:sp>
@@ -3575,7 +3581,7 @@
           <p:cNvPr id="5" name="그림 4">
             <a:extLst>
               <a:ext uri="{FF2B5EF4-FFF2-40B4-BE49-F238E27FC236}">
-                <a16:creationId xmlns:a16="http://schemas.microsoft.com/office/drawing/2014/main" id="{984CE43A-F2FA-7796-24F8-312CE2FD5863}"/>
+                <a16:creationId xmlns:a16="http://schemas.microsoft.com/office/drawing/2014/main" id="{3DC12354-AF74-307C-BB1F-D62E9B84EB86}"/>
               </a:ext>
             </a:extLst>
           </p:cNvPr>
@@ -3592,8 +3598,8 @@
         </p:blipFill>
         <p:spPr>
           <a:xfrm>
-            <a:off x="2523704" y="0"/>
-            <a:ext cx="7144591" cy="6858000"/>
+            <a:off x="2024062" y="1090612"/>
+            <a:ext cx="8143875" cy="4676775"/>
           </a:xfrm>
           <a:prstGeom prst="rect">
             <a:avLst/>
@@ -3603,7 +3609,7 @@
     </p:spTree>
     <p:extLst>
       <p:ext uri="{BB962C8B-B14F-4D97-AF65-F5344CB8AC3E}">
-        <p14:creationId xmlns:p14="http://schemas.microsoft.com/office/powerpoint/2010/main" val="1003128740"/>
+        <p14:creationId xmlns:p14="http://schemas.microsoft.com/office/powerpoint/2010/main" val="1965487739"/>
       </p:ext>
     </p:extLst>
   </p:cSld>
@@ -3635,7 +3641,7 @@
           <p:cNvPr id="2" name="제목 1">
             <a:extLst>
               <a:ext uri="{FF2B5EF4-FFF2-40B4-BE49-F238E27FC236}">
-                <a16:creationId xmlns:a16="http://schemas.microsoft.com/office/drawing/2014/main" id="{970ED5B0-B1A6-1FC1-C865-BC2D394F99CC}"/>
+                <a16:creationId xmlns:a16="http://schemas.microsoft.com/office/drawing/2014/main" id="{0D8B5E7A-DC4F-3BDC-EAF1-5843624CF4F2}"/>
               </a:ext>
             </a:extLst>
           </p:cNvPr>
@@ -3648,23 +3654,19 @@
         </p:nvSpPr>
         <p:spPr>
           <a:xfrm>
-            <a:off x="838200" y="365126"/>
-            <a:ext cx="2627811" cy="867138"/>
+            <a:off x="313888" y="268652"/>
+            <a:ext cx="2261532" cy="561858"/>
           </a:xfrm>
         </p:spPr>
         <p:txBody>
           <a:bodyPr>
-            <a:normAutofit/>
+            <a:normAutofit fontScale="90000"/>
           </a:bodyPr>
           <a:lstStyle/>
           <a:p>
             <a:r>
-              <a:rPr lang="ko-KR" altLang="en-US" dirty="0"/>
-              <a:t>산전 </a:t>
-            </a:r>
-            <a:r>
               <a:rPr lang="en-US" altLang="ko-KR" dirty="0"/>
-              <a:t>CTU</a:t>
+              <a:t>RTO (AB)</a:t>
             </a:r>
             <a:endParaRPr lang="ko-KR" altLang="en-US" dirty="0"/>
           </a:p>
@@ -3672,10 +3674,10 @@
       </p:sp>
       <p:pic>
         <p:nvPicPr>
-          <p:cNvPr id="7" name="그림 6">
-            <a:extLst>
-              <a:ext uri="{FF2B5EF4-FFF2-40B4-BE49-F238E27FC236}">
-                <a16:creationId xmlns:a16="http://schemas.microsoft.com/office/drawing/2014/main" id="{DA56FB1C-5DF3-F5A0-7DE6-409B7628D1D9}"/>
+          <p:cNvPr id="4" name="그림 3">
+            <a:extLst>
+              <a:ext uri="{FF2B5EF4-FFF2-40B4-BE49-F238E27FC236}">
+                <a16:creationId xmlns:a16="http://schemas.microsoft.com/office/drawing/2014/main" id="{C04EB699-EFB9-5364-E250-3EA16F6037D1}"/>
               </a:ext>
             </a:extLst>
           </p:cNvPr>
@@ -3692,8 +3694,8 @@
         </p:blipFill>
         <p:spPr>
           <a:xfrm>
-            <a:off x="3322320" y="1108958"/>
-            <a:ext cx="6850380" cy="5729991"/>
+            <a:off x="2592686" y="114300"/>
+            <a:ext cx="9285426" cy="6858000"/>
           </a:xfrm>
           <a:prstGeom prst="rect">
             <a:avLst/>
@@ -3703,7 +3705,7 @@
     </p:spTree>
     <p:extLst>
       <p:ext uri="{BB962C8B-B14F-4D97-AF65-F5344CB8AC3E}">
-        <p14:creationId xmlns:p14="http://schemas.microsoft.com/office/powerpoint/2010/main" val="1645704653"/>
+        <p14:creationId xmlns:p14="http://schemas.microsoft.com/office/powerpoint/2010/main" val="550445638"/>
       </p:ext>
     </p:extLst>
   </p:cSld>
@@ -3753,7 +3755,9 @@
           </a:xfrm>
         </p:spPr>
         <p:txBody>
-          <a:bodyPr/>
+          <a:bodyPr>
+            <a:normAutofit fontScale="90000"/>
+          </a:bodyPr>
           <a:lstStyle/>
           <a:p>
             <a:r>
@@ -3762,7 +3766,7 @@
             </a:r>
             <a:r>
               <a:rPr lang="en-US" altLang="ko-KR" dirty="0"/>
-              <a:t>CTD</a:t>
+              <a:t>TMR</a:t>
             </a:r>
             <a:endParaRPr lang="ko-KR" altLang="en-US" dirty="0"/>
           </a:p>
@@ -3770,10 +3774,10 @@
       </p:sp>
       <p:pic>
         <p:nvPicPr>
-          <p:cNvPr id="5" name="그림 4">
-            <a:extLst>
-              <a:ext uri="{FF2B5EF4-FFF2-40B4-BE49-F238E27FC236}">
-                <a16:creationId xmlns:a16="http://schemas.microsoft.com/office/drawing/2014/main" id="{2B963DB8-0214-D641-7447-AB6F23E2B751}"/>
+          <p:cNvPr id="4" name="그림 3">
+            <a:extLst>
+              <a:ext uri="{FF2B5EF4-FFF2-40B4-BE49-F238E27FC236}">
+                <a16:creationId xmlns:a16="http://schemas.microsoft.com/office/drawing/2014/main" id="{D21C27B0-61A9-23D6-43C0-BD6E05748AD2}"/>
               </a:ext>
             </a:extLst>
           </p:cNvPr>
@@ -3790,8 +3794,8 @@
         </p:blipFill>
         <p:spPr>
           <a:xfrm>
-            <a:off x="3661954" y="1436985"/>
-            <a:ext cx="6472646" cy="5297189"/>
+            <a:off x="2057617" y="1054099"/>
+            <a:ext cx="8143875" cy="5438775"/>
           </a:xfrm>
           <a:prstGeom prst="rect">
             <a:avLst/>
@@ -3801,7 +3805,7 @@
     </p:spTree>
     <p:extLst>
       <p:ext uri="{BB962C8B-B14F-4D97-AF65-F5344CB8AC3E}">
-        <p14:creationId xmlns:p14="http://schemas.microsoft.com/office/powerpoint/2010/main" val="656807519"/>
+        <p14:creationId xmlns:p14="http://schemas.microsoft.com/office/powerpoint/2010/main" val="3547121991"/>
       </p:ext>
     </p:extLst>
   </p:cSld>
@@ -3830,10 +3834,10 @@
       </p:grpSpPr>
       <p:sp>
         <p:nvSpPr>
-          <p:cNvPr id="2" name="제목 1">
-            <a:extLst>
-              <a:ext uri="{FF2B5EF4-FFF2-40B4-BE49-F238E27FC236}">
-                <a16:creationId xmlns:a16="http://schemas.microsoft.com/office/drawing/2014/main" id="{970ED5B0-B1A6-1FC1-C865-BC2D394F99CC}"/>
+          <p:cNvPr id="4" name="제목 3">
+            <a:extLst>
+              <a:ext uri="{FF2B5EF4-FFF2-40B4-BE49-F238E27FC236}">
+                <a16:creationId xmlns:a16="http://schemas.microsoft.com/office/drawing/2014/main" id="{41B1E1A9-6AFD-E27C-2258-6496ED70FE19}"/>
               </a:ext>
             </a:extLst>
           </p:cNvPr>
@@ -3841,67 +3845,51 @@
             <a:spLocks noGrp="1"/>
           </p:cNvSpPr>
           <p:nvPr>
-            <p:ph type="title"/>
+            <p:ph type="ctrTitle"/>
           </p:nvPr>
         </p:nvSpPr>
-        <p:spPr>
-          <a:xfrm>
-            <a:off x="838200" y="365126"/>
-            <a:ext cx="2999763" cy="867138"/>
-          </a:xfrm>
-        </p:spPr>
-        <p:txBody>
-          <a:bodyPr>
-            <a:normAutofit/>
-          </a:bodyPr>
-          <a:lstStyle/>
-          <a:p>
-            <a:r>
-              <a:rPr lang="ko-KR" altLang="en-US" dirty="0"/>
-              <a:t>산전 </a:t>
-            </a:r>
+        <p:spPr/>
+        <p:txBody>
+          <a:bodyPr/>
+          <a:lstStyle/>
+          <a:p>
             <a:r>
               <a:rPr lang="en-US" altLang="ko-KR" dirty="0"/>
-              <a:t>CTUD</a:t>
+              <a:t>COUNTER</a:t>
             </a:r>
             <a:endParaRPr lang="ko-KR" altLang="en-US" dirty="0"/>
           </a:p>
         </p:txBody>
       </p:sp>
-      <p:pic>
-        <p:nvPicPr>
-          <p:cNvPr id="4" name="그림 3">
-            <a:extLst>
-              <a:ext uri="{FF2B5EF4-FFF2-40B4-BE49-F238E27FC236}">
-                <a16:creationId xmlns:a16="http://schemas.microsoft.com/office/drawing/2014/main" id="{3F67B7D4-BE02-61AF-CA0E-DCB052C9CBE2}"/>
-              </a:ext>
-            </a:extLst>
-          </p:cNvPr>
-          <p:cNvPicPr>
-            <a:picLocks noChangeAspect="1"/>
-          </p:cNvPicPr>
-          <p:nvPr/>
-        </p:nvPicPr>
-        <p:blipFill>
-          <a:blip r:embed="rId2"/>
-          <a:stretch>
-            <a:fillRect/>
-          </a:stretch>
-        </p:blipFill>
-        <p:spPr>
-          <a:xfrm>
-            <a:off x="3625802" y="1040235"/>
-            <a:ext cx="5833454" cy="5691930"/>
-          </a:xfrm>
-          <a:prstGeom prst="rect">
-            <a:avLst/>
-          </a:prstGeom>
-        </p:spPr>
-      </p:pic>
+      <p:sp>
+        <p:nvSpPr>
+          <p:cNvPr id="5" name="부제목 4">
+            <a:extLst>
+              <a:ext uri="{FF2B5EF4-FFF2-40B4-BE49-F238E27FC236}">
+                <a16:creationId xmlns:a16="http://schemas.microsoft.com/office/drawing/2014/main" id="{E9D93AD1-9BE9-7782-790D-E3D2F2C1662F}"/>
+              </a:ext>
+            </a:extLst>
+          </p:cNvPr>
+          <p:cNvSpPr>
+            <a:spLocks noGrp="1"/>
+          </p:cNvSpPr>
+          <p:nvPr>
+            <p:ph type="subTitle" idx="1"/>
+          </p:nvPr>
+        </p:nvSpPr>
+        <p:spPr/>
+        <p:txBody>
+          <a:bodyPr/>
+          <a:lstStyle/>
+          <a:p>
+            <a:endParaRPr lang="ko-KR" altLang="en-US" dirty="0"/>
+          </a:p>
+        </p:txBody>
+      </p:sp>
     </p:spTree>
     <p:extLst>
       <p:ext uri="{BB962C8B-B14F-4D97-AF65-F5344CB8AC3E}">
-        <p14:creationId xmlns:p14="http://schemas.microsoft.com/office/powerpoint/2010/main" val="1308047478"/>
+        <p14:creationId xmlns:p14="http://schemas.microsoft.com/office/powerpoint/2010/main" val="2273421396"/>
       </p:ext>
     </p:extLst>
   </p:cSld>
@@ -3928,52 +3916,12 @@
           <a:chExt cx="0" cy="0"/>
         </a:xfrm>
       </p:grpSpPr>
-      <p:sp>
-        <p:nvSpPr>
-          <p:cNvPr id="2" name="제목 1">
-            <a:extLst>
-              <a:ext uri="{FF2B5EF4-FFF2-40B4-BE49-F238E27FC236}">
-                <a16:creationId xmlns:a16="http://schemas.microsoft.com/office/drawing/2014/main" id="{970ED5B0-B1A6-1FC1-C865-BC2D394F99CC}"/>
-              </a:ext>
-            </a:extLst>
-          </p:cNvPr>
-          <p:cNvSpPr>
-            <a:spLocks noGrp="1"/>
-          </p:cNvSpPr>
-          <p:nvPr>
-            <p:ph type="title"/>
-          </p:nvPr>
-        </p:nvSpPr>
-        <p:spPr>
-          <a:xfrm>
-            <a:off x="838200" y="365126"/>
-            <a:ext cx="2999763" cy="867138"/>
-          </a:xfrm>
-        </p:spPr>
-        <p:txBody>
-          <a:bodyPr>
-            <a:normAutofit/>
-          </a:bodyPr>
-          <a:lstStyle/>
-          <a:p>
-            <a:r>
-              <a:rPr lang="ko-KR" altLang="en-US" dirty="0"/>
-              <a:t>산전 </a:t>
-            </a:r>
-            <a:r>
-              <a:rPr lang="en-US" altLang="ko-KR" dirty="0"/>
-              <a:t>CTR</a:t>
-            </a:r>
-            <a:endParaRPr lang="ko-KR" altLang="en-US" dirty="0"/>
-          </a:p>
-        </p:txBody>
-      </p:sp>
       <p:pic>
         <p:nvPicPr>
           <p:cNvPr id="5" name="그림 4">
             <a:extLst>
               <a:ext uri="{FF2B5EF4-FFF2-40B4-BE49-F238E27FC236}">
-                <a16:creationId xmlns:a16="http://schemas.microsoft.com/office/drawing/2014/main" id="{0CB5F6A9-1C23-3C00-2050-75B59FEA52BA}"/>
+                <a16:creationId xmlns:a16="http://schemas.microsoft.com/office/drawing/2014/main" id="{2D031465-16DB-9C7C-11E0-954AF46AC467}"/>
               </a:ext>
             </a:extLst>
           </p:cNvPr>
@@ -3990,18 +3938,109 @@
         </p:blipFill>
         <p:spPr>
           <a:xfrm>
-            <a:off x="2281646" y="997402"/>
-            <a:ext cx="8057741" cy="5136697"/>
+            <a:off x="1362075" y="1828800"/>
+            <a:ext cx="9467850" cy="3200400"/>
           </a:xfrm>
           <a:prstGeom prst="rect">
             <a:avLst/>
           </a:prstGeom>
         </p:spPr>
       </p:pic>
+      <p:sp>
+        <p:nvSpPr>
+          <p:cNvPr id="6" name="제목 1">
+            <a:extLst>
+              <a:ext uri="{FF2B5EF4-FFF2-40B4-BE49-F238E27FC236}">
+                <a16:creationId xmlns:a16="http://schemas.microsoft.com/office/drawing/2014/main" id="{D0CC2357-92A8-8690-7C20-3467415A7415}"/>
+              </a:ext>
+            </a:extLst>
+          </p:cNvPr>
+          <p:cNvSpPr txBox="1">
+            <a:spLocks/>
+          </p:cNvSpPr>
+          <p:nvPr/>
+        </p:nvSpPr>
+        <p:spPr>
+          <a:xfrm>
+            <a:off x="117763" y="124979"/>
+            <a:ext cx="1526309" cy="604693"/>
+          </a:xfrm>
+          <a:prstGeom prst="rect">
+            <a:avLst/>
+          </a:prstGeom>
+        </p:spPr>
+        <p:txBody>
+          <a:bodyPr vert="horz" lIns="91440" tIns="45720" rIns="91440" bIns="45720" rtlCol="0" anchor="ctr">
+            <a:normAutofit fontScale="90000" lnSpcReduction="10000"/>
+          </a:bodyPr>
+          <a:lstStyle>
+            <a:lvl1pPr algn="l" defTabSz="914400" rtl="0" eaLnBrk="1" latinLnBrk="1" hangingPunct="1">
+              <a:lnSpc>
+                <a:spcPct val="90000"/>
+              </a:lnSpc>
+              <a:spcBef>
+                <a:spcPct val="0"/>
+              </a:spcBef>
+              <a:buNone/>
+              <a:defRPr sz="4400" kern="1200">
+                <a:solidFill>
+                  <a:schemeClr val="tx1"/>
+                </a:solidFill>
+                <a:latin typeface="+mj-lt"/>
+                <a:ea typeface="+mj-ea"/>
+                <a:cs typeface="+mj-cs"/>
+              </a:defRPr>
+            </a:lvl1pPr>
+          </a:lstStyle>
+          <a:p>
+            <a:r>
+              <a:rPr lang="en-US" altLang="ko-KR" dirty="0"/>
+              <a:t>CTU</a:t>
+            </a:r>
+            <a:endParaRPr lang="ko-KR" altLang="en-US" dirty="0"/>
+          </a:p>
+        </p:txBody>
+      </p:sp>
+      <p:sp>
+        <p:nvSpPr>
+          <p:cNvPr id="7" name="TextBox 6">
+            <a:extLst>
+              <a:ext uri="{FF2B5EF4-FFF2-40B4-BE49-F238E27FC236}">
+                <a16:creationId xmlns:a16="http://schemas.microsoft.com/office/drawing/2014/main" id="{0650043B-88A0-7279-B89D-5070D8811789}"/>
+              </a:ext>
+            </a:extLst>
+          </p:cNvPr>
+          <p:cNvSpPr txBox="1"/>
+          <p:nvPr/>
+        </p:nvSpPr>
+        <p:spPr>
+          <a:xfrm>
+            <a:off x="465909" y="2037805"/>
+            <a:ext cx="1039067" cy="369332"/>
+          </a:xfrm>
+          <a:prstGeom prst="rect">
+            <a:avLst/>
+          </a:prstGeom>
+          <a:noFill/>
+        </p:spPr>
+        <p:txBody>
+          <a:bodyPr wrap="none" rtlCol="0">
+            <a:spAutoFit/>
+          </a:bodyPr>
+          <a:lstStyle/>
+          <a:p>
+            <a:r>
+              <a:rPr lang="en-US" altLang="ko-KR" dirty="0"/>
+              <a:t>.CU, .CD</a:t>
+            </a:r>
+            <a:endParaRPr lang="ko-KR" altLang="en-US" dirty="0"/>
+          </a:p>
+        </p:txBody>
+      </p:sp>
     </p:spTree>
     <p:extLst>
       <p:ext uri="{BB962C8B-B14F-4D97-AF65-F5344CB8AC3E}">
-        <p14:creationId xmlns:p14="http://schemas.microsoft.com/office/powerpoint/2010/main" val="1553439810"/>
+        <p14:creationId xmlns:p14="http://schemas.microsoft.com/office/powerpoint/2010/main" val="1978222640"/>
       </p:ext>
     </p:extLst>
   </p:cSld>
@@ -4033,7 +4072,7 @@
           <p:cNvPr id="2" name="제목 1">
             <a:extLst>
               <a:ext uri="{FF2B5EF4-FFF2-40B4-BE49-F238E27FC236}">
-                <a16:creationId xmlns:a16="http://schemas.microsoft.com/office/drawing/2014/main" id="{970ED5B0-B1A6-1FC1-C865-BC2D394F99CC}"/>
+                <a16:creationId xmlns:a16="http://schemas.microsoft.com/office/drawing/2014/main" id="{0D8B5E7A-DC4F-3BDC-EAF1-5843624CF4F2}"/>
               </a:ext>
             </a:extLst>
           </p:cNvPr>
@@ -4046,23 +4085,19 @@
         </p:nvSpPr>
         <p:spPr>
           <a:xfrm>
-            <a:off x="838200" y="365126"/>
-            <a:ext cx="2627811" cy="867138"/>
+            <a:off x="313888" y="268652"/>
+            <a:ext cx="2261532" cy="561858"/>
           </a:xfrm>
         </p:spPr>
         <p:txBody>
           <a:bodyPr>
-            <a:normAutofit/>
+            <a:normAutofit fontScale="90000"/>
           </a:bodyPr>
           <a:lstStyle/>
           <a:p>
             <a:r>
-              <a:rPr lang="ko-KR" altLang="en-US" dirty="0"/>
-              <a:t>산전 </a:t>
-            </a:r>
-            <a:r>
-              <a:rPr lang="en-US" altLang="ko-KR" dirty="0"/>
-              <a:t>TON</a:t>
+              <a:rPr lang="en-US" altLang="ko-KR"/>
+              <a:t>CTU (AB)</a:t>
             </a:r>
             <a:endParaRPr lang="ko-KR" altLang="en-US" dirty="0"/>
           </a:p>
@@ -4070,10 +4105,10 @@
       </p:sp>
       <p:pic>
         <p:nvPicPr>
-          <p:cNvPr id="4" name="그림 3">
-            <a:extLst>
-              <a:ext uri="{FF2B5EF4-FFF2-40B4-BE49-F238E27FC236}">
-                <a16:creationId xmlns:a16="http://schemas.microsoft.com/office/drawing/2014/main" id="{4273623C-B4A6-D008-C8B1-010065B355F5}"/>
+          <p:cNvPr id="5" name="그림 4">
+            <a:extLst>
+              <a:ext uri="{FF2B5EF4-FFF2-40B4-BE49-F238E27FC236}">
+                <a16:creationId xmlns:a16="http://schemas.microsoft.com/office/drawing/2014/main" id="{29426A75-0A20-CF9C-2FF2-9513282CDA24}"/>
               </a:ext>
             </a:extLst>
           </p:cNvPr>
@@ -4090,8 +4125,8 @@
         </p:blipFill>
         <p:spPr>
           <a:xfrm>
-            <a:off x="2128837" y="995362"/>
-            <a:ext cx="7934325" cy="4867275"/>
+            <a:off x="1862137" y="1023937"/>
+            <a:ext cx="8467725" cy="4810125"/>
           </a:xfrm>
           <a:prstGeom prst="rect">
             <a:avLst/>
@@ -4101,7 +4136,7 @@
     </p:spTree>
     <p:extLst>
       <p:ext uri="{BB962C8B-B14F-4D97-AF65-F5344CB8AC3E}">
-        <p14:creationId xmlns:p14="http://schemas.microsoft.com/office/powerpoint/2010/main" val="207682465"/>
+        <p14:creationId xmlns:p14="http://schemas.microsoft.com/office/powerpoint/2010/main" val="448238874"/>
       </p:ext>
     </p:extLst>
   </p:cSld>
@@ -4133,7 +4168,7 @@
           <p:cNvPr id="2" name="제목 1">
             <a:extLst>
               <a:ext uri="{FF2B5EF4-FFF2-40B4-BE49-F238E27FC236}">
-                <a16:creationId xmlns:a16="http://schemas.microsoft.com/office/drawing/2014/main" id="{970ED5B0-B1A6-1FC1-C865-BC2D394F99CC}"/>
+                <a16:creationId xmlns:a16="http://schemas.microsoft.com/office/drawing/2014/main" id="{0D8B5E7A-DC4F-3BDC-EAF1-5843624CF4F2}"/>
               </a:ext>
             </a:extLst>
           </p:cNvPr>
@@ -4146,23 +4181,19 @@
         </p:nvSpPr>
         <p:spPr>
           <a:xfrm>
-            <a:off x="838200" y="365126"/>
-            <a:ext cx="2627811" cy="867138"/>
+            <a:off x="313888" y="268652"/>
+            <a:ext cx="2261532" cy="561858"/>
           </a:xfrm>
         </p:spPr>
         <p:txBody>
           <a:bodyPr>
-            <a:normAutofit/>
+            <a:normAutofit fontScale="90000"/>
           </a:bodyPr>
           <a:lstStyle/>
           <a:p>
             <a:r>
-              <a:rPr lang="ko-KR" altLang="en-US" dirty="0"/>
-              <a:t>산전 </a:t>
-            </a:r>
-            <a:r>
               <a:rPr lang="en-US" altLang="ko-KR" dirty="0"/>
-              <a:t>TOF</a:t>
+              <a:t>CTU (AB)</a:t>
             </a:r>
             <a:endParaRPr lang="ko-KR" altLang="en-US" dirty="0"/>
           </a:p>
@@ -4170,10 +4201,10 @@
       </p:sp>
       <p:pic>
         <p:nvPicPr>
-          <p:cNvPr id="5" name="그림 4">
-            <a:extLst>
-              <a:ext uri="{FF2B5EF4-FFF2-40B4-BE49-F238E27FC236}">
-                <a16:creationId xmlns:a16="http://schemas.microsoft.com/office/drawing/2014/main" id="{3DC12354-AF74-307C-BB1F-D62E9B84EB86}"/>
+          <p:cNvPr id="4" name="그림 3">
+            <a:extLst>
+              <a:ext uri="{FF2B5EF4-FFF2-40B4-BE49-F238E27FC236}">
+                <a16:creationId xmlns:a16="http://schemas.microsoft.com/office/drawing/2014/main" id="{5BBB77F8-3FE5-C207-CA50-135794811858}"/>
               </a:ext>
             </a:extLst>
           </p:cNvPr>
@@ -4190,8 +4221,8 @@
         </p:blipFill>
         <p:spPr>
           <a:xfrm>
-            <a:off x="2024062" y="1090612"/>
-            <a:ext cx="8143875" cy="4676775"/>
+            <a:off x="2976292" y="104775"/>
+            <a:ext cx="8901820" cy="6858000"/>
           </a:xfrm>
           <a:prstGeom prst="rect">
             <a:avLst/>
@@ -4201,7 +4232,7 @@
     </p:spTree>
     <p:extLst>
       <p:ext uri="{BB962C8B-B14F-4D97-AF65-F5344CB8AC3E}">
-        <p14:creationId xmlns:p14="http://schemas.microsoft.com/office/powerpoint/2010/main" val="2615508994"/>
+        <p14:creationId xmlns:p14="http://schemas.microsoft.com/office/powerpoint/2010/main" val="605280335"/>
       </p:ext>
     </p:extLst>
   </p:cSld>
@@ -4252,7 +4283,7 @@
         </p:spPr>
         <p:txBody>
           <a:bodyPr>
-            <a:normAutofit fontScale="90000"/>
+            <a:normAutofit/>
           </a:bodyPr>
           <a:lstStyle/>
           <a:p>
@@ -4262,7 +4293,7 @@
             </a:r>
             <a:r>
               <a:rPr lang="en-US" altLang="ko-KR" dirty="0"/>
-              <a:t>TMR</a:t>
+              <a:t>CTU</a:t>
             </a:r>
             <a:endParaRPr lang="ko-KR" altLang="en-US" dirty="0"/>
           </a:p>
@@ -4270,10 +4301,10 @@
       </p:sp>
       <p:pic>
         <p:nvPicPr>
-          <p:cNvPr id="4" name="그림 3">
-            <a:extLst>
-              <a:ext uri="{FF2B5EF4-FFF2-40B4-BE49-F238E27FC236}">
-                <a16:creationId xmlns:a16="http://schemas.microsoft.com/office/drawing/2014/main" id="{D21C27B0-61A9-23D6-43C0-BD6E05748AD2}"/>
+          <p:cNvPr id="7" name="그림 6">
+            <a:extLst>
+              <a:ext uri="{FF2B5EF4-FFF2-40B4-BE49-F238E27FC236}">
+                <a16:creationId xmlns:a16="http://schemas.microsoft.com/office/drawing/2014/main" id="{DA56FB1C-5DF3-F5A0-7DE6-409B7628D1D9}"/>
               </a:ext>
             </a:extLst>
           </p:cNvPr>
@@ -4290,8 +4321,8 @@
         </p:blipFill>
         <p:spPr>
           <a:xfrm>
-            <a:off x="2057617" y="1054099"/>
-            <a:ext cx="8143875" cy="5438775"/>
+            <a:off x="3322320" y="1108958"/>
+            <a:ext cx="6850380" cy="5729991"/>
           </a:xfrm>
           <a:prstGeom prst="rect">
             <a:avLst/>
@@ -4301,7 +4332,7 @@
     </p:spTree>
     <p:extLst>
       <p:ext uri="{BB962C8B-B14F-4D97-AF65-F5344CB8AC3E}">
-        <p14:creationId xmlns:p14="http://schemas.microsoft.com/office/powerpoint/2010/main" val="1261932035"/>
+        <p14:creationId xmlns:p14="http://schemas.microsoft.com/office/powerpoint/2010/main" val="2524105663"/>
       </p:ext>
     </p:extLst>
   </p:cSld>
@@ -4333,7 +4364,7 @@
           <p:cNvPr id="2" name="제목 1">
             <a:extLst>
               <a:ext uri="{FF2B5EF4-FFF2-40B4-BE49-F238E27FC236}">
-                <a16:creationId xmlns:a16="http://schemas.microsoft.com/office/drawing/2014/main" id="{DDC757F2-A588-55CE-AB29-82077923FFA8}"/>
+                <a16:creationId xmlns:a16="http://schemas.microsoft.com/office/drawing/2014/main" id="{0D8B5E7A-DC4F-3BDC-EAF1-5843624CF4F2}"/>
               </a:ext>
             </a:extLst>
           </p:cNvPr>
@@ -4344,946 +4375,60 @@
             <p:ph type="title"/>
           </p:nvPr>
         </p:nvSpPr>
-        <p:spPr/>
-        <p:txBody>
-          <a:bodyPr/>
+        <p:spPr>
+          <a:xfrm>
+            <a:off x="313888" y="268652"/>
+            <a:ext cx="2261532" cy="561858"/>
+          </a:xfrm>
+        </p:spPr>
+        <p:txBody>
+          <a:bodyPr>
+            <a:normAutofit fontScale="90000"/>
+          </a:bodyPr>
           <a:lstStyle/>
           <a:p>
             <a:r>
               <a:rPr lang="en-US" altLang="ko-KR" dirty="0"/>
-              <a:t>Classes</a:t>
+              <a:t>CTD (AB)</a:t>
             </a:r>
             <a:endParaRPr lang="ko-KR" altLang="en-US" dirty="0"/>
           </a:p>
         </p:txBody>
       </p:sp>
-      <p:sp>
-        <p:nvSpPr>
-          <p:cNvPr id="7" name="TextBox 6">
-            <a:extLst>
-              <a:ext uri="{FF2B5EF4-FFF2-40B4-BE49-F238E27FC236}">
-                <a16:creationId xmlns:a16="http://schemas.microsoft.com/office/drawing/2014/main" id="{68EF86A6-FCC0-59AB-948C-3E9E8C77D4DC}"/>
-              </a:ext>
-            </a:extLst>
-          </p:cNvPr>
-          <p:cNvSpPr txBox="1"/>
+      <p:pic>
+        <p:nvPicPr>
+          <p:cNvPr id="5" name="그림 4">
+            <a:extLst>
+              <a:ext uri="{FF2B5EF4-FFF2-40B4-BE49-F238E27FC236}">
+                <a16:creationId xmlns:a16="http://schemas.microsoft.com/office/drawing/2014/main" id="{F701E0FB-E6E6-CB22-63D7-496ABEFDC22E}"/>
+              </a:ext>
+            </a:extLst>
+          </p:cNvPr>
+          <p:cNvPicPr>
+            <a:picLocks noChangeAspect="1"/>
+          </p:cNvPicPr>
           <p:nvPr/>
-        </p:nvSpPr>
-        <p:spPr>
-          <a:xfrm>
-            <a:off x="5098473" y="3602182"/>
-            <a:ext cx="2096728" cy="369332"/>
+        </p:nvPicPr>
+        <p:blipFill>
+          <a:blip r:embed="rId2"/>
+          <a:stretch>
+            <a:fillRect/>
+          </a:stretch>
+        </p:blipFill>
+        <p:spPr>
+          <a:xfrm>
+            <a:off x="3209475" y="95250"/>
+            <a:ext cx="8802000" cy="6858000"/>
           </a:xfrm>
           <a:prstGeom prst="rect">
             <a:avLst/>
           </a:prstGeom>
         </p:spPr>
-        <p:style>
-          <a:lnRef idx="2">
-            <a:schemeClr val="dk1"/>
-          </a:lnRef>
-          <a:fillRef idx="1">
-            <a:schemeClr val="lt1"/>
-          </a:fillRef>
-          <a:effectRef idx="0">
-            <a:schemeClr val="dk1"/>
-          </a:effectRef>
-          <a:fontRef idx="minor">
-            <a:schemeClr val="dk1"/>
-          </a:fontRef>
-        </p:style>
-        <p:txBody>
-          <a:bodyPr wrap="none" rtlCol="0">
-            <a:spAutoFit/>
-          </a:bodyPr>
-          <a:lstStyle/>
-          <a:p>
-            <a:r>
-              <a:rPr lang="en-US" altLang="ko-KR" dirty="0"/>
-              <a:t>CounterBaseStruct</a:t>
-            </a:r>
-            <a:endParaRPr lang="ko-KR" altLang="en-US" dirty="0"/>
-          </a:p>
-        </p:txBody>
-      </p:sp>
-      <p:sp>
-        <p:nvSpPr>
-          <p:cNvPr id="10" name="TextBox 9">
-            <a:extLst>
-              <a:ext uri="{FF2B5EF4-FFF2-40B4-BE49-F238E27FC236}">
-                <a16:creationId xmlns:a16="http://schemas.microsoft.com/office/drawing/2014/main" id="{516575FE-4F39-AADC-55CE-ECFB6E3669A6}"/>
-              </a:ext>
-            </a:extLst>
-          </p:cNvPr>
-          <p:cNvSpPr txBox="1"/>
-          <p:nvPr/>
-        </p:nvSpPr>
-        <p:spPr>
-          <a:xfrm>
-            <a:off x="3274752" y="2466665"/>
-            <a:ext cx="2685030" cy="369332"/>
-          </a:xfrm>
-          <a:prstGeom prst="rect">
-            <a:avLst/>
-          </a:prstGeom>
-        </p:spPr>
-        <p:style>
-          <a:lnRef idx="2">
-            <a:schemeClr val="dk1"/>
-          </a:lnRef>
-          <a:fillRef idx="1">
-            <a:schemeClr val="lt1"/>
-          </a:fillRef>
-          <a:effectRef idx="0">
-            <a:schemeClr val="dk1"/>
-          </a:effectRef>
-          <a:fontRef idx="minor">
-            <a:schemeClr val="dk1"/>
-          </a:fontRef>
-        </p:style>
-        <p:txBody>
-          <a:bodyPr wrap="none" rtlCol="0">
-            <a:spAutoFit/>
-          </a:bodyPr>
-          <a:lstStyle/>
-          <a:p>
-            <a:r>
-              <a:rPr lang="en-US" altLang="ko-KR" dirty="0"/>
-              <a:t>TimerCounterBaseStruct</a:t>
-            </a:r>
-            <a:endParaRPr lang="ko-KR" altLang="en-US" dirty="0"/>
-          </a:p>
-        </p:txBody>
-      </p:sp>
-      <p:sp>
-        <p:nvSpPr>
-          <p:cNvPr id="11" name="TextBox 10">
-            <a:extLst>
-              <a:ext uri="{FF2B5EF4-FFF2-40B4-BE49-F238E27FC236}">
-                <a16:creationId xmlns:a16="http://schemas.microsoft.com/office/drawing/2014/main" id="{A2631649-4787-4F5C-7742-58BD041B7E84}"/>
-              </a:ext>
-            </a:extLst>
-          </p:cNvPr>
-          <p:cNvSpPr txBox="1"/>
-          <p:nvPr/>
-        </p:nvSpPr>
-        <p:spPr>
-          <a:xfrm>
-            <a:off x="2498436" y="3602182"/>
-            <a:ext cx="1374094" cy="369332"/>
-          </a:xfrm>
-          <a:prstGeom prst="rect">
-            <a:avLst/>
-          </a:prstGeom>
-        </p:spPr>
-        <p:style>
-          <a:lnRef idx="2">
-            <a:schemeClr val="dk1"/>
-          </a:lnRef>
-          <a:fillRef idx="1">
-            <a:schemeClr val="lt1"/>
-          </a:fillRef>
-          <a:effectRef idx="0">
-            <a:schemeClr val="dk1"/>
-          </a:effectRef>
-          <a:fontRef idx="minor">
-            <a:schemeClr val="dk1"/>
-          </a:fontRef>
-        </p:style>
-        <p:txBody>
-          <a:bodyPr wrap="none" rtlCol="0">
-            <a:spAutoFit/>
-          </a:bodyPr>
-          <a:lstStyle/>
-          <a:p>
-            <a:r>
-              <a:rPr lang="en-US" altLang="ko-KR" dirty="0"/>
-              <a:t>TimerStruct</a:t>
-            </a:r>
-            <a:endParaRPr lang="ko-KR" altLang="en-US" dirty="0"/>
-          </a:p>
-        </p:txBody>
-      </p:sp>
-      <p:sp>
-        <p:nvSpPr>
-          <p:cNvPr id="12" name="TextBox 11">
-            <a:extLst>
-              <a:ext uri="{FF2B5EF4-FFF2-40B4-BE49-F238E27FC236}">
-                <a16:creationId xmlns:a16="http://schemas.microsoft.com/office/drawing/2014/main" id="{A36FD63E-A720-BFC2-5DFE-027619930568}"/>
-              </a:ext>
-            </a:extLst>
-          </p:cNvPr>
-          <p:cNvSpPr txBox="1"/>
-          <p:nvPr/>
-        </p:nvSpPr>
-        <p:spPr>
-          <a:xfrm>
-            <a:off x="5098473" y="4557929"/>
-            <a:ext cx="1217000" cy="369332"/>
-          </a:xfrm>
-          <a:prstGeom prst="rect">
-            <a:avLst/>
-          </a:prstGeom>
-        </p:spPr>
-        <p:style>
-          <a:lnRef idx="2">
-            <a:schemeClr val="dk1"/>
-          </a:lnRef>
-          <a:fillRef idx="1">
-            <a:schemeClr val="lt1"/>
-          </a:fillRef>
-          <a:effectRef idx="0">
-            <a:schemeClr val="dk1"/>
-          </a:effectRef>
-          <a:fontRef idx="minor">
-            <a:schemeClr val="dk1"/>
-          </a:fontRef>
-        </p:style>
-        <p:txBody>
-          <a:bodyPr wrap="none" rtlCol="0">
-            <a:spAutoFit/>
-          </a:bodyPr>
-          <a:lstStyle/>
-          <a:p>
-            <a:r>
-              <a:rPr lang="en-US" altLang="ko-KR" dirty="0"/>
-              <a:t>CTUStruct</a:t>
-            </a:r>
-            <a:endParaRPr lang="ko-KR" altLang="en-US" dirty="0"/>
-          </a:p>
-        </p:txBody>
-      </p:sp>
-      <p:sp>
-        <p:nvSpPr>
-          <p:cNvPr id="13" name="TextBox 12">
-            <a:extLst>
-              <a:ext uri="{FF2B5EF4-FFF2-40B4-BE49-F238E27FC236}">
-                <a16:creationId xmlns:a16="http://schemas.microsoft.com/office/drawing/2014/main" id="{9519F6F0-08D6-0BD0-969D-7D49C2483EDF}"/>
-              </a:ext>
-            </a:extLst>
-          </p:cNvPr>
-          <p:cNvSpPr txBox="1"/>
-          <p:nvPr/>
-        </p:nvSpPr>
-        <p:spPr>
-          <a:xfrm>
-            <a:off x="6586701" y="4557929"/>
-            <a:ext cx="1220206" cy="369332"/>
-          </a:xfrm>
-          <a:prstGeom prst="rect">
-            <a:avLst/>
-          </a:prstGeom>
-        </p:spPr>
-        <p:style>
-          <a:lnRef idx="2">
-            <a:schemeClr val="dk1"/>
-          </a:lnRef>
-          <a:fillRef idx="1">
-            <a:schemeClr val="lt1"/>
-          </a:fillRef>
-          <a:effectRef idx="0">
-            <a:schemeClr val="dk1"/>
-          </a:effectRef>
-          <a:fontRef idx="minor">
-            <a:schemeClr val="dk1"/>
-          </a:fontRef>
-        </p:style>
-        <p:txBody>
-          <a:bodyPr wrap="none" rtlCol="0">
-            <a:spAutoFit/>
-          </a:bodyPr>
-          <a:lstStyle/>
-          <a:p>
-            <a:r>
-              <a:rPr lang="en-US" altLang="ko-KR" dirty="0"/>
-              <a:t>CTDStruct</a:t>
-            </a:r>
-            <a:endParaRPr lang="ko-KR" altLang="en-US" dirty="0"/>
-          </a:p>
-        </p:txBody>
-      </p:sp>
-      <p:sp>
-        <p:nvSpPr>
-          <p:cNvPr id="14" name="TextBox 13">
-            <a:extLst>
-              <a:ext uri="{FF2B5EF4-FFF2-40B4-BE49-F238E27FC236}">
-                <a16:creationId xmlns:a16="http://schemas.microsoft.com/office/drawing/2014/main" id="{C816F670-76EB-0741-7414-D1D1B2F05819}"/>
-              </a:ext>
-            </a:extLst>
-          </p:cNvPr>
-          <p:cNvSpPr txBox="1"/>
-          <p:nvPr/>
-        </p:nvSpPr>
-        <p:spPr>
-          <a:xfrm>
-            <a:off x="8074929" y="4557929"/>
-            <a:ext cx="1382110" cy="369332"/>
-          </a:xfrm>
-          <a:prstGeom prst="rect">
-            <a:avLst/>
-          </a:prstGeom>
-        </p:spPr>
-        <p:style>
-          <a:lnRef idx="2">
-            <a:schemeClr val="dk1"/>
-          </a:lnRef>
-          <a:fillRef idx="1">
-            <a:schemeClr val="lt1"/>
-          </a:fillRef>
-          <a:effectRef idx="0">
-            <a:schemeClr val="dk1"/>
-          </a:effectRef>
-          <a:fontRef idx="minor">
-            <a:schemeClr val="dk1"/>
-          </a:fontRef>
-        </p:style>
-        <p:txBody>
-          <a:bodyPr wrap="none" rtlCol="0">
-            <a:spAutoFit/>
-          </a:bodyPr>
-          <a:lstStyle/>
-          <a:p>
-            <a:r>
-              <a:rPr lang="en-US" altLang="ko-KR" dirty="0"/>
-              <a:t>CTUDStruct</a:t>
-            </a:r>
-            <a:endParaRPr lang="ko-KR" altLang="en-US" dirty="0"/>
-          </a:p>
-        </p:txBody>
-      </p:sp>
-      <p:cxnSp>
-        <p:nvCxnSpPr>
-          <p:cNvPr id="16" name="직선 화살표 연결선 15">
-            <a:extLst>
-              <a:ext uri="{FF2B5EF4-FFF2-40B4-BE49-F238E27FC236}">
-                <a16:creationId xmlns:a16="http://schemas.microsoft.com/office/drawing/2014/main" id="{5006D473-E614-C1C4-2397-068CBB7C3B00}"/>
-              </a:ext>
-            </a:extLst>
-          </p:cNvPr>
-          <p:cNvCxnSpPr>
-            <a:stCxn id="10" idx="2"/>
-            <a:endCxn id="11" idx="0"/>
-          </p:cNvCxnSpPr>
-          <p:nvPr/>
-        </p:nvCxnSpPr>
-        <p:spPr>
-          <a:xfrm flipH="1">
-            <a:off x="3185483" y="2835997"/>
-            <a:ext cx="1431784" cy="766185"/>
-          </a:xfrm>
-          <a:prstGeom prst="straightConnector1">
-            <a:avLst/>
-          </a:prstGeom>
-          <a:ln>
-            <a:tailEnd type="triangle"/>
-          </a:ln>
-        </p:spPr>
-        <p:style>
-          <a:lnRef idx="1">
-            <a:schemeClr val="accent1"/>
-          </a:lnRef>
-          <a:fillRef idx="0">
-            <a:schemeClr val="accent1"/>
-          </a:fillRef>
-          <a:effectRef idx="0">
-            <a:schemeClr val="accent1"/>
-          </a:effectRef>
-          <a:fontRef idx="minor">
-            <a:schemeClr val="tx1"/>
-          </a:fontRef>
-        </p:style>
-      </p:cxnSp>
-      <p:cxnSp>
-        <p:nvCxnSpPr>
-          <p:cNvPr id="18" name="직선 화살표 연결선 17">
-            <a:extLst>
-              <a:ext uri="{FF2B5EF4-FFF2-40B4-BE49-F238E27FC236}">
-                <a16:creationId xmlns:a16="http://schemas.microsoft.com/office/drawing/2014/main" id="{5E4E339D-CF9E-5BBD-F5FB-FBF11365FE81}"/>
-              </a:ext>
-            </a:extLst>
-          </p:cNvPr>
-          <p:cNvCxnSpPr>
-            <a:cxnSpLocks/>
-            <a:stCxn id="10" idx="2"/>
-            <a:endCxn id="7" idx="0"/>
-          </p:cNvCxnSpPr>
-          <p:nvPr/>
-        </p:nvCxnSpPr>
-        <p:spPr>
-          <a:xfrm>
-            <a:off x="4617267" y="2835997"/>
-            <a:ext cx="1529570" cy="766185"/>
-          </a:xfrm>
-          <a:prstGeom prst="straightConnector1">
-            <a:avLst/>
-          </a:prstGeom>
-          <a:ln>
-            <a:tailEnd type="triangle"/>
-          </a:ln>
-        </p:spPr>
-        <p:style>
-          <a:lnRef idx="1">
-            <a:schemeClr val="accent1"/>
-          </a:lnRef>
-          <a:fillRef idx="0">
-            <a:schemeClr val="accent1"/>
-          </a:fillRef>
-          <a:effectRef idx="0">
-            <a:schemeClr val="accent1"/>
-          </a:effectRef>
-          <a:fontRef idx="minor">
-            <a:schemeClr val="tx1"/>
-          </a:fontRef>
-        </p:style>
-      </p:cxnSp>
-      <p:cxnSp>
-        <p:nvCxnSpPr>
-          <p:cNvPr id="21" name="직선 화살표 연결선 20">
-            <a:extLst>
-              <a:ext uri="{FF2B5EF4-FFF2-40B4-BE49-F238E27FC236}">
-                <a16:creationId xmlns:a16="http://schemas.microsoft.com/office/drawing/2014/main" id="{732BE204-B11A-BFE2-0C09-AF429C9403A1}"/>
-              </a:ext>
-            </a:extLst>
-          </p:cNvPr>
-          <p:cNvCxnSpPr>
-            <a:cxnSpLocks/>
-            <a:stCxn id="7" idx="2"/>
-          </p:cNvCxnSpPr>
-          <p:nvPr/>
-        </p:nvCxnSpPr>
-        <p:spPr>
-          <a:xfrm flipH="1">
-            <a:off x="5772727" y="3971514"/>
-            <a:ext cx="374110" cy="637648"/>
-          </a:xfrm>
-          <a:prstGeom prst="straightConnector1">
-            <a:avLst/>
-          </a:prstGeom>
-          <a:ln>
-            <a:tailEnd type="triangle"/>
-          </a:ln>
-        </p:spPr>
-        <p:style>
-          <a:lnRef idx="1">
-            <a:schemeClr val="accent1"/>
-          </a:lnRef>
-          <a:fillRef idx="0">
-            <a:schemeClr val="accent1"/>
-          </a:fillRef>
-          <a:effectRef idx="0">
-            <a:schemeClr val="accent1"/>
-          </a:effectRef>
-          <a:fontRef idx="minor">
-            <a:schemeClr val="tx1"/>
-          </a:fontRef>
-        </p:style>
-      </p:cxnSp>
-      <p:cxnSp>
-        <p:nvCxnSpPr>
-          <p:cNvPr id="24" name="직선 화살표 연결선 23">
-            <a:extLst>
-              <a:ext uri="{FF2B5EF4-FFF2-40B4-BE49-F238E27FC236}">
-                <a16:creationId xmlns:a16="http://schemas.microsoft.com/office/drawing/2014/main" id="{17ADB01A-9592-CADA-7E6C-8F77DCC9599F}"/>
-              </a:ext>
-            </a:extLst>
-          </p:cNvPr>
-          <p:cNvCxnSpPr>
-            <a:cxnSpLocks/>
-            <a:stCxn id="7" idx="2"/>
-            <a:endCxn id="13" idx="0"/>
-          </p:cNvCxnSpPr>
-          <p:nvPr/>
-        </p:nvCxnSpPr>
-        <p:spPr>
-          <a:xfrm>
-            <a:off x="6146837" y="3971514"/>
-            <a:ext cx="1049967" cy="586415"/>
-          </a:xfrm>
-          <a:prstGeom prst="straightConnector1">
-            <a:avLst/>
-          </a:prstGeom>
-          <a:ln>
-            <a:tailEnd type="triangle"/>
-          </a:ln>
-        </p:spPr>
-        <p:style>
-          <a:lnRef idx="1">
-            <a:schemeClr val="accent1"/>
-          </a:lnRef>
-          <a:fillRef idx="0">
-            <a:schemeClr val="accent1"/>
-          </a:fillRef>
-          <a:effectRef idx="0">
-            <a:schemeClr val="accent1"/>
-          </a:effectRef>
-          <a:fontRef idx="minor">
-            <a:schemeClr val="tx1"/>
-          </a:fontRef>
-        </p:style>
-      </p:cxnSp>
-      <p:cxnSp>
-        <p:nvCxnSpPr>
-          <p:cNvPr id="27" name="직선 화살표 연결선 26">
-            <a:extLst>
-              <a:ext uri="{FF2B5EF4-FFF2-40B4-BE49-F238E27FC236}">
-                <a16:creationId xmlns:a16="http://schemas.microsoft.com/office/drawing/2014/main" id="{5AAE9D1B-158A-4269-DCF2-876A47856367}"/>
-              </a:ext>
-            </a:extLst>
-          </p:cNvPr>
-          <p:cNvCxnSpPr>
-            <a:cxnSpLocks/>
-            <a:stCxn id="7" idx="2"/>
-            <a:endCxn id="14" idx="0"/>
-          </p:cNvCxnSpPr>
-          <p:nvPr/>
-        </p:nvCxnSpPr>
-        <p:spPr>
-          <a:xfrm>
-            <a:off x="6146837" y="3971514"/>
-            <a:ext cx="2619147" cy="586415"/>
-          </a:xfrm>
-          <a:prstGeom prst="straightConnector1">
-            <a:avLst/>
-          </a:prstGeom>
-          <a:ln>
-            <a:tailEnd type="triangle"/>
-          </a:ln>
-        </p:spPr>
-        <p:style>
-          <a:lnRef idx="1">
-            <a:schemeClr val="accent1"/>
-          </a:lnRef>
-          <a:fillRef idx="0">
-            <a:schemeClr val="accent1"/>
-          </a:fillRef>
-          <a:effectRef idx="0">
-            <a:schemeClr val="accent1"/>
-          </a:effectRef>
-          <a:fontRef idx="minor">
-            <a:schemeClr val="tx1"/>
-          </a:fontRef>
-        </p:style>
-      </p:cxnSp>
-      <p:sp>
-        <p:nvSpPr>
-          <p:cNvPr id="33" name="TextBox 32">
-            <a:extLst>
-              <a:ext uri="{FF2B5EF4-FFF2-40B4-BE49-F238E27FC236}">
-                <a16:creationId xmlns:a16="http://schemas.microsoft.com/office/drawing/2014/main" id="{87E85D91-38CD-74E9-3187-CECA8D597DE2}"/>
-              </a:ext>
-            </a:extLst>
-          </p:cNvPr>
-          <p:cNvSpPr txBox="1"/>
-          <p:nvPr/>
-        </p:nvSpPr>
-        <p:spPr>
-          <a:xfrm>
-            <a:off x="369648" y="2350593"/>
-            <a:ext cx="775661" cy="369332"/>
-          </a:xfrm>
-          <a:prstGeom prst="rect">
-            <a:avLst/>
-          </a:prstGeom>
-        </p:spPr>
-        <p:style>
-          <a:lnRef idx="2">
-            <a:schemeClr val="dk1"/>
-          </a:lnRef>
-          <a:fillRef idx="1">
-            <a:schemeClr val="lt1"/>
-          </a:fillRef>
-          <a:effectRef idx="0">
-            <a:schemeClr val="dk1"/>
-          </a:effectRef>
-          <a:fontRef idx="minor">
-            <a:schemeClr val="dk1"/>
-          </a:fontRef>
-        </p:style>
-        <p:txBody>
-          <a:bodyPr wrap="square" rtlCol="0">
-            <a:spAutoFit/>
-          </a:bodyPr>
-          <a:lstStyle/>
-          <a:p>
-            <a:r>
-              <a:rPr lang="en-US" altLang="ko-KR" dirty="0"/>
-              <a:t>Timer</a:t>
-            </a:r>
-            <a:endParaRPr lang="ko-KR" altLang="en-US" dirty="0"/>
-          </a:p>
-        </p:txBody>
-      </p:sp>
-      <p:sp>
-        <p:nvSpPr>
-          <p:cNvPr id="34" name="TextBox 33">
-            <a:extLst>
-              <a:ext uri="{FF2B5EF4-FFF2-40B4-BE49-F238E27FC236}">
-                <a16:creationId xmlns:a16="http://schemas.microsoft.com/office/drawing/2014/main" id="{AB922546-A3A9-25CA-9C46-87BB35F650C9}"/>
-              </a:ext>
-            </a:extLst>
-          </p:cNvPr>
-          <p:cNvSpPr txBox="1"/>
-          <p:nvPr/>
-        </p:nvSpPr>
-        <p:spPr>
-          <a:xfrm>
-            <a:off x="8624265" y="2350593"/>
-            <a:ext cx="1017907" cy="369332"/>
-          </a:xfrm>
-          <a:prstGeom prst="rect">
-            <a:avLst/>
-          </a:prstGeom>
-        </p:spPr>
-        <p:style>
-          <a:lnRef idx="2">
-            <a:schemeClr val="dk1"/>
-          </a:lnRef>
-          <a:fillRef idx="1">
-            <a:schemeClr val="lt1"/>
-          </a:fillRef>
-          <a:effectRef idx="0">
-            <a:schemeClr val="dk1"/>
-          </a:effectRef>
-          <a:fontRef idx="minor">
-            <a:schemeClr val="dk1"/>
-          </a:fontRef>
-        </p:style>
-        <p:txBody>
-          <a:bodyPr wrap="none" rtlCol="0">
-            <a:spAutoFit/>
-          </a:bodyPr>
-          <a:lstStyle/>
-          <a:p>
-            <a:r>
-              <a:rPr lang="en-US" altLang="ko-KR" dirty="0"/>
-              <a:t>Counter</a:t>
-            </a:r>
-            <a:endParaRPr lang="ko-KR" altLang="en-US" dirty="0"/>
-          </a:p>
-        </p:txBody>
-      </p:sp>
-      <p:cxnSp>
-        <p:nvCxnSpPr>
-          <p:cNvPr id="36" name="직선 화살표 연결선 35">
-            <a:extLst>
-              <a:ext uri="{FF2B5EF4-FFF2-40B4-BE49-F238E27FC236}">
-                <a16:creationId xmlns:a16="http://schemas.microsoft.com/office/drawing/2014/main" id="{81FCD281-A155-EE85-D480-EF1B37E4F727}"/>
-              </a:ext>
-            </a:extLst>
-          </p:cNvPr>
-          <p:cNvCxnSpPr>
-            <a:cxnSpLocks/>
-            <a:stCxn id="33" idx="2"/>
-            <a:endCxn id="11" idx="1"/>
-          </p:cNvCxnSpPr>
-          <p:nvPr/>
-        </p:nvCxnSpPr>
-        <p:spPr>
-          <a:xfrm>
-            <a:off x="757479" y="2719925"/>
-            <a:ext cx="1740957" cy="1066923"/>
-          </a:xfrm>
-          <a:prstGeom prst="straightConnector1">
-            <a:avLst/>
-          </a:prstGeom>
-          <a:ln>
-            <a:prstDash val="dash"/>
-            <a:tailEnd type="triangle"/>
-          </a:ln>
-        </p:spPr>
-        <p:style>
-          <a:lnRef idx="1">
-            <a:schemeClr val="accent1"/>
-          </a:lnRef>
-          <a:fillRef idx="0">
-            <a:schemeClr val="accent1"/>
-          </a:fillRef>
-          <a:effectRef idx="0">
-            <a:schemeClr val="accent1"/>
-          </a:effectRef>
-          <a:fontRef idx="minor">
-            <a:schemeClr val="tx1"/>
-          </a:fontRef>
-        </p:style>
-      </p:cxnSp>
-      <p:cxnSp>
-        <p:nvCxnSpPr>
-          <p:cNvPr id="37" name="직선 화살표 연결선 36">
-            <a:extLst>
-              <a:ext uri="{FF2B5EF4-FFF2-40B4-BE49-F238E27FC236}">
-                <a16:creationId xmlns:a16="http://schemas.microsoft.com/office/drawing/2014/main" id="{052AF10B-0D37-93A2-D08D-AAC7805D635E}"/>
-              </a:ext>
-            </a:extLst>
-          </p:cNvPr>
-          <p:cNvCxnSpPr>
-            <a:cxnSpLocks/>
-            <a:stCxn id="34" idx="2"/>
-            <a:endCxn id="7" idx="0"/>
-          </p:cNvCxnSpPr>
-          <p:nvPr/>
-        </p:nvCxnSpPr>
-        <p:spPr>
-          <a:xfrm flipH="1">
-            <a:off x="6146837" y="2719925"/>
-            <a:ext cx="2986382" cy="882257"/>
-          </a:xfrm>
-          <a:prstGeom prst="straightConnector1">
-            <a:avLst/>
-          </a:prstGeom>
-          <a:ln>
-            <a:prstDash val="dash"/>
-            <a:tailEnd type="triangle"/>
-          </a:ln>
-        </p:spPr>
-        <p:style>
-          <a:lnRef idx="1">
-            <a:schemeClr val="accent1"/>
-          </a:lnRef>
-          <a:fillRef idx="0">
-            <a:schemeClr val="accent1"/>
-          </a:fillRef>
-          <a:effectRef idx="0">
-            <a:schemeClr val="accent1"/>
-          </a:effectRef>
-          <a:fontRef idx="minor">
-            <a:schemeClr val="tx1"/>
-          </a:fontRef>
-        </p:style>
-      </p:cxnSp>
-      <p:sp>
-        <p:nvSpPr>
-          <p:cNvPr id="40" name="TextBox 39">
-            <a:extLst>
-              <a:ext uri="{FF2B5EF4-FFF2-40B4-BE49-F238E27FC236}">
-                <a16:creationId xmlns:a16="http://schemas.microsoft.com/office/drawing/2014/main" id="{94DE2894-0481-ACA2-4EC4-6E868F8FAEE3}"/>
-              </a:ext>
-            </a:extLst>
-          </p:cNvPr>
-          <p:cNvSpPr txBox="1"/>
-          <p:nvPr/>
-        </p:nvSpPr>
-        <p:spPr>
-          <a:xfrm>
-            <a:off x="1145309" y="2335860"/>
-            <a:ext cx="1241045" cy="261610"/>
-          </a:xfrm>
-          <a:prstGeom prst="rect">
-            <a:avLst/>
-          </a:prstGeom>
-          <a:ln>
-            <a:noFill/>
-          </a:ln>
-        </p:spPr>
-        <p:style>
-          <a:lnRef idx="2">
-            <a:schemeClr val="dk1"/>
-          </a:lnRef>
-          <a:fillRef idx="1">
-            <a:schemeClr val="lt1"/>
-          </a:fillRef>
-          <a:effectRef idx="0">
-            <a:schemeClr val="dk1"/>
-          </a:effectRef>
-          <a:fontRef idx="minor">
-            <a:schemeClr val="dk1"/>
-          </a:fontRef>
-        </p:style>
-        <p:txBody>
-          <a:bodyPr wrap="none" rtlCol="0">
-            <a:spAutoFit/>
-          </a:bodyPr>
-          <a:lstStyle/>
-          <a:p>
-            <a:r>
-              <a:rPr lang="en-US" altLang="ko-KR" sz="1100" dirty="0">
-                <a:solidFill>
-                  <a:schemeClr val="accent1">
-                    <a:lumMod val="60000"/>
-                    <a:lumOff val="40000"/>
-                  </a:schemeClr>
-                </a:solidFill>
-              </a:rPr>
-              <a:t>TickAccumulator</a:t>
-            </a:r>
-            <a:endParaRPr lang="ko-KR" altLang="en-US" sz="1100" dirty="0">
-              <a:solidFill>
-                <a:schemeClr val="accent1">
-                  <a:lumMod val="60000"/>
-                  <a:lumOff val="40000"/>
-                </a:schemeClr>
-              </a:solidFill>
-            </a:endParaRPr>
-          </a:p>
-        </p:txBody>
-      </p:sp>
-      <p:sp>
-        <p:nvSpPr>
-          <p:cNvPr id="45" name="TextBox 44">
-            <a:extLst>
-              <a:ext uri="{FF2B5EF4-FFF2-40B4-BE49-F238E27FC236}">
-                <a16:creationId xmlns:a16="http://schemas.microsoft.com/office/drawing/2014/main" id="{2B090284-D322-22FC-B77F-9810D939FBC6}"/>
-              </a:ext>
-            </a:extLst>
-          </p:cNvPr>
-          <p:cNvSpPr txBox="1"/>
-          <p:nvPr/>
-        </p:nvSpPr>
-        <p:spPr>
-          <a:xfrm>
-            <a:off x="9642172" y="2335860"/>
-            <a:ext cx="1377300" cy="261610"/>
-          </a:xfrm>
-          <a:prstGeom prst="rect">
-            <a:avLst/>
-          </a:prstGeom>
-          <a:ln>
-            <a:noFill/>
-          </a:ln>
-        </p:spPr>
-        <p:style>
-          <a:lnRef idx="2">
-            <a:schemeClr val="dk1"/>
-          </a:lnRef>
-          <a:fillRef idx="1">
-            <a:schemeClr val="lt1"/>
-          </a:fillRef>
-          <a:effectRef idx="0">
-            <a:schemeClr val="dk1"/>
-          </a:effectRef>
-          <a:fontRef idx="minor">
-            <a:schemeClr val="dk1"/>
-          </a:fontRef>
-        </p:style>
-        <p:txBody>
-          <a:bodyPr wrap="none" rtlCol="0">
-            <a:spAutoFit/>
-          </a:bodyPr>
-          <a:lstStyle/>
-          <a:p>
-            <a:r>
-              <a:rPr lang="en-US" altLang="ko-KR" sz="1100" dirty="0">
-                <a:solidFill>
-                  <a:schemeClr val="accent1">
-                    <a:lumMod val="60000"/>
-                    <a:lumOff val="40000"/>
-                  </a:schemeClr>
-                </a:solidFill>
-              </a:rPr>
-              <a:t>CountAccumulator</a:t>
-            </a:r>
-            <a:endParaRPr lang="ko-KR" altLang="en-US" sz="1100" dirty="0">
-              <a:solidFill>
-                <a:schemeClr val="accent1">
-                  <a:lumMod val="60000"/>
-                  <a:lumOff val="40000"/>
-                </a:schemeClr>
-              </a:solidFill>
-            </a:endParaRPr>
-          </a:p>
-        </p:txBody>
-      </p:sp>
-      <p:sp>
-        <p:nvSpPr>
-          <p:cNvPr id="46" name="TextBox 45">
-            <a:extLst>
-              <a:ext uri="{FF2B5EF4-FFF2-40B4-BE49-F238E27FC236}">
-                <a16:creationId xmlns:a16="http://schemas.microsoft.com/office/drawing/2014/main" id="{78A6D049-38A2-57A3-3EF3-5E28D18088EE}"/>
-              </a:ext>
-            </a:extLst>
-          </p:cNvPr>
-          <p:cNvSpPr txBox="1"/>
-          <p:nvPr/>
-        </p:nvSpPr>
-        <p:spPr>
-          <a:xfrm>
-            <a:off x="8819858" y="5698342"/>
-            <a:ext cx="2077172" cy="369332"/>
-          </a:xfrm>
-          <a:prstGeom prst="rect">
-            <a:avLst/>
-          </a:prstGeom>
-        </p:spPr>
-        <p:style>
-          <a:lnRef idx="2">
-            <a:schemeClr val="dk1"/>
-          </a:lnRef>
-          <a:fillRef idx="1">
-            <a:schemeClr val="lt1"/>
-          </a:fillRef>
-          <a:effectRef idx="0">
-            <a:schemeClr val="dk1"/>
-          </a:effectRef>
-          <a:fontRef idx="minor">
-            <a:schemeClr val="dk1"/>
-          </a:fontRef>
-        </p:style>
-        <p:txBody>
-          <a:bodyPr wrap="none" rtlCol="0">
-            <a:spAutoFit/>
-          </a:bodyPr>
-          <a:lstStyle/>
-          <a:p>
-            <a:r>
-              <a:rPr lang="en-US" altLang="ko-KR" dirty="0"/>
-              <a:t>CounterStatement</a:t>
-            </a:r>
-            <a:endParaRPr lang="ko-KR" altLang="en-US" dirty="0"/>
-          </a:p>
-        </p:txBody>
-      </p:sp>
-      <p:sp>
-        <p:nvSpPr>
-          <p:cNvPr id="3" name="TextBox 2">
-            <a:extLst>
-              <a:ext uri="{FF2B5EF4-FFF2-40B4-BE49-F238E27FC236}">
-                <a16:creationId xmlns:a16="http://schemas.microsoft.com/office/drawing/2014/main" id="{A01FA822-B995-09A6-6574-7F9B76403C80}"/>
-              </a:ext>
-            </a:extLst>
-          </p:cNvPr>
-          <p:cNvSpPr txBox="1"/>
-          <p:nvPr/>
-        </p:nvSpPr>
-        <p:spPr>
-          <a:xfrm>
-            <a:off x="1108311" y="5698342"/>
-            <a:ext cx="1832233" cy="369332"/>
-          </a:xfrm>
-          <a:prstGeom prst="rect">
-            <a:avLst/>
-          </a:prstGeom>
-        </p:spPr>
-        <p:style>
-          <a:lnRef idx="2">
-            <a:schemeClr val="dk1"/>
-          </a:lnRef>
-          <a:fillRef idx="1">
-            <a:schemeClr val="lt1"/>
-          </a:fillRef>
-          <a:effectRef idx="0">
-            <a:schemeClr val="dk1"/>
-          </a:effectRef>
-          <a:fontRef idx="minor">
-            <a:schemeClr val="dk1"/>
-          </a:fontRef>
-        </p:style>
-        <p:txBody>
-          <a:bodyPr wrap="none" rtlCol="0">
-            <a:spAutoFit/>
-          </a:bodyPr>
-          <a:lstStyle/>
-          <a:p>
-            <a:r>
-              <a:rPr lang="en-US" altLang="ko-KR" dirty="0"/>
-              <a:t>TimerStatement</a:t>
-            </a:r>
-            <a:endParaRPr lang="ko-KR" altLang="en-US" dirty="0"/>
-          </a:p>
-        </p:txBody>
-      </p:sp>
+      </p:pic>
     </p:spTree>
     <p:extLst>
       <p:ext uri="{BB962C8B-B14F-4D97-AF65-F5344CB8AC3E}">
-        <p14:creationId xmlns:p14="http://schemas.microsoft.com/office/powerpoint/2010/main" val="3377512998"/>
+        <p14:creationId xmlns:p14="http://schemas.microsoft.com/office/powerpoint/2010/main" val="1635535863"/>
       </p:ext>
     </p:extLst>
   </p:cSld>
@@ -5476,7 +4621,7 @@
           <p:cNvPr id="2" name="제목 1">
             <a:extLst>
               <a:ext uri="{FF2B5EF4-FFF2-40B4-BE49-F238E27FC236}">
-                <a16:creationId xmlns:a16="http://schemas.microsoft.com/office/drawing/2014/main" id="{1B5AB5BE-0CEB-62D1-287B-7A8FB8BC868A}"/>
+                <a16:creationId xmlns:a16="http://schemas.microsoft.com/office/drawing/2014/main" id="{970ED5B0-B1A6-1FC1-C865-BC2D394F99CC}"/>
               </a:ext>
             </a:extLst>
           </p:cNvPr>
@@ -5487,352 +4632,62 @@
             <p:ph type="title"/>
           </p:nvPr>
         </p:nvSpPr>
-        <p:spPr/>
+        <p:spPr>
+          <a:xfrm>
+            <a:off x="838200" y="365126"/>
+            <a:ext cx="2627811" cy="867138"/>
+          </a:xfrm>
+        </p:spPr>
         <p:txBody>
           <a:bodyPr/>
           <a:lstStyle/>
           <a:p>
             <a:r>
+              <a:rPr lang="ko-KR" altLang="en-US" dirty="0"/>
+              <a:t>산전 </a:t>
+            </a:r>
+            <a:r>
               <a:rPr lang="en-US" altLang="ko-KR" dirty="0"/>
-              <a:t>Classes : Timer/Counter top level</a:t>
+              <a:t>CTD</a:t>
             </a:r>
             <a:endParaRPr lang="ko-KR" altLang="en-US" dirty="0"/>
           </a:p>
         </p:txBody>
       </p:sp>
-      <p:sp>
-        <p:nvSpPr>
-          <p:cNvPr id="5" name="TextBox 4">
-            <a:extLst>
-              <a:ext uri="{FF2B5EF4-FFF2-40B4-BE49-F238E27FC236}">
-                <a16:creationId xmlns:a16="http://schemas.microsoft.com/office/drawing/2014/main" id="{97A82AB5-B6A3-7DF3-7F5D-F0EAA673A0E9}"/>
-              </a:ext>
-            </a:extLst>
-          </p:cNvPr>
-          <p:cNvSpPr txBox="1"/>
+      <p:pic>
+        <p:nvPicPr>
+          <p:cNvPr id="5" name="그림 4">
+            <a:extLst>
+              <a:ext uri="{FF2B5EF4-FFF2-40B4-BE49-F238E27FC236}">
+                <a16:creationId xmlns:a16="http://schemas.microsoft.com/office/drawing/2014/main" id="{2B963DB8-0214-D641-7447-AB6F23E2B751}"/>
+              </a:ext>
+            </a:extLst>
+          </p:cNvPr>
+          <p:cNvPicPr>
+            <a:picLocks noChangeAspect="1"/>
+          </p:cNvPicPr>
           <p:nvPr/>
-        </p:nvSpPr>
-        <p:spPr>
-          <a:xfrm>
-            <a:off x="951344" y="1889174"/>
-            <a:ext cx="9938329" cy="3970318"/>
+        </p:nvPicPr>
+        <p:blipFill>
+          <a:blip r:embed="rId2"/>
+          <a:stretch>
+            <a:fillRect/>
+          </a:stretch>
+        </p:blipFill>
+        <p:spPr>
+          <a:xfrm>
+            <a:off x="3661954" y="1436985"/>
+            <a:ext cx="6472646" cy="5297189"/>
           </a:xfrm>
           <a:prstGeom prst="rect">
             <a:avLst/>
           </a:prstGeom>
-          <a:noFill/>
-        </p:spPr>
-        <p:txBody>
-          <a:bodyPr wrap="square">
-            <a:spAutoFit/>
-          </a:bodyPr>
-          <a:lstStyle/>
-          <a:p>
-            <a:r>
-              <a:rPr lang="en-US" altLang="ko-KR" sz="1400" dirty="0">
-                <a:solidFill>
-                  <a:srgbClr val="0000FF"/>
-                </a:solidFill>
-                <a:latin typeface="Cascadia Mono" panose="020B0609020000020004" pitchFamily="49" charset="0"/>
-              </a:rPr>
-              <a:t>type</a:t>
-            </a:r>
-            <a:r>
-              <a:rPr lang="en-US" altLang="ko-KR" sz="1400" dirty="0">
-                <a:solidFill>
-                  <a:srgbClr val="000000"/>
-                </a:solidFill>
-                <a:latin typeface="Cascadia Mono" panose="020B0609020000020004" pitchFamily="49" charset="0"/>
-              </a:rPr>
-              <a:t> Statement =</a:t>
-            </a:r>
-          </a:p>
-          <a:p>
-            <a:r>
-              <a:rPr lang="en-US" altLang="ko-KR" sz="1400" dirty="0">
-                <a:solidFill>
-                  <a:srgbClr val="000000"/>
-                </a:solidFill>
-                <a:latin typeface="Cascadia Mono" panose="020B0609020000020004" pitchFamily="49" charset="0"/>
-              </a:rPr>
-              <a:t>        | DuAssign </a:t>
-            </a:r>
-            <a:r>
-              <a:rPr lang="en-US" altLang="ko-KR" sz="1400" dirty="0">
-                <a:solidFill>
-                  <a:srgbClr val="0000FF"/>
-                </a:solidFill>
-                <a:latin typeface="Cascadia Mono" panose="020B0609020000020004" pitchFamily="49" charset="0"/>
-              </a:rPr>
-              <a:t>of</a:t>
-            </a:r>
-            <a:r>
-              <a:rPr lang="en-US" altLang="ko-KR" sz="1400" dirty="0">
-                <a:solidFill>
-                  <a:srgbClr val="000000"/>
-                </a:solidFill>
-                <a:latin typeface="Cascadia Mono" panose="020B0609020000020004" pitchFamily="49" charset="0"/>
-              </a:rPr>
-              <a:t> expression:IExpression * target:IStorage</a:t>
-            </a:r>
-          </a:p>
-          <a:p>
-            <a:r>
-              <a:rPr lang="en-US" altLang="ko-KR" sz="1400" dirty="0">
-                <a:solidFill>
-                  <a:srgbClr val="000000"/>
-                </a:solidFill>
-                <a:latin typeface="Cascadia Mono" panose="020B0609020000020004" pitchFamily="49" charset="0"/>
-              </a:rPr>
-              <a:t>        | DuVarDecl </a:t>
-            </a:r>
-            <a:r>
-              <a:rPr lang="en-US" altLang="ko-KR" sz="1400" dirty="0">
-                <a:solidFill>
-                  <a:srgbClr val="0000FF"/>
-                </a:solidFill>
-                <a:latin typeface="Cascadia Mono" panose="020B0609020000020004" pitchFamily="49" charset="0"/>
-              </a:rPr>
-              <a:t>of</a:t>
-            </a:r>
-            <a:r>
-              <a:rPr lang="en-US" altLang="ko-KR" sz="1400" dirty="0">
-                <a:solidFill>
-                  <a:srgbClr val="000000"/>
-                </a:solidFill>
-                <a:latin typeface="Cascadia Mono" panose="020B0609020000020004" pitchFamily="49" charset="0"/>
-              </a:rPr>
-              <a:t> expression:IExpression * variable:IStorage</a:t>
-            </a:r>
-          </a:p>
-          <a:p>
-            <a:r>
-              <a:rPr lang="en-US" altLang="ko-KR" sz="1400" dirty="0">
-                <a:solidFill>
-                  <a:srgbClr val="000000"/>
-                </a:solidFill>
-                <a:latin typeface="Cascadia Mono" panose="020B0609020000020004" pitchFamily="49" charset="0"/>
-              </a:rPr>
-              <a:t>        | DuTimer </a:t>
-            </a:r>
-            <a:r>
-              <a:rPr lang="en-US" altLang="ko-KR" sz="1400" dirty="0">
-                <a:solidFill>
-                  <a:srgbClr val="0000FF"/>
-                </a:solidFill>
-                <a:latin typeface="Cascadia Mono" panose="020B0609020000020004" pitchFamily="49" charset="0"/>
-              </a:rPr>
-              <a:t>of</a:t>
-            </a:r>
-            <a:r>
-              <a:rPr lang="en-US" altLang="ko-KR" sz="1400" dirty="0">
-                <a:solidFill>
-                  <a:srgbClr val="000000"/>
-                </a:solidFill>
-                <a:latin typeface="Cascadia Mono" panose="020B0609020000020004" pitchFamily="49" charset="0"/>
-              </a:rPr>
-              <a:t> TimerStatement</a:t>
-            </a:r>
-          </a:p>
-          <a:p>
-            <a:r>
-              <a:rPr lang="en-US" altLang="ko-KR" sz="1400" dirty="0">
-                <a:solidFill>
-                  <a:srgbClr val="000000"/>
-                </a:solidFill>
-                <a:latin typeface="Cascadia Mono" panose="020B0609020000020004" pitchFamily="49" charset="0"/>
-              </a:rPr>
-              <a:t>        | DuCounter </a:t>
-            </a:r>
-            <a:r>
-              <a:rPr lang="en-US" altLang="ko-KR" sz="1400" dirty="0">
-                <a:solidFill>
-                  <a:srgbClr val="0000FF"/>
-                </a:solidFill>
-                <a:latin typeface="Cascadia Mono" panose="020B0609020000020004" pitchFamily="49" charset="0"/>
-              </a:rPr>
-              <a:t>of</a:t>
-            </a:r>
-            <a:r>
-              <a:rPr lang="en-US" altLang="ko-KR" sz="1400" dirty="0">
-                <a:solidFill>
-                  <a:srgbClr val="000000"/>
-                </a:solidFill>
-                <a:latin typeface="Cascadia Mono" panose="020B0609020000020004" pitchFamily="49" charset="0"/>
-              </a:rPr>
-              <a:t> CounterStatement</a:t>
-            </a:r>
-          </a:p>
-          <a:p>
-            <a:endParaRPr lang="en-US" altLang="ko-KR" sz="1400" dirty="0">
-              <a:solidFill>
-                <a:srgbClr val="000000"/>
-              </a:solidFill>
-              <a:latin typeface="Cascadia Mono" panose="020B0609020000020004" pitchFamily="49" charset="0"/>
-            </a:endParaRPr>
-          </a:p>
-          <a:p>
-            <a:r>
-              <a:rPr lang="en-US" altLang="ko-KR" sz="1400" dirty="0">
-                <a:solidFill>
-                  <a:srgbClr val="0000FF"/>
-                </a:solidFill>
-                <a:latin typeface="Cascadia Mono" panose="020B0609020000020004" pitchFamily="49" charset="0"/>
-              </a:rPr>
-              <a:t>type</a:t>
-            </a:r>
-            <a:r>
-              <a:rPr lang="en-US" altLang="ko-KR" sz="1400" dirty="0">
-                <a:solidFill>
-                  <a:srgbClr val="000000"/>
-                </a:solidFill>
-                <a:latin typeface="Cascadia Mono" panose="020B0609020000020004" pitchFamily="49" charset="0"/>
-              </a:rPr>
-              <a:t> TimerStatement = {</a:t>
-            </a:r>
-          </a:p>
-          <a:p>
-            <a:r>
-              <a:rPr lang="en-US" altLang="ko-KR" sz="1400" dirty="0">
-                <a:solidFill>
-                  <a:srgbClr val="000000"/>
-                </a:solidFill>
-                <a:latin typeface="Cascadia Mono" panose="020B0609020000020004" pitchFamily="49" charset="0"/>
-              </a:rPr>
-              <a:t>    Timer:</a:t>
-            </a:r>
-            <a:r>
-              <a:rPr lang="en-US" altLang="ko-KR" sz="1400" dirty="0">
-                <a:solidFill>
-                  <a:srgbClr val="FF0000"/>
-                </a:solidFill>
-                <a:latin typeface="Cascadia Mono" panose="020B0609020000020004" pitchFamily="49" charset="0"/>
-              </a:rPr>
-              <a:t>Timer</a:t>
-            </a:r>
-          </a:p>
-          <a:p>
-            <a:r>
-              <a:rPr lang="en-US" altLang="ko-KR" sz="1400" dirty="0">
-                <a:solidFill>
-                  <a:srgbClr val="000000"/>
-                </a:solidFill>
-                <a:latin typeface="Cascadia Mono" panose="020B0609020000020004" pitchFamily="49" charset="0"/>
-              </a:rPr>
-              <a:t>    RungInCondition: IExpression&lt;bool&gt; option</a:t>
-            </a:r>
-          </a:p>
-          <a:p>
-            <a:r>
-              <a:rPr lang="en-US" altLang="ko-KR" sz="1400" dirty="0">
-                <a:solidFill>
-                  <a:srgbClr val="000000"/>
-                </a:solidFill>
-                <a:latin typeface="Cascadia Mono" panose="020B0609020000020004" pitchFamily="49" charset="0"/>
-              </a:rPr>
-              <a:t>    ResetCondition:  IExpression&lt;bool&gt; option</a:t>
-            </a:r>
-          </a:p>
-          <a:p>
-            <a:r>
-              <a:rPr lang="en-US" altLang="ko-KR" sz="1400" dirty="0">
-                <a:solidFill>
-                  <a:srgbClr val="000000"/>
-                </a:solidFill>
-                <a:latin typeface="Cascadia Mono" panose="020B0609020000020004" pitchFamily="49" charset="0"/>
-              </a:rPr>
-              <a:t>}</a:t>
-            </a:r>
-          </a:p>
-          <a:p>
-            <a:endParaRPr lang="ko-KR" altLang="en-US" sz="1400" dirty="0">
-              <a:solidFill>
-                <a:srgbClr val="000000"/>
-              </a:solidFill>
-              <a:latin typeface="Cascadia Mono" panose="020B0609020000020004" pitchFamily="49" charset="0"/>
-            </a:endParaRPr>
-          </a:p>
-          <a:p>
-            <a:r>
-              <a:rPr lang="en-US" altLang="ko-KR" sz="1400" dirty="0">
-                <a:solidFill>
-                  <a:srgbClr val="0000FF"/>
-                </a:solidFill>
-                <a:latin typeface="Cascadia Mono" panose="020B0609020000020004" pitchFamily="49" charset="0"/>
-              </a:rPr>
-              <a:t>type</a:t>
-            </a:r>
-            <a:r>
-              <a:rPr lang="en-US" altLang="ko-KR" sz="1400" dirty="0">
-                <a:solidFill>
-                  <a:srgbClr val="000000"/>
-                </a:solidFill>
-                <a:latin typeface="Cascadia Mono" panose="020B0609020000020004" pitchFamily="49" charset="0"/>
-              </a:rPr>
-              <a:t> CounterStatement = {</a:t>
-            </a:r>
-          </a:p>
-          <a:p>
-            <a:r>
-              <a:rPr lang="en-US" altLang="ko-KR" sz="1400" dirty="0">
-                <a:solidFill>
-                  <a:srgbClr val="000000"/>
-                </a:solidFill>
-                <a:latin typeface="Cascadia Mono" panose="020B0609020000020004" pitchFamily="49" charset="0"/>
-              </a:rPr>
-              <a:t>    Counter:Counter</a:t>
-            </a:r>
-          </a:p>
-          <a:p>
-            <a:r>
-              <a:rPr lang="en-US" altLang="ko-KR" sz="1400" dirty="0">
-                <a:solidFill>
-                  <a:srgbClr val="000000"/>
-                </a:solidFill>
-                <a:latin typeface="Cascadia Mono" panose="020B0609020000020004" pitchFamily="49" charset="0"/>
-              </a:rPr>
-              <a:t>    UpCondition: IExpression&lt;bool&gt; option</a:t>
-            </a:r>
-          </a:p>
-          <a:p>
-            <a:r>
-              <a:rPr lang="en-US" altLang="ko-KR" sz="1400" dirty="0">
-                <a:solidFill>
-                  <a:srgbClr val="000000"/>
-                </a:solidFill>
-                <a:latin typeface="Cascadia Mono" panose="020B0609020000020004" pitchFamily="49" charset="0"/>
-              </a:rPr>
-              <a:t>    DownCondition: IExpression&lt;bool&gt; option</a:t>
-            </a:r>
-          </a:p>
-          <a:p>
-            <a:r>
-              <a:rPr lang="en-US" altLang="ko-KR" sz="1400" dirty="0">
-                <a:solidFill>
-                  <a:srgbClr val="000000"/>
-                </a:solidFill>
-                <a:latin typeface="Cascadia Mono" panose="020B0609020000020004" pitchFamily="49" charset="0"/>
-              </a:rPr>
-              <a:t>    ResetCondition:  IExpression&lt;bool&gt; option</a:t>
-            </a:r>
-          </a:p>
-          <a:p>
-            <a:r>
-              <a:rPr lang="en-US" altLang="ko-KR" sz="1400" dirty="0">
-                <a:solidFill>
-                  <a:srgbClr val="000000"/>
-                </a:solidFill>
-                <a:latin typeface="Cascadia Mono" panose="020B0609020000020004" pitchFamily="49" charset="0"/>
-              </a:rPr>
-              <a:t>}</a:t>
-            </a:r>
-          </a:p>
-        </p:txBody>
-      </p:sp>
+        </p:spPr>
+      </p:pic>
     </p:spTree>
     <p:extLst>
       <p:ext uri="{BB962C8B-B14F-4D97-AF65-F5344CB8AC3E}">
-        <p14:creationId xmlns:p14="http://schemas.microsoft.com/office/powerpoint/2010/main" val="3044527727"/>
+        <p14:creationId xmlns:p14="http://schemas.microsoft.com/office/powerpoint/2010/main" val="325531119"/>
       </p:ext>
     </p:extLst>
   </p:cSld>
@@ -5864,7 +4719,7 @@
           <p:cNvPr id="2" name="제목 1">
             <a:extLst>
               <a:ext uri="{FF2B5EF4-FFF2-40B4-BE49-F238E27FC236}">
-                <a16:creationId xmlns:a16="http://schemas.microsoft.com/office/drawing/2014/main" id="{5EB18DC9-FC2F-0591-7F29-6E1E653363F3}"/>
+                <a16:creationId xmlns:a16="http://schemas.microsoft.com/office/drawing/2014/main" id="{0D8B5E7A-DC4F-3BDC-EAF1-5843624CF4F2}"/>
               </a:ext>
             </a:extLst>
           </p:cNvPr>
@@ -5875,567 +4730,60 @@
             <p:ph type="title"/>
           </p:nvPr>
         </p:nvSpPr>
-        <p:spPr/>
-        <p:txBody>
-          <a:bodyPr/>
+        <p:spPr>
+          <a:xfrm>
+            <a:off x="313888" y="268652"/>
+            <a:ext cx="2524562" cy="561858"/>
+          </a:xfrm>
+        </p:spPr>
+        <p:txBody>
+          <a:bodyPr>
+            <a:normAutofit fontScale="90000"/>
+          </a:bodyPr>
           <a:lstStyle/>
           <a:p>
             <a:r>
               <a:rPr lang="en-US" altLang="ko-KR" dirty="0"/>
-              <a:t>Classes : Timer statements</a:t>
+              <a:t>CTUD (AB)</a:t>
             </a:r>
             <a:endParaRPr lang="ko-KR" altLang="en-US" dirty="0"/>
           </a:p>
         </p:txBody>
       </p:sp>
-      <p:sp>
-        <p:nvSpPr>
-          <p:cNvPr id="5" name="TextBox 4">
-            <a:extLst>
-              <a:ext uri="{FF2B5EF4-FFF2-40B4-BE49-F238E27FC236}">
-                <a16:creationId xmlns:a16="http://schemas.microsoft.com/office/drawing/2014/main" id="{8E9067D1-0ED2-925C-8C37-9111D6743EA1}"/>
-              </a:ext>
-            </a:extLst>
-          </p:cNvPr>
-          <p:cNvSpPr txBox="1"/>
+      <p:pic>
+        <p:nvPicPr>
+          <p:cNvPr id="4" name="그림 3">
+            <a:extLst>
+              <a:ext uri="{FF2B5EF4-FFF2-40B4-BE49-F238E27FC236}">
+                <a16:creationId xmlns:a16="http://schemas.microsoft.com/office/drawing/2014/main" id="{D81EAE34-FED0-6143-5AEC-57C52953CB2E}"/>
+              </a:ext>
+            </a:extLst>
+          </p:cNvPr>
+          <p:cNvPicPr>
+            <a:picLocks noChangeAspect="1"/>
+          </p:cNvPicPr>
           <p:nvPr/>
-        </p:nvSpPr>
-        <p:spPr>
-          <a:xfrm>
-            <a:off x="838200" y="1880581"/>
-            <a:ext cx="10594109" cy="4524315"/>
+        </p:nvPicPr>
+        <p:blipFill>
+          <a:blip r:embed="rId2"/>
+          <a:stretch>
+            <a:fillRect/>
+          </a:stretch>
+        </p:blipFill>
+        <p:spPr>
+          <a:xfrm>
+            <a:off x="3748967" y="104775"/>
+            <a:ext cx="5875166" cy="6858000"/>
           </a:xfrm>
           <a:prstGeom prst="rect">
             <a:avLst/>
           </a:prstGeom>
-          <a:noFill/>
-        </p:spPr>
-        <p:txBody>
-          <a:bodyPr wrap="square">
-            <a:spAutoFit/>
-          </a:bodyPr>
-          <a:lstStyle/>
-          <a:p>
-            <a:r>
-              <a:rPr lang="en-US" altLang="ko-KR" sz="1800" dirty="0">
-                <a:solidFill>
-                  <a:srgbClr val="0000FF"/>
-                </a:solidFill>
-                <a:latin typeface="Cascadia Mono" panose="020B0609020000020004" pitchFamily="49" charset="0"/>
-              </a:rPr>
-              <a:t>type</a:t>
-            </a:r>
-            <a:r>
-              <a:rPr lang="en-US" altLang="ko-KR" sz="1800" dirty="0">
-                <a:solidFill>
-                  <a:srgbClr val="000000"/>
-                </a:solidFill>
-                <a:latin typeface="Cascadia Mono" panose="020B0609020000020004" pitchFamily="49" charset="0"/>
-              </a:rPr>
-              <a:t> Timer </a:t>
-            </a:r>
-            <a:r>
-              <a:rPr lang="en-US" altLang="ko-KR" sz="1800" dirty="0">
-                <a:solidFill>
-                  <a:srgbClr val="0000FF"/>
-                </a:solidFill>
-                <a:latin typeface="Cascadia Mono" panose="020B0609020000020004" pitchFamily="49" charset="0"/>
-              </a:rPr>
-              <a:t>internal</a:t>
-            </a:r>
-            <a:r>
-              <a:rPr lang="en-US" altLang="ko-KR" sz="1800" dirty="0">
-                <a:solidFill>
-                  <a:srgbClr val="000000"/>
-                </a:solidFill>
-                <a:latin typeface="Cascadia Mono" panose="020B0609020000020004" pitchFamily="49" charset="0"/>
-              </a:rPr>
-              <a:t>(typ:TimerType, timerStruct:TimerStruct) =</a:t>
-            </a:r>
-          </a:p>
-          <a:p>
-            <a:endParaRPr lang="ko-KR" altLang="en-US" sz="1800" dirty="0">
-              <a:solidFill>
-                <a:srgbClr val="000000"/>
-              </a:solidFill>
-              <a:latin typeface="Cascadia Mono" panose="020B0609020000020004" pitchFamily="49" charset="0"/>
-            </a:endParaRPr>
-          </a:p>
-          <a:p>
-            <a:r>
-              <a:rPr lang="en-US" altLang="ko-KR" sz="1800" dirty="0">
-                <a:solidFill>
-                  <a:srgbClr val="000000"/>
-                </a:solidFill>
-                <a:latin typeface="Cascadia Mono" panose="020B0609020000020004" pitchFamily="49" charset="0"/>
-              </a:rPr>
-              <a:t>    </a:t>
-            </a:r>
-            <a:r>
-              <a:rPr lang="en-US" altLang="ko-KR" sz="1800" dirty="0">
-                <a:solidFill>
-                  <a:srgbClr val="0000FF"/>
-                </a:solidFill>
-                <a:latin typeface="Cascadia Mono" panose="020B0609020000020004" pitchFamily="49" charset="0"/>
-              </a:rPr>
-              <a:t>let</a:t>
-            </a:r>
-            <a:r>
-              <a:rPr lang="en-US" altLang="ko-KR" sz="1800" dirty="0">
-                <a:solidFill>
-                  <a:srgbClr val="000000"/>
-                </a:solidFill>
-                <a:latin typeface="Cascadia Mono" panose="020B0609020000020004" pitchFamily="49" charset="0"/>
-              </a:rPr>
-              <a:t> accumulator = </a:t>
-            </a:r>
-            <a:r>
-              <a:rPr lang="en-US" altLang="ko-KR" sz="1800" dirty="0">
-                <a:solidFill>
-                  <a:srgbClr val="0000FF"/>
-                </a:solidFill>
-                <a:latin typeface="Cascadia Mono" panose="020B0609020000020004" pitchFamily="49" charset="0"/>
-              </a:rPr>
-              <a:t>new</a:t>
-            </a:r>
-            <a:r>
-              <a:rPr lang="en-US" altLang="ko-KR" sz="1800" dirty="0">
-                <a:solidFill>
-                  <a:srgbClr val="000000"/>
-                </a:solidFill>
-                <a:latin typeface="Cascadia Mono" panose="020B0609020000020004" pitchFamily="49" charset="0"/>
-              </a:rPr>
-              <a:t> TickAccumulator(typ, timerStruct)</a:t>
-            </a:r>
-          </a:p>
-          <a:p>
-            <a:endParaRPr lang="ko-KR" altLang="en-US" sz="1800" dirty="0">
-              <a:solidFill>
-                <a:srgbClr val="000000"/>
-              </a:solidFill>
-              <a:latin typeface="Cascadia Mono" panose="020B0609020000020004" pitchFamily="49" charset="0"/>
-            </a:endParaRPr>
-          </a:p>
-          <a:p>
-            <a:r>
-              <a:rPr lang="en-US" altLang="ko-KR" sz="1800" dirty="0">
-                <a:solidFill>
-                  <a:srgbClr val="000000"/>
-                </a:solidFill>
-                <a:latin typeface="Cascadia Mono" panose="020B0609020000020004" pitchFamily="49" charset="0"/>
-              </a:rPr>
-              <a:t>    </a:t>
-            </a:r>
-            <a:r>
-              <a:rPr lang="en-US" altLang="ko-KR" sz="1800" dirty="0">
-                <a:solidFill>
-                  <a:srgbClr val="0000FF"/>
-                </a:solidFill>
-                <a:latin typeface="Cascadia Mono" panose="020B0609020000020004" pitchFamily="49" charset="0"/>
-              </a:rPr>
-              <a:t>member</a:t>
-            </a:r>
-            <a:r>
-              <a:rPr lang="en-US" altLang="ko-KR" sz="1800" dirty="0">
-                <a:solidFill>
-                  <a:srgbClr val="000000"/>
-                </a:solidFill>
-                <a:latin typeface="Cascadia Mono" panose="020B0609020000020004" pitchFamily="49" charset="0"/>
-              </a:rPr>
-              <a:t> _.Type = typ</a:t>
-            </a:r>
-          </a:p>
-          <a:p>
-            <a:r>
-              <a:rPr lang="en-US" altLang="ko-KR" sz="1800" dirty="0">
-                <a:solidFill>
-                  <a:srgbClr val="000000"/>
-                </a:solidFill>
-                <a:latin typeface="Cascadia Mono" panose="020B0609020000020004" pitchFamily="49" charset="0"/>
-              </a:rPr>
-              <a:t>    </a:t>
-            </a:r>
-            <a:r>
-              <a:rPr lang="en-US" altLang="ko-KR" sz="1800" dirty="0">
-                <a:solidFill>
-                  <a:srgbClr val="0000FF"/>
-                </a:solidFill>
-                <a:latin typeface="Cascadia Mono" panose="020B0609020000020004" pitchFamily="49" charset="0"/>
-              </a:rPr>
-              <a:t>member</a:t>
-            </a:r>
-            <a:r>
-              <a:rPr lang="en-US" altLang="ko-KR" sz="1800" dirty="0">
-                <a:solidFill>
-                  <a:srgbClr val="000000"/>
-                </a:solidFill>
-                <a:latin typeface="Cascadia Mono" panose="020B0609020000020004" pitchFamily="49" charset="0"/>
-              </a:rPr>
-              <a:t> _.Name = timerStruct.Name</a:t>
-            </a:r>
-          </a:p>
-          <a:p>
-            <a:r>
-              <a:rPr lang="en-US" altLang="ko-KR" sz="1800" dirty="0">
-                <a:solidFill>
-                  <a:srgbClr val="000000"/>
-                </a:solidFill>
-                <a:latin typeface="Cascadia Mono" panose="020B0609020000020004" pitchFamily="49" charset="0"/>
-              </a:rPr>
-              <a:t>    </a:t>
-            </a:r>
-            <a:r>
-              <a:rPr lang="en-US" altLang="ko-KR" sz="1800" dirty="0">
-                <a:solidFill>
-                  <a:srgbClr val="0000FF"/>
-                </a:solidFill>
-                <a:latin typeface="Cascadia Mono" panose="020B0609020000020004" pitchFamily="49" charset="0"/>
-              </a:rPr>
-              <a:t>member</a:t>
-            </a:r>
-            <a:r>
-              <a:rPr lang="en-US" altLang="ko-KR" sz="1800" dirty="0">
-                <a:solidFill>
-                  <a:srgbClr val="000000"/>
-                </a:solidFill>
-                <a:latin typeface="Cascadia Mono" panose="020B0609020000020004" pitchFamily="49" charset="0"/>
-              </a:rPr>
-              <a:t> _.EN = timerStruct.EN</a:t>
-            </a:r>
-          </a:p>
-          <a:p>
-            <a:r>
-              <a:rPr lang="en-US" altLang="ko-KR" sz="1800" dirty="0">
-                <a:solidFill>
-                  <a:srgbClr val="000000"/>
-                </a:solidFill>
-                <a:latin typeface="Cascadia Mono" panose="020B0609020000020004" pitchFamily="49" charset="0"/>
-              </a:rPr>
-              <a:t>    </a:t>
-            </a:r>
-            <a:r>
-              <a:rPr lang="en-US" altLang="ko-KR" sz="1800" dirty="0">
-                <a:solidFill>
-                  <a:srgbClr val="0000FF"/>
-                </a:solidFill>
-                <a:latin typeface="Cascadia Mono" panose="020B0609020000020004" pitchFamily="49" charset="0"/>
-              </a:rPr>
-              <a:t>member</a:t>
-            </a:r>
-            <a:r>
-              <a:rPr lang="en-US" altLang="ko-KR" sz="1800" dirty="0">
-                <a:solidFill>
-                  <a:srgbClr val="000000"/>
-                </a:solidFill>
-                <a:latin typeface="Cascadia Mono" panose="020B0609020000020004" pitchFamily="49" charset="0"/>
-              </a:rPr>
-              <a:t> _.TT = timerStruct.TT</a:t>
-            </a:r>
-          </a:p>
-          <a:p>
-            <a:r>
-              <a:rPr lang="en-US" altLang="ko-KR" sz="1800" dirty="0">
-                <a:solidFill>
-                  <a:srgbClr val="000000"/>
-                </a:solidFill>
-                <a:latin typeface="Cascadia Mono" panose="020B0609020000020004" pitchFamily="49" charset="0"/>
-              </a:rPr>
-              <a:t>    </a:t>
-            </a:r>
-            <a:r>
-              <a:rPr lang="en-US" altLang="ko-KR" sz="1800" dirty="0">
-                <a:solidFill>
-                  <a:srgbClr val="0000FF"/>
-                </a:solidFill>
-                <a:latin typeface="Cascadia Mono" panose="020B0609020000020004" pitchFamily="49" charset="0"/>
-              </a:rPr>
-              <a:t>member</a:t>
-            </a:r>
-            <a:r>
-              <a:rPr lang="en-US" altLang="ko-KR" sz="1800" dirty="0">
-                <a:solidFill>
-                  <a:srgbClr val="000000"/>
-                </a:solidFill>
-                <a:latin typeface="Cascadia Mono" panose="020B0609020000020004" pitchFamily="49" charset="0"/>
-              </a:rPr>
-              <a:t> _.DN = timerStruct.DN</a:t>
-            </a:r>
-          </a:p>
-          <a:p>
-            <a:r>
-              <a:rPr lang="en-US" altLang="ko-KR" sz="1800" dirty="0">
-                <a:solidFill>
-                  <a:srgbClr val="000000"/>
-                </a:solidFill>
-                <a:latin typeface="Cascadia Mono" panose="020B0609020000020004" pitchFamily="49" charset="0"/>
-              </a:rPr>
-              <a:t>    </a:t>
-            </a:r>
-            <a:r>
-              <a:rPr lang="en-US" altLang="ko-KR" sz="1800" dirty="0">
-                <a:solidFill>
-                  <a:srgbClr val="0000FF"/>
-                </a:solidFill>
-                <a:latin typeface="Cascadia Mono" panose="020B0609020000020004" pitchFamily="49" charset="0"/>
-              </a:rPr>
-              <a:t>member</a:t>
-            </a:r>
-            <a:r>
-              <a:rPr lang="en-US" altLang="ko-KR" sz="1800" dirty="0">
-                <a:solidFill>
-                  <a:srgbClr val="000000"/>
-                </a:solidFill>
-                <a:latin typeface="Cascadia Mono" panose="020B0609020000020004" pitchFamily="49" charset="0"/>
-              </a:rPr>
-              <a:t> _.PRE = timerStruct.PRE</a:t>
-            </a:r>
-          </a:p>
-          <a:p>
-            <a:r>
-              <a:rPr lang="en-US" altLang="ko-KR" sz="1800" dirty="0">
-                <a:solidFill>
-                  <a:srgbClr val="000000"/>
-                </a:solidFill>
-                <a:latin typeface="Cascadia Mono" panose="020B0609020000020004" pitchFamily="49" charset="0"/>
-              </a:rPr>
-              <a:t>    </a:t>
-            </a:r>
-            <a:r>
-              <a:rPr lang="en-US" altLang="ko-KR" sz="1800" dirty="0">
-                <a:solidFill>
-                  <a:srgbClr val="0000FF"/>
-                </a:solidFill>
-                <a:latin typeface="Cascadia Mono" panose="020B0609020000020004" pitchFamily="49" charset="0"/>
-              </a:rPr>
-              <a:t>member</a:t>
-            </a:r>
-            <a:r>
-              <a:rPr lang="en-US" altLang="ko-KR" sz="1800" dirty="0">
-                <a:solidFill>
-                  <a:srgbClr val="000000"/>
-                </a:solidFill>
-                <a:latin typeface="Cascadia Mono" panose="020B0609020000020004" pitchFamily="49" charset="0"/>
-              </a:rPr>
-              <a:t> _.ACC = timerStruct.ACC</a:t>
-            </a:r>
-          </a:p>
-          <a:p>
-            <a:r>
-              <a:rPr lang="en-US" altLang="ko-KR" sz="1800" dirty="0">
-                <a:solidFill>
-                  <a:srgbClr val="000000"/>
-                </a:solidFill>
-                <a:latin typeface="Cascadia Mono" panose="020B0609020000020004" pitchFamily="49" charset="0"/>
-              </a:rPr>
-              <a:t>    </a:t>
-            </a:r>
-            <a:r>
-              <a:rPr lang="en-US" altLang="ko-KR" sz="1800" dirty="0">
-                <a:solidFill>
-                  <a:srgbClr val="0000FF"/>
-                </a:solidFill>
-                <a:latin typeface="Cascadia Mono" panose="020B0609020000020004" pitchFamily="49" charset="0"/>
-              </a:rPr>
-              <a:t>member</a:t>
-            </a:r>
-            <a:r>
-              <a:rPr lang="en-US" altLang="ko-KR" sz="1800" dirty="0">
-                <a:solidFill>
-                  <a:srgbClr val="000000"/>
-                </a:solidFill>
-                <a:latin typeface="Cascadia Mono" panose="020B0609020000020004" pitchFamily="49" charset="0"/>
-              </a:rPr>
-              <a:t> _.RES = timerStruct.RES</a:t>
-            </a:r>
-          </a:p>
-          <a:p>
-            <a:endParaRPr lang="ko-KR" altLang="en-US" sz="1800" dirty="0">
-              <a:solidFill>
-                <a:srgbClr val="000000"/>
-              </a:solidFill>
-              <a:latin typeface="Cascadia Mono" panose="020B0609020000020004" pitchFamily="49" charset="0"/>
-            </a:endParaRPr>
-          </a:p>
-          <a:p>
-            <a:r>
-              <a:rPr lang="en-US" altLang="ko-KR" sz="1800" dirty="0">
-                <a:solidFill>
-                  <a:srgbClr val="000000"/>
-                </a:solidFill>
-                <a:latin typeface="Cascadia Mono" panose="020B0609020000020004" pitchFamily="49" charset="0"/>
-              </a:rPr>
-              <a:t>    </a:t>
-            </a:r>
-            <a:r>
-              <a:rPr lang="en-US" altLang="ko-KR" sz="1800" dirty="0">
-                <a:solidFill>
-                  <a:srgbClr val="0000FF"/>
-                </a:solidFill>
-                <a:latin typeface="Cascadia Mono" panose="020B0609020000020004" pitchFamily="49" charset="0"/>
-              </a:rPr>
-              <a:t>member</a:t>
-            </a:r>
-            <a:r>
-              <a:rPr lang="en-US" altLang="ko-KR" sz="1800" dirty="0">
-                <a:solidFill>
-                  <a:srgbClr val="000000"/>
-                </a:solidFill>
-                <a:latin typeface="Cascadia Mono" panose="020B0609020000020004" pitchFamily="49" charset="0"/>
-              </a:rPr>
-              <a:t> </a:t>
-            </a:r>
-            <a:r>
-              <a:rPr lang="en-US" altLang="ko-KR" sz="1800" dirty="0">
-                <a:solidFill>
-                  <a:srgbClr val="0000FF"/>
-                </a:solidFill>
-                <a:latin typeface="Cascadia Mono" panose="020B0609020000020004" pitchFamily="49" charset="0"/>
-              </a:rPr>
-              <a:t>val</a:t>
-            </a:r>
-            <a:r>
-              <a:rPr lang="en-US" altLang="ko-KR" sz="1800" dirty="0">
-                <a:solidFill>
-                  <a:srgbClr val="000000"/>
-                </a:solidFill>
-                <a:latin typeface="Cascadia Mono" panose="020B0609020000020004" pitchFamily="49" charset="0"/>
-              </a:rPr>
-              <a:t> </a:t>
-            </a:r>
-            <a:r>
-              <a:rPr lang="en-US" altLang="ko-KR" sz="1800" dirty="0">
-                <a:solidFill>
-                  <a:srgbClr val="0070C0"/>
-                </a:solidFill>
-                <a:latin typeface="Cascadia Mono" panose="020B0609020000020004" pitchFamily="49" charset="0"/>
-              </a:rPr>
-              <a:t>InputEvaluateStatements</a:t>
-            </a:r>
-            <a:r>
-              <a:rPr lang="en-US" altLang="ko-KR" sz="1800" dirty="0">
-                <a:solidFill>
-                  <a:srgbClr val="000000"/>
-                </a:solidFill>
-                <a:latin typeface="Cascadia Mono" panose="020B0609020000020004" pitchFamily="49" charset="0"/>
-              </a:rPr>
-              <a:t>:</a:t>
-            </a:r>
-            <a:r>
-              <a:rPr lang="en-US" altLang="ko-KR" sz="1800" dirty="0">
-                <a:solidFill>
-                  <a:srgbClr val="FF0000"/>
-                </a:solidFill>
-                <a:latin typeface="Cascadia Mono" panose="020B0609020000020004" pitchFamily="49" charset="0"/>
-              </a:rPr>
-              <a:t>Statement list </a:t>
-            </a:r>
-            <a:r>
-              <a:rPr lang="en-US" altLang="ko-KR" sz="1800" dirty="0">
-                <a:solidFill>
-                  <a:srgbClr val="000000"/>
-                </a:solidFill>
-                <a:latin typeface="Cascadia Mono" panose="020B0609020000020004" pitchFamily="49" charset="0"/>
-              </a:rPr>
-              <a:t>= [] </a:t>
-            </a:r>
-            <a:r>
-              <a:rPr lang="en-US" altLang="ko-KR" sz="1800" dirty="0">
-                <a:solidFill>
-                  <a:srgbClr val="0000FF"/>
-                </a:solidFill>
-                <a:latin typeface="Cascadia Mono" panose="020B0609020000020004" pitchFamily="49" charset="0"/>
-              </a:rPr>
-              <a:t>with</a:t>
-            </a:r>
-            <a:r>
-              <a:rPr lang="en-US" altLang="ko-KR" sz="1800" dirty="0">
-                <a:solidFill>
-                  <a:srgbClr val="000000"/>
-                </a:solidFill>
-                <a:latin typeface="Cascadia Mono" panose="020B0609020000020004" pitchFamily="49" charset="0"/>
-              </a:rPr>
-              <a:t> get, set</a:t>
-            </a:r>
-          </a:p>
-          <a:p>
-            <a:r>
-              <a:rPr lang="en-US" altLang="ko-KR" sz="1800" dirty="0">
-                <a:solidFill>
-                  <a:srgbClr val="000000"/>
-                </a:solidFill>
-                <a:latin typeface="Cascadia Mono" panose="020B0609020000020004" pitchFamily="49" charset="0"/>
-              </a:rPr>
-              <a:t>    </a:t>
-            </a:r>
-            <a:r>
-              <a:rPr lang="en-US" altLang="ko-KR" sz="1800" dirty="0">
-                <a:solidFill>
-                  <a:srgbClr val="0000FF"/>
-                </a:solidFill>
-                <a:latin typeface="Cascadia Mono" panose="020B0609020000020004" pitchFamily="49" charset="0"/>
-              </a:rPr>
-              <a:t>interface</a:t>
-            </a:r>
-            <a:r>
-              <a:rPr lang="en-US" altLang="ko-KR" sz="1800" dirty="0">
-                <a:solidFill>
-                  <a:srgbClr val="000000"/>
-                </a:solidFill>
-                <a:latin typeface="Cascadia Mono" panose="020B0609020000020004" pitchFamily="49" charset="0"/>
-              </a:rPr>
-              <a:t> IDisposable </a:t>
-            </a:r>
-            <a:r>
-              <a:rPr lang="en-US" altLang="ko-KR" sz="1800" dirty="0">
-                <a:solidFill>
-                  <a:srgbClr val="0000FF"/>
-                </a:solidFill>
-                <a:latin typeface="Cascadia Mono" panose="020B0609020000020004" pitchFamily="49" charset="0"/>
-              </a:rPr>
-              <a:t>with</a:t>
-            </a:r>
-            <a:endParaRPr lang="en-US" altLang="ko-KR" sz="1800" dirty="0">
-              <a:solidFill>
-                <a:srgbClr val="000000"/>
-              </a:solidFill>
-              <a:latin typeface="Cascadia Mono" panose="020B0609020000020004" pitchFamily="49" charset="0"/>
-            </a:endParaRPr>
-          </a:p>
-          <a:p>
-            <a:r>
-              <a:rPr lang="en-US" altLang="ko-KR" sz="1800" dirty="0">
-                <a:solidFill>
-                  <a:srgbClr val="000000"/>
-                </a:solidFill>
-                <a:latin typeface="Cascadia Mono" panose="020B0609020000020004" pitchFamily="49" charset="0"/>
-              </a:rPr>
-              <a:t>        </a:t>
-            </a:r>
-            <a:r>
-              <a:rPr lang="en-US" altLang="ko-KR" sz="1800" dirty="0">
-                <a:solidFill>
-                  <a:srgbClr val="0000FF"/>
-                </a:solidFill>
-                <a:latin typeface="Cascadia Mono" panose="020B0609020000020004" pitchFamily="49" charset="0"/>
-              </a:rPr>
-              <a:t>member</a:t>
-            </a:r>
-            <a:r>
-              <a:rPr lang="en-US" altLang="ko-KR" sz="1800" dirty="0">
-                <a:solidFill>
-                  <a:srgbClr val="000000"/>
-                </a:solidFill>
-                <a:latin typeface="Cascadia Mono" panose="020B0609020000020004" pitchFamily="49" charset="0"/>
-              </a:rPr>
-              <a:t> _.Dispose() = (accumulator :&gt; IDisposable).Dispose()</a:t>
-            </a:r>
-          </a:p>
-        </p:txBody>
-      </p:sp>
+        </p:spPr>
+      </p:pic>
     </p:spTree>
     <p:extLst>
       <p:ext uri="{BB962C8B-B14F-4D97-AF65-F5344CB8AC3E}">
-        <p14:creationId xmlns:p14="http://schemas.microsoft.com/office/powerpoint/2010/main" val="3718364714"/>
+        <p14:creationId xmlns:p14="http://schemas.microsoft.com/office/powerpoint/2010/main" val="3800270338"/>
       </p:ext>
     </p:extLst>
   </p:cSld>
@@ -6467,7 +4815,7 @@
           <p:cNvPr id="2" name="제목 1">
             <a:extLst>
               <a:ext uri="{FF2B5EF4-FFF2-40B4-BE49-F238E27FC236}">
-                <a16:creationId xmlns:a16="http://schemas.microsoft.com/office/drawing/2014/main" id="{25874C6A-7830-36B5-7B9C-4C212CF8C2B2}"/>
+                <a16:creationId xmlns:a16="http://schemas.microsoft.com/office/drawing/2014/main" id="{970ED5B0-B1A6-1FC1-C865-BC2D394F99CC}"/>
               </a:ext>
             </a:extLst>
           </p:cNvPr>
@@ -6478,478 +4826,64 @@
             <p:ph type="title"/>
           </p:nvPr>
         </p:nvSpPr>
-        <p:spPr/>
-        <p:txBody>
-          <a:bodyPr/>
+        <p:spPr>
+          <a:xfrm>
+            <a:off x="838200" y="365126"/>
+            <a:ext cx="2999763" cy="867138"/>
+          </a:xfrm>
+        </p:spPr>
+        <p:txBody>
+          <a:bodyPr>
+            <a:normAutofit/>
+          </a:bodyPr>
           <a:lstStyle/>
           <a:p>
             <a:r>
               <a:rPr lang="ko-KR" altLang="en-US" dirty="0"/>
-              <a:t>생성 </a:t>
+              <a:t>산전 </a:t>
             </a:r>
             <a:r>
               <a:rPr lang="en-US" altLang="ko-KR" dirty="0"/>
-              <a:t>: from code</a:t>
-            </a:r>
-            <a:r>
-              <a:rPr lang="ko-KR" altLang="en-US" dirty="0"/>
-              <a:t> </a:t>
-            </a:r>
-          </a:p>
-        </p:txBody>
-      </p:sp>
-      <p:sp>
-        <p:nvSpPr>
-          <p:cNvPr id="5" name="TextBox 4">
-            <a:extLst>
-              <a:ext uri="{FF2B5EF4-FFF2-40B4-BE49-F238E27FC236}">
-                <a16:creationId xmlns:a16="http://schemas.microsoft.com/office/drawing/2014/main" id="{DE91D43D-7725-F7F0-91A3-DED1DCBD6F35}"/>
-              </a:ext>
-            </a:extLst>
-          </p:cNvPr>
-          <p:cNvSpPr txBox="1"/>
+              <a:t>CTUD</a:t>
+            </a:r>
+            <a:endParaRPr lang="ko-KR" altLang="en-US" dirty="0"/>
+          </a:p>
+        </p:txBody>
+      </p:sp>
+      <p:pic>
+        <p:nvPicPr>
+          <p:cNvPr id="4" name="그림 3">
+            <a:extLst>
+              <a:ext uri="{FF2B5EF4-FFF2-40B4-BE49-F238E27FC236}">
+                <a16:creationId xmlns:a16="http://schemas.microsoft.com/office/drawing/2014/main" id="{3F67B7D4-BE02-61AF-CA0E-DCB052C9CBE2}"/>
+              </a:ext>
+            </a:extLst>
+          </p:cNvPr>
+          <p:cNvPicPr>
+            <a:picLocks noChangeAspect="1"/>
+          </p:cNvPicPr>
           <p:nvPr/>
-        </p:nvSpPr>
-        <p:spPr>
-          <a:xfrm>
-            <a:off x="646545" y="1584650"/>
-            <a:ext cx="10707255" cy="2246769"/>
+        </p:nvPicPr>
+        <p:blipFill>
+          <a:blip r:embed="rId2"/>
+          <a:stretch>
+            <a:fillRect/>
+          </a:stretch>
+        </p:blipFill>
+        <p:spPr>
+          <a:xfrm>
+            <a:off x="3625802" y="1040235"/>
+            <a:ext cx="5833454" cy="5691930"/>
           </a:xfrm>
           <a:prstGeom prst="rect">
             <a:avLst/>
           </a:prstGeom>
-          <a:noFill/>
-        </p:spPr>
-        <p:txBody>
-          <a:bodyPr wrap="square">
-            <a:spAutoFit/>
-          </a:bodyPr>
-          <a:lstStyle/>
-          <a:p>
-            <a:r>
-              <a:rPr lang="en-US" altLang="ko-KR" sz="1400" dirty="0">
-                <a:solidFill>
-                  <a:srgbClr val="0000FF"/>
-                </a:solidFill>
-                <a:latin typeface="Cascadia Mono" panose="020B0609020000020004" pitchFamily="49" charset="0"/>
-              </a:rPr>
-              <a:t>let</a:t>
-            </a:r>
-            <a:r>
-              <a:rPr lang="en-US" altLang="ko-KR" sz="1400" dirty="0">
-                <a:solidFill>
-                  <a:srgbClr val="000000"/>
-                </a:solidFill>
-                <a:latin typeface="Cascadia Mono" panose="020B0609020000020004" pitchFamily="49" charset="0"/>
-              </a:rPr>
-              <a:t> storages = Storages()</a:t>
-            </a:r>
-          </a:p>
-          <a:p>
-            <a:r>
-              <a:rPr lang="en-US" altLang="ko-KR" sz="1400" dirty="0">
-                <a:solidFill>
-                  <a:srgbClr val="0000FF"/>
-                </a:solidFill>
-                <a:latin typeface="Cascadia Mono" panose="020B0609020000020004" pitchFamily="49" charset="0"/>
-              </a:rPr>
-              <a:t>let</a:t>
-            </a:r>
-            <a:r>
-              <a:rPr lang="en-US" altLang="ko-KR" sz="1400" dirty="0">
-                <a:solidFill>
-                  <a:srgbClr val="000000"/>
-                </a:solidFill>
-                <a:latin typeface="Cascadia Mono" panose="020B0609020000020004" pitchFamily="49" charset="0"/>
-              </a:rPr>
-              <a:t> t1 = </a:t>
-            </a:r>
-            <a:r>
-              <a:rPr lang="en-US" altLang="ko-KR" sz="1400" dirty="0" err="1">
-                <a:solidFill>
-                  <a:srgbClr val="000000"/>
-                </a:solidFill>
-                <a:latin typeface="Cascadia Mono" panose="020B0609020000020004" pitchFamily="49" charset="0"/>
-              </a:rPr>
-              <a:t>PlcTag</a:t>
-            </a:r>
-            <a:r>
-              <a:rPr lang="en-US" altLang="ko-KR" sz="1400" dirty="0">
-                <a:solidFill>
-                  <a:srgbClr val="000000"/>
-                </a:solidFill>
-                <a:latin typeface="Cascadia Mono" panose="020B0609020000020004" pitchFamily="49" charset="0"/>
-              </a:rPr>
-              <a:t>(</a:t>
-            </a:r>
-            <a:r>
-              <a:rPr lang="en-US" altLang="ko-KR" sz="1400" dirty="0">
-                <a:solidFill>
-                  <a:srgbClr val="A31515"/>
-                </a:solidFill>
-                <a:latin typeface="Cascadia Mono" panose="020B0609020000020004" pitchFamily="49" charset="0"/>
-              </a:rPr>
-              <a:t>"</a:t>
-            </a:r>
-            <a:r>
-              <a:rPr lang="en-US" altLang="ko-KR" sz="1400" dirty="0" err="1">
-                <a:solidFill>
-                  <a:srgbClr val="A31515"/>
-                </a:solidFill>
-                <a:latin typeface="Cascadia Mono" panose="020B0609020000020004" pitchFamily="49" charset="0"/>
-              </a:rPr>
-              <a:t>my_timer_control_tag</a:t>
-            </a:r>
-            <a:r>
-              <a:rPr lang="en-US" altLang="ko-KR" sz="1400" dirty="0">
-                <a:solidFill>
-                  <a:srgbClr val="A31515"/>
-                </a:solidFill>
-                <a:latin typeface="Cascadia Mono" panose="020B0609020000020004" pitchFamily="49" charset="0"/>
-              </a:rPr>
-              <a:t>"</a:t>
-            </a:r>
-            <a:r>
-              <a:rPr lang="en-US" altLang="ko-KR" sz="1400" dirty="0">
-                <a:solidFill>
-                  <a:srgbClr val="000000"/>
-                </a:solidFill>
-                <a:latin typeface="Cascadia Mono" panose="020B0609020000020004" pitchFamily="49" charset="0"/>
-              </a:rPr>
-              <a:t>, </a:t>
-            </a:r>
-            <a:r>
-              <a:rPr lang="en-US" altLang="ko-KR" sz="1400" dirty="0">
-                <a:solidFill>
-                  <a:srgbClr val="A31515"/>
-                </a:solidFill>
-                <a:latin typeface="Cascadia Mono" panose="020B0609020000020004" pitchFamily="49" charset="0"/>
-              </a:rPr>
-              <a:t>"%M1.1"</a:t>
-            </a:r>
-            <a:r>
-              <a:rPr lang="en-US" altLang="ko-KR" sz="1400" dirty="0">
-                <a:solidFill>
-                  <a:srgbClr val="000000"/>
-                </a:solidFill>
-                <a:latin typeface="Cascadia Mono" panose="020B0609020000020004" pitchFamily="49" charset="0"/>
-              </a:rPr>
-              <a:t>, </a:t>
-            </a:r>
-            <a:r>
-              <a:rPr lang="en-US" altLang="ko-KR" sz="1400" dirty="0">
-                <a:solidFill>
-                  <a:srgbClr val="0000FF"/>
-                </a:solidFill>
-                <a:latin typeface="Cascadia Mono" panose="020B0609020000020004" pitchFamily="49" charset="0"/>
-              </a:rPr>
-              <a:t>false</a:t>
-            </a:r>
-            <a:r>
-              <a:rPr lang="en-US" altLang="ko-KR" sz="1400" dirty="0">
-                <a:solidFill>
-                  <a:srgbClr val="000000"/>
-                </a:solidFill>
-                <a:latin typeface="Cascadia Mono" panose="020B0609020000020004" pitchFamily="49" charset="0"/>
-              </a:rPr>
-              <a:t>)</a:t>
-            </a:r>
-          </a:p>
-          <a:p>
-            <a:r>
-              <a:rPr lang="en-US" altLang="ko-KR" sz="1400" dirty="0">
-                <a:solidFill>
-                  <a:srgbClr val="0000FF"/>
-                </a:solidFill>
-                <a:latin typeface="Cascadia Mono" panose="020B0609020000020004" pitchFamily="49" charset="0"/>
-              </a:rPr>
-              <a:t>let</a:t>
-            </a:r>
-            <a:r>
-              <a:rPr lang="en-US" altLang="ko-KR" sz="1400" dirty="0">
-                <a:solidFill>
-                  <a:srgbClr val="000000"/>
-                </a:solidFill>
-                <a:latin typeface="Cascadia Mono" panose="020B0609020000020004" pitchFamily="49" charset="0"/>
-              </a:rPr>
-              <a:t> condition = tag2expr t1</a:t>
-            </a:r>
-          </a:p>
-          <a:p>
-            <a:r>
-              <a:rPr lang="en-US" altLang="ko-KR" sz="1400" dirty="0">
-                <a:solidFill>
-                  <a:srgbClr val="0000FF"/>
-                </a:solidFill>
-                <a:latin typeface="Cascadia Mono" panose="020B0609020000020004" pitchFamily="49" charset="0"/>
-              </a:rPr>
-              <a:t>let</a:t>
-            </a:r>
-            <a:r>
-              <a:rPr lang="en-US" altLang="ko-KR" sz="1400" dirty="0">
-                <a:solidFill>
-                  <a:srgbClr val="000000"/>
-                </a:solidFill>
-                <a:latin typeface="Cascadia Mono" panose="020B0609020000020004" pitchFamily="49" charset="0"/>
-              </a:rPr>
-              <a:t> statement = </a:t>
-            </a:r>
-            <a:r>
-              <a:rPr lang="en-US" altLang="ko-KR" sz="1400" dirty="0" err="1">
-                <a:solidFill>
-                  <a:srgbClr val="000000"/>
-                </a:solidFill>
-                <a:latin typeface="Cascadia Mono" panose="020B0609020000020004" pitchFamily="49" charset="0"/>
-              </a:rPr>
-              <a:t>TimerStatement.CreateTON</a:t>
-            </a:r>
-            <a:r>
-              <a:rPr lang="en-US" altLang="ko-KR" sz="1400" dirty="0">
-                <a:solidFill>
-                  <a:srgbClr val="000000"/>
-                </a:solidFill>
-                <a:latin typeface="Cascadia Mono" panose="020B0609020000020004" pitchFamily="49" charset="0"/>
-              </a:rPr>
-              <a:t>(storages, </a:t>
-            </a:r>
-            <a:r>
-              <a:rPr lang="en-US" altLang="ko-KR" sz="1400" dirty="0">
-                <a:solidFill>
-                  <a:srgbClr val="A31515"/>
-                </a:solidFill>
-                <a:latin typeface="Cascadia Mono" panose="020B0609020000020004" pitchFamily="49" charset="0"/>
-              </a:rPr>
-              <a:t>"</a:t>
-            </a:r>
-            <a:r>
-              <a:rPr lang="en-US" altLang="ko-KR" sz="1400" dirty="0" err="1">
-                <a:solidFill>
-                  <a:srgbClr val="A31515"/>
-                </a:solidFill>
-                <a:latin typeface="Cascadia Mono" panose="020B0609020000020004" pitchFamily="49" charset="0"/>
-              </a:rPr>
-              <a:t>myTon</a:t>
-            </a:r>
-            <a:r>
-              <a:rPr lang="en-US" altLang="ko-KR" sz="1400" dirty="0">
-                <a:solidFill>
-                  <a:srgbClr val="A31515"/>
-                </a:solidFill>
-                <a:latin typeface="Cascadia Mono" panose="020B0609020000020004" pitchFamily="49" charset="0"/>
-              </a:rPr>
-              <a:t>"</a:t>
-            </a:r>
-            <a:r>
-              <a:rPr lang="en-US" altLang="ko-KR" sz="1400" dirty="0">
-                <a:solidFill>
-                  <a:srgbClr val="000000"/>
-                </a:solidFill>
-                <a:latin typeface="Cascadia Mono" panose="020B0609020000020004" pitchFamily="49" charset="0"/>
-              </a:rPr>
-              <a:t>, 2000us, condition)	</a:t>
-            </a:r>
-            <a:r>
-              <a:rPr lang="en-US" altLang="ko-KR" sz="1400" dirty="0">
-                <a:solidFill>
-                  <a:srgbClr val="008000"/>
-                </a:solidFill>
-                <a:latin typeface="Cascadia Mono" panose="020B0609020000020004" pitchFamily="49" charset="0"/>
-              </a:rPr>
-              <a:t> // 2000ms = 2sec</a:t>
-            </a:r>
-            <a:endParaRPr lang="en-US" altLang="ko-KR" sz="1400" dirty="0">
-              <a:solidFill>
-                <a:srgbClr val="000000"/>
-              </a:solidFill>
-              <a:latin typeface="Cascadia Mono" panose="020B0609020000020004" pitchFamily="49" charset="0"/>
-            </a:endParaRPr>
-          </a:p>
-          <a:p>
-            <a:r>
-              <a:rPr lang="en-US" altLang="ko-KR" sz="1400" dirty="0">
-                <a:solidFill>
-                  <a:srgbClr val="0000FF"/>
-                </a:solidFill>
-                <a:latin typeface="Cascadia Mono" panose="020B0609020000020004" pitchFamily="49" charset="0"/>
-              </a:rPr>
-              <a:t>let</a:t>
-            </a:r>
-            <a:r>
-              <a:rPr lang="en-US" altLang="ko-KR" sz="1400" dirty="0">
-                <a:solidFill>
-                  <a:srgbClr val="000000"/>
-                </a:solidFill>
-                <a:latin typeface="Cascadia Mono" panose="020B0609020000020004" pitchFamily="49" charset="0"/>
-              </a:rPr>
-              <a:t> timer = statement |&gt; </a:t>
-            </a:r>
-            <a:r>
-              <a:rPr lang="en-US" altLang="ko-KR" sz="1400" dirty="0" err="1">
-                <a:solidFill>
-                  <a:srgbClr val="000000"/>
-                </a:solidFill>
-                <a:latin typeface="Cascadia Mono" panose="020B0609020000020004" pitchFamily="49" charset="0"/>
-              </a:rPr>
-              <a:t>toTimer</a:t>
-            </a:r>
-            <a:endParaRPr lang="en-US" altLang="ko-KR" sz="1400" dirty="0">
-              <a:solidFill>
-                <a:srgbClr val="000000"/>
-              </a:solidFill>
-              <a:latin typeface="Cascadia Mono" panose="020B0609020000020004" pitchFamily="49" charset="0"/>
-            </a:endParaRPr>
-          </a:p>
-          <a:p>
-            <a:r>
-              <a:rPr lang="en-US" altLang="ko-KR" sz="1400" dirty="0" err="1">
-                <a:solidFill>
-                  <a:srgbClr val="000000"/>
-                </a:solidFill>
-                <a:latin typeface="Cascadia Mono" panose="020B0609020000020004" pitchFamily="49" charset="0"/>
-              </a:rPr>
-              <a:t>timer.TT.Value</a:t>
-            </a:r>
-            <a:r>
-              <a:rPr lang="en-US" altLang="ko-KR" sz="1400" dirty="0">
-                <a:solidFill>
-                  <a:srgbClr val="000000"/>
-                </a:solidFill>
-                <a:latin typeface="Cascadia Mono" panose="020B0609020000020004" pitchFamily="49" charset="0"/>
-              </a:rPr>
-              <a:t> === </a:t>
-            </a:r>
-            <a:r>
-              <a:rPr lang="en-US" altLang="ko-KR" sz="1400" dirty="0">
-                <a:solidFill>
-                  <a:srgbClr val="0000FF"/>
-                </a:solidFill>
-                <a:latin typeface="Cascadia Mono" panose="020B0609020000020004" pitchFamily="49" charset="0"/>
-              </a:rPr>
-              <a:t>false</a:t>
-            </a:r>
-            <a:endParaRPr lang="en-US" altLang="ko-KR" sz="1400" dirty="0">
-              <a:solidFill>
-                <a:srgbClr val="000000"/>
-              </a:solidFill>
-              <a:latin typeface="Cascadia Mono" panose="020B0609020000020004" pitchFamily="49" charset="0"/>
-            </a:endParaRPr>
-          </a:p>
-          <a:p>
-            <a:r>
-              <a:rPr lang="en-US" altLang="ko-KR" sz="1400" dirty="0" err="1">
-                <a:solidFill>
-                  <a:srgbClr val="000000"/>
-                </a:solidFill>
-                <a:latin typeface="Cascadia Mono" panose="020B0609020000020004" pitchFamily="49" charset="0"/>
-              </a:rPr>
-              <a:t>timer.EN.Value</a:t>
-            </a:r>
-            <a:r>
-              <a:rPr lang="en-US" altLang="ko-KR" sz="1400" dirty="0">
-                <a:solidFill>
-                  <a:srgbClr val="000000"/>
-                </a:solidFill>
-                <a:latin typeface="Cascadia Mono" panose="020B0609020000020004" pitchFamily="49" charset="0"/>
-              </a:rPr>
-              <a:t> === </a:t>
-            </a:r>
-            <a:r>
-              <a:rPr lang="en-US" altLang="ko-KR" sz="1400" dirty="0">
-                <a:solidFill>
-                  <a:srgbClr val="0000FF"/>
-                </a:solidFill>
-                <a:latin typeface="Cascadia Mono" panose="020B0609020000020004" pitchFamily="49" charset="0"/>
-              </a:rPr>
-              <a:t>false</a:t>
-            </a:r>
-            <a:endParaRPr lang="en-US" altLang="ko-KR" sz="1400" dirty="0">
-              <a:solidFill>
-                <a:srgbClr val="000000"/>
-              </a:solidFill>
-              <a:latin typeface="Cascadia Mono" panose="020B0609020000020004" pitchFamily="49" charset="0"/>
-            </a:endParaRPr>
-          </a:p>
-          <a:p>
-            <a:r>
-              <a:rPr lang="en-US" altLang="ko-KR" sz="1400" dirty="0" err="1">
-                <a:solidFill>
-                  <a:srgbClr val="000000"/>
-                </a:solidFill>
-                <a:latin typeface="Cascadia Mono" panose="020B0609020000020004" pitchFamily="49" charset="0"/>
-              </a:rPr>
-              <a:t>timer.DN.Value</a:t>
-            </a:r>
-            <a:r>
-              <a:rPr lang="en-US" altLang="ko-KR" sz="1400" dirty="0">
-                <a:solidFill>
-                  <a:srgbClr val="000000"/>
-                </a:solidFill>
-                <a:latin typeface="Cascadia Mono" panose="020B0609020000020004" pitchFamily="49" charset="0"/>
-              </a:rPr>
-              <a:t> === </a:t>
-            </a:r>
-            <a:r>
-              <a:rPr lang="en-US" altLang="ko-KR" sz="1400" dirty="0">
-                <a:solidFill>
-                  <a:srgbClr val="0000FF"/>
-                </a:solidFill>
-                <a:latin typeface="Cascadia Mono" panose="020B0609020000020004" pitchFamily="49" charset="0"/>
-              </a:rPr>
-              <a:t>false</a:t>
-            </a:r>
-            <a:endParaRPr lang="en-US" altLang="ko-KR" sz="1400" dirty="0">
-              <a:solidFill>
-                <a:srgbClr val="000000"/>
-              </a:solidFill>
-              <a:latin typeface="Cascadia Mono" panose="020B0609020000020004" pitchFamily="49" charset="0"/>
-            </a:endParaRPr>
-          </a:p>
-          <a:p>
-            <a:r>
-              <a:rPr lang="en-US" altLang="ko-KR" sz="1400" dirty="0" err="1">
-                <a:solidFill>
-                  <a:srgbClr val="000000"/>
-                </a:solidFill>
-                <a:latin typeface="Cascadia Mono" panose="020B0609020000020004" pitchFamily="49" charset="0"/>
-              </a:rPr>
-              <a:t>timer.PRE.Value</a:t>
-            </a:r>
-            <a:r>
-              <a:rPr lang="en-US" altLang="ko-KR" sz="1400" dirty="0">
-                <a:solidFill>
-                  <a:srgbClr val="000000"/>
-                </a:solidFill>
-                <a:latin typeface="Cascadia Mono" panose="020B0609020000020004" pitchFamily="49" charset="0"/>
-              </a:rPr>
-              <a:t> === 2000us</a:t>
-            </a:r>
-          </a:p>
-          <a:p>
-            <a:r>
-              <a:rPr lang="en-US" altLang="ko-KR" sz="1400" dirty="0" err="1">
-                <a:solidFill>
-                  <a:srgbClr val="000000"/>
-                </a:solidFill>
-                <a:latin typeface="Cascadia Mono" panose="020B0609020000020004" pitchFamily="49" charset="0"/>
-              </a:rPr>
-              <a:t>timer.ACC.Value</a:t>
-            </a:r>
-            <a:r>
-              <a:rPr lang="en-US" altLang="ko-KR" sz="1400" dirty="0">
-                <a:solidFill>
-                  <a:srgbClr val="000000"/>
-                </a:solidFill>
-                <a:latin typeface="Cascadia Mono" panose="020B0609020000020004" pitchFamily="49" charset="0"/>
-              </a:rPr>
-              <a:t> === 0us</a:t>
-            </a:r>
-          </a:p>
-        </p:txBody>
-      </p:sp>
+        </p:spPr>
+      </p:pic>
     </p:spTree>
     <p:extLst>
       <p:ext uri="{BB962C8B-B14F-4D97-AF65-F5344CB8AC3E}">
-        <p14:creationId xmlns:p14="http://schemas.microsoft.com/office/powerpoint/2010/main" val="2558578475"/>
+        <p14:creationId xmlns:p14="http://schemas.microsoft.com/office/powerpoint/2010/main" val="2373974105"/>
       </p:ext>
     </p:extLst>
   </p:cSld>
@@ -6981,7 +4915,7 @@
           <p:cNvPr id="2" name="제목 1">
             <a:extLst>
               <a:ext uri="{FF2B5EF4-FFF2-40B4-BE49-F238E27FC236}">
-                <a16:creationId xmlns:a16="http://schemas.microsoft.com/office/drawing/2014/main" id="{A223329B-5B15-4FC0-DA80-1830A31EAB6E}"/>
+                <a16:creationId xmlns:a16="http://schemas.microsoft.com/office/drawing/2014/main" id="{970ED5B0-B1A6-1FC1-C865-BC2D394F99CC}"/>
               </a:ext>
             </a:extLst>
           </p:cNvPr>
@@ -6992,86 +4926,64 @@
             <p:ph type="title"/>
           </p:nvPr>
         </p:nvSpPr>
-        <p:spPr/>
-        <p:txBody>
-          <a:bodyPr/>
+        <p:spPr>
+          <a:xfrm>
+            <a:off x="838200" y="365126"/>
+            <a:ext cx="2999763" cy="867138"/>
+          </a:xfrm>
+        </p:spPr>
+        <p:txBody>
+          <a:bodyPr>
+            <a:normAutofit/>
+          </a:bodyPr>
           <a:lstStyle/>
           <a:p>
             <a:r>
               <a:rPr lang="ko-KR" altLang="en-US" dirty="0"/>
-              <a:t>생성</a:t>
+              <a:t>산전 </a:t>
             </a:r>
             <a:r>
               <a:rPr lang="en-US" altLang="ko-KR" dirty="0"/>
-              <a:t>: from ds text</a:t>
+              <a:t>CTR</a:t>
             </a:r>
             <a:endParaRPr lang="ko-KR" altLang="en-US" dirty="0"/>
           </a:p>
         </p:txBody>
       </p:sp>
-      <p:sp>
-        <p:nvSpPr>
-          <p:cNvPr id="5" name="TextBox 4">
-            <a:extLst>
-              <a:ext uri="{FF2B5EF4-FFF2-40B4-BE49-F238E27FC236}">
-                <a16:creationId xmlns:a16="http://schemas.microsoft.com/office/drawing/2014/main" id="{BD323B7A-5896-44A5-6672-0F3B63F611EB}"/>
-              </a:ext>
-            </a:extLst>
-          </p:cNvPr>
-          <p:cNvSpPr txBox="1"/>
+      <p:pic>
+        <p:nvPicPr>
+          <p:cNvPr id="5" name="그림 4">
+            <a:extLst>
+              <a:ext uri="{FF2B5EF4-FFF2-40B4-BE49-F238E27FC236}">
+                <a16:creationId xmlns:a16="http://schemas.microsoft.com/office/drawing/2014/main" id="{0CB5F6A9-1C23-3C00-2050-75B59FEA52BA}"/>
+              </a:ext>
+            </a:extLst>
+          </p:cNvPr>
+          <p:cNvPicPr>
+            <a:picLocks noChangeAspect="1"/>
+          </p:cNvPicPr>
           <p:nvPr/>
-        </p:nvSpPr>
-        <p:spPr>
-          <a:xfrm>
-            <a:off x="718127" y="2036726"/>
-            <a:ext cx="8305800" cy="369332"/>
+        </p:nvPicPr>
+        <p:blipFill>
+          <a:blip r:embed="rId2"/>
+          <a:stretch>
+            <a:fillRect/>
+          </a:stretch>
+        </p:blipFill>
+        <p:spPr>
+          <a:xfrm>
+            <a:off x="2281646" y="997402"/>
+            <a:ext cx="8057741" cy="5136697"/>
           </a:xfrm>
           <a:prstGeom prst="rect">
             <a:avLst/>
           </a:prstGeom>
-          <a:noFill/>
-        </p:spPr>
-        <p:txBody>
-          <a:bodyPr wrap="square">
-            <a:spAutoFit/>
-          </a:bodyPr>
-          <a:lstStyle/>
-          <a:p>
-            <a:r>
-              <a:rPr lang="en-US" altLang="ko-KR" sz="1800" dirty="0">
-                <a:solidFill>
-                  <a:srgbClr val="A31515"/>
-                </a:solidFill>
-                <a:latin typeface="Cascadia Mono" panose="020B0609020000020004" pitchFamily="49" charset="0"/>
-              </a:rPr>
-              <a:t>"ton mytimer3 = </a:t>
-            </a:r>
-            <a:r>
-              <a:rPr lang="en-US" altLang="ko-KR" sz="1800" dirty="0" err="1">
-                <a:solidFill>
-                  <a:srgbClr val="A31515"/>
-                </a:solidFill>
-                <a:latin typeface="Cascadia Mono" panose="020B0609020000020004" pitchFamily="49" charset="0"/>
-              </a:rPr>
-              <a:t>createTON</a:t>
-            </a:r>
-            <a:r>
-              <a:rPr lang="en-US" altLang="ko-KR" sz="1800" dirty="0">
-                <a:solidFill>
-                  <a:srgbClr val="A31515"/>
-                </a:solidFill>
-                <a:latin typeface="Cascadia Mono" panose="020B0609020000020004" pitchFamily="49" charset="0"/>
-              </a:rPr>
-              <a:t>(1000us, $tag1 || $tag2)"</a:t>
-            </a:r>
-            <a:endParaRPr lang="ko-KR" altLang="en-US" dirty="0"/>
-          </a:p>
-        </p:txBody>
-      </p:sp>
+        </p:spPr>
+      </p:pic>
     </p:spTree>
     <p:extLst>
       <p:ext uri="{BB962C8B-B14F-4D97-AF65-F5344CB8AC3E}">
-        <p14:creationId xmlns:p14="http://schemas.microsoft.com/office/powerpoint/2010/main" val="1975990934"/>
+        <p14:creationId xmlns:p14="http://schemas.microsoft.com/office/powerpoint/2010/main" val="1439430019"/>
       </p:ext>
     </p:extLst>
   </p:cSld>
@@ -7100,10 +5012,10 @@
       </p:grpSpPr>
       <p:sp>
         <p:nvSpPr>
-          <p:cNvPr id="4" name="제목 3">
-            <a:extLst>
-              <a:ext uri="{FF2B5EF4-FFF2-40B4-BE49-F238E27FC236}">
-                <a16:creationId xmlns:a16="http://schemas.microsoft.com/office/drawing/2014/main" id="{16EFA867-55B0-DBFC-98DB-B382AF802622}"/>
+          <p:cNvPr id="2" name="제목 1">
+            <a:extLst>
+              <a:ext uri="{FF2B5EF4-FFF2-40B4-BE49-F238E27FC236}">
+                <a16:creationId xmlns:a16="http://schemas.microsoft.com/office/drawing/2014/main" id="{2245338D-1F5A-51DF-0067-3163797DCB94}"/>
               </a:ext>
             </a:extLst>
           </p:cNvPr>
@@ -7111,50 +5023,67 @@
             <a:spLocks noGrp="1"/>
           </p:cNvSpPr>
           <p:nvPr>
-            <p:ph type="ctrTitle"/>
+            <p:ph type="title"/>
           </p:nvPr>
         </p:nvSpPr>
-        <p:spPr/>
-        <p:txBody>
-          <a:bodyPr/>
-          <a:lstStyle/>
-          <a:p>
-            <a:r>
-              <a:rPr lang="ko-KR" altLang="en-US" dirty="0"/>
-              <a:t>작화 특성</a:t>
-            </a:r>
-          </a:p>
-        </p:txBody>
-      </p:sp>
-      <p:sp>
-        <p:nvSpPr>
-          <p:cNvPr id="5" name="부제목 4">
-            <a:extLst>
-              <a:ext uri="{FF2B5EF4-FFF2-40B4-BE49-F238E27FC236}">
-                <a16:creationId xmlns:a16="http://schemas.microsoft.com/office/drawing/2014/main" id="{FA8BBCDC-8D02-F4D6-0F56-EEE3E53015C6}"/>
-              </a:ext>
-            </a:extLst>
-          </p:cNvPr>
-          <p:cNvSpPr>
-            <a:spLocks noGrp="1"/>
-          </p:cNvSpPr>
-          <p:nvPr>
-            <p:ph type="subTitle" idx="1"/>
-          </p:nvPr>
-        </p:nvSpPr>
-        <p:spPr/>
-        <p:txBody>
-          <a:bodyPr/>
-          <a:lstStyle/>
-          <a:p>
-            <a:endParaRPr lang="ko-KR" altLang="en-US"/>
-          </a:p>
-        </p:txBody>
-      </p:sp>
+        <p:spPr>
+          <a:xfrm>
+            <a:off x="74802" y="58927"/>
+            <a:ext cx="2448902" cy="649944"/>
+          </a:xfrm>
+        </p:spPr>
+        <p:txBody>
+          <a:bodyPr>
+            <a:normAutofit/>
+          </a:bodyPr>
+          <a:lstStyle/>
+          <a:p>
+            <a:r>
+              <a:rPr lang="ko-KR" altLang="en-US" sz="2800" dirty="0"/>
+              <a:t>산전 </a:t>
+            </a:r>
+            <a:r>
+              <a:rPr lang="en-US" altLang="ko-KR" sz="2800" dirty="0"/>
+              <a:t>counter</a:t>
+            </a:r>
+            <a:endParaRPr lang="ko-KR" altLang="en-US" sz="2800" dirty="0"/>
+          </a:p>
+        </p:txBody>
+      </p:sp>
+      <p:pic>
+        <p:nvPicPr>
+          <p:cNvPr id="5" name="그림 4">
+            <a:extLst>
+              <a:ext uri="{FF2B5EF4-FFF2-40B4-BE49-F238E27FC236}">
+                <a16:creationId xmlns:a16="http://schemas.microsoft.com/office/drawing/2014/main" id="{984CE43A-F2FA-7796-24F8-312CE2FD5863}"/>
+              </a:ext>
+            </a:extLst>
+          </p:cNvPr>
+          <p:cNvPicPr>
+            <a:picLocks noChangeAspect="1"/>
+          </p:cNvPicPr>
+          <p:nvPr/>
+        </p:nvPicPr>
+        <p:blipFill>
+          <a:blip r:embed="rId2"/>
+          <a:stretch>
+            <a:fillRect/>
+          </a:stretch>
+        </p:blipFill>
+        <p:spPr>
+          <a:xfrm>
+            <a:off x="2523704" y="0"/>
+            <a:ext cx="7144591" cy="6858000"/>
+          </a:xfrm>
+          <a:prstGeom prst="rect">
+            <a:avLst/>
+          </a:prstGeom>
+        </p:spPr>
+      </p:pic>
     </p:spTree>
     <p:extLst>
       <p:ext uri="{BB962C8B-B14F-4D97-AF65-F5344CB8AC3E}">
-        <p14:creationId xmlns:p14="http://schemas.microsoft.com/office/powerpoint/2010/main" val="720653391"/>
+        <p14:creationId xmlns:p14="http://schemas.microsoft.com/office/powerpoint/2010/main" val="1003128740"/>
       </p:ext>
     </p:extLst>
   </p:cSld>
@@ -7186,7 +5115,7 @@
           <p:cNvPr id="2" name="제목 1">
             <a:extLst>
               <a:ext uri="{FF2B5EF4-FFF2-40B4-BE49-F238E27FC236}">
-                <a16:creationId xmlns:a16="http://schemas.microsoft.com/office/drawing/2014/main" id="{E51AE384-C5FA-1804-37B2-A4BB49FE9C63}"/>
+                <a16:creationId xmlns:a16="http://schemas.microsoft.com/office/drawing/2014/main" id="{DDC757F2-A588-55CE-AB29-82077923FFA8}"/>
               </a:ext>
             </a:extLst>
           </p:cNvPr>
@@ -7204,281 +5133,325 @@
           <a:p>
             <a:r>
               <a:rPr lang="en-US" altLang="ko-KR" dirty="0"/>
-              <a:t>Input</a:t>
-            </a:r>
-            <a:r>
-              <a:rPr lang="ko-KR" altLang="en-US" dirty="0"/>
-              <a:t> </a:t>
-            </a:r>
-            <a:r>
-              <a:rPr lang="en-US" altLang="ko-KR" dirty="0"/>
-              <a:t>side</a:t>
-            </a:r>
-            <a:r>
-              <a:rPr lang="ko-KR" altLang="en-US" dirty="0"/>
-              <a:t> </a:t>
-            </a:r>
-            <a:r>
-              <a:rPr lang="ko-KR" altLang="en-US" dirty="0" err="1"/>
-              <a:t>다릿발</a:t>
+              <a:t>Classes</a:t>
             </a:r>
             <a:endParaRPr lang="ko-KR" altLang="en-US" dirty="0"/>
           </a:p>
         </p:txBody>
       </p:sp>
-      <p:pic>
-        <p:nvPicPr>
-          <p:cNvPr id="5" name="그림 4">
-            <a:extLst>
-              <a:ext uri="{FF2B5EF4-FFF2-40B4-BE49-F238E27FC236}">
-                <a16:creationId xmlns:a16="http://schemas.microsoft.com/office/drawing/2014/main" id="{B4B38613-F556-BB1D-0024-D0915F8F29D2}"/>
-              </a:ext>
-            </a:extLst>
-          </p:cNvPr>
-          <p:cNvPicPr>
-            <a:picLocks noChangeAspect="1"/>
-          </p:cNvPicPr>
+      <p:sp>
+        <p:nvSpPr>
+          <p:cNvPr id="7" name="TextBox 6">
+            <a:extLst>
+              <a:ext uri="{FF2B5EF4-FFF2-40B4-BE49-F238E27FC236}">
+                <a16:creationId xmlns:a16="http://schemas.microsoft.com/office/drawing/2014/main" id="{68EF86A6-FCC0-59AB-948C-3E9E8C77D4DC}"/>
+              </a:ext>
+            </a:extLst>
+          </p:cNvPr>
+          <p:cNvSpPr txBox="1"/>
           <p:nvPr/>
-        </p:nvPicPr>
-        <p:blipFill>
-          <a:blip r:embed="rId2"/>
-          <a:stretch>
-            <a:fillRect/>
-          </a:stretch>
-        </p:blipFill>
-        <p:spPr>
-          <a:xfrm>
-            <a:off x="421130" y="1485415"/>
-            <a:ext cx="3632678" cy="3178025"/>
+        </p:nvSpPr>
+        <p:spPr>
+          <a:xfrm>
+            <a:off x="5098473" y="3602182"/>
+            <a:ext cx="2096728" cy="369332"/>
           </a:xfrm>
           <a:prstGeom prst="rect">
             <a:avLst/>
           </a:prstGeom>
         </p:spPr>
-      </p:pic>
-      <p:pic>
-        <p:nvPicPr>
-          <p:cNvPr id="9" name="그림 8">
-            <a:extLst>
-              <a:ext uri="{FF2B5EF4-FFF2-40B4-BE49-F238E27FC236}">
-                <a16:creationId xmlns:a16="http://schemas.microsoft.com/office/drawing/2014/main" id="{231C9CA6-EAAC-459A-2A13-691FEC12F1CC}"/>
-              </a:ext>
-            </a:extLst>
-          </p:cNvPr>
-          <p:cNvPicPr>
-            <a:picLocks noChangeAspect="1"/>
-          </p:cNvPicPr>
-          <p:nvPr/>
-        </p:nvPicPr>
-        <p:blipFill>
-          <a:blip r:embed="rId3"/>
-          <a:stretch>
-            <a:fillRect/>
-          </a:stretch>
-        </p:blipFill>
-        <p:spPr>
-          <a:xfrm>
-            <a:off x="6066842" y="3483495"/>
-            <a:ext cx="5947402" cy="2298996"/>
-          </a:xfrm>
-          <a:prstGeom prst="rect">
-            <a:avLst/>
-          </a:prstGeom>
-        </p:spPr>
-      </p:pic>
-      <p:pic>
-        <p:nvPicPr>
-          <p:cNvPr id="4" name="그림 3">
-            <a:extLst>
-              <a:ext uri="{FF2B5EF4-FFF2-40B4-BE49-F238E27FC236}">
-                <a16:creationId xmlns:a16="http://schemas.microsoft.com/office/drawing/2014/main" id="{E6207DF8-5E4E-6D87-725D-2C8A94E9CFE4}"/>
-              </a:ext>
-            </a:extLst>
-          </p:cNvPr>
-          <p:cNvPicPr>
-            <a:picLocks noChangeAspect="1"/>
-          </p:cNvPicPr>
-          <p:nvPr/>
-        </p:nvPicPr>
-        <p:blipFill>
-          <a:blip r:embed="rId4"/>
-          <a:stretch>
-            <a:fillRect/>
-          </a:stretch>
-        </p:blipFill>
-        <p:spPr>
-          <a:xfrm>
-            <a:off x="7053943" y="119188"/>
-            <a:ext cx="4163066" cy="3142999"/>
-          </a:xfrm>
-          <a:prstGeom prst="rect">
-            <a:avLst/>
-          </a:prstGeom>
-        </p:spPr>
-      </p:pic>
-      <p:sp>
-        <p:nvSpPr>
-          <p:cNvPr id="7" name="TextBox 6">
-            <a:extLst>
-              <a:ext uri="{FF2B5EF4-FFF2-40B4-BE49-F238E27FC236}">
-                <a16:creationId xmlns:a16="http://schemas.microsoft.com/office/drawing/2014/main" id="{B19BB55D-7667-9B5A-B563-A8A5E73C7148}"/>
-              </a:ext>
-            </a:extLst>
-          </p:cNvPr>
-          <p:cNvSpPr txBox="1"/>
-          <p:nvPr/>
-        </p:nvSpPr>
-        <p:spPr>
-          <a:xfrm>
-            <a:off x="6873379" y="0"/>
-            <a:ext cx="6096000" cy="215444"/>
-          </a:xfrm>
-          <a:prstGeom prst="rect">
-            <a:avLst/>
-          </a:prstGeom>
-          <a:noFill/>
-        </p:spPr>
-        <p:txBody>
-          <a:bodyPr wrap="square">
-            <a:spAutoFit/>
-          </a:bodyPr>
-          <a:lstStyle/>
-          <a:p>
-            <a:r>
-              <a:rPr lang="ko-KR" altLang="en-US" sz="800" dirty="0">
-                <a:hlinkClick r:id="rId5"/>
-              </a:rPr>
-              <a:t>http://duduji.iptime.org/gnuboard/data/file/du_board_study/XGI_%EC%B4%88%EA%B8%89(V18).pdf</a:t>
-            </a:r>
-            <a:r>
-              <a:rPr lang="ko-KR" altLang="en-US" sz="800" dirty="0"/>
-              <a:t>    </a:t>
-            </a:r>
-            <a:r>
-              <a:rPr lang="en-US" altLang="ko-KR" sz="800" dirty="0"/>
-              <a:t>pp.43</a:t>
-            </a:r>
-            <a:endParaRPr lang="ko-KR" altLang="en-US" sz="800" dirty="0"/>
-          </a:p>
-        </p:txBody>
-      </p:sp>
-      <p:sp>
-        <p:nvSpPr>
-          <p:cNvPr id="3" name="TextBox 2">
-            <a:extLst>
-              <a:ext uri="{FF2B5EF4-FFF2-40B4-BE49-F238E27FC236}">
-                <a16:creationId xmlns:a16="http://schemas.microsoft.com/office/drawing/2014/main" id="{93878D70-AF78-59EE-8C80-8D25AAD6A29B}"/>
-              </a:ext>
-            </a:extLst>
-          </p:cNvPr>
-          <p:cNvSpPr txBox="1"/>
-          <p:nvPr/>
-        </p:nvSpPr>
-        <p:spPr>
-          <a:xfrm>
-            <a:off x="727166" y="5068389"/>
-            <a:ext cx="4855816" cy="369332"/>
-          </a:xfrm>
-          <a:prstGeom prst="rect">
-            <a:avLst/>
-          </a:prstGeom>
-          <a:noFill/>
-        </p:spPr>
-        <p:txBody>
-          <a:bodyPr wrap="none" rtlCol="0">
-            <a:spAutoFit/>
-          </a:bodyPr>
-          <a:lstStyle/>
-          <a:p>
-            <a:r>
-              <a:rPr lang="en-US" altLang="ko-KR" dirty="0"/>
-              <a:t>Input </a:t>
-            </a:r>
-            <a:r>
-              <a:rPr lang="ko-KR" altLang="en-US" dirty="0"/>
-              <a:t>쪽 </a:t>
-            </a:r>
-            <a:r>
-              <a:rPr lang="en-US" altLang="ko-KR" dirty="0"/>
-              <a:t>bool </a:t>
-            </a:r>
-            <a:r>
-              <a:rPr lang="ko-KR" altLang="en-US" dirty="0"/>
-              <a:t>값은 복수개로 전원 연결 가능</a:t>
-            </a:r>
-          </a:p>
-        </p:txBody>
-      </p:sp>
-      <p:sp>
-        <p:nvSpPr>
-          <p:cNvPr id="6" name="타원 5">
-            <a:extLst>
-              <a:ext uri="{FF2B5EF4-FFF2-40B4-BE49-F238E27FC236}">
-                <a16:creationId xmlns:a16="http://schemas.microsoft.com/office/drawing/2014/main" id="{60BC367E-0CA0-76DF-AE1B-A07EF437C993}"/>
-              </a:ext>
-            </a:extLst>
-          </p:cNvPr>
-          <p:cNvSpPr/>
-          <p:nvPr/>
-        </p:nvSpPr>
-        <p:spPr>
-          <a:xfrm>
-            <a:off x="9653451" y="1920240"/>
-            <a:ext cx="431075" cy="701040"/>
-          </a:xfrm>
-          <a:prstGeom prst="ellipse">
-            <a:avLst/>
-          </a:prstGeom>
-          <a:noFill/>
-          <a:ln>
-            <a:solidFill>
-              <a:srgbClr val="FF0000"/>
-            </a:solidFill>
-          </a:ln>
-        </p:spPr>
         <p:style>
           <a:lnRef idx="2">
-            <a:schemeClr val="accent1"/>
+            <a:schemeClr val="dk1"/>
           </a:lnRef>
           <a:fillRef idx="1">
             <a:schemeClr val="lt1"/>
           </a:fillRef>
           <a:effectRef idx="0">
-            <a:schemeClr val="accent1"/>
+            <a:schemeClr val="dk1"/>
           </a:effectRef>
           <a:fontRef idx="minor">
             <a:schemeClr val="dk1"/>
           </a:fontRef>
         </p:style>
         <p:txBody>
-          <a:bodyPr rtlCol="0" anchor="ctr"/>
-          <a:lstStyle/>
-          <a:p>
-            <a:pPr algn="ctr"/>
-            <a:endParaRPr lang="ko-KR" altLang="en-US"/>
+          <a:bodyPr wrap="none" rtlCol="0">
+            <a:spAutoFit/>
+          </a:bodyPr>
+          <a:lstStyle/>
+          <a:p>
+            <a:r>
+              <a:rPr lang="en-US" altLang="ko-KR" dirty="0"/>
+              <a:t>CounterBaseStruct</a:t>
+            </a:r>
+            <a:endParaRPr lang="ko-KR" altLang="en-US" dirty="0"/>
+          </a:p>
+        </p:txBody>
+      </p:sp>
+      <p:sp>
+        <p:nvSpPr>
+          <p:cNvPr id="10" name="TextBox 9">
+            <a:extLst>
+              <a:ext uri="{FF2B5EF4-FFF2-40B4-BE49-F238E27FC236}">
+                <a16:creationId xmlns:a16="http://schemas.microsoft.com/office/drawing/2014/main" id="{516575FE-4F39-AADC-55CE-ECFB6E3669A6}"/>
+              </a:ext>
+            </a:extLst>
+          </p:cNvPr>
+          <p:cNvSpPr txBox="1"/>
+          <p:nvPr/>
+        </p:nvSpPr>
+        <p:spPr>
+          <a:xfrm>
+            <a:off x="3274752" y="2466665"/>
+            <a:ext cx="2685030" cy="369332"/>
+          </a:xfrm>
+          <a:prstGeom prst="rect">
+            <a:avLst/>
+          </a:prstGeom>
+        </p:spPr>
+        <p:style>
+          <a:lnRef idx="2">
+            <a:schemeClr val="dk1"/>
+          </a:lnRef>
+          <a:fillRef idx="1">
+            <a:schemeClr val="lt1"/>
+          </a:fillRef>
+          <a:effectRef idx="0">
+            <a:schemeClr val="dk1"/>
+          </a:effectRef>
+          <a:fontRef idx="minor">
+            <a:schemeClr val="dk1"/>
+          </a:fontRef>
+        </p:style>
+        <p:txBody>
+          <a:bodyPr wrap="none" rtlCol="0">
+            <a:spAutoFit/>
+          </a:bodyPr>
+          <a:lstStyle/>
+          <a:p>
+            <a:r>
+              <a:rPr lang="en-US" altLang="ko-KR" dirty="0"/>
+              <a:t>TimerCounterBaseStruct</a:t>
+            </a:r>
+            <a:endParaRPr lang="ko-KR" altLang="en-US" dirty="0"/>
+          </a:p>
+        </p:txBody>
+      </p:sp>
+      <p:sp>
+        <p:nvSpPr>
+          <p:cNvPr id="11" name="TextBox 10">
+            <a:extLst>
+              <a:ext uri="{FF2B5EF4-FFF2-40B4-BE49-F238E27FC236}">
+                <a16:creationId xmlns:a16="http://schemas.microsoft.com/office/drawing/2014/main" id="{A2631649-4787-4F5C-7742-58BD041B7E84}"/>
+              </a:ext>
+            </a:extLst>
+          </p:cNvPr>
+          <p:cNvSpPr txBox="1"/>
+          <p:nvPr/>
+        </p:nvSpPr>
+        <p:spPr>
+          <a:xfrm>
+            <a:off x="2498436" y="3602182"/>
+            <a:ext cx="1374094" cy="369332"/>
+          </a:xfrm>
+          <a:prstGeom prst="rect">
+            <a:avLst/>
+          </a:prstGeom>
+        </p:spPr>
+        <p:style>
+          <a:lnRef idx="2">
+            <a:schemeClr val="dk1"/>
+          </a:lnRef>
+          <a:fillRef idx="1">
+            <a:schemeClr val="lt1"/>
+          </a:fillRef>
+          <a:effectRef idx="0">
+            <a:schemeClr val="dk1"/>
+          </a:effectRef>
+          <a:fontRef idx="minor">
+            <a:schemeClr val="dk1"/>
+          </a:fontRef>
+        </p:style>
+        <p:txBody>
+          <a:bodyPr wrap="none" rtlCol="0">
+            <a:spAutoFit/>
+          </a:bodyPr>
+          <a:lstStyle/>
+          <a:p>
+            <a:r>
+              <a:rPr lang="en-US" altLang="ko-KR" dirty="0"/>
+              <a:t>TimerStruct</a:t>
+            </a:r>
+            <a:endParaRPr lang="ko-KR" altLang="en-US" dirty="0"/>
+          </a:p>
+        </p:txBody>
+      </p:sp>
+      <p:sp>
+        <p:nvSpPr>
+          <p:cNvPr id="12" name="TextBox 11">
+            <a:extLst>
+              <a:ext uri="{FF2B5EF4-FFF2-40B4-BE49-F238E27FC236}">
+                <a16:creationId xmlns:a16="http://schemas.microsoft.com/office/drawing/2014/main" id="{A36FD63E-A720-BFC2-5DFE-027619930568}"/>
+              </a:ext>
+            </a:extLst>
+          </p:cNvPr>
+          <p:cNvSpPr txBox="1"/>
+          <p:nvPr/>
+        </p:nvSpPr>
+        <p:spPr>
+          <a:xfrm>
+            <a:off x="5098473" y="4557929"/>
+            <a:ext cx="1217000" cy="369332"/>
+          </a:xfrm>
+          <a:prstGeom prst="rect">
+            <a:avLst/>
+          </a:prstGeom>
+        </p:spPr>
+        <p:style>
+          <a:lnRef idx="2">
+            <a:schemeClr val="dk1"/>
+          </a:lnRef>
+          <a:fillRef idx="1">
+            <a:schemeClr val="lt1"/>
+          </a:fillRef>
+          <a:effectRef idx="0">
+            <a:schemeClr val="dk1"/>
+          </a:effectRef>
+          <a:fontRef idx="minor">
+            <a:schemeClr val="dk1"/>
+          </a:fontRef>
+        </p:style>
+        <p:txBody>
+          <a:bodyPr wrap="none" rtlCol="0">
+            <a:spAutoFit/>
+          </a:bodyPr>
+          <a:lstStyle/>
+          <a:p>
+            <a:r>
+              <a:rPr lang="en-US" altLang="ko-KR" dirty="0"/>
+              <a:t>CTUStruct</a:t>
+            </a:r>
+            <a:endParaRPr lang="ko-KR" altLang="en-US" dirty="0"/>
+          </a:p>
+        </p:txBody>
+      </p:sp>
+      <p:sp>
+        <p:nvSpPr>
+          <p:cNvPr id="13" name="TextBox 12">
+            <a:extLst>
+              <a:ext uri="{FF2B5EF4-FFF2-40B4-BE49-F238E27FC236}">
+                <a16:creationId xmlns:a16="http://schemas.microsoft.com/office/drawing/2014/main" id="{9519F6F0-08D6-0BD0-969D-7D49C2483EDF}"/>
+              </a:ext>
+            </a:extLst>
+          </p:cNvPr>
+          <p:cNvSpPr txBox="1"/>
+          <p:nvPr/>
+        </p:nvSpPr>
+        <p:spPr>
+          <a:xfrm>
+            <a:off x="6586701" y="4557929"/>
+            <a:ext cx="1220206" cy="369332"/>
+          </a:xfrm>
+          <a:prstGeom prst="rect">
+            <a:avLst/>
+          </a:prstGeom>
+        </p:spPr>
+        <p:style>
+          <a:lnRef idx="2">
+            <a:schemeClr val="dk1"/>
+          </a:lnRef>
+          <a:fillRef idx="1">
+            <a:schemeClr val="lt1"/>
+          </a:fillRef>
+          <a:effectRef idx="0">
+            <a:schemeClr val="dk1"/>
+          </a:effectRef>
+          <a:fontRef idx="minor">
+            <a:schemeClr val="dk1"/>
+          </a:fontRef>
+        </p:style>
+        <p:txBody>
+          <a:bodyPr wrap="none" rtlCol="0">
+            <a:spAutoFit/>
+          </a:bodyPr>
+          <a:lstStyle/>
+          <a:p>
+            <a:r>
+              <a:rPr lang="en-US" altLang="ko-KR" dirty="0"/>
+              <a:t>CTDStruct</a:t>
+            </a:r>
+            <a:endParaRPr lang="ko-KR" altLang="en-US" dirty="0"/>
+          </a:p>
+        </p:txBody>
+      </p:sp>
+      <p:sp>
+        <p:nvSpPr>
+          <p:cNvPr id="14" name="TextBox 13">
+            <a:extLst>
+              <a:ext uri="{FF2B5EF4-FFF2-40B4-BE49-F238E27FC236}">
+                <a16:creationId xmlns:a16="http://schemas.microsoft.com/office/drawing/2014/main" id="{C816F670-76EB-0741-7414-D1D1B2F05819}"/>
+              </a:ext>
+            </a:extLst>
+          </p:cNvPr>
+          <p:cNvSpPr txBox="1"/>
+          <p:nvPr/>
+        </p:nvSpPr>
+        <p:spPr>
+          <a:xfrm>
+            <a:off x="8074929" y="4557929"/>
+            <a:ext cx="1382110" cy="369332"/>
+          </a:xfrm>
+          <a:prstGeom prst="rect">
+            <a:avLst/>
+          </a:prstGeom>
+        </p:spPr>
+        <p:style>
+          <a:lnRef idx="2">
+            <a:schemeClr val="dk1"/>
+          </a:lnRef>
+          <a:fillRef idx="1">
+            <a:schemeClr val="lt1"/>
+          </a:fillRef>
+          <a:effectRef idx="0">
+            <a:schemeClr val="dk1"/>
+          </a:effectRef>
+          <a:fontRef idx="minor">
+            <a:schemeClr val="dk1"/>
+          </a:fontRef>
+        </p:style>
+        <p:txBody>
+          <a:bodyPr wrap="none" rtlCol="0">
+            <a:spAutoFit/>
+          </a:bodyPr>
+          <a:lstStyle/>
+          <a:p>
+            <a:r>
+              <a:rPr lang="en-US" altLang="ko-KR" dirty="0"/>
+              <a:t>CTUDStruct</a:t>
+            </a:r>
+            <a:endParaRPr lang="ko-KR" altLang="en-US" dirty="0"/>
           </a:p>
         </p:txBody>
       </p:sp>
       <p:cxnSp>
         <p:nvCxnSpPr>
-          <p:cNvPr id="10" name="직선 화살표 연결선 9">
-            <a:extLst>
-              <a:ext uri="{FF2B5EF4-FFF2-40B4-BE49-F238E27FC236}">
-                <a16:creationId xmlns:a16="http://schemas.microsoft.com/office/drawing/2014/main" id="{3B57078A-D59E-810D-B7D5-7A93FBA9AA1A}"/>
+          <p:cNvPr id="16" name="직선 화살표 연결선 15">
+            <a:extLst>
+              <a:ext uri="{FF2B5EF4-FFF2-40B4-BE49-F238E27FC236}">
+                <a16:creationId xmlns:a16="http://schemas.microsoft.com/office/drawing/2014/main" id="{5006D473-E614-C1C4-2397-068CBB7C3B00}"/>
               </a:ext>
             </a:extLst>
           </p:cNvPr>
           <p:cNvCxnSpPr>
-            <a:cxnSpLocks/>
-            <a:stCxn id="11" idx="0"/>
-            <a:endCxn id="6" idx="2"/>
+            <a:stCxn id="10" idx="2"/>
+            <a:endCxn id="11" idx="0"/>
           </p:cNvCxnSpPr>
           <p:nvPr/>
         </p:nvCxnSpPr>
         <p:spPr>
-          <a:xfrm flipV="1">
-            <a:off x="9196287" y="2270760"/>
-            <a:ext cx="457164" cy="656998"/>
+          <a:xfrm flipH="1">
+            <a:off x="3185483" y="2835997"/>
+            <a:ext cx="1431784" cy="766185"/>
           </a:xfrm>
           <a:prstGeom prst="straightConnector1">
             <a:avLst/>
@@ -7502,12 +5475,183 @@
           </a:fontRef>
         </p:style>
       </p:cxnSp>
-      <p:sp>
-        <p:nvSpPr>
-          <p:cNvPr id="11" name="TextBox 10">
-            <a:extLst>
-              <a:ext uri="{FF2B5EF4-FFF2-40B4-BE49-F238E27FC236}">
-                <a16:creationId xmlns:a16="http://schemas.microsoft.com/office/drawing/2014/main" id="{E6D47E95-CD7B-9120-822E-312599035B65}"/>
+      <p:cxnSp>
+        <p:nvCxnSpPr>
+          <p:cNvPr id="18" name="직선 화살표 연결선 17">
+            <a:extLst>
+              <a:ext uri="{FF2B5EF4-FFF2-40B4-BE49-F238E27FC236}">
+                <a16:creationId xmlns:a16="http://schemas.microsoft.com/office/drawing/2014/main" id="{5E4E339D-CF9E-5BBD-F5FB-FBF11365FE81}"/>
+              </a:ext>
+            </a:extLst>
+          </p:cNvPr>
+          <p:cNvCxnSpPr>
+            <a:cxnSpLocks/>
+            <a:stCxn id="10" idx="2"/>
+            <a:endCxn id="7" idx="0"/>
+          </p:cNvCxnSpPr>
+          <p:nvPr/>
+        </p:nvCxnSpPr>
+        <p:spPr>
+          <a:xfrm>
+            <a:off x="4617267" y="2835997"/>
+            <a:ext cx="1529570" cy="766185"/>
+          </a:xfrm>
+          <a:prstGeom prst="straightConnector1">
+            <a:avLst/>
+          </a:prstGeom>
+          <a:ln>
+            <a:tailEnd type="triangle"/>
+          </a:ln>
+        </p:spPr>
+        <p:style>
+          <a:lnRef idx="1">
+            <a:schemeClr val="accent1"/>
+          </a:lnRef>
+          <a:fillRef idx="0">
+            <a:schemeClr val="accent1"/>
+          </a:fillRef>
+          <a:effectRef idx="0">
+            <a:schemeClr val="accent1"/>
+          </a:effectRef>
+          <a:fontRef idx="minor">
+            <a:schemeClr val="tx1"/>
+          </a:fontRef>
+        </p:style>
+      </p:cxnSp>
+      <p:cxnSp>
+        <p:nvCxnSpPr>
+          <p:cNvPr id="21" name="직선 화살표 연결선 20">
+            <a:extLst>
+              <a:ext uri="{FF2B5EF4-FFF2-40B4-BE49-F238E27FC236}">
+                <a16:creationId xmlns:a16="http://schemas.microsoft.com/office/drawing/2014/main" id="{732BE204-B11A-BFE2-0C09-AF429C9403A1}"/>
+              </a:ext>
+            </a:extLst>
+          </p:cNvPr>
+          <p:cNvCxnSpPr>
+            <a:cxnSpLocks/>
+            <a:stCxn id="7" idx="2"/>
+          </p:cNvCxnSpPr>
+          <p:nvPr/>
+        </p:nvCxnSpPr>
+        <p:spPr>
+          <a:xfrm flipH="1">
+            <a:off x="5772727" y="3971514"/>
+            <a:ext cx="374110" cy="637648"/>
+          </a:xfrm>
+          <a:prstGeom prst="straightConnector1">
+            <a:avLst/>
+          </a:prstGeom>
+          <a:ln>
+            <a:tailEnd type="triangle"/>
+          </a:ln>
+        </p:spPr>
+        <p:style>
+          <a:lnRef idx="1">
+            <a:schemeClr val="accent1"/>
+          </a:lnRef>
+          <a:fillRef idx="0">
+            <a:schemeClr val="accent1"/>
+          </a:fillRef>
+          <a:effectRef idx="0">
+            <a:schemeClr val="accent1"/>
+          </a:effectRef>
+          <a:fontRef idx="minor">
+            <a:schemeClr val="tx1"/>
+          </a:fontRef>
+        </p:style>
+      </p:cxnSp>
+      <p:cxnSp>
+        <p:nvCxnSpPr>
+          <p:cNvPr id="24" name="직선 화살표 연결선 23">
+            <a:extLst>
+              <a:ext uri="{FF2B5EF4-FFF2-40B4-BE49-F238E27FC236}">
+                <a16:creationId xmlns:a16="http://schemas.microsoft.com/office/drawing/2014/main" id="{17ADB01A-9592-CADA-7E6C-8F77DCC9599F}"/>
+              </a:ext>
+            </a:extLst>
+          </p:cNvPr>
+          <p:cNvCxnSpPr>
+            <a:cxnSpLocks/>
+            <a:stCxn id="7" idx="2"/>
+            <a:endCxn id="13" idx="0"/>
+          </p:cNvCxnSpPr>
+          <p:nvPr/>
+        </p:nvCxnSpPr>
+        <p:spPr>
+          <a:xfrm>
+            <a:off x="6146837" y="3971514"/>
+            <a:ext cx="1049967" cy="586415"/>
+          </a:xfrm>
+          <a:prstGeom prst="straightConnector1">
+            <a:avLst/>
+          </a:prstGeom>
+          <a:ln>
+            <a:tailEnd type="triangle"/>
+          </a:ln>
+        </p:spPr>
+        <p:style>
+          <a:lnRef idx="1">
+            <a:schemeClr val="accent1"/>
+          </a:lnRef>
+          <a:fillRef idx="0">
+            <a:schemeClr val="accent1"/>
+          </a:fillRef>
+          <a:effectRef idx="0">
+            <a:schemeClr val="accent1"/>
+          </a:effectRef>
+          <a:fontRef idx="minor">
+            <a:schemeClr val="tx1"/>
+          </a:fontRef>
+        </p:style>
+      </p:cxnSp>
+      <p:cxnSp>
+        <p:nvCxnSpPr>
+          <p:cNvPr id="27" name="직선 화살표 연결선 26">
+            <a:extLst>
+              <a:ext uri="{FF2B5EF4-FFF2-40B4-BE49-F238E27FC236}">
+                <a16:creationId xmlns:a16="http://schemas.microsoft.com/office/drawing/2014/main" id="{5AAE9D1B-158A-4269-DCF2-876A47856367}"/>
+              </a:ext>
+            </a:extLst>
+          </p:cNvPr>
+          <p:cNvCxnSpPr>
+            <a:cxnSpLocks/>
+            <a:stCxn id="7" idx="2"/>
+            <a:endCxn id="14" idx="0"/>
+          </p:cNvCxnSpPr>
+          <p:nvPr/>
+        </p:nvCxnSpPr>
+        <p:spPr>
+          <a:xfrm>
+            <a:off x="6146837" y="3971514"/>
+            <a:ext cx="2619147" cy="586415"/>
+          </a:xfrm>
+          <a:prstGeom prst="straightConnector1">
+            <a:avLst/>
+          </a:prstGeom>
+          <a:ln>
+            <a:tailEnd type="triangle"/>
+          </a:ln>
+        </p:spPr>
+        <p:style>
+          <a:lnRef idx="1">
+            <a:schemeClr val="accent1"/>
+          </a:lnRef>
+          <a:fillRef idx="0">
+            <a:schemeClr val="accent1"/>
+          </a:fillRef>
+          <a:effectRef idx="0">
+            <a:schemeClr val="accent1"/>
+          </a:effectRef>
+          <a:fontRef idx="minor">
+            <a:schemeClr val="tx1"/>
+          </a:fontRef>
+        </p:style>
+      </p:cxnSp>
+      <p:sp>
+        <p:nvSpPr>
+          <p:cNvPr id="33" name="TextBox 32">
+            <a:extLst>
+              <a:ext uri="{FF2B5EF4-FFF2-40B4-BE49-F238E27FC236}">
+                <a16:creationId xmlns:a16="http://schemas.microsoft.com/office/drawing/2014/main" id="{87E85D91-38CD-74E9-3187-CECA8D597DE2}"/>
               </a:ext>
             </a:extLst>
           </p:cNvPr>
@@ -7516,8 +5660,483 @@
         </p:nvSpPr>
         <p:spPr>
           <a:xfrm>
-            <a:off x="8946859" y="2927758"/>
-            <a:ext cx="498855" cy="369332"/>
+            <a:off x="369648" y="2350593"/>
+            <a:ext cx="775661" cy="369332"/>
+          </a:xfrm>
+          <a:prstGeom prst="rect">
+            <a:avLst/>
+          </a:prstGeom>
+        </p:spPr>
+        <p:style>
+          <a:lnRef idx="2">
+            <a:schemeClr val="dk1"/>
+          </a:lnRef>
+          <a:fillRef idx="1">
+            <a:schemeClr val="lt1"/>
+          </a:fillRef>
+          <a:effectRef idx="0">
+            <a:schemeClr val="dk1"/>
+          </a:effectRef>
+          <a:fontRef idx="minor">
+            <a:schemeClr val="dk1"/>
+          </a:fontRef>
+        </p:style>
+        <p:txBody>
+          <a:bodyPr wrap="square" rtlCol="0">
+            <a:spAutoFit/>
+          </a:bodyPr>
+          <a:lstStyle/>
+          <a:p>
+            <a:r>
+              <a:rPr lang="en-US" altLang="ko-KR" dirty="0"/>
+              <a:t>Timer</a:t>
+            </a:r>
+            <a:endParaRPr lang="ko-KR" altLang="en-US" dirty="0"/>
+          </a:p>
+        </p:txBody>
+      </p:sp>
+      <p:sp>
+        <p:nvSpPr>
+          <p:cNvPr id="34" name="TextBox 33">
+            <a:extLst>
+              <a:ext uri="{FF2B5EF4-FFF2-40B4-BE49-F238E27FC236}">
+                <a16:creationId xmlns:a16="http://schemas.microsoft.com/office/drawing/2014/main" id="{AB922546-A3A9-25CA-9C46-87BB35F650C9}"/>
+              </a:ext>
+            </a:extLst>
+          </p:cNvPr>
+          <p:cNvSpPr txBox="1"/>
+          <p:nvPr/>
+        </p:nvSpPr>
+        <p:spPr>
+          <a:xfrm>
+            <a:off x="8624265" y="2350593"/>
+            <a:ext cx="1017907" cy="369332"/>
+          </a:xfrm>
+          <a:prstGeom prst="rect">
+            <a:avLst/>
+          </a:prstGeom>
+        </p:spPr>
+        <p:style>
+          <a:lnRef idx="2">
+            <a:schemeClr val="dk1"/>
+          </a:lnRef>
+          <a:fillRef idx="1">
+            <a:schemeClr val="lt1"/>
+          </a:fillRef>
+          <a:effectRef idx="0">
+            <a:schemeClr val="dk1"/>
+          </a:effectRef>
+          <a:fontRef idx="minor">
+            <a:schemeClr val="dk1"/>
+          </a:fontRef>
+        </p:style>
+        <p:txBody>
+          <a:bodyPr wrap="none" rtlCol="0">
+            <a:spAutoFit/>
+          </a:bodyPr>
+          <a:lstStyle/>
+          <a:p>
+            <a:r>
+              <a:rPr lang="en-US" altLang="ko-KR" dirty="0"/>
+              <a:t>Counter</a:t>
+            </a:r>
+            <a:endParaRPr lang="ko-KR" altLang="en-US" dirty="0"/>
+          </a:p>
+        </p:txBody>
+      </p:sp>
+      <p:cxnSp>
+        <p:nvCxnSpPr>
+          <p:cNvPr id="36" name="직선 화살표 연결선 35">
+            <a:extLst>
+              <a:ext uri="{FF2B5EF4-FFF2-40B4-BE49-F238E27FC236}">
+                <a16:creationId xmlns:a16="http://schemas.microsoft.com/office/drawing/2014/main" id="{81FCD281-A155-EE85-D480-EF1B37E4F727}"/>
+              </a:ext>
+            </a:extLst>
+          </p:cNvPr>
+          <p:cNvCxnSpPr>
+            <a:cxnSpLocks/>
+            <a:stCxn id="33" idx="2"/>
+            <a:endCxn id="11" idx="1"/>
+          </p:cNvCxnSpPr>
+          <p:nvPr/>
+        </p:nvCxnSpPr>
+        <p:spPr>
+          <a:xfrm>
+            <a:off x="757479" y="2719925"/>
+            <a:ext cx="1740957" cy="1066923"/>
+          </a:xfrm>
+          <a:prstGeom prst="straightConnector1">
+            <a:avLst/>
+          </a:prstGeom>
+          <a:ln>
+            <a:prstDash val="dash"/>
+            <a:tailEnd type="triangle"/>
+          </a:ln>
+        </p:spPr>
+        <p:style>
+          <a:lnRef idx="1">
+            <a:schemeClr val="accent1"/>
+          </a:lnRef>
+          <a:fillRef idx="0">
+            <a:schemeClr val="accent1"/>
+          </a:fillRef>
+          <a:effectRef idx="0">
+            <a:schemeClr val="accent1"/>
+          </a:effectRef>
+          <a:fontRef idx="minor">
+            <a:schemeClr val="tx1"/>
+          </a:fontRef>
+        </p:style>
+      </p:cxnSp>
+      <p:cxnSp>
+        <p:nvCxnSpPr>
+          <p:cNvPr id="37" name="직선 화살표 연결선 36">
+            <a:extLst>
+              <a:ext uri="{FF2B5EF4-FFF2-40B4-BE49-F238E27FC236}">
+                <a16:creationId xmlns:a16="http://schemas.microsoft.com/office/drawing/2014/main" id="{052AF10B-0D37-93A2-D08D-AAC7805D635E}"/>
+              </a:ext>
+            </a:extLst>
+          </p:cNvPr>
+          <p:cNvCxnSpPr>
+            <a:cxnSpLocks/>
+            <a:stCxn id="34" idx="2"/>
+            <a:endCxn id="7" idx="0"/>
+          </p:cNvCxnSpPr>
+          <p:nvPr/>
+        </p:nvCxnSpPr>
+        <p:spPr>
+          <a:xfrm flipH="1">
+            <a:off x="6146837" y="2719925"/>
+            <a:ext cx="2986382" cy="882257"/>
+          </a:xfrm>
+          <a:prstGeom prst="straightConnector1">
+            <a:avLst/>
+          </a:prstGeom>
+          <a:ln>
+            <a:prstDash val="dash"/>
+            <a:tailEnd type="triangle"/>
+          </a:ln>
+        </p:spPr>
+        <p:style>
+          <a:lnRef idx="1">
+            <a:schemeClr val="accent1"/>
+          </a:lnRef>
+          <a:fillRef idx="0">
+            <a:schemeClr val="accent1"/>
+          </a:fillRef>
+          <a:effectRef idx="0">
+            <a:schemeClr val="accent1"/>
+          </a:effectRef>
+          <a:fontRef idx="minor">
+            <a:schemeClr val="tx1"/>
+          </a:fontRef>
+        </p:style>
+      </p:cxnSp>
+      <p:sp>
+        <p:nvSpPr>
+          <p:cNvPr id="40" name="TextBox 39">
+            <a:extLst>
+              <a:ext uri="{FF2B5EF4-FFF2-40B4-BE49-F238E27FC236}">
+                <a16:creationId xmlns:a16="http://schemas.microsoft.com/office/drawing/2014/main" id="{94DE2894-0481-ACA2-4EC4-6E868F8FAEE3}"/>
+              </a:ext>
+            </a:extLst>
+          </p:cNvPr>
+          <p:cNvSpPr txBox="1"/>
+          <p:nvPr/>
+        </p:nvSpPr>
+        <p:spPr>
+          <a:xfrm>
+            <a:off x="1145309" y="2335860"/>
+            <a:ext cx="1241045" cy="261610"/>
+          </a:xfrm>
+          <a:prstGeom prst="rect">
+            <a:avLst/>
+          </a:prstGeom>
+          <a:ln>
+            <a:noFill/>
+          </a:ln>
+        </p:spPr>
+        <p:style>
+          <a:lnRef idx="2">
+            <a:schemeClr val="dk1"/>
+          </a:lnRef>
+          <a:fillRef idx="1">
+            <a:schemeClr val="lt1"/>
+          </a:fillRef>
+          <a:effectRef idx="0">
+            <a:schemeClr val="dk1"/>
+          </a:effectRef>
+          <a:fontRef idx="minor">
+            <a:schemeClr val="dk1"/>
+          </a:fontRef>
+        </p:style>
+        <p:txBody>
+          <a:bodyPr wrap="none" rtlCol="0">
+            <a:spAutoFit/>
+          </a:bodyPr>
+          <a:lstStyle/>
+          <a:p>
+            <a:r>
+              <a:rPr lang="en-US" altLang="ko-KR" sz="1100" dirty="0">
+                <a:solidFill>
+                  <a:schemeClr val="accent1">
+                    <a:lumMod val="60000"/>
+                    <a:lumOff val="40000"/>
+                  </a:schemeClr>
+                </a:solidFill>
+              </a:rPr>
+              <a:t>TickAccumulator</a:t>
+            </a:r>
+            <a:endParaRPr lang="ko-KR" altLang="en-US" sz="1100" dirty="0">
+              <a:solidFill>
+                <a:schemeClr val="accent1">
+                  <a:lumMod val="60000"/>
+                  <a:lumOff val="40000"/>
+                </a:schemeClr>
+              </a:solidFill>
+            </a:endParaRPr>
+          </a:p>
+        </p:txBody>
+      </p:sp>
+      <p:sp>
+        <p:nvSpPr>
+          <p:cNvPr id="45" name="TextBox 44">
+            <a:extLst>
+              <a:ext uri="{FF2B5EF4-FFF2-40B4-BE49-F238E27FC236}">
+                <a16:creationId xmlns:a16="http://schemas.microsoft.com/office/drawing/2014/main" id="{2B090284-D322-22FC-B77F-9810D939FBC6}"/>
+              </a:ext>
+            </a:extLst>
+          </p:cNvPr>
+          <p:cNvSpPr txBox="1"/>
+          <p:nvPr/>
+        </p:nvSpPr>
+        <p:spPr>
+          <a:xfrm>
+            <a:off x="9642172" y="2335860"/>
+            <a:ext cx="1377300" cy="261610"/>
+          </a:xfrm>
+          <a:prstGeom prst="rect">
+            <a:avLst/>
+          </a:prstGeom>
+          <a:ln>
+            <a:noFill/>
+          </a:ln>
+        </p:spPr>
+        <p:style>
+          <a:lnRef idx="2">
+            <a:schemeClr val="dk1"/>
+          </a:lnRef>
+          <a:fillRef idx="1">
+            <a:schemeClr val="lt1"/>
+          </a:fillRef>
+          <a:effectRef idx="0">
+            <a:schemeClr val="dk1"/>
+          </a:effectRef>
+          <a:fontRef idx="minor">
+            <a:schemeClr val="dk1"/>
+          </a:fontRef>
+        </p:style>
+        <p:txBody>
+          <a:bodyPr wrap="none" rtlCol="0">
+            <a:spAutoFit/>
+          </a:bodyPr>
+          <a:lstStyle/>
+          <a:p>
+            <a:r>
+              <a:rPr lang="en-US" altLang="ko-KR" sz="1100" dirty="0">
+                <a:solidFill>
+                  <a:schemeClr val="accent1">
+                    <a:lumMod val="60000"/>
+                    <a:lumOff val="40000"/>
+                  </a:schemeClr>
+                </a:solidFill>
+              </a:rPr>
+              <a:t>CountAccumulator</a:t>
+            </a:r>
+            <a:endParaRPr lang="ko-KR" altLang="en-US" sz="1100" dirty="0">
+              <a:solidFill>
+                <a:schemeClr val="accent1">
+                  <a:lumMod val="60000"/>
+                  <a:lumOff val="40000"/>
+                </a:schemeClr>
+              </a:solidFill>
+            </a:endParaRPr>
+          </a:p>
+        </p:txBody>
+      </p:sp>
+      <p:sp>
+        <p:nvSpPr>
+          <p:cNvPr id="46" name="TextBox 45">
+            <a:extLst>
+              <a:ext uri="{FF2B5EF4-FFF2-40B4-BE49-F238E27FC236}">
+                <a16:creationId xmlns:a16="http://schemas.microsoft.com/office/drawing/2014/main" id="{78A6D049-38A2-57A3-3EF3-5E28D18088EE}"/>
+              </a:ext>
+            </a:extLst>
+          </p:cNvPr>
+          <p:cNvSpPr txBox="1"/>
+          <p:nvPr/>
+        </p:nvSpPr>
+        <p:spPr>
+          <a:xfrm>
+            <a:off x="8819858" y="5698342"/>
+            <a:ext cx="2077172" cy="369332"/>
+          </a:xfrm>
+          <a:prstGeom prst="rect">
+            <a:avLst/>
+          </a:prstGeom>
+        </p:spPr>
+        <p:style>
+          <a:lnRef idx="2">
+            <a:schemeClr val="dk1"/>
+          </a:lnRef>
+          <a:fillRef idx="1">
+            <a:schemeClr val="lt1"/>
+          </a:fillRef>
+          <a:effectRef idx="0">
+            <a:schemeClr val="dk1"/>
+          </a:effectRef>
+          <a:fontRef idx="minor">
+            <a:schemeClr val="dk1"/>
+          </a:fontRef>
+        </p:style>
+        <p:txBody>
+          <a:bodyPr wrap="none" rtlCol="0">
+            <a:spAutoFit/>
+          </a:bodyPr>
+          <a:lstStyle/>
+          <a:p>
+            <a:r>
+              <a:rPr lang="en-US" altLang="ko-KR" dirty="0"/>
+              <a:t>CounterStatement</a:t>
+            </a:r>
+            <a:endParaRPr lang="ko-KR" altLang="en-US" dirty="0"/>
+          </a:p>
+        </p:txBody>
+      </p:sp>
+      <p:sp>
+        <p:nvSpPr>
+          <p:cNvPr id="3" name="TextBox 2">
+            <a:extLst>
+              <a:ext uri="{FF2B5EF4-FFF2-40B4-BE49-F238E27FC236}">
+                <a16:creationId xmlns:a16="http://schemas.microsoft.com/office/drawing/2014/main" id="{A01FA822-B995-09A6-6574-7F9B76403C80}"/>
+              </a:ext>
+            </a:extLst>
+          </p:cNvPr>
+          <p:cNvSpPr txBox="1"/>
+          <p:nvPr/>
+        </p:nvSpPr>
+        <p:spPr>
+          <a:xfrm>
+            <a:off x="1108311" y="5698342"/>
+            <a:ext cx="1832233" cy="369332"/>
+          </a:xfrm>
+          <a:prstGeom prst="rect">
+            <a:avLst/>
+          </a:prstGeom>
+        </p:spPr>
+        <p:style>
+          <a:lnRef idx="2">
+            <a:schemeClr val="dk1"/>
+          </a:lnRef>
+          <a:fillRef idx="1">
+            <a:schemeClr val="lt1"/>
+          </a:fillRef>
+          <a:effectRef idx="0">
+            <a:schemeClr val="dk1"/>
+          </a:effectRef>
+          <a:fontRef idx="minor">
+            <a:schemeClr val="dk1"/>
+          </a:fontRef>
+        </p:style>
+        <p:txBody>
+          <a:bodyPr wrap="none" rtlCol="0">
+            <a:spAutoFit/>
+          </a:bodyPr>
+          <a:lstStyle/>
+          <a:p>
+            <a:r>
+              <a:rPr lang="en-US" altLang="ko-KR" dirty="0"/>
+              <a:t>TimerStatement</a:t>
+            </a:r>
+            <a:endParaRPr lang="ko-KR" altLang="en-US" dirty="0"/>
+          </a:p>
+        </p:txBody>
+      </p:sp>
+    </p:spTree>
+    <p:extLst>
+      <p:ext uri="{BB962C8B-B14F-4D97-AF65-F5344CB8AC3E}">
+        <p14:creationId xmlns:p14="http://schemas.microsoft.com/office/powerpoint/2010/main" val="3377512998"/>
+      </p:ext>
+    </p:extLst>
+  </p:cSld>
+  <p:clrMapOvr>
+    <a:masterClrMapping/>
+  </p:clrMapOvr>
+</p:sld>
+</file>
+
+<file path=ppt/slides/slide26.xml><?xml version="1.0" encoding="utf-8"?>
+<p:sld xmlns:a="http://schemas.openxmlformats.org/drawingml/2006/main" xmlns:r="http://schemas.openxmlformats.org/officeDocument/2006/relationships" xmlns:p="http://schemas.openxmlformats.org/presentationml/2006/main">
+  <p:cSld>
+    <p:spTree>
+      <p:nvGrpSpPr>
+        <p:cNvPr id="1" name=""/>
+        <p:cNvGrpSpPr/>
+        <p:nvPr/>
+      </p:nvGrpSpPr>
+      <p:grpSpPr>
+        <a:xfrm>
+          <a:off x="0" y="0"/>
+          <a:ext cx="0" cy="0"/>
+          <a:chOff x="0" y="0"/>
+          <a:chExt cx="0" cy="0"/>
+        </a:xfrm>
+      </p:grpSpPr>
+      <p:sp>
+        <p:nvSpPr>
+          <p:cNvPr id="2" name="제목 1">
+            <a:extLst>
+              <a:ext uri="{FF2B5EF4-FFF2-40B4-BE49-F238E27FC236}">
+                <a16:creationId xmlns:a16="http://schemas.microsoft.com/office/drawing/2014/main" id="{1B5AB5BE-0CEB-62D1-287B-7A8FB8BC868A}"/>
+              </a:ext>
+            </a:extLst>
+          </p:cNvPr>
+          <p:cNvSpPr>
+            <a:spLocks noGrp="1"/>
+          </p:cNvSpPr>
+          <p:nvPr>
+            <p:ph type="title"/>
+          </p:nvPr>
+        </p:nvSpPr>
+        <p:spPr/>
+        <p:txBody>
+          <a:bodyPr/>
+          <a:lstStyle/>
+          <a:p>
+            <a:r>
+              <a:rPr lang="en-US" altLang="ko-KR" dirty="0"/>
+              <a:t>Classes : Timer/Counter top level</a:t>
+            </a:r>
+            <a:endParaRPr lang="ko-KR" altLang="en-US" dirty="0"/>
+          </a:p>
+        </p:txBody>
+      </p:sp>
+      <p:sp>
+        <p:nvSpPr>
+          <p:cNvPr id="5" name="TextBox 4">
+            <a:extLst>
+              <a:ext uri="{FF2B5EF4-FFF2-40B4-BE49-F238E27FC236}">
+                <a16:creationId xmlns:a16="http://schemas.microsoft.com/office/drawing/2014/main" id="{97A82AB5-B6A3-7DF3-7F5D-F0EAA673A0E9}"/>
+              </a:ext>
+            </a:extLst>
+          </p:cNvPr>
+          <p:cNvSpPr txBox="1"/>
+          <p:nvPr/>
+        </p:nvSpPr>
+        <p:spPr>
+          <a:xfrm>
+            <a:off x="951344" y="1889174"/>
+            <a:ext cx="9938329" cy="3970318"/>
           </a:xfrm>
           <a:prstGeom prst="rect">
             <a:avLst/>
@@ -7525,23 +6144,1555 @@
           <a:noFill/>
         </p:spPr>
         <p:txBody>
-          <a:bodyPr wrap="none" rtlCol="0">
+          <a:bodyPr wrap="square">
             <a:spAutoFit/>
           </a:bodyPr>
           <a:lstStyle/>
           <a:p>
             <a:r>
-              <a:rPr lang="en-US" altLang="ko-KR" dirty="0"/>
-              <a:t>OK</a:t>
-            </a:r>
-            <a:endParaRPr lang="ko-KR" altLang="en-US" dirty="0"/>
+              <a:rPr lang="en-US" altLang="ko-KR" sz="1400" dirty="0">
+                <a:solidFill>
+                  <a:srgbClr val="0000FF"/>
+                </a:solidFill>
+                <a:latin typeface="Cascadia Mono" panose="020B0609020000020004" pitchFamily="49" charset="0"/>
+              </a:rPr>
+              <a:t>type</a:t>
+            </a:r>
+            <a:r>
+              <a:rPr lang="en-US" altLang="ko-KR" sz="1400" dirty="0">
+                <a:solidFill>
+                  <a:srgbClr val="000000"/>
+                </a:solidFill>
+                <a:latin typeface="Cascadia Mono" panose="020B0609020000020004" pitchFamily="49" charset="0"/>
+              </a:rPr>
+              <a:t> Statement =</a:t>
+            </a:r>
+          </a:p>
+          <a:p>
+            <a:r>
+              <a:rPr lang="en-US" altLang="ko-KR" sz="1400" dirty="0">
+                <a:solidFill>
+                  <a:srgbClr val="000000"/>
+                </a:solidFill>
+                <a:latin typeface="Cascadia Mono" panose="020B0609020000020004" pitchFamily="49" charset="0"/>
+              </a:rPr>
+              <a:t>        | DuAssign </a:t>
+            </a:r>
+            <a:r>
+              <a:rPr lang="en-US" altLang="ko-KR" sz="1400" dirty="0">
+                <a:solidFill>
+                  <a:srgbClr val="0000FF"/>
+                </a:solidFill>
+                <a:latin typeface="Cascadia Mono" panose="020B0609020000020004" pitchFamily="49" charset="0"/>
+              </a:rPr>
+              <a:t>of</a:t>
+            </a:r>
+            <a:r>
+              <a:rPr lang="en-US" altLang="ko-KR" sz="1400" dirty="0">
+                <a:solidFill>
+                  <a:srgbClr val="000000"/>
+                </a:solidFill>
+                <a:latin typeface="Cascadia Mono" panose="020B0609020000020004" pitchFamily="49" charset="0"/>
+              </a:rPr>
+              <a:t> expression:IExpression * target:IStorage</a:t>
+            </a:r>
+          </a:p>
+          <a:p>
+            <a:r>
+              <a:rPr lang="en-US" altLang="ko-KR" sz="1400" dirty="0">
+                <a:solidFill>
+                  <a:srgbClr val="000000"/>
+                </a:solidFill>
+                <a:latin typeface="Cascadia Mono" panose="020B0609020000020004" pitchFamily="49" charset="0"/>
+              </a:rPr>
+              <a:t>        | DuVarDecl </a:t>
+            </a:r>
+            <a:r>
+              <a:rPr lang="en-US" altLang="ko-KR" sz="1400" dirty="0">
+                <a:solidFill>
+                  <a:srgbClr val="0000FF"/>
+                </a:solidFill>
+                <a:latin typeface="Cascadia Mono" panose="020B0609020000020004" pitchFamily="49" charset="0"/>
+              </a:rPr>
+              <a:t>of</a:t>
+            </a:r>
+            <a:r>
+              <a:rPr lang="en-US" altLang="ko-KR" sz="1400" dirty="0">
+                <a:solidFill>
+                  <a:srgbClr val="000000"/>
+                </a:solidFill>
+                <a:latin typeface="Cascadia Mono" panose="020B0609020000020004" pitchFamily="49" charset="0"/>
+              </a:rPr>
+              <a:t> expression:IExpression * variable:IStorage</a:t>
+            </a:r>
+          </a:p>
+          <a:p>
+            <a:r>
+              <a:rPr lang="en-US" altLang="ko-KR" sz="1400" dirty="0">
+                <a:solidFill>
+                  <a:srgbClr val="000000"/>
+                </a:solidFill>
+                <a:latin typeface="Cascadia Mono" panose="020B0609020000020004" pitchFamily="49" charset="0"/>
+              </a:rPr>
+              <a:t>        | DuTimer </a:t>
+            </a:r>
+            <a:r>
+              <a:rPr lang="en-US" altLang="ko-KR" sz="1400" dirty="0">
+                <a:solidFill>
+                  <a:srgbClr val="0000FF"/>
+                </a:solidFill>
+                <a:latin typeface="Cascadia Mono" panose="020B0609020000020004" pitchFamily="49" charset="0"/>
+              </a:rPr>
+              <a:t>of</a:t>
+            </a:r>
+            <a:r>
+              <a:rPr lang="en-US" altLang="ko-KR" sz="1400" dirty="0">
+                <a:solidFill>
+                  <a:srgbClr val="000000"/>
+                </a:solidFill>
+                <a:latin typeface="Cascadia Mono" panose="020B0609020000020004" pitchFamily="49" charset="0"/>
+              </a:rPr>
+              <a:t> TimerStatement</a:t>
+            </a:r>
+          </a:p>
+          <a:p>
+            <a:r>
+              <a:rPr lang="en-US" altLang="ko-KR" sz="1400" dirty="0">
+                <a:solidFill>
+                  <a:srgbClr val="000000"/>
+                </a:solidFill>
+                <a:latin typeface="Cascadia Mono" panose="020B0609020000020004" pitchFamily="49" charset="0"/>
+              </a:rPr>
+              <a:t>        | DuCounter </a:t>
+            </a:r>
+            <a:r>
+              <a:rPr lang="en-US" altLang="ko-KR" sz="1400" dirty="0">
+                <a:solidFill>
+                  <a:srgbClr val="0000FF"/>
+                </a:solidFill>
+                <a:latin typeface="Cascadia Mono" panose="020B0609020000020004" pitchFamily="49" charset="0"/>
+              </a:rPr>
+              <a:t>of</a:t>
+            </a:r>
+            <a:r>
+              <a:rPr lang="en-US" altLang="ko-KR" sz="1400" dirty="0">
+                <a:solidFill>
+                  <a:srgbClr val="000000"/>
+                </a:solidFill>
+                <a:latin typeface="Cascadia Mono" panose="020B0609020000020004" pitchFamily="49" charset="0"/>
+              </a:rPr>
+              <a:t> CounterStatement</a:t>
+            </a:r>
+          </a:p>
+          <a:p>
+            <a:endParaRPr lang="en-US" altLang="ko-KR" sz="1400" dirty="0">
+              <a:solidFill>
+                <a:srgbClr val="000000"/>
+              </a:solidFill>
+              <a:latin typeface="Cascadia Mono" panose="020B0609020000020004" pitchFamily="49" charset="0"/>
+            </a:endParaRPr>
+          </a:p>
+          <a:p>
+            <a:r>
+              <a:rPr lang="en-US" altLang="ko-KR" sz="1400" dirty="0">
+                <a:solidFill>
+                  <a:srgbClr val="0000FF"/>
+                </a:solidFill>
+                <a:latin typeface="Cascadia Mono" panose="020B0609020000020004" pitchFamily="49" charset="0"/>
+              </a:rPr>
+              <a:t>type</a:t>
+            </a:r>
+            <a:r>
+              <a:rPr lang="en-US" altLang="ko-KR" sz="1400" dirty="0">
+                <a:solidFill>
+                  <a:srgbClr val="000000"/>
+                </a:solidFill>
+                <a:latin typeface="Cascadia Mono" panose="020B0609020000020004" pitchFamily="49" charset="0"/>
+              </a:rPr>
+              <a:t> TimerStatement = {</a:t>
+            </a:r>
+          </a:p>
+          <a:p>
+            <a:r>
+              <a:rPr lang="en-US" altLang="ko-KR" sz="1400" dirty="0">
+                <a:solidFill>
+                  <a:srgbClr val="000000"/>
+                </a:solidFill>
+                <a:latin typeface="Cascadia Mono" panose="020B0609020000020004" pitchFamily="49" charset="0"/>
+              </a:rPr>
+              <a:t>    Timer:</a:t>
+            </a:r>
+            <a:r>
+              <a:rPr lang="en-US" altLang="ko-KR" sz="1400" dirty="0">
+                <a:solidFill>
+                  <a:srgbClr val="FF0000"/>
+                </a:solidFill>
+                <a:latin typeface="Cascadia Mono" panose="020B0609020000020004" pitchFamily="49" charset="0"/>
+              </a:rPr>
+              <a:t>Timer</a:t>
+            </a:r>
+          </a:p>
+          <a:p>
+            <a:r>
+              <a:rPr lang="en-US" altLang="ko-KR" sz="1400" dirty="0">
+                <a:solidFill>
+                  <a:srgbClr val="000000"/>
+                </a:solidFill>
+                <a:latin typeface="Cascadia Mono" panose="020B0609020000020004" pitchFamily="49" charset="0"/>
+              </a:rPr>
+              <a:t>    RungInCondition: IExpression&lt;bool&gt; option</a:t>
+            </a:r>
+          </a:p>
+          <a:p>
+            <a:r>
+              <a:rPr lang="en-US" altLang="ko-KR" sz="1400" dirty="0">
+                <a:solidFill>
+                  <a:srgbClr val="000000"/>
+                </a:solidFill>
+                <a:latin typeface="Cascadia Mono" panose="020B0609020000020004" pitchFamily="49" charset="0"/>
+              </a:rPr>
+              <a:t>    ResetCondition:  IExpression&lt;bool&gt; option</a:t>
+            </a:r>
+          </a:p>
+          <a:p>
+            <a:r>
+              <a:rPr lang="en-US" altLang="ko-KR" sz="1400" dirty="0">
+                <a:solidFill>
+                  <a:srgbClr val="000000"/>
+                </a:solidFill>
+                <a:latin typeface="Cascadia Mono" panose="020B0609020000020004" pitchFamily="49" charset="0"/>
+              </a:rPr>
+              <a:t>}</a:t>
+            </a:r>
+          </a:p>
+          <a:p>
+            <a:endParaRPr lang="ko-KR" altLang="en-US" sz="1400" dirty="0">
+              <a:solidFill>
+                <a:srgbClr val="000000"/>
+              </a:solidFill>
+              <a:latin typeface="Cascadia Mono" panose="020B0609020000020004" pitchFamily="49" charset="0"/>
+            </a:endParaRPr>
+          </a:p>
+          <a:p>
+            <a:r>
+              <a:rPr lang="en-US" altLang="ko-KR" sz="1400" dirty="0">
+                <a:solidFill>
+                  <a:srgbClr val="0000FF"/>
+                </a:solidFill>
+                <a:latin typeface="Cascadia Mono" panose="020B0609020000020004" pitchFamily="49" charset="0"/>
+              </a:rPr>
+              <a:t>type</a:t>
+            </a:r>
+            <a:r>
+              <a:rPr lang="en-US" altLang="ko-KR" sz="1400" dirty="0">
+                <a:solidFill>
+                  <a:srgbClr val="000000"/>
+                </a:solidFill>
+                <a:latin typeface="Cascadia Mono" panose="020B0609020000020004" pitchFamily="49" charset="0"/>
+              </a:rPr>
+              <a:t> CounterStatement = {</a:t>
+            </a:r>
+          </a:p>
+          <a:p>
+            <a:r>
+              <a:rPr lang="en-US" altLang="ko-KR" sz="1400" dirty="0">
+                <a:solidFill>
+                  <a:srgbClr val="000000"/>
+                </a:solidFill>
+                <a:latin typeface="Cascadia Mono" panose="020B0609020000020004" pitchFamily="49" charset="0"/>
+              </a:rPr>
+              <a:t>    Counter:Counter</a:t>
+            </a:r>
+          </a:p>
+          <a:p>
+            <a:r>
+              <a:rPr lang="en-US" altLang="ko-KR" sz="1400" dirty="0">
+                <a:solidFill>
+                  <a:srgbClr val="000000"/>
+                </a:solidFill>
+                <a:latin typeface="Cascadia Mono" panose="020B0609020000020004" pitchFamily="49" charset="0"/>
+              </a:rPr>
+              <a:t>    UpCondition: IExpression&lt;bool&gt; option</a:t>
+            </a:r>
+          </a:p>
+          <a:p>
+            <a:r>
+              <a:rPr lang="en-US" altLang="ko-KR" sz="1400" dirty="0">
+                <a:solidFill>
+                  <a:srgbClr val="000000"/>
+                </a:solidFill>
+                <a:latin typeface="Cascadia Mono" panose="020B0609020000020004" pitchFamily="49" charset="0"/>
+              </a:rPr>
+              <a:t>    DownCondition: IExpression&lt;bool&gt; option</a:t>
+            </a:r>
+          </a:p>
+          <a:p>
+            <a:r>
+              <a:rPr lang="en-US" altLang="ko-KR" sz="1400" dirty="0">
+                <a:solidFill>
+                  <a:srgbClr val="000000"/>
+                </a:solidFill>
+                <a:latin typeface="Cascadia Mono" panose="020B0609020000020004" pitchFamily="49" charset="0"/>
+              </a:rPr>
+              <a:t>    ResetCondition:  IExpression&lt;bool&gt; option</a:t>
+            </a:r>
+          </a:p>
+          <a:p>
+            <a:r>
+              <a:rPr lang="en-US" altLang="ko-KR" sz="1400" dirty="0">
+                <a:solidFill>
+                  <a:srgbClr val="000000"/>
+                </a:solidFill>
+                <a:latin typeface="Cascadia Mono" panose="020B0609020000020004" pitchFamily="49" charset="0"/>
+              </a:rPr>
+              <a:t>}</a:t>
+            </a:r>
           </a:p>
         </p:txBody>
       </p:sp>
     </p:spTree>
     <p:extLst>
       <p:ext uri="{BB962C8B-B14F-4D97-AF65-F5344CB8AC3E}">
-        <p14:creationId xmlns:p14="http://schemas.microsoft.com/office/powerpoint/2010/main" val="2898261055"/>
+        <p14:creationId xmlns:p14="http://schemas.microsoft.com/office/powerpoint/2010/main" val="3044527727"/>
+      </p:ext>
+    </p:extLst>
+  </p:cSld>
+  <p:clrMapOvr>
+    <a:masterClrMapping/>
+  </p:clrMapOvr>
+</p:sld>
+</file>
+
+<file path=ppt/slides/slide27.xml><?xml version="1.0" encoding="utf-8"?>
+<p:sld xmlns:a="http://schemas.openxmlformats.org/drawingml/2006/main" xmlns:r="http://schemas.openxmlformats.org/officeDocument/2006/relationships" xmlns:p="http://schemas.openxmlformats.org/presentationml/2006/main">
+  <p:cSld>
+    <p:spTree>
+      <p:nvGrpSpPr>
+        <p:cNvPr id="1" name=""/>
+        <p:cNvGrpSpPr/>
+        <p:nvPr/>
+      </p:nvGrpSpPr>
+      <p:grpSpPr>
+        <a:xfrm>
+          <a:off x="0" y="0"/>
+          <a:ext cx="0" cy="0"/>
+          <a:chOff x="0" y="0"/>
+          <a:chExt cx="0" cy="0"/>
+        </a:xfrm>
+      </p:grpSpPr>
+      <p:sp>
+        <p:nvSpPr>
+          <p:cNvPr id="2" name="제목 1">
+            <a:extLst>
+              <a:ext uri="{FF2B5EF4-FFF2-40B4-BE49-F238E27FC236}">
+                <a16:creationId xmlns:a16="http://schemas.microsoft.com/office/drawing/2014/main" id="{5EB18DC9-FC2F-0591-7F29-6E1E653363F3}"/>
+              </a:ext>
+            </a:extLst>
+          </p:cNvPr>
+          <p:cNvSpPr>
+            <a:spLocks noGrp="1"/>
+          </p:cNvSpPr>
+          <p:nvPr>
+            <p:ph type="title"/>
+          </p:nvPr>
+        </p:nvSpPr>
+        <p:spPr/>
+        <p:txBody>
+          <a:bodyPr/>
+          <a:lstStyle/>
+          <a:p>
+            <a:r>
+              <a:rPr lang="en-US" altLang="ko-KR" dirty="0"/>
+              <a:t>Classes : Timer statements</a:t>
+            </a:r>
+            <a:endParaRPr lang="ko-KR" altLang="en-US" dirty="0"/>
+          </a:p>
+        </p:txBody>
+      </p:sp>
+      <p:sp>
+        <p:nvSpPr>
+          <p:cNvPr id="5" name="TextBox 4">
+            <a:extLst>
+              <a:ext uri="{FF2B5EF4-FFF2-40B4-BE49-F238E27FC236}">
+                <a16:creationId xmlns:a16="http://schemas.microsoft.com/office/drawing/2014/main" id="{8E9067D1-0ED2-925C-8C37-9111D6743EA1}"/>
+              </a:ext>
+            </a:extLst>
+          </p:cNvPr>
+          <p:cNvSpPr txBox="1"/>
+          <p:nvPr/>
+        </p:nvSpPr>
+        <p:spPr>
+          <a:xfrm>
+            <a:off x="838200" y="1880581"/>
+            <a:ext cx="10594109" cy="4524315"/>
+          </a:xfrm>
+          <a:prstGeom prst="rect">
+            <a:avLst/>
+          </a:prstGeom>
+          <a:noFill/>
+        </p:spPr>
+        <p:txBody>
+          <a:bodyPr wrap="square">
+            <a:spAutoFit/>
+          </a:bodyPr>
+          <a:lstStyle/>
+          <a:p>
+            <a:r>
+              <a:rPr lang="en-US" altLang="ko-KR" sz="1800" dirty="0">
+                <a:solidFill>
+                  <a:srgbClr val="0000FF"/>
+                </a:solidFill>
+                <a:latin typeface="Cascadia Mono" panose="020B0609020000020004" pitchFamily="49" charset="0"/>
+              </a:rPr>
+              <a:t>type</a:t>
+            </a:r>
+            <a:r>
+              <a:rPr lang="en-US" altLang="ko-KR" sz="1800" dirty="0">
+                <a:solidFill>
+                  <a:srgbClr val="000000"/>
+                </a:solidFill>
+                <a:latin typeface="Cascadia Mono" panose="020B0609020000020004" pitchFamily="49" charset="0"/>
+              </a:rPr>
+              <a:t> Timer </a:t>
+            </a:r>
+            <a:r>
+              <a:rPr lang="en-US" altLang="ko-KR" sz="1800" dirty="0">
+                <a:solidFill>
+                  <a:srgbClr val="0000FF"/>
+                </a:solidFill>
+                <a:latin typeface="Cascadia Mono" panose="020B0609020000020004" pitchFamily="49" charset="0"/>
+              </a:rPr>
+              <a:t>internal</a:t>
+            </a:r>
+            <a:r>
+              <a:rPr lang="en-US" altLang="ko-KR" sz="1800" dirty="0">
+                <a:solidFill>
+                  <a:srgbClr val="000000"/>
+                </a:solidFill>
+                <a:latin typeface="Cascadia Mono" panose="020B0609020000020004" pitchFamily="49" charset="0"/>
+              </a:rPr>
+              <a:t>(typ:TimerType, timerStruct:TimerStruct) =</a:t>
+            </a:r>
+          </a:p>
+          <a:p>
+            <a:endParaRPr lang="ko-KR" altLang="en-US" sz="1800" dirty="0">
+              <a:solidFill>
+                <a:srgbClr val="000000"/>
+              </a:solidFill>
+              <a:latin typeface="Cascadia Mono" panose="020B0609020000020004" pitchFamily="49" charset="0"/>
+            </a:endParaRPr>
+          </a:p>
+          <a:p>
+            <a:r>
+              <a:rPr lang="en-US" altLang="ko-KR" sz="1800" dirty="0">
+                <a:solidFill>
+                  <a:srgbClr val="000000"/>
+                </a:solidFill>
+                <a:latin typeface="Cascadia Mono" panose="020B0609020000020004" pitchFamily="49" charset="0"/>
+              </a:rPr>
+              <a:t>    </a:t>
+            </a:r>
+            <a:r>
+              <a:rPr lang="en-US" altLang="ko-KR" sz="1800" dirty="0">
+                <a:solidFill>
+                  <a:srgbClr val="0000FF"/>
+                </a:solidFill>
+                <a:latin typeface="Cascadia Mono" panose="020B0609020000020004" pitchFamily="49" charset="0"/>
+              </a:rPr>
+              <a:t>let</a:t>
+            </a:r>
+            <a:r>
+              <a:rPr lang="en-US" altLang="ko-KR" sz="1800" dirty="0">
+                <a:solidFill>
+                  <a:srgbClr val="000000"/>
+                </a:solidFill>
+                <a:latin typeface="Cascadia Mono" panose="020B0609020000020004" pitchFamily="49" charset="0"/>
+              </a:rPr>
+              <a:t> accumulator = </a:t>
+            </a:r>
+            <a:r>
+              <a:rPr lang="en-US" altLang="ko-KR" sz="1800" dirty="0">
+                <a:solidFill>
+                  <a:srgbClr val="0000FF"/>
+                </a:solidFill>
+                <a:latin typeface="Cascadia Mono" panose="020B0609020000020004" pitchFamily="49" charset="0"/>
+              </a:rPr>
+              <a:t>new</a:t>
+            </a:r>
+            <a:r>
+              <a:rPr lang="en-US" altLang="ko-KR" sz="1800" dirty="0">
+                <a:solidFill>
+                  <a:srgbClr val="000000"/>
+                </a:solidFill>
+                <a:latin typeface="Cascadia Mono" panose="020B0609020000020004" pitchFamily="49" charset="0"/>
+              </a:rPr>
+              <a:t> TickAccumulator(typ, timerStruct)</a:t>
+            </a:r>
+          </a:p>
+          <a:p>
+            <a:endParaRPr lang="ko-KR" altLang="en-US" sz="1800" dirty="0">
+              <a:solidFill>
+                <a:srgbClr val="000000"/>
+              </a:solidFill>
+              <a:latin typeface="Cascadia Mono" panose="020B0609020000020004" pitchFamily="49" charset="0"/>
+            </a:endParaRPr>
+          </a:p>
+          <a:p>
+            <a:r>
+              <a:rPr lang="en-US" altLang="ko-KR" sz="1800" dirty="0">
+                <a:solidFill>
+                  <a:srgbClr val="000000"/>
+                </a:solidFill>
+                <a:latin typeface="Cascadia Mono" panose="020B0609020000020004" pitchFamily="49" charset="0"/>
+              </a:rPr>
+              <a:t>    </a:t>
+            </a:r>
+            <a:r>
+              <a:rPr lang="en-US" altLang="ko-KR" sz="1800" dirty="0">
+                <a:solidFill>
+                  <a:srgbClr val="0000FF"/>
+                </a:solidFill>
+                <a:latin typeface="Cascadia Mono" panose="020B0609020000020004" pitchFamily="49" charset="0"/>
+              </a:rPr>
+              <a:t>member</a:t>
+            </a:r>
+            <a:r>
+              <a:rPr lang="en-US" altLang="ko-KR" sz="1800" dirty="0">
+                <a:solidFill>
+                  <a:srgbClr val="000000"/>
+                </a:solidFill>
+                <a:latin typeface="Cascadia Mono" panose="020B0609020000020004" pitchFamily="49" charset="0"/>
+              </a:rPr>
+              <a:t> _.Type = typ</a:t>
+            </a:r>
+          </a:p>
+          <a:p>
+            <a:r>
+              <a:rPr lang="en-US" altLang="ko-KR" sz="1800" dirty="0">
+                <a:solidFill>
+                  <a:srgbClr val="000000"/>
+                </a:solidFill>
+                <a:latin typeface="Cascadia Mono" panose="020B0609020000020004" pitchFamily="49" charset="0"/>
+              </a:rPr>
+              <a:t>    </a:t>
+            </a:r>
+            <a:r>
+              <a:rPr lang="en-US" altLang="ko-KR" sz="1800" dirty="0">
+                <a:solidFill>
+                  <a:srgbClr val="0000FF"/>
+                </a:solidFill>
+                <a:latin typeface="Cascadia Mono" panose="020B0609020000020004" pitchFamily="49" charset="0"/>
+              </a:rPr>
+              <a:t>member</a:t>
+            </a:r>
+            <a:r>
+              <a:rPr lang="en-US" altLang="ko-KR" sz="1800" dirty="0">
+                <a:solidFill>
+                  <a:srgbClr val="000000"/>
+                </a:solidFill>
+                <a:latin typeface="Cascadia Mono" panose="020B0609020000020004" pitchFamily="49" charset="0"/>
+              </a:rPr>
+              <a:t> _.Name = timerStruct.Name</a:t>
+            </a:r>
+          </a:p>
+          <a:p>
+            <a:r>
+              <a:rPr lang="en-US" altLang="ko-KR" sz="1800" dirty="0">
+                <a:solidFill>
+                  <a:srgbClr val="000000"/>
+                </a:solidFill>
+                <a:latin typeface="Cascadia Mono" panose="020B0609020000020004" pitchFamily="49" charset="0"/>
+              </a:rPr>
+              <a:t>    </a:t>
+            </a:r>
+            <a:r>
+              <a:rPr lang="en-US" altLang="ko-KR" sz="1800" dirty="0">
+                <a:solidFill>
+                  <a:srgbClr val="0000FF"/>
+                </a:solidFill>
+                <a:latin typeface="Cascadia Mono" panose="020B0609020000020004" pitchFamily="49" charset="0"/>
+              </a:rPr>
+              <a:t>member</a:t>
+            </a:r>
+            <a:r>
+              <a:rPr lang="en-US" altLang="ko-KR" sz="1800" dirty="0">
+                <a:solidFill>
+                  <a:srgbClr val="000000"/>
+                </a:solidFill>
+                <a:latin typeface="Cascadia Mono" panose="020B0609020000020004" pitchFamily="49" charset="0"/>
+              </a:rPr>
+              <a:t> _.EN = timerStruct.EN</a:t>
+            </a:r>
+          </a:p>
+          <a:p>
+            <a:r>
+              <a:rPr lang="en-US" altLang="ko-KR" sz="1800" dirty="0">
+                <a:solidFill>
+                  <a:srgbClr val="000000"/>
+                </a:solidFill>
+                <a:latin typeface="Cascadia Mono" panose="020B0609020000020004" pitchFamily="49" charset="0"/>
+              </a:rPr>
+              <a:t>    </a:t>
+            </a:r>
+            <a:r>
+              <a:rPr lang="en-US" altLang="ko-KR" sz="1800" dirty="0">
+                <a:solidFill>
+                  <a:srgbClr val="0000FF"/>
+                </a:solidFill>
+                <a:latin typeface="Cascadia Mono" panose="020B0609020000020004" pitchFamily="49" charset="0"/>
+              </a:rPr>
+              <a:t>member</a:t>
+            </a:r>
+            <a:r>
+              <a:rPr lang="en-US" altLang="ko-KR" sz="1800" dirty="0">
+                <a:solidFill>
+                  <a:srgbClr val="000000"/>
+                </a:solidFill>
+                <a:latin typeface="Cascadia Mono" panose="020B0609020000020004" pitchFamily="49" charset="0"/>
+              </a:rPr>
+              <a:t> _.TT = timerStruct.TT</a:t>
+            </a:r>
+          </a:p>
+          <a:p>
+            <a:r>
+              <a:rPr lang="en-US" altLang="ko-KR" sz="1800" dirty="0">
+                <a:solidFill>
+                  <a:srgbClr val="000000"/>
+                </a:solidFill>
+                <a:latin typeface="Cascadia Mono" panose="020B0609020000020004" pitchFamily="49" charset="0"/>
+              </a:rPr>
+              <a:t>    </a:t>
+            </a:r>
+            <a:r>
+              <a:rPr lang="en-US" altLang="ko-KR" sz="1800" dirty="0">
+                <a:solidFill>
+                  <a:srgbClr val="0000FF"/>
+                </a:solidFill>
+                <a:latin typeface="Cascadia Mono" panose="020B0609020000020004" pitchFamily="49" charset="0"/>
+              </a:rPr>
+              <a:t>member</a:t>
+            </a:r>
+            <a:r>
+              <a:rPr lang="en-US" altLang="ko-KR" sz="1800" dirty="0">
+                <a:solidFill>
+                  <a:srgbClr val="000000"/>
+                </a:solidFill>
+                <a:latin typeface="Cascadia Mono" panose="020B0609020000020004" pitchFamily="49" charset="0"/>
+              </a:rPr>
+              <a:t> _.DN = timerStruct.DN</a:t>
+            </a:r>
+          </a:p>
+          <a:p>
+            <a:r>
+              <a:rPr lang="en-US" altLang="ko-KR" sz="1800" dirty="0">
+                <a:solidFill>
+                  <a:srgbClr val="000000"/>
+                </a:solidFill>
+                <a:latin typeface="Cascadia Mono" panose="020B0609020000020004" pitchFamily="49" charset="0"/>
+              </a:rPr>
+              <a:t>    </a:t>
+            </a:r>
+            <a:r>
+              <a:rPr lang="en-US" altLang="ko-KR" sz="1800" dirty="0">
+                <a:solidFill>
+                  <a:srgbClr val="0000FF"/>
+                </a:solidFill>
+                <a:latin typeface="Cascadia Mono" panose="020B0609020000020004" pitchFamily="49" charset="0"/>
+              </a:rPr>
+              <a:t>member</a:t>
+            </a:r>
+            <a:r>
+              <a:rPr lang="en-US" altLang="ko-KR" sz="1800" dirty="0">
+                <a:solidFill>
+                  <a:srgbClr val="000000"/>
+                </a:solidFill>
+                <a:latin typeface="Cascadia Mono" panose="020B0609020000020004" pitchFamily="49" charset="0"/>
+              </a:rPr>
+              <a:t> _.PRE = timerStruct.PRE</a:t>
+            </a:r>
+          </a:p>
+          <a:p>
+            <a:r>
+              <a:rPr lang="en-US" altLang="ko-KR" sz="1800" dirty="0">
+                <a:solidFill>
+                  <a:srgbClr val="000000"/>
+                </a:solidFill>
+                <a:latin typeface="Cascadia Mono" panose="020B0609020000020004" pitchFamily="49" charset="0"/>
+              </a:rPr>
+              <a:t>    </a:t>
+            </a:r>
+            <a:r>
+              <a:rPr lang="en-US" altLang="ko-KR" sz="1800" dirty="0">
+                <a:solidFill>
+                  <a:srgbClr val="0000FF"/>
+                </a:solidFill>
+                <a:latin typeface="Cascadia Mono" panose="020B0609020000020004" pitchFamily="49" charset="0"/>
+              </a:rPr>
+              <a:t>member</a:t>
+            </a:r>
+            <a:r>
+              <a:rPr lang="en-US" altLang="ko-KR" sz="1800" dirty="0">
+                <a:solidFill>
+                  <a:srgbClr val="000000"/>
+                </a:solidFill>
+                <a:latin typeface="Cascadia Mono" panose="020B0609020000020004" pitchFamily="49" charset="0"/>
+              </a:rPr>
+              <a:t> _.ACC = timerStruct.ACC</a:t>
+            </a:r>
+          </a:p>
+          <a:p>
+            <a:r>
+              <a:rPr lang="en-US" altLang="ko-KR" sz="1800" dirty="0">
+                <a:solidFill>
+                  <a:srgbClr val="000000"/>
+                </a:solidFill>
+                <a:latin typeface="Cascadia Mono" panose="020B0609020000020004" pitchFamily="49" charset="0"/>
+              </a:rPr>
+              <a:t>    </a:t>
+            </a:r>
+            <a:r>
+              <a:rPr lang="en-US" altLang="ko-KR" sz="1800" dirty="0">
+                <a:solidFill>
+                  <a:srgbClr val="0000FF"/>
+                </a:solidFill>
+                <a:latin typeface="Cascadia Mono" panose="020B0609020000020004" pitchFamily="49" charset="0"/>
+              </a:rPr>
+              <a:t>member</a:t>
+            </a:r>
+            <a:r>
+              <a:rPr lang="en-US" altLang="ko-KR" sz="1800" dirty="0">
+                <a:solidFill>
+                  <a:srgbClr val="000000"/>
+                </a:solidFill>
+                <a:latin typeface="Cascadia Mono" panose="020B0609020000020004" pitchFamily="49" charset="0"/>
+              </a:rPr>
+              <a:t> _.RES = timerStruct.RES</a:t>
+            </a:r>
+          </a:p>
+          <a:p>
+            <a:endParaRPr lang="ko-KR" altLang="en-US" sz="1800" dirty="0">
+              <a:solidFill>
+                <a:srgbClr val="000000"/>
+              </a:solidFill>
+              <a:latin typeface="Cascadia Mono" panose="020B0609020000020004" pitchFamily="49" charset="0"/>
+            </a:endParaRPr>
+          </a:p>
+          <a:p>
+            <a:r>
+              <a:rPr lang="en-US" altLang="ko-KR" sz="1800" dirty="0">
+                <a:solidFill>
+                  <a:srgbClr val="000000"/>
+                </a:solidFill>
+                <a:latin typeface="Cascadia Mono" panose="020B0609020000020004" pitchFamily="49" charset="0"/>
+              </a:rPr>
+              <a:t>    </a:t>
+            </a:r>
+            <a:r>
+              <a:rPr lang="en-US" altLang="ko-KR" sz="1800" dirty="0">
+                <a:solidFill>
+                  <a:srgbClr val="0000FF"/>
+                </a:solidFill>
+                <a:latin typeface="Cascadia Mono" panose="020B0609020000020004" pitchFamily="49" charset="0"/>
+              </a:rPr>
+              <a:t>member</a:t>
+            </a:r>
+            <a:r>
+              <a:rPr lang="en-US" altLang="ko-KR" sz="1800" dirty="0">
+                <a:solidFill>
+                  <a:srgbClr val="000000"/>
+                </a:solidFill>
+                <a:latin typeface="Cascadia Mono" panose="020B0609020000020004" pitchFamily="49" charset="0"/>
+              </a:rPr>
+              <a:t> </a:t>
+            </a:r>
+            <a:r>
+              <a:rPr lang="en-US" altLang="ko-KR" sz="1800" dirty="0">
+                <a:solidFill>
+                  <a:srgbClr val="0000FF"/>
+                </a:solidFill>
+                <a:latin typeface="Cascadia Mono" panose="020B0609020000020004" pitchFamily="49" charset="0"/>
+              </a:rPr>
+              <a:t>val</a:t>
+            </a:r>
+            <a:r>
+              <a:rPr lang="en-US" altLang="ko-KR" sz="1800" dirty="0">
+                <a:solidFill>
+                  <a:srgbClr val="000000"/>
+                </a:solidFill>
+                <a:latin typeface="Cascadia Mono" panose="020B0609020000020004" pitchFamily="49" charset="0"/>
+              </a:rPr>
+              <a:t> </a:t>
+            </a:r>
+            <a:r>
+              <a:rPr lang="en-US" altLang="ko-KR" sz="1800" dirty="0">
+                <a:solidFill>
+                  <a:srgbClr val="0070C0"/>
+                </a:solidFill>
+                <a:latin typeface="Cascadia Mono" panose="020B0609020000020004" pitchFamily="49" charset="0"/>
+              </a:rPr>
+              <a:t>InputEvaluateStatements</a:t>
+            </a:r>
+            <a:r>
+              <a:rPr lang="en-US" altLang="ko-KR" sz="1800" dirty="0">
+                <a:solidFill>
+                  <a:srgbClr val="000000"/>
+                </a:solidFill>
+                <a:latin typeface="Cascadia Mono" panose="020B0609020000020004" pitchFamily="49" charset="0"/>
+              </a:rPr>
+              <a:t>:</a:t>
+            </a:r>
+            <a:r>
+              <a:rPr lang="en-US" altLang="ko-KR" sz="1800" dirty="0">
+                <a:solidFill>
+                  <a:srgbClr val="FF0000"/>
+                </a:solidFill>
+                <a:latin typeface="Cascadia Mono" panose="020B0609020000020004" pitchFamily="49" charset="0"/>
+              </a:rPr>
+              <a:t>Statement list </a:t>
+            </a:r>
+            <a:r>
+              <a:rPr lang="en-US" altLang="ko-KR" sz="1800" dirty="0">
+                <a:solidFill>
+                  <a:srgbClr val="000000"/>
+                </a:solidFill>
+                <a:latin typeface="Cascadia Mono" panose="020B0609020000020004" pitchFamily="49" charset="0"/>
+              </a:rPr>
+              <a:t>= [] </a:t>
+            </a:r>
+            <a:r>
+              <a:rPr lang="en-US" altLang="ko-KR" sz="1800" dirty="0">
+                <a:solidFill>
+                  <a:srgbClr val="0000FF"/>
+                </a:solidFill>
+                <a:latin typeface="Cascadia Mono" panose="020B0609020000020004" pitchFamily="49" charset="0"/>
+              </a:rPr>
+              <a:t>with</a:t>
+            </a:r>
+            <a:r>
+              <a:rPr lang="en-US" altLang="ko-KR" sz="1800" dirty="0">
+                <a:solidFill>
+                  <a:srgbClr val="000000"/>
+                </a:solidFill>
+                <a:latin typeface="Cascadia Mono" panose="020B0609020000020004" pitchFamily="49" charset="0"/>
+              </a:rPr>
+              <a:t> get, set</a:t>
+            </a:r>
+          </a:p>
+          <a:p>
+            <a:r>
+              <a:rPr lang="en-US" altLang="ko-KR" sz="1800" dirty="0">
+                <a:solidFill>
+                  <a:srgbClr val="000000"/>
+                </a:solidFill>
+                <a:latin typeface="Cascadia Mono" panose="020B0609020000020004" pitchFamily="49" charset="0"/>
+              </a:rPr>
+              <a:t>    </a:t>
+            </a:r>
+            <a:r>
+              <a:rPr lang="en-US" altLang="ko-KR" sz="1800" dirty="0">
+                <a:solidFill>
+                  <a:srgbClr val="0000FF"/>
+                </a:solidFill>
+                <a:latin typeface="Cascadia Mono" panose="020B0609020000020004" pitchFamily="49" charset="0"/>
+              </a:rPr>
+              <a:t>interface</a:t>
+            </a:r>
+            <a:r>
+              <a:rPr lang="en-US" altLang="ko-KR" sz="1800" dirty="0">
+                <a:solidFill>
+                  <a:srgbClr val="000000"/>
+                </a:solidFill>
+                <a:latin typeface="Cascadia Mono" panose="020B0609020000020004" pitchFamily="49" charset="0"/>
+              </a:rPr>
+              <a:t> IDisposable </a:t>
+            </a:r>
+            <a:r>
+              <a:rPr lang="en-US" altLang="ko-KR" sz="1800" dirty="0">
+                <a:solidFill>
+                  <a:srgbClr val="0000FF"/>
+                </a:solidFill>
+                <a:latin typeface="Cascadia Mono" panose="020B0609020000020004" pitchFamily="49" charset="0"/>
+              </a:rPr>
+              <a:t>with</a:t>
+            </a:r>
+            <a:endParaRPr lang="en-US" altLang="ko-KR" sz="1800" dirty="0">
+              <a:solidFill>
+                <a:srgbClr val="000000"/>
+              </a:solidFill>
+              <a:latin typeface="Cascadia Mono" panose="020B0609020000020004" pitchFamily="49" charset="0"/>
+            </a:endParaRPr>
+          </a:p>
+          <a:p>
+            <a:r>
+              <a:rPr lang="en-US" altLang="ko-KR" sz="1800" dirty="0">
+                <a:solidFill>
+                  <a:srgbClr val="000000"/>
+                </a:solidFill>
+                <a:latin typeface="Cascadia Mono" panose="020B0609020000020004" pitchFamily="49" charset="0"/>
+              </a:rPr>
+              <a:t>        </a:t>
+            </a:r>
+            <a:r>
+              <a:rPr lang="en-US" altLang="ko-KR" sz="1800" dirty="0">
+                <a:solidFill>
+                  <a:srgbClr val="0000FF"/>
+                </a:solidFill>
+                <a:latin typeface="Cascadia Mono" panose="020B0609020000020004" pitchFamily="49" charset="0"/>
+              </a:rPr>
+              <a:t>member</a:t>
+            </a:r>
+            <a:r>
+              <a:rPr lang="en-US" altLang="ko-KR" sz="1800" dirty="0">
+                <a:solidFill>
+                  <a:srgbClr val="000000"/>
+                </a:solidFill>
+                <a:latin typeface="Cascadia Mono" panose="020B0609020000020004" pitchFamily="49" charset="0"/>
+              </a:rPr>
+              <a:t> _.Dispose() = (accumulator :&gt; IDisposable).Dispose()</a:t>
+            </a:r>
+          </a:p>
+        </p:txBody>
+      </p:sp>
+    </p:spTree>
+    <p:extLst>
+      <p:ext uri="{BB962C8B-B14F-4D97-AF65-F5344CB8AC3E}">
+        <p14:creationId xmlns:p14="http://schemas.microsoft.com/office/powerpoint/2010/main" val="3718364714"/>
+      </p:ext>
+    </p:extLst>
+  </p:cSld>
+  <p:clrMapOvr>
+    <a:masterClrMapping/>
+  </p:clrMapOvr>
+</p:sld>
+</file>
+
+<file path=ppt/slides/slide28.xml><?xml version="1.0" encoding="utf-8"?>
+<p:sld xmlns:a="http://schemas.openxmlformats.org/drawingml/2006/main" xmlns:r="http://schemas.openxmlformats.org/officeDocument/2006/relationships" xmlns:p="http://schemas.openxmlformats.org/presentationml/2006/main">
+  <p:cSld>
+    <p:spTree>
+      <p:nvGrpSpPr>
+        <p:cNvPr id="1" name=""/>
+        <p:cNvGrpSpPr/>
+        <p:nvPr/>
+      </p:nvGrpSpPr>
+      <p:grpSpPr>
+        <a:xfrm>
+          <a:off x="0" y="0"/>
+          <a:ext cx="0" cy="0"/>
+          <a:chOff x="0" y="0"/>
+          <a:chExt cx="0" cy="0"/>
+        </a:xfrm>
+      </p:grpSpPr>
+      <p:sp>
+        <p:nvSpPr>
+          <p:cNvPr id="2" name="제목 1">
+            <a:extLst>
+              <a:ext uri="{FF2B5EF4-FFF2-40B4-BE49-F238E27FC236}">
+                <a16:creationId xmlns:a16="http://schemas.microsoft.com/office/drawing/2014/main" id="{25874C6A-7830-36B5-7B9C-4C212CF8C2B2}"/>
+              </a:ext>
+            </a:extLst>
+          </p:cNvPr>
+          <p:cNvSpPr>
+            <a:spLocks noGrp="1"/>
+          </p:cNvSpPr>
+          <p:nvPr>
+            <p:ph type="title"/>
+          </p:nvPr>
+        </p:nvSpPr>
+        <p:spPr/>
+        <p:txBody>
+          <a:bodyPr/>
+          <a:lstStyle/>
+          <a:p>
+            <a:r>
+              <a:rPr lang="ko-KR" altLang="en-US" dirty="0"/>
+              <a:t>생성 </a:t>
+            </a:r>
+            <a:r>
+              <a:rPr lang="en-US" altLang="ko-KR" dirty="0"/>
+              <a:t>: from code</a:t>
+            </a:r>
+            <a:r>
+              <a:rPr lang="ko-KR" altLang="en-US" dirty="0"/>
+              <a:t> </a:t>
+            </a:r>
+          </a:p>
+        </p:txBody>
+      </p:sp>
+      <p:sp>
+        <p:nvSpPr>
+          <p:cNvPr id="5" name="TextBox 4">
+            <a:extLst>
+              <a:ext uri="{FF2B5EF4-FFF2-40B4-BE49-F238E27FC236}">
+                <a16:creationId xmlns:a16="http://schemas.microsoft.com/office/drawing/2014/main" id="{DE91D43D-7725-F7F0-91A3-DED1DCBD6F35}"/>
+              </a:ext>
+            </a:extLst>
+          </p:cNvPr>
+          <p:cNvSpPr txBox="1"/>
+          <p:nvPr/>
+        </p:nvSpPr>
+        <p:spPr>
+          <a:xfrm>
+            <a:off x="646545" y="1584650"/>
+            <a:ext cx="10707255" cy="2246769"/>
+          </a:xfrm>
+          <a:prstGeom prst="rect">
+            <a:avLst/>
+          </a:prstGeom>
+          <a:noFill/>
+        </p:spPr>
+        <p:txBody>
+          <a:bodyPr wrap="square">
+            <a:spAutoFit/>
+          </a:bodyPr>
+          <a:lstStyle/>
+          <a:p>
+            <a:r>
+              <a:rPr lang="en-US" altLang="ko-KR" sz="1400" dirty="0">
+                <a:solidFill>
+                  <a:srgbClr val="0000FF"/>
+                </a:solidFill>
+                <a:latin typeface="Cascadia Mono" panose="020B0609020000020004" pitchFamily="49" charset="0"/>
+              </a:rPr>
+              <a:t>let</a:t>
+            </a:r>
+            <a:r>
+              <a:rPr lang="en-US" altLang="ko-KR" sz="1400" dirty="0">
+                <a:solidFill>
+                  <a:srgbClr val="000000"/>
+                </a:solidFill>
+                <a:latin typeface="Cascadia Mono" panose="020B0609020000020004" pitchFamily="49" charset="0"/>
+              </a:rPr>
+              <a:t> storages = Storages()</a:t>
+            </a:r>
+          </a:p>
+          <a:p>
+            <a:r>
+              <a:rPr lang="en-US" altLang="ko-KR" sz="1400" dirty="0">
+                <a:solidFill>
+                  <a:srgbClr val="0000FF"/>
+                </a:solidFill>
+                <a:latin typeface="Cascadia Mono" panose="020B0609020000020004" pitchFamily="49" charset="0"/>
+              </a:rPr>
+              <a:t>let</a:t>
+            </a:r>
+            <a:r>
+              <a:rPr lang="en-US" altLang="ko-KR" sz="1400" dirty="0">
+                <a:solidFill>
+                  <a:srgbClr val="000000"/>
+                </a:solidFill>
+                <a:latin typeface="Cascadia Mono" panose="020B0609020000020004" pitchFamily="49" charset="0"/>
+              </a:rPr>
+              <a:t> t1 = </a:t>
+            </a:r>
+            <a:r>
+              <a:rPr lang="en-US" altLang="ko-KR" sz="1400" dirty="0" err="1">
+                <a:solidFill>
+                  <a:srgbClr val="000000"/>
+                </a:solidFill>
+                <a:latin typeface="Cascadia Mono" panose="020B0609020000020004" pitchFamily="49" charset="0"/>
+              </a:rPr>
+              <a:t>PlcTag</a:t>
+            </a:r>
+            <a:r>
+              <a:rPr lang="en-US" altLang="ko-KR" sz="1400" dirty="0">
+                <a:solidFill>
+                  <a:srgbClr val="000000"/>
+                </a:solidFill>
+                <a:latin typeface="Cascadia Mono" panose="020B0609020000020004" pitchFamily="49" charset="0"/>
+              </a:rPr>
+              <a:t>(</a:t>
+            </a:r>
+            <a:r>
+              <a:rPr lang="en-US" altLang="ko-KR" sz="1400" dirty="0">
+                <a:solidFill>
+                  <a:srgbClr val="A31515"/>
+                </a:solidFill>
+                <a:latin typeface="Cascadia Mono" panose="020B0609020000020004" pitchFamily="49" charset="0"/>
+              </a:rPr>
+              <a:t>"</a:t>
+            </a:r>
+            <a:r>
+              <a:rPr lang="en-US" altLang="ko-KR" sz="1400" dirty="0" err="1">
+                <a:solidFill>
+                  <a:srgbClr val="A31515"/>
+                </a:solidFill>
+                <a:latin typeface="Cascadia Mono" panose="020B0609020000020004" pitchFamily="49" charset="0"/>
+              </a:rPr>
+              <a:t>my_timer_control_tag</a:t>
+            </a:r>
+            <a:r>
+              <a:rPr lang="en-US" altLang="ko-KR" sz="1400" dirty="0">
+                <a:solidFill>
+                  <a:srgbClr val="A31515"/>
+                </a:solidFill>
+                <a:latin typeface="Cascadia Mono" panose="020B0609020000020004" pitchFamily="49" charset="0"/>
+              </a:rPr>
+              <a:t>"</a:t>
+            </a:r>
+            <a:r>
+              <a:rPr lang="en-US" altLang="ko-KR" sz="1400" dirty="0">
+                <a:solidFill>
+                  <a:srgbClr val="000000"/>
+                </a:solidFill>
+                <a:latin typeface="Cascadia Mono" panose="020B0609020000020004" pitchFamily="49" charset="0"/>
+              </a:rPr>
+              <a:t>, </a:t>
+            </a:r>
+            <a:r>
+              <a:rPr lang="en-US" altLang="ko-KR" sz="1400" dirty="0">
+                <a:solidFill>
+                  <a:srgbClr val="A31515"/>
+                </a:solidFill>
+                <a:latin typeface="Cascadia Mono" panose="020B0609020000020004" pitchFamily="49" charset="0"/>
+              </a:rPr>
+              <a:t>"%M1.1"</a:t>
+            </a:r>
+            <a:r>
+              <a:rPr lang="en-US" altLang="ko-KR" sz="1400" dirty="0">
+                <a:solidFill>
+                  <a:srgbClr val="000000"/>
+                </a:solidFill>
+                <a:latin typeface="Cascadia Mono" panose="020B0609020000020004" pitchFamily="49" charset="0"/>
+              </a:rPr>
+              <a:t>, </a:t>
+            </a:r>
+            <a:r>
+              <a:rPr lang="en-US" altLang="ko-KR" sz="1400" dirty="0">
+                <a:solidFill>
+                  <a:srgbClr val="0000FF"/>
+                </a:solidFill>
+                <a:latin typeface="Cascadia Mono" panose="020B0609020000020004" pitchFamily="49" charset="0"/>
+              </a:rPr>
+              <a:t>false</a:t>
+            </a:r>
+            <a:r>
+              <a:rPr lang="en-US" altLang="ko-KR" sz="1400" dirty="0">
+                <a:solidFill>
+                  <a:srgbClr val="000000"/>
+                </a:solidFill>
+                <a:latin typeface="Cascadia Mono" panose="020B0609020000020004" pitchFamily="49" charset="0"/>
+              </a:rPr>
+              <a:t>)</a:t>
+            </a:r>
+          </a:p>
+          <a:p>
+            <a:r>
+              <a:rPr lang="en-US" altLang="ko-KR" sz="1400" dirty="0">
+                <a:solidFill>
+                  <a:srgbClr val="0000FF"/>
+                </a:solidFill>
+                <a:latin typeface="Cascadia Mono" panose="020B0609020000020004" pitchFamily="49" charset="0"/>
+              </a:rPr>
+              <a:t>let</a:t>
+            </a:r>
+            <a:r>
+              <a:rPr lang="en-US" altLang="ko-KR" sz="1400" dirty="0">
+                <a:solidFill>
+                  <a:srgbClr val="000000"/>
+                </a:solidFill>
+                <a:latin typeface="Cascadia Mono" panose="020B0609020000020004" pitchFamily="49" charset="0"/>
+              </a:rPr>
+              <a:t> condition = tag2expr t1</a:t>
+            </a:r>
+          </a:p>
+          <a:p>
+            <a:r>
+              <a:rPr lang="en-US" altLang="ko-KR" sz="1400" dirty="0">
+                <a:solidFill>
+                  <a:srgbClr val="0000FF"/>
+                </a:solidFill>
+                <a:latin typeface="Cascadia Mono" panose="020B0609020000020004" pitchFamily="49" charset="0"/>
+              </a:rPr>
+              <a:t>let</a:t>
+            </a:r>
+            <a:r>
+              <a:rPr lang="en-US" altLang="ko-KR" sz="1400" dirty="0">
+                <a:solidFill>
+                  <a:srgbClr val="000000"/>
+                </a:solidFill>
+                <a:latin typeface="Cascadia Mono" panose="020B0609020000020004" pitchFamily="49" charset="0"/>
+              </a:rPr>
+              <a:t> statement = </a:t>
+            </a:r>
+            <a:r>
+              <a:rPr lang="en-US" altLang="ko-KR" sz="1400" dirty="0" err="1">
+                <a:solidFill>
+                  <a:srgbClr val="000000"/>
+                </a:solidFill>
+                <a:latin typeface="Cascadia Mono" panose="020B0609020000020004" pitchFamily="49" charset="0"/>
+              </a:rPr>
+              <a:t>TimerStatement.CreateTON</a:t>
+            </a:r>
+            <a:r>
+              <a:rPr lang="en-US" altLang="ko-KR" sz="1400" dirty="0">
+                <a:solidFill>
+                  <a:srgbClr val="000000"/>
+                </a:solidFill>
+                <a:latin typeface="Cascadia Mono" panose="020B0609020000020004" pitchFamily="49" charset="0"/>
+              </a:rPr>
+              <a:t>(storages, </a:t>
+            </a:r>
+            <a:r>
+              <a:rPr lang="en-US" altLang="ko-KR" sz="1400" dirty="0">
+                <a:solidFill>
+                  <a:srgbClr val="A31515"/>
+                </a:solidFill>
+                <a:latin typeface="Cascadia Mono" panose="020B0609020000020004" pitchFamily="49" charset="0"/>
+              </a:rPr>
+              <a:t>"</a:t>
+            </a:r>
+            <a:r>
+              <a:rPr lang="en-US" altLang="ko-KR" sz="1400" dirty="0" err="1">
+                <a:solidFill>
+                  <a:srgbClr val="A31515"/>
+                </a:solidFill>
+                <a:latin typeface="Cascadia Mono" panose="020B0609020000020004" pitchFamily="49" charset="0"/>
+              </a:rPr>
+              <a:t>myTon</a:t>
+            </a:r>
+            <a:r>
+              <a:rPr lang="en-US" altLang="ko-KR" sz="1400" dirty="0">
+                <a:solidFill>
+                  <a:srgbClr val="A31515"/>
+                </a:solidFill>
+                <a:latin typeface="Cascadia Mono" panose="020B0609020000020004" pitchFamily="49" charset="0"/>
+              </a:rPr>
+              <a:t>"</a:t>
+            </a:r>
+            <a:r>
+              <a:rPr lang="en-US" altLang="ko-KR" sz="1400" dirty="0">
+                <a:solidFill>
+                  <a:srgbClr val="000000"/>
+                </a:solidFill>
+                <a:latin typeface="Cascadia Mono" panose="020B0609020000020004" pitchFamily="49" charset="0"/>
+              </a:rPr>
+              <a:t>, 2000us, condition)	</a:t>
+            </a:r>
+            <a:r>
+              <a:rPr lang="en-US" altLang="ko-KR" sz="1400" dirty="0">
+                <a:solidFill>
+                  <a:srgbClr val="008000"/>
+                </a:solidFill>
+                <a:latin typeface="Cascadia Mono" panose="020B0609020000020004" pitchFamily="49" charset="0"/>
+              </a:rPr>
+              <a:t> // 2000ms = 2sec</a:t>
+            </a:r>
+            <a:endParaRPr lang="en-US" altLang="ko-KR" sz="1400" dirty="0">
+              <a:solidFill>
+                <a:srgbClr val="000000"/>
+              </a:solidFill>
+              <a:latin typeface="Cascadia Mono" panose="020B0609020000020004" pitchFamily="49" charset="0"/>
+            </a:endParaRPr>
+          </a:p>
+          <a:p>
+            <a:r>
+              <a:rPr lang="en-US" altLang="ko-KR" sz="1400" dirty="0">
+                <a:solidFill>
+                  <a:srgbClr val="0000FF"/>
+                </a:solidFill>
+                <a:latin typeface="Cascadia Mono" panose="020B0609020000020004" pitchFamily="49" charset="0"/>
+              </a:rPr>
+              <a:t>let</a:t>
+            </a:r>
+            <a:r>
+              <a:rPr lang="en-US" altLang="ko-KR" sz="1400" dirty="0">
+                <a:solidFill>
+                  <a:srgbClr val="000000"/>
+                </a:solidFill>
+                <a:latin typeface="Cascadia Mono" panose="020B0609020000020004" pitchFamily="49" charset="0"/>
+              </a:rPr>
+              <a:t> timer = statement |&gt; </a:t>
+            </a:r>
+            <a:r>
+              <a:rPr lang="en-US" altLang="ko-KR" sz="1400" dirty="0" err="1">
+                <a:solidFill>
+                  <a:srgbClr val="000000"/>
+                </a:solidFill>
+                <a:latin typeface="Cascadia Mono" panose="020B0609020000020004" pitchFamily="49" charset="0"/>
+              </a:rPr>
+              <a:t>toTimer</a:t>
+            </a:r>
+            <a:endParaRPr lang="en-US" altLang="ko-KR" sz="1400" dirty="0">
+              <a:solidFill>
+                <a:srgbClr val="000000"/>
+              </a:solidFill>
+              <a:latin typeface="Cascadia Mono" panose="020B0609020000020004" pitchFamily="49" charset="0"/>
+            </a:endParaRPr>
+          </a:p>
+          <a:p>
+            <a:r>
+              <a:rPr lang="en-US" altLang="ko-KR" sz="1400" dirty="0" err="1">
+                <a:solidFill>
+                  <a:srgbClr val="000000"/>
+                </a:solidFill>
+                <a:latin typeface="Cascadia Mono" panose="020B0609020000020004" pitchFamily="49" charset="0"/>
+              </a:rPr>
+              <a:t>timer.TT.Value</a:t>
+            </a:r>
+            <a:r>
+              <a:rPr lang="en-US" altLang="ko-KR" sz="1400" dirty="0">
+                <a:solidFill>
+                  <a:srgbClr val="000000"/>
+                </a:solidFill>
+                <a:latin typeface="Cascadia Mono" panose="020B0609020000020004" pitchFamily="49" charset="0"/>
+              </a:rPr>
+              <a:t> === </a:t>
+            </a:r>
+            <a:r>
+              <a:rPr lang="en-US" altLang="ko-KR" sz="1400" dirty="0">
+                <a:solidFill>
+                  <a:srgbClr val="0000FF"/>
+                </a:solidFill>
+                <a:latin typeface="Cascadia Mono" panose="020B0609020000020004" pitchFamily="49" charset="0"/>
+              </a:rPr>
+              <a:t>false</a:t>
+            </a:r>
+            <a:endParaRPr lang="en-US" altLang="ko-KR" sz="1400" dirty="0">
+              <a:solidFill>
+                <a:srgbClr val="000000"/>
+              </a:solidFill>
+              <a:latin typeface="Cascadia Mono" panose="020B0609020000020004" pitchFamily="49" charset="0"/>
+            </a:endParaRPr>
+          </a:p>
+          <a:p>
+            <a:r>
+              <a:rPr lang="en-US" altLang="ko-KR" sz="1400" dirty="0" err="1">
+                <a:solidFill>
+                  <a:srgbClr val="000000"/>
+                </a:solidFill>
+                <a:latin typeface="Cascadia Mono" panose="020B0609020000020004" pitchFamily="49" charset="0"/>
+              </a:rPr>
+              <a:t>timer.EN.Value</a:t>
+            </a:r>
+            <a:r>
+              <a:rPr lang="en-US" altLang="ko-KR" sz="1400" dirty="0">
+                <a:solidFill>
+                  <a:srgbClr val="000000"/>
+                </a:solidFill>
+                <a:latin typeface="Cascadia Mono" panose="020B0609020000020004" pitchFamily="49" charset="0"/>
+              </a:rPr>
+              <a:t> === </a:t>
+            </a:r>
+            <a:r>
+              <a:rPr lang="en-US" altLang="ko-KR" sz="1400" dirty="0">
+                <a:solidFill>
+                  <a:srgbClr val="0000FF"/>
+                </a:solidFill>
+                <a:latin typeface="Cascadia Mono" panose="020B0609020000020004" pitchFamily="49" charset="0"/>
+              </a:rPr>
+              <a:t>false</a:t>
+            </a:r>
+            <a:endParaRPr lang="en-US" altLang="ko-KR" sz="1400" dirty="0">
+              <a:solidFill>
+                <a:srgbClr val="000000"/>
+              </a:solidFill>
+              <a:latin typeface="Cascadia Mono" panose="020B0609020000020004" pitchFamily="49" charset="0"/>
+            </a:endParaRPr>
+          </a:p>
+          <a:p>
+            <a:r>
+              <a:rPr lang="en-US" altLang="ko-KR" sz="1400" dirty="0" err="1">
+                <a:solidFill>
+                  <a:srgbClr val="000000"/>
+                </a:solidFill>
+                <a:latin typeface="Cascadia Mono" panose="020B0609020000020004" pitchFamily="49" charset="0"/>
+              </a:rPr>
+              <a:t>timer.DN.Value</a:t>
+            </a:r>
+            <a:r>
+              <a:rPr lang="en-US" altLang="ko-KR" sz="1400" dirty="0">
+                <a:solidFill>
+                  <a:srgbClr val="000000"/>
+                </a:solidFill>
+                <a:latin typeface="Cascadia Mono" panose="020B0609020000020004" pitchFamily="49" charset="0"/>
+              </a:rPr>
+              <a:t> === </a:t>
+            </a:r>
+            <a:r>
+              <a:rPr lang="en-US" altLang="ko-KR" sz="1400" dirty="0">
+                <a:solidFill>
+                  <a:srgbClr val="0000FF"/>
+                </a:solidFill>
+                <a:latin typeface="Cascadia Mono" panose="020B0609020000020004" pitchFamily="49" charset="0"/>
+              </a:rPr>
+              <a:t>false</a:t>
+            </a:r>
+            <a:endParaRPr lang="en-US" altLang="ko-KR" sz="1400" dirty="0">
+              <a:solidFill>
+                <a:srgbClr val="000000"/>
+              </a:solidFill>
+              <a:latin typeface="Cascadia Mono" panose="020B0609020000020004" pitchFamily="49" charset="0"/>
+            </a:endParaRPr>
+          </a:p>
+          <a:p>
+            <a:r>
+              <a:rPr lang="en-US" altLang="ko-KR" sz="1400" dirty="0" err="1">
+                <a:solidFill>
+                  <a:srgbClr val="000000"/>
+                </a:solidFill>
+                <a:latin typeface="Cascadia Mono" panose="020B0609020000020004" pitchFamily="49" charset="0"/>
+              </a:rPr>
+              <a:t>timer.PRE.Value</a:t>
+            </a:r>
+            <a:r>
+              <a:rPr lang="en-US" altLang="ko-KR" sz="1400" dirty="0">
+                <a:solidFill>
+                  <a:srgbClr val="000000"/>
+                </a:solidFill>
+                <a:latin typeface="Cascadia Mono" panose="020B0609020000020004" pitchFamily="49" charset="0"/>
+              </a:rPr>
+              <a:t> === 2000us</a:t>
+            </a:r>
+          </a:p>
+          <a:p>
+            <a:r>
+              <a:rPr lang="en-US" altLang="ko-KR" sz="1400" dirty="0" err="1">
+                <a:solidFill>
+                  <a:srgbClr val="000000"/>
+                </a:solidFill>
+                <a:latin typeface="Cascadia Mono" panose="020B0609020000020004" pitchFamily="49" charset="0"/>
+              </a:rPr>
+              <a:t>timer.ACC.Value</a:t>
+            </a:r>
+            <a:r>
+              <a:rPr lang="en-US" altLang="ko-KR" sz="1400" dirty="0">
+                <a:solidFill>
+                  <a:srgbClr val="000000"/>
+                </a:solidFill>
+                <a:latin typeface="Cascadia Mono" panose="020B0609020000020004" pitchFamily="49" charset="0"/>
+              </a:rPr>
+              <a:t> === 0us</a:t>
+            </a:r>
+          </a:p>
+        </p:txBody>
+      </p:sp>
+    </p:spTree>
+    <p:extLst>
+      <p:ext uri="{BB962C8B-B14F-4D97-AF65-F5344CB8AC3E}">
+        <p14:creationId xmlns:p14="http://schemas.microsoft.com/office/powerpoint/2010/main" val="2558578475"/>
+      </p:ext>
+    </p:extLst>
+  </p:cSld>
+  <p:clrMapOvr>
+    <a:masterClrMapping/>
+  </p:clrMapOvr>
+</p:sld>
+</file>
+
+<file path=ppt/slides/slide29.xml><?xml version="1.0" encoding="utf-8"?>
+<p:sld xmlns:a="http://schemas.openxmlformats.org/drawingml/2006/main" xmlns:r="http://schemas.openxmlformats.org/officeDocument/2006/relationships" xmlns:p="http://schemas.openxmlformats.org/presentationml/2006/main">
+  <p:cSld>
+    <p:spTree>
+      <p:nvGrpSpPr>
+        <p:cNvPr id="1" name=""/>
+        <p:cNvGrpSpPr/>
+        <p:nvPr/>
+      </p:nvGrpSpPr>
+      <p:grpSpPr>
+        <a:xfrm>
+          <a:off x="0" y="0"/>
+          <a:ext cx="0" cy="0"/>
+          <a:chOff x="0" y="0"/>
+          <a:chExt cx="0" cy="0"/>
+        </a:xfrm>
+      </p:grpSpPr>
+      <p:sp>
+        <p:nvSpPr>
+          <p:cNvPr id="2" name="제목 1">
+            <a:extLst>
+              <a:ext uri="{FF2B5EF4-FFF2-40B4-BE49-F238E27FC236}">
+                <a16:creationId xmlns:a16="http://schemas.microsoft.com/office/drawing/2014/main" id="{A223329B-5B15-4FC0-DA80-1830A31EAB6E}"/>
+              </a:ext>
+            </a:extLst>
+          </p:cNvPr>
+          <p:cNvSpPr>
+            <a:spLocks noGrp="1"/>
+          </p:cNvSpPr>
+          <p:nvPr>
+            <p:ph type="title"/>
+          </p:nvPr>
+        </p:nvSpPr>
+        <p:spPr/>
+        <p:txBody>
+          <a:bodyPr/>
+          <a:lstStyle/>
+          <a:p>
+            <a:r>
+              <a:rPr lang="ko-KR" altLang="en-US" dirty="0"/>
+              <a:t>생성</a:t>
+            </a:r>
+            <a:r>
+              <a:rPr lang="en-US" altLang="ko-KR" dirty="0"/>
+              <a:t>: from ds text</a:t>
+            </a:r>
+            <a:endParaRPr lang="ko-KR" altLang="en-US" dirty="0"/>
+          </a:p>
+        </p:txBody>
+      </p:sp>
+      <p:sp>
+        <p:nvSpPr>
+          <p:cNvPr id="5" name="TextBox 4">
+            <a:extLst>
+              <a:ext uri="{FF2B5EF4-FFF2-40B4-BE49-F238E27FC236}">
+                <a16:creationId xmlns:a16="http://schemas.microsoft.com/office/drawing/2014/main" id="{BD323B7A-5896-44A5-6672-0F3B63F611EB}"/>
+              </a:ext>
+            </a:extLst>
+          </p:cNvPr>
+          <p:cNvSpPr txBox="1"/>
+          <p:nvPr/>
+        </p:nvSpPr>
+        <p:spPr>
+          <a:xfrm>
+            <a:off x="718127" y="2036726"/>
+            <a:ext cx="8305800" cy="369332"/>
+          </a:xfrm>
+          <a:prstGeom prst="rect">
+            <a:avLst/>
+          </a:prstGeom>
+          <a:noFill/>
+        </p:spPr>
+        <p:txBody>
+          <a:bodyPr wrap="square">
+            <a:spAutoFit/>
+          </a:bodyPr>
+          <a:lstStyle/>
+          <a:p>
+            <a:r>
+              <a:rPr lang="en-US" altLang="ko-KR" sz="1800" dirty="0">
+                <a:solidFill>
+                  <a:srgbClr val="A31515"/>
+                </a:solidFill>
+                <a:latin typeface="Cascadia Mono" panose="020B0609020000020004" pitchFamily="49" charset="0"/>
+              </a:rPr>
+              <a:t>"ton mytimer3 = </a:t>
+            </a:r>
+            <a:r>
+              <a:rPr lang="en-US" altLang="ko-KR" sz="1800" dirty="0" err="1">
+                <a:solidFill>
+                  <a:srgbClr val="A31515"/>
+                </a:solidFill>
+                <a:latin typeface="Cascadia Mono" panose="020B0609020000020004" pitchFamily="49" charset="0"/>
+              </a:rPr>
+              <a:t>createTON</a:t>
+            </a:r>
+            <a:r>
+              <a:rPr lang="en-US" altLang="ko-KR" sz="1800" dirty="0">
+                <a:solidFill>
+                  <a:srgbClr val="A31515"/>
+                </a:solidFill>
+                <a:latin typeface="Cascadia Mono" panose="020B0609020000020004" pitchFamily="49" charset="0"/>
+              </a:rPr>
+              <a:t>(1000us, $tag1 || $tag2)"</a:t>
+            </a:r>
+            <a:endParaRPr lang="ko-KR" altLang="en-US" dirty="0"/>
+          </a:p>
+        </p:txBody>
+      </p:sp>
+    </p:spTree>
+    <p:extLst>
+      <p:ext uri="{BB962C8B-B14F-4D97-AF65-F5344CB8AC3E}">
+        <p14:creationId xmlns:p14="http://schemas.microsoft.com/office/powerpoint/2010/main" val="1975990934"/>
       </p:ext>
     </p:extLst>
   </p:cSld>
@@ -7670,6 +7821,476 @@
     <p:extLst>
       <p:ext uri="{BB962C8B-B14F-4D97-AF65-F5344CB8AC3E}">
         <p14:creationId xmlns:p14="http://schemas.microsoft.com/office/powerpoint/2010/main" val="2762965612"/>
+      </p:ext>
+    </p:extLst>
+  </p:cSld>
+  <p:clrMapOvr>
+    <a:masterClrMapping/>
+  </p:clrMapOvr>
+</p:sld>
+</file>
+
+<file path=ppt/slides/slide30.xml><?xml version="1.0" encoding="utf-8"?>
+<p:sld xmlns:a="http://schemas.openxmlformats.org/drawingml/2006/main" xmlns:r="http://schemas.openxmlformats.org/officeDocument/2006/relationships" xmlns:p="http://schemas.openxmlformats.org/presentationml/2006/main">
+  <p:cSld>
+    <p:spTree>
+      <p:nvGrpSpPr>
+        <p:cNvPr id="1" name=""/>
+        <p:cNvGrpSpPr/>
+        <p:nvPr/>
+      </p:nvGrpSpPr>
+      <p:grpSpPr>
+        <a:xfrm>
+          <a:off x="0" y="0"/>
+          <a:ext cx="0" cy="0"/>
+          <a:chOff x="0" y="0"/>
+          <a:chExt cx="0" cy="0"/>
+        </a:xfrm>
+      </p:grpSpPr>
+      <p:sp>
+        <p:nvSpPr>
+          <p:cNvPr id="4" name="제목 3">
+            <a:extLst>
+              <a:ext uri="{FF2B5EF4-FFF2-40B4-BE49-F238E27FC236}">
+                <a16:creationId xmlns:a16="http://schemas.microsoft.com/office/drawing/2014/main" id="{16EFA867-55B0-DBFC-98DB-B382AF802622}"/>
+              </a:ext>
+            </a:extLst>
+          </p:cNvPr>
+          <p:cNvSpPr>
+            <a:spLocks noGrp="1"/>
+          </p:cNvSpPr>
+          <p:nvPr>
+            <p:ph type="ctrTitle"/>
+          </p:nvPr>
+        </p:nvSpPr>
+        <p:spPr/>
+        <p:txBody>
+          <a:bodyPr/>
+          <a:lstStyle/>
+          <a:p>
+            <a:r>
+              <a:rPr lang="ko-KR" altLang="en-US" dirty="0"/>
+              <a:t>작화 특성</a:t>
+            </a:r>
+          </a:p>
+        </p:txBody>
+      </p:sp>
+      <p:sp>
+        <p:nvSpPr>
+          <p:cNvPr id="5" name="부제목 4">
+            <a:extLst>
+              <a:ext uri="{FF2B5EF4-FFF2-40B4-BE49-F238E27FC236}">
+                <a16:creationId xmlns:a16="http://schemas.microsoft.com/office/drawing/2014/main" id="{FA8BBCDC-8D02-F4D6-0F56-EEE3E53015C6}"/>
+              </a:ext>
+            </a:extLst>
+          </p:cNvPr>
+          <p:cNvSpPr>
+            <a:spLocks noGrp="1"/>
+          </p:cNvSpPr>
+          <p:nvPr>
+            <p:ph type="subTitle" idx="1"/>
+          </p:nvPr>
+        </p:nvSpPr>
+        <p:spPr/>
+        <p:txBody>
+          <a:bodyPr/>
+          <a:lstStyle/>
+          <a:p>
+            <a:endParaRPr lang="ko-KR" altLang="en-US"/>
+          </a:p>
+        </p:txBody>
+      </p:sp>
+    </p:spTree>
+    <p:extLst>
+      <p:ext uri="{BB962C8B-B14F-4D97-AF65-F5344CB8AC3E}">
+        <p14:creationId xmlns:p14="http://schemas.microsoft.com/office/powerpoint/2010/main" val="720653391"/>
+      </p:ext>
+    </p:extLst>
+  </p:cSld>
+  <p:clrMapOvr>
+    <a:masterClrMapping/>
+  </p:clrMapOvr>
+</p:sld>
+</file>
+
+<file path=ppt/slides/slide31.xml><?xml version="1.0" encoding="utf-8"?>
+<p:sld xmlns:a="http://schemas.openxmlformats.org/drawingml/2006/main" xmlns:r="http://schemas.openxmlformats.org/officeDocument/2006/relationships" xmlns:p="http://schemas.openxmlformats.org/presentationml/2006/main">
+  <p:cSld>
+    <p:spTree>
+      <p:nvGrpSpPr>
+        <p:cNvPr id="1" name=""/>
+        <p:cNvGrpSpPr/>
+        <p:nvPr/>
+      </p:nvGrpSpPr>
+      <p:grpSpPr>
+        <a:xfrm>
+          <a:off x="0" y="0"/>
+          <a:ext cx="0" cy="0"/>
+          <a:chOff x="0" y="0"/>
+          <a:chExt cx="0" cy="0"/>
+        </a:xfrm>
+      </p:grpSpPr>
+      <p:sp>
+        <p:nvSpPr>
+          <p:cNvPr id="2" name="제목 1">
+            <a:extLst>
+              <a:ext uri="{FF2B5EF4-FFF2-40B4-BE49-F238E27FC236}">
+                <a16:creationId xmlns:a16="http://schemas.microsoft.com/office/drawing/2014/main" id="{E51AE384-C5FA-1804-37B2-A4BB49FE9C63}"/>
+              </a:ext>
+            </a:extLst>
+          </p:cNvPr>
+          <p:cNvSpPr>
+            <a:spLocks noGrp="1"/>
+          </p:cNvSpPr>
+          <p:nvPr>
+            <p:ph type="title"/>
+          </p:nvPr>
+        </p:nvSpPr>
+        <p:spPr/>
+        <p:txBody>
+          <a:bodyPr/>
+          <a:lstStyle/>
+          <a:p>
+            <a:r>
+              <a:rPr lang="en-US" altLang="ko-KR" dirty="0"/>
+              <a:t>Input</a:t>
+            </a:r>
+            <a:r>
+              <a:rPr lang="ko-KR" altLang="en-US" dirty="0"/>
+              <a:t> </a:t>
+            </a:r>
+            <a:r>
+              <a:rPr lang="en-US" altLang="ko-KR" dirty="0"/>
+              <a:t>side</a:t>
+            </a:r>
+            <a:r>
+              <a:rPr lang="ko-KR" altLang="en-US" dirty="0"/>
+              <a:t> </a:t>
+            </a:r>
+            <a:r>
+              <a:rPr lang="ko-KR" altLang="en-US" dirty="0" err="1"/>
+              <a:t>다릿발</a:t>
+            </a:r>
+            <a:endParaRPr lang="ko-KR" altLang="en-US" dirty="0"/>
+          </a:p>
+        </p:txBody>
+      </p:sp>
+      <p:pic>
+        <p:nvPicPr>
+          <p:cNvPr id="5" name="그림 4">
+            <a:extLst>
+              <a:ext uri="{FF2B5EF4-FFF2-40B4-BE49-F238E27FC236}">
+                <a16:creationId xmlns:a16="http://schemas.microsoft.com/office/drawing/2014/main" id="{B4B38613-F556-BB1D-0024-D0915F8F29D2}"/>
+              </a:ext>
+            </a:extLst>
+          </p:cNvPr>
+          <p:cNvPicPr>
+            <a:picLocks noChangeAspect="1"/>
+          </p:cNvPicPr>
+          <p:nvPr/>
+        </p:nvPicPr>
+        <p:blipFill>
+          <a:blip r:embed="rId2"/>
+          <a:stretch>
+            <a:fillRect/>
+          </a:stretch>
+        </p:blipFill>
+        <p:spPr>
+          <a:xfrm>
+            <a:off x="421130" y="1485415"/>
+            <a:ext cx="3632678" cy="3178025"/>
+          </a:xfrm>
+          <a:prstGeom prst="rect">
+            <a:avLst/>
+          </a:prstGeom>
+        </p:spPr>
+      </p:pic>
+      <p:pic>
+        <p:nvPicPr>
+          <p:cNvPr id="9" name="그림 8">
+            <a:extLst>
+              <a:ext uri="{FF2B5EF4-FFF2-40B4-BE49-F238E27FC236}">
+                <a16:creationId xmlns:a16="http://schemas.microsoft.com/office/drawing/2014/main" id="{231C9CA6-EAAC-459A-2A13-691FEC12F1CC}"/>
+              </a:ext>
+            </a:extLst>
+          </p:cNvPr>
+          <p:cNvPicPr>
+            <a:picLocks noChangeAspect="1"/>
+          </p:cNvPicPr>
+          <p:nvPr/>
+        </p:nvPicPr>
+        <p:blipFill>
+          <a:blip r:embed="rId3"/>
+          <a:stretch>
+            <a:fillRect/>
+          </a:stretch>
+        </p:blipFill>
+        <p:spPr>
+          <a:xfrm>
+            <a:off x="6066842" y="3483495"/>
+            <a:ext cx="5947402" cy="2298996"/>
+          </a:xfrm>
+          <a:prstGeom prst="rect">
+            <a:avLst/>
+          </a:prstGeom>
+        </p:spPr>
+      </p:pic>
+      <p:pic>
+        <p:nvPicPr>
+          <p:cNvPr id="4" name="그림 3">
+            <a:extLst>
+              <a:ext uri="{FF2B5EF4-FFF2-40B4-BE49-F238E27FC236}">
+                <a16:creationId xmlns:a16="http://schemas.microsoft.com/office/drawing/2014/main" id="{E6207DF8-5E4E-6D87-725D-2C8A94E9CFE4}"/>
+              </a:ext>
+            </a:extLst>
+          </p:cNvPr>
+          <p:cNvPicPr>
+            <a:picLocks noChangeAspect="1"/>
+          </p:cNvPicPr>
+          <p:nvPr/>
+        </p:nvPicPr>
+        <p:blipFill>
+          <a:blip r:embed="rId4"/>
+          <a:stretch>
+            <a:fillRect/>
+          </a:stretch>
+        </p:blipFill>
+        <p:spPr>
+          <a:xfrm>
+            <a:off x="7053943" y="119188"/>
+            <a:ext cx="4163066" cy="3142999"/>
+          </a:xfrm>
+          <a:prstGeom prst="rect">
+            <a:avLst/>
+          </a:prstGeom>
+        </p:spPr>
+      </p:pic>
+      <p:sp>
+        <p:nvSpPr>
+          <p:cNvPr id="7" name="TextBox 6">
+            <a:extLst>
+              <a:ext uri="{FF2B5EF4-FFF2-40B4-BE49-F238E27FC236}">
+                <a16:creationId xmlns:a16="http://schemas.microsoft.com/office/drawing/2014/main" id="{B19BB55D-7667-9B5A-B563-A8A5E73C7148}"/>
+              </a:ext>
+            </a:extLst>
+          </p:cNvPr>
+          <p:cNvSpPr txBox="1"/>
+          <p:nvPr/>
+        </p:nvSpPr>
+        <p:spPr>
+          <a:xfrm>
+            <a:off x="6873379" y="0"/>
+            <a:ext cx="6096000" cy="215444"/>
+          </a:xfrm>
+          <a:prstGeom prst="rect">
+            <a:avLst/>
+          </a:prstGeom>
+          <a:noFill/>
+        </p:spPr>
+        <p:txBody>
+          <a:bodyPr wrap="square">
+            <a:spAutoFit/>
+          </a:bodyPr>
+          <a:lstStyle/>
+          <a:p>
+            <a:r>
+              <a:rPr lang="ko-KR" altLang="en-US" sz="800" dirty="0">
+                <a:hlinkClick r:id="rId5"/>
+              </a:rPr>
+              <a:t>http://duduji.iptime.org/gnuboard/data/file/du_board_study/XGI_%EC%B4%88%EA%B8%89(V18).pdf</a:t>
+            </a:r>
+            <a:r>
+              <a:rPr lang="ko-KR" altLang="en-US" sz="800" dirty="0"/>
+              <a:t>    </a:t>
+            </a:r>
+            <a:r>
+              <a:rPr lang="en-US" altLang="ko-KR" sz="800" dirty="0"/>
+              <a:t>pp.43</a:t>
+            </a:r>
+            <a:endParaRPr lang="ko-KR" altLang="en-US" sz="800" dirty="0"/>
+          </a:p>
+        </p:txBody>
+      </p:sp>
+      <p:sp>
+        <p:nvSpPr>
+          <p:cNvPr id="3" name="TextBox 2">
+            <a:extLst>
+              <a:ext uri="{FF2B5EF4-FFF2-40B4-BE49-F238E27FC236}">
+                <a16:creationId xmlns:a16="http://schemas.microsoft.com/office/drawing/2014/main" id="{93878D70-AF78-59EE-8C80-8D25AAD6A29B}"/>
+              </a:ext>
+            </a:extLst>
+          </p:cNvPr>
+          <p:cNvSpPr txBox="1"/>
+          <p:nvPr/>
+        </p:nvSpPr>
+        <p:spPr>
+          <a:xfrm>
+            <a:off x="727166" y="5068389"/>
+            <a:ext cx="4855816" cy="369332"/>
+          </a:xfrm>
+          <a:prstGeom prst="rect">
+            <a:avLst/>
+          </a:prstGeom>
+          <a:noFill/>
+        </p:spPr>
+        <p:txBody>
+          <a:bodyPr wrap="none" rtlCol="0">
+            <a:spAutoFit/>
+          </a:bodyPr>
+          <a:lstStyle/>
+          <a:p>
+            <a:r>
+              <a:rPr lang="en-US" altLang="ko-KR" dirty="0"/>
+              <a:t>Input </a:t>
+            </a:r>
+            <a:r>
+              <a:rPr lang="ko-KR" altLang="en-US" dirty="0"/>
+              <a:t>쪽 </a:t>
+            </a:r>
+            <a:r>
+              <a:rPr lang="en-US" altLang="ko-KR" dirty="0"/>
+              <a:t>bool </a:t>
+            </a:r>
+            <a:r>
+              <a:rPr lang="ko-KR" altLang="en-US" dirty="0"/>
+              <a:t>값은 복수개로 전원 연결 가능</a:t>
+            </a:r>
+          </a:p>
+        </p:txBody>
+      </p:sp>
+      <p:sp>
+        <p:nvSpPr>
+          <p:cNvPr id="6" name="타원 5">
+            <a:extLst>
+              <a:ext uri="{FF2B5EF4-FFF2-40B4-BE49-F238E27FC236}">
+                <a16:creationId xmlns:a16="http://schemas.microsoft.com/office/drawing/2014/main" id="{60BC367E-0CA0-76DF-AE1B-A07EF437C993}"/>
+              </a:ext>
+            </a:extLst>
+          </p:cNvPr>
+          <p:cNvSpPr/>
+          <p:nvPr/>
+        </p:nvSpPr>
+        <p:spPr>
+          <a:xfrm>
+            <a:off x="9653451" y="1920240"/>
+            <a:ext cx="431075" cy="701040"/>
+          </a:xfrm>
+          <a:prstGeom prst="ellipse">
+            <a:avLst/>
+          </a:prstGeom>
+          <a:noFill/>
+          <a:ln>
+            <a:solidFill>
+              <a:srgbClr val="FF0000"/>
+            </a:solidFill>
+          </a:ln>
+        </p:spPr>
+        <p:style>
+          <a:lnRef idx="2">
+            <a:schemeClr val="accent1"/>
+          </a:lnRef>
+          <a:fillRef idx="1">
+            <a:schemeClr val="lt1"/>
+          </a:fillRef>
+          <a:effectRef idx="0">
+            <a:schemeClr val="accent1"/>
+          </a:effectRef>
+          <a:fontRef idx="minor">
+            <a:schemeClr val="dk1"/>
+          </a:fontRef>
+        </p:style>
+        <p:txBody>
+          <a:bodyPr rtlCol="0" anchor="ctr"/>
+          <a:lstStyle/>
+          <a:p>
+            <a:pPr algn="ctr"/>
+            <a:endParaRPr lang="ko-KR" altLang="en-US"/>
+          </a:p>
+        </p:txBody>
+      </p:sp>
+      <p:cxnSp>
+        <p:nvCxnSpPr>
+          <p:cNvPr id="10" name="직선 화살표 연결선 9">
+            <a:extLst>
+              <a:ext uri="{FF2B5EF4-FFF2-40B4-BE49-F238E27FC236}">
+                <a16:creationId xmlns:a16="http://schemas.microsoft.com/office/drawing/2014/main" id="{3B57078A-D59E-810D-B7D5-7A93FBA9AA1A}"/>
+              </a:ext>
+            </a:extLst>
+          </p:cNvPr>
+          <p:cNvCxnSpPr>
+            <a:cxnSpLocks/>
+            <a:stCxn id="11" idx="0"/>
+            <a:endCxn id="6" idx="2"/>
+          </p:cNvCxnSpPr>
+          <p:nvPr/>
+        </p:nvCxnSpPr>
+        <p:spPr>
+          <a:xfrm flipV="1">
+            <a:off x="9196287" y="2270760"/>
+            <a:ext cx="457164" cy="656998"/>
+          </a:xfrm>
+          <a:prstGeom prst="straightConnector1">
+            <a:avLst/>
+          </a:prstGeom>
+          <a:ln>
+            <a:tailEnd type="triangle"/>
+          </a:ln>
+        </p:spPr>
+        <p:style>
+          <a:lnRef idx="1">
+            <a:schemeClr val="accent1"/>
+          </a:lnRef>
+          <a:fillRef idx="0">
+            <a:schemeClr val="accent1"/>
+          </a:fillRef>
+          <a:effectRef idx="0">
+            <a:schemeClr val="accent1"/>
+          </a:effectRef>
+          <a:fontRef idx="minor">
+            <a:schemeClr val="tx1"/>
+          </a:fontRef>
+        </p:style>
+      </p:cxnSp>
+      <p:sp>
+        <p:nvSpPr>
+          <p:cNvPr id="11" name="TextBox 10">
+            <a:extLst>
+              <a:ext uri="{FF2B5EF4-FFF2-40B4-BE49-F238E27FC236}">
+                <a16:creationId xmlns:a16="http://schemas.microsoft.com/office/drawing/2014/main" id="{E6D47E95-CD7B-9120-822E-312599035B65}"/>
+              </a:ext>
+            </a:extLst>
+          </p:cNvPr>
+          <p:cNvSpPr txBox="1"/>
+          <p:nvPr/>
+        </p:nvSpPr>
+        <p:spPr>
+          <a:xfrm>
+            <a:off x="8946859" y="2927758"/>
+            <a:ext cx="498855" cy="369332"/>
+          </a:xfrm>
+          <a:prstGeom prst="rect">
+            <a:avLst/>
+          </a:prstGeom>
+          <a:noFill/>
+        </p:spPr>
+        <p:txBody>
+          <a:bodyPr wrap="none" rtlCol="0">
+            <a:spAutoFit/>
+          </a:bodyPr>
+          <a:lstStyle/>
+          <a:p>
+            <a:r>
+              <a:rPr lang="en-US" altLang="ko-KR" dirty="0"/>
+              <a:t>OK</a:t>
+            </a:r>
+            <a:endParaRPr lang="ko-KR" altLang="en-US" dirty="0"/>
+          </a:p>
+        </p:txBody>
+      </p:sp>
+    </p:spTree>
+    <p:extLst>
+      <p:ext uri="{BB962C8B-B14F-4D97-AF65-F5344CB8AC3E}">
+        <p14:creationId xmlns:p14="http://schemas.microsoft.com/office/powerpoint/2010/main" val="2898261055"/>
       </p:ext>
     </p:extLst>
   </p:cSld>
@@ -8516,10 +9137,10 @@
       </p:grpSpPr>
       <p:sp>
         <p:nvSpPr>
-          <p:cNvPr id="4" name="제목 3">
-            <a:extLst>
-              <a:ext uri="{FF2B5EF4-FFF2-40B4-BE49-F238E27FC236}">
-                <a16:creationId xmlns:a16="http://schemas.microsoft.com/office/drawing/2014/main" id="{41B1E1A9-6AFD-E27C-2258-6496ED70FE19}"/>
+          <p:cNvPr id="2" name="제목 1">
+            <a:extLst>
+              <a:ext uri="{FF2B5EF4-FFF2-40B4-BE49-F238E27FC236}">
+                <a16:creationId xmlns:a16="http://schemas.microsoft.com/office/drawing/2014/main" id="{0D8B5E7A-DC4F-3BDC-EAF1-5843624CF4F2}"/>
               </a:ext>
             </a:extLst>
           </p:cNvPr>
@@ -8527,51 +9148,63 @@
             <a:spLocks noGrp="1"/>
           </p:cNvSpPr>
           <p:nvPr>
-            <p:ph type="ctrTitle"/>
+            <p:ph type="title"/>
           </p:nvPr>
         </p:nvSpPr>
-        <p:spPr/>
-        <p:txBody>
-          <a:bodyPr/>
+        <p:spPr>
+          <a:xfrm>
+            <a:off x="313888" y="268652"/>
+            <a:ext cx="2261532" cy="561858"/>
+          </a:xfrm>
+        </p:spPr>
+        <p:txBody>
+          <a:bodyPr>
+            <a:normAutofit fontScale="90000"/>
+          </a:bodyPr>
           <a:lstStyle/>
           <a:p>
             <a:r>
               <a:rPr lang="en-US" altLang="ko-KR" dirty="0"/>
-              <a:t>COUNTER</a:t>
+              <a:t>TON (AB)</a:t>
             </a:r>
             <a:endParaRPr lang="ko-KR" altLang="en-US" dirty="0"/>
           </a:p>
         </p:txBody>
       </p:sp>
-      <p:sp>
-        <p:nvSpPr>
-          <p:cNvPr id="5" name="부제목 4">
-            <a:extLst>
-              <a:ext uri="{FF2B5EF4-FFF2-40B4-BE49-F238E27FC236}">
-                <a16:creationId xmlns:a16="http://schemas.microsoft.com/office/drawing/2014/main" id="{E9D93AD1-9BE9-7782-790D-E3D2F2C1662F}"/>
-              </a:ext>
-            </a:extLst>
-          </p:cNvPr>
-          <p:cNvSpPr>
-            <a:spLocks noGrp="1"/>
-          </p:cNvSpPr>
-          <p:nvPr>
-            <p:ph type="subTitle" idx="1"/>
-          </p:nvPr>
-        </p:nvSpPr>
-        <p:spPr/>
-        <p:txBody>
-          <a:bodyPr/>
-          <a:lstStyle/>
-          <a:p>
-            <a:endParaRPr lang="ko-KR" altLang="en-US" dirty="0"/>
-          </a:p>
-        </p:txBody>
-      </p:sp>
+      <p:pic>
+        <p:nvPicPr>
+          <p:cNvPr id="5" name="그림 4">
+            <a:extLst>
+              <a:ext uri="{FF2B5EF4-FFF2-40B4-BE49-F238E27FC236}">
+                <a16:creationId xmlns:a16="http://schemas.microsoft.com/office/drawing/2014/main" id="{44C55E6A-5DAE-188E-A4B6-26C8AB85DF01}"/>
+              </a:ext>
+            </a:extLst>
+          </p:cNvPr>
+          <p:cNvPicPr>
+            <a:picLocks noChangeAspect="1"/>
+          </p:cNvPicPr>
+          <p:nvPr/>
+        </p:nvPicPr>
+        <p:blipFill>
+          <a:blip r:embed="rId2"/>
+          <a:stretch>
+            <a:fillRect/>
+          </a:stretch>
+        </p:blipFill>
+        <p:spPr>
+          <a:xfrm>
+            <a:off x="3124414" y="76200"/>
+            <a:ext cx="8533972" cy="6858000"/>
+          </a:xfrm>
+          <a:prstGeom prst="rect">
+            <a:avLst/>
+          </a:prstGeom>
+        </p:spPr>
+      </p:pic>
     </p:spTree>
     <p:extLst>
       <p:ext uri="{BB962C8B-B14F-4D97-AF65-F5344CB8AC3E}">
-        <p14:creationId xmlns:p14="http://schemas.microsoft.com/office/powerpoint/2010/main" val="2273421396"/>
+        <p14:creationId xmlns:p14="http://schemas.microsoft.com/office/powerpoint/2010/main" val="2738332145"/>
       </p:ext>
     </p:extLst>
   </p:cSld>
@@ -8598,12 +9231,52 @@
           <a:chExt cx="0" cy="0"/>
         </a:xfrm>
       </p:grpSpPr>
+      <p:sp>
+        <p:nvSpPr>
+          <p:cNvPr id="2" name="제목 1">
+            <a:extLst>
+              <a:ext uri="{FF2B5EF4-FFF2-40B4-BE49-F238E27FC236}">
+                <a16:creationId xmlns:a16="http://schemas.microsoft.com/office/drawing/2014/main" id="{970ED5B0-B1A6-1FC1-C865-BC2D394F99CC}"/>
+              </a:ext>
+            </a:extLst>
+          </p:cNvPr>
+          <p:cNvSpPr>
+            <a:spLocks noGrp="1"/>
+          </p:cNvSpPr>
+          <p:nvPr>
+            <p:ph type="title"/>
+          </p:nvPr>
+        </p:nvSpPr>
+        <p:spPr>
+          <a:xfrm>
+            <a:off x="838200" y="365126"/>
+            <a:ext cx="2627811" cy="867138"/>
+          </a:xfrm>
+        </p:spPr>
+        <p:txBody>
+          <a:bodyPr>
+            <a:normAutofit/>
+          </a:bodyPr>
+          <a:lstStyle/>
+          <a:p>
+            <a:r>
+              <a:rPr lang="ko-KR" altLang="en-US" dirty="0"/>
+              <a:t>산전 </a:t>
+            </a:r>
+            <a:r>
+              <a:rPr lang="en-US" altLang="ko-KR" dirty="0"/>
+              <a:t>TON</a:t>
+            </a:r>
+            <a:endParaRPr lang="ko-KR" altLang="en-US" dirty="0"/>
+          </a:p>
+        </p:txBody>
+      </p:sp>
       <p:pic>
         <p:nvPicPr>
-          <p:cNvPr id="5" name="그림 4">
-            <a:extLst>
-              <a:ext uri="{FF2B5EF4-FFF2-40B4-BE49-F238E27FC236}">
-                <a16:creationId xmlns:a16="http://schemas.microsoft.com/office/drawing/2014/main" id="{2D031465-16DB-9C7C-11E0-954AF46AC467}"/>
+          <p:cNvPr id="4" name="그림 3">
+            <a:extLst>
+              <a:ext uri="{FF2B5EF4-FFF2-40B4-BE49-F238E27FC236}">
+                <a16:creationId xmlns:a16="http://schemas.microsoft.com/office/drawing/2014/main" id="{4273623C-B4A6-D008-C8B1-010065B355F5}"/>
               </a:ext>
             </a:extLst>
           </p:cNvPr>
@@ -8620,109 +9293,18 @@
         </p:blipFill>
         <p:spPr>
           <a:xfrm>
-            <a:off x="1362075" y="1828800"/>
-            <a:ext cx="9467850" cy="3200400"/>
+            <a:off x="2128837" y="995362"/>
+            <a:ext cx="7934325" cy="4867275"/>
           </a:xfrm>
           <a:prstGeom prst="rect">
             <a:avLst/>
           </a:prstGeom>
         </p:spPr>
       </p:pic>
-      <p:sp>
-        <p:nvSpPr>
-          <p:cNvPr id="6" name="제목 1">
-            <a:extLst>
-              <a:ext uri="{FF2B5EF4-FFF2-40B4-BE49-F238E27FC236}">
-                <a16:creationId xmlns:a16="http://schemas.microsoft.com/office/drawing/2014/main" id="{D0CC2357-92A8-8690-7C20-3467415A7415}"/>
-              </a:ext>
-            </a:extLst>
-          </p:cNvPr>
-          <p:cNvSpPr txBox="1">
-            <a:spLocks/>
-          </p:cNvSpPr>
-          <p:nvPr/>
-        </p:nvSpPr>
-        <p:spPr>
-          <a:xfrm>
-            <a:off x="117763" y="124979"/>
-            <a:ext cx="1526309" cy="604693"/>
-          </a:xfrm>
-          <a:prstGeom prst="rect">
-            <a:avLst/>
-          </a:prstGeom>
-        </p:spPr>
-        <p:txBody>
-          <a:bodyPr vert="horz" lIns="91440" tIns="45720" rIns="91440" bIns="45720" rtlCol="0" anchor="ctr">
-            <a:normAutofit fontScale="90000" lnSpcReduction="10000"/>
-          </a:bodyPr>
-          <a:lstStyle>
-            <a:lvl1pPr algn="l" defTabSz="914400" rtl="0" eaLnBrk="1" latinLnBrk="1" hangingPunct="1">
-              <a:lnSpc>
-                <a:spcPct val="90000"/>
-              </a:lnSpc>
-              <a:spcBef>
-                <a:spcPct val="0"/>
-              </a:spcBef>
-              <a:buNone/>
-              <a:defRPr sz="4400" kern="1200">
-                <a:solidFill>
-                  <a:schemeClr val="tx1"/>
-                </a:solidFill>
-                <a:latin typeface="+mj-lt"/>
-                <a:ea typeface="+mj-ea"/>
-                <a:cs typeface="+mj-cs"/>
-              </a:defRPr>
-            </a:lvl1pPr>
-          </a:lstStyle>
-          <a:p>
-            <a:r>
-              <a:rPr lang="en-US" altLang="ko-KR" dirty="0"/>
-              <a:t>CTU</a:t>
-            </a:r>
-            <a:endParaRPr lang="ko-KR" altLang="en-US" dirty="0"/>
-          </a:p>
-        </p:txBody>
-      </p:sp>
-      <p:sp>
-        <p:nvSpPr>
-          <p:cNvPr id="7" name="TextBox 6">
-            <a:extLst>
-              <a:ext uri="{FF2B5EF4-FFF2-40B4-BE49-F238E27FC236}">
-                <a16:creationId xmlns:a16="http://schemas.microsoft.com/office/drawing/2014/main" id="{0650043B-88A0-7279-B89D-5070D8811789}"/>
-              </a:ext>
-            </a:extLst>
-          </p:cNvPr>
-          <p:cNvSpPr txBox="1"/>
-          <p:nvPr/>
-        </p:nvSpPr>
-        <p:spPr>
-          <a:xfrm>
-            <a:off x="465909" y="2037805"/>
-            <a:ext cx="1039067" cy="369332"/>
-          </a:xfrm>
-          <a:prstGeom prst="rect">
-            <a:avLst/>
-          </a:prstGeom>
-          <a:noFill/>
-        </p:spPr>
-        <p:txBody>
-          <a:bodyPr wrap="none" rtlCol="0">
-            <a:spAutoFit/>
-          </a:bodyPr>
-          <a:lstStyle/>
-          <a:p>
-            <a:r>
-              <a:rPr lang="en-US" altLang="ko-KR" dirty="0"/>
-              <a:t>.CU, .CD</a:t>
-            </a:r>
-            <a:endParaRPr lang="ko-KR" altLang="en-US" dirty="0"/>
-          </a:p>
-        </p:txBody>
-      </p:sp>
     </p:spTree>
     <p:extLst>
       <p:ext uri="{BB962C8B-B14F-4D97-AF65-F5344CB8AC3E}">
-        <p14:creationId xmlns:p14="http://schemas.microsoft.com/office/powerpoint/2010/main" val="1978222640"/>
+        <p14:creationId xmlns:p14="http://schemas.microsoft.com/office/powerpoint/2010/main" val="1032010234"/>
       </p:ext>
     </p:extLst>
   </p:cSld>

--- a/DsDotNet/src/Engine/Engine.Core/Timer.pptx
+++ b/DsDotNet/src/Engine/Engine.Core/Timer.pptx
@@ -289,7 +289,7 @@
           <a:p>
             <a:fld id="{F0D11F29-D168-44AB-8C51-C78796B9CFB4}" type="datetimeFigureOut">
               <a:rPr lang="ko-KR" altLang="en-US" smtClean="0"/>
-              <a:t>2023-01-04</a:t>
+              <a:t>2023-02-08</a:t>
             </a:fld>
             <a:endParaRPr lang="ko-KR" altLang="en-US" dirty="0"/>
           </a:p>
@@ -487,7 +487,7 @@
           <a:p>
             <a:fld id="{F0D11F29-D168-44AB-8C51-C78796B9CFB4}" type="datetimeFigureOut">
               <a:rPr lang="ko-KR" altLang="en-US" smtClean="0"/>
-              <a:t>2023-01-04</a:t>
+              <a:t>2023-02-08</a:t>
             </a:fld>
             <a:endParaRPr lang="ko-KR" altLang="en-US" dirty="0"/>
           </a:p>
@@ -695,7 +695,7 @@
           <a:p>
             <a:fld id="{F0D11F29-D168-44AB-8C51-C78796B9CFB4}" type="datetimeFigureOut">
               <a:rPr lang="ko-KR" altLang="en-US" smtClean="0"/>
-              <a:t>2023-01-04</a:t>
+              <a:t>2023-02-08</a:t>
             </a:fld>
             <a:endParaRPr lang="ko-KR" altLang="en-US" dirty="0"/>
           </a:p>
@@ -893,7 +893,7 @@
           <a:p>
             <a:fld id="{F0D11F29-D168-44AB-8C51-C78796B9CFB4}" type="datetimeFigureOut">
               <a:rPr lang="ko-KR" altLang="en-US" smtClean="0"/>
-              <a:t>2023-01-04</a:t>
+              <a:t>2023-02-08</a:t>
             </a:fld>
             <a:endParaRPr lang="ko-KR" altLang="en-US" dirty="0"/>
           </a:p>
@@ -1168,7 +1168,7 @@
           <a:p>
             <a:fld id="{F0D11F29-D168-44AB-8C51-C78796B9CFB4}" type="datetimeFigureOut">
               <a:rPr lang="ko-KR" altLang="en-US" smtClean="0"/>
-              <a:t>2023-01-04</a:t>
+              <a:t>2023-02-08</a:t>
             </a:fld>
             <a:endParaRPr lang="ko-KR" altLang="en-US" dirty="0"/>
           </a:p>
@@ -1433,7 +1433,7 @@
           <a:p>
             <a:fld id="{F0D11F29-D168-44AB-8C51-C78796B9CFB4}" type="datetimeFigureOut">
               <a:rPr lang="ko-KR" altLang="en-US" smtClean="0"/>
-              <a:t>2023-01-04</a:t>
+              <a:t>2023-02-08</a:t>
             </a:fld>
             <a:endParaRPr lang="ko-KR" altLang="en-US" dirty="0"/>
           </a:p>
@@ -1845,7 +1845,7 @@
           <a:p>
             <a:fld id="{F0D11F29-D168-44AB-8C51-C78796B9CFB4}" type="datetimeFigureOut">
               <a:rPr lang="ko-KR" altLang="en-US" smtClean="0"/>
-              <a:t>2023-01-04</a:t>
+              <a:t>2023-02-08</a:t>
             </a:fld>
             <a:endParaRPr lang="ko-KR" altLang="en-US" dirty="0"/>
           </a:p>
@@ -1986,7 +1986,7 @@
           <a:p>
             <a:fld id="{F0D11F29-D168-44AB-8C51-C78796B9CFB4}" type="datetimeFigureOut">
               <a:rPr lang="ko-KR" altLang="en-US" smtClean="0"/>
-              <a:t>2023-01-04</a:t>
+              <a:t>2023-02-08</a:t>
             </a:fld>
             <a:endParaRPr lang="ko-KR" altLang="en-US" dirty="0"/>
           </a:p>
@@ -2099,7 +2099,7 @@
           <a:p>
             <a:fld id="{F0D11F29-D168-44AB-8C51-C78796B9CFB4}" type="datetimeFigureOut">
               <a:rPr lang="ko-KR" altLang="en-US" smtClean="0"/>
-              <a:t>2023-01-04</a:t>
+              <a:t>2023-02-08</a:t>
             </a:fld>
             <a:endParaRPr lang="ko-KR" altLang="en-US" dirty="0"/>
           </a:p>
@@ -2410,7 +2410,7 @@
           <a:p>
             <a:fld id="{F0D11F29-D168-44AB-8C51-C78796B9CFB4}" type="datetimeFigureOut">
               <a:rPr lang="ko-KR" altLang="en-US" smtClean="0"/>
-              <a:t>2023-01-04</a:t>
+              <a:t>2023-02-08</a:t>
             </a:fld>
             <a:endParaRPr lang="ko-KR" altLang="en-US" dirty="0"/>
           </a:p>
@@ -2698,7 +2698,7 @@
           <a:p>
             <a:fld id="{F0D11F29-D168-44AB-8C51-C78796B9CFB4}" type="datetimeFigureOut">
               <a:rPr lang="ko-KR" altLang="en-US" smtClean="0"/>
-              <a:t>2023-01-04</a:t>
+              <a:t>2023-02-08</a:t>
             </a:fld>
             <a:endParaRPr lang="ko-KR" altLang="en-US" dirty="0"/>
           </a:p>
@@ -2939,7 +2939,7 @@
           <a:p>
             <a:fld id="{F0D11F29-D168-44AB-8C51-C78796B9CFB4}" type="datetimeFigureOut">
               <a:rPr lang="ko-KR" altLang="en-US" smtClean="0"/>
-              <a:t>2023-01-04</a:t>
+              <a:t>2023-02-08</a:t>
             </a:fld>
             <a:endParaRPr lang="ko-KR" altLang="en-US" dirty="0"/>
           </a:p>
@@ -3410,6 +3410,127 @@
           </a:p>
         </p:txBody>
       </p:sp>
+      <p:sp>
+        <p:nvSpPr>
+          <p:cNvPr id="5" name="TextBox 4">
+            <a:extLst>
+              <a:ext uri="{FF2B5EF4-FFF2-40B4-BE49-F238E27FC236}">
+                <a16:creationId xmlns:a16="http://schemas.microsoft.com/office/drawing/2014/main" id="{257FEAA0-9A63-7CC9-4DD9-E11F2C0E09BD}"/>
+              </a:ext>
+            </a:extLst>
+          </p:cNvPr>
+          <p:cNvSpPr txBox="1"/>
+          <p:nvPr/>
+        </p:nvSpPr>
+        <p:spPr>
+          <a:xfrm>
+            <a:off x="1524000" y="5550971"/>
+            <a:ext cx="6096000" cy="646331"/>
+          </a:xfrm>
+          <a:prstGeom prst="rect">
+            <a:avLst/>
+          </a:prstGeom>
+          <a:noFill/>
+        </p:spPr>
+        <p:txBody>
+          <a:bodyPr wrap="square">
+            <a:spAutoFit/>
+          </a:bodyPr>
+          <a:lstStyle/>
+          <a:p>
+            <a:r>
+              <a:rPr lang="en-US" altLang="ko-KR" dirty="0">
+                <a:effectLst/>
+                <a:latin typeface="Arial" panose="020B0604020202020204" pitchFamily="34" charset="0"/>
+              </a:rPr>
+              <a:t>XGK</a:t>
+            </a:r>
+            <a:r>
+              <a:rPr lang="ko-KR" altLang="en-US" dirty="0">
+                <a:effectLst/>
+                <a:latin typeface="Arial" panose="020B0604020202020204" pitchFamily="34" charset="0"/>
+              </a:rPr>
+              <a:t>는 타이머가 </a:t>
+            </a:r>
+            <a:r>
+              <a:rPr lang="en-US" altLang="ko-KR" dirty="0">
+                <a:effectLst/>
+                <a:latin typeface="Arial" panose="020B0604020202020204" pitchFamily="34" charset="0"/>
+              </a:rPr>
+              <a:t>8192</a:t>
+            </a:r>
+            <a:r>
+              <a:rPr lang="ko-KR" altLang="en-US" dirty="0">
+                <a:effectLst/>
+                <a:latin typeface="Arial" panose="020B0604020202020204" pitchFamily="34" charset="0"/>
+              </a:rPr>
+              <a:t>개인데 </a:t>
+            </a:r>
+            <a:r>
+              <a:rPr lang="en-US" altLang="ko-KR" dirty="0">
+                <a:effectLst/>
+                <a:latin typeface="Arial" panose="020B0604020202020204" pitchFamily="34" charset="0"/>
+              </a:rPr>
+              <a:t>XGI</a:t>
+            </a:r>
+            <a:r>
+              <a:rPr lang="ko-KR" altLang="en-US" dirty="0">
+                <a:effectLst/>
+                <a:latin typeface="Arial" panose="020B0604020202020204" pitchFamily="34" charset="0"/>
+              </a:rPr>
+              <a:t>는 제한이 없음</a:t>
+            </a:r>
+            <a:endParaRPr lang="en-US" altLang="ko-KR" dirty="0">
+              <a:effectLst/>
+              <a:latin typeface="Arial" panose="020B0604020202020204" pitchFamily="34" charset="0"/>
+            </a:endParaRPr>
+          </a:p>
+          <a:p>
+            <a:endParaRPr lang="ko-KR" altLang="en-US" dirty="0"/>
+          </a:p>
+        </p:txBody>
+      </p:sp>
+      <p:sp>
+        <p:nvSpPr>
+          <p:cNvPr id="7" name="TextBox 6">
+            <a:extLst>
+              <a:ext uri="{FF2B5EF4-FFF2-40B4-BE49-F238E27FC236}">
+                <a16:creationId xmlns:a16="http://schemas.microsoft.com/office/drawing/2014/main" id="{FB219805-D5A6-113C-FC23-AC808300D439}"/>
+              </a:ext>
+            </a:extLst>
+          </p:cNvPr>
+          <p:cNvSpPr txBox="1"/>
+          <p:nvPr/>
+        </p:nvSpPr>
+        <p:spPr>
+          <a:xfrm>
+            <a:off x="424872" y="5951081"/>
+            <a:ext cx="11342255" cy="400110"/>
+          </a:xfrm>
+          <a:prstGeom prst="rect">
+            <a:avLst/>
+          </a:prstGeom>
+          <a:noFill/>
+        </p:spPr>
+        <p:txBody>
+          <a:bodyPr wrap="square">
+            <a:spAutoFit/>
+          </a:bodyPr>
+          <a:lstStyle/>
+          <a:p>
+            <a:r>
+              <a:rPr lang="ko-KR" altLang="en-US" sz="1000" dirty="0">
+                <a:hlinkClick r:id="rId2"/>
+              </a:rPr>
+              <a:t>https://sol.ls-electric.com/uploads/document/16415181015221/LS%EC%9D%BC%EB%A0%89%ED%8A%B8%EB%A6%AD_XGI%20%EC%A0%9C%ED%92%88%EA%B5%90%EC%9C%A1_V2.2.pdf</a:t>
+            </a:r>
+            <a:endParaRPr lang="en-US" altLang="ko-KR" sz="1000" dirty="0"/>
+          </a:p>
+          <a:p>
+            <a:endParaRPr lang="en-US" altLang="ko-KR" sz="1000" dirty="0"/>
+          </a:p>
+        </p:txBody>
+      </p:sp>
     </p:spTree>
     <p:extLst>
       <p:ext uri="{BB962C8B-B14F-4D97-AF65-F5344CB8AC3E}">
